--- a/JS Fundamentals/2.JS-Basics/JS-Basics.pptx
+++ b/JS Fundamentals/2.JS-Basics/JS-Basics.pptx
@@ -1638,10 +1638,9 @@
         <a:lstStyle/>
         <a:p>
           <a:r>
-            <a:rPr lang="en-US" dirty="0" smtClean="0"/>
+            <a:rPr lang="en-US" dirty="0"/>
             <a:t>DHTML</a:t>
           </a:r>
-          <a:endParaRPr lang="en-US" dirty="0"/>
         </a:p>
       </dgm:t>
     </dgm:pt>
@@ -1675,10 +1674,9 @@
         <a:lstStyle/>
         <a:p>
           <a:r>
-            <a:rPr lang="en-US" dirty="0" smtClean="0"/>
+            <a:rPr lang="en-US" dirty="0"/>
             <a:t>HTML</a:t>
           </a:r>
-          <a:endParaRPr lang="en-US" dirty="0"/>
         </a:p>
       </dgm:t>
     </dgm:pt>
@@ -1712,10 +1710,9 @@
         <a:lstStyle/>
         <a:p>
           <a:r>
-            <a:rPr lang="en-US" dirty="0" smtClean="0"/>
+            <a:rPr lang="en-US" dirty="0"/>
             <a:t>CSS</a:t>
           </a:r>
-          <a:endParaRPr lang="en-US" dirty="0"/>
         </a:p>
       </dgm:t>
     </dgm:pt>
@@ -1749,10 +1746,9 @@
         <a:lstStyle/>
         <a:p>
           <a:r>
-            <a:rPr lang="en-US" dirty="0" smtClean="0"/>
+            <a:rPr lang="en-US" dirty="0"/>
             <a:t>JavaScript</a:t>
           </a:r>
-          <a:endParaRPr lang="en-US" dirty="0"/>
         </a:p>
       </dgm:t>
     </dgm:pt>
@@ -1880,21 +1876,21 @@
     </dgm:pt>
   </dgm:ptLst>
   <dgm:cxnLst>
-    <dgm:cxn modelId="{D740534E-212B-4847-A830-C2E9FDA8EEE9}" type="presOf" srcId="{A7C580F8-BB7A-4E85-94A8-AFDDEFE5F2EC}" destId="{BE12FA5F-9E47-4592-B3C7-5EB16D1DC204}" srcOrd="0" destOrd="0" presId="urn:microsoft.com/office/officeart/2005/8/layout/hierarchy2"/>
-    <dgm:cxn modelId="{3E4D798B-48ED-4FFA-9191-2D805388703D}" type="presOf" srcId="{93754FD7-8461-48D0-A674-703C42B7D024}" destId="{32C73F2C-6EC6-448F-B6F6-22F30BE93023}" srcOrd="1" destOrd="0" presId="urn:microsoft.com/office/officeart/2005/8/layout/hierarchy2"/>
-    <dgm:cxn modelId="{873DED55-B8C9-45FB-9C4A-E96F6D4EFD17}" type="presOf" srcId="{93754FD7-8461-48D0-A674-703C42B7D024}" destId="{B36D8718-3426-4C0B-B1D9-A573913E6BA7}" srcOrd="0" destOrd="0" presId="urn:microsoft.com/office/officeart/2005/8/layout/hierarchy2"/>
-    <dgm:cxn modelId="{92233F1B-47D1-4911-8EF6-924F2E350165}" type="presOf" srcId="{27058554-672F-46CC-93A4-ED8BDA3A52BC}" destId="{F532BB08-9096-48E3-BD6F-CA27B8C3B8CA}" srcOrd="0" destOrd="0" presId="urn:microsoft.com/office/officeart/2005/8/layout/hierarchy2"/>
-    <dgm:cxn modelId="{62D745BC-DF51-453C-82EA-763ABDBAE068}" type="presOf" srcId="{D8233AFD-BD08-4F48-91D6-4469389AE091}" destId="{2584FC2C-A2D5-4D21-9F9D-4886527BAEBD}" srcOrd="0" destOrd="0" presId="urn:microsoft.com/office/officeart/2005/8/layout/hierarchy2"/>
-    <dgm:cxn modelId="{1D3F30E1-D16A-4D4A-ACFD-6492B081D49F}" srcId="{A7C580F8-BB7A-4E85-94A8-AFDDEFE5F2EC}" destId="{27058554-672F-46CC-93A4-ED8BDA3A52BC}" srcOrd="1" destOrd="0" parTransId="{93754FD7-8461-48D0-A674-703C42B7D024}" sibTransId="{B1B74CDD-62C3-46C5-9D3C-26580968A647}"/>
-    <dgm:cxn modelId="{64D83F1F-96EB-4BA7-B8D0-C8BC69E21BC8}" srcId="{D8233AFD-BD08-4F48-91D6-4469389AE091}" destId="{A7C580F8-BB7A-4E85-94A8-AFDDEFE5F2EC}" srcOrd="0" destOrd="0" parTransId="{99BDF556-9A8C-4056-B990-A399424E1B22}" sibTransId="{584538AD-E7AA-48F3-99C4-861F83F2E47F}"/>
+    <dgm:cxn modelId="{AA68EAD1-E785-42BA-BEE0-A5246BC8A26D}" srcId="{A7C580F8-BB7A-4E85-94A8-AFDDEFE5F2EC}" destId="{C1DA7BF1-9065-45EE-AE30-258007BB485C}" srcOrd="0" destOrd="0" parTransId="{B32D41F7-F621-4CC5-B6BC-0565FB6168DE}" sibTransId="{F83F2944-0375-4B94-86D7-7349D88A6510}"/>
     <dgm:cxn modelId="{6A837D3E-22B0-4C8A-BA21-6CBDDEAF4095}" type="presOf" srcId="{7D0283B8-054F-49D0-8512-40B8CA93CAC4}" destId="{5FAEF8EE-36BC-485D-A144-5CE66503658D}" srcOrd="0" destOrd="0" presId="urn:microsoft.com/office/officeart/2005/8/layout/hierarchy2"/>
     <dgm:cxn modelId="{D77C54EC-277F-474E-862A-5B991097D8F0}" type="presOf" srcId="{421012F3-961B-4EBE-9570-A2FE75F20BBC}" destId="{32205CC2-83C2-49EC-9FBA-3E07FDF7DA81}" srcOrd="0" destOrd="0" presId="urn:microsoft.com/office/officeart/2005/8/layout/hierarchy2"/>
-    <dgm:cxn modelId="{AA68EAD1-E785-42BA-BEE0-A5246BC8A26D}" srcId="{A7C580F8-BB7A-4E85-94A8-AFDDEFE5F2EC}" destId="{C1DA7BF1-9065-45EE-AE30-258007BB485C}" srcOrd="0" destOrd="0" parTransId="{B32D41F7-F621-4CC5-B6BC-0565FB6168DE}" sibTransId="{F83F2944-0375-4B94-86D7-7349D88A6510}"/>
+    <dgm:cxn modelId="{3E4D798B-48ED-4FFA-9191-2D805388703D}" type="presOf" srcId="{93754FD7-8461-48D0-A674-703C42B7D024}" destId="{32C73F2C-6EC6-448F-B6F6-22F30BE93023}" srcOrd="1" destOrd="0" presId="urn:microsoft.com/office/officeart/2005/8/layout/hierarchy2"/>
+    <dgm:cxn modelId="{64D83F1F-96EB-4BA7-B8D0-C8BC69E21BC8}" srcId="{D8233AFD-BD08-4F48-91D6-4469389AE091}" destId="{A7C580F8-BB7A-4E85-94A8-AFDDEFE5F2EC}" srcOrd="0" destOrd="0" parTransId="{99BDF556-9A8C-4056-B990-A399424E1B22}" sibTransId="{584538AD-E7AA-48F3-99C4-861F83F2E47F}"/>
     <dgm:cxn modelId="{A09930E0-5A95-4000-8F8C-0E9549AA9D4E}" type="presOf" srcId="{C1DA7BF1-9065-45EE-AE30-258007BB485C}" destId="{084EECA1-658E-4BE8-9643-32CFF4FA71BF}" srcOrd="0" destOrd="0" presId="urn:microsoft.com/office/officeart/2005/8/layout/hierarchy2"/>
+    <dgm:cxn modelId="{1D3F30E1-D16A-4D4A-ACFD-6492B081D49F}" srcId="{A7C580F8-BB7A-4E85-94A8-AFDDEFE5F2EC}" destId="{27058554-672F-46CC-93A4-ED8BDA3A52BC}" srcOrd="1" destOrd="0" parTransId="{93754FD7-8461-48D0-A674-703C42B7D024}" sibTransId="{B1B74CDD-62C3-46C5-9D3C-26580968A647}"/>
+    <dgm:cxn modelId="{873DED55-B8C9-45FB-9C4A-E96F6D4EFD17}" type="presOf" srcId="{93754FD7-8461-48D0-A674-703C42B7D024}" destId="{B36D8718-3426-4C0B-B1D9-A573913E6BA7}" srcOrd="0" destOrd="0" presId="urn:microsoft.com/office/officeart/2005/8/layout/hierarchy2"/>
     <dgm:cxn modelId="{E34A1802-36ED-4711-93AE-00E5FBAA76DF}" srcId="{A7C580F8-BB7A-4E85-94A8-AFDDEFE5F2EC}" destId="{421012F3-961B-4EBE-9570-A2FE75F20BBC}" srcOrd="2" destOrd="0" parTransId="{7D0283B8-054F-49D0-8512-40B8CA93CAC4}" sibTransId="{DE9FFABC-6245-44F6-B08E-0FF8FD7540F7}"/>
+    <dgm:cxn modelId="{2391DA4F-6DA0-4762-8ECD-D90F1DE83A64}" type="presOf" srcId="{B32D41F7-F621-4CC5-B6BC-0565FB6168DE}" destId="{9DE500D9-C7FE-46A3-A7B6-746E6E9B6C28}" srcOrd="0" destOrd="0" presId="urn:microsoft.com/office/officeart/2005/8/layout/hierarchy2"/>
     <dgm:cxn modelId="{BE936380-03F2-4359-890C-7B9757FC53EF}" type="presOf" srcId="{B32D41F7-F621-4CC5-B6BC-0565FB6168DE}" destId="{E6D08BB3-B131-4280-BE79-2DF1BA25D2B8}" srcOrd="1" destOrd="0" presId="urn:microsoft.com/office/officeart/2005/8/layout/hierarchy2"/>
     <dgm:cxn modelId="{9F6E6DDF-588F-4ECF-B6D6-2F33CD3AFB02}" type="presOf" srcId="{7D0283B8-054F-49D0-8512-40B8CA93CAC4}" destId="{F9A177CE-0605-43FA-A683-1EA226548E22}" srcOrd="1" destOrd="0" presId="urn:microsoft.com/office/officeart/2005/8/layout/hierarchy2"/>
-    <dgm:cxn modelId="{2391DA4F-6DA0-4762-8ECD-D90F1DE83A64}" type="presOf" srcId="{B32D41F7-F621-4CC5-B6BC-0565FB6168DE}" destId="{9DE500D9-C7FE-46A3-A7B6-746E6E9B6C28}" srcOrd="0" destOrd="0" presId="urn:microsoft.com/office/officeart/2005/8/layout/hierarchy2"/>
+    <dgm:cxn modelId="{92233F1B-47D1-4911-8EF6-924F2E350165}" type="presOf" srcId="{27058554-672F-46CC-93A4-ED8BDA3A52BC}" destId="{F532BB08-9096-48E3-BD6F-CA27B8C3B8CA}" srcOrd="0" destOrd="0" presId="urn:microsoft.com/office/officeart/2005/8/layout/hierarchy2"/>
+    <dgm:cxn modelId="{D740534E-212B-4847-A830-C2E9FDA8EEE9}" type="presOf" srcId="{A7C580F8-BB7A-4E85-94A8-AFDDEFE5F2EC}" destId="{BE12FA5F-9E47-4592-B3C7-5EB16D1DC204}" srcOrd="0" destOrd="0" presId="urn:microsoft.com/office/officeart/2005/8/layout/hierarchy2"/>
+    <dgm:cxn modelId="{62D745BC-DF51-453C-82EA-763ABDBAE068}" type="presOf" srcId="{D8233AFD-BD08-4F48-91D6-4469389AE091}" destId="{2584FC2C-A2D5-4D21-9F9D-4886527BAEBD}" srcOrd="0" destOrd="0" presId="urn:microsoft.com/office/officeart/2005/8/layout/hierarchy2"/>
     <dgm:cxn modelId="{A265299E-A8DC-4D32-B1CA-E759CC7984C8}" type="presParOf" srcId="{2584FC2C-A2D5-4D21-9F9D-4886527BAEBD}" destId="{12FD8D82-4FAC-4EBB-82AD-E66F89D1E621}" srcOrd="0" destOrd="0" presId="urn:microsoft.com/office/officeart/2005/8/layout/hierarchy2"/>
     <dgm:cxn modelId="{5A97EB5C-0702-4222-A0C4-2CAFFCA2F9B5}" type="presParOf" srcId="{12FD8D82-4FAC-4EBB-82AD-E66F89D1E621}" destId="{BE12FA5F-9E47-4592-B3C7-5EB16D1DC204}" srcOrd="0" destOrd="0" presId="urn:microsoft.com/office/officeart/2005/8/layout/hierarchy2"/>
     <dgm:cxn modelId="{B17E0B2E-8373-4607-B34B-6A6311402369}" type="presParOf" srcId="{12FD8D82-4FAC-4EBB-82AD-E66F89D1E621}" destId="{DC5329BB-3757-4EF7-9A56-A341A34EAFC9}" srcOrd="1" destOrd="0" presId="urn:microsoft.com/office/officeart/2005/8/layout/hierarchy2"/>
@@ -1928,7 +1924,7 @@
 <dgm:dataModel xmlns:dgm="http://schemas.openxmlformats.org/drawingml/2006/diagram" xmlns:a="http://schemas.openxmlformats.org/drawingml/2006/main">
   <dgm:ptLst>
     <dgm:pt modelId="{0CE4902E-AEA3-4663-8E50-ED16691AA7C3}" type="doc">
-      <dgm:prSet loTypeId="urn:microsoft.com/office/officeart/2005/8/layout/orgChart1" loCatId="hierarchy" qsTypeId="urn:microsoft.com/office/officeart/2005/8/quickstyle/3d5" qsCatId="3D" csTypeId="urn:microsoft.com/office/officeart/2005/8/colors/accent1_2" csCatId="accent1" phldr="1"/>
+      <dgm:prSet loTypeId="urn:microsoft.com/office/officeart/2008/layout/HorizontalMultiLevelHierarchy" loCatId="hierarchy" qsTypeId="urn:microsoft.com/office/officeart/2005/8/quickstyle/3d5" qsCatId="3D" csTypeId="urn:microsoft.com/office/officeart/2005/8/colors/accent1_2" csCatId="accent1" phldr="1"/>
       <dgm:spPr/>
       <dgm:t>
         <a:bodyPr/>
@@ -1946,10 +1942,9 @@
         <a:lstStyle/>
         <a:p>
           <a:r>
-            <a:rPr lang="en-US" dirty="0" smtClean="0"/>
+            <a:rPr lang="en-US" dirty="0"/>
             <a:t>browser</a:t>
           </a:r>
-          <a:endParaRPr lang="en-US" dirty="0"/>
         </a:p>
       </dgm:t>
     </dgm:pt>
@@ -1983,10 +1978,9 @@
         <a:lstStyle/>
         <a:p>
           <a:r>
-            <a:rPr lang="en-US" dirty="0" smtClean="0"/>
+            <a:rPr lang="en-US" dirty="0"/>
             <a:t>window</a:t>
           </a:r>
-          <a:endParaRPr lang="en-US" dirty="0"/>
         </a:p>
       </dgm:t>
     </dgm:pt>
@@ -2020,10 +2014,9 @@
         <a:lstStyle/>
         <a:p>
           <a:r>
-            <a:rPr lang="en-US" dirty="0" smtClean="0"/>
+            <a:rPr lang="en-US" dirty="0"/>
             <a:t>navigator</a:t>
           </a:r>
-          <a:endParaRPr lang="en-US" dirty="0"/>
         </a:p>
       </dgm:t>
     </dgm:pt>
@@ -2057,10 +2050,9 @@
         <a:lstStyle/>
         <a:p>
           <a:r>
-            <a:rPr lang="en-US" dirty="0" smtClean="0"/>
+            <a:rPr lang="en-US" dirty="0"/>
             <a:t>screen</a:t>
           </a:r>
-          <a:endParaRPr lang="en-US" dirty="0"/>
         </a:p>
       </dgm:t>
     </dgm:pt>
@@ -2094,10 +2086,9 @@
         <a:lstStyle/>
         <a:p>
           <a:r>
-            <a:rPr lang="en-US" dirty="0" smtClean="0"/>
+            <a:rPr lang="en-US" dirty="0"/>
             <a:t>document</a:t>
           </a:r>
-          <a:endParaRPr lang="en-US" dirty="0"/>
         </a:p>
       </dgm:t>
     </dgm:pt>
@@ -2123,37 +2114,22 @@
         </a:p>
       </dgm:t>
     </dgm:pt>
-    <dgm:pt modelId="{F6119B56-057A-41CE-8638-57C8A2B8F5CE}" type="pres">
-      <dgm:prSet presAssocID="{0CE4902E-AEA3-4663-8E50-ED16691AA7C3}" presName="hierChild1" presStyleCnt="0">
-        <dgm:presLayoutVars>
-          <dgm:orgChart val="1"/>
-          <dgm:chPref val="1"/>
-          <dgm:dir/>
-          <dgm:animOne val="branch"/>
-          <dgm:animLvl val="lvl"/>
-          <dgm:resizeHandles/>
-        </dgm:presLayoutVars>
-      </dgm:prSet>
+    <dgm:pt modelId="{EC9E48CA-F71F-46EF-AA62-66DC86E8E08D}">
+      <dgm:prSet phldrT="[Text]"/>
       <dgm:spPr/>
+      <dgm:t>
+        <a:bodyPr/>
+        <a:lstStyle/>
+        <a:p>
+          <a:r>
+            <a:rPr lang="en-US" dirty="0"/>
+            <a:t>console</a:t>
+          </a:r>
+        </a:p>
+      </dgm:t>
     </dgm:pt>
-    <dgm:pt modelId="{B224AD43-227A-489B-9CC9-185888EDA869}" type="pres">
-      <dgm:prSet presAssocID="{136305A5-BB2B-4A9D-9234-9001ECD52976}" presName="hierRoot1" presStyleCnt="0">
-        <dgm:presLayoutVars>
-          <dgm:hierBranch val="init"/>
-        </dgm:presLayoutVars>
-      </dgm:prSet>
-      <dgm:spPr/>
-    </dgm:pt>
-    <dgm:pt modelId="{AB18D545-857D-449C-86C8-D52302E0F362}" type="pres">
-      <dgm:prSet presAssocID="{136305A5-BB2B-4A9D-9234-9001ECD52976}" presName="rootComposite1" presStyleCnt="0"/>
-      <dgm:spPr/>
-    </dgm:pt>
-    <dgm:pt modelId="{03530A2C-7AC2-473F-8D1F-95BB2B294847}" type="pres">
-      <dgm:prSet presAssocID="{136305A5-BB2B-4A9D-9234-9001ECD52976}" presName="rootText1" presStyleLbl="node0" presStyleIdx="0" presStyleCnt="1" custLinFactNeighborY="-60531">
-        <dgm:presLayoutVars>
-          <dgm:chPref val="3"/>
-        </dgm:presLayoutVars>
-      </dgm:prSet>
+    <dgm:pt modelId="{53FFDE34-10A9-43ED-8198-78BC42E84E4D}" type="parTrans" cxnId="{9554A64E-6806-4CCF-B115-DD081AFE5911}">
+      <dgm:prSet/>
       <dgm:spPr/>
       <dgm:t>
         <a:bodyPr/>
@@ -2163,108 +2139,8 @@
         </a:p>
       </dgm:t>
     </dgm:pt>
-    <dgm:pt modelId="{9455D80E-5BB5-472D-8F85-145CE8B6E5AF}" type="pres">
-      <dgm:prSet presAssocID="{136305A5-BB2B-4A9D-9234-9001ECD52976}" presName="rootConnector1" presStyleLbl="node1" presStyleIdx="0" presStyleCnt="0"/>
-      <dgm:spPr/>
-    </dgm:pt>
-    <dgm:pt modelId="{FEBF64DA-55EC-43EB-B673-F0B6D0A948AF}" type="pres">
-      <dgm:prSet presAssocID="{136305A5-BB2B-4A9D-9234-9001ECD52976}" presName="hierChild2" presStyleCnt="0"/>
-      <dgm:spPr/>
-    </dgm:pt>
-    <dgm:pt modelId="{1B7E4774-CD09-4BAD-A0F9-B5578B813852}" type="pres">
-      <dgm:prSet presAssocID="{FC2601F6-D611-4F13-BEDF-4FEF41AE5468}" presName="Name37" presStyleLbl="parChTrans1D2" presStyleIdx="0" presStyleCnt="4"/>
-      <dgm:spPr/>
-    </dgm:pt>
-    <dgm:pt modelId="{1C196A5F-85CD-475C-878A-139560BF8202}" type="pres">
-      <dgm:prSet presAssocID="{EC266908-FF05-4C9E-83A5-16DAADD1E243}" presName="hierRoot2" presStyleCnt="0">
-        <dgm:presLayoutVars>
-          <dgm:hierBranch val="init"/>
-        </dgm:presLayoutVars>
-      </dgm:prSet>
-      <dgm:spPr/>
-    </dgm:pt>
-    <dgm:pt modelId="{5272C485-AEB6-4A53-9AFF-D3F143072D33}" type="pres">
-      <dgm:prSet presAssocID="{EC266908-FF05-4C9E-83A5-16DAADD1E243}" presName="rootComposite" presStyleCnt="0"/>
-      <dgm:spPr/>
-    </dgm:pt>
-    <dgm:pt modelId="{EC7D32D1-E93B-4E50-AF2D-3CBF246D1606}" type="pres">
-      <dgm:prSet presAssocID="{EC266908-FF05-4C9E-83A5-16DAADD1E243}" presName="rootText" presStyleLbl="node2" presStyleIdx="0" presStyleCnt="4">
-        <dgm:presLayoutVars>
-          <dgm:chPref val="3"/>
-        </dgm:presLayoutVars>
-      </dgm:prSet>
-      <dgm:spPr/>
-    </dgm:pt>
-    <dgm:pt modelId="{C22D6FDD-E041-4F16-A66B-08196762EBC8}" type="pres">
-      <dgm:prSet presAssocID="{EC266908-FF05-4C9E-83A5-16DAADD1E243}" presName="rootConnector" presStyleLbl="node2" presStyleIdx="0" presStyleCnt="4"/>
-      <dgm:spPr/>
-    </dgm:pt>
-    <dgm:pt modelId="{0B24F49E-C008-4AEE-B709-9E8783C8BFD5}" type="pres">
-      <dgm:prSet presAssocID="{EC266908-FF05-4C9E-83A5-16DAADD1E243}" presName="hierChild4" presStyleCnt="0"/>
-      <dgm:spPr/>
-    </dgm:pt>
-    <dgm:pt modelId="{D4E74D30-B21B-4BF3-B7EC-0001BC977B44}" type="pres">
-      <dgm:prSet presAssocID="{EC266908-FF05-4C9E-83A5-16DAADD1E243}" presName="hierChild5" presStyleCnt="0"/>
-      <dgm:spPr/>
-    </dgm:pt>
-    <dgm:pt modelId="{2D42AB42-D582-4FCF-B439-C6E3971A4D91}" type="pres">
-      <dgm:prSet presAssocID="{F6FE9FC1-97E6-4CEA-A4D6-B5D8087D377C}" presName="Name37" presStyleLbl="parChTrans1D2" presStyleIdx="1" presStyleCnt="4"/>
-      <dgm:spPr/>
-    </dgm:pt>
-    <dgm:pt modelId="{3BD59616-BE71-4742-B887-AD6561F7A1B0}" type="pres">
-      <dgm:prSet presAssocID="{2CFF7402-5522-487D-B2B7-45246EA5FB6A}" presName="hierRoot2" presStyleCnt="0">
-        <dgm:presLayoutVars>
-          <dgm:hierBranch val="init"/>
-        </dgm:presLayoutVars>
-      </dgm:prSet>
-      <dgm:spPr/>
-    </dgm:pt>
-    <dgm:pt modelId="{FFAA225F-E1AB-4FE1-86DE-AEE3A2FB64E0}" type="pres">
-      <dgm:prSet presAssocID="{2CFF7402-5522-487D-B2B7-45246EA5FB6A}" presName="rootComposite" presStyleCnt="0"/>
-      <dgm:spPr/>
-    </dgm:pt>
-    <dgm:pt modelId="{12C0C675-6569-4420-94B1-6061A9A6CB9F}" type="pres">
-      <dgm:prSet presAssocID="{2CFF7402-5522-487D-B2B7-45246EA5FB6A}" presName="rootText" presStyleLbl="node2" presStyleIdx="1" presStyleCnt="4">
-        <dgm:presLayoutVars>
-          <dgm:chPref val="3"/>
-        </dgm:presLayoutVars>
-      </dgm:prSet>
-      <dgm:spPr/>
-    </dgm:pt>
-    <dgm:pt modelId="{EC725EF9-4B66-48F3-AA48-8BB0144CC494}" type="pres">
-      <dgm:prSet presAssocID="{2CFF7402-5522-487D-B2B7-45246EA5FB6A}" presName="rootConnector" presStyleLbl="node2" presStyleIdx="1" presStyleCnt="4"/>
-      <dgm:spPr/>
-    </dgm:pt>
-    <dgm:pt modelId="{790434DE-1F38-4B3E-BC70-5B68EC2FC84E}" type="pres">
-      <dgm:prSet presAssocID="{2CFF7402-5522-487D-B2B7-45246EA5FB6A}" presName="hierChild4" presStyleCnt="0"/>
-      <dgm:spPr/>
-    </dgm:pt>
-    <dgm:pt modelId="{20F2858F-DD6E-48B3-AC5A-2AE39B1910B6}" type="pres">
-      <dgm:prSet presAssocID="{2CFF7402-5522-487D-B2B7-45246EA5FB6A}" presName="hierChild5" presStyleCnt="0"/>
-      <dgm:spPr/>
-    </dgm:pt>
-    <dgm:pt modelId="{76DF5764-744C-4FA6-8BC0-B4C3CA10EFD0}" type="pres">
-      <dgm:prSet presAssocID="{3E4F124F-36A5-4C07-B3FA-82F83474A6E9}" presName="Name37" presStyleLbl="parChTrans1D2" presStyleIdx="2" presStyleCnt="4"/>
-      <dgm:spPr/>
-    </dgm:pt>
-    <dgm:pt modelId="{522ECAB6-95E9-4A6B-9010-7FB06CE53098}" type="pres">
-      <dgm:prSet presAssocID="{233D1B26-2595-4AF0-97A7-2DDDFA83C48A}" presName="hierRoot2" presStyleCnt="0">
-        <dgm:presLayoutVars>
-          <dgm:hierBranch val="init"/>
-        </dgm:presLayoutVars>
-      </dgm:prSet>
-      <dgm:spPr/>
-    </dgm:pt>
-    <dgm:pt modelId="{8BF26EEA-74DA-46A6-AF83-0938EF9807FF}" type="pres">
-      <dgm:prSet presAssocID="{233D1B26-2595-4AF0-97A7-2DDDFA83C48A}" presName="rootComposite" presStyleCnt="0"/>
-      <dgm:spPr/>
-    </dgm:pt>
-    <dgm:pt modelId="{DCFCEA9A-1F29-458D-BACC-540725D624B4}" type="pres">
-      <dgm:prSet presAssocID="{233D1B26-2595-4AF0-97A7-2DDDFA83C48A}" presName="rootText" presStyleLbl="node2" presStyleIdx="2" presStyleCnt="4">
-        <dgm:presLayoutVars>
-          <dgm:chPref val="3"/>
-        </dgm:presLayoutVars>
-      </dgm:prSet>
+    <dgm:pt modelId="{F2F2C829-1E96-4D1B-862A-33069CC051A1}" type="sibTrans" cxnId="{9554A64E-6806-4CCF-B115-DD081AFE5911}">
+      <dgm:prSet/>
       <dgm:spPr/>
       <dgm:t>
         <a:bodyPr/>
@@ -2274,40 +2150,22 @@
         </a:p>
       </dgm:t>
     </dgm:pt>
-    <dgm:pt modelId="{41E205D5-D6CE-43D5-A0A8-CF328E084E08}" type="pres">
-      <dgm:prSet presAssocID="{233D1B26-2595-4AF0-97A7-2DDDFA83C48A}" presName="rootConnector" presStyleLbl="node2" presStyleIdx="2" presStyleCnt="4"/>
+    <dgm:pt modelId="{9BB9D16D-BFBD-4E00-811F-7D81CB40E769}">
+      <dgm:prSet phldrT="[Text]"/>
       <dgm:spPr/>
+      <dgm:t>
+        <a:bodyPr/>
+        <a:lstStyle/>
+        <a:p>
+          <a:r>
+            <a:rPr lang="en-US" dirty="0"/>
+            <a:t>Math</a:t>
+          </a:r>
+        </a:p>
+      </dgm:t>
     </dgm:pt>
-    <dgm:pt modelId="{E88AFAE0-8DAD-4BB0-93BB-E1847ECA8162}" type="pres">
-      <dgm:prSet presAssocID="{233D1B26-2595-4AF0-97A7-2DDDFA83C48A}" presName="hierChild4" presStyleCnt="0"/>
-      <dgm:spPr/>
-    </dgm:pt>
-    <dgm:pt modelId="{595F5D92-38EA-4233-AC62-C748A00F524F}" type="pres">
-      <dgm:prSet presAssocID="{233D1B26-2595-4AF0-97A7-2DDDFA83C48A}" presName="hierChild5" presStyleCnt="0"/>
-      <dgm:spPr/>
-    </dgm:pt>
-    <dgm:pt modelId="{48D56CD6-516E-4AAE-8A0D-6DDA2C4D113F}" type="pres">
-      <dgm:prSet presAssocID="{F6780BA7-79FF-42A2-B338-A73D9E0AEB11}" presName="Name37" presStyleLbl="parChTrans1D2" presStyleIdx="3" presStyleCnt="4"/>
-      <dgm:spPr/>
-    </dgm:pt>
-    <dgm:pt modelId="{38C9E253-186A-486B-A594-CAD7E7113782}" type="pres">
-      <dgm:prSet presAssocID="{193283BC-6FE2-4937-89C2-547F9B8367AE}" presName="hierRoot2" presStyleCnt="0">
-        <dgm:presLayoutVars>
-          <dgm:hierBranch val="init"/>
-        </dgm:presLayoutVars>
-      </dgm:prSet>
-      <dgm:spPr/>
-    </dgm:pt>
-    <dgm:pt modelId="{45349D38-B83F-4EB7-91B7-77F43E9AE585}" type="pres">
-      <dgm:prSet presAssocID="{193283BC-6FE2-4937-89C2-547F9B8367AE}" presName="rootComposite" presStyleCnt="0"/>
-      <dgm:spPr/>
-    </dgm:pt>
-    <dgm:pt modelId="{3E8FCECF-CA31-46E3-814B-0781EB817790}" type="pres">
-      <dgm:prSet presAssocID="{193283BC-6FE2-4937-89C2-547F9B8367AE}" presName="rootText" presStyleLbl="node2" presStyleIdx="3" presStyleCnt="4">
-        <dgm:presLayoutVars>
-          <dgm:chPref val="3"/>
-        </dgm:presLayoutVars>
-      </dgm:prSet>
+    <dgm:pt modelId="{479F6A46-5B73-4753-A8B6-71E302832762}" type="parTrans" cxnId="{BBD4CA62-F884-4A42-B314-C7C28B5FB556}">
+      <dgm:prSet/>
       <dgm:spPr/>
       <dgm:t>
         <a:bodyPr/>
@@ -2317,78 +2175,320 @@
         </a:p>
       </dgm:t>
     </dgm:pt>
-    <dgm:pt modelId="{A1D8E066-D005-443E-A6E8-E6E886D50DA4}" type="pres">
-      <dgm:prSet presAssocID="{193283BC-6FE2-4937-89C2-547F9B8367AE}" presName="rootConnector" presStyleLbl="node2" presStyleIdx="3" presStyleCnt="4"/>
+    <dgm:pt modelId="{829038CF-6FC4-4B44-A16E-595398FC224B}" type="sibTrans" cxnId="{BBD4CA62-F884-4A42-B314-C7C28B5FB556}">
+      <dgm:prSet/>
+      <dgm:spPr/>
+      <dgm:t>
+        <a:bodyPr/>
+        <a:lstStyle/>
+        <a:p>
+          <a:endParaRPr lang="en-US"/>
+        </a:p>
+      </dgm:t>
+    </dgm:pt>
+    <dgm:pt modelId="{73F2DD5F-739C-4C65-A4D9-935B17BF4511}">
+      <dgm:prSet phldrT="[Text]"/>
+      <dgm:spPr/>
+      <dgm:t>
+        <a:bodyPr/>
+        <a:lstStyle/>
+        <a:p>
+          <a:r>
+            <a:rPr lang="en-US" dirty="0"/>
+            <a:t>Date</a:t>
+          </a:r>
+        </a:p>
+      </dgm:t>
+    </dgm:pt>
+    <dgm:pt modelId="{1E150514-5681-437E-98C2-1E63273F95DD}" type="parTrans" cxnId="{E00EF4BD-D8D7-4549-BB64-730F5B169DAB}">
+      <dgm:prSet/>
+      <dgm:spPr/>
+      <dgm:t>
+        <a:bodyPr/>
+        <a:lstStyle/>
+        <a:p>
+          <a:endParaRPr lang="en-US"/>
+        </a:p>
+      </dgm:t>
+    </dgm:pt>
+    <dgm:pt modelId="{71287601-519A-4F89-8DD5-BDF4108C6806}" type="sibTrans" cxnId="{E00EF4BD-D8D7-4549-BB64-730F5B169DAB}">
+      <dgm:prSet/>
+      <dgm:spPr/>
+      <dgm:t>
+        <a:bodyPr/>
+        <a:lstStyle/>
+        <a:p>
+          <a:endParaRPr lang="en-US"/>
+        </a:p>
+      </dgm:t>
+    </dgm:pt>
+    <dgm:pt modelId="{E1394F1F-77D3-4EB2-85D8-38DA710C7FE4}" type="pres">
+      <dgm:prSet presAssocID="{0CE4902E-AEA3-4663-8E50-ED16691AA7C3}" presName="Name0" presStyleCnt="0">
+        <dgm:presLayoutVars>
+          <dgm:chPref val="1"/>
+          <dgm:dir/>
+          <dgm:animOne val="branch"/>
+          <dgm:animLvl val="lvl"/>
+          <dgm:resizeHandles val="exact"/>
+        </dgm:presLayoutVars>
+      </dgm:prSet>
       <dgm:spPr/>
     </dgm:pt>
-    <dgm:pt modelId="{D89ACFE0-55B6-408B-B1FC-A77E909DDD7B}" type="pres">
-      <dgm:prSet presAssocID="{193283BC-6FE2-4937-89C2-547F9B8367AE}" presName="hierChild4" presStyleCnt="0"/>
+    <dgm:pt modelId="{313CE6EB-0E80-47FD-BBAE-76764FE0EEA6}" type="pres">
+      <dgm:prSet presAssocID="{136305A5-BB2B-4A9D-9234-9001ECD52976}" presName="root1" presStyleCnt="0"/>
       <dgm:spPr/>
     </dgm:pt>
-    <dgm:pt modelId="{3D1E29AA-C139-482A-84F1-581C09E6907A}" type="pres">
-      <dgm:prSet presAssocID="{193283BC-6FE2-4937-89C2-547F9B8367AE}" presName="hierChild5" presStyleCnt="0"/>
+    <dgm:pt modelId="{BC55A964-21AC-41A9-B459-589605241027}" type="pres">
+      <dgm:prSet presAssocID="{136305A5-BB2B-4A9D-9234-9001ECD52976}" presName="LevelOneTextNode" presStyleLbl="node0" presStyleIdx="0" presStyleCnt="1">
+        <dgm:presLayoutVars>
+          <dgm:chPref val="3"/>
+        </dgm:presLayoutVars>
+      </dgm:prSet>
       <dgm:spPr/>
     </dgm:pt>
-    <dgm:pt modelId="{55A9DDBB-5068-48FF-B382-6913158ABB04}" type="pres">
-      <dgm:prSet presAssocID="{136305A5-BB2B-4A9D-9234-9001ECD52976}" presName="hierChild3" presStyleCnt="0"/>
+    <dgm:pt modelId="{48B868DA-C564-4FC1-B223-DC671DFF1C8C}" type="pres">
+      <dgm:prSet presAssocID="{136305A5-BB2B-4A9D-9234-9001ECD52976}" presName="level2hierChild" presStyleCnt="0"/>
+      <dgm:spPr/>
+    </dgm:pt>
+    <dgm:pt modelId="{EE1FC525-BC0F-4D95-8202-FDA2800D863A}" type="pres">
+      <dgm:prSet presAssocID="{FC2601F6-D611-4F13-BEDF-4FEF41AE5468}" presName="conn2-1" presStyleLbl="parChTrans1D2" presStyleIdx="0" presStyleCnt="7"/>
+      <dgm:spPr/>
+    </dgm:pt>
+    <dgm:pt modelId="{7217E31E-08F7-45F8-BAA2-1AF52E4387F5}" type="pres">
+      <dgm:prSet presAssocID="{FC2601F6-D611-4F13-BEDF-4FEF41AE5468}" presName="connTx" presStyleLbl="parChTrans1D2" presStyleIdx="0" presStyleCnt="7"/>
+      <dgm:spPr/>
+    </dgm:pt>
+    <dgm:pt modelId="{85E61018-0CE1-4281-A73D-76444B395B1E}" type="pres">
+      <dgm:prSet presAssocID="{EC266908-FF05-4C9E-83A5-16DAADD1E243}" presName="root2" presStyleCnt="0"/>
+      <dgm:spPr/>
+    </dgm:pt>
+    <dgm:pt modelId="{DD55B2CC-872C-4B62-8F57-04EE6D762B90}" type="pres">
+      <dgm:prSet presAssocID="{EC266908-FF05-4C9E-83A5-16DAADD1E243}" presName="LevelTwoTextNode" presStyleLbl="node2" presStyleIdx="0" presStyleCnt="7">
+        <dgm:presLayoutVars>
+          <dgm:chPref val="3"/>
+        </dgm:presLayoutVars>
+      </dgm:prSet>
+      <dgm:spPr/>
+    </dgm:pt>
+    <dgm:pt modelId="{E080C0A9-E240-4DC1-9A74-1517D72FA572}" type="pres">
+      <dgm:prSet presAssocID="{EC266908-FF05-4C9E-83A5-16DAADD1E243}" presName="level3hierChild" presStyleCnt="0"/>
+      <dgm:spPr/>
+    </dgm:pt>
+    <dgm:pt modelId="{B7298179-20F6-4B7D-A762-B674ADBD9037}" type="pres">
+      <dgm:prSet presAssocID="{F6FE9FC1-97E6-4CEA-A4D6-B5D8087D377C}" presName="conn2-1" presStyleLbl="parChTrans1D2" presStyleIdx="1" presStyleCnt="7"/>
+      <dgm:spPr/>
+    </dgm:pt>
+    <dgm:pt modelId="{A3D312CA-FD80-4A1C-B2C4-76024F224091}" type="pres">
+      <dgm:prSet presAssocID="{F6FE9FC1-97E6-4CEA-A4D6-B5D8087D377C}" presName="connTx" presStyleLbl="parChTrans1D2" presStyleIdx="1" presStyleCnt="7"/>
+      <dgm:spPr/>
+    </dgm:pt>
+    <dgm:pt modelId="{A6E55060-C5AD-41CC-A834-49AA853ED559}" type="pres">
+      <dgm:prSet presAssocID="{2CFF7402-5522-487D-B2B7-45246EA5FB6A}" presName="root2" presStyleCnt="0"/>
+      <dgm:spPr/>
+    </dgm:pt>
+    <dgm:pt modelId="{979FBBDA-44C5-4F34-AF21-B510A698D321}" type="pres">
+      <dgm:prSet presAssocID="{2CFF7402-5522-487D-B2B7-45246EA5FB6A}" presName="LevelTwoTextNode" presStyleLbl="node2" presStyleIdx="1" presStyleCnt="7">
+        <dgm:presLayoutVars>
+          <dgm:chPref val="3"/>
+        </dgm:presLayoutVars>
+      </dgm:prSet>
+      <dgm:spPr/>
+    </dgm:pt>
+    <dgm:pt modelId="{C8AE15FF-E1E8-4115-A290-A97803B583F9}" type="pres">
+      <dgm:prSet presAssocID="{2CFF7402-5522-487D-B2B7-45246EA5FB6A}" presName="level3hierChild" presStyleCnt="0"/>
+      <dgm:spPr/>
+    </dgm:pt>
+    <dgm:pt modelId="{6E6F2605-47BF-4FCC-ACAD-E2636BE32143}" type="pres">
+      <dgm:prSet presAssocID="{3E4F124F-36A5-4C07-B3FA-82F83474A6E9}" presName="conn2-1" presStyleLbl="parChTrans1D2" presStyleIdx="2" presStyleCnt="7"/>
+      <dgm:spPr/>
+    </dgm:pt>
+    <dgm:pt modelId="{0EF515CA-7D83-4C12-890F-53953689956D}" type="pres">
+      <dgm:prSet presAssocID="{3E4F124F-36A5-4C07-B3FA-82F83474A6E9}" presName="connTx" presStyleLbl="parChTrans1D2" presStyleIdx="2" presStyleCnt="7"/>
+      <dgm:spPr/>
+    </dgm:pt>
+    <dgm:pt modelId="{67C56CEF-0338-4120-9EA1-BE1028F2CFBC}" type="pres">
+      <dgm:prSet presAssocID="{233D1B26-2595-4AF0-97A7-2DDDFA83C48A}" presName="root2" presStyleCnt="0"/>
+      <dgm:spPr/>
+    </dgm:pt>
+    <dgm:pt modelId="{9B6AD863-7420-40C6-8748-5F843439AE17}" type="pres">
+      <dgm:prSet presAssocID="{233D1B26-2595-4AF0-97A7-2DDDFA83C48A}" presName="LevelTwoTextNode" presStyleLbl="node2" presStyleIdx="2" presStyleCnt="7">
+        <dgm:presLayoutVars>
+          <dgm:chPref val="3"/>
+        </dgm:presLayoutVars>
+      </dgm:prSet>
+      <dgm:spPr/>
+    </dgm:pt>
+    <dgm:pt modelId="{1A0C3C72-6D28-45E7-A713-CF42AE9B8FDC}" type="pres">
+      <dgm:prSet presAssocID="{233D1B26-2595-4AF0-97A7-2DDDFA83C48A}" presName="level3hierChild" presStyleCnt="0"/>
+      <dgm:spPr/>
+    </dgm:pt>
+    <dgm:pt modelId="{285FD776-084F-40F4-BC1D-E952B4B0420A}" type="pres">
+      <dgm:prSet presAssocID="{F6780BA7-79FF-42A2-B338-A73D9E0AEB11}" presName="conn2-1" presStyleLbl="parChTrans1D2" presStyleIdx="3" presStyleCnt="7"/>
+      <dgm:spPr/>
+    </dgm:pt>
+    <dgm:pt modelId="{59730C7F-37CA-43B6-A052-4176BE8A2902}" type="pres">
+      <dgm:prSet presAssocID="{F6780BA7-79FF-42A2-B338-A73D9E0AEB11}" presName="connTx" presStyleLbl="parChTrans1D2" presStyleIdx="3" presStyleCnt="7"/>
+      <dgm:spPr/>
+    </dgm:pt>
+    <dgm:pt modelId="{D296DF0A-D227-4822-AE5B-AA669307B370}" type="pres">
+      <dgm:prSet presAssocID="{193283BC-6FE2-4937-89C2-547F9B8367AE}" presName="root2" presStyleCnt="0"/>
+      <dgm:spPr/>
+    </dgm:pt>
+    <dgm:pt modelId="{66C9145C-710C-4C0C-9C36-7178356B5BD6}" type="pres">
+      <dgm:prSet presAssocID="{193283BC-6FE2-4937-89C2-547F9B8367AE}" presName="LevelTwoTextNode" presStyleLbl="node2" presStyleIdx="3" presStyleCnt="7">
+        <dgm:presLayoutVars>
+          <dgm:chPref val="3"/>
+        </dgm:presLayoutVars>
+      </dgm:prSet>
+      <dgm:spPr/>
+    </dgm:pt>
+    <dgm:pt modelId="{A804B1D9-9CC3-40A6-B7B3-B5E7E38B1169}" type="pres">
+      <dgm:prSet presAssocID="{193283BC-6FE2-4937-89C2-547F9B8367AE}" presName="level3hierChild" presStyleCnt="0"/>
+      <dgm:spPr/>
+    </dgm:pt>
+    <dgm:pt modelId="{07A7E966-539B-4317-8B99-54D8E518BBB2}" type="pres">
+      <dgm:prSet presAssocID="{53FFDE34-10A9-43ED-8198-78BC42E84E4D}" presName="conn2-1" presStyleLbl="parChTrans1D2" presStyleIdx="4" presStyleCnt="7"/>
+      <dgm:spPr/>
+    </dgm:pt>
+    <dgm:pt modelId="{C4416D92-A461-45F2-B4EB-4F3E9C3543F0}" type="pres">
+      <dgm:prSet presAssocID="{53FFDE34-10A9-43ED-8198-78BC42E84E4D}" presName="connTx" presStyleLbl="parChTrans1D2" presStyleIdx="4" presStyleCnt="7"/>
+      <dgm:spPr/>
+    </dgm:pt>
+    <dgm:pt modelId="{2403463C-6D02-4629-AB0B-D42CF15D083A}" type="pres">
+      <dgm:prSet presAssocID="{EC9E48CA-F71F-46EF-AA62-66DC86E8E08D}" presName="root2" presStyleCnt="0"/>
+      <dgm:spPr/>
+    </dgm:pt>
+    <dgm:pt modelId="{5CFDBF41-FCED-4C2C-BA0E-14752DC33CF2}" type="pres">
+      <dgm:prSet presAssocID="{EC9E48CA-F71F-46EF-AA62-66DC86E8E08D}" presName="LevelTwoTextNode" presStyleLbl="node2" presStyleIdx="4" presStyleCnt="7">
+        <dgm:presLayoutVars>
+          <dgm:chPref val="3"/>
+        </dgm:presLayoutVars>
+      </dgm:prSet>
+      <dgm:spPr/>
+    </dgm:pt>
+    <dgm:pt modelId="{485D12BD-B88A-4EB8-A945-82B3741FB96C}" type="pres">
+      <dgm:prSet presAssocID="{EC9E48CA-F71F-46EF-AA62-66DC86E8E08D}" presName="level3hierChild" presStyleCnt="0"/>
+      <dgm:spPr/>
+    </dgm:pt>
+    <dgm:pt modelId="{74FE30D8-9D02-4F2E-9711-61050195BF6E}" type="pres">
+      <dgm:prSet presAssocID="{479F6A46-5B73-4753-A8B6-71E302832762}" presName="conn2-1" presStyleLbl="parChTrans1D2" presStyleIdx="5" presStyleCnt="7"/>
+      <dgm:spPr/>
+    </dgm:pt>
+    <dgm:pt modelId="{BCD90707-49F9-403E-8D85-584758680460}" type="pres">
+      <dgm:prSet presAssocID="{479F6A46-5B73-4753-A8B6-71E302832762}" presName="connTx" presStyleLbl="parChTrans1D2" presStyleIdx="5" presStyleCnt="7"/>
+      <dgm:spPr/>
+    </dgm:pt>
+    <dgm:pt modelId="{DBE5751A-14D0-4401-B701-760966A690CB}" type="pres">
+      <dgm:prSet presAssocID="{9BB9D16D-BFBD-4E00-811F-7D81CB40E769}" presName="root2" presStyleCnt="0"/>
+      <dgm:spPr/>
+    </dgm:pt>
+    <dgm:pt modelId="{E0D55938-7B7C-4932-8DE9-3524D895AED8}" type="pres">
+      <dgm:prSet presAssocID="{9BB9D16D-BFBD-4E00-811F-7D81CB40E769}" presName="LevelTwoTextNode" presStyleLbl="node2" presStyleIdx="5" presStyleCnt="7">
+        <dgm:presLayoutVars>
+          <dgm:chPref val="3"/>
+        </dgm:presLayoutVars>
+      </dgm:prSet>
+      <dgm:spPr/>
+    </dgm:pt>
+    <dgm:pt modelId="{49DB00FD-BE5F-4C9E-9663-12E680942364}" type="pres">
+      <dgm:prSet presAssocID="{9BB9D16D-BFBD-4E00-811F-7D81CB40E769}" presName="level3hierChild" presStyleCnt="0"/>
+      <dgm:spPr/>
+    </dgm:pt>
+    <dgm:pt modelId="{F5F282BD-F21A-45D6-BEE8-D5718D75E4D7}" type="pres">
+      <dgm:prSet presAssocID="{1E150514-5681-437E-98C2-1E63273F95DD}" presName="conn2-1" presStyleLbl="parChTrans1D2" presStyleIdx="6" presStyleCnt="7"/>
+      <dgm:spPr/>
+    </dgm:pt>
+    <dgm:pt modelId="{A165DD72-2041-4B38-9D7D-7FED38A12F7C}" type="pres">
+      <dgm:prSet presAssocID="{1E150514-5681-437E-98C2-1E63273F95DD}" presName="connTx" presStyleLbl="parChTrans1D2" presStyleIdx="6" presStyleCnt="7"/>
+      <dgm:spPr/>
+    </dgm:pt>
+    <dgm:pt modelId="{3B7323BB-F957-4730-9B0C-5DED5DECB29B}" type="pres">
+      <dgm:prSet presAssocID="{73F2DD5F-739C-4C65-A4D9-935B17BF4511}" presName="root2" presStyleCnt="0"/>
+      <dgm:spPr/>
+    </dgm:pt>
+    <dgm:pt modelId="{EB1D4CF5-BE15-480B-86EA-E212B8415225}" type="pres">
+      <dgm:prSet presAssocID="{73F2DD5F-739C-4C65-A4D9-935B17BF4511}" presName="LevelTwoTextNode" presStyleLbl="node2" presStyleIdx="6" presStyleCnt="7">
+        <dgm:presLayoutVars>
+          <dgm:chPref val="3"/>
+        </dgm:presLayoutVars>
+      </dgm:prSet>
+      <dgm:spPr/>
+    </dgm:pt>
+    <dgm:pt modelId="{8472BA67-5476-46F5-92F5-EA2EEF1E8258}" type="pres">
+      <dgm:prSet presAssocID="{73F2DD5F-739C-4C65-A4D9-935B17BF4511}" presName="level3hierChild" presStyleCnt="0"/>
       <dgm:spPr/>
     </dgm:pt>
   </dgm:ptLst>
   <dgm:cxnLst>
-    <dgm:cxn modelId="{56F93BB1-E7F6-448B-9EB7-04D3009320C1}" type="presOf" srcId="{0CE4902E-AEA3-4663-8E50-ED16691AA7C3}" destId="{F6119B56-057A-41CE-8638-57C8A2B8F5CE}" srcOrd="0" destOrd="0" presId="urn:microsoft.com/office/officeart/2005/8/layout/orgChart1"/>
-    <dgm:cxn modelId="{56CFCD8A-5E62-40FD-BE7E-532495EF9E19}" type="presOf" srcId="{2CFF7402-5522-487D-B2B7-45246EA5FB6A}" destId="{EC725EF9-4B66-48F3-AA48-8BB0144CC494}" srcOrd="1" destOrd="0" presId="urn:microsoft.com/office/officeart/2005/8/layout/orgChart1"/>
-    <dgm:cxn modelId="{775A8950-081B-463A-BBD4-5A66EEF293E4}" type="presOf" srcId="{3E4F124F-36A5-4C07-B3FA-82F83474A6E9}" destId="{76DF5764-744C-4FA6-8BC0-B4C3CA10EFD0}" srcOrd="0" destOrd="0" presId="urn:microsoft.com/office/officeart/2005/8/layout/orgChart1"/>
+    <dgm:cxn modelId="{69979312-2536-4CC5-9993-7D5B007B6C69}" type="presOf" srcId="{53FFDE34-10A9-43ED-8198-78BC42E84E4D}" destId="{C4416D92-A461-45F2-B4EB-4F3E9C3543F0}" srcOrd="1" destOrd="0" presId="urn:microsoft.com/office/officeart/2008/layout/HorizontalMultiLevelHierarchy"/>
+    <dgm:cxn modelId="{9554A64E-6806-4CCF-B115-DD081AFE5911}" srcId="{136305A5-BB2B-4A9D-9234-9001ECD52976}" destId="{EC9E48CA-F71F-46EF-AA62-66DC86E8E08D}" srcOrd="4" destOrd="0" parTransId="{53FFDE34-10A9-43ED-8198-78BC42E84E4D}" sibTransId="{F2F2C829-1E96-4D1B-862A-33069CC051A1}"/>
+    <dgm:cxn modelId="{102F2FB1-8196-4E08-A2B3-9DC2D1477BB9}" type="presOf" srcId="{F6780BA7-79FF-42A2-B338-A73D9E0AEB11}" destId="{285FD776-084F-40F4-BC1D-E952B4B0420A}" srcOrd="0" destOrd="0" presId="urn:microsoft.com/office/officeart/2008/layout/HorizontalMultiLevelHierarchy"/>
+    <dgm:cxn modelId="{55A49E62-D1D9-4586-BE92-1920B74F7304}" type="presOf" srcId="{3E4F124F-36A5-4C07-B3FA-82F83474A6E9}" destId="{0EF515CA-7D83-4C12-890F-53953689956D}" srcOrd="1" destOrd="0" presId="urn:microsoft.com/office/officeart/2008/layout/HorizontalMultiLevelHierarchy"/>
+    <dgm:cxn modelId="{8E138183-4C2E-49FE-8E90-7B852EFF3C12}" type="presOf" srcId="{F6780BA7-79FF-42A2-B338-A73D9E0AEB11}" destId="{59730C7F-37CA-43B6-A052-4176BE8A2902}" srcOrd="1" destOrd="0" presId="urn:microsoft.com/office/officeart/2008/layout/HorizontalMultiLevelHierarchy"/>
+    <dgm:cxn modelId="{06BADE31-69B8-4381-AD37-1AE2E0F0B401}" type="presOf" srcId="{53FFDE34-10A9-43ED-8198-78BC42E84E4D}" destId="{07A7E966-539B-4317-8B99-54D8E518BBB2}" srcOrd="0" destOrd="0" presId="urn:microsoft.com/office/officeart/2008/layout/HorizontalMultiLevelHierarchy"/>
+    <dgm:cxn modelId="{1CB93A13-259D-486A-9A4C-3D5E6153CB27}" type="presOf" srcId="{EC266908-FF05-4C9E-83A5-16DAADD1E243}" destId="{DD55B2CC-872C-4B62-8F57-04EE6D762B90}" srcOrd="0" destOrd="0" presId="urn:microsoft.com/office/officeart/2008/layout/HorizontalMultiLevelHierarchy"/>
+    <dgm:cxn modelId="{39FDACB5-0ABA-49D3-9B8D-1D41047391A9}" srcId="{0CE4902E-AEA3-4663-8E50-ED16691AA7C3}" destId="{136305A5-BB2B-4A9D-9234-9001ECD52976}" srcOrd="0" destOrd="0" parTransId="{0D5167D5-FD35-4B5B-888D-FD7067B0C2D9}" sibTransId="{36DB36A5-67C5-4736-A703-493933F644F7}"/>
+    <dgm:cxn modelId="{B6791C75-9871-41B9-B766-9DBD5711A182}" srcId="{136305A5-BB2B-4A9D-9234-9001ECD52976}" destId="{2CFF7402-5522-487D-B2B7-45246EA5FB6A}" srcOrd="1" destOrd="0" parTransId="{F6FE9FC1-97E6-4CEA-A4D6-B5D8087D377C}" sibTransId="{0BAC54A0-E35B-490B-8A40-F70A9E74EE15}"/>
+    <dgm:cxn modelId="{B107083E-3404-4876-8427-0CE7072F25F9}" type="presOf" srcId="{FC2601F6-D611-4F13-BEDF-4FEF41AE5468}" destId="{7217E31E-08F7-45F8-BAA2-1AF52E4387F5}" srcOrd="1" destOrd="0" presId="urn:microsoft.com/office/officeart/2008/layout/HorizontalMultiLevelHierarchy"/>
+    <dgm:cxn modelId="{ABB1DFDA-C50E-4B95-8089-BF2C8AAD4388}" type="presOf" srcId="{9BB9D16D-BFBD-4E00-811F-7D81CB40E769}" destId="{E0D55938-7B7C-4932-8DE9-3524D895AED8}" srcOrd="0" destOrd="0" presId="urn:microsoft.com/office/officeart/2008/layout/HorizontalMultiLevelHierarchy"/>
+    <dgm:cxn modelId="{83A17117-1782-4823-851E-8ECE04AB755F}" type="presOf" srcId="{479F6A46-5B73-4753-A8B6-71E302832762}" destId="{BCD90707-49F9-403E-8D85-584758680460}" srcOrd="1" destOrd="0" presId="urn:microsoft.com/office/officeart/2008/layout/HorizontalMultiLevelHierarchy"/>
+    <dgm:cxn modelId="{E00EF4BD-D8D7-4549-BB64-730F5B169DAB}" srcId="{136305A5-BB2B-4A9D-9234-9001ECD52976}" destId="{73F2DD5F-739C-4C65-A4D9-935B17BF4511}" srcOrd="6" destOrd="0" parTransId="{1E150514-5681-437E-98C2-1E63273F95DD}" sibTransId="{71287601-519A-4F89-8DD5-BDF4108C6806}"/>
+    <dgm:cxn modelId="{2DD414AB-4C4A-4507-AF78-86DFC840859C}" srcId="{136305A5-BB2B-4A9D-9234-9001ECD52976}" destId="{EC266908-FF05-4C9E-83A5-16DAADD1E243}" srcOrd="0" destOrd="0" parTransId="{FC2601F6-D611-4F13-BEDF-4FEF41AE5468}" sibTransId="{B7BC0467-4988-460D-A20A-1D448CBFF12D}"/>
     <dgm:cxn modelId="{3322A50B-B4E3-4F34-81C9-5340D34A0A2E}" srcId="{136305A5-BB2B-4A9D-9234-9001ECD52976}" destId="{233D1B26-2595-4AF0-97A7-2DDDFA83C48A}" srcOrd="2" destOrd="0" parTransId="{3E4F124F-36A5-4C07-B3FA-82F83474A6E9}" sibTransId="{49EF3471-E733-4DB9-9AAC-738CBB07E70F}"/>
-    <dgm:cxn modelId="{2DD414AB-4C4A-4507-AF78-86DFC840859C}" srcId="{136305A5-BB2B-4A9D-9234-9001ECD52976}" destId="{EC266908-FF05-4C9E-83A5-16DAADD1E243}" srcOrd="0" destOrd="0" parTransId="{FC2601F6-D611-4F13-BEDF-4FEF41AE5468}" sibTransId="{B7BC0467-4988-460D-A20A-1D448CBFF12D}"/>
-    <dgm:cxn modelId="{8A868F11-8221-44D1-9D81-46ED5603E0B8}" type="presOf" srcId="{FC2601F6-D611-4F13-BEDF-4FEF41AE5468}" destId="{1B7E4774-CD09-4BAD-A0F9-B5578B813852}" srcOrd="0" destOrd="0" presId="urn:microsoft.com/office/officeart/2005/8/layout/orgChart1"/>
-    <dgm:cxn modelId="{5C340D03-68E8-47C3-BB47-BD35C7483C80}" type="presOf" srcId="{136305A5-BB2B-4A9D-9234-9001ECD52976}" destId="{9455D80E-5BB5-472D-8F85-145CE8B6E5AF}" srcOrd="1" destOrd="0" presId="urn:microsoft.com/office/officeart/2005/8/layout/orgChart1"/>
-    <dgm:cxn modelId="{83E4559A-EE37-43D6-A1C6-09CF7DF758E2}" type="presOf" srcId="{193283BC-6FE2-4937-89C2-547F9B8367AE}" destId="{A1D8E066-D005-443E-A6E8-E6E886D50DA4}" srcOrd="1" destOrd="0" presId="urn:microsoft.com/office/officeart/2005/8/layout/orgChart1"/>
+    <dgm:cxn modelId="{B4C308F8-39CB-418C-B255-FAFD3A813AC8}" type="presOf" srcId="{1E150514-5681-437E-98C2-1E63273F95DD}" destId="{A165DD72-2041-4B38-9D7D-7FED38A12F7C}" srcOrd="1" destOrd="0" presId="urn:microsoft.com/office/officeart/2008/layout/HorizontalMultiLevelHierarchy"/>
+    <dgm:cxn modelId="{8ECF6C46-9EC4-47C0-9504-DFE2429C1B4C}" type="presOf" srcId="{1E150514-5681-437E-98C2-1E63273F95DD}" destId="{F5F282BD-F21A-45D6-BEE8-D5718D75E4D7}" srcOrd="0" destOrd="0" presId="urn:microsoft.com/office/officeart/2008/layout/HorizontalMultiLevelHierarchy"/>
+    <dgm:cxn modelId="{BCA592E5-FE50-4E85-B161-1490993452EE}" type="presOf" srcId="{233D1B26-2595-4AF0-97A7-2DDDFA83C48A}" destId="{9B6AD863-7420-40C6-8748-5F843439AE17}" srcOrd="0" destOrd="0" presId="urn:microsoft.com/office/officeart/2008/layout/HorizontalMultiLevelHierarchy"/>
+    <dgm:cxn modelId="{BBD4CA62-F884-4A42-B314-C7C28B5FB556}" srcId="{136305A5-BB2B-4A9D-9234-9001ECD52976}" destId="{9BB9D16D-BFBD-4E00-811F-7D81CB40E769}" srcOrd="5" destOrd="0" parTransId="{479F6A46-5B73-4753-A8B6-71E302832762}" sibTransId="{829038CF-6FC4-4B44-A16E-595398FC224B}"/>
+    <dgm:cxn modelId="{45912CBA-6A63-4A0D-ADE8-C6C1780418AF}" type="presOf" srcId="{136305A5-BB2B-4A9D-9234-9001ECD52976}" destId="{BC55A964-21AC-41A9-B459-589605241027}" srcOrd="0" destOrd="0" presId="urn:microsoft.com/office/officeart/2008/layout/HorizontalMultiLevelHierarchy"/>
+    <dgm:cxn modelId="{E97C0DA2-6AF8-4F0A-94FB-2ABC483F6BA1}" type="presOf" srcId="{3E4F124F-36A5-4C07-B3FA-82F83474A6E9}" destId="{6E6F2605-47BF-4FCC-ACAD-E2636BE32143}" srcOrd="0" destOrd="0" presId="urn:microsoft.com/office/officeart/2008/layout/HorizontalMultiLevelHierarchy"/>
+    <dgm:cxn modelId="{EEC134EA-7C8E-4EE7-B54B-DA21A1957526}" type="presOf" srcId="{F6FE9FC1-97E6-4CEA-A4D6-B5D8087D377C}" destId="{B7298179-20F6-4B7D-A762-B674ADBD9037}" srcOrd="0" destOrd="0" presId="urn:microsoft.com/office/officeart/2008/layout/HorizontalMultiLevelHierarchy"/>
+    <dgm:cxn modelId="{69756D89-4F3A-4B93-B114-31E60DC81D14}" type="presOf" srcId="{EC9E48CA-F71F-46EF-AA62-66DC86E8E08D}" destId="{5CFDBF41-FCED-4C2C-BA0E-14752DC33CF2}" srcOrd="0" destOrd="0" presId="urn:microsoft.com/office/officeart/2008/layout/HorizontalMultiLevelHierarchy"/>
+    <dgm:cxn modelId="{BBAEFADE-B3A8-4515-A316-578BB92F6272}" type="presOf" srcId="{0CE4902E-AEA3-4663-8E50-ED16691AA7C3}" destId="{E1394F1F-77D3-4EB2-85D8-38DA710C7FE4}" srcOrd="0" destOrd="0" presId="urn:microsoft.com/office/officeart/2008/layout/HorizontalMultiLevelHierarchy"/>
     <dgm:cxn modelId="{76626A2A-45BD-400C-84E3-9C23BCD76574}" srcId="{136305A5-BB2B-4A9D-9234-9001ECD52976}" destId="{193283BC-6FE2-4937-89C2-547F9B8367AE}" srcOrd="3" destOrd="0" parTransId="{F6780BA7-79FF-42A2-B338-A73D9E0AEB11}" sibTransId="{3B717AEC-B0F1-4F16-90BC-52FB75032B9D}"/>
-    <dgm:cxn modelId="{B6791C75-9871-41B9-B766-9DBD5711A182}" srcId="{136305A5-BB2B-4A9D-9234-9001ECD52976}" destId="{2CFF7402-5522-487D-B2B7-45246EA5FB6A}" srcOrd="1" destOrd="0" parTransId="{F6FE9FC1-97E6-4CEA-A4D6-B5D8087D377C}" sibTransId="{0BAC54A0-E35B-490B-8A40-F70A9E74EE15}"/>
-    <dgm:cxn modelId="{21A92048-448F-4D57-BF3F-CE2FC1155AFC}" type="presOf" srcId="{136305A5-BB2B-4A9D-9234-9001ECD52976}" destId="{03530A2C-7AC2-473F-8D1F-95BB2B294847}" srcOrd="0" destOrd="0" presId="urn:microsoft.com/office/officeart/2005/8/layout/orgChart1"/>
-    <dgm:cxn modelId="{012528CE-00A5-4C5C-B1E5-2E96AA08136F}" type="presOf" srcId="{EC266908-FF05-4C9E-83A5-16DAADD1E243}" destId="{EC7D32D1-E93B-4E50-AF2D-3CBF246D1606}" srcOrd="0" destOrd="0" presId="urn:microsoft.com/office/officeart/2005/8/layout/orgChart1"/>
-    <dgm:cxn modelId="{606F1460-F522-4A58-BFF7-BDE60B65130C}" type="presOf" srcId="{233D1B26-2595-4AF0-97A7-2DDDFA83C48A}" destId="{41E205D5-D6CE-43D5-A0A8-CF328E084E08}" srcOrd="1" destOrd="0" presId="urn:microsoft.com/office/officeart/2005/8/layout/orgChart1"/>
-    <dgm:cxn modelId="{8D0B6D8B-157A-495C-A52C-880843F9B1E2}" type="presOf" srcId="{2CFF7402-5522-487D-B2B7-45246EA5FB6A}" destId="{12C0C675-6569-4420-94B1-6061A9A6CB9F}" srcOrd="0" destOrd="0" presId="urn:microsoft.com/office/officeart/2005/8/layout/orgChart1"/>
-    <dgm:cxn modelId="{4FC79DBE-9472-49C7-9F55-10BEC60A7BEC}" type="presOf" srcId="{193283BC-6FE2-4937-89C2-547F9B8367AE}" destId="{3E8FCECF-CA31-46E3-814B-0781EB817790}" srcOrd="0" destOrd="0" presId="urn:microsoft.com/office/officeart/2005/8/layout/orgChart1"/>
-    <dgm:cxn modelId="{ED555A08-96E2-404D-876E-E42B7AA619FE}" type="presOf" srcId="{EC266908-FF05-4C9E-83A5-16DAADD1E243}" destId="{C22D6FDD-E041-4F16-A66B-08196762EBC8}" srcOrd="1" destOrd="0" presId="urn:microsoft.com/office/officeart/2005/8/layout/orgChart1"/>
-    <dgm:cxn modelId="{D64E4F86-F93D-42EA-9FF1-90E8EBDD54BD}" type="presOf" srcId="{233D1B26-2595-4AF0-97A7-2DDDFA83C48A}" destId="{DCFCEA9A-1F29-458D-BACC-540725D624B4}" srcOrd="0" destOrd="0" presId="urn:microsoft.com/office/officeart/2005/8/layout/orgChart1"/>
-    <dgm:cxn modelId="{02180F9D-4C54-4C33-B8C4-87F705D31F13}" type="presOf" srcId="{F6780BA7-79FF-42A2-B338-A73D9E0AEB11}" destId="{48D56CD6-516E-4AAE-8A0D-6DDA2C4D113F}" srcOrd="0" destOrd="0" presId="urn:microsoft.com/office/officeart/2005/8/layout/orgChart1"/>
-    <dgm:cxn modelId="{9A2898F2-A689-4F5C-9D38-292F7F89D06F}" type="presOf" srcId="{F6FE9FC1-97E6-4CEA-A4D6-B5D8087D377C}" destId="{2D42AB42-D582-4FCF-B439-C6E3971A4D91}" srcOrd="0" destOrd="0" presId="urn:microsoft.com/office/officeart/2005/8/layout/orgChart1"/>
-    <dgm:cxn modelId="{39FDACB5-0ABA-49D3-9B8D-1D41047391A9}" srcId="{0CE4902E-AEA3-4663-8E50-ED16691AA7C3}" destId="{136305A5-BB2B-4A9D-9234-9001ECD52976}" srcOrd="0" destOrd="0" parTransId="{0D5167D5-FD35-4B5B-888D-FD7067B0C2D9}" sibTransId="{36DB36A5-67C5-4736-A703-493933F644F7}"/>
-    <dgm:cxn modelId="{D6C4522D-1248-4007-95B2-9D6076444C28}" type="presParOf" srcId="{F6119B56-057A-41CE-8638-57C8A2B8F5CE}" destId="{B224AD43-227A-489B-9CC9-185888EDA869}" srcOrd="0" destOrd="0" presId="urn:microsoft.com/office/officeart/2005/8/layout/orgChart1"/>
-    <dgm:cxn modelId="{0305D078-CC7A-481D-A7EE-7BA48F2D2DD0}" type="presParOf" srcId="{B224AD43-227A-489B-9CC9-185888EDA869}" destId="{AB18D545-857D-449C-86C8-D52302E0F362}" srcOrd="0" destOrd="0" presId="urn:microsoft.com/office/officeart/2005/8/layout/orgChart1"/>
-    <dgm:cxn modelId="{7150AE20-56E3-4AD9-AB66-6D3F6B6232FB}" type="presParOf" srcId="{AB18D545-857D-449C-86C8-D52302E0F362}" destId="{03530A2C-7AC2-473F-8D1F-95BB2B294847}" srcOrd="0" destOrd="0" presId="urn:microsoft.com/office/officeart/2005/8/layout/orgChart1"/>
-    <dgm:cxn modelId="{ED9A137A-3CFE-410B-A5A2-AA67E97B412B}" type="presParOf" srcId="{AB18D545-857D-449C-86C8-D52302E0F362}" destId="{9455D80E-5BB5-472D-8F85-145CE8B6E5AF}" srcOrd="1" destOrd="0" presId="urn:microsoft.com/office/officeart/2005/8/layout/orgChart1"/>
-    <dgm:cxn modelId="{528A5F49-DF75-42FC-ADBF-55D637D7804C}" type="presParOf" srcId="{B224AD43-227A-489B-9CC9-185888EDA869}" destId="{FEBF64DA-55EC-43EB-B673-F0B6D0A948AF}" srcOrd="1" destOrd="0" presId="urn:microsoft.com/office/officeart/2005/8/layout/orgChart1"/>
-    <dgm:cxn modelId="{E081F627-4762-496A-A084-93835C574D67}" type="presParOf" srcId="{FEBF64DA-55EC-43EB-B673-F0B6D0A948AF}" destId="{1B7E4774-CD09-4BAD-A0F9-B5578B813852}" srcOrd="0" destOrd="0" presId="urn:microsoft.com/office/officeart/2005/8/layout/orgChart1"/>
-    <dgm:cxn modelId="{67FBB38C-F7C6-4D58-8512-709D4C304032}" type="presParOf" srcId="{FEBF64DA-55EC-43EB-B673-F0B6D0A948AF}" destId="{1C196A5F-85CD-475C-878A-139560BF8202}" srcOrd="1" destOrd="0" presId="urn:microsoft.com/office/officeart/2005/8/layout/orgChart1"/>
-    <dgm:cxn modelId="{5FE230A4-B2D6-4103-99E3-606ADB1009D9}" type="presParOf" srcId="{1C196A5F-85CD-475C-878A-139560BF8202}" destId="{5272C485-AEB6-4A53-9AFF-D3F143072D33}" srcOrd="0" destOrd="0" presId="urn:microsoft.com/office/officeart/2005/8/layout/orgChart1"/>
-    <dgm:cxn modelId="{CBB1A47E-BF0E-46FF-9C82-731025031F9F}" type="presParOf" srcId="{5272C485-AEB6-4A53-9AFF-D3F143072D33}" destId="{EC7D32D1-E93B-4E50-AF2D-3CBF246D1606}" srcOrd="0" destOrd="0" presId="urn:microsoft.com/office/officeart/2005/8/layout/orgChart1"/>
-    <dgm:cxn modelId="{95B5F6A7-E433-4E65-BE78-15540BD495B7}" type="presParOf" srcId="{5272C485-AEB6-4A53-9AFF-D3F143072D33}" destId="{C22D6FDD-E041-4F16-A66B-08196762EBC8}" srcOrd="1" destOrd="0" presId="urn:microsoft.com/office/officeart/2005/8/layout/orgChart1"/>
-    <dgm:cxn modelId="{8810A6CE-B071-4729-9F77-77306439C76B}" type="presParOf" srcId="{1C196A5F-85CD-475C-878A-139560BF8202}" destId="{0B24F49E-C008-4AEE-B709-9E8783C8BFD5}" srcOrd="1" destOrd="0" presId="urn:microsoft.com/office/officeart/2005/8/layout/orgChart1"/>
-    <dgm:cxn modelId="{C3C85D9D-8388-4301-81A4-A90747215FB2}" type="presParOf" srcId="{1C196A5F-85CD-475C-878A-139560BF8202}" destId="{D4E74D30-B21B-4BF3-B7EC-0001BC977B44}" srcOrd="2" destOrd="0" presId="urn:microsoft.com/office/officeart/2005/8/layout/orgChart1"/>
-    <dgm:cxn modelId="{26FDBB47-DFCB-4097-BADC-FFB8D8780B73}" type="presParOf" srcId="{FEBF64DA-55EC-43EB-B673-F0B6D0A948AF}" destId="{2D42AB42-D582-4FCF-B439-C6E3971A4D91}" srcOrd="2" destOrd="0" presId="urn:microsoft.com/office/officeart/2005/8/layout/orgChart1"/>
-    <dgm:cxn modelId="{593BAAB0-2B4C-4AA0-AE57-4E38F1D2296A}" type="presParOf" srcId="{FEBF64DA-55EC-43EB-B673-F0B6D0A948AF}" destId="{3BD59616-BE71-4742-B887-AD6561F7A1B0}" srcOrd="3" destOrd="0" presId="urn:microsoft.com/office/officeart/2005/8/layout/orgChart1"/>
-    <dgm:cxn modelId="{A8921453-0A9D-442A-95A0-356ECBD98FA5}" type="presParOf" srcId="{3BD59616-BE71-4742-B887-AD6561F7A1B0}" destId="{FFAA225F-E1AB-4FE1-86DE-AEE3A2FB64E0}" srcOrd="0" destOrd="0" presId="urn:microsoft.com/office/officeart/2005/8/layout/orgChart1"/>
-    <dgm:cxn modelId="{DC50A0FD-BD67-4029-AA0F-C2EFE002FE2B}" type="presParOf" srcId="{FFAA225F-E1AB-4FE1-86DE-AEE3A2FB64E0}" destId="{12C0C675-6569-4420-94B1-6061A9A6CB9F}" srcOrd="0" destOrd="0" presId="urn:microsoft.com/office/officeart/2005/8/layout/orgChart1"/>
-    <dgm:cxn modelId="{F151FB08-9F2F-4FA2-B563-958B337F3127}" type="presParOf" srcId="{FFAA225F-E1AB-4FE1-86DE-AEE3A2FB64E0}" destId="{EC725EF9-4B66-48F3-AA48-8BB0144CC494}" srcOrd="1" destOrd="0" presId="urn:microsoft.com/office/officeart/2005/8/layout/orgChart1"/>
-    <dgm:cxn modelId="{62431157-C06D-41B6-8CB0-B7A694EC179A}" type="presParOf" srcId="{3BD59616-BE71-4742-B887-AD6561F7A1B0}" destId="{790434DE-1F38-4B3E-BC70-5B68EC2FC84E}" srcOrd="1" destOrd="0" presId="urn:microsoft.com/office/officeart/2005/8/layout/orgChart1"/>
-    <dgm:cxn modelId="{91AF5DFE-C4AC-4A02-A341-15886010F90B}" type="presParOf" srcId="{3BD59616-BE71-4742-B887-AD6561F7A1B0}" destId="{20F2858F-DD6E-48B3-AC5A-2AE39B1910B6}" srcOrd="2" destOrd="0" presId="urn:microsoft.com/office/officeart/2005/8/layout/orgChart1"/>
-    <dgm:cxn modelId="{B04B0082-0923-4312-A293-DD71D35FE5A3}" type="presParOf" srcId="{FEBF64DA-55EC-43EB-B673-F0B6D0A948AF}" destId="{76DF5764-744C-4FA6-8BC0-B4C3CA10EFD0}" srcOrd="4" destOrd="0" presId="urn:microsoft.com/office/officeart/2005/8/layout/orgChart1"/>
-    <dgm:cxn modelId="{B739E1C9-FEC9-4F03-9E66-1196B7421849}" type="presParOf" srcId="{FEBF64DA-55EC-43EB-B673-F0B6D0A948AF}" destId="{522ECAB6-95E9-4A6B-9010-7FB06CE53098}" srcOrd="5" destOrd="0" presId="urn:microsoft.com/office/officeart/2005/8/layout/orgChart1"/>
-    <dgm:cxn modelId="{897BF868-A934-41E9-8BFD-672D3769CEB6}" type="presParOf" srcId="{522ECAB6-95E9-4A6B-9010-7FB06CE53098}" destId="{8BF26EEA-74DA-46A6-AF83-0938EF9807FF}" srcOrd="0" destOrd="0" presId="urn:microsoft.com/office/officeart/2005/8/layout/orgChart1"/>
-    <dgm:cxn modelId="{1937331A-D0FD-4323-A79E-E40B4E2A42E6}" type="presParOf" srcId="{8BF26EEA-74DA-46A6-AF83-0938EF9807FF}" destId="{DCFCEA9A-1F29-458D-BACC-540725D624B4}" srcOrd="0" destOrd="0" presId="urn:microsoft.com/office/officeart/2005/8/layout/orgChart1"/>
-    <dgm:cxn modelId="{26B290C5-8307-4E8A-B703-B822715887B1}" type="presParOf" srcId="{8BF26EEA-74DA-46A6-AF83-0938EF9807FF}" destId="{41E205D5-D6CE-43D5-A0A8-CF328E084E08}" srcOrd="1" destOrd="0" presId="urn:microsoft.com/office/officeart/2005/8/layout/orgChart1"/>
-    <dgm:cxn modelId="{255220EE-D666-46AA-934F-2F019D79818D}" type="presParOf" srcId="{522ECAB6-95E9-4A6B-9010-7FB06CE53098}" destId="{E88AFAE0-8DAD-4BB0-93BB-E1847ECA8162}" srcOrd="1" destOrd="0" presId="urn:microsoft.com/office/officeart/2005/8/layout/orgChart1"/>
-    <dgm:cxn modelId="{CDDA41B7-350C-4C71-88A5-03E75EB21757}" type="presParOf" srcId="{522ECAB6-95E9-4A6B-9010-7FB06CE53098}" destId="{595F5D92-38EA-4233-AC62-C748A00F524F}" srcOrd="2" destOrd="0" presId="urn:microsoft.com/office/officeart/2005/8/layout/orgChart1"/>
-    <dgm:cxn modelId="{D1FF7152-62E8-4951-9227-78D24065D178}" type="presParOf" srcId="{FEBF64DA-55EC-43EB-B673-F0B6D0A948AF}" destId="{48D56CD6-516E-4AAE-8A0D-6DDA2C4D113F}" srcOrd="6" destOrd="0" presId="urn:microsoft.com/office/officeart/2005/8/layout/orgChart1"/>
-    <dgm:cxn modelId="{0FAA768A-14C4-4ADA-ADB4-EB4C70A1E9C4}" type="presParOf" srcId="{FEBF64DA-55EC-43EB-B673-F0B6D0A948AF}" destId="{38C9E253-186A-486B-A594-CAD7E7113782}" srcOrd="7" destOrd="0" presId="urn:microsoft.com/office/officeart/2005/8/layout/orgChart1"/>
-    <dgm:cxn modelId="{6AE78992-A13E-48BB-90F3-B3CB3123ACB8}" type="presParOf" srcId="{38C9E253-186A-486B-A594-CAD7E7113782}" destId="{45349D38-B83F-4EB7-91B7-77F43E9AE585}" srcOrd="0" destOrd="0" presId="urn:microsoft.com/office/officeart/2005/8/layout/orgChart1"/>
-    <dgm:cxn modelId="{593C0671-41DA-452B-9A8F-0A11C5F1F914}" type="presParOf" srcId="{45349D38-B83F-4EB7-91B7-77F43E9AE585}" destId="{3E8FCECF-CA31-46E3-814B-0781EB817790}" srcOrd="0" destOrd="0" presId="urn:microsoft.com/office/officeart/2005/8/layout/orgChart1"/>
-    <dgm:cxn modelId="{20263826-EBE3-47BE-9E42-BA68725618B5}" type="presParOf" srcId="{45349D38-B83F-4EB7-91B7-77F43E9AE585}" destId="{A1D8E066-D005-443E-A6E8-E6E886D50DA4}" srcOrd="1" destOrd="0" presId="urn:microsoft.com/office/officeart/2005/8/layout/orgChart1"/>
-    <dgm:cxn modelId="{E3325190-E320-4C7E-8C7C-4BEF6F76E3BD}" type="presParOf" srcId="{38C9E253-186A-486B-A594-CAD7E7113782}" destId="{D89ACFE0-55B6-408B-B1FC-A77E909DDD7B}" srcOrd="1" destOrd="0" presId="urn:microsoft.com/office/officeart/2005/8/layout/orgChart1"/>
-    <dgm:cxn modelId="{A52FFF94-226A-4CAC-B783-139E4DD4E2A2}" type="presParOf" srcId="{38C9E253-186A-486B-A594-CAD7E7113782}" destId="{3D1E29AA-C139-482A-84F1-581C09E6907A}" srcOrd="2" destOrd="0" presId="urn:microsoft.com/office/officeart/2005/8/layout/orgChart1"/>
-    <dgm:cxn modelId="{E31EF484-111F-4952-814F-F7396CA52044}" type="presParOf" srcId="{B224AD43-227A-489B-9CC9-185888EDA869}" destId="{55A9DDBB-5068-48FF-B382-6913158ABB04}" srcOrd="2" destOrd="0" presId="urn:microsoft.com/office/officeart/2005/8/layout/orgChart1"/>
+    <dgm:cxn modelId="{3F4D70DC-2509-4FFA-8D21-4E4ED82DBC3F}" type="presOf" srcId="{F6FE9FC1-97E6-4CEA-A4D6-B5D8087D377C}" destId="{A3D312CA-FD80-4A1C-B2C4-76024F224091}" srcOrd="1" destOrd="0" presId="urn:microsoft.com/office/officeart/2008/layout/HorizontalMultiLevelHierarchy"/>
+    <dgm:cxn modelId="{19E35F35-076D-4C4C-A3F5-E4BD3FEAA2FE}" type="presOf" srcId="{193283BC-6FE2-4937-89C2-547F9B8367AE}" destId="{66C9145C-710C-4C0C-9C36-7178356B5BD6}" srcOrd="0" destOrd="0" presId="urn:microsoft.com/office/officeart/2008/layout/HorizontalMultiLevelHierarchy"/>
+    <dgm:cxn modelId="{4973CACC-3B43-445D-8AE5-0C8AABF9382A}" type="presOf" srcId="{73F2DD5F-739C-4C65-A4D9-935B17BF4511}" destId="{EB1D4CF5-BE15-480B-86EA-E212B8415225}" srcOrd="0" destOrd="0" presId="urn:microsoft.com/office/officeart/2008/layout/HorizontalMultiLevelHierarchy"/>
+    <dgm:cxn modelId="{4C76F05E-DA05-4B74-B06F-6F69EE42D9FC}" type="presOf" srcId="{479F6A46-5B73-4753-A8B6-71E302832762}" destId="{74FE30D8-9D02-4F2E-9711-61050195BF6E}" srcOrd="0" destOrd="0" presId="urn:microsoft.com/office/officeart/2008/layout/HorizontalMultiLevelHierarchy"/>
+    <dgm:cxn modelId="{BDC55D30-76EE-4514-A460-7BBE27C9E66F}" type="presOf" srcId="{FC2601F6-D611-4F13-BEDF-4FEF41AE5468}" destId="{EE1FC525-BC0F-4D95-8202-FDA2800D863A}" srcOrd="0" destOrd="0" presId="urn:microsoft.com/office/officeart/2008/layout/HorizontalMultiLevelHierarchy"/>
+    <dgm:cxn modelId="{25652202-AC52-4B37-AA0A-A5C043BFDF98}" type="presOf" srcId="{2CFF7402-5522-487D-B2B7-45246EA5FB6A}" destId="{979FBBDA-44C5-4F34-AF21-B510A698D321}" srcOrd="0" destOrd="0" presId="urn:microsoft.com/office/officeart/2008/layout/HorizontalMultiLevelHierarchy"/>
+    <dgm:cxn modelId="{D7179B80-3A97-4CC7-9E87-DCFC888A7DC1}" type="presParOf" srcId="{E1394F1F-77D3-4EB2-85D8-38DA710C7FE4}" destId="{313CE6EB-0E80-47FD-BBAE-76764FE0EEA6}" srcOrd="0" destOrd="0" presId="urn:microsoft.com/office/officeart/2008/layout/HorizontalMultiLevelHierarchy"/>
+    <dgm:cxn modelId="{D6FB3D11-07C7-491B-BC6E-012AF0D2E4ED}" type="presParOf" srcId="{313CE6EB-0E80-47FD-BBAE-76764FE0EEA6}" destId="{BC55A964-21AC-41A9-B459-589605241027}" srcOrd="0" destOrd="0" presId="urn:microsoft.com/office/officeart/2008/layout/HorizontalMultiLevelHierarchy"/>
+    <dgm:cxn modelId="{639F8D00-6DF5-4064-BE73-1E755DE8C1E6}" type="presParOf" srcId="{313CE6EB-0E80-47FD-BBAE-76764FE0EEA6}" destId="{48B868DA-C564-4FC1-B223-DC671DFF1C8C}" srcOrd="1" destOrd="0" presId="urn:microsoft.com/office/officeart/2008/layout/HorizontalMultiLevelHierarchy"/>
+    <dgm:cxn modelId="{45968832-5178-4CC1-BC03-1FA86BE8C5A7}" type="presParOf" srcId="{48B868DA-C564-4FC1-B223-DC671DFF1C8C}" destId="{EE1FC525-BC0F-4D95-8202-FDA2800D863A}" srcOrd="0" destOrd="0" presId="urn:microsoft.com/office/officeart/2008/layout/HorizontalMultiLevelHierarchy"/>
+    <dgm:cxn modelId="{73449723-1964-47EA-AB39-9937850EFE3B}" type="presParOf" srcId="{EE1FC525-BC0F-4D95-8202-FDA2800D863A}" destId="{7217E31E-08F7-45F8-BAA2-1AF52E4387F5}" srcOrd="0" destOrd="0" presId="urn:microsoft.com/office/officeart/2008/layout/HorizontalMultiLevelHierarchy"/>
+    <dgm:cxn modelId="{D766DE99-AD2C-4E81-858F-6382708A6FC2}" type="presParOf" srcId="{48B868DA-C564-4FC1-B223-DC671DFF1C8C}" destId="{85E61018-0CE1-4281-A73D-76444B395B1E}" srcOrd="1" destOrd="0" presId="urn:microsoft.com/office/officeart/2008/layout/HorizontalMultiLevelHierarchy"/>
+    <dgm:cxn modelId="{4242613C-66B9-4729-A905-762FC627A04D}" type="presParOf" srcId="{85E61018-0CE1-4281-A73D-76444B395B1E}" destId="{DD55B2CC-872C-4B62-8F57-04EE6D762B90}" srcOrd="0" destOrd="0" presId="urn:microsoft.com/office/officeart/2008/layout/HorizontalMultiLevelHierarchy"/>
+    <dgm:cxn modelId="{9757662A-17D1-4751-AFD4-2921D4F5F4C9}" type="presParOf" srcId="{85E61018-0CE1-4281-A73D-76444B395B1E}" destId="{E080C0A9-E240-4DC1-9A74-1517D72FA572}" srcOrd="1" destOrd="0" presId="urn:microsoft.com/office/officeart/2008/layout/HorizontalMultiLevelHierarchy"/>
+    <dgm:cxn modelId="{4DAE0247-5292-4AB3-9A47-AC350787041A}" type="presParOf" srcId="{48B868DA-C564-4FC1-B223-DC671DFF1C8C}" destId="{B7298179-20F6-4B7D-A762-B674ADBD9037}" srcOrd="2" destOrd="0" presId="urn:microsoft.com/office/officeart/2008/layout/HorizontalMultiLevelHierarchy"/>
+    <dgm:cxn modelId="{6507332A-C8E0-49A4-848A-387B5D44009C}" type="presParOf" srcId="{B7298179-20F6-4B7D-A762-B674ADBD9037}" destId="{A3D312CA-FD80-4A1C-B2C4-76024F224091}" srcOrd="0" destOrd="0" presId="urn:microsoft.com/office/officeart/2008/layout/HorizontalMultiLevelHierarchy"/>
+    <dgm:cxn modelId="{7EF7E0D6-7F34-4B29-82CC-748566F3AB1D}" type="presParOf" srcId="{48B868DA-C564-4FC1-B223-DC671DFF1C8C}" destId="{A6E55060-C5AD-41CC-A834-49AA853ED559}" srcOrd="3" destOrd="0" presId="urn:microsoft.com/office/officeart/2008/layout/HorizontalMultiLevelHierarchy"/>
+    <dgm:cxn modelId="{544EAEDA-E7F5-496F-8AF6-689E30311375}" type="presParOf" srcId="{A6E55060-C5AD-41CC-A834-49AA853ED559}" destId="{979FBBDA-44C5-4F34-AF21-B510A698D321}" srcOrd="0" destOrd="0" presId="urn:microsoft.com/office/officeart/2008/layout/HorizontalMultiLevelHierarchy"/>
+    <dgm:cxn modelId="{634ABDA3-CB23-4641-AEE3-248D3AED5BE5}" type="presParOf" srcId="{A6E55060-C5AD-41CC-A834-49AA853ED559}" destId="{C8AE15FF-E1E8-4115-A290-A97803B583F9}" srcOrd="1" destOrd="0" presId="urn:microsoft.com/office/officeart/2008/layout/HorizontalMultiLevelHierarchy"/>
+    <dgm:cxn modelId="{ED8E21F7-0392-48B1-B2B0-4F3489341F04}" type="presParOf" srcId="{48B868DA-C564-4FC1-B223-DC671DFF1C8C}" destId="{6E6F2605-47BF-4FCC-ACAD-E2636BE32143}" srcOrd="4" destOrd="0" presId="urn:microsoft.com/office/officeart/2008/layout/HorizontalMultiLevelHierarchy"/>
+    <dgm:cxn modelId="{57EB7B9F-3C88-47B9-8651-1DB08ACAAAB6}" type="presParOf" srcId="{6E6F2605-47BF-4FCC-ACAD-E2636BE32143}" destId="{0EF515CA-7D83-4C12-890F-53953689956D}" srcOrd="0" destOrd="0" presId="urn:microsoft.com/office/officeart/2008/layout/HorizontalMultiLevelHierarchy"/>
+    <dgm:cxn modelId="{78F01D59-3DA8-432E-A2F0-F1F985F17DBB}" type="presParOf" srcId="{48B868DA-C564-4FC1-B223-DC671DFF1C8C}" destId="{67C56CEF-0338-4120-9EA1-BE1028F2CFBC}" srcOrd="5" destOrd="0" presId="urn:microsoft.com/office/officeart/2008/layout/HorizontalMultiLevelHierarchy"/>
+    <dgm:cxn modelId="{ED144B43-DAD6-4430-BF98-E6E05A319F2B}" type="presParOf" srcId="{67C56CEF-0338-4120-9EA1-BE1028F2CFBC}" destId="{9B6AD863-7420-40C6-8748-5F843439AE17}" srcOrd="0" destOrd="0" presId="urn:microsoft.com/office/officeart/2008/layout/HorizontalMultiLevelHierarchy"/>
+    <dgm:cxn modelId="{F1E162E5-DA17-4951-82B9-C982F48B33B2}" type="presParOf" srcId="{67C56CEF-0338-4120-9EA1-BE1028F2CFBC}" destId="{1A0C3C72-6D28-45E7-A713-CF42AE9B8FDC}" srcOrd="1" destOrd="0" presId="urn:microsoft.com/office/officeart/2008/layout/HorizontalMultiLevelHierarchy"/>
+    <dgm:cxn modelId="{B870F77D-4301-4273-81B3-559ECBF49A89}" type="presParOf" srcId="{48B868DA-C564-4FC1-B223-DC671DFF1C8C}" destId="{285FD776-084F-40F4-BC1D-E952B4B0420A}" srcOrd="6" destOrd="0" presId="urn:microsoft.com/office/officeart/2008/layout/HorizontalMultiLevelHierarchy"/>
+    <dgm:cxn modelId="{2BD3FC48-8A42-4EED-B08A-67D7B5EBBFC6}" type="presParOf" srcId="{285FD776-084F-40F4-BC1D-E952B4B0420A}" destId="{59730C7F-37CA-43B6-A052-4176BE8A2902}" srcOrd="0" destOrd="0" presId="urn:microsoft.com/office/officeart/2008/layout/HorizontalMultiLevelHierarchy"/>
+    <dgm:cxn modelId="{C23151D2-BAEB-48AC-8CF2-E0469858AE20}" type="presParOf" srcId="{48B868DA-C564-4FC1-B223-DC671DFF1C8C}" destId="{D296DF0A-D227-4822-AE5B-AA669307B370}" srcOrd="7" destOrd="0" presId="urn:microsoft.com/office/officeart/2008/layout/HorizontalMultiLevelHierarchy"/>
+    <dgm:cxn modelId="{60EA20A1-E370-4FD9-A056-BB671C2129A0}" type="presParOf" srcId="{D296DF0A-D227-4822-AE5B-AA669307B370}" destId="{66C9145C-710C-4C0C-9C36-7178356B5BD6}" srcOrd="0" destOrd="0" presId="urn:microsoft.com/office/officeart/2008/layout/HorizontalMultiLevelHierarchy"/>
+    <dgm:cxn modelId="{5FBD3D9C-D89B-4836-9A44-2DA33EE6580F}" type="presParOf" srcId="{D296DF0A-D227-4822-AE5B-AA669307B370}" destId="{A804B1D9-9CC3-40A6-B7B3-B5E7E38B1169}" srcOrd="1" destOrd="0" presId="urn:microsoft.com/office/officeart/2008/layout/HorizontalMultiLevelHierarchy"/>
+    <dgm:cxn modelId="{A6DCA134-55F2-4BC3-8B82-352F25C82F5B}" type="presParOf" srcId="{48B868DA-C564-4FC1-B223-DC671DFF1C8C}" destId="{07A7E966-539B-4317-8B99-54D8E518BBB2}" srcOrd="8" destOrd="0" presId="urn:microsoft.com/office/officeart/2008/layout/HorizontalMultiLevelHierarchy"/>
+    <dgm:cxn modelId="{A5660682-D3D6-49D8-81FC-62767A646CCF}" type="presParOf" srcId="{07A7E966-539B-4317-8B99-54D8E518BBB2}" destId="{C4416D92-A461-45F2-B4EB-4F3E9C3543F0}" srcOrd="0" destOrd="0" presId="urn:microsoft.com/office/officeart/2008/layout/HorizontalMultiLevelHierarchy"/>
+    <dgm:cxn modelId="{BFCCB1B5-93E9-415F-94CD-D2DDEFB2A759}" type="presParOf" srcId="{48B868DA-C564-4FC1-B223-DC671DFF1C8C}" destId="{2403463C-6D02-4629-AB0B-D42CF15D083A}" srcOrd="9" destOrd="0" presId="urn:microsoft.com/office/officeart/2008/layout/HorizontalMultiLevelHierarchy"/>
+    <dgm:cxn modelId="{9210CC9B-44E6-4B3D-A359-35C87FBE2429}" type="presParOf" srcId="{2403463C-6D02-4629-AB0B-D42CF15D083A}" destId="{5CFDBF41-FCED-4C2C-BA0E-14752DC33CF2}" srcOrd="0" destOrd="0" presId="urn:microsoft.com/office/officeart/2008/layout/HorizontalMultiLevelHierarchy"/>
+    <dgm:cxn modelId="{C11977CB-51DF-4D37-A348-2178FF3471BA}" type="presParOf" srcId="{2403463C-6D02-4629-AB0B-D42CF15D083A}" destId="{485D12BD-B88A-4EB8-A945-82B3741FB96C}" srcOrd="1" destOrd="0" presId="urn:microsoft.com/office/officeart/2008/layout/HorizontalMultiLevelHierarchy"/>
+    <dgm:cxn modelId="{0EB26F12-E50D-4ACA-9BFB-4F0B5ECD2DEA}" type="presParOf" srcId="{48B868DA-C564-4FC1-B223-DC671DFF1C8C}" destId="{74FE30D8-9D02-4F2E-9711-61050195BF6E}" srcOrd="10" destOrd="0" presId="urn:microsoft.com/office/officeart/2008/layout/HorizontalMultiLevelHierarchy"/>
+    <dgm:cxn modelId="{130C3675-8219-4CE7-8231-BB6D8E001A83}" type="presParOf" srcId="{74FE30D8-9D02-4F2E-9711-61050195BF6E}" destId="{BCD90707-49F9-403E-8D85-584758680460}" srcOrd="0" destOrd="0" presId="urn:microsoft.com/office/officeart/2008/layout/HorizontalMultiLevelHierarchy"/>
+    <dgm:cxn modelId="{EC90FA8F-5A4D-4BC0-9EBC-7228D47E8017}" type="presParOf" srcId="{48B868DA-C564-4FC1-B223-DC671DFF1C8C}" destId="{DBE5751A-14D0-4401-B701-760966A690CB}" srcOrd="11" destOrd="0" presId="urn:microsoft.com/office/officeart/2008/layout/HorizontalMultiLevelHierarchy"/>
+    <dgm:cxn modelId="{966998CE-70E5-4377-A6A0-9D4F45FB2BDE}" type="presParOf" srcId="{DBE5751A-14D0-4401-B701-760966A690CB}" destId="{E0D55938-7B7C-4932-8DE9-3524D895AED8}" srcOrd="0" destOrd="0" presId="urn:microsoft.com/office/officeart/2008/layout/HorizontalMultiLevelHierarchy"/>
+    <dgm:cxn modelId="{4FAA87FD-377D-4394-9E7B-80AD29AB39BC}" type="presParOf" srcId="{DBE5751A-14D0-4401-B701-760966A690CB}" destId="{49DB00FD-BE5F-4C9E-9663-12E680942364}" srcOrd="1" destOrd="0" presId="urn:microsoft.com/office/officeart/2008/layout/HorizontalMultiLevelHierarchy"/>
+    <dgm:cxn modelId="{4C50F51F-B23A-413C-BCC9-2A3664C29B06}" type="presParOf" srcId="{48B868DA-C564-4FC1-B223-DC671DFF1C8C}" destId="{F5F282BD-F21A-45D6-BEE8-D5718D75E4D7}" srcOrd="12" destOrd="0" presId="urn:microsoft.com/office/officeart/2008/layout/HorizontalMultiLevelHierarchy"/>
+    <dgm:cxn modelId="{E782FA78-754A-4373-A617-FF00FD1EA955}" type="presParOf" srcId="{F5F282BD-F21A-45D6-BEE8-D5718D75E4D7}" destId="{A165DD72-2041-4B38-9D7D-7FED38A12F7C}" srcOrd="0" destOrd="0" presId="urn:microsoft.com/office/officeart/2008/layout/HorizontalMultiLevelHierarchy"/>
+    <dgm:cxn modelId="{D4A8CC4C-63A9-4A88-AFF6-BC0F5EBFE63D}" type="presParOf" srcId="{48B868DA-C564-4FC1-B223-DC671DFF1C8C}" destId="{3B7323BB-F957-4730-9B0C-5DED5DECB29B}" srcOrd="13" destOrd="0" presId="urn:microsoft.com/office/officeart/2008/layout/HorizontalMultiLevelHierarchy"/>
+    <dgm:cxn modelId="{A139AC3E-3FEC-4396-8240-C3D10DD8C9C1}" type="presParOf" srcId="{3B7323BB-F957-4730-9B0C-5DED5DECB29B}" destId="{EB1D4CF5-BE15-480B-86EA-E212B8415225}" srcOrd="0" destOrd="0" presId="urn:microsoft.com/office/officeart/2008/layout/HorizontalMultiLevelHierarchy"/>
+    <dgm:cxn modelId="{14825698-01E0-4FC3-BB3C-5399D37FFA47}" type="presParOf" srcId="{3B7323BB-F957-4730-9B0C-5DED5DECB29B}" destId="{8472BA67-5476-46F5-92F5-EA2EEF1E8258}" srcOrd="1" destOrd="0" presId="urn:microsoft.com/office/officeart/2008/layout/HorizontalMultiLevelHierarchy"/>
   </dgm:cxnLst>
   <dgm:bg/>
   <dgm:whole/>
@@ -2473,10 +2573,9 @@
             </a:spcAft>
           </a:pPr>
           <a:r>
-            <a:rPr lang="en-US" sz="3300" kern="1200" dirty="0" smtClean="0"/>
+            <a:rPr lang="en-US" sz="3300" kern="1200" dirty="0"/>
             <a:t>DHTML</a:t>
           </a:r>
-          <a:endParaRPr lang="en-US" sz="3300" kern="1200" dirty="0"/>
         </a:p>
       </dsp:txBody>
       <dsp:txXfrm>
@@ -2629,10 +2728,9 @@
             </a:spcAft>
           </a:pPr>
           <a:r>
-            <a:rPr lang="en-US" sz="3300" kern="1200" dirty="0" smtClean="0"/>
+            <a:rPr lang="en-US" sz="3300" kern="1200" dirty="0"/>
             <a:t>HTML</a:t>
           </a:r>
-          <a:endParaRPr lang="en-US" sz="3300" kern="1200" dirty="0"/>
         </a:p>
       </dsp:txBody>
       <dsp:txXfrm>
@@ -2785,10 +2883,9 @@
             </a:spcAft>
           </a:pPr>
           <a:r>
-            <a:rPr lang="en-US" sz="3300" kern="1200" dirty="0" smtClean="0"/>
+            <a:rPr lang="en-US" sz="3300" kern="1200" dirty="0"/>
             <a:t>CSS</a:t>
           </a:r>
-          <a:endParaRPr lang="en-US" sz="3300" kern="1200" dirty="0"/>
         </a:p>
       </dsp:txBody>
       <dsp:txXfrm>
@@ -2941,10 +3038,9 @@
             </a:spcAft>
           </a:pPr>
           <a:r>
-            <a:rPr lang="en-US" sz="3300" kern="1200" dirty="0" smtClean="0"/>
+            <a:rPr lang="en-US" sz="3300" kern="1200" dirty="0"/>
             <a:t>JavaScript</a:t>
           </a:r>
-          <a:endParaRPr lang="en-US" sz="3300" kern="1200" dirty="0"/>
         </a:p>
       </dsp:txBody>
       <dsp:txXfrm>
@@ -2964,15 +3060,15 @@
       <dsp:cNvGrpSpPr/>
     </dsp:nvGrpSpPr>
     <dsp:grpSpPr/>
-    <dsp:sp modelId="{48D56CD6-516E-4AAE-8A0D-6DDA2C4D113F}">
+    <dsp:sp modelId="{F5F282BD-F21A-45D6-BEE8-D5718D75E4D7}">
       <dsp:nvSpPr>
         <dsp:cNvPr id="0" name=""/>
         <dsp:cNvSpPr/>
       </dsp:nvSpPr>
       <dsp:spPr>
         <a:xfrm>
-          <a:off x="2447131" y="1131623"/>
-          <a:ext cx="1916608" cy="541354"/>
+          <a:off x="526021" y="1562100"/>
+          <a:ext cx="241093" cy="1378202"/>
         </a:xfrm>
         <a:custGeom>
           <a:avLst/>
@@ -2986,13 +3082,13 @@
                 <a:pt x="0" y="0"/>
               </a:moveTo>
               <a:lnTo>
-                <a:pt x="0" y="430476"/>
+                <a:pt x="120546" y="0"/>
               </a:lnTo>
               <a:lnTo>
-                <a:pt x="1916608" y="430476"/>
+                <a:pt x="120546" y="1378202"/>
               </a:lnTo>
               <a:lnTo>
-                <a:pt x="1916608" y="541354"/>
+                <a:pt x="241093" y="1378202"/>
               </a:lnTo>
             </a:path>
           </a:pathLst>
@@ -3025,16 +3121,40 @@
         </a:effectRef>
         <a:fontRef idx="minor"/>
       </dsp:style>
+      <dsp:txBody>
+        <a:bodyPr spcFirstLastPara="0" vert="horz" wrap="square" lIns="12700" tIns="0" rIns="12700" bIns="0" numCol="1" spcCol="1270" anchor="ctr" anchorCtr="0">
+          <a:noAutofit/>
+        </a:bodyPr>
+        <a:lstStyle/>
+        <a:p>
+          <a:pPr lvl="0" algn="ctr" defTabSz="222250">
+            <a:lnSpc>
+              <a:spcPct val="90000"/>
+            </a:lnSpc>
+            <a:spcBef>
+              <a:spcPct val="0"/>
+            </a:spcBef>
+            <a:spcAft>
+              <a:spcPct val="35000"/>
+            </a:spcAft>
+          </a:pPr>
+          <a:endParaRPr lang="en-US" sz="500" kern="1200"/>
+        </a:p>
+      </dsp:txBody>
+      <dsp:txXfrm>
+        <a:off x="611590" y="2216222"/>
+        <a:ext cx="69956" cy="69956"/>
+      </dsp:txXfrm>
     </dsp:sp>
-    <dsp:sp modelId="{76DF5764-744C-4FA6-8BC0-B4C3CA10EFD0}">
+    <dsp:sp modelId="{74FE30D8-9D02-4F2E-9711-61050195BF6E}">
       <dsp:nvSpPr>
         <dsp:cNvPr id="0" name=""/>
         <dsp:cNvSpPr/>
       </dsp:nvSpPr>
       <dsp:spPr>
         <a:xfrm>
-          <a:off x="2447131" y="1131623"/>
-          <a:ext cx="638869" cy="541354"/>
+          <a:off x="526021" y="1562100"/>
+          <a:ext cx="241093" cy="918801"/>
         </a:xfrm>
         <a:custGeom>
           <a:avLst/>
@@ -3048,13 +3168,13 @@
                 <a:pt x="0" y="0"/>
               </a:moveTo>
               <a:lnTo>
-                <a:pt x="0" y="430476"/>
+                <a:pt x="120546" y="0"/>
               </a:lnTo>
               <a:lnTo>
-                <a:pt x="638869" y="430476"/>
+                <a:pt x="120546" y="918801"/>
               </a:lnTo>
               <a:lnTo>
-                <a:pt x="638869" y="541354"/>
+                <a:pt x="241093" y="918801"/>
               </a:lnTo>
             </a:path>
           </a:pathLst>
@@ -3087,16 +3207,40 @@
         </a:effectRef>
         <a:fontRef idx="minor"/>
       </dsp:style>
+      <dsp:txBody>
+        <a:bodyPr spcFirstLastPara="0" vert="horz" wrap="square" lIns="12700" tIns="0" rIns="12700" bIns="0" numCol="1" spcCol="1270" anchor="ctr" anchorCtr="0">
+          <a:noAutofit/>
+        </a:bodyPr>
+        <a:lstStyle/>
+        <a:p>
+          <a:pPr lvl="0" algn="ctr" defTabSz="222250">
+            <a:lnSpc>
+              <a:spcPct val="90000"/>
+            </a:lnSpc>
+            <a:spcBef>
+              <a:spcPct val="0"/>
+            </a:spcBef>
+            <a:spcAft>
+              <a:spcPct val="35000"/>
+            </a:spcAft>
+          </a:pPr>
+          <a:endParaRPr lang="en-US" sz="500" kern="1200"/>
+        </a:p>
+      </dsp:txBody>
+      <dsp:txXfrm>
+        <a:off x="622820" y="1997753"/>
+        <a:ext cx="47495" cy="47495"/>
+      </dsp:txXfrm>
     </dsp:sp>
-    <dsp:sp modelId="{2D42AB42-D582-4FCF-B439-C6E3971A4D91}">
+    <dsp:sp modelId="{07A7E966-539B-4317-8B99-54D8E518BBB2}">
       <dsp:nvSpPr>
         <dsp:cNvPr id="0" name=""/>
         <dsp:cNvSpPr/>
       </dsp:nvSpPr>
       <dsp:spPr>
         <a:xfrm>
-          <a:off x="1808261" y="1131623"/>
-          <a:ext cx="638869" cy="541354"/>
+          <a:off x="526021" y="1562100"/>
+          <a:ext cx="241093" cy="459400"/>
         </a:xfrm>
         <a:custGeom>
           <a:avLst/>
@@ -3107,16 +3251,16 @@
           <a:pathLst>
             <a:path>
               <a:moveTo>
-                <a:pt x="638869" y="0"/>
+                <a:pt x="0" y="0"/>
               </a:moveTo>
               <a:lnTo>
-                <a:pt x="638869" y="430476"/>
+                <a:pt x="120546" y="0"/>
               </a:lnTo>
               <a:lnTo>
-                <a:pt x="0" y="430476"/>
+                <a:pt x="120546" y="459400"/>
               </a:lnTo>
               <a:lnTo>
-                <a:pt x="0" y="541354"/>
+                <a:pt x="241093" y="459400"/>
               </a:lnTo>
             </a:path>
           </a:pathLst>
@@ -3149,16 +3293,40 @@
         </a:effectRef>
         <a:fontRef idx="minor"/>
       </dsp:style>
+      <dsp:txBody>
+        <a:bodyPr spcFirstLastPara="0" vert="horz" wrap="square" lIns="12700" tIns="0" rIns="12700" bIns="0" numCol="1" spcCol="1270" anchor="ctr" anchorCtr="0">
+          <a:noAutofit/>
+        </a:bodyPr>
+        <a:lstStyle/>
+        <a:p>
+          <a:pPr lvl="0" algn="ctr" defTabSz="222250">
+            <a:lnSpc>
+              <a:spcPct val="90000"/>
+            </a:lnSpc>
+            <a:spcBef>
+              <a:spcPct val="0"/>
+            </a:spcBef>
+            <a:spcAft>
+              <a:spcPct val="35000"/>
+            </a:spcAft>
+          </a:pPr>
+          <a:endParaRPr lang="en-US" sz="500" kern="1200"/>
+        </a:p>
+      </dsp:txBody>
+      <dsp:txXfrm>
+        <a:off x="633597" y="1778829"/>
+        <a:ext cx="25941" cy="25941"/>
+      </dsp:txXfrm>
     </dsp:sp>
-    <dsp:sp modelId="{1B7E4774-CD09-4BAD-A0F9-B5578B813852}">
+    <dsp:sp modelId="{285FD776-084F-40F4-BC1D-E952B4B0420A}">
       <dsp:nvSpPr>
         <dsp:cNvPr id="0" name=""/>
         <dsp:cNvSpPr/>
       </dsp:nvSpPr>
       <dsp:spPr>
         <a:xfrm>
-          <a:off x="530522" y="1131623"/>
-          <a:ext cx="1916608" cy="541354"/>
+          <a:off x="526021" y="1516379"/>
+          <a:ext cx="241093" cy="91440"/>
         </a:xfrm>
         <a:custGeom>
           <a:avLst/>
@@ -3169,16 +3337,10 @@
           <a:pathLst>
             <a:path>
               <a:moveTo>
-                <a:pt x="1916608" y="0"/>
+                <a:pt x="0" y="45720"/>
               </a:moveTo>
               <a:lnTo>
-                <a:pt x="1916608" y="430476"/>
-              </a:lnTo>
-              <a:lnTo>
-                <a:pt x="0" y="430476"/>
-              </a:lnTo>
-              <a:lnTo>
-                <a:pt x="0" y="541354"/>
+                <a:pt x="241093" y="45720"/>
               </a:lnTo>
             </a:path>
           </a:pathLst>
@@ -3211,16 +3373,298 @@
         </a:effectRef>
         <a:fontRef idx="minor"/>
       </dsp:style>
+      <dsp:txBody>
+        <a:bodyPr spcFirstLastPara="0" vert="horz" wrap="square" lIns="12700" tIns="0" rIns="12700" bIns="0" numCol="1" spcCol="1270" anchor="ctr" anchorCtr="0">
+          <a:noAutofit/>
+        </a:bodyPr>
+        <a:lstStyle/>
+        <a:p>
+          <a:pPr lvl="0" algn="ctr" defTabSz="222250">
+            <a:lnSpc>
+              <a:spcPct val="90000"/>
+            </a:lnSpc>
+            <a:spcBef>
+              <a:spcPct val="0"/>
+            </a:spcBef>
+            <a:spcAft>
+              <a:spcPct val="35000"/>
+            </a:spcAft>
+          </a:pPr>
+          <a:endParaRPr lang="en-US" sz="500" kern="1200"/>
+        </a:p>
+      </dsp:txBody>
+      <dsp:txXfrm>
+        <a:off x="640541" y="1556072"/>
+        <a:ext cx="12054" cy="12054"/>
+      </dsp:txXfrm>
     </dsp:sp>
-    <dsp:sp modelId="{03530A2C-7AC2-473F-8D1F-95BB2B294847}">
+    <dsp:sp modelId="{6E6F2605-47BF-4FCC-ACAD-E2636BE32143}">
       <dsp:nvSpPr>
         <dsp:cNvPr id="0" name=""/>
         <dsp:cNvSpPr/>
       </dsp:nvSpPr>
       <dsp:spPr>
         <a:xfrm>
-          <a:off x="1919139" y="603632"/>
-          <a:ext cx="1055982" cy="527991"/>
+          <a:off x="526021" y="1102699"/>
+          <a:ext cx="241093" cy="459400"/>
+        </a:xfrm>
+        <a:custGeom>
+          <a:avLst/>
+          <a:gdLst/>
+          <a:ahLst/>
+          <a:cxnLst/>
+          <a:rect l="0" t="0" r="0" b="0"/>
+          <a:pathLst>
+            <a:path>
+              <a:moveTo>
+                <a:pt x="0" y="459400"/>
+              </a:moveTo>
+              <a:lnTo>
+                <a:pt x="120546" y="459400"/>
+              </a:lnTo>
+              <a:lnTo>
+                <a:pt x="120546" y="0"/>
+              </a:lnTo>
+              <a:lnTo>
+                <a:pt x="241093" y="0"/>
+              </a:lnTo>
+            </a:path>
+          </a:pathLst>
+        </a:custGeom>
+        <a:noFill/>
+        <a:ln w="15875" cap="rnd" cmpd="sng" algn="ctr">
+          <a:solidFill>
+            <a:schemeClr val="accent1">
+              <a:shade val="60000"/>
+              <a:hueOff val="0"/>
+              <a:satOff val="0"/>
+              <a:lumOff val="0"/>
+              <a:alphaOff val="0"/>
+            </a:schemeClr>
+          </a:solidFill>
+          <a:prstDash val="solid"/>
+        </a:ln>
+        <a:effectLst/>
+        <a:sp3d z="-40000" prstMaterial="matte"/>
+      </dsp:spPr>
+      <dsp:style>
+        <a:lnRef idx="2">
+          <a:scrgbClr r="0" g="0" b="0"/>
+        </a:lnRef>
+        <a:fillRef idx="0">
+          <a:scrgbClr r="0" g="0" b="0"/>
+        </a:fillRef>
+        <a:effectRef idx="0">
+          <a:scrgbClr r="0" g="0" b="0"/>
+        </a:effectRef>
+        <a:fontRef idx="minor"/>
+      </dsp:style>
+      <dsp:txBody>
+        <a:bodyPr spcFirstLastPara="0" vert="horz" wrap="square" lIns="12700" tIns="0" rIns="12700" bIns="0" numCol="1" spcCol="1270" anchor="ctr" anchorCtr="0">
+          <a:noAutofit/>
+        </a:bodyPr>
+        <a:lstStyle/>
+        <a:p>
+          <a:pPr lvl="0" algn="ctr" defTabSz="222250">
+            <a:lnSpc>
+              <a:spcPct val="90000"/>
+            </a:lnSpc>
+            <a:spcBef>
+              <a:spcPct val="0"/>
+            </a:spcBef>
+            <a:spcAft>
+              <a:spcPct val="35000"/>
+            </a:spcAft>
+          </a:pPr>
+          <a:endParaRPr lang="en-US" sz="500" kern="1200"/>
+        </a:p>
+      </dsp:txBody>
+      <dsp:txXfrm>
+        <a:off x="633597" y="1319429"/>
+        <a:ext cx="25941" cy="25941"/>
+      </dsp:txXfrm>
+    </dsp:sp>
+    <dsp:sp modelId="{B7298179-20F6-4B7D-A762-B674ADBD9037}">
+      <dsp:nvSpPr>
+        <dsp:cNvPr id="0" name=""/>
+        <dsp:cNvSpPr/>
+      </dsp:nvSpPr>
+      <dsp:spPr>
+        <a:xfrm>
+          <a:off x="526021" y="643298"/>
+          <a:ext cx="241093" cy="918801"/>
+        </a:xfrm>
+        <a:custGeom>
+          <a:avLst/>
+          <a:gdLst/>
+          <a:ahLst/>
+          <a:cxnLst/>
+          <a:rect l="0" t="0" r="0" b="0"/>
+          <a:pathLst>
+            <a:path>
+              <a:moveTo>
+                <a:pt x="0" y="918801"/>
+              </a:moveTo>
+              <a:lnTo>
+                <a:pt x="120546" y="918801"/>
+              </a:lnTo>
+              <a:lnTo>
+                <a:pt x="120546" y="0"/>
+              </a:lnTo>
+              <a:lnTo>
+                <a:pt x="241093" y="0"/>
+              </a:lnTo>
+            </a:path>
+          </a:pathLst>
+        </a:custGeom>
+        <a:noFill/>
+        <a:ln w="15875" cap="rnd" cmpd="sng" algn="ctr">
+          <a:solidFill>
+            <a:schemeClr val="accent1">
+              <a:shade val="60000"/>
+              <a:hueOff val="0"/>
+              <a:satOff val="0"/>
+              <a:lumOff val="0"/>
+              <a:alphaOff val="0"/>
+            </a:schemeClr>
+          </a:solidFill>
+          <a:prstDash val="solid"/>
+        </a:ln>
+        <a:effectLst/>
+        <a:sp3d z="-40000" prstMaterial="matte"/>
+      </dsp:spPr>
+      <dsp:style>
+        <a:lnRef idx="2">
+          <a:scrgbClr r="0" g="0" b="0"/>
+        </a:lnRef>
+        <a:fillRef idx="0">
+          <a:scrgbClr r="0" g="0" b="0"/>
+        </a:fillRef>
+        <a:effectRef idx="0">
+          <a:scrgbClr r="0" g="0" b="0"/>
+        </a:effectRef>
+        <a:fontRef idx="minor"/>
+      </dsp:style>
+      <dsp:txBody>
+        <a:bodyPr spcFirstLastPara="0" vert="horz" wrap="square" lIns="12700" tIns="0" rIns="12700" bIns="0" numCol="1" spcCol="1270" anchor="ctr" anchorCtr="0">
+          <a:noAutofit/>
+        </a:bodyPr>
+        <a:lstStyle/>
+        <a:p>
+          <a:pPr lvl="0" algn="ctr" defTabSz="222250">
+            <a:lnSpc>
+              <a:spcPct val="90000"/>
+            </a:lnSpc>
+            <a:spcBef>
+              <a:spcPct val="0"/>
+            </a:spcBef>
+            <a:spcAft>
+              <a:spcPct val="35000"/>
+            </a:spcAft>
+          </a:pPr>
+          <a:endParaRPr lang="en-US" sz="500" kern="1200"/>
+        </a:p>
+      </dsp:txBody>
+      <dsp:txXfrm>
+        <a:off x="622820" y="1078951"/>
+        <a:ext cx="47495" cy="47495"/>
+      </dsp:txXfrm>
+    </dsp:sp>
+    <dsp:sp modelId="{EE1FC525-BC0F-4D95-8202-FDA2800D863A}">
+      <dsp:nvSpPr>
+        <dsp:cNvPr id="0" name=""/>
+        <dsp:cNvSpPr/>
+      </dsp:nvSpPr>
+      <dsp:spPr>
+        <a:xfrm>
+          <a:off x="526021" y="183897"/>
+          <a:ext cx="241093" cy="1378202"/>
+        </a:xfrm>
+        <a:custGeom>
+          <a:avLst/>
+          <a:gdLst/>
+          <a:ahLst/>
+          <a:cxnLst/>
+          <a:rect l="0" t="0" r="0" b="0"/>
+          <a:pathLst>
+            <a:path>
+              <a:moveTo>
+                <a:pt x="0" y="1378202"/>
+              </a:moveTo>
+              <a:lnTo>
+                <a:pt x="120546" y="1378202"/>
+              </a:lnTo>
+              <a:lnTo>
+                <a:pt x="120546" y="0"/>
+              </a:lnTo>
+              <a:lnTo>
+                <a:pt x="241093" y="0"/>
+              </a:lnTo>
+            </a:path>
+          </a:pathLst>
+        </a:custGeom>
+        <a:noFill/>
+        <a:ln w="15875" cap="rnd" cmpd="sng" algn="ctr">
+          <a:solidFill>
+            <a:schemeClr val="accent1">
+              <a:shade val="60000"/>
+              <a:hueOff val="0"/>
+              <a:satOff val="0"/>
+              <a:lumOff val="0"/>
+              <a:alphaOff val="0"/>
+            </a:schemeClr>
+          </a:solidFill>
+          <a:prstDash val="solid"/>
+        </a:ln>
+        <a:effectLst/>
+        <a:sp3d z="-40000" prstMaterial="matte"/>
+      </dsp:spPr>
+      <dsp:style>
+        <a:lnRef idx="2">
+          <a:scrgbClr r="0" g="0" b="0"/>
+        </a:lnRef>
+        <a:fillRef idx="0">
+          <a:scrgbClr r="0" g="0" b="0"/>
+        </a:fillRef>
+        <a:effectRef idx="0">
+          <a:scrgbClr r="0" g="0" b="0"/>
+        </a:effectRef>
+        <a:fontRef idx="minor"/>
+      </dsp:style>
+      <dsp:txBody>
+        <a:bodyPr spcFirstLastPara="0" vert="horz" wrap="square" lIns="12700" tIns="0" rIns="12700" bIns="0" numCol="1" spcCol="1270" anchor="ctr" anchorCtr="0">
+          <a:noAutofit/>
+        </a:bodyPr>
+        <a:lstStyle/>
+        <a:p>
+          <a:pPr lvl="0" algn="ctr" defTabSz="222250">
+            <a:lnSpc>
+              <a:spcPct val="90000"/>
+            </a:lnSpc>
+            <a:spcBef>
+              <a:spcPct val="0"/>
+            </a:spcBef>
+            <a:spcAft>
+              <a:spcPct val="35000"/>
+            </a:spcAft>
+          </a:pPr>
+          <a:endParaRPr lang="en-US" sz="500" kern="1200"/>
+        </a:p>
+      </dsp:txBody>
+      <dsp:txXfrm>
+        <a:off x="611590" y="838020"/>
+        <a:ext cx="69956" cy="69956"/>
+      </dsp:txXfrm>
+    </dsp:sp>
+    <dsp:sp modelId="{BC55A964-21AC-41A9-B459-589605241027}">
+      <dsp:nvSpPr>
+        <dsp:cNvPr id="0" name=""/>
+        <dsp:cNvSpPr/>
+      </dsp:nvSpPr>
+      <dsp:spPr>
+        <a:xfrm rot="16200000">
+          <a:off x="-624898" y="1378339"/>
+          <a:ext cx="1934319" cy="367520"/>
         </a:xfrm>
         <a:prstGeom prst="rect">
           <a:avLst/>
@@ -3258,12 +3702,12 @@
         </a:fontRef>
       </dsp:style>
       <dsp:txBody>
-        <a:bodyPr spcFirstLastPara="0" vert="horz" wrap="square" lIns="12065" tIns="12065" rIns="12065" bIns="12065" numCol="1" spcCol="1270" anchor="ctr" anchorCtr="0">
+        <a:bodyPr spcFirstLastPara="0" vert="horz" wrap="square" lIns="15240" tIns="15240" rIns="15240" bIns="15240" numCol="1" spcCol="1270" anchor="ctr" anchorCtr="0">
           <a:noAutofit/>
         </a:bodyPr>
         <a:lstStyle/>
         <a:p>
-          <a:pPr lvl="0" algn="ctr" defTabSz="844550">
+          <a:pPr lvl="0" algn="ctr" defTabSz="1066800">
             <a:lnSpc>
               <a:spcPct val="90000"/>
             </a:lnSpc>
@@ -3275,26 +3719,25 @@
             </a:spcAft>
           </a:pPr>
           <a:r>
-            <a:rPr lang="en-US" sz="1900" kern="1200" dirty="0" smtClean="0"/>
+            <a:rPr lang="en-US" sz="2400" kern="1200" dirty="0"/>
             <a:t>browser</a:t>
           </a:r>
-          <a:endParaRPr lang="en-US" sz="1900" kern="1200" dirty="0"/>
         </a:p>
       </dsp:txBody>
       <dsp:txXfrm>
-        <a:off x="1919139" y="603632"/>
-        <a:ext cx="1055982" cy="527991"/>
+        <a:off x="-624898" y="1378339"/>
+        <a:ext cx="1934319" cy="367520"/>
       </dsp:txXfrm>
     </dsp:sp>
-    <dsp:sp modelId="{EC7D32D1-E93B-4E50-AF2D-3CBF246D1606}">
+    <dsp:sp modelId="{DD55B2CC-872C-4B62-8F57-04EE6D762B90}">
       <dsp:nvSpPr>
         <dsp:cNvPr id="0" name=""/>
         <dsp:cNvSpPr/>
       </dsp:nvSpPr>
       <dsp:spPr>
         <a:xfrm>
-          <a:off x="2531" y="1672978"/>
-          <a:ext cx="1055982" cy="527991"/>
+          <a:off x="767115" y="137"/>
+          <a:ext cx="1205467" cy="367520"/>
         </a:xfrm>
         <a:prstGeom prst="rect">
           <a:avLst/>
@@ -3332,12 +3775,12 @@
         </a:fontRef>
       </dsp:style>
       <dsp:txBody>
-        <a:bodyPr spcFirstLastPara="0" vert="horz" wrap="square" lIns="12065" tIns="12065" rIns="12065" bIns="12065" numCol="1" spcCol="1270" anchor="ctr" anchorCtr="0">
+        <a:bodyPr spcFirstLastPara="0" vert="horz" wrap="square" lIns="13335" tIns="13335" rIns="13335" bIns="13335" numCol="1" spcCol="1270" anchor="ctr" anchorCtr="0">
           <a:noAutofit/>
         </a:bodyPr>
         <a:lstStyle/>
         <a:p>
-          <a:pPr lvl="0" algn="ctr" defTabSz="844550">
+          <a:pPr lvl="0" algn="ctr" defTabSz="933450">
             <a:lnSpc>
               <a:spcPct val="90000"/>
             </a:lnSpc>
@@ -3349,26 +3792,25 @@
             </a:spcAft>
           </a:pPr>
           <a:r>
-            <a:rPr lang="en-US" sz="1900" kern="1200" dirty="0" smtClean="0"/>
+            <a:rPr lang="en-US" sz="2100" kern="1200" dirty="0"/>
             <a:t>window</a:t>
           </a:r>
-          <a:endParaRPr lang="en-US" sz="1900" kern="1200" dirty="0"/>
         </a:p>
       </dsp:txBody>
       <dsp:txXfrm>
-        <a:off x="2531" y="1672978"/>
-        <a:ext cx="1055982" cy="527991"/>
+        <a:off x="767115" y="137"/>
+        <a:ext cx="1205467" cy="367520"/>
       </dsp:txXfrm>
     </dsp:sp>
-    <dsp:sp modelId="{12C0C675-6569-4420-94B1-6061A9A6CB9F}">
+    <dsp:sp modelId="{979FBBDA-44C5-4F34-AF21-B510A698D321}">
       <dsp:nvSpPr>
         <dsp:cNvPr id="0" name=""/>
         <dsp:cNvSpPr/>
       </dsp:nvSpPr>
       <dsp:spPr>
         <a:xfrm>
-          <a:off x="1280270" y="1672978"/>
-          <a:ext cx="1055982" cy="527991"/>
+          <a:off x="767115" y="459538"/>
+          <a:ext cx="1205467" cy="367520"/>
         </a:xfrm>
         <a:prstGeom prst="rect">
           <a:avLst/>
@@ -3406,12 +3848,12 @@
         </a:fontRef>
       </dsp:style>
       <dsp:txBody>
-        <a:bodyPr spcFirstLastPara="0" vert="horz" wrap="square" lIns="12065" tIns="12065" rIns="12065" bIns="12065" numCol="1" spcCol="1270" anchor="ctr" anchorCtr="0">
+        <a:bodyPr spcFirstLastPara="0" vert="horz" wrap="square" lIns="13335" tIns="13335" rIns="13335" bIns="13335" numCol="1" spcCol="1270" anchor="ctr" anchorCtr="0">
           <a:noAutofit/>
         </a:bodyPr>
         <a:lstStyle/>
         <a:p>
-          <a:pPr lvl="0" algn="ctr" defTabSz="844550">
+          <a:pPr lvl="0" algn="ctr" defTabSz="933450">
             <a:lnSpc>
               <a:spcPct val="90000"/>
             </a:lnSpc>
@@ -3423,26 +3865,25 @@
             </a:spcAft>
           </a:pPr>
           <a:r>
-            <a:rPr lang="en-US" sz="1900" kern="1200" dirty="0" smtClean="0"/>
+            <a:rPr lang="en-US" sz="2100" kern="1200" dirty="0"/>
             <a:t>navigator</a:t>
           </a:r>
-          <a:endParaRPr lang="en-US" sz="1900" kern="1200" dirty="0"/>
         </a:p>
       </dsp:txBody>
       <dsp:txXfrm>
-        <a:off x="1280270" y="1672978"/>
-        <a:ext cx="1055982" cy="527991"/>
+        <a:off x="767115" y="459538"/>
+        <a:ext cx="1205467" cy="367520"/>
       </dsp:txXfrm>
     </dsp:sp>
-    <dsp:sp modelId="{DCFCEA9A-1F29-458D-BACC-540725D624B4}">
+    <dsp:sp modelId="{9B6AD863-7420-40C6-8748-5F843439AE17}">
       <dsp:nvSpPr>
         <dsp:cNvPr id="0" name=""/>
         <dsp:cNvSpPr/>
       </dsp:nvSpPr>
       <dsp:spPr>
         <a:xfrm>
-          <a:off x="2558009" y="1672978"/>
-          <a:ext cx="1055982" cy="527991"/>
+          <a:off x="767115" y="918938"/>
+          <a:ext cx="1205467" cy="367520"/>
         </a:xfrm>
         <a:prstGeom prst="rect">
           <a:avLst/>
@@ -3480,12 +3921,12 @@
         </a:fontRef>
       </dsp:style>
       <dsp:txBody>
-        <a:bodyPr spcFirstLastPara="0" vert="horz" wrap="square" lIns="12065" tIns="12065" rIns="12065" bIns="12065" numCol="1" spcCol="1270" anchor="ctr" anchorCtr="0">
+        <a:bodyPr spcFirstLastPara="0" vert="horz" wrap="square" lIns="13335" tIns="13335" rIns="13335" bIns="13335" numCol="1" spcCol="1270" anchor="ctr" anchorCtr="0">
           <a:noAutofit/>
         </a:bodyPr>
         <a:lstStyle/>
         <a:p>
-          <a:pPr lvl="0" algn="ctr" defTabSz="844550">
+          <a:pPr lvl="0" algn="ctr" defTabSz="933450">
             <a:lnSpc>
               <a:spcPct val="90000"/>
             </a:lnSpc>
@@ -3497,26 +3938,25 @@
             </a:spcAft>
           </a:pPr>
           <a:r>
-            <a:rPr lang="en-US" sz="1900" kern="1200" dirty="0" smtClean="0"/>
+            <a:rPr lang="en-US" sz="2100" kern="1200" dirty="0"/>
             <a:t>screen</a:t>
           </a:r>
-          <a:endParaRPr lang="en-US" sz="1900" kern="1200" dirty="0"/>
         </a:p>
       </dsp:txBody>
       <dsp:txXfrm>
-        <a:off x="2558009" y="1672978"/>
-        <a:ext cx="1055982" cy="527991"/>
+        <a:off x="767115" y="918938"/>
+        <a:ext cx="1205467" cy="367520"/>
       </dsp:txXfrm>
     </dsp:sp>
-    <dsp:sp modelId="{3E8FCECF-CA31-46E3-814B-0781EB817790}">
+    <dsp:sp modelId="{66C9145C-710C-4C0C-9C36-7178356B5BD6}">
       <dsp:nvSpPr>
         <dsp:cNvPr id="0" name=""/>
         <dsp:cNvSpPr/>
       </dsp:nvSpPr>
       <dsp:spPr>
         <a:xfrm>
-          <a:off x="3835747" y="1672978"/>
-          <a:ext cx="1055982" cy="527991"/>
+          <a:off x="767115" y="1378339"/>
+          <a:ext cx="1205467" cy="367520"/>
         </a:xfrm>
         <a:prstGeom prst="rect">
           <a:avLst/>
@@ -3554,12 +3994,12 @@
         </a:fontRef>
       </dsp:style>
       <dsp:txBody>
-        <a:bodyPr spcFirstLastPara="0" vert="horz" wrap="square" lIns="12065" tIns="12065" rIns="12065" bIns="12065" numCol="1" spcCol="1270" anchor="ctr" anchorCtr="0">
+        <a:bodyPr spcFirstLastPara="0" vert="horz" wrap="square" lIns="13335" tIns="13335" rIns="13335" bIns="13335" numCol="1" spcCol="1270" anchor="ctr" anchorCtr="0">
           <a:noAutofit/>
         </a:bodyPr>
         <a:lstStyle/>
         <a:p>
-          <a:pPr lvl="0" algn="ctr" defTabSz="844550">
+          <a:pPr lvl="0" algn="ctr" defTabSz="933450">
             <a:lnSpc>
               <a:spcPct val="90000"/>
             </a:lnSpc>
@@ -3571,15 +4011,233 @@
             </a:spcAft>
           </a:pPr>
           <a:r>
-            <a:rPr lang="en-US" sz="1900" kern="1200" dirty="0" smtClean="0"/>
+            <a:rPr lang="en-US" sz="2100" kern="1200" dirty="0"/>
             <a:t>document</a:t>
           </a:r>
-          <a:endParaRPr lang="en-US" sz="1900" kern="1200" dirty="0"/>
         </a:p>
       </dsp:txBody>
       <dsp:txXfrm>
-        <a:off x="3835747" y="1672978"/>
-        <a:ext cx="1055982" cy="527991"/>
+        <a:off x="767115" y="1378339"/>
+        <a:ext cx="1205467" cy="367520"/>
+      </dsp:txXfrm>
+    </dsp:sp>
+    <dsp:sp modelId="{5CFDBF41-FCED-4C2C-BA0E-14752DC33CF2}">
+      <dsp:nvSpPr>
+        <dsp:cNvPr id="0" name=""/>
+        <dsp:cNvSpPr/>
+      </dsp:nvSpPr>
+      <dsp:spPr>
+        <a:xfrm>
+          <a:off x="767115" y="1837740"/>
+          <a:ext cx="1205467" cy="367520"/>
+        </a:xfrm>
+        <a:prstGeom prst="rect">
+          <a:avLst/>
+        </a:prstGeom>
+        <a:solidFill>
+          <a:schemeClr val="accent1">
+            <a:hueOff val="0"/>
+            <a:satOff val="0"/>
+            <a:lumOff val="0"/>
+            <a:alphaOff val="0"/>
+          </a:schemeClr>
+        </a:solidFill>
+        <a:ln>
+          <a:noFill/>
+        </a:ln>
+        <a:effectLst/>
+        <a:sp3d extrusionH="381000" contourW="38100" prstMaterial="matte">
+          <a:contourClr>
+            <a:schemeClr val="lt1"/>
+          </a:contourClr>
+        </a:sp3d>
+      </dsp:spPr>
+      <dsp:style>
+        <a:lnRef idx="0">
+          <a:scrgbClr r="0" g="0" b="0"/>
+        </a:lnRef>
+        <a:fillRef idx="1">
+          <a:scrgbClr r="0" g="0" b="0"/>
+        </a:fillRef>
+        <a:effectRef idx="0">
+          <a:scrgbClr r="0" g="0" b="0"/>
+        </a:effectRef>
+        <a:fontRef idx="minor">
+          <a:schemeClr val="lt1"/>
+        </a:fontRef>
+      </dsp:style>
+      <dsp:txBody>
+        <a:bodyPr spcFirstLastPara="0" vert="horz" wrap="square" lIns="13335" tIns="13335" rIns="13335" bIns="13335" numCol="1" spcCol="1270" anchor="ctr" anchorCtr="0">
+          <a:noAutofit/>
+        </a:bodyPr>
+        <a:lstStyle/>
+        <a:p>
+          <a:pPr lvl="0" algn="ctr" defTabSz="933450">
+            <a:lnSpc>
+              <a:spcPct val="90000"/>
+            </a:lnSpc>
+            <a:spcBef>
+              <a:spcPct val="0"/>
+            </a:spcBef>
+            <a:spcAft>
+              <a:spcPct val="35000"/>
+            </a:spcAft>
+          </a:pPr>
+          <a:r>
+            <a:rPr lang="en-US" sz="2100" kern="1200" dirty="0"/>
+            <a:t>console</a:t>
+          </a:r>
+        </a:p>
+      </dsp:txBody>
+      <dsp:txXfrm>
+        <a:off x="767115" y="1837740"/>
+        <a:ext cx="1205467" cy="367520"/>
+      </dsp:txXfrm>
+    </dsp:sp>
+    <dsp:sp modelId="{E0D55938-7B7C-4932-8DE9-3524D895AED8}">
+      <dsp:nvSpPr>
+        <dsp:cNvPr id="0" name=""/>
+        <dsp:cNvSpPr/>
+      </dsp:nvSpPr>
+      <dsp:spPr>
+        <a:xfrm>
+          <a:off x="767115" y="2297141"/>
+          <a:ext cx="1205467" cy="367520"/>
+        </a:xfrm>
+        <a:prstGeom prst="rect">
+          <a:avLst/>
+        </a:prstGeom>
+        <a:solidFill>
+          <a:schemeClr val="accent1">
+            <a:hueOff val="0"/>
+            <a:satOff val="0"/>
+            <a:lumOff val="0"/>
+            <a:alphaOff val="0"/>
+          </a:schemeClr>
+        </a:solidFill>
+        <a:ln>
+          <a:noFill/>
+        </a:ln>
+        <a:effectLst/>
+        <a:sp3d extrusionH="381000" contourW="38100" prstMaterial="matte">
+          <a:contourClr>
+            <a:schemeClr val="lt1"/>
+          </a:contourClr>
+        </a:sp3d>
+      </dsp:spPr>
+      <dsp:style>
+        <a:lnRef idx="0">
+          <a:scrgbClr r="0" g="0" b="0"/>
+        </a:lnRef>
+        <a:fillRef idx="1">
+          <a:scrgbClr r="0" g="0" b="0"/>
+        </a:fillRef>
+        <a:effectRef idx="0">
+          <a:scrgbClr r="0" g="0" b="0"/>
+        </a:effectRef>
+        <a:fontRef idx="minor">
+          <a:schemeClr val="lt1"/>
+        </a:fontRef>
+      </dsp:style>
+      <dsp:txBody>
+        <a:bodyPr spcFirstLastPara="0" vert="horz" wrap="square" lIns="13335" tIns="13335" rIns="13335" bIns="13335" numCol="1" spcCol="1270" anchor="ctr" anchorCtr="0">
+          <a:noAutofit/>
+        </a:bodyPr>
+        <a:lstStyle/>
+        <a:p>
+          <a:pPr lvl="0" algn="ctr" defTabSz="933450">
+            <a:lnSpc>
+              <a:spcPct val="90000"/>
+            </a:lnSpc>
+            <a:spcBef>
+              <a:spcPct val="0"/>
+            </a:spcBef>
+            <a:spcAft>
+              <a:spcPct val="35000"/>
+            </a:spcAft>
+          </a:pPr>
+          <a:r>
+            <a:rPr lang="en-US" sz="2100" kern="1200" dirty="0"/>
+            <a:t>Math</a:t>
+          </a:r>
+        </a:p>
+      </dsp:txBody>
+      <dsp:txXfrm>
+        <a:off x="767115" y="2297141"/>
+        <a:ext cx="1205467" cy="367520"/>
+      </dsp:txXfrm>
+    </dsp:sp>
+    <dsp:sp modelId="{EB1D4CF5-BE15-480B-86EA-E212B8415225}">
+      <dsp:nvSpPr>
+        <dsp:cNvPr id="0" name=""/>
+        <dsp:cNvSpPr/>
+      </dsp:nvSpPr>
+      <dsp:spPr>
+        <a:xfrm>
+          <a:off x="767115" y="2756542"/>
+          <a:ext cx="1205467" cy="367520"/>
+        </a:xfrm>
+        <a:prstGeom prst="rect">
+          <a:avLst/>
+        </a:prstGeom>
+        <a:solidFill>
+          <a:schemeClr val="accent1">
+            <a:hueOff val="0"/>
+            <a:satOff val="0"/>
+            <a:lumOff val="0"/>
+            <a:alphaOff val="0"/>
+          </a:schemeClr>
+        </a:solidFill>
+        <a:ln>
+          <a:noFill/>
+        </a:ln>
+        <a:effectLst/>
+        <a:sp3d extrusionH="381000" contourW="38100" prstMaterial="matte">
+          <a:contourClr>
+            <a:schemeClr val="lt1"/>
+          </a:contourClr>
+        </a:sp3d>
+      </dsp:spPr>
+      <dsp:style>
+        <a:lnRef idx="0">
+          <a:scrgbClr r="0" g="0" b="0"/>
+        </a:lnRef>
+        <a:fillRef idx="1">
+          <a:scrgbClr r="0" g="0" b="0"/>
+        </a:fillRef>
+        <a:effectRef idx="0">
+          <a:scrgbClr r="0" g="0" b="0"/>
+        </a:effectRef>
+        <a:fontRef idx="minor">
+          <a:schemeClr val="lt1"/>
+        </a:fontRef>
+      </dsp:style>
+      <dsp:txBody>
+        <a:bodyPr spcFirstLastPara="0" vert="horz" wrap="square" lIns="13335" tIns="13335" rIns="13335" bIns="13335" numCol="1" spcCol="1270" anchor="ctr" anchorCtr="0">
+          <a:noAutofit/>
+        </a:bodyPr>
+        <a:lstStyle/>
+        <a:p>
+          <a:pPr lvl="0" algn="ctr" defTabSz="933450">
+            <a:lnSpc>
+              <a:spcPct val="90000"/>
+            </a:lnSpc>
+            <a:spcBef>
+              <a:spcPct val="0"/>
+            </a:spcBef>
+            <a:spcAft>
+              <a:spcPct val="35000"/>
+            </a:spcAft>
+          </a:pPr>
+          <a:r>
+            <a:rPr lang="en-US" sz="2100" kern="1200" dirty="0"/>
+            <a:t>Date</a:t>
+          </a:r>
+        </a:p>
+      </dsp:txBody>
+      <dsp:txXfrm>
+        <a:off x="767115" y="2756542"/>
+        <a:ext cx="1205467" cy="367520"/>
       </dsp:txXfrm>
     </dsp:sp>
   </dsp:spTree>
@@ -3907,12 +4565,11 @@
 </file>
 
 <file path=ppt/diagrams/layout2.xml><?xml version="1.0" encoding="utf-8"?>
-<dgm:layoutDef xmlns:dgm="http://schemas.openxmlformats.org/drawingml/2006/diagram" xmlns:a="http://schemas.openxmlformats.org/drawingml/2006/main" uniqueId="urn:microsoft.com/office/officeart/2005/8/layout/orgChart1">
+<dgm:layoutDef xmlns:dgm="http://schemas.openxmlformats.org/drawingml/2006/diagram" xmlns:a="http://schemas.openxmlformats.org/drawingml/2006/main" uniqueId="urn:microsoft.com/office/officeart/2008/layout/HorizontalMultiLevelHierarchy">
   <dgm:title val=""/>
   <dgm:desc val=""/>
   <dgm:catLst>
-    <dgm:cat type="hierarchy" pri="1000"/>
-    <dgm:cat type="convert" pri="6000"/>
+    <dgm:cat type="hierarchy" pri="4600"/>
   </dgm:catLst>
   <dgm:sampData>
     <dgm:dataModel>
@@ -3921,25 +4578,21 @@
         <dgm:pt modelId="1">
           <dgm:prSet phldr="1"/>
         </dgm:pt>
-        <dgm:pt modelId="2" type="asst">
+        <dgm:pt modelId="11">
           <dgm:prSet phldr="1"/>
         </dgm:pt>
-        <dgm:pt modelId="3">
+        <dgm:pt modelId="12">
           <dgm:prSet phldr="1"/>
         </dgm:pt>
-        <dgm:pt modelId="4">
-          <dgm:prSet phldr="1"/>
-        </dgm:pt>
-        <dgm:pt modelId="5">
+        <dgm:pt modelId="13">
           <dgm:prSet phldr="1"/>
         </dgm:pt>
       </dgm:ptLst>
       <dgm:cxnLst>
-        <dgm:cxn modelId="5" srcId="0" destId="1" srcOrd="0" destOrd="0"/>
-        <dgm:cxn modelId="6" srcId="1" destId="2" srcOrd="0" destOrd="0"/>
-        <dgm:cxn modelId="7" srcId="1" destId="3" srcOrd="1" destOrd="0"/>
-        <dgm:cxn modelId="8" srcId="1" destId="4" srcOrd="2" destOrd="0"/>
-        <dgm:cxn modelId="9" srcId="1" destId="5" srcOrd="3" destOrd="0"/>
+        <dgm:cxn modelId="2" srcId="0" destId="1" srcOrd="0" destOrd="0"/>
+        <dgm:cxn modelId="3" srcId="1" destId="11" srcOrd="0" destOrd="0"/>
+        <dgm:cxn modelId="4" srcId="1" destId="12" srcOrd="1" destOrd="0"/>
+        <dgm:cxn modelId="5" srcId="1" destId="13" srcOrd="2" destOrd="0"/>
       </dgm:cxnLst>
       <dgm:bg/>
       <dgm:whole/>
@@ -3949,14 +4602,20 @@
     <dgm:dataModel>
       <dgm:ptLst>
         <dgm:pt modelId="0" type="doc"/>
-        <dgm:pt modelId="1"/>
-        <dgm:pt modelId="12"/>
-        <dgm:pt modelId="13"/>
+        <dgm:pt modelId="1">
+          <dgm:prSet phldr="1"/>
+        </dgm:pt>
+        <dgm:pt modelId="11">
+          <dgm:prSet phldr="1"/>
+        </dgm:pt>
+        <dgm:pt modelId="12">
+          <dgm:prSet phldr="1"/>
+        </dgm:pt>
       </dgm:ptLst>
       <dgm:cxnLst>
         <dgm:cxn modelId="2" srcId="0" destId="1" srcOrd="0" destOrd="0"/>
-        <dgm:cxn modelId="16" srcId="1" destId="12" srcOrd="1" destOrd="0"/>
-        <dgm:cxn modelId="17" srcId="1" destId="13" srcOrd="2" destOrd="0"/>
+        <dgm:cxn modelId="3" srcId="1" destId="11" srcOrd="0" destOrd="0"/>
+        <dgm:cxn modelId="4" srcId="1" destId="12" srcOrd="1" destOrd="0"/>
       </dgm:cxnLst>
       <dgm:bg/>
       <dgm:whole/>
@@ -3966,41 +4625,48 @@
     <dgm:dataModel>
       <dgm:ptLst>
         <dgm:pt modelId="0" type="doc"/>
-        <dgm:pt modelId="1"/>
-        <dgm:pt modelId="11" type="asst"/>
-        <dgm:pt modelId="12"/>
-        <dgm:pt modelId="13"/>
-        <dgm:pt modelId="14"/>
+        <dgm:pt modelId="1">
+          <dgm:prSet phldr="1"/>
+        </dgm:pt>
+        <dgm:pt modelId="11">
+          <dgm:prSet phldr="1"/>
+        </dgm:pt>
+        <dgm:pt modelId="12">
+          <dgm:prSet phldr="1"/>
+        </dgm:pt>
+        <dgm:pt modelId="13">
+          <dgm:prSet phldr="1"/>
+        </dgm:pt>
       </dgm:ptLst>
       <dgm:cxnLst>
         <dgm:cxn modelId="2" srcId="0" destId="1" srcOrd="0" destOrd="0"/>
-        <dgm:cxn modelId="15" srcId="1" destId="11" srcOrd="0" destOrd="0"/>
-        <dgm:cxn modelId="16" srcId="1" destId="12" srcOrd="1" destOrd="0"/>
-        <dgm:cxn modelId="17" srcId="1" destId="13" srcOrd="2" destOrd="0"/>
-        <dgm:cxn modelId="18" srcId="1" destId="14" srcOrd="2" destOrd="0"/>
+        <dgm:cxn modelId="3" srcId="1" destId="11" srcOrd="0" destOrd="0"/>
+        <dgm:cxn modelId="4" srcId="1" destId="12" srcOrd="1" destOrd="0"/>
+        <dgm:cxn modelId="5" srcId="1" destId="13" srcOrd="2" destOrd="0"/>
       </dgm:cxnLst>
       <dgm:bg/>
       <dgm:whole/>
     </dgm:dataModel>
   </dgm:clrData>
-  <dgm:layoutNode name="hierChild1">
+  <dgm:layoutNode name="Name0">
     <dgm:varLst>
-      <dgm:orgChart val="1"/>
       <dgm:chPref val="1"/>
       <dgm:dir/>
       <dgm:animOne val="branch"/>
       <dgm:animLvl val="lvl"/>
-      <dgm:resizeHandles/>
+      <dgm:resizeHandles val="exact"/>
     </dgm:varLst>
-    <dgm:choose name="Name0">
-      <dgm:if name="Name1" func="var" arg="dir" op="equ" val="norm">
+    <dgm:choose name="Name1">
+      <dgm:if name="Name2" func="var" arg="dir" op="equ" val="norm">
         <dgm:alg type="hierChild">
-          <dgm:param type="linDir" val="fromL"/>
+          <dgm:param type="linDir" val="fromT"/>
+          <dgm:param type="chAlign" val="l"/>
         </dgm:alg>
       </dgm:if>
-      <dgm:else name="Name2">
+      <dgm:else name="Name3">
         <dgm:alg type="hierChild">
-          <dgm:param type="linDir" val="fromR"/>
+          <dgm:param type="linDir" val="fromT"/>
+          <dgm:param type="chAlign" val="r"/>
         </dgm:alg>
       </dgm:else>
     </dgm:choose>
@@ -4009,593 +4675,168 @@
     </dgm:shape>
     <dgm:presOf/>
     <dgm:constrLst>
-      <dgm:constr type="w" for="des" forName="rootComposite1" refType="w" fact="10"/>
-      <dgm:constr type="h" for="des" forName="rootComposite1" refType="w" refFor="des" refForName="rootComposite1" fact="0.5"/>
-      <dgm:constr type="w" for="des" forName="rootComposite" refType="w" fact="10"/>
-      <dgm:constr type="h" for="des" forName="rootComposite" refType="w" refFor="des" refForName="rootComposite1" fact="0.5"/>
-      <dgm:constr type="w" for="des" forName="rootComposite3" refType="w" fact="10"/>
-      <dgm:constr type="h" for="des" forName="rootComposite3" refType="w" refFor="des" refForName="rootComposite1" fact="0.5"/>
-      <dgm:constr type="primFontSz" for="des" ptType="node" op="equ"/>
-      <dgm:constr type="sp" for="des" op="equ"/>
-      <dgm:constr type="sp" for="des" forName="hierRoot1" refType="w" refFor="des" refForName="rootComposite1" fact="0.21"/>
-      <dgm:constr type="sp" for="des" forName="hierRoot2" refType="sp" refFor="des" refForName="hierRoot1"/>
-      <dgm:constr type="sp" for="des" forName="hierRoot3" refType="sp" refFor="des" refForName="hierRoot1"/>
-      <dgm:constr type="sibSp" refType="w" refFor="des" refForName="rootComposite1" fact="0.21"/>
-      <dgm:constr type="sibSp" for="des" forName="hierChild2" refType="sibSp"/>
-      <dgm:constr type="sibSp" for="des" forName="hierChild3" refType="sibSp"/>
-      <dgm:constr type="sibSp" for="des" forName="hierChild4" refType="sibSp"/>
-      <dgm:constr type="sibSp" for="des" forName="hierChild5" refType="sibSp"/>
-      <dgm:constr type="sibSp" for="des" forName="hierChild6" refType="sibSp"/>
-      <dgm:constr type="sibSp" for="des" forName="hierChild7" refType="sibSp"/>
-      <dgm:constr type="secSibSp" refType="w" refFor="des" refForName="rootComposite1" fact="0.21"/>
-      <dgm:constr type="secSibSp" for="des" forName="hierChild2" refType="secSibSp"/>
-      <dgm:constr type="secSibSp" for="des" forName="hierChild3" refType="secSibSp"/>
-      <dgm:constr type="secSibSp" for="des" forName="hierChild4" refType="secSibSp"/>
-      <dgm:constr type="secSibSp" for="des" forName="hierChild5" refType="secSibSp"/>
-      <dgm:constr type="secSibSp" for="des" forName="hierChild6" refType="secSibSp"/>
-      <dgm:constr type="secSibSp" for="des" forName="hierChild7" refType="secSibSp"/>
+      <dgm:constr type="h" for="des" forName="LevelOneTextNode" refType="h"/>
+      <dgm:constr type="w" for="des" forName="LevelOneTextNode" refType="h" refFor="des" refForName="LevelOneTextNode" fact="0.19"/>
+      <dgm:constr type="h" for="des" forName="LevelTwoTextNode" refType="w" refFor="des" refForName="LevelOneTextNode"/>
+      <dgm:constr type="w" for="des" forName="LevelTwoTextNode" refType="h" refFor="des" refForName="LevelTwoTextNode" fact="3.28"/>
+      <dgm:constr type="sibSp" refType="h" refFor="des" refForName="LevelTwoTextNode" op="equ" fact="0.25"/>
+      <dgm:constr type="sibSp" for="des" forName="level2hierChild" refType="h" refFor="des" refForName="LevelTwoTextNode" op="equ" fact="0.25"/>
+      <dgm:constr type="sibSp" for="des" forName="level3hierChild" refType="h" refFor="des" refForName="LevelTwoTextNode" op="equ" fact="0.25"/>
+      <dgm:constr type="sp" for="des" forName="root1" refType="w" refFor="des" refForName="LevelTwoTextNode" fact="0.2"/>
+      <dgm:constr type="sp" for="des" forName="root2" refType="sp" refFor="des" refForName="root1" op="equ"/>
+      <dgm:constr type="primFontSz" for="des" forName="LevelOneTextNode" op="equ" val="65"/>
+      <dgm:constr type="primFontSz" for="des" forName="LevelTwoTextNode" op="equ" val="65"/>
+      <dgm:constr type="primFontSz" for="des" forName="LevelTwoTextNode" refType="primFontSz" refFor="des" refForName="LevelOneTextNode" op="lte"/>
+      <dgm:constr type="primFontSz" for="des" forName="connTx" op="equ" val="50"/>
+      <dgm:constr type="primFontSz" for="des" forName="connTx" refType="primFontSz" refFor="des" refForName="LevelOneTextNode" op="lte" fact="0.78"/>
     </dgm:constrLst>
-    <dgm:ruleLst/>
-    <dgm:forEach name="Name3" axis="ch">
-      <dgm:forEach name="Name4" axis="self" ptType="node">
-        <dgm:layoutNode name="hierRoot1">
-          <dgm:varLst>
-            <dgm:hierBranch val="init"/>
-          </dgm:varLst>
-          <dgm:choose name="Name5">
-            <dgm:if name="Name6" func="var" arg="hierBranch" op="equ" val="l">
-              <dgm:choose name="Name7">
-                <dgm:if name="Name8" axis="ch" ptType="asst" func="cnt" op="gte" val="1">
-                  <dgm:alg type="hierRoot">
-                    <dgm:param type="hierAlign" val="tR"/>
-                  </dgm:alg>
-                  <dgm:constrLst>
-                    <dgm:constr type="alignOff" val="0.65"/>
-                  </dgm:constrLst>
-                </dgm:if>
-                <dgm:else name="Name9">
-                  <dgm:alg type="hierRoot">
-                    <dgm:param type="hierAlign" val="tR"/>
-                  </dgm:alg>
-                  <dgm:constrLst>
-                    <dgm:constr type="alignOff" val="0.25"/>
-                  </dgm:constrLst>
-                </dgm:else>
-              </dgm:choose>
+    <dgm:forEach name="Name4" axis="ch">
+      <dgm:forEach name="Name5" axis="self" ptType="node">
+        <dgm:layoutNode name="root1">
+          <dgm:choose name="Name6">
+            <dgm:if name="Name7" func="var" arg="dir" op="equ" val="norm">
+              <dgm:alg type="hierRoot">
+                <dgm:param type="hierAlign" val="lCtrCh"/>
+              </dgm:alg>
             </dgm:if>
-            <dgm:if name="Name10" func="var" arg="hierBranch" op="equ" val="r">
-              <dgm:choose name="Name11">
-                <dgm:if name="Name12" axis="ch" ptType="asst" func="cnt" op="gte" val="1">
-                  <dgm:alg type="hierRoot">
-                    <dgm:param type="hierAlign" val="tL"/>
-                  </dgm:alg>
-                  <dgm:constrLst>
-                    <dgm:constr type="alignOff" val="0.65"/>
-                  </dgm:constrLst>
-                </dgm:if>
-                <dgm:else name="Name13">
-                  <dgm:alg type="hierRoot">
-                    <dgm:param type="hierAlign" val="tL"/>
-                  </dgm:alg>
-                  <dgm:constrLst>
-                    <dgm:constr type="alignOff" val="0.25"/>
-                  </dgm:constrLst>
-                </dgm:else>
-              </dgm:choose>
-            </dgm:if>
-            <dgm:if name="Name14" func="var" arg="hierBranch" op="equ" val="hang">
-              <dgm:alg type="hierRoot"/>
-              <dgm:constrLst>
-                <dgm:constr type="alignOff" val="0.65"/>
-              </dgm:constrLst>
-            </dgm:if>
-            <dgm:else name="Name15">
-              <dgm:alg type="hierRoot"/>
-              <dgm:constrLst>
-                <dgm:constr type="alignOff"/>
-                <dgm:constr type="bendDist" for="des" ptType="parTrans" refType="sp" fact="0.5"/>
-              </dgm:constrLst>
+            <dgm:else name="Name8">
+              <dgm:alg type="hierRoot">
+                <dgm:param type="hierAlign" val="rCtrCh"/>
+              </dgm:alg>
             </dgm:else>
           </dgm:choose>
           <dgm:shape xmlns:r="http://schemas.openxmlformats.org/officeDocument/2006/relationships" r:blip="">
             <dgm:adjLst/>
           </dgm:shape>
           <dgm:presOf/>
-          <dgm:ruleLst/>
-          <dgm:layoutNode name="rootComposite1">
-            <dgm:alg type="composite"/>
-            <dgm:shape xmlns:r="http://schemas.openxmlformats.org/officeDocument/2006/relationships" r:blip="">
-              <dgm:adjLst/>
-            </dgm:shape>
-            <dgm:presOf axis="self" ptType="node" cnt="1"/>
-            <dgm:choose name="Name16">
-              <dgm:if name="Name17" func="var" arg="hierBranch" op="equ" val="init">
-                <dgm:constrLst>
-                  <dgm:constr type="l" for="ch" forName="rootText1"/>
-                  <dgm:constr type="t" for="ch" forName="rootText1"/>
-                  <dgm:constr type="w" for="ch" forName="rootText1" refType="w"/>
-                  <dgm:constr type="h" for="ch" forName="rootText1" refType="h"/>
-                  <dgm:constr type="l" for="ch" forName="rootConnector1"/>
-                  <dgm:constr type="t" for="ch" forName="rootConnector1"/>
-                  <dgm:constr type="w" for="ch" forName="rootConnector1" refType="w" refFor="ch" refForName="rootText1" fact="0.2"/>
-                  <dgm:constr type="h" for="ch" forName="rootConnector1" refType="h" refFor="ch" refForName="rootText1"/>
-                </dgm:constrLst>
+          <dgm:layoutNode name="LevelOneTextNode" styleLbl="node0">
+            <dgm:varLst>
+              <dgm:chPref val="3"/>
+            </dgm:varLst>
+            <dgm:alg type="tx">
+              <dgm:param type="autoTxRot" val="grav"/>
+            </dgm:alg>
+            <dgm:choose name="Name9">
+              <dgm:if name="Name10" func="var" arg="dir" op="equ" val="norm">
+                <dgm:shape xmlns:r="http://schemas.openxmlformats.org/officeDocument/2006/relationships" rot="270" type="rect" r:blip="">
+                  <dgm:adjLst/>
+                </dgm:shape>
               </dgm:if>
-              <dgm:if name="Name18" func="var" arg="hierBranch" op="equ" val="l">
-                <dgm:constrLst>
-                  <dgm:constr type="l" for="ch" forName="rootText1"/>
-                  <dgm:constr type="t" for="ch" forName="rootText1"/>
-                  <dgm:constr type="w" for="ch" forName="rootText1" refType="w"/>
-                  <dgm:constr type="h" for="ch" forName="rootText1" refType="h"/>
-                  <dgm:constr type="r" for="ch" forName="rootConnector1" refType="w"/>
-                  <dgm:constr type="t" for="ch" forName="rootConnector1"/>
-                  <dgm:constr type="w" for="ch" forName="rootConnector1" refType="w" refFor="ch" refForName="rootText1" fact="0.2"/>
-                  <dgm:constr type="h" for="ch" forName="rootConnector1" refType="h" refFor="ch" refForName="rootText1"/>
-                </dgm:constrLst>
-              </dgm:if>
-              <dgm:if name="Name19" func="var" arg="hierBranch" op="equ" val="r">
-                <dgm:constrLst>
-                  <dgm:constr type="l" for="ch" forName="rootText1"/>
-                  <dgm:constr type="t" for="ch" forName="rootText1"/>
-                  <dgm:constr type="w" for="ch" forName="rootText1" refType="w"/>
-                  <dgm:constr type="h" for="ch" forName="rootText1" refType="h"/>
-                  <dgm:constr type="l" for="ch" forName="rootConnector1"/>
-                  <dgm:constr type="t" for="ch" forName="rootConnector1"/>
-                  <dgm:constr type="w" for="ch" forName="rootConnector1" refType="w" refFor="ch" refForName="rootText1" fact="0.2"/>
-                  <dgm:constr type="h" for="ch" forName="rootConnector1" refType="h" refFor="ch" refForName="rootText1"/>
-                </dgm:constrLst>
-              </dgm:if>
-              <dgm:else name="Name20">
-                <dgm:constrLst>
-                  <dgm:constr type="l" for="ch" forName="rootText1"/>
-                  <dgm:constr type="t" for="ch" forName="rootText1"/>
-                  <dgm:constr type="w" for="ch" forName="rootText1" refType="w"/>
-                  <dgm:constr type="h" for="ch" forName="rootText1" refType="h"/>
-                  <dgm:constr type="r" for="ch" forName="rootConnector1" refType="w"/>
-                  <dgm:constr type="t" for="ch" forName="rootConnector1"/>
-                  <dgm:constr type="w" for="ch" forName="rootConnector1" refType="w" refFor="ch" refForName="rootText1" fact="0.2"/>
-                  <dgm:constr type="h" for="ch" forName="rootConnector1" refType="h" refFor="ch" refForName="rootText1"/>
-                </dgm:constrLst>
+              <dgm:else name="Name11">
+                <dgm:shape xmlns:r="http://schemas.openxmlformats.org/officeDocument/2006/relationships" rot="90" type="rect" r:blip="">
+                  <dgm:adjLst/>
+                </dgm:shape>
               </dgm:else>
             </dgm:choose>
-            <dgm:ruleLst/>
-            <dgm:layoutNode name="rootText1" styleLbl="node0">
-              <dgm:varLst>
-                <dgm:chPref val="3"/>
-              </dgm:varLst>
-              <dgm:alg type="tx"/>
-              <dgm:shape xmlns:r="http://schemas.openxmlformats.org/officeDocument/2006/relationships" type="rect" r:blip="">
-                <dgm:adjLst/>
-              </dgm:shape>
-              <dgm:presOf axis="self" ptType="node" cnt="1"/>
-              <dgm:constrLst>
-                <dgm:constr type="primFontSz" val="65"/>
-                <dgm:constr type="lMarg" refType="primFontSz" fact="0.05"/>
-                <dgm:constr type="rMarg" refType="primFontSz" fact="0.05"/>
-                <dgm:constr type="tMarg" refType="primFontSz" fact="0.05"/>
-                <dgm:constr type="bMarg" refType="primFontSz" fact="0.05"/>
-              </dgm:constrLst>
-              <dgm:ruleLst>
-                <dgm:rule type="primFontSz" val="5" fact="NaN" max="NaN"/>
-              </dgm:ruleLst>
-            </dgm:layoutNode>
-            <dgm:layoutNode name="rootConnector1" moveWith="rootText1">
-              <dgm:alg type="sp"/>
-              <dgm:shape xmlns:r="http://schemas.openxmlformats.org/officeDocument/2006/relationships" type="rect" r:blip="" hideGeom="1">
-                <dgm:adjLst/>
-              </dgm:shape>
-              <dgm:presOf axis="self" ptType="node" cnt="1"/>
-              <dgm:constrLst/>
-              <dgm:ruleLst/>
-            </dgm:layoutNode>
+            <dgm:presOf axis="self"/>
+            <dgm:constrLst>
+              <dgm:constr type="tMarg" refType="primFontSz" fact="0.05"/>
+              <dgm:constr type="bMarg" refType="primFontSz" fact="0.05"/>
+              <dgm:constr type="lMarg" refType="primFontSz" fact="0.05"/>
+              <dgm:constr type="rMarg" refType="primFontSz" fact="0.05"/>
+            </dgm:constrLst>
+            <dgm:ruleLst>
+              <dgm:rule type="primFontSz" val="2" fact="NaN" max="NaN"/>
+            </dgm:ruleLst>
           </dgm:layoutNode>
-          <dgm:layoutNode name="hierChild2">
-            <dgm:choose name="Name21">
-              <dgm:if name="Name22" func="var" arg="hierBranch" op="equ" val="l">
+          <dgm:layoutNode name="level2hierChild">
+            <dgm:choose name="Name12">
+              <dgm:if name="Name13" func="var" arg="dir" op="equ" val="norm">
                 <dgm:alg type="hierChild">
-                  <dgm:param type="chAlign" val="r"/>
                   <dgm:param type="linDir" val="fromT"/>
+                  <dgm:param type="chAlign" val="l"/>
                 </dgm:alg>
               </dgm:if>
-              <dgm:if name="Name23" func="var" arg="hierBranch" op="equ" val="r">
+              <dgm:else name="Name14">
                 <dgm:alg type="hierChild">
-                  <dgm:param type="chAlign" val="l"/>
                   <dgm:param type="linDir" val="fromT"/>
+                  <dgm:param type="chAlign" val="r"/>
                 </dgm:alg>
-              </dgm:if>
-              <dgm:if name="Name24" func="var" arg="hierBranch" op="equ" val="hang">
-                <dgm:choose name="Name25">
-                  <dgm:if name="Name26" func="var" arg="dir" op="equ" val="norm">
-                    <dgm:alg type="hierChild">
-                      <dgm:param type="chAlign" val="l"/>
-                      <dgm:param type="linDir" val="fromL"/>
-                      <dgm:param type="secChAlign" val="t"/>
-                      <dgm:param type="secLinDir" val="fromT"/>
-                    </dgm:alg>
-                  </dgm:if>
-                  <dgm:else name="Name27">
-                    <dgm:alg type="hierChild">
-                      <dgm:param type="chAlign" val="l"/>
-                      <dgm:param type="linDir" val="fromR"/>
-                      <dgm:param type="secChAlign" val="t"/>
-                      <dgm:param type="secLinDir" val="fromT"/>
-                    </dgm:alg>
-                  </dgm:else>
-                </dgm:choose>
-              </dgm:if>
-              <dgm:else name="Name28">
-                <dgm:choose name="Name29">
-                  <dgm:if name="Name30" func="var" arg="dir" op="equ" val="norm">
-                    <dgm:alg type="hierChild"/>
-                  </dgm:if>
-                  <dgm:else name="Name31">
-                    <dgm:alg type="hierChild">
-                      <dgm:param type="linDir" val="fromR"/>
-                    </dgm:alg>
-                  </dgm:else>
-                </dgm:choose>
               </dgm:else>
             </dgm:choose>
             <dgm:shape xmlns:r="http://schemas.openxmlformats.org/officeDocument/2006/relationships" r:blip="">
               <dgm:adjLst/>
             </dgm:shape>
             <dgm:presOf/>
-            <dgm:constrLst/>
-            <dgm:ruleLst/>
-            <dgm:forEach name="rep2a" axis="ch" ptType="nonAsst">
-              <dgm:forEach name="Name32" axis="precedSib" ptType="parTrans" st="-1" cnt="1">
-                <dgm:choose name="Name33">
-                  <dgm:if name="Name34" func="var" arg="hierBranch" op="equ" val="std">
-                    <dgm:layoutNode name="Name35">
+            <dgm:forEach name="repeat" axis="ch">
+              <dgm:forEach name="Name15" axis="self" ptType="parTrans" cnt="1">
+                <dgm:layoutNode name="conn2-1">
+                  <dgm:choose name="Name16">
+                    <dgm:if name="Name17" func="var" arg="dir" op="equ" val="norm">
                       <dgm:alg type="conn">
+                        <dgm:param type="dim" val="1D"/>
+                        <dgm:param type="begPts" val="midR"/>
+                        <dgm:param type="endPts" val="midL"/>
+                        <dgm:param type="endSty" val="noArr"/>
                         <dgm:param type="connRout" val="bend"/>
+                      </dgm:alg>
+                    </dgm:if>
+                    <dgm:else name="Name18">
+                      <dgm:alg type="conn">
                         <dgm:param type="dim" val="1D"/>
+                        <dgm:param type="begPts" val="midL"/>
+                        <dgm:param type="endPts" val="midR"/>
                         <dgm:param type="endSty" val="noArr"/>
-                        <dgm:param type="begPts" val="bCtr"/>
-                        <dgm:param type="endPts" val="tCtr"/>
-                        <dgm:param type="bendPt" val="end"/>
+                        <dgm:param type="connRout" val="bend"/>
                       </dgm:alg>
-                      <dgm:shape xmlns:r="http://schemas.openxmlformats.org/officeDocument/2006/relationships" type="conn" r:blip="" zOrderOff="-99999">
-                        <dgm:adjLst/>
-                      </dgm:shape>
-                      <dgm:presOf axis="self"/>
-                      <dgm:constrLst>
-                        <dgm:constr type="begPad"/>
-                        <dgm:constr type="endPad"/>
-                      </dgm:constrLst>
-                      <dgm:ruleLst/>
-                    </dgm:layoutNode>
-                  </dgm:if>
-                  <dgm:if name="Name36" func="var" arg="hierBranch" op="equ" val="init">
-                    <dgm:layoutNode name="Name37">
-                      <dgm:choose name="Name38">
-                        <dgm:if name="Name39" axis="self" func="depth" op="lte" val="2">
-                          <dgm:alg type="conn">
-                            <dgm:param type="connRout" val="bend"/>
-                            <dgm:param type="dim" val="1D"/>
-                            <dgm:param type="endSty" val="noArr"/>
-                            <dgm:param type="begPts" val="bCtr"/>
-                            <dgm:param type="endPts" val="tCtr"/>
-                            <dgm:param type="bendPt" val="end"/>
-                          </dgm:alg>
-                        </dgm:if>
-                        <dgm:else name="Name40">
-                          <dgm:choose name="Name41">
-                            <dgm:if name="Name42" axis="par des" func="maxDepth" op="lte" val="1">
-                              <dgm:choose name="Name43">
-                                <dgm:if name="Name44" axis="par ch" ptType="node asst" func="cnt" op="gte" val="1">
-                                  <dgm:alg type="conn">
-                                    <dgm:param type="connRout" val="bend"/>
-                                    <dgm:param type="dim" val="1D"/>
-                                    <dgm:param type="endSty" val="noArr"/>
-                                    <dgm:param type="begPts" val="bCtr"/>
-                                    <dgm:param type="endPts" val="midL midR"/>
-                                  </dgm:alg>
-                                </dgm:if>
-                                <dgm:else name="Name45">
-                                  <dgm:alg type="conn">
-                                    <dgm:param type="connRout" val="bend"/>
-                                    <dgm:param type="dim" val="1D"/>
-                                    <dgm:param type="endSty" val="noArr"/>
-                                    <dgm:param type="begPts" val="bCtr"/>
-                                    <dgm:param type="endPts" val="midL midR"/>
-                                    <dgm:param type="srcNode" val="rootConnector"/>
-                                  </dgm:alg>
-                                </dgm:else>
-                              </dgm:choose>
-                            </dgm:if>
-                            <dgm:else name="Name46">
-                              <dgm:alg type="conn">
-                                <dgm:param type="connRout" val="bend"/>
-                                <dgm:param type="dim" val="1D"/>
-                                <dgm:param type="endSty" val="noArr"/>
-                                <dgm:param type="begPts" val="bCtr"/>
-                                <dgm:param type="endPts" val="tCtr"/>
-                                <dgm:param type="bendPt" val="end"/>
-                              </dgm:alg>
-                            </dgm:else>
-                          </dgm:choose>
-                        </dgm:else>
-                      </dgm:choose>
-                      <dgm:shape xmlns:r="http://schemas.openxmlformats.org/officeDocument/2006/relationships" type="conn" r:blip="" zOrderOff="-99999">
-                        <dgm:adjLst/>
-                      </dgm:shape>
-                      <dgm:presOf axis="self"/>
-                      <dgm:constrLst>
-                        <dgm:constr type="begPad"/>
-                        <dgm:constr type="endPad"/>
-                      </dgm:constrLst>
-                      <dgm:ruleLst/>
-                    </dgm:layoutNode>
-                  </dgm:if>
-                  <dgm:if name="Name47" func="var" arg="hierBranch" op="equ" val="hang">
-                    <dgm:layoutNode name="Name48">
-                      <dgm:alg type="conn">
-                        <dgm:param type="connRout" val="bend"/>
-                        <dgm:param type="dim" val="1D"/>
-                        <dgm:param type="endSty" val="noArr"/>
-                        <dgm:param type="begPts" val="bCtr"/>
-                        <dgm:param type="endPts" val="midL midR"/>
-                      </dgm:alg>
-                      <dgm:shape xmlns:r="http://schemas.openxmlformats.org/officeDocument/2006/relationships" type="conn" r:blip="" zOrderOff="-99999">
-                        <dgm:adjLst/>
-                      </dgm:shape>
-                      <dgm:presOf axis="self"/>
-                      <dgm:constrLst>
-                        <dgm:constr type="begPad"/>
-                        <dgm:constr type="endPad"/>
-                      </dgm:constrLst>
-                      <dgm:ruleLst/>
-                    </dgm:layoutNode>
-                  </dgm:if>
-                  <dgm:else name="Name49">
-                    <dgm:layoutNode name="Name50">
-                      <dgm:choose name="Name51">
-                        <dgm:if name="Name52" axis="self" func="depth" op="lte" val="2">
-                          <dgm:choose name="Name53">
-                            <dgm:if name="Name54" axis="par ch" ptType="node asst" func="cnt" op="gte" val="1">
-                              <dgm:alg type="conn">
-                                <dgm:param type="connRout" val="bend"/>
-                                <dgm:param type="dim" val="1D"/>
-                                <dgm:param type="endSty" val="noArr"/>
-                                <dgm:param type="begPts" val="bCtr"/>
-                                <dgm:param type="endPts" val="midL midR"/>
-                              </dgm:alg>
-                            </dgm:if>
-                            <dgm:else name="Name55">
-                              <dgm:alg type="conn">
-                                <dgm:param type="connRout" val="bend"/>
-                                <dgm:param type="dim" val="1D"/>
-                                <dgm:param type="endSty" val="noArr"/>
-                                <dgm:param type="begPts" val="bCtr"/>
-                                <dgm:param type="endPts" val="midL midR"/>
-                                <dgm:param type="srcNode" val="rootConnector1"/>
-                              </dgm:alg>
-                            </dgm:else>
-                          </dgm:choose>
-                        </dgm:if>
-                        <dgm:else name="Name56">
-                          <dgm:choose name="Name57">
-                            <dgm:if name="Name58" axis="par ch" ptType="node asst" func="cnt" op="gte" val="1">
-                              <dgm:alg type="conn">
-                                <dgm:param type="connRout" val="bend"/>
-                                <dgm:param type="dim" val="1D"/>
-                                <dgm:param type="endSty" val="noArr"/>
-                                <dgm:param type="begPts" val="bCtr"/>
-                                <dgm:param type="endPts" val="midL midR"/>
-                              </dgm:alg>
-                            </dgm:if>
-                            <dgm:else name="Name59">
-                              <dgm:alg type="conn">
-                                <dgm:param type="connRout" val="bend"/>
-                                <dgm:param type="dim" val="1D"/>
-                                <dgm:param type="endSty" val="noArr"/>
-                                <dgm:param type="begPts" val="bCtr"/>
-                                <dgm:param type="endPts" val="midL midR"/>
-                                <dgm:param type="srcNode" val="rootConnector"/>
-                              </dgm:alg>
-                            </dgm:else>
-                          </dgm:choose>
-                        </dgm:else>
-                      </dgm:choose>
-                      <dgm:shape xmlns:r="http://schemas.openxmlformats.org/officeDocument/2006/relationships" type="conn" r:blip="" zOrderOff="-99999">
-                        <dgm:adjLst/>
-                      </dgm:shape>
-                      <dgm:presOf axis="self"/>
-                      <dgm:constrLst>
-                        <dgm:constr type="begPad"/>
-                        <dgm:constr type="endPad"/>
-                      </dgm:constrLst>
-                      <dgm:ruleLst/>
-                    </dgm:layoutNode>
-                  </dgm:else>
-                </dgm:choose>
-              </dgm:forEach>
-              <dgm:layoutNode name="hierRoot2">
-                <dgm:varLst>
-                  <dgm:hierBranch val="init"/>
-                </dgm:varLst>
-                <dgm:choose name="Name60">
-                  <dgm:if name="Name61" func="var" arg="hierBranch" op="equ" val="l">
-                    <dgm:choose name="Name62">
-                      <dgm:if name="Name63" axis="ch" ptType="asst" func="cnt" op="gte" val="1">
-                        <dgm:alg type="hierRoot">
-                          <dgm:param type="hierAlign" val="tR"/>
-                        </dgm:alg>
-                        <dgm:shape xmlns:r="http://schemas.openxmlformats.org/officeDocument/2006/relationships" r:blip="">
-                          <dgm:adjLst/>
-                        </dgm:shape>
-                        <dgm:presOf/>
-                        <dgm:constrLst>
-                          <dgm:constr type="alignOff" val="0.65"/>
-                        </dgm:constrLst>
-                      </dgm:if>
-                      <dgm:else name="Name64">
-                        <dgm:alg type="hierRoot">
-                          <dgm:param type="hierAlign" val="tR"/>
-                        </dgm:alg>
-                        <dgm:shape xmlns:r="http://schemas.openxmlformats.org/officeDocument/2006/relationships" r:blip="">
-                          <dgm:adjLst/>
-                        </dgm:shape>
-                        <dgm:presOf/>
-                        <dgm:constrLst>
-                          <dgm:constr type="alignOff" val="0.25"/>
-                        </dgm:constrLst>
-                      </dgm:else>
-                    </dgm:choose>
-                  </dgm:if>
-                  <dgm:if name="Name65" func="var" arg="hierBranch" op="equ" val="r">
-                    <dgm:choose name="Name66">
-                      <dgm:if name="Name67" axis="ch" ptType="asst" func="cnt" op="gte" val="1">
-                        <dgm:alg type="hierRoot">
-                          <dgm:param type="hierAlign" val="tL"/>
-                        </dgm:alg>
-                        <dgm:shape xmlns:r="http://schemas.openxmlformats.org/officeDocument/2006/relationships" r:blip="">
-                          <dgm:adjLst/>
-                        </dgm:shape>
-                        <dgm:presOf/>
-                        <dgm:constrLst>
-                          <dgm:constr type="alignOff" val="0.65"/>
-                        </dgm:constrLst>
-                      </dgm:if>
-                      <dgm:else name="Name68">
-                        <dgm:alg type="hierRoot">
-                          <dgm:param type="hierAlign" val="tL"/>
-                        </dgm:alg>
-                        <dgm:shape xmlns:r="http://schemas.openxmlformats.org/officeDocument/2006/relationships" r:blip="">
-                          <dgm:adjLst/>
-                        </dgm:shape>
-                        <dgm:presOf/>
-                        <dgm:constrLst>
-                          <dgm:constr type="alignOff" val="0.25"/>
-                        </dgm:constrLst>
-                      </dgm:else>
-                    </dgm:choose>
-                  </dgm:if>
-                  <dgm:if name="Name69" func="var" arg="hierBranch" op="equ" val="std">
-                    <dgm:alg type="hierRoot"/>
-                    <dgm:shape xmlns:r="http://schemas.openxmlformats.org/officeDocument/2006/relationships" r:blip="">
+                    </dgm:else>
+                  </dgm:choose>
+                  <dgm:shape xmlns:r="http://schemas.openxmlformats.org/officeDocument/2006/relationships" type="conn" r:blip="" zOrderOff="-99999">
+                    <dgm:adjLst/>
+                  </dgm:shape>
+                  <dgm:presOf axis="self"/>
+                  <dgm:constrLst>
+                    <dgm:constr type="w" val="1"/>
+                    <dgm:constr type="h" val="5"/>
+                    <dgm:constr type="connDist"/>
+                    <dgm:constr type="begPad"/>
+                    <dgm:constr type="endPad"/>
+                    <dgm:constr type="userA" for="ch" refType="connDist"/>
+                  </dgm:constrLst>
+                  <dgm:layoutNode name="connTx">
+                    <dgm:alg type="tx">
+                      <dgm:param type="autoTxRot" val="grav"/>
+                    </dgm:alg>
+                    <dgm:shape xmlns:r="http://schemas.openxmlformats.org/officeDocument/2006/relationships" type="rect" r:blip="" hideGeom="1">
                       <dgm:adjLst/>
                     </dgm:shape>
-                    <dgm:presOf/>
+                    <dgm:presOf axis="self"/>
                     <dgm:constrLst>
-                      <dgm:constr type="alignOff"/>
-                      <dgm:constr type="bendDist" for="des" ptType="parTrans" refType="sp" fact="0.5"/>
+                      <dgm:constr type="userA"/>
+                      <dgm:constr type="w" refType="userA" fact="0.05"/>
+                      <dgm:constr type="h" refType="userA" fact="0.05"/>
+                      <dgm:constr type="lMarg" val="1"/>
+                      <dgm:constr type="rMarg" val="1"/>
+                      <dgm:constr type="tMarg"/>
+                      <dgm:constr type="bMarg"/>
                     </dgm:constrLst>
-                  </dgm:if>
-                  <dgm:if name="Name70" func="var" arg="hierBranch" op="equ" val="init">
-                    <dgm:choose name="Name71">
-                      <dgm:if name="Name72" axis="des" func="maxDepth" op="lte" val="1">
-                        <dgm:choose name="Name73">
-                          <dgm:if name="Name74" axis="ch" ptType="asst" func="cnt" op="gte" val="1">
-                            <dgm:alg type="hierRoot">
-                              <dgm:param type="hierAlign" val="tL"/>
-                            </dgm:alg>
-                            <dgm:shape xmlns:r="http://schemas.openxmlformats.org/officeDocument/2006/relationships" r:blip="">
-                              <dgm:adjLst/>
-                            </dgm:shape>
-                            <dgm:presOf/>
-                            <dgm:constrLst>
-                              <dgm:constr type="alignOff" val="0.65"/>
-                            </dgm:constrLst>
-                          </dgm:if>
-                          <dgm:else name="Name75">
-                            <dgm:alg type="hierRoot">
-                              <dgm:param type="hierAlign" val="tL"/>
-                            </dgm:alg>
-                            <dgm:shape xmlns:r="http://schemas.openxmlformats.org/officeDocument/2006/relationships" r:blip="">
-                              <dgm:adjLst/>
-                            </dgm:shape>
-                            <dgm:presOf/>
-                            <dgm:constrLst>
-                              <dgm:constr type="alignOff" val="0.25"/>
-                            </dgm:constrLst>
-                          </dgm:else>
-                        </dgm:choose>
-                      </dgm:if>
-                      <dgm:else name="Name76">
-                        <dgm:alg type="hierRoot"/>
-                        <dgm:shape xmlns:r="http://schemas.openxmlformats.org/officeDocument/2006/relationships" r:blip="">
-                          <dgm:adjLst/>
-                        </dgm:shape>
-                        <dgm:presOf/>
-                        <dgm:constrLst>
-                          <dgm:constr type="alignOff"/>
-                          <dgm:constr type="bendDist" for="des" ptType="parTrans" refType="sp" fact="0.5"/>
-                        </dgm:constrLst>
-                      </dgm:else>
-                    </dgm:choose>
-                  </dgm:if>
-                  <dgm:else name="Name77">
-                    <dgm:alg type="hierRoot"/>
-                    <dgm:shape xmlns:r="http://schemas.openxmlformats.org/officeDocument/2006/relationships" r:blip="">
-                      <dgm:adjLst/>
-                    </dgm:shape>
-                    <dgm:presOf/>
-                    <dgm:constrLst>
-                      <dgm:constr type="alignOff" val="0.65"/>
-                    </dgm:constrLst>
-                  </dgm:else>
-                </dgm:choose>
-                <dgm:ruleLst/>
-                <dgm:layoutNode name="rootComposite">
-                  <dgm:alg type="composite"/>
+                    <dgm:ruleLst>
+                      <dgm:rule type="h" val="NaN" fact="0.25" max="NaN"/>
+                      <dgm:rule type="w" val="NaN" fact="0.8" max="NaN"/>
+                      <dgm:rule type="primFontSz" val="5" fact="NaN" max="NaN"/>
+                    </dgm:ruleLst>
+                  </dgm:layoutNode>
+                </dgm:layoutNode>
+              </dgm:forEach>
+              <dgm:forEach name="Name19" axis="self" ptType="node">
+                <dgm:layoutNode name="root2">
+                  <dgm:choose name="Name20">
+                    <dgm:if name="Name21" func="var" arg="dir" op="equ" val="norm">
+                      <dgm:alg type="hierRoot">
+                        <dgm:param type="hierAlign" val="lCtrCh"/>
+                      </dgm:alg>
+                    </dgm:if>
+                    <dgm:else name="Name22">
+                      <dgm:alg type="hierRoot">
+                        <dgm:param type="hierAlign" val="rCtrCh"/>
+                      </dgm:alg>
+                    </dgm:else>
+                  </dgm:choose>
                   <dgm:shape xmlns:r="http://schemas.openxmlformats.org/officeDocument/2006/relationships" r:blip="">
                     <dgm:adjLst/>
                   </dgm:shape>
-                  <dgm:presOf axis="self" ptType="node" cnt="1"/>
-                  <dgm:choose name="Name78">
-                    <dgm:if name="Name79" func="var" arg="hierBranch" op="equ" val="init">
-                      <dgm:constrLst>
-                        <dgm:constr type="l" for="ch" forName="rootText"/>
-                        <dgm:constr type="t" for="ch" forName="rootText"/>
-                        <dgm:constr type="w" for="ch" forName="rootText" refType="w"/>
-                        <dgm:constr type="h" for="ch" forName="rootText" refType="h"/>
-                        <dgm:constr type="l" for="ch" forName="rootConnector"/>
-                        <dgm:constr type="t" for="ch" forName="rootConnector"/>
-                        <dgm:constr type="w" for="ch" forName="rootConnector" refType="w" refFor="ch" refForName="rootText" fact="0.2"/>
-                        <dgm:constr type="h" for="ch" forName="rootConnector" refType="h" refFor="ch" refForName="rootText"/>
-                      </dgm:constrLst>
-                    </dgm:if>
-                    <dgm:if name="Name80" func="var" arg="hierBranch" op="equ" val="l">
-                      <dgm:constrLst>
-                        <dgm:constr type="l" for="ch" forName="rootText"/>
-                        <dgm:constr type="t" for="ch" forName="rootText"/>
-                        <dgm:constr type="w" for="ch" forName="rootText" refType="w"/>
-                        <dgm:constr type="h" for="ch" forName="rootText" refType="h"/>
-                        <dgm:constr type="r" for="ch" forName="rootConnector" refType="w"/>
-                        <dgm:constr type="t" for="ch" forName="rootConnector"/>
-                        <dgm:constr type="w" for="ch" forName="rootConnector" refType="w" refFor="ch" refForName="rootText" fact="0.2"/>
-                        <dgm:constr type="h" for="ch" forName="rootConnector" refType="h" refFor="ch" refForName="rootText"/>
-                      </dgm:constrLst>
-                    </dgm:if>
-                    <dgm:if name="Name81" func="var" arg="hierBranch" op="equ" val="r">
-                      <dgm:constrLst>
-                        <dgm:constr type="l" for="ch" forName="rootText"/>
-                        <dgm:constr type="t" for="ch" forName="rootText"/>
-                        <dgm:constr type="w" for="ch" forName="rootText" refType="w"/>
-                        <dgm:constr type="h" for="ch" forName="rootText" refType="h"/>
-                        <dgm:constr type="l" for="ch" forName="rootConnector"/>
-                        <dgm:constr type="t" for="ch" forName="rootConnector"/>
-                        <dgm:constr type="w" for="ch" forName="rootConnector" refType="w" refFor="ch" refForName="rootText" fact="0.2"/>
-                        <dgm:constr type="h" for="ch" forName="rootConnector" refType="h" refFor="ch" refForName="rootText"/>
-                      </dgm:constrLst>
-                    </dgm:if>
-                    <dgm:else name="Name82">
-                      <dgm:constrLst>
-                        <dgm:constr type="l" for="ch" forName="rootText"/>
-                        <dgm:constr type="t" for="ch" forName="rootText"/>
-                        <dgm:constr type="w" for="ch" forName="rootText" refType="w"/>
-                        <dgm:constr type="h" for="ch" forName="rootText" refType="h"/>
-                        <dgm:constr type="r" for="ch" forName="rootConnector" refType="w"/>
-                        <dgm:constr type="t" for="ch" forName="rootConnector"/>
-                        <dgm:constr type="w" for="ch" forName="rootConnector" refType="w" refFor="ch" refForName="rootText" fact="0.2"/>
-                        <dgm:constr type="h" for="ch" forName="rootConnector" refType="h" refFor="ch" refForName="rootText"/>
-                      </dgm:constrLst>
-                    </dgm:else>
-                  </dgm:choose>
-                  <dgm:ruleLst/>
-                  <dgm:layoutNode name="rootText">
+                  <dgm:presOf/>
+                  <dgm:layoutNode name="LevelTwoTextNode">
                     <dgm:varLst>
                       <dgm:chPref val="3"/>
                     </dgm:varLst>
@@ -4603,446 +4844,40 @@
                     <dgm:shape xmlns:r="http://schemas.openxmlformats.org/officeDocument/2006/relationships" type="rect" r:blip="">
                       <dgm:adjLst/>
                     </dgm:shape>
-                    <dgm:presOf axis="self" ptType="node" cnt="1"/>
+                    <dgm:presOf axis="self"/>
                     <dgm:constrLst>
-                      <dgm:constr type="primFontSz" val="65"/>
+                      <dgm:constr type="tMarg" refType="primFontSz" fact="0.05"/>
+                      <dgm:constr type="bMarg" refType="primFontSz" fact="0.05"/>
                       <dgm:constr type="lMarg" refType="primFontSz" fact="0.05"/>
                       <dgm:constr type="rMarg" refType="primFontSz" fact="0.05"/>
-                      <dgm:constr type="tMarg" refType="primFontSz" fact="0.05"/>
-                      <dgm:constr type="bMarg" refType="primFontSz" fact="0.05"/>
                     </dgm:constrLst>
                     <dgm:ruleLst>
-                      <dgm:rule type="primFontSz" val="5" fact="NaN" max="NaN"/>
+                      <dgm:rule type="primFontSz" val="2" fact="NaN" max="NaN"/>
                     </dgm:ruleLst>
                   </dgm:layoutNode>
-                  <dgm:layoutNode name="rootConnector" moveWith="rootText">
-                    <dgm:alg type="sp"/>
-                    <dgm:shape xmlns:r="http://schemas.openxmlformats.org/officeDocument/2006/relationships" type="rect" r:blip="" hideGeom="1">
-                      <dgm:adjLst/>
-                    </dgm:shape>
-                    <dgm:presOf axis="self" ptType="node" cnt="1"/>
-                    <dgm:constrLst/>
-                    <dgm:ruleLst/>
-                  </dgm:layoutNode>
-                </dgm:layoutNode>
-                <dgm:layoutNode name="hierChild4">
-                  <dgm:choose name="Name83">
-                    <dgm:if name="Name84" func="var" arg="hierBranch" op="equ" val="l">
-                      <dgm:alg type="hierChild">
-                        <dgm:param type="chAlign" val="r"/>
-                        <dgm:param type="linDir" val="fromT"/>
-                      </dgm:alg>
-                    </dgm:if>
-                    <dgm:if name="Name85" func="var" arg="hierBranch" op="equ" val="r">
-                      <dgm:alg type="hierChild">
-                        <dgm:param type="chAlign" val="l"/>
-                        <dgm:param type="linDir" val="fromT"/>
-                      </dgm:alg>
-                    </dgm:if>
-                    <dgm:if name="Name86" func="var" arg="hierBranch" op="equ" val="hang">
-                      <dgm:choose name="Name87">
-                        <dgm:if name="Name88" func="var" arg="dir" op="equ" val="norm">
-                          <dgm:alg type="hierChild">
-                            <dgm:param type="chAlign" val="l"/>
-                            <dgm:param type="linDir" val="fromL"/>
-                            <dgm:param type="secChAlign" val="t"/>
-                            <dgm:param type="secLinDir" val="fromT"/>
-                          </dgm:alg>
-                        </dgm:if>
-                        <dgm:else name="Name89">
-                          <dgm:alg type="hierChild">
-                            <dgm:param type="chAlign" val="l"/>
-                            <dgm:param type="linDir" val="fromR"/>
-                            <dgm:param type="secChAlign" val="t"/>
-                            <dgm:param type="secLinDir" val="fromT"/>
-                          </dgm:alg>
-                        </dgm:else>
-                      </dgm:choose>
-                    </dgm:if>
-                    <dgm:if name="Name90" func="var" arg="hierBranch" op="equ" val="std">
-                      <dgm:choose name="Name91">
-                        <dgm:if name="Name92" func="var" arg="dir" op="equ" val="norm">
-                          <dgm:alg type="hierChild"/>
-                        </dgm:if>
-                        <dgm:else name="Name93">
-                          <dgm:alg type="hierChild">
-                            <dgm:param type="linDir" val="fromR"/>
-                          </dgm:alg>
-                        </dgm:else>
-                      </dgm:choose>
-                    </dgm:if>
-                    <dgm:if name="Name94" func="var" arg="hierBranch" op="equ" val="init">
-                      <dgm:choose name="Name95">
-                        <dgm:if name="Name96" axis="des" func="maxDepth" op="lte" val="1">
-                          <dgm:alg type="hierChild">
-                            <dgm:param type="chAlign" val="l"/>
-                            <dgm:param type="linDir" val="fromT"/>
-                          </dgm:alg>
-                        </dgm:if>
-                        <dgm:else name="Name97">
-                          <dgm:choose name="Name98">
-                            <dgm:if name="Name99" func="var" arg="dir" op="equ" val="norm">
-                              <dgm:alg type="hierChild"/>
-                            </dgm:if>
-                            <dgm:else name="Name100">
-                              <dgm:alg type="hierChild">
-                                <dgm:param type="linDir" val="fromR"/>
-                              </dgm:alg>
-                            </dgm:else>
-                          </dgm:choose>
-                        </dgm:else>
-                      </dgm:choose>
-                    </dgm:if>
-                    <dgm:else name="Name101"/>
-                  </dgm:choose>
-                  <dgm:shape xmlns:r="http://schemas.openxmlformats.org/officeDocument/2006/relationships" r:blip="">
-                    <dgm:adjLst/>
-                  </dgm:shape>
-                  <dgm:presOf/>
-                  <dgm:constrLst/>
-                  <dgm:ruleLst/>
-                  <dgm:forEach name="Name102" ref="rep2a"/>
-                </dgm:layoutNode>
-                <dgm:layoutNode name="hierChild5">
-                  <dgm:choose name="Name103">
-                    <dgm:if name="Name104" func="var" arg="dir" op="equ" val="norm">
-                      <dgm:alg type="hierChild">
-                        <dgm:param type="chAlign" val="l"/>
-                        <dgm:param type="linDir" val="fromL"/>
-                        <dgm:param type="secChAlign" val="t"/>
-                        <dgm:param type="secLinDir" val="fromT"/>
-                      </dgm:alg>
-                    </dgm:if>
-                    <dgm:else name="Name105">
-                      <dgm:alg type="hierChild">
-                        <dgm:param type="chAlign" val="l"/>
-                        <dgm:param type="linDir" val="fromR"/>
-                        <dgm:param type="secChAlign" val="t"/>
-                        <dgm:param type="secLinDir" val="fromT"/>
-                      </dgm:alg>
-                    </dgm:else>
-                  </dgm:choose>
-                  <dgm:shape xmlns:r="http://schemas.openxmlformats.org/officeDocument/2006/relationships" r:blip="">
-                    <dgm:adjLst/>
-                  </dgm:shape>
-                  <dgm:presOf/>
-                  <dgm:constrLst/>
-                  <dgm:ruleLst/>
-                  <dgm:forEach name="Name106" ref="rep2b"/>
-                </dgm:layoutNode>
-              </dgm:layoutNode>
-            </dgm:forEach>
-          </dgm:layoutNode>
-          <dgm:layoutNode name="hierChild3">
-            <dgm:choose name="Name107">
-              <dgm:if name="Name108" func="var" arg="dir" op="equ" val="norm">
-                <dgm:alg type="hierChild">
-                  <dgm:param type="chAlign" val="l"/>
-                  <dgm:param type="linDir" val="fromL"/>
-                  <dgm:param type="secChAlign" val="t"/>
-                  <dgm:param type="secLinDir" val="fromT"/>
-                </dgm:alg>
-              </dgm:if>
-              <dgm:else name="Name109">
-                <dgm:alg type="hierChild">
-                  <dgm:param type="chAlign" val="l"/>
-                  <dgm:param type="linDir" val="fromR"/>
-                  <dgm:param type="secChAlign" val="t"/>
-                  <dgm:param type="secLinDir" val="fromT"/>
-                </dgm:alg>
-              </dgm:else>
-            </dgm:choose>
-            <dgm:shape xmlns:r="http://schemas.openxmlformats.org/officeDocument/2006/relationships" r:blip="">
-              <dgm:adjLst/>
-            </dgm:shape>
-            <dgm:presOf/>
-            <dgm:constrLst/>
-            <dgm:ruleLst/>
-            <dgm:forEach name="rep2b" axis="ch" ptType="asst">
-              <dgm:forEach name="Name110" axis="precedSib" ptType="parTrans" st="-1" cnt="1">
-                <dgm:layoutNode name="Name111">
-                  <dgm:alg type="conn">
-                    <dgm:param type="connRout" val="bend"/>
-                    <dgm:param type="dim" val="1D"/>
-                    <dgm:param type="endSty" val="noArr"/>
-                    <dgm:param type="begPts" val="bCtr"/>
-                    <dgm:param type="endPts" val="midL midR"/>
-                  </dgm:alg>
-                  <dgm:shape xmlns:r="http://schemas.openxmlformats.org/officeDocument/2006/relationships" type="conn" r:blip="" zOrderOff="-99999">
-                    <dgm:adjLst/>
-                  </dgm:shape>
-                  <dgm:presOf axis="self"/>
-                  <dgm:constrLst>
-                    <dgm:constr type="begPad"/>
-                    <dgm:constr type="endPad"/>
-                  </dgm:constrLst>
-                  <dgm:ruleLst/>
-                </dgm:layoutNode>
-              </dgm:forEach>
-              <dgm:layoutNode name="hierRoot3">
-                <dgm:varLst>
-                  <dgm:hierBranch val="init"/>
-                </dgm:varLst>
-                <dgm:choose name="Name112">
-                  <dgm:if name="Name113" func="var" arg="hierBranch" op="equ" val="l">
-                    <dgm:alg type="hierRoot">
-                      <dgm:param type="hierAlign" val="tR"/>
-                    </dgm:alg>
+                  <dgm:layoutNode name="level3hierChild">
+                    <dgm:choose name="Name23">
+                      <dgm:if name="Name24" func="var" arg="dir" op="equ" val="norm">
+                        <dgm:alg type="hierChild">
+                          <dgm:param type="linDir" val="fromT"/>
+                          <dgm:param type="chAlign" val="l"/>
+                        </dgm:alg>
+                      </dgm:if>
+                      <dgm:else name="Name25">
+                        <dgm:alg type="hierChild">
+                          <dgm:param type="linDir" val="fromT"/>
+                          <dgm:param type="chAlign" val="r"/>
+                        </dgm:alg>
+                      </dgm:else>
+                    </dgm:choose>
                     <dgm:shape xmlns:r="http://schemas.openxmlformats.org/officeDocument/2006/relationships" r:blip="">
                       <dgm:adjLst/>
                     </dgm:shape>
                     <dgm:presOf/>
-                    <dgm:constrLst>
-                      <dgm:constr type="alignOff" val="0.65"/>
-                    </dgm:constrLst>
-                  </dgm:if>
-                  <dgm:if name="Name114" func="var" arg="hierBranch" op="equ" val="r">
-                    <dgm:alg type="hierRoot">
-                      <dgm:param type="hierAlign" val="tL"/>
-                    </dgm:alg>
-                    <dgm:shape xmlns:r="http://schemas.openxmlformats.org/officeDocument/2006/relationships" r:blip="">
-                      <dgm:adjLst/>
-                    </dgm:shape>
-                    <dgm:presOf/>
-                    <dgm:constrLst>
-                      <dgm:constr type="alignOff" val="0.65"/>
-                    </dgm:constrLst>
-                  </dgm:if>
-                  <dgm:if name="Name115" func="var" arg="hierBranch" op="equ" val="hang">
-                    <dgm:alg type="hierRoot"/>
-                    <dgm:shape xmlns:r="http://schemas.openxmlformats.org/officeDocument/2006/relationships" r:blip="">
-                      <dgm:adjLst/>
-                    </dgm:shape>
-                    <dgm:presOf/>
-                    <dgm:constrLst>
-                      <dgm:constr type="alignOff" val="0.65"/>
-                    </dgm:constrLst>
-                  </dgm:if>
-                  <dgm:if name="Name116" func="var" arg="hierBranch" op="equ" val="std">
-                    <dgm:alg type="hierRoot"/>
-                    <dgm:shape xmlns:r="http://schemas.openxmlformats.org/officeDocument/2006/relationships" r:blip="">
-                      <dgm:adjLst/>
-                    </dgm:shape>
-                    <dgm:presOf/>
-                    <dgm:constrLst>
-                      <dgm:constr type="alignOff"/>
-                      <dgm:constr type="bendDist" for="des" ptType="parTrans" refType="sp" fact="0.5"/>
-                    </dgm:constrLst>
-                  </dgm:if>
-                  <dgm:if name="Name117" func="var" arg="hierBranch" op="equ" val="init">
-                    <dgm:choose name="Name118">
-                      <dgm:if name="Name119" axis="des" func="maxDepth" op="lte" val="1">
-                        <dgm:alg type="hierRoot">
-                          <dgm:param type="hierAlign" val="tL"/>
-                        </dgm:alg>
-                        <dgm:shape xmlns:r="http://schemas.openxmlformats.org/officeDocument/2006/relationships" r:blip="">
-                          <dgm:adjLst/>
-                        </dgm:shape>
-                        <dgm:presOf/>
-                        <dgm:constrLst>
-                          <dgm:constr type="alignOff" val="0.65"/>
-                        </dgm:constrLst>
-                      </dgm:if>
-                      <dgm:else name="Name120">
-                        <dgm:alg type="hierRoot"/>
-                        <dgm:shape xmlns:r="http://schemas.openxmlformats.org/officeDocument/2006/relationships" r:blip="">
-                          <dgm:adjLst/>
-                        </dgm:shape>
-                        <dgm:presOf/>
-                        <dgm:constrLst>
-                          <dgm:constr type="alignOff"/>
-                          <dgm:constr type="bendDist" for="des" ptType="parTrans" refType="sp" fact="0.5"/>
-                        </dgm:constrLst>
-                      </dgm:else>
-                    </dgm:choose>
-                  </dgm:if>
-                  <dgm:else name="Name121"/>
-                </dgm:choose>
-                <dgm:ruleLst/>
-                <dgm:layoutNode name="rootComposite3">
-                  <dgm:alg type="composite"/>
-                  <dgm:shape xmlns:r="http://schemas.openxmlformats.org/officeDocument/2006/relationships" r:blip="">
-                    <dgm:adjLst/>
-                  </dgm:shape>
-                  <dgm:presOf axis="self" ptType="node" cnt="1"/>
-                  <dgm:choose name="Name122">
-                    <dgm:if name="Name123" func="var" arg="hierBranch" op="equ" val="init">
-                      <dgm:constrLst>
-                        <dgm:constr type="l" for="ch" forName="rootText3"/>
-                        <dgm:constr type="t" for="ch" forName="rootText3"/>
-                        <dgm:constr type="w" for="ch" forName="rootText3" refType="w"/>
-                        <dgm:constr type="h" for="ch" forName="rootText3" refType="h"/>
-                        <dgm:constr type="l" for="ch" forName="rootConnector3"/>
-                        <dgm:constr type="t" for="ch" forName="rootConnector3"/>
-                        <dgm:constr type="w" for="ch" forName="rootConnector3" refType="w" refFor="ch" refForName="rootText3" fact="0.2"/>
-                        <dgm:constr type="h" for="ch" forName="rootConnector3" refType="h" refFor="ch" refForName="rootText3"/>
-                      </dgm:constrLst>
-                    </dgm:if>
-                    <dgm:if name="Name124" func="var" arg="hierBranch" op="equ" val="l">
-                      <dgm:constrLst>
-                        <dgm:constr type="l" for="ch" forName="rootText3"/>
-                        <dgm:constr type="t" for="ch" forName="rootText3"/>
-                        <dgm:constr type="w" for="ch" forName="rootText3" refType="w"/>
-                        <dgm:constr type="h" for="ch" forName="rootText3" refType="h"/>
-                        <dgm:constr type="r" for="ch" forName="rootConnector3" refType="w"/>
-                        <dgm:constr type="t" for="ch" forName="rootConnector3"/>
-                        <dgm:constr type="w" for="ch" forName="rootConnector3" refType="w" refFor="ch" refForName="rootText3" fact="0.2"/>
-                        <dgm:constr type="h" for="ch" forName="rootConnector3" refType="h" refFor="ch" refForName="rootText3"/>
-                      </dgm:constrLst>
-                    </dgm:if>
-                    <dgm:if name="Name125" func="var" arg="hierBranch" op="equ" val="r">
-                      <dgm:constrLst>
-                        <dgm:constr type="l" for="ch" forName="rootText3"/>
-                        <dgm:constr type="t" for="ch" forName="rootText3"/>
-                        <dgm:constr type="w" for="ch" forName="rootText3" refType="w"/>
-                        <dgm:constr type="h" for="ch" forName="rootText3" refType="h"/>
-                        <dgm:constr type="l" for="ch" forName="rootConnector3"/>
-                        <dgm:constr type="t" for="ch" forName="rootConnector3"/>
-                        <dgm:constr type="w" for="ch" forName="rootConnector3" refType="w" refFor="ch" refForName="rootText3" fact="0.2"/>
-                        <dgm:constr type="h" for="ch" forName="rootConnector3" refType="h" refFor="ch" refForName="rootText3"/>
-                      </dgm:constrLst>
-                    </dgm:if>
-                    <dgm:else name="Name126">
-                      <dgm:constrLst>
-                        <dgm:constr type="l" for="ch" forName="rootText3"/>
-                        <dgm:constr type="t" for="ch" forName="rootText3"/>
-                        <dgm:constr type="w" for="ch" forName="rootText3" refType="w"/>
-                        <dgm:constr type="h" for="ch" forName="rootText3" refType="h"/>
-                        <dgm:constr type="r" for="ch" forName="rootConnector3" refType="w"/>
-                        <dgm:constr type="t" for="ch" forName="rootConnector3"/>
-                        <dgm:constr type="w" for="ch" forName="rootConnector3" refType="w" refFor="ch" refForName="rootText3" fact="0.2"/>
-                        <dgm:constr type="h" for="ch" forName="rootConnector3" refType="h" refFor="ch" refForName="rootText3"/>
-                      </dgm:constrLst>
-                    </dgm:else>
-                  </dgm:choose>
-                  <dgm:ruleLst/>
-                  <dgm:layoutNode name="rootText3">
-                    <dgm:varLst>
-                      <dgm:chPref val="3"/>
-                    </dgm:varLst>
-                    <dgm:alg type="tx"/>
-                    <dgm:shape xmlns:r="http://schemas.openxmlformats.org/officeDocument/2006/relationships" type="rect" r:blip="">
-                      <dgm:adjLst/>
-                    </dgm:shape>
-                    <dgm:presOf axis="self" ptType="node" cnt="1"/>
-                    <dgm:constrLst>
-                      <dgm:constr type="primFontSz" val="65"/>
-                      <dgm:constr type="lMarg" refType="primFontSz" fact="0.05"/>
-                      <dgm:constr type="rMarg" refType="primFontSz" fact="0.05"/>
-                      <dgm:constr type="tMarg" refType="primFontSz" fact="0.05"/>
-                      <dgm:constr type="bMarg" refType="primFontSz" fact="0.05"/>
-                    </dgm:constrLst>
-                    <dgm:ruleLst>
-                      <dgm:rule type="primFontSz" val="5" fact="NaN" max="NaN"/>
-                    </dgm:ruleLst>
-                  </dgm:layoutNode>
-                  <dgm:layoutNode name="rootConnector3" moveWith="rootText1">
-                    <dgm:alg type="sp"/>
-                    <dgm:shape xmlns:r="http://schemas.openxmlformats.org/officeDocument/2006/relationships" type="rect" r:blip="" hideGeom="1">
-                      <dgm:adjLst/>
-                    </dgm:shape>
-                    <dgm:presOf axis="self" ptType="node" cnt="1"/>
-                    <dgm:constrLst/>
-                    <dgm:ruleLst/>
+                    <dgm:forEach name="Name26" ref="repeat"/>
                   </dgm:layoutNode>
                 </dgm:layoutNode>
-                <dgm:layoutNode name="hierChild6">
-                  <dgm:choose name="Name127">
-                    <dgm:if name="Name128" func="var" arg="hierBranch" op="equ" val="l">
-                      <dgm:alg type="hierChild">
-                        <dgm:param type="chAlign" val="r"/>
-                        <dgm:param type="linDir" val="fromT"/>
-                      </dgm:alg>
-                    </dgm:if>
-                    <dgm:if name="Name129" func="var" arg="hierBranch" op="equ" val="r">
-                      <dgm:alg type="hierChild">
-                        <dgm:param type="chAlign" val="l"/>
-                        <dgm:param type="linDir" val="fromT"/>
-                      </dgm:alg>
-                    </dgm:if>
-                    <dgm:if name="Name130" func="var" arg="hierBranch" op="equ" val="hang">
-                      <dgm:choose name="Name131">
-                        <dgm:if name="Name132" func="var" arg="dir" op="equ" val="norm">
-                          <dgm:alg type="hierChild">
-                            <dgm:param type="chAlign" val="l"/>
-                            <dgm:param type="linDir" val="fromL"/>
-                            <dgm:param type="secChAlign" val="t"/>
-                            <dgm:param type="secLinDir" val="fromT"/>
-                          </dgm:alg>
-                        </dgm:if>
-                        <dgm:else name="Name133">
-                          <dgm:alg type="hierChild">
-                            <dgm:param type="chAlign" val="l"/>
-                            <dgm:param type="linDir" val="fromR"/>
-                            <dgm:param type="secChAlign" val="t"/>
-                            <dgm:param type="secLinDir" val="fromT"/>
-                          </dgm:alg>
-                        </dgm:else>
-                      </dgm:choose>
-                    </dgm:if>
-                    <dgm:if name="Name134" func="var" arg="hierBranch" op="equ" val="std">
-                      <dgm:choose name="Name135">
-                        <dgm:if name="Name136" func="var" arg="dir" op="equ" val="norm">
-                          <dgm:alg type="hierChild"/>
-                        </dgm:if>
-                        <dgm:else name="Name137">
-                          <dgm:alg type="hierChild">
-                            <dgm:param type="linDir" val="fromR"/>
-                          </dgm:alg>
-                        </dgm:else>
-                      </dgm:choose>
-                    </dgm:if>
-                    <dgm:if name="Name138" func="var" arg="hierBranch" op="equ" val="init">
-                      <dgm:choose name="Name139">
-                        <dgm:if name="Name140" axis="des" func="maxDepth" op="lte" val="1">
-                          <dgm:alg type="hierChild">
-                            <dgm:param type="chAlign" val="l"/>
-                            <dgm:param type="linDir" val="fromT"/>
-                          </dgm:alg>
-                        </dgm:if>
-                        <dgm:else name="Name141">
-                          <dgm:alg type="hierChild"/>
-                        </dgm:else>
-                      </dgm:choose>
-                    </dgm:if>
-                    <dgm:else name="Name142"/>
-                  </dgm:choose>
-                  <dgm:shape xmlns:r="http://schemas.openxmlformats.org/officeDocument/2006/relationships" r:blip="">
-                    <dgm:adjLst/>
-                  </dgm:shape>
-                  <dgm:presOf/>
-                  <dgm:constrLst/>
-                  <dgm:ruleLst/>
-                  <dgm:forEach name="Name143" ref="rep2a"/>
-                </dgm:layoutNode>
-                <dgm:layoutNode name="hierChild7">
-                  <dgm:choose name="Name144">
-                    <dgm:if name="Name145" func="var" arg="dir" op="equ" val="norm">
-                      <dgm:alg type="hierChild">
-                        <dgm:param type="chAlign" val="l"/>
-                        <dgm:param type="linDir" val="fromL"/>
-                        <dgm:param type="secChAlign" val="t"/>
-                        <dgm:param type="secLinDir" val="fromT"/>
-                      </dgm:alg>
-                    </dgm:if>
-                    <dgm:else name="Name146">
-                      <dgm:alg type="hierChild">
-                        <dgm:param type="chAlign" val="l"/>
-                        <dgm:param type="linDir" val="fromR"/>
-                        <dgm:param type="secChAlign" val="t"/>
-                        <dgm:param type="secLinDir" val="fromT"/>
-                      </dgm:alg>
-                    </dgm:else>
-                  </dgm:choose>
-                  <dgm:shape xmlns:r="http://schemas.openxmlformats.org/officeDocument/2006/relationships" r:blip="">
-                    <dgm:adjLst/>
-                  </dgm:shape>
-                  <dgm:presOf/>
-                  <dgm:constrLst/>
-                  <dgm:ruleLst/>
-                  <dgm:forEach name="Name147" ref="rep2b"/>
-                </dgm:layoutNode>
-              </dgm:layoutNode>
+              </dgm:forEach>
             </dgm:forEach>
           </dgm:layoutNode>
         </dgm:layoutNode>
@@ -7687,7 +7522,7 @@
           </a:lstStyle>
           <a:p>
             <a:r>
-              <a:rPr lang="en-US" smtClean="0"/>
+              <a:rPr lang="en-US"/>
               <a:t>Click to edit Master title style</a:t>
             </a:r>
             <a:endParaRPr lang="en-US" dirty="0"/>
@@ -7806,7 +7641,7 @@
           </a:lstStyle>
           <a:p>
             <a:r>
-              <a:rPr lang="en-US" smtClean="0"/>
+              <a:rPr lang="en-US"/>
               <a:t>Click to edit Master subtitle style</a:t>
             </a:r>
             <a:endParaRPr lang="en-US" dirty="0"/>
@@ -7830,7 +7665,7 @@
           <a:p>
             <a:fld id="{6F66794D-9D79-4AC5-96DA-597EA4BF2704}" type="datetimeFigureOut">
               <a:rPr lang="en-US" smtClean="0"/>
-              <a:t>24-Mar-16</a:t>
+              <a:t>28-Mar-16</a:t>
             </a:fld>
             <a:endParaRPr lang="en-US"/>
           </a:p>
@@ -7923,13 +7758,6 @@
   <p:clrMapOvr>
     <a:masterClrMapping/>
   </p:clrMapOvr>
-  <p:timing>
-    <p:tnLst>
-      <p:par>
-        <p:cTn id="1" dur="indefinite" restart="never" nodeType="tmRoot"/>
-      </p:par>
-    </p:tnLst>
-  </p:timing>
 </p:sldLayout>
 </file>
 
@@ -7977,7 +7805,7 @@
           </a:lstStyle>
           <a:p>
             <a:r>
-              <a:rPr lang="en-US" smtClean="0"/>
+              <a:rPr lang="en-US"/>
               <a:t>Click to edit Master title style</a:t>
             </a:r>
             <a:endParaRPr lang="en-US" dirty="0"/>
@@ -8072,7 +7900,7 @@
           </a:lstStyle>
           <a:p>
             <a:r>
-              <a:rPr lang="en-US" smtClean="0"/>
+              <a:rPr lang="en-US"/>
               <a:t>Click icon to add picture</a:t>
             </a:r>
             <a:endParaRPr lang="en-US" dirty="0"/>
@@ -8140,7 +7968,7 @@
           <a:p>
             <a:pPr lvl="0"/>
             <a:r>
-              <a:rPr lang="en-US" smtClean="0"/>
+              <a:rPr lang="en-US"/>
               <a:t>Click to edit Master text styles</a:t>
             </a:r>
           </a:p>
@@ -8163,7 +7991,7 @@
           <a:p>
             <a:fld id="{6F66794D-9D79-4AC5-96DA-597EA4BF2704}" type="datetimeFigureOut">
               <a:rPr lang="en-US" smtClean="0"/>
-              <a:t>24-Mar-16</a:t>
+              <a:t>28-Mar-16</a:t>
             </a:fld>
             <a:endParaRPr lang="en-US"/>
           </a:p>
@@ -8268,7 +8096,7 @@
           </a:lstStyle>
           <a:p>
             <a:r>
-              <a:rPr lang="en-US" smtClean="0"/>
+              <a:rPr lang="en-US"/>
               <a:t>Click to edit Master title style</a:t>
             </a:r>
             <a:endParaRPr lang="en-US" dirty="0"/>
@@ -8388,7 +8216,7 @@
           <a:p>
             <a:pPr lvl="0"/>
             <a:r>
-              <a:rPr lang="en-US" smtClean="0"/>
+              <a:rPr lang="en-US"/>
               <a:t>Click to edit Master text styles</a:t>
             </a:r>
           </a:p>
@@ -8411,7 +8239,7 @@
           <a:p>
             <a:fld id="{6F66794D-9D79-4AC5-96DA-597EA4BF2704}" type="datetimeFigureOut">
               <a:rPr lang="en-US" smtClean="0"/>
-              <a:t>24-Mar-16</a:t>
+              <a:t>28-Mar-16</a:t>
             </a:fld>
             <a:endParaRPr lang="en-US"/>
           </a:p>
@@ -8752,7 +8580,7 @@
           </a:lstStyle>
           <a:p>
             <a:r>
-              <a:rPr lang="en-US" smtClean="0"/>
+              <a:rPr lang="en-US"/>
               <a:t>Click to edit Master title style</a:t>
             </a:r>
             <a:endParaRPr lang="en-US" dirty="0"/>
@@ -8809,7 +8637,7 @@
           <a:p>
             <a:pPr lvl="0"/>
             <a:r>
-              <a:rPr lang="en-US" smtClean="0"/>
+              <a:rPr lang="en-US"/>
               <a:t>Click to edit Master text styles</a:t>
             </a:r>
           </a:p>
@@ -8928,7 +8756,7 @@
           <a:p>
             <a:pPr lvl="0"/>
             <a:r>
-              <a:rPr lang="en-US" smtClean="0"/>
+              <a:rPr lang="en-US"/>
               <a:t>Click to edit Master text styles</a:t>
             </a:r>
           </a:p>
@@ -8951,7 +8779,7 @@
           <a:p>
             <a:fld id="{6F66794D-9D79-4AC5-96DA-597EA4BF2704}" type="datetimeFigureOut">
               <a:rPr lang="en-US" smtClean="0"/>
-              <a:t>24-Mar-16</a:t>
+              <a:t>28-Mar-16</a:t>
             </a:fld>
             <a:endParaRPr lang="en-US"/>
           </a:p>
@@ -9056,7 +8884,7 @@
           </a:lstStyle>
           <a:p>
             <a:r>
-              <a:rPr lang="en-US" smtClean="0"/>
+              <a:rPr lang="en-US"/>
               <a:t>Click to edit Master title style</a:t>
             </a:r>
             <a:endParaRPr lang="en-US" dirty="0"/>
@@ -9176,7 +9004,7 @@
           <a:p>
             <a:pPr lvl="0"/>
             <a:r>
-              <a:rPr lang="en-US" smtClean="0"/>
+              <a:rPr lang="en-US"/>
               <a:t>Click to edit Master text styles</a:t>
             </a:r>
           </a:p>
@@ -9199,7 +9027,7 @@
           <a:p>
             <a:fld id="{6F66794D-9D79-4AC5-96DA-597EA4BF2704}" type="datetimeFigureOut">
               <a:rPr lang="en-US" smtClean="0"/>
-              <a:t>24-Mar-16</a:t>
+              <a:t>28-Mar-16</a:t>
             </a:fld>
             <a:endParaRPr lang="en-US"/>
           </a:p>
@@ -9540,7 +9368,7 @@
           </a:lstStyle>
           <a:p>
             <a:r>
-              <a:rPr lang="en-US" smtClean="0"/>
+              <a:rPr lang="en-US"/>
               <a:t>Click to edit Master title style</a:t>
             </a:r>
             <a:endParaRPr lang="en-US" dirty="0"/>
@@ -9589,7 +9417,7 @@
               <a:buNone/>
             </a:pPr>
             <a:r>
-              <a:rPr lang="en-US" smtClean="0"/>
+              <a:rPr lang="en-US"/>
               <a:t>Click to edit Master text styles</a:t>
             </a:r>
           </a:p>
@@ -9708,7 +9536,7 @@
           <a:p>
             <a:pPr lvl="0"/>
             <a:r>
-              <a:rPr lang="en-US" smtClean="0"/>
+              <a:rPr lang="en-US"/>
               <a:t>Click to edit Master text styles</a:t>
             </a:r>
           </a:p>
@@ -9731,7 +9559,7 @@
           <a:p>
             <a:fld id="{6F66794D-9D79-4AC5-96DA-597EA4BF2704}" type="datetimeFigureOut">
               <a:rPr lang="en-US" smtClean="0"/>
-              <a:t>24-Mar-16</a:t>
+              <a:t>28-Mar-16</a:t>
             </a:fld>
             <a:endParaRPr lang="en-US"/>
           </a:p>
@@ -9837,7 +9665,7 @@
           <a:p>
             <a:pPr marL="0" lvl="0"/>
             <a:r>
-              <a:rPr lang="en-US" smtClean="0"/>
+              <a:rPr lang="en-US"/>
               <a:t>Click to edit Master title style</a:t>
             </a:r>
             <a:endParaRPr lang="en-US" dirty="0"/>
@@ -9886,7 +9714,7 @@
               <a:buNone/>
             </a:pPr>
             <a:r>
-              <a:rPr lang="en-US" smtClean="0"/>
+              <a:rPr lang="en-US"/>
               <a:t>Click to edit Master text styles</a:t>
             </a:r>
           </a:p>
@@ -10005,7 +9833,7 @@
           <a:p>
             <a:pPr lvl="0"/>
             <a:r>
-              <a:rPr lang="en-US" smtClean="0"/>
+              <a:rPr lang="en-US"/>
               <a:t>Click to edit Master text styles</a:t>
             </a:r>
           </a:p>
@@ -10028,7 +9856,7 @@
           <a:p>
             <a:fld id="{6F66794D-9D79-4AC5-96DA-597EA4BF2704}" type="datetimeFigureOut">
               <a:rPr lang="en-US" smtClean="0"/>
-              <a:t>24-Mar-16</a:t>
+              <a:t>28-Mar-16</a:t>
             </a:fld>
             <a:endParaRPr lang="en-US"/>
           </a:p>
@@ -10126,7 +9954,7 @@
           </a:lstStyle>
           <a:p>
             <a:r>
-              <a:rPr lang="en-US" smtClean="0"/>
+              <a:rPr lang="en-US"/>
               <a:t>Click to edit Master title style</a:t>
             </a:r>
             <a:endParaRPr lang="en-US" dirty="0"/>
@@ -10150,35 +9978,35 @@
           <a:p>
             <a:pPr lvl="0"/>
             <a:r>
-              <a:rPr lang="en-US" smtClean="0"/>
+              <a:rPr lang="en-US"/>
               <a:t>Click to edit Master text styles</a:t>
             </a:r>
           </a:p>
           <a:p>
             <a:pPr lvl="1"/>
             <a:r>
-              <a:rPr lang="en-US" smtClean="0"/>
+              <a:rPr lang="en-US"/>
               <a:t>Second level</a:t>
             </a:r>
           </a:p>
           <a:p>
             <a:pPr lvl="2"/>
             <a:r>
-              <a:rPr lang="en-US" smtClean="0"/>
+              <a:rPr lang="en-US"/>
               <a:t>Third level</a:t>
             </a:r>
           </a:p>
           <a:p>
             <a:pPr lvl="3"/>
             <a:r>
-              <a:rPr lang="en-US" smtClean="0"/>
+              <a:rPr lang="en-US"/>
               <a:t>Fourth level</a:t>
             </a:r>
           </a:p>
           <a:p>
             <a:pPr lvl="4"/>
             <a:r>
-              <a:rPr lang="en-US" smtClean="0"/>
+              <a:rPr lang="en-US"/>
               <a:t>Fifth level</a:t>
             </a:r>
             <a:endParaRPr lang="en-US" dirty="0"/>
@@ -10202,7 +10030,7 @@
           <a:p>
             <a:fld id="{6F66794D-9D79-4AC5-96DA-597EA4BF2704}" type="datetimeFigureOut">
               <a:rPr lang="en-US" smtClean="0"/>
-              <a:t>24-Mar-16</a:t>
+              <a:t>28-Mar-16</a:t>
             </a:fld>
             <a:endParaRPr lang="en-US"/>
           </a:p>
@@ -10301,7 +10129,7 @@
           <a:lstStyle/>
           <a:p>
             <a:r>
-              <a:rPr lang="en-US" smtClean="0"/>
+              <a:rPr lang="en-US"/>
               <a:t>Click to edit Master title style</a:t>
             </a:r>
             <a:endParaRPr lang="en-US" dirty="0"/>
@@ -10330,35 +10158,35 @@
           <a:p>
             <a:pPr lvl="0"/>
             <a:r>
-              <a:rPr lang="en-US" smtClean="0"/>
+              <a:rPr lang="en-US"/>
               <a:t>Click to edit Master text styles</a:t>
             </a:r>
           </a:p>
           <a:p>
             <a:pPr lvl="1"/>
             <a:r>
-              <a:rPr lang="en-US" smtClean="0"/>
+              <a:rPr lang="en-US"/>
               <a:t>Second level</a:t>
             </a:r>
           </a:p>
           <a:p>
             <a:pPr lvl="2"/>
             <a:r>
-              <a:rPr lang="en-US" smtClean="0"/>
+              <a:rPr lang="en-US"/>
               <a:t>Third level</a:t>
             </a:r>
           </a:p>
           <a:p>
             <a:pPr lvl="3"/>
             <a:r>
-              <a:rPr lang="en-US" smtClean="0"/>
+              <a:rPr lang="en-US"/>
               <a:t>Fourth level</a:t>
             </a:r>
           </a:p>
           <a:p>
             <a:pPr lvl="4"/>
             <a:r>
-              <a:rPr lang="en-US" smtClean="0"/>
+              <a:rPr lang="en-US"/>
               <a:t>Fifth level</a:t>
             </a:r>
             <a:endParaRPr lang="en-US" dirty="0"/>
@@ -10382,7 +10210,7 @@
           <a:p>
             <a:fld id="{6F66794D-9D79-4AC5-96DA-597EA4BF2704}" type="datetimeFigureOut">
               <a:rPr lang="en-US" smtClean="0"/>
-              <a:t>24-Mar-16</a:t>
+              <a:t>28-Mar-16</a:t>
             </a:fld>
             <a:endParaRPr lang="en-US"/>
           </a:p>
@@ -10476,7 +10304,7 @@
           <a:lstStyle/>
           <a:p>
             <a:r>
-              <a:rPr lang="en-US" smtClean="0"/>
+              <a:rPr lang="en-US"/>
               <a:t>Click to edit Master title style</a:t>
             </a:r>
             <a:endParaRPr lang="en-US" dirty="0"/>
@@ -10500,35 +10328,35 @@
           <a:p>
             <a:pPr lvl="0"/>
             <a:r>
-              <a:rPr lang="en-US" smtClean="0"/>
+              <a:rPr lang="en-US"/>
               <a:t>Click to edit Master text styles</a:t>
             </a:r>
           </a:p>
           <a:p>
             <a:pPr lvl="1"/>
             <a:r>
-              <a:rPr lang="en-US" smtClean="0"/>
+              <a:rPr lang="en-US"/>
               <a:t>Second level</a:t>
             </a:r>
           </a:p>
           <a:p>
             <a:pPr lvl="2"/>
             <a:r>
-              <a:rPr lang="en-US" smtClean="0"/>
+              <a:rPr lang="en-US"/>
               <a:t>Third level</a:t>
             </a:r>
           </a:p>
           <a:p>
             <a:pPr lvl="3"/>
             <a:r>
-              <a:rPr lang="en-US" smtClean="0"/>
+              <a:rPr lang="en-US"/>
               <a:t>Fourth level</a:t>
             </a:r>
           </a:p>
           <a:p>
             <a:pPr lvl="4"/>
             <a:r>
-              <a:rPr lang="en-US" smtClean="0"/>
+              <a:rPr lang="en-US"/>
               <a:t>Fifth level</a:t>
             </a:r>
             <a:endParaRPr lang="en-US" dirty="0"/>
@@ -10552,7 +10380,7 @@
           <a:p>
             <a:fld id="{6F66794D-9D79-4AC5-96DA-597EA4BF2704}" type="datetimeFigureOut">
               <a:rPr lang="en-US" smtClean="0"/>
-              <a:t>24-Mar-16</a:t>
+              <a:t>28-Mar-16</a:t>
             </a:fld>
             <a:endParaRPr lang="en-US"/>
           </a:p>
@@ -10645,13 +10473,6 @@
   <p:clrMapOvr>
     <a:masterClrMapping/>
   </p:clrMapOvr>
-  <p:timing>
-    <p:tnLst>
-      <p:par>
-        <p:cTn id="1" dur="indefinite" restart="never" nodeType="tmRoot"/>
-      </p:par>
-    </p:tnLst>
-  </p:timing>
 </p:sldLayout>
 </file>
 
@@ -10697,7 +10518,7 @@
           </a:lstStyle>
           <a:p>
             <a:r>
-              <a:rPr lang="en-US" smtClean="0"/>
+              <a:rPr lang="en-US"/>
               <a:t>Click to edit Master title style</a:t>
             </a:r>
             <a:endParaRPr lang="en-US" dirty="0"/>
@@ -10817,7 +10638,7 @@
           <a:p>
             <a:pPr lvl="0"/>
             <a:r>
-              <a:rPr lang="en-US" smtClean="0"/>
+              <a:rPr lang="en-US"/>
               <a:t>Click to edit Master text styles</a:t>
             </a:r>
           </a:p>
@@ -10840,7 +10661,7 @@
           <a:p>
             <a:fld id="{6F66794D-9D79-4AC5-96DA-597EA4BF2704}" type="datetimeFigureOut">
               <a:rPr lang="en-US" smtClean="0"/>
-              <a:t>24-Mar-16</a:t>
+              <a:t>28-Mar-16</a:t>
             </a:fld>
             <a:endParaRPr lang="en-US"/>
           </a:p>
@@ -10898,13 +10719,6 @@
   <p:clrMapOvr>
     <a:masterClrMapping/>
   </p:clrMapOvr>
-  <p:timing>
-    <p:tnLst>
-      <p:par>
-        <p:cTn id="1" dur="indefinite" restart="never" nodeType="tmRoot"/>
-      </p:par>
-    </p:tnLst>
-  </p:timing>
 </p:sldLayout>
 </file>
 
@@ -10946,7 +10760,7 @@
           <a:lstStyle/>
           <a:p>
             <a:r>
-              <a:rPr lang="en-US" smtClean="0"/>
+              <a:rPr lang="en-US"/>
               <a:t>Click to edit Master title style</a:t>
             </a:r>
             <a:endParaRPr lang="en-US" dirty="0"/>
@@ -11005,35 +10819,35 @@
           <a:p>
             <a:pPr lvl="0"/>
             <a:r>
-              <a:rPr lang="en-US" smtClean="0"/>
+              <a:rPr lang="en-US"/>
               <a:t>Click to edit Master text styles</a:t>
             </a:r>
           </a:p>
           <a:p>
             <a:pPr lvl="1"/>
             <a:r>
-              <a:rPr lang="en-US" smtClean="0"/>
+              <a:rPr lang="en-US"/>
               <a:t>Second level</a:t>
             </a:r>
           </a:p>
           <a:p>
             <a:pPr lvl="2"/>
             <a:r>
-              <a:rPr lang="en-US" smtClean="0"/>
+              <a:rPr lang="en-US"/>
               <a:t>Third level</a:t>
             </a:r>
           </a:p>
           <a:p>
             <a:pPr lvl="3"/>
             <a:r>
-              <a:rPr lang="en-US" smtClean="0"/>
+              <a:rPr lang="en-US"/>
               <a:t>Fourth level</a:t>
             </a:r>
           </a:p>
           <a:p>
             <a:pPr lvl="4"/>
             <a:r>
-              <a:rPr lang="en-US" smtClean="0"/>
+              <a:rPr lang="en-US"/>
               <a:t>Fifth level</a:t>
             </a:r>
             <a:endParaRPr lang="en-US" dirty="0"/>
@@ -11092,35 +10906,35 @@
           <a:p>
             <a:pPr lvl="0"/>
             <a:r>
-              <a:rPr lang="en-US" smtClean="0"/>
+              <a:rPr lang="en-US"/>
               <a:t>Click to edit Master text styles</a:t>
             </a:r>
           </a:p>
           <a:p>
             <a:pPr lvl="1"/>
             <a:r>
-              <a:rPr lang="en-US" smtClean="0"/>
+              <a:rPr lang="en-US"/>
               <a:t>Second level</a:t>
             </a:r>
           </a:p>
           <a:p>
             <a:pPr lvl="2"/>
             <a:r>
-              <a:rPr lang="en-US" smtClean="0"/>
+              <a:rPr lang="en-US"/>
               <a:t>Third level</a:t>
             </a:r>
           </a:p>
           <a:p>
             <a:pPr lvl="3"/>
             <a:r>
-              <a:rPr lang="en-US" smtClean="0"/>
+              <a:rPr lang="en-US"/>
               <a:t>Fourth level</a:t>
             </a:r>
           </a:p>
           <a:p>
             <a:pPr lvl="4"/>
             <a:r>
-              <a:rPr lang="en-US" smtClean="0"/>
+              <a:rPr lang="en-US"/>
               <a:t>Fifth level</a:t>
             </a:r>
             <a:endParaRPr lang="en-US" dirty="0"/>
@@ -11144,7 +10958,7 @@
           <a:p>
             <a:fld id="{6F66794D-9D79-4AC5-96DA-597EA4BF2704}" type="datetimeFigureOut">
               <a:rPr lang="en-US" smtClean="0"/>
-              <a:t>24-Mar-16</a:t>
+              <a:t>28-Mar-16</a:t>
             </a:fld>
             <a:endParaRPr lang="en-US"/>
           </a:p>
@@ -11232,13 +11046,6 @@
   <p:clrMapOvr>
     <a:masterClrMapping/>
   </p:clrMapOvr>
-  <p:timing>
-    <p:tnLst>
-      <p:par>
-        <p:cTn id="1" dur="indefinite" restart="never" nodeType="tmRoot"/>
-      </p:par>
-    </p:tnLst>
-  </p:timing>
 </p:sldLayout>
 </file>
 
@@ -11279,7 +11086,7 @@
           </a:lstStyle>
           <a:p>
             <a:r>
-              <a:rPr lang="en-US" smtClean="0"/>
+              <a:rPr lang="en-US"/>
               <a:t>Click to edit Master title style</a:t>
             </a:r>
             <a:endParaRPr lang="en-US" dirty="0"/>
@@ -11353,7 +11160,7 @@
           <a:p>
             <a:pPr lvl="0"/>
             <a:r>
-              <a:rPr lang="en-US" smtClean="0"/>
+              <a:rPr lang="en-US"/>
               <a:t>Click to edit Master text styles</a:t>
             </a:r>
           </a:p>
@@ -11411,35 +11218,35 @@
           <a:p>
             <a:pPr lvl="0"/>
             <a:r>
-              <a:rPr lang="en-US" smtClean="0"/>
+              <a:rPr lang="en-US"/>
               <a:t>Click to edit Master text styles</a:t>
             </a:r>
           </a:p>
           <a:p>
             <a:pPr lvl="1"/>
             <a:r>
-              <a:rPr lang="en-US" smtClean="0"/>
+              <a:rPr lang="en-US"/>
               <a:t>Second level</a:t>
             </a:r>
           </a:p>
           <a:p>
             <a:pPr lvl="2"/>
             <a:r>
-              <a:rPr lang="en-US" smtClean="0"/>
+              <a:rPr lang="en-US"/>
               <a:t>Third level</a:t>
             </a:r>
           </a:p>
           <a:p>
             <a:pPr lvl="3"/>
             <a:r>
-              <a:rPr lang="en-US" smtClean="0"/>
+              <a:rPr lang="en-US"/>
               <a:t>Fourth level</a:t>
             </a:r>
           </a:p>
           <a:p>
             <a:pPr lvl="4"/>
             <a:r>
-              <a:rPr lang="en-US" smtClean="0"/>
+              <a:rPr lang="en-US"/>
               <a:t>Fifth level</a:t>
             </a:r>
             <a:endParaRPr lang="en-US" dirty="0"/>
@@ -11513,7 +11320,7 @@
           <a:p>
             <a:pPr lvl="0"/>
             <a:r>
-              <a:rPr lang="en-US" smtClean="0"/>
+              <a:rPr lang="en-US"/>
               <a:t>Click to edit Master text styles</a:t>
             </a:r>
           </a:p>
@@ -11571,35 +11378,35 @@
           <a:p>
             <a:pPr lvl="0"/>
             <a:r>
-              <a:rPr lang="en-US" smtClean="0"/>
+              <a:rPr lang="en-US"/>
               <a:t>Click to edit Master text styles</a:t>
             </a:r>
           </a:p>
           <a:p>
             <a:pPr lvl="1"/>
             <a:r>
-              <a:rPr lang="en-US" smtClean="0"/>
+              <a:rPr lang="en-US"/>
               <a:t>Second level</a:t>
             </a:r>
           </a:p>
           <a:p>
             <a:pPr lvl="2"/>
             <a:r>
-              <a:rPr lang="en-US" smtClean="0"/>
+              <a:rPr lang="en-US"/>
               <a:t>Third level</a:t>
             </a:r>
           </a:p>
           <a:p>
             <a:pPr lvl="3"/>
             <a:r>
-              <a:rPr lang="en-US" smtClean="0"/>
+              <a:rPr lang="en-US"/>
               <a:t>Fourth level</a:t>
             </a:r>
           </a:p>
           <a:p>
             <a:pPr lvl="4"/>
             <a:r>
-              <a:rPr lang="en-US" smtClean="0"/>
+              <a:rPr lang="en-US"/>
               <a:t>Fifth level</a:t>
             </a:r>
             <a:endParaRPr lang="en-US" dirty="0"/>
@@ -11623,7 +11430,7 @@
           <a:p>
             <a:fld id="{6F66794D-9D79-4AC5-96DA-597EA4BF2704}" type="datetimeFigureOut">
               <a:rPr lang="en-US" smtClean="0"/>
-              <a:t>24-Mar-16</a:t>
+              <a:t>28-Mar-16</a:t>
             </a:fld>
             <a:endParaRPr lang="en-US"/>
           </a:p>
@@ -11711,13 +11518,6 @@
   <p:clrMapOvr>
     <a:masterClrMapping/>
   </p:clrMapOvr>
-  <p:timing>
-    <p:tnLst>
-      <p:par>
-        <p:cTn id="1" dur="indefinite" restart="never" nodeType="tmRoot"/>
-      </p:par>
-    </p:tnLst>
-  </p:timing>
 </p:sldLayout>
 </file>
 
@@ -11754,7 +11554,7 @@
           <a:lstStyle/>
           <a:p>
             <a:r>
-              <a:rPr lang="en-US" smtClean="0"/>
+              <a:rPr lang="en-US"/>
               <a:t>Click to edit Master title style</a:t>
             </a:r>
             <a:endParaRPr lang="en-US" dirty="0"/>
@@ -11778,7 +11578,7 @@
           <a:p>
             <a:fld id="{6F66794D-9D79-4AC5-96DA-597EA4BF2704}" type="datetimeFigureOut">
               <a:rPr lang="en-US" smtClean="0"/>
-              <a:t>24-Mar-16</a:t>
+              <a:t>28-Mar-16</a:t>
             </a:fld>
             <a:endParaRPr lang="en-US"/>
           </a:p>
@@ -11873,7 +11673,7 @@
           <a:p>
             <a:fld id="{6F66794D-9D79-4AC5-96DA-597EA4BF2704}" type="datetimeFigureOut">
               <a:rPr lang="en-US" smtClean="0"/>
-              <a:t>24-Mar-16</a:t>
+              <a:t>28-Mar-16</a:t>
             </a:fld>
             <a:endParaRPr lang="en-US"/>
           </a:p>
@@ -11978,7 +11778,7 @@
           </a:lstStyle>
           <a:p>
             <a:r>
-              <a:rPr lang="en-US" smtClean="0"/>
+              <a:rPr lang="en-US"/>
               <a:t>Click to edit Master title style</a:t>
             </a:r>
             <a:endParaRPr lang="en-US" dirty="0"/>
@@ -12037,35 +11837,35 @@
           <a:p>
             <a:pPr lvl="0"/>
             <a:r>
-              <a:rPr lang="en-US" smtClean="0"/>
+              <a:rPr lang="en-US"/>
               <a:t>Click to edit Master text styles</a:t>
             </a:r>
           </a:p>
           <a:p>
             <a:pPr lvl="1"/>
             <a:r>
-              <a:rPr lang="en-US" smtClean="0"/>
+              <a:rPr lang="en-US"/>
               <a:t>Second level</a:t>
             </a:r>
           </a:p>
           <a:p>
             <a:pPr lvl="2"/>
             <a:r>
-              <a:rPr lang="en-US" smtClean="0"/>
+              <a:rPr lang="en-US"/>
               <a:t>Third level</a:t>
             </a:r>
           </a:p>
           <a:p>
             <a:pPr lvl="3"/>
             <a:r>
-              <a:rPr lang="en-US" smtClean="0"/>
+              <a:rPr lang="en-US"/>
               <a:t>Fourth level</a:t>
             </a:r>
           </a:p>
           <a:p>
             <a:pPr lvl="4"/>
             <a:r>
-              <a:rPr lang="en-US" smtClean="0"/>
+              <a:rPr lang="en-US"/>
               <a:t>Fifth level</a:t>
             </a:r>
             <a:endParaRPr lang="en-US" dirty="0"/>
@@ -12133,7 +11933,7 @@
           <a:p>
             <a:pPr lvl="0"/>
             <a:r>
-              <a:rPr lang="en-US" smtClean="0"/>
+              <a:rPr lang="en-US"/>
               <a:t>Click to edit Master text styles</a:t>
             </a:r>
           </a:p>
@@ -12156,7 +11956,7 @@
           <a:p>
             <a:fld id="{6F66794D-9D79-4AC5-96DA-597EA4BF2704}" type="datetimeFigureOut">
               <a:rPr lang="en-US" smtClean="0"/>
-              <a:t>24-Mar-16</a:t>
+              <a:t>28-Mar-16</a:t>
             </a:fld>
             <a:endParaRPr lang="en-US"/>
           </a:p>
@@ -12261,7 +12061,7 @@
           </a:lstStyle>
           <a:p>
             <a:r>
-              <a:rPr lang="en-US" smtClean="0"/>
+              <a:rPr lang="en-US"/>
               <a:t>Click to edit Master title style</a:t>
             </a:r>
             <a:endParaRPr lang="en-US" dirty="0"/>
@@ -12356,7 +12156,7 @@
           </a:lstStyle>
           <a:p>
             <a:r>
-              <a:rPr lang="en-US" smtClean="0"/>
+              <a:rPr lang="en-US"/>
               <a:t>Click icon to add picture</a:t>
             </a:r>
             <a:endParaRPr lang="en-US" dirty="0"/>
@@ -12424,7 +12224,7 @@
           <a:p>
             <a:pPr lvl="0"/>
             <a:r>
-              <a:rPr lang="en-US" smtClean="0"/>
+              <a:rPr lang="en-US"/>
               <a:t>Click to edit Master text styles</a:t>
             </a:r>
           </a:p>
@@ -12447,7 +12247,7 @@
           <a:p>
             <a:fld id="{6F66794D-9D79-4AC5-96DA-597EA4BF2704}" type="datetimeFigureOut">
               <a:rPr lang="en-US" smtClean="0"/>
-              <a:t>24-Mar-16</a:t>
+              <a:t>28-Mar-16</a:t>
             </a:fld>
             <a:endParaRPr lang="en-US"/>
           </a:p>
@@ -12873,7 +12673,7 @@
           <a:lstStyle/>
           <a:p>
             <a:r>
-              <a:rPr lang="en-US" smtClean="0"/>
+              <a:rPr lang="en-US"/>
               <a:t>Click to edit Master title style</a:t>
             </a:r>
             <a:endParaRPr lang="en-US" dirty="0"/>
@@ -12907,35 +12707,35 @@
           <a:p>
             <a:pPr lvl="0"/>
             <a:r>
-              <a:rPr lang="en-US" smtClean="0"/>
+              <a:rPr lang="en-US"/>
               <a:t>Click to edit Master text styles</a:t>
             </a:r>
           </a:p>
           <a:p>
             <a:pPr lvl="1"/>
             <a:r>
-              <a:rPr lang="en-US" smtClean="0"/>
+              <a:rPr lang="en-US"/>
               <a:t>Second level</a:t>
             </a:r>
           </a:p>
           <a:p>
             <a:pPr lvl="2"/>
             <a:r>
-              <a:rPr lang="en-US" smtClean="0"/>
+              <a:rPr lang="en-US"/>
               <a:t>Third level</a:t>
             </a:r>
           </a:p>
           <a:p>
             <a:pPr lvl="3"/>
             <a:r>
-              <a:rPr lang="en-US" smtClean="0"/>
+              <a:rPr lang="en-US"/>
               <a:t>Fourth level</a:t>
             </a:r>
           </a:p>
           <a:p>
             <a:pPr lvl="4"/>
             <a:r>
-              <a:rPr lang="en-US" smtClean="0"/>
+              <a:rPr lang="en-US"/>
               <a:t>Fifth level</a:t>
             </a:r>
             <a:endParaRPr lang="en-US" dirty="0"/>
@@ -12977,7 +12777,7 @@
           <a:p>
             <a:fld id="{6F66794D-9D79-4AC5-96DA-597EA4BF2704}" type="datetimeFigureOut">
               <a:rPr lang="en-US" smtClean="0"/>
-              <a:t>24-Mar-16</a:t>
+              <a:t>28-Mar-16</a:t>
             </a:fld>
             <a:endParaRPr lang="en-US"/>
           </a:p>
@@ -13553,14 +13353,13 @@
           <a:lstStyle/>
           <a:p>
             <a:r>
-              <a:rPr lang="bg-BG" dirty="0" smtClean="0"/>
+              <a:rPr lang="bg-BG" dirty="0"/>
               <a:t>Основи на програмирането с </a:t>
             </a:r>
             <a:r>
-              <a:rPr lang="en-US" dirty="0" smtClean="0"/>
+              <a:rPr lang="en-US" dirty="0"/>
               <a:t>JavaScript</a:t>
             </a:r>
-            <a:endParaRPr lang="en-US" dirty="0"/>
           </a:p>
         </p:txBody>
       </p:sp>
@@ -13580,15 +13379,15 @@
           <a:lstStyle/>
           <a:p>
             <a:r>
-              <a:rPr lang="bg-BG" dirty="0" smtClean="0"/>
+              <a:rPr lang="bg-BG" dirty="0"/>
               <a:t>Димитър </a:t>
             </a:r>
             <a:r>
-              <a:rPr lang="en-US" dirty="0" smtClean="0"/>
+              <a:rPr lang="en-US" dirty="0"/>
               <a:t>M</a:t>
             </a:r>
             <a:r>
-              <a:rPr lang="bg-BG" dirty="0" smtClean="0"/>
+              <a:rPr lang="bg-BG" dirty="0"/>
               <a:t>итев</a:t>
             </a:r>
           </a:p>
@@ -13607,13 +13406,6 @@
   <p:clrMapOvr>
     <a:masterClrMapping/>
   </p:clrMapOvr>
-  <p:timing>
-    <p:tnLst>
-      <p:par>
-        <p:cTn id="1" dur="indefinite" restart="never" nodeType="tmRoot"/>
-      </p:par>
-    </p:tnLst>
-  </p:timing>
 </p:sld>
 </file>
 
@@ -13650,7 +13442,7 @@
           <a:lstStyle/>
           <a:p>
             <a:r>
-              <a:rPr lang="bg-BG" smtClean="0"/>
+              <a:rPr lang="bg-BG"/>
               <a:t>Вградени обекти в браузъра</a:t>
             </a:r>
             <a:endParaRPr lang="en-US" dirty="0"/>
@@ -13755,13 +13547,6 @@
   <p:clrMapOvr>
     <a:masterClrMapping/>
   </p:clrMapOvr>
-  <p:timing>
-    <p:tnLst>
-      <p:par>
-        <p:cTn id="1" dur="indefinite" restart="never" nodeType="tmRoot"/>
-      </p:par>
-    </p:tnLst>
-  </p:timing>
 </p:sld>
 </file>
 
@@ -13798,14 +13583,13 @@
           <a:lstStyle/>
           <a:p>
             <a:r>
-              <a:rPr lang="bg-BG" dirty="0" smtClean="0"/>
+              <a:rPr lang="bg-BG" dirty="0"/>
               <a:t>Динамичен </a:t>
             </a:r>
             <a:r>
-              <a:rPr lang="en-US" dirty="0" smtClean="0"/>
+              <a:rPr lang="en-US" dirty="0"/>
               <a:t>HTML (DHTML)</a:t>
             </a:r>
-            <a:endParaRPr lang="en-US" dirty="0"/>
           </a:p>
         </p:txBody>
       </p:sp>
@@ -13852,67 +13636,67 @@
           <a:lstStyle/>
           <a:p>
             <a:r>
-              <a:rPr lang="bg-BG" dirty="0" smtClean="0"/>
+              <a:rPr lang="bg-BG" dirty="0"/>
               <a:t>Динамичен </a:t>
             </a:r>
             <a:r>
-              <a:rPr lang="en-US" dirty="0" smtClean="0"/>
+              <a:rPr lang="en-US" dirty="0"/>
               <a:t>HTML(DHTML)</a:t>
             </a:r>
           </a:p>
           <a:p>
             <a:pPr lvl="1" algn="just"/>
             <a:r>
-              <a:rPr lang="bg-BG" dirty="0" smtClean="0"/>
+              <a:rPr lang="bg-BG" dirty="0"/>
               <a:t>Съвкупност от съдържание, стилове и програмна логика, които правят въжможно, страницата да реагира на промените и потребителски действия бързо и адекватно</a:t>
             </a:r>
           </a:p>
           <a:p>
             <a:pPr algn="just"/>
             <a:r>
-              <a:rPr lang="en-US" b="1" dirty="0" smtClean="0"/>
+              <a:rPr lang="en-US" b="1" dirty="0"/>
               <a:t>HTML</a:t>
             </a:r>
             <a:r>
-              <a:rPr lang="en-US" dirty="0" smtClean="0"/>
+              <a:rPr lang="en-US" dirty="0"/>
               <a:t> -&gt; </a:t>
             </a:r>
             <a:r>
-              <a:rPr lang="bg-BG" i="1" dirty="0" smtClean="0"/>
+              <a:rPr lang="bg-BG" i="1" dirty="0"/>
               <a:t>съдържанието на страницата</a:t>
             </a:r>
           </a:p>
           <a:p>
             <a:pPr algn="just"/>
             <a:r>
-              <a:rPr lang="en-US" b="1" dirty="0" smtClean="0"/>
+              <a:rPr lang="en-US" b="1" dirty="0"/>
               <a:t>CSS</a:t>
             </a:r>
             <a:r>
-              <a:rPr lang="en-US" dirty="0" smtClean="0"/>
+              <a:rPr lang="en-US" dirty="0"/>
               <a:t> -&gt;</a:t>
             </a:r>
             <a:r>
-              <a:rPr lang="bg-BG" dirty="0" smtClean="0"/>
+              <a:rPr lang="bg-BG" dirty="0"/>
               <a:t> </a:t>
             </a:r>
             <a:r>
-              <a:rPr lang="bg-BG" i="1" dirty="0" smtClean="0"/>
+              <a:rPr lang="bg-BG" i="1" dirty="0"/>
               <a:t>начина, по който изглежда страницата</a:t>
             </a:r>
           </a:p>
           <a:p>
             <a:pPr algn="just"/>
             <a:r>
-              <a:rPr lang="en-US" b="1" dirty="0" smtClean="0"/>
+              <a:rPr lang="en-US" b="1" dirty="0"/>
               <a:t>JavaScript</a:t>
             </a:r>
             <a:r>
-              <a:rPr lang="en-US" dirty="0" smtClean="0"/>
+              <a:rPr lang="en-US" dirty="0"/>
               <a:t> -&gt; </a:t>
             </a:r>
             <a:r>
-              <a:rPr lang="bg-BG" i="1" dirty="0" smtClean="0"/>
+              <a:rPr lang="bg-BG" i="1" dirty="0"/>
               <a:t>логика за връзка между потребителя и системата</a:t>
             </a:r>
             <a:endParaRPr lang="en-US" i="1" dirty="0"/>
@@ -13965,11 +13749,11 @@
           <a:lstStyle/>
           <a:p>
             <a:r>
-              <a:rPr lang="en-US" dirty="0" smtClean="0"/>
+              <a:rPr lang="en-US" dirty="0"/>
               <a:t>JavaScript</a:t>
             </a:r>
             <a:r>
-              <a:rPr lang="bg-BG" dirty="0" smtClean="0"/>
+              <a:rPr lang="bg-BG" dirty="0"/>
               <a:t> - предимства</a:t>
             </a:r>
             <a:endParaRPr lang="en-US" dirty="0"/>
@@ -13992,39 +13776,39 @@
           <a:lstStyle/>
           <a:p>
             <a:r>
-              <a:rPr lang="bg-BG" dirty="0" smtClean="0"/>
+              <a:rPr lang="bg-BG" dirty="0"/>
               <a:t>Валидация на клиентски данни</a:t>
             </a:r>
           </a:p>
           <a:p>
             <a:r>
-              <a:rPr lang="bg-BG" dirty="0" smtClean="0"/>
+              <a:rPr lang="bg-BG" dirty="0"/>
               <a:t>Промяна на потребителския интерфейс и облик</a:t>
             </a:r>
           </a:p>
           <a:p>
             <a:r>
-              <a:rPr lang="bg-BG" dirty="0" smtClean="0"/>
+              <a:rPr lang="bg-BG" dirty="0"/>
               <a:t>Динамична промяна на съдържанието</a:t>
             </a:r>
           </a:p>
           <a:p>
             <a:r>
-              <a:rPr lang="bg-BG" dirty="0" smtClean="0"/>
+              <a:rPr lang="bg-BG" dirty="0"/>
               <a:t>Сложни изчисления</a:t>
             </a:r>
           </a:p>
           <a:p>
             <a:r>
-              <a:rPr lang="bg-BG" dirty="0" smtClean="0"/>
+              <a:rPr lang="bg-BG" dirty="0"/>
               <a:t>Кустомизирани </a:t>
             </a:r>
             <a:r>
-              <a:rPr lang="en-US" dirty="0" smtClean="0"/>
+              <a:rPr lang="en-US" dirty="0"/>
               <a:t>HTML</a:t>
             </a:r>
             <a:r>
-              <a:rPr lang="bg-BG" dirty="0" smtClean="0"/>
+              <a:rPr lang="bg-BG" dirty="0"/>
               <a:t> контроли</a:t>
             </a:r>
           </a:p>
@@ -14079,11 +13863,11 @@
           <a:lstStyle/>
           <a:p>
             <a:r>
-              <a:rPr lang="en-US" dirty="0" smtClean="0"/>
+              <a:rPr lang="en-US" dirty="0"/>
               <a:t>JavaScript</a:t>
             </a:r>
             <a:r>
-              <a:rPr lang="bg-BG" dirty="0" smtClean="0"/>
+              <a:rPr lang="bg-BG" dirty="0"/>
               <a:t> - възможности</a:t>
             </a:r>
             <a:endParaRPr lang="en-US" dirty="0"/>
@@ -14106,37 +13890,37 @@
           <a:lstStyle/>
           <a:p>
             <a:r>
-              <a:rPr lang="bg-BG" dirty="0" smtClean="0"/>
+              <a:rPr lang="bg-BG" dirty="0"/>
               <a:t>Валидация на клиентски данни</a:t>
             </a:r>
           </a:p>
           <a:p>
             <a:r>
-              <a:rPr lang="bg-BG" dirty="0" smtClean="0"/>
+              <a:rPr lang="bg-BG" dirty="0"/>
               <a:t>Промяна на потребителския интерфейс и облик</a:t>
             </a:r>
           </a:p>
           <a:p>
             <a:r>
-              <a:rPr lang="bg-BG" dirty="0" smtClean="0"/>
+              <a:rPr lang="bg-BG" dirty="0"/>
               <a:t>Динамична промяна на съдържанието</a:t>
             </a:r>
           </a:p>
           <a:p>
             <a:r>
-              <a:rPr lang="bg-BG" dirty="0" smtClean="0"/>
+              <a:rPr lang="bg-BG" dirty="0"/>
               <a:t>Асинхронност</a:t>
             </a:r>
           </a:p>
           <a:p>
             <a:r>
-              <a:rPr lang="bg-BG" dirty="0" smtClean="0"/>
+              <a:rPr lang="bg-BG" dirty="0"/>
               <a:t>Обработка на грешки</a:t>
             </a:r>
           </a:p>
           <a:p>
             <a:r>
-              <a:rPr lang="bg-BG" dirty="0" smtClean="0"/>
+              <a:rPr lang="bg-BG" dirty="0"/>
               <a:t>Промяна на данни, съхранявани от браузъра</a:t>
             </a:r>
           </a:p>
@@ -14191,10 +13975,9 @@
           <a:lstStyle/>
           <a:p>
             <a:r>
-              <a:rPr lang="en-US" dirty="0" smtClean="0"/>
+              <a:rPr lang="en-US" dirty="0"/>
               <a:t>JavaScript  - engines</a:t>
             </a:r>
-            <a:endParaRPr lang="en-US" dirty="0"/>
           </a:p>
         </p:txBody>
       </p:sp>
@@ -14214,59 +13997,59 @@
           <a:lstStyle/>
           <a:p>
             <a:r>
-              <a:rPr lang="bg-BG" dirty="0" smtClean="0"/>
+              <a:rPr lang="bg-BG" dirty="0"/>
               <a:t>Зависят от браузъра</a:t>
             </a:r>
           </a:p>
           <a:p>
             <a:pPr lvl="1"/>
             <a:r>
-              <a:rPr lang="en-US" dirty="0" smtClean="0"/>
+              <a:rPr lang="en-US" dirty="0"/>
               <a:t>Google Chrome -&gt; </a:t>
             </a:r>
             <a:r>
-              <a:rPr lang="en-US" i="1" dirty="0" smtClean="0"/>
+              <a:rPr lang="en-US" i="1" dirty="0"/>
               <a:t>V8</a:t>
             </a:r>
           </a:p>
           <a:p>
             <a:pPr lvl="1"/>
             <a:r>
-              <a:rPr lang="en-US" dirty="0" smtClean="0"/>
+              <a:rPr lang="en-US" dirty="0"/>
               <a:t>Internet Explorer/Edge -&gt; </a:t>
             </a:r>
             <a:r>
-              <a:rPr lang="en-US" i="1" dirty="0" smtClean="0"/>
+              <a:rPr lang="en-US" i="1" dirty="0"/>
               <a:t>Chakra</a:t>
             </a:r>
           </a:p>
           <a:p>
             <a:pPr lvl="1"/>
             <a:r>
-              <a:rPr lang="en-US" dirty="0" smtClean="0"/>
+              <a:rPr lang="en-US" dirty="0"/>
               <a:t>Firefox -&gt; </a:t>
             </a:r>
             <a:r>
-              <a:rPr lang="en-US" i="1" dirty="0" smtClean="0"/>
+              <a:rPr lang="en-US" i="1" dirty="0"/>
               <a:t>Spider Monkey</a:t>
             </a:r>
           </a:p>
           <a:p>
             <a:pPr lvl="1"/>
             <a:r>
-              <a:rPr lang="en-US" dirty="0" smtClean="0"/>
+              <a:rPr lang="en-US" dirty="0"/>
               <a:t>Safari -&gt; </a:t>
             </a:r>
             <a:r>
-              <a:rPr lang="en-US" i="1" dirty="0" err="1" smtClean="0"/>
+              <a:rPr lang="en-US" i="1" dirty="0" err="1"/>
               <a:t>JavaScriptCore</a:t>
             </a:r>
-            <a:endParaRPr lang="en-US" i="1" dirty="0" smtClean="0"/>
+            <a:endParaRPr lang="en-US" i="1" dirty="0"/>
           </a:p>
           <a:p>
             <a:pPr lvl="1"/>
             <a:r>
-              <a:rPr lang="bg-BG" i="1" dirty="0" smtClean="0"/>
+              <a:rPr lang="bg-BG" i="1" dirty="0"/>
               <a:t>И др.</a:t>
             </a:r>
             <a:endParaRPr lang="en-US" i="1" dirty="0"/>
@@ -14349,14 +14132,13 @@
           <a:lstStyle/>
           <a:p>
             <a:r>
-              <a:rPr lang="bg-BG" dirty="0" smtClean="0"/>
+              <a:rPr lang="bg-BG" dirty="0"/>
               <a:t>Използване на </a:t>
             </a:r>
             <a:r>
-              <a:rPr lang="en-US" dirty="0" smtClean="0"/>
+              <a:rPr lang="en-US" dirty="0"/>
               <a:t>JavaScript</a:t>
             </a:r>
-            <a:endParaRPr lang="en-US" dirty="0"/>
           </a:p>
         </p:txBody>
       </p:sp>
@@ -14376,47 +14158,12 @@
           <a:lstStyle/>
           <a:p>
             <a:r>
-              <a:rPr lang="en-US" dirty="0" smtClean="0"/>
+              <a:rPr lang="en-US" dirty="0"/>
               <a:t>JavaScript </a:t>
             </a:r>
             <a:r>
-              <a:rPr lang="bg-BG" dirty="0" smtClean="0"/>
+              <a:rPr lang="bg-BG" dirty="0"/>
               <a:t>кодът може да използван по следните начини:</a:t>
-            </a:r>
-          </a:p>
-          <a:p>
-            <a:pPr lvl="1"/>
-            <a:r>
-              <a:rPr lang="bg-BG" dirty="0" smtClean="0">
-                <a:solidFill>
-                  <a:srgbClr val="00B0F0"/>
-                </a:solidFill>
-              </a:rPr>
-              <a:t>&lt;</a:t>
-            </a:r>
-            <a:r>
-              <a:rPr lang="en-US" dirty="0" smtClean="0">
-                <a:solidFill>
-                  <a:srgbClr val="00B0F0"/>
-                </a:solidFill>
-              </a:rPr>
-              <a:t>script&gt; </a:t>
-            </a:r>
-            <a:r>
-              <a:rPr lang="bg-BG" dirty="0" smtClean="0"/>
-              <a:t>таг в </a:t>
-            </a:r>
-            <a:r>
-              <a:rPr lang="en-US" i="1" dirty="0" smtClean="0"/>
-              <a:t>head</a:t>
-            </a:r>
-            <a:r>
-              <a:rPr lang="en-US" dirty="0" smtClean="0"/>
-              <a:t> </a:t>
-            </a:r>
-            <a:r>
-              <a:rPr lang="bg-BG" dirty="0" smtClean="0"/>
-              <a:t>елемента </a:t>
             </a:r>
           </a:p>
           <a:p>
@@ -14442,32 +14189,20 @@
               <a:t>таг в </a:t>
             </a:r>
             <a:r>
-              <a:rPr lang="en-US" i="1" dirty="0" smtClean="0"/>
-              <a:t>body</a:t>
-            </a:r>
-            <a:r>
-              <a:rPr lang="en-US" dirty="0" smtClean="0"/>
+              <a:rPr lang="en-US" i="1" dirty="0"/>
+              <a:t>head</a:t>
+            </a:r>
+            <a:r>
+              <a:rPr lang="en-US" dirty="0"/>
               <a:t> </a:t>
             </a:r>
             <a:r>
-              <a:rPr lang="bg-BG" dirty="0" smtClean="0"/>
+              <a:rPr lang="bg-BG" dirty="0"/>
               <a:t>елемента </a:t>
             </a:r>
-            <a:r>
-              <a:rPr lang="en-US" dirty="0" smtClean="0"/>
-              <a:t>-&gt; </a:t>
-            </a:r>
-            <a:r>
-              <a:rPr lang="bg-BG" dirty="0" smtClean="0"/>
-              <a:t>не се препоръчва</a:t>
-            </a:r>
           </a:p>
           <a:p>
             <a:pPr lvl="1"/>
-            <a:r>
-              <a:rPr lang="bg-BG" dirty="0" smtClean="0"/>
-              <a:t>Външни файлове, реферирани чрез </a:t>
-            </a:r>
             <a:r>
               <a:rPr lang="bg-BG" dirty="0">
                 <a:solidFill>
@@ -14485,34 +14220,73 @@
               <a:t>script&gt; </a:t>
             </a:r>
             <a:r>
-              <a:rPr lang="en-US" dirty="0" smtClean="0">
+              <a:rPr lang="bg-BG" dirty="0"/>
+              <a:t>таг в </a:t>
+            </a:r>
+            <a:r>
+              <a:rPr lang="en-US" i="1" dirty="0"/>
+              <a:t>body</a:t>
+            </a:r>
+            <a:r>
+              <a:rPr lang="en-US" dirty="0"/>
+              <a:t> </a:t>
+            </a:r>
+            <a:r>
+              <a:rPr lang="bg-BG" dirty="0"/>
+              <a:t>елемента </a:t>
+            </a:r>
+            <a:r>
+              <a:rPr lang="en-US" dirty="0"/>
+              <a:t>-&gt; </a:t>
+            </a:r>
+            <a:r>
+              <a:rPr lang="bg-BG" dirty="0"/>
+              <a:t>не се препоръчва</a:t>
+            </a:r>
+          </a:p>
+          <a:p>
+            <a:pPr lvl="1"/>
+            <a:r>
+              <a:rPr lang="bg-BG" dirty="0"/>
+              <a:t>Външни файлове, реферирани чрез </a:t>
+            </a:r>
+            <a:r>
+              <a:rPr lang="bg-BG" dirty="0">
                 <a:solidFill>
                   <a:srgbClr val="00B0F0"/>
                 </a:solidFill>
               </a:rPr>
+              <a:t>&lt;</a:t>
+            </a:r>
+            <a:r>
+              <a:rPr lang="en-US" dirty="0">
+                <a:solidFill>
+                  <a:srgbClr val="00B0F0"/>
+                </a:solidFill>
+              </a:rPr>
+              <a:t>script&gt;  </a:t>
+            </a:r>
+            <a:r>
+              <a:rPr lang="bg-BG" dirty="0"/>
+              <a:t>елемент</a:t>
+            </a:r>
+          </a:p>
+          <a:p>
+            <a:pPr lvl="2"/>
+            <a:r>
+              <a:rPr lang="bg-BG" b="1" dirty="0"/>
+              <a:t>.</a:t>
+            </a:r>
+            <a:r>
+              <a:rPr lang="en-US" b="1" dirty="0" err="1"/>
+              <a:t>js</a:t>
+            </a:r>
+            <a:r>
+              <a:rPr lang="en-US" b="1" dirty="0"/>
               <a:t> </a:t>
             </a:r>
             <a:r>
-              <a:rPr lang="bg-BG" dirty="0" smtClean="0"/>
-              <a:t>елемент</a:t>
-            </a:r>
-          </a:p>
-          <a:p>
-            <a:pPr lvl="2"/>
-            <a:r>
-              <a:rPr lang="bg-BG" b="1" dirty="0" smtClean="0"/>
-              <a:t>.</a:t>
-            </a:r>
-            <a:r>
-              <a:rPr lang="en-US" b="1" dirty="0" err="1" smtClean="0"/>
-              <a:t>js</a:t>
-            </a:r>
-            <a:r>
-              <a:rPr lang="en-US" b="1" dirty="0" smtClean="0"/>
-              <a:t> </a:t>
-            </a:r>
-            <a:r>
-              <a:rPr lang="bg-BG" dirty="0" smtClean="0"/>
+              <a:rPr lang="bg-BG" dirty="0"/>
               <a:t>файлове</a:t>
             </a:r>
           </a:p>
@@ -14614,24 +14388,20 @@
           </a:p>
           <a:p>
             <a:r>
-              <a:rPr lang="bg-BG" dirty="0" smtClean="0"/>
+              <a:rPr lang="bg-BG" dirty="0"/>
               <a:t>	</a:t>
             </a:r>
             <a:r>
-              <a:rPr lang="en-US" i="1" dirty="0" smtClean="0"/>
+              <a:rPr lang="en-US" i="1" dirty="0"/>
               <a:t>&lt;!</a:t>
             </a:r>
             <a:r>
-              <a:rPr lang="bg-BG" i="1" dirty="0" smtClean="0"/>
+              <a:rPr lang="bg-BG" i="1" dirty="0"/>
               <a:t>--</a:t>
             </a:r>
             <a:r>
-              <a:rPr lang="en-US" i="1" dirty="0" smtClean="0"/>
-              <a:t> </a:t>
-            </a:r>
-            <a:r>
               <a:rPr lang="en-US" i="1" dirty="0"/>
-              <a:t>code placed here will not be executed! --&gt;</a:t>
+              <a:t> code placed here will not be executed! --&gt;</a:t>
             </a:r>
           </a:p>
           <a:p>
@@ -14688,14 +14458,13 @@
           <a:lstStyle/>
           <a:p>
             <a:r>
-              <a:rPr lang="bg-BG" dirty="0" smtClean="0"/>
+              <a:rPr lang="bg-BG" dirty="0"/>
               <a:t>Изпълнение на </a:t>
             </a:r>
             <a:r>
-              <a:rPr lang="en-US" dirty="0" smtClean="0"/>
+              <a:rPr lang="en-US" dirty="0"/>
               <a:t>JavaScript</a:t>
             </a:r>
-            <a:endParaRPr lang="en-US" dirty="0"/>
           </a:p>
         </p:txBody>
       </p:sp>
@@ -14715,51 +14484,50 @@
           <a:lstStyle/>
           <a:p>
             <a:r>
-              <a:rPr lang="en-US" dirty="0" smtClean="0"/>
+              <a:rPr lang="en-US" dirty="0"/>
               <a:t>JavaScript</a:t>
             </a:r>
             <a:r>
-              <a:rPr lang="bg-BG" dirty="0" smtClean="0"/>
+              <a:rPr lang="bg-BG" dirty="0"/>
               <a:t> се изпълнява, докато се зарежда страницата или когато в браузъра е възникнало събитие (</a:t>
             </a:r>
             <a:r>
-              <a:rPr lang="en-US" dirty="0" smtClean="0"/>
+              <a:rPr lang="en-US" dirty="0"/>
               <a:t>event was fired)</a:t>
             </a:r>
           </a:p>
           <a:p>
             <a:pPr lvl="1"/>
             <a:r>
-              <a:rPr lang="bg-BG" b="1" dirty="0" smtClean="0"/>
+              <a:rPr lang="bg-BG" b="1" dirty="0"/>
               <a:t>Няма компилация. Няма проверка при компилация</a:t>
             </a:r>
           </a:p>
           <a:p>
             <a:pPr lvl="1"/>
             <a:r>
-              <a:rPr lang="bg-BG" dirty="0" smtClean="0"/>
+              <a:rPr lang="bg-BG" dirty="0"/>
               <a:t>Целият код се изпълнява по време на зареждането на страницата</a:t>
             </a:r>
           </a:p>
           <a:p>
             <a:pPr lvl="1"/>
             <a:r>
-              <a:rPr lang="bg-BG" dirty="0" smtClean="0"/>
+              <a:rPr lang="bg-BG" dirty="0"/>
               <a:t>*Някои части от кода, могат да бъдат закачени за събития (</a:t>
             </a:r>
             <a:r>
-              <a:rPr lang="en-US" dirty="0" smtClean="0"/>
+              <a:rPr lang="en-US" dirty="0"/>
               <a:t>events)</a:t>
             </a:r>
             <a:r>
-              <a:rPr lang="bg-BG" dirty="0" smtClean="0"/>
+              <a:rPr lang="bg-BG" dirty="0"/>
               <a:t>, които да се изпълнят при тяхното настъпване (</a:t>
             </a:r>
             <a:r>
-              <a:rPr lang="en-US" dirty="0" smtClean="0"/>
+              <a:rPr lang="en-US" dirty="0"/>
               <a:t>fired event)</a:t>
             </a:r>
-            <a:endParaRPr lang="en-US" dirty="0"/>
           </a:p>
         </p:txBody>
       </p:sp>
@@ -14809,11 +14577,11 @@
           <a:lstStyle/>
           <a:p>
             <a:r>
-              <a:rPr lang="en-US" dirty="0" smtClean="0"/>
+              <a:rPr lang="en-US" dirty="0"/>
               <a:t>JavaScript </a:t>
             </a:r>
             <a:r>
-              <a:rPr lang="bg-BG" dirty="0" smtClean="0"/>
+              <a:rPr lang="bg-BG" dirty="0"/>
               <a:t>синтаксис</a:t>
             </a:r>
             <a:endParaRPr lang="en-US" dirty="0"/>
@@ -14838,17 +14606,17 @@
           <a:lstStyle/>
           <a:p>
             <a:r>
-              <a:rPr lang="bg-BG" dirty="0" smtClean="0"/>
+              <a:rPr lang="bg-BG" dirty="0"/>
               <a:t>Оператори (+,-,*,/, =, != ....)</a:t>
             </a:r>
           </a:p>
           <a:p>
             <a:r>
-              <a:rPr lang="bg-BG" dirty="0" smtClean="0"/>
+              <a:rPr lang="bg-BG" dirty="0"/>
               <a:t>Променливи ( </a:t>
             </a:r>
             <a:r>
-              <a:rPr lang="en-US" dirty="0" smtClean="0"/>
+              <a:rPr lang="en-US" dirty="0"/>
               <a:t>JS </a:t>
             </a:r>
             <a:r>
@@ -14856,54 +14624,54 @@
               <a:t>не</a:t>
             </a:r>
             <a:r>
-              <a:rPr lang="bg-BG" dirty="0" smtClean="0"/>
+              <a:rPr lang="bg-BG" dirty="0"/>
               <a:t> е типизиран)</a:t>
             </a:r>
           </a:p>
           <a:p>
             <a:r>
-              <a:rPr lang="bg-BG" dirty="0" smtClean="0"/>
+              <a:rPr lang="bg-BG" dirty="0"/>
               <a:t>Условни конструкции (</a:t>
             </a:r>
             <a:r>
-              <a:rPr lang="en-US" dirty="0" smtClean="0"/>
+              <a:rPr lang="en-US" dirty="0"/>
               <a:t>if, else, switch)</a:t>
             </a:r>
-            <a:endParaRPr lang="bg-BG" dirty="0" smtClean="0"/>
-          </a:p>
-          <a:p>
-            <a:r>
-              <a:rPr lang="bg-BG" dirty="0" smtClean="0"/>
+            <a:endParaRPr lang="bg-BG" dirty="0"/>
+          </a:p>
+          <a:p>
+            <a:r>
+              <a:rPr lang="bg-BG" dirty="0"/>
               <a:t>Цикли</a:t>
             </a:r>
             <a:r>
-              <a:rPr lang="en-US" dirty="0" smtClean="0"/>
+              <a:rPr lang="en-US" dirty="0"/>
               <a:t> (for, while, </a:t>
             </a:r>
             <a:r>
-              <a:rPr lang="en-US" dirty="0" err="1" smtClean="0"/>
+              <a:rPr lang="en-US" dirty="0" err="1"/>
               <a:t>forin</a:t>
             </a:r>
             <a:r>
-              <a:rPr lang="en-US" dirty="0" smtClean="0"/>
+              <a:rPr lang="en-US" dirty="0"/>
               <a:t>)</a:t>
             </a:r>
-            <a:endParaRPr lang="bg-BG" dirty="0" smtClean="0"/>
-          </a:p>
-          <a:p>
-            <a:r>
-              <a:rPr lang="bg-BG" dirty="0" smtClean="0"/>
+            <a:endParaRPr lang="bg-BG" dirty="0"/>
+          </a:p>
+          <a:p>
+            <a:r>
+              <a:rPr lang="bg-BG" dirty="0"/>
               <a:t>Масиви и асоциативни масиви</a:t>
             </a:r>
             <a:r>
-              <a:rPr lang="en-US" dirty="0" smtClean="0"/>
+              <a:rPr lang="en-US" dirty="0"/>
               <a:t> </a:t>
             </a:r>
-            <a:endParaRPr lang="bg-BG" dirty="0" smtClean="0"/>
-          </a:p>
-          <a:p>
-            <a:r>
-              <a:rPr lang="bg-BG" dirty="0" smtClean="0"/>
+            <a:endParaRPr lang="bg-BG" dirty="0"/>
+          </a:p>
+          <a:p>
+            <a:r>
+              <a:rPr lang="bg-BG" dirty="0"/>
               <a:t>Функции и функции променливи</a:t>
             </a:r>
           </a:p>
@@ -14955,7 +14723,7 @@
           <a:lstStyle/>
           <a:p>
             <a:r>
-              <a:rPr lang="bg-BG" dirty="0" smtClean="0"/>
+              <a:rPr lang="bg-BG" dirty="0"/>
               <a:t>Вградени обекти в браузъра</a:t>
             </a:r>
             <a:endParaRPr lang="en-US" dirty="0"/>
@@ -14972,14 +14740,14 @@
             <p:ph sz="half" idx="1"/>
             <p:extLst>
               <p:ext uri="{D42A27DB-BD31-4B8C-83A1-F6EECF244321}">
-                <p14:modId xmlns:p14="http://schemas.microsoft.com/office/powerpoint/2010/main" val="1600766725"/>
+                <p14:modId xmlns:p14="http://schemas.microsoft.com/office/powerpoint/2010/main" val="891101288"/>
               </p:ext>
             </p:extLst>
           </p:nvPr>
         </p:nvGraphicFramePr>
         <p:xfrm>
-          <a:off x="1484313" y="2667000"/>
-          <a:ext cx="4894262" cy="3124200"/>
+          <a:off x="1484314" y="2667000"/>
+          <a:ext cx="2131084" cy="3124200"/>
         </p:xfrm>
         <a:graphic>
           <a:graphicData uri="http://schemas.openxmlformats.org/drawingml/2006/diagram">
@@ -14997,84 +14765,160 @@
             <p:ph sz="half" idx="2"/>
           </p:nvPr>
         </p:nvSpPr>
-        <p:spPr/>
+        <p:spPr>
+          <a:xfrm>
+            <a:off x="3615398" y="2667000"/>
+            <a:ext cx="7887625" cy="3124200"/>
+          </a:xfrm>
+        </p:spPr>
         <p:txBody>
-          <a:bodyPr/>
+          <a:bodyPr>
+            <a:normAutofit fontScale="92500" lnSpcReduction="10000"/>
+          </a:bodyPr>
           <a:lstStyle/>
           <a:p>
             <a:r>
-              <a:rPr lang="bg-BG" dirty="0" smtClean="0"/>
+              <a:rPr lang="bg-BG" dirty="0"/>
               <a:t>Браузърът предоставя обекти на готово</a:t>
             </a:r>
-            <a:endParaRPr lang="en-US" dirty="0" smtClean="0"/>
-          </a:p>
-          <a:p>
-            <a:pPr lvl="1"/>
-            <a:r>
-              <a:rPr lang="en-US" b="1" dirty="0" smtClean="0"/>
+            <a:endParaRPr lang="en-US" dirty="0"/>
+          </a:p>
+          <a:p>
+            <a:pPr lvl="1" algn="just"/>
+            <a:r>
+              <a:rPr lang="en-US" b="1" dirty="0"/>
               <a:t>Window </a:t>
             </a:r>
             <a:r>
-              <a:rPr lang="bg-BG" dirty="0" smtClean="0"/>
+              <a:rPr lang="bg-BG" dirty="0"/>
               <a:t>-&gt; </a:t>
             </a:r>
             <a:r>
-              <a:rPr lang="bg-BG" i="1" dirty="0" smtClean="0"/>
+              <a:rPr lang="bg-BG" i="1" dirty="0"/>
               <a:t>съдържа информация за текущия прозорец (</a:t>
             </a:r>
             <a:r>
-              <a:rPr lang="en-US" i="1" dirty="0" smtClean="0"/>
+              <a:rPr lang="en-US" i="1" dirty="0"/>
               <a:t>tab) </a:t>
             </a:r>
             <a:r>
-              <a:rPr lang="bg-BG" i="1" dirty="0" smtClean="0"/>
+              <a:rPr lang="bg-BG" i="1" dirty="0"/>
               <a:t>на браузъра</a:t>
             </a:r>
           </a:p>
           <a:p>
-            <a:pPr lvl="1"/>
-            <a:r>
-              <a:rPr lang="en-US" b="1" dirty="0" smtClean="0"/>
+            <a:pPr lvl="1" algn="just"/>
+            <a:r>
+              <a:rPr lang="en-US" b="1" dirty="0"/>
               <a:t>Navigator -&gt; </a:t>
             </a:r>
             <a:r>
-              <a:rPr lang="bg-BG" i="1" dirty="0" smtClean="0"/>
+              <a:rPr lang="bg-BG" i="1" dirty="0"/>
               <a:t>съдържа информация за местоположение и т.н.</a:t>
             </a:r>
           </a:p>
           <a:p>
-            <a:pPr lvl="1"/>
-            <a:r>
-              <a:rPr lang="en-US" b="1" i="1" dirty="0" smtClean="0"/>
+            <a:pPr lvl="1" algn="just"/>
+            <a:r>
+              <a:rPr lang="en-US" b="1" i="1" dirty="0"/>
               <a:t>Document </a:t>
             </a:r>
             <a:r>
-              <a:rPr lang="en-US" i="1" dirty="0" smtClean="0"/>
+              <a:rPr lang="en-US" i="1" dirty="0"/>
               <a:t>-&gt; </a:t>
             </a:r>
             <a:r>
-              <a:rPr lang="bg-BG" i="1" dirty="0" smtClean="0"/>
+              <a:rPr lang="bg-BG" i="1" dirty="0"/>
               <a:t>съдържа информация за заредения документ </a:t>
             </a:r>
             <a:r>
-              <a:rPr lang="en-US" i="1" dirty="0" smtClean="0"/>
+              <a:rPr lang="en-US" i="1" dirty="0"/>
               <a:t>(HTML)</a:t>
             </a:r>
           </a:p>
           <a:p>
-            <a:pPr lvl="1"/>
-            <a:r>
-              <a:rPr lang="en-US" b="1" dirty="0" smtClean="0"/>
+            <a:pPr lvl="1" algn="just"/>
+            <a:r>
+              <a:rPr lang="en-US" b="1" dirty="0"/>
               <a:t>Screen </a:t>
             </a:r>
             <a:r>
-              <a:rPr lang="en-US" dirty="0" smtClean="0"/>
+              <a:rPr lang="en-US" dirty="0"/>
               <a:t>-&gt; </a:t>
             </a:r>
             <a:r>
-              <a:rPr lang="bg-BG" i="1" dirty="0" smtClean="0"/>
+              <a:rPr lang="bg-BG" i="1" dirty="0"/>
               <a:t>съдържа информация за потребителския екран (размери, цветова схема...)</a:t>
             </a:r>
+          </a:p>
+          <a:p>
+            <a:pPr lvl="1" algn="just"/>
+            <a:r>
+              <a:rPr lang="en-US" b="1" dirty="0"/>
+              <a:t>Console</a:t>
+            </a:r>
+            <a:r>
+              <a:rPr lang="en-US" i="1" dirty="0"/>
+              <a:t> -&gt; </a:t>
+            </a:r>
+            <a:r>
+              <a:rPr lang="bg-BG" i="1" dirty="0"/>
+              <a:t>позволява да се изписва </a:t>
+            </a:r>
+            <a:r>
+              <a:rPr lang="bg-BG" i="1" dirty="0" err="1"/>
+              <a:t>инфорамция</a:t>
+            </a:r>
+            <a:r>
+              <a:rPr lang="bg-BG" i="1" dirty="0"/>
+              <a:t> по време на изпълнението на кода (*заб.: необходимо е да има наличен инструмент за </a:t>
+            </a:r>
+            <a:r>
+              <a:rPr lang="bg-BG" i="1" dirty="0" err="1"/>
+              <a:t>дебъгване</a:t>
+            </a:r>
+            <a:r>
+              <a:rPr lang="bg-BG" i="1" dirty="0"/>
+              <a:t>)</a:t>
+            </a:r>
+            <a:endParaRPr lang="en-US" i="1" dirty="0"/>
+          </a:p>
+          <a:p>
+            <a:pPr lvl="1" algn="just"/>
+            <a:r>
+              <a:rPr lang="en-US" b="1" dirty="0"/>
+              <a:t>Math</a:t>
+            </a:r>
+            <a:r>
+              <a:rPr lang="en-US" i="1" dirty="0"/>
+              <a:t> -&gt; </a:t>
+            </a:r>
+            <a:r>
+              <a:rPr lang="bg-BG" i="1" dirty="0"/>
+              <a:t>съдържа методи, улесняващи мат. операции</a:t>
+            </a:r>
+            <a:endParaRPr lang="en-US" dirty="0"/>
+          </a:p>
+          <a:p>
+            <a:pPr lvl="1" algn="just"/>
+            <a:r>
+              <a:rPr lang="en-US" b="1" dirty="0"/>
+              <a:t>Date</a:t>
+            </a:r>
+            <a:r>
+              <a:rPr lang="en-US" i="1" dirty="0"/>
+              <a:t> -&gt; </a:t>
+            </a:r>
+            <a:r>
+              <a:rPr lang="bg-BG" i="1" dirty="0"/>
+              <a:t>дава възможност за работа с дати/календари</a:t>
+            </a:r>
+            <a:endParaRPr lang="en-US" dirty="0"/>
+          </a:p>
+          <a:p>
+            <a:pPr marL="457200" lvl="1" indent="0" algn="just">
+              <a:buNone/>
+            </a:pPr>
             <a:endParaRPr lang="en-US" dirty="0"/>
           </a:p>
         </p:txBody>

--- a/JS Fundamentals/2.JS-Basics/JS-Basics.pptx
+++ b/JS Fundamentals/2.JS-Basics/JS-Basics.pptx
@@ -14,8 +14,21 @@
     <p:sldId id="272" r:id="rId8"/>
     <p:sldId id="273" r:id="rId9"/>
     <p:sldId id="274" r:id="rId10"/>
-    <p:sldId id="275" r:id="rId11"/>
-    <p:sldId id="266" r:id="rId12"/>
+    <p:sldId id="276" r:id="rId11"/>
+    <p:sldId id="277" r:id="rId12"/>
+    <p:sldId id="279" r:id="rId13"/>
+    <p:sldId id="275" r:id="rId14"/>
+    <p:sldId id="278" r:id="rId15"/>
+    <p:sldId id="280" r:id="rId16"/>
+    <p:sldId id="281" r:id="rId17"/>
+    <p:sldId id="282" r:id="rId18"/>
+    <p:sldId id="283" r:id="rId19"/>
+    <p:sldId id="284" r:id="rId20"/>
+    <p:sldId id="285" r:id="rId21"/>
+    <p:sldId id="286" r:id="rId22"/>
+    <p:sldId id="288" r:id="rId23"/>
+    <p:sldId id="287" r:id="rId24"/>
+    <p:sldId id="266" r:id="rId25"/>
   </p:sldIdLst>
   <p:sldSz cx="12192000" cy="6858000"/>
   <p:notesSz cx="6858000" cy="9144000"/>
@@ -1785,6 +1798,13 @@
         </dgm:presLayoutVars>
       </dgm:prSet>
       <dgm:spPr/>
+      <dgm:t>
+        <a:bodyPr/>
+        <a:lstStyle/>
+        <a:p>
+          <a:endParaRPr lang="en-US"/>
+        </a:p>
+      </dgm:t>
     </dgm:pt>
     <dgm:pt modelId="{12FD8D82-4FAC-4EBB-82AD-E66F89D1E621}" type="pres">
       <dgm:prSet presAssocID="{A7C580F8-BB7A-4E85-94A8-AFDDEFE5F2EC}" presName="root1" presStyleCnt="0"/>
@@ -1797,6 +1817,13 @@
         </dgm:presLayoutVars>
       </dgm:prSet>
       <dgm:spPr/>
+      <dgm:t>
+        <a:bodyPr/>
+        <a:lstStyle/>
+        <a:p>
+          <a:endParaRPr lang="en-US"/>
+        </a:p>
+      </dgm:t>
     </dgm:pt>
     <dgm:pt modelId="{DC5329BB-3757-4EF7-9A56-A341A34EAFC9}" type="pres">
       <dgm:prSet presAssocID="{A7C580F8-BB7A-4E85-94A8-AFDDEFE5F2EC}" presName="level2hierChild" presStyleCnt="0"/>
@@ -1805,10 +1832,24 @@
     <dgm:pt modelId="{9DE500D9-C7FE-46A3-A7B6-746E6E9B6C28}" type="pres">
       <dgm:prSet presAssocID="{B32D41F7-F621-4CC5-B6BC-0565FB6168DE}" presName="conn2-1" presStyleLbl="parChTrans1D2" presStyleIdx="0" presStyleCnt="3"/>
       <dgm:spPr/>
+      <dgm:t>
+        <a:bodyPr/>
+        <a:lstStyle/>
+        <a:p>
+          <a:endParaRPr lang="en-US"/>
+        </a:p>
+      </dgm:t>
     </dgm:pt>
     <dgm:pt modelId="{E6D08BB3-B131-4280-BE79-2DF1BA25D2B8}" type="pres">
       <dgm:prSet presAssocID="{B32D41F7-F621-4CC5-B6BC-0565FB6168DE}" presName="connTx" presStyleLbl="parChTrans1D2" presStyleIdx="0" presStyleCnt="3"/>
       <dgm:spPr/>
+      <dgm:t>
+        <a:bodyPr/>
+        <a:lstStyle/>
+        <a:p>
+          <a:endParaRPr lang="en-US"/>
+        </a:p>
+      </dgm:t>
     </dgm:pt>
     <dgm:pt modelId="{0AE8FE46-4264-4D69-89A2-7650E0084A6F}" type="pres">
       <dgm:prSet presAssocID="{C1DA7BF1-9065-45EE-AE30-258007BB485C}" presName="root2" presStyleCnt="0"/>
@@ -1821,6 +1862,13 @@
         </dgm:presLayoutVars>
       </dgm:prSet>
       <dgm:spPr/>
+      <dgm:t>
+        <a:bodyPr/>
+        <a:lstStyle/>
+        <a:p>
+          <a:endParaRPr lang="en-US"/>
+        </a:p>
+      </dgm:t>
     </dgm:pt>
     <dgm:pt modelId="{F5BBB128-EC50-4413-9F53-AD525BEF7AEF}" type="pres">
       <dgm:prSet presAssocID="{C1DA7BF1-9065-45EE-AE30-258007BB485C}" presName="level3hierChild" presStyleCnt="0"/>
@@ -1829,10 +1877,24 @@
     <dgm:pt modelId="{B36D8718-3426-4C0B-B1D9-A573913E6BA7}" type="pres">
       <dgm:prSet presAssocID="{93754FD7-8461-48D0-A674-703C42B7D024}" presName="conn2-1" presStyleLbl="parChTrans1D2" presStyleIdx="1" presStyleCnt="3"/>
       <dgm:spPr/>
+      <dgm:t>
+        <a:bodyPr/>
+        <a:lstStyle/>
+        <a:p>
+          <a:endParaRPr lang="en-US"/>
+        </a:p>
+      </dgm:t>
     </dgm:pt>
     <dgm:pt modelId="{32C73F2C-6EC6-448F-B6F6-22F30BE93023}" type="pres">
       <dgm:prSet presAssocID="{93754FD7-8461-48D0-A674-703C42B7D024}" presName="connTx" presStyleLbl="parChTrans1D2" presStyleIdx="1" presStyleCnt="3"/>
       <dgm:spPr/>
+      <dgm:t>
+        <a:bodyPr/>
+        <a:lstStyle/>
+        <a:p>
+          <a:endParaRPr lang="en-US"/>
+        </a:p>
+      </dgm:t>
     </dgm:pt>
     <dgm:pt modelId="{F2308377-4150-4AA4-8B3A-3D0F0BEC6663}" type="pres">
       <dgm:prSet presAssocID="{27058554-672F-46CC-93A4-ED8BDA3A52BC}" presName="root2" presStyleCnt="0"/>
@@ -1845,6 +1907,13 @@
         </dgm:presLayoutVars>
       </dgm:prSet>
       <dgm:spPr/>
+      <dgm:t>
+        <a:bodyPr/>
+        <a:lstStyle/>
+        <a:p>
+          <a:endParaRPr lang="en-US"/>
+        </a:p>
+      </dgm:t>
     </dgm:pt>
     <dgm:pt modelId="{4ED14F5D-F65B-4D0E-805F-E6E2DF5E061B}" type="pres">
       <dgm:prSet presAssocID="{27058554-672F-46CC-93A4-ED8BDA3A52BC}" presName="level3hierChild" presStyleCnt="0"/>
@@ -1853,10 +1922,24 @@
     <dgm:pt modelId="{5FAEF8EE-36BC-485D-A144-5CE66503658D}" type="pres">
       <dgm:prSet presAssocID="{7D0283B8-054F-49D0-8512-40B8CA93CAC4}" presName="conn2-1" presStyleLbl="parChTrans1D2" presStyleIdx="2" presStyleCnt="3"/>
       <dgm:spPr/>
+      <dgm:t>
+        <a:bodyPr/>
+        <a:lstStyle/>
+        <a:p>
+          <a:endParaRPr lang="en-US"/>
+        </a:p>
+      </dgm:t>
     </dgm:pt>
     <dgm:pt modelId="{F9A177CE-0605-43FA-A683-1EA226548E22}" type="pres">
       <dgm:prSet presAssocID="{7D0283B8-054F-49D0-8512-40B8CA93CAC4}" presName="connTx" presStyleLbl="parChTrans1D2" presStyleIdx="2" presStyleCnt="3"/>
       <dgm:spPr/>
+      <dgm:t>
+        <a:bodyPr/>
+        <a:lstStyle/>
+        <a:p>
+          <a:endParaRPr lang="en-US"/>
+        </a:p>
+      </dgm:t>
     </dgm:pt>
     <dgm:pt modelId="{8CF06DB9-E6AC-4A82-B85C-81C997C25E23}" type="pres">
       <dgm:prSet presAssocID="{421012F3-961B-4EBE-9570-A2FE75F20BBC}" presName="root2" presStyleCnt="0"/>
@@ -1869,6 +1952,13 @@
         </dgm:presLayoutVars>
       </dgm:prSet>
       <dgm:spPr/>
+      <dgm:t>
+        <a:bodyPr/>
+        <a:lstStyle/>
+        <a:p>
+          <a:endParaRPr lang="en-US"/>
+        </a:p>
+      </dgm:t>
     </dgm:pt>
     <dgm:pt modelId="{CE94661C-6ED9-40C9-97DF-873C6349160C}" type="pres">
       <dgm:prSet presAssocID="{421012F3-961B-4EBE-9570-A2FE75F20BBC}" presName="level3hierChild" presStyleCnt="0"/>
@@ -2233,6 +2323,13 @@
         </dgm:presLayoutVars>
       </dgm:prSet>
       <dgm:spPr/>
+      <dgm:t>
+        <a:bodyPr/>
+        <a:lstStyle/>
+        <a:p>
+          <a:endParaRPr lang="en-US"/>
+        </a:p>
+      </dgm:t>
     </dgm:pt>
     <dgm:pt modelId="{313CE6EB-0E80-47FD-BBAE-76764FE0EEA6}" type="pres">
       <dgm:prSet presAssocID="{136305A5-BB2B-4A9D-9234-9001ECD52976}" presName="root1" presStyleCnt="0"/>
@@ -2245,6 +2342,13 @@
         </dgm:presLayoutVars>
       </dgm:prSet>
       <dgm:spPr/>
+      <dgm:t>
+        <a:bodyPr/>
+        <a:lstStyle/>
+        <a:p>
+          <a:endParaRPr lang="en-US"/>
+        </a:p>
+      </dgm:t>
     </dgm:pt>
     <dgm:pt modelId="{48B868DA-C564-4FC1-B223-DC671DFF1C8C}" type="pres">
       <dgm:prSet presAssocID="{136305A5-BB2B-4A9D-9234-9001ECD52976}" presName="level2hierChild" presStyleCnt="0"/>
@@ -2253,10 +2357,24 @@
     <dgm:pt modelId="{EE1FC525-BC0F-4D95-8202-FDA2800D863A}" type="pres">
       <dgm:prSet presAssocID="{FC2601F6-D611-4F13-BEDF-4FEF41AE5468}" presName="conn2-1" presStyleLbl="parChTrans1D2" presStyleIdx="0" presStyleCnt="7"/>
       <dgm:spPr/>
+      <dgm:t>
+        <a:bodyPr/>
+        <a:lstStyle/>
+        <a:p>
+          <a:endParaRPr lang="en-US"/>
+        </a:p>
+      </dgm:t>
     </dgm:pt>
     <dgm:pt modelId="{7217E31E-08F7-45F8-BAA2-1AF52E4387F5}" type="pres">
       <dgm:prSet presAssocID="{FC2601F6-D611-4F13-BEDF-4FEF41AE5468}" presName="connTx" presStyleLbl="parChTrans1D2" presStyleIdx="0" presStyleCnt="7"/>
       <dgm:spPr/>
+      <dgm:t>
+        <a:bodyPr/>
+        <a:lstStyle/>
+        <a:p>
+          <a:endParaRPr lang="en-US"/>
+        </a:p>
+      </dgm:t>
     </dgm:pt>
     <dgm:pt modelId="{85E61018-0CE1-4281-A73D-76444B395B1E}" type="pres">
       <dgm:prSet presAssocID="{EC266908-FF05-4C9E-83A5-16DAADD1E243}" presName="root2" presStyleCnt="0"/>
@@ -2269,6 +2387,13 @@
         </dgm:presLayoutVars>
       </dgm:prSet>
       <dgm:spPr/>
+      <dgm:t>
+        <a:bodyPr/>
+        <a:lstStyle/>
+        <a:p>
+          <a:endParaRPr lang="en-US"/>
+        </a:p>
+      </dgm:t>
     </dgm:pt>
     <dgm:pt modelId="{E080C0A9-E240-4DC1-9A74-1517D72FA572}" type="pres">
       <dgm:prSet presAssocID="{EC266908-FF05-4C9E-83A5-16DAADD1E243}" presName="level3hierChild" presStyleCnt="0"/>
@@ -2277,10 +2402,24 @@
     <dgm:pt modelId="{B7298179-20F6-4B7D-A762-B674ADBD9037}" type="pres">
       <dgm:prSet presAssocID="{F6FE9FC1-97E6-4CEA-A4D6-B5D8087D377C}" presName="conn2-1" presStyleLbl="parChTrans1D2" presStyleIdx="1" presStyleCnt="7"/>
       <dgm:spPr/>
+      <dgm:t>
+        <a:bodyPr/>
+        <a:lstStyle/>
+        <a:p>
+          <a:endParaRPr lang="en-US"/>
+        </a:p>
+      </dgm:t>
     </dgm:pt>
     <dgm:pt modelId="{A3D312CA-FD80-4A1C-B2C4-76024F224091}" type="pres">
       <dgm:prSet presAssocID="{F6FE9FC1-97E6-4CEA-A4D6-B5D8087D377C}" presName="connTx" presStyleLbl="parChTrans1D2" presStyleIdx="1" presStyleCnt="7"/>
       <dgm:spPr/>
+      <dgm:t>
+        <a:bodyPr/>
+        <a:lstStyle/>
+        <a:p>
+          <a:endParaRPr lang="en-US"/>
+        </a:p>
+      </dgm:t>
     </dgm:pt>
     <dgm:pt modelId="{A6E55060-C5AD-41CC-A834-49AA853ED559}" type="pres">
       <dgm:prSet presAssocID="{2CFF7402-5522-487D-B2B7-45246EA5FB6A}" presName="root2" presStyleCnt="0"/>
@@ -2293,6 +2432,13 @@
         </dgm:presLayoutVars>
       </dgm:prSet>
       <dgm:spPr/>
+      <dgm:t>
+        <a:bodyPr/>
+        <a:lstStyle/>
+        <a:p>
+          <a:endParaRPr lang="en-US"/>
+        </a:p>
+      </dgm:t>
     </dgm:pt>
     <dgm:pt modelId="{C8AE15FF-E1E8-4115-A290-A97803B583F9}" type="pres">
       <dgm:prSet presAssocID="{2CFF7402-5522-487D-B2B7-45246EA5FB6A}" presName="level3hierChild" presStyleCnt="0"/>
@@ -2301,10 +2447,24 @@
     <dgm:pt modelId="{6E6F2605-47BF-4FCC-ACAD-E2636BE32143}" type="pres">
       <dgm:prSet presAssocID="{3E4F124F-36A5-4C07-B3FA-82F83474A6E9}" presName="conn2-1" presStyleLbl="parChTrans1D2" presStyleIdx="2" presStyleCnt="7"/>
       <dgm:spPr/>
+      <dgm:t>
+        <a:bodyPr/>
+        <a:lstStyle/>
+        <a:p>
+          <a:endParaRPr lang="en-US"/>
+        </a:p>
+      </dgm:t>
     </dgm:pt>
     <dgm:pt modelId="{0EF515CA-7D83-4C12-890F-53953689956D}" type="pres">
       <dgm:prSet presAssocID="{3E4F124F-36A5-4C07-B3FA-82F83474A6E9}" presName="connTx" presStyleLbl="parChTrans1D2" presStyleIdx="2" presStyleCnt="7"/>
       <dgm:spPr/>
+      <dgm:t>
+        <a:bodyPr/>
+        <a:lstStyle/>
+        <a:p>
+          <a:endParaRPr lang="en-US"/>
+        </a:p>
+      </dgm:t>
     </dgm:pt>
     <dgm:pt modelId="{67C56CEF-0338-4120-9EA1-BE1028F2CFBC}" type="pres">
       <dgm:prSet presAssocID="{233D1B26-2595-4AF0-97A7-2DDDFA83C48A}" presName="root2" presStyleCnt="0"/>
@@ -2317,6 +2477,13 @@
         </dgm:presLayoutVars>
       </dgm:prSet>
       <dgm:spPr/>
+      <dgm:t>
+        <a:bodyPr/>
+        <a:lstStyle/>
+        <a:p>
+          <a:endParaRPr lang="en-US"/>
+        </a:p>
+      </dgm:t>
     </dgm:pt>
     <dgm:pt modelId="{1A0C3C72-6D28-45E7-A713-CF42AE9B8FDC}" type="pres">
       <dgm:prSet presAssocID="{233D1B26-2595-4AF0-97A7-2DDDFA83C48A}" presName="level3hierChild" presStyleCnt="0"/>
@@ -2325,10 +2492,24 @@
     <dgm:pt modelId="{285FD776-084F-40F4-BC1D-E952B4B0420A}" type="pres">
       <dgm:prSet presAssocID="{F6780BA7-79FF-42A2-B338-A73D9E0AEB11}" presName="conn2-1" presStyleLbl="parChTrans1D2" presStyleIdx="3" presStyleCnt="7"/>
       <dgm:spPr/>
+      <dgm:t>
+        <a:bodyPr/>
+        <a:lstStyle/>
+        <a:p>
+          <a:endParaRPr lang="en-US"/>
+        </a:p>
+      </dgm:t>
     </dgm:pt>
     <dgm:pt modelId="{59730C7F-37CA-43B6-A052-4176BE8A2902}" type="pres">
       <dgm:prSet presAssocID="{F6780BA7-79FF-42A2-B338-A73D9E0AEB11}" presName="connTx" presStyleLbl="parChTrans1D2" presStyleIdx="3" presStyleCnt="7"/>
       <dgm:spPr/>
+      <dgm:t>
+        <a:bodyPr/>
+        <a:lstStyle/>
+        <a:p>
+          <a:endParaRPr lang="en-US"/>
+        </a:p>
+      </dgm:t>
     </dgm:pt>
     <dgm:pt modelId="{D296DF0A-D227-4822-AE5B-AA669307B370}" type="pres">
       <dgm:prSet presAssocID="{193283BC-6FE2-4937-89C2-547F9B8367AE}" presName="root2" presStyleCnt="0"/>
@@ -2341,6 +2522,13 @@
         </dgm:presLayoutVars>
       </dgm:prSet>
       <dgm:spPr/>
+      <dgm:t>
+        <a:bodyPr/>
+        <a:lstStyle/>
+        <a:p>
+          <a:endParaRPr lang="en-US"/>
+        </a:p>
+      </dgm:t>
     </dgm:pt>
     <dgm:pt modelId="{A804B1D9-9CC3-40A6-B7B3-B5E7E38B1169}" type="pres">
       <dgm:prSet presAssocID="{193283BC-6FE2-4937-89C2-547F9B8367AE}" presName="level3hierChild" presStyleCnt="0"/>
@@ -2349,10 +2537,24 @@
     <dgm:pt modelId="{07A7E966-539B-4317-8B99-54D8E518BBB2}" type="pres">
       <dgm:prSet presAssocID="{53FFDE34-10A9-43ED-8198-78BC42E84E4D}" presName="conn2-1" presStyleLbl="parChTrans1D2" presStyleIdx="4" presStyleCnt="7"/>
       <dgm:spPr/>
+      <dgm:t>
+        <a:bodyPr/>
+        <a:lstStyle/>
+        <a:p>
+          <a:endParaRPr lang="en-US"/>
+        </a:p>
+      </dgm:t>
     </dgm:pt>
     <dgm:pt modelId="{C4416D92-A461-45F2-B4EB-4F3E9C3543F0}" type="pres">
       <dgm:prSet presAssocID="{53FFDE34-10A9-43ED-8198-78BC42E84E4D}" presName="connTx" presStyleLbl="parChTrans1D2" presStyleIdx="4" presStyleCnt="7"/>
       <dgm:spPr/>
+      <dgm:t>
+        <a:bodyPr/>
+        <a:lstStyle/>
+        <a:p>
+          <a:endParaRPr lang="en-US"/>
+        </a:p>
+      </dgm:t>
     </dgm:pt>
     <dgm:pt modelId="{2403463C-6D02-4629-AB0B-D42CF15D083A}" type="pres">
       <dgm:prSet presAssocID="{EC9E48CA-F71F-46EF-AA62-66DC86E8E08D}" presName="root2" presStyleCnt="0"/>
@@ -2365,6 +2567,13 @@
         </dgm:presLayoutVars>
       </dgm:prSet>
       <dgm:spPr/>
+      <dgm:t>
+        <a:bodyPr/>
+        <a:lstStyle/>
+        <a:p>
+          <a:endParaRPr lang="en-US"/>
+        </a:p>
+      </dgm:t>
     </dgm:pt>
     <dgm:pt modelId="{485D12BD-B88A-4EB8-A945-82B3741FB96C}" type="pres">
       <dgm:prSet presAssocID="{EC9E48CA-F71F-46EF-AA62-66DC86E8E08D}" presName="level3hierChild" presStyleCnt="0"/>
@@ -2373,10 +2582,24 @@
     <dgm:pt modelId="{74FE30D8-9D02-4F2E-9711-61050195BF6E}" type="pres">
       <dgm:prSet presAssocID="{479F6A46-5B73-4753-A8B6-71E302832762}" presName="conn2-1" presStyleLbl="parChTrans1D2" presStyleIdx="5" presStyleCnt="7"/>
       <dgm:spPr/>
+      <dgm:t>
+        <a:bodyPr/>
+        <a:lstStyle/>
+        <a:p>
+          <a:endParaRPr lang="en-US"/>
+        </a:p>
+      </dgm:t>
     </dgm:pt>
     <dgm:pt modelId="{BCD90707-49F9-403E-8D85-584758680460}" type="pres">
       <dgm:prSet presAssocID="{479F6A46-5B73-4753-A8B6-71E302832762}" presName="connTx" presStyleLbl="parChTrans1D2" presStyleIdx="5" presStyleCnt="7"/>
       <dgm:spPr/>
+      <dgm:t>
+        <a:bodyPr/>
+        <a:lstStyle/>
+        <a:p>
+          <a:endParaRPr lang="en-US"/>
+        </a:p>
+      </dgm:t>
     </dgm:pt>
     <dgm:pt modelId="{DBE5751A-14D0-4401-B701-760966A690CB}" type="pres">
       <dgm:prSet presAssocID="{9BB9D16D-BFBD-4E00-811F-7D81CB40E769}" presName="root2" presStyleCnt="0"/>
@@ -2389,6 +2612,13 @@
         </dgm:presLayoutVars>
       </dgm:prSet>
       <dgm:spPr/>
+      <dgm:t>
+        <a:bodyPr/>
+        <a:lstStyle/>
+        <a:p>
+          <a:endParaRPr lang="en-US"/>
+        </a:p>
+      </dgm:t>
     </dgm:pt>
     <dgm:pt modelId="{49DB00FD-BE5F-4C9E-9663-12E680942364}" type="pres">
       <dgm:prSet presAssocID="{9BB9D16D-BFBD-4E00-811F-7D81CB40E769}" presName="level3hierChild" presStyleCnt="0"/>
@@ -2397,10 +2627,24 @@
     <dgm:pt modelId="{F5F282BD-F21A-45D6-BEE8-D5718D75E4D7}" type="pres">
       <dgm:prSet presAssocID="{1E150514-5681-437E-98C2-1E63273F95DD}" presName="conn2-1" presStyleLbl="parChTrans1D2" presStyleIdx="6" presStyleCnt="7"/>
       <dgm:spPr/>
+      <dgm:t>
+        <a:bodyPr/>
+        <a:lstStyle/>
+        <a:p>
+          <a:endParaRPr lang="en-US"/>
+        </a:p>
+      </dgm:t>
     </dgm:pt>
     <dgm:pt modelId="{A165DD72-2041-4B38-9D7D-7FED38A12F7C}" type="pres">
       <dgm:prSet presAssocID="{1E150514-5681-437E-98C2-1E63273F95DD}" presName="connTx" presStyleLbl="parChTrans1D2" presStyleIdx="6" presStyleCnt="7"/>
       <dgm:spPr/>
+      <dgm:t>
+        <a:bodyPr/>
+        <a:lstStyle/>
+        <a:p>
+          <a:endParaRPr lang="en-US"/>
+        </a:p>
+      </dgm:t>
     </dgm:pt>
     <dgm:pt modelId="{3B7323BB-F957-4730-9B0C-5DED5DECB29B}" type="pres">
       <dgm:prSet presAssocID="{73F2DD5F-739C-4C65-A4D9-935B17BF4511}" presName="root2" presStyleCnt="0"/>
@@ -2413,6 +2657,13 @@
         </dgm:presLayoutVars>
       </dgm:prSet>
       <dgm:spPr/>
+      <dgm:t>
+        <a:bodyPr/>
+        <a:lstStyle/>
+        <a:p>
+          <a:endParaRPr lang="en-US"/>
+        </a:p>
+      </dgm:t>
     </dgm:pt>
     <dgm:pt modelId="{8472BA67-5476-46F5-92F5-EA2EEF1E8258}" type="pres">
       <dgm:prSet presAssocID="{73F2DD5F-739C-4C65-A4D9-935B17BF4511}" presName="level3hierChild" presStyleCnt="0"/>
@@ -2420,37 +2671,37 @@
     </dgm:pt>
   </dgm:ptLst>
   <dgm:cxnLst>
+    <dgm:cxn modelId="{8ECF6C46-9EC4-47C0-9504-DFE2429C1B4C}" type="presOf" srcId="{1E150514-5681-437E-98C2-1E63273F95DD}" destId="{F5F282BD-F21A-45D6-BEE8-D5718D75E4D7}" srcOrd="0" destOrd="0" presId="urn:microsoft.com/office/officeart/2008/layout/HorizontalMultiLevelHierarchy"/>
+    <dgm:cxn modelId="{69756D89-4F3A-4B93-B114-31E60DC81D14}" type="presOf" srcId="{EC9E48CA-F71F-46EF-AA62-66DC86E8E08D}" destId="{5CFDBF41-FCED-4C2C-BA0E-14752DC33CF2}" srcOrd="0" destOrd="0" presId="urn:microsoft.com/office/officeart/2008/layout/HorizontalMultiLevelHierarchy"/>
+    <dgm:cxn modelId="{4973CACC-3B43-445D-8AE5-0C8AABF9382A}" type="presOf" srcId="{73F2DD5F-739C-4C65-A4D9-935B17BF4511}" destId="{EB1D4CF5-BE15-480B-86EA-E212B8415225}" srcOrd="0" destOrd="0" presId="urn:microsoft.com/office/officeart/2008/layout/HorizontalMultiLevelHierarchy"/>
+    <dgm:cxn modelId="{BBD4CA62-F884-4A42-B314-C7C28B5FB556}" srcId="{136305A5-BB2B-4A9D-9234-9001ECD52976}" destId="{9BB9D16D-BFBD-4E00-811F-7D81CB40E769}" srcOrd="5" destOrd="0" parTransId="{479F6A46-5B73-4753-A8B6-71E302832762}" sibTransId="{829038CF-6FC4-4B44-A16E-595398FC224B}"/>
+    <dgm:cxn modelId="{76626A2A-45BD-400C-84E3-9C23BCD76574}" srcId="{136305A5-BB2B-4A9D-9234-9001ECD52976}" destId="{193283BC-6FE2-4937-89C2-547F9B8367AE}" srcOrd="3" destOrd="0" parTransId="{F6780BA7-79FF-42A2-B338-A73D9E0AEB11}" sibTransId="{3B717AEC-B0F1-4F16-90BC-52FB75032B9D}"/>
+    <dgm:cxn modelId="{B4C308F8-39CB-418C-B255-FAFD3A813AC8}" type="presOf" srcId="{1E150514-5681-437E-98C2-1E63273F95DD}" destId="{A165DD72-2041-4B38-9D7D-7FED38A12F7C}" srcOrd="1" destOrd="0" presId="urn:microsoft.com/office/officeart/2008/layout/HorizontalMultiLevelHierarchy"/>
+    <dgm:cxn modelId="{EEC134EA-7C8E-4EE7-B54B-DA21A1957526}" type="presOf" srcId="{F6FE9FC1-97E6-4CEA-A4D6-B5D8087D377C}" destId="{B7298179-20F6-4B7D-A762-B674ADBD9037}" srcOrd="0" destOrd="0" presId="urn:microsoft.com/office/officeart/2008/layout/HorizontalMultiLevelHierarchy"/>
+    <dgm:cxn modelId="{3F4D70DC-2509-4FFA-8D21-4E4ED82DBC3F}" type="presOf" srcId="{F6FE9FC1-97E6-4CEA-A4D6-B5D8087D377C}" destId="{A3D312CA-FD80-4A1C-B2C4-76024F224091}" srcOrd="1" destOrd="0" presId="urn:microsoft.com/office/officeart/2008/layout/HorizontalMultiLevelHierarchy"/>
+    <dgm:cxn modelId="{1CB93A13-259D-486A-9A4C-3D5E6153CB27}" type="presOf" srcId="{EC266908-FF05-4C9E-83A5-16DAADD1E243}" destId="{DD55B2CC-872C-4B62-8F57-04EE6D762B90}" srcOrd="0" destOrd="0" presId="urn:microsoft.com/office/officeart/2008/layout/HorizontalMultiLevelHierarchy"/>
+    <dgm:cxn modelId="{3322A50B-B4E3-4F34-81C9-5340D34A0A2E}" srcId="{136305A5-BB2B-4A9D-9234-9001ECD52976}" destId="{233D1B26-2595-4AF0-97A7-2DDDFA83C48A}" srcOrd="2" destOrd="0" parTransId="{3E4F124F-36A5-4C07-B3FA-82F83474A6E9}" sibTransId="{49EF3471-E733-4DB9-9AAC-738CBB07E70F}"/>
+    <dgm:cxn modelId="{19E35F35-076D-4C4C-A3F5-E4BD3FEAA2FE}" type="presOf" srcId="{193283BC-6FE2-4937-89C2-547F9B8367AE}" destId="{66C9145C-710C-4C0C-9C36-7178356B5BD6}" srcOrd="0" destOrd="0" presId="urn:microsoft.com/office/officeart/2008/layout/HorizontalMultiLevelHierarchy"/>
+    <dgm:cxn modelId="{BDC55D30-76EE-4514-A460-7BBE27C9E66F}" type="presOf" srcId="{FC2601F6-D611-4F13-BEDF-4FEF41AE5468}" destId="{EE1FC525-BC0F-4D95-8202-FDA2800D863A}" srcOrd="0" destOrd="0" presId="urn:microsoft.com/office/officeart/2008/layout/HorizontalMultiLevelHierarchy"/>
     <dgm:cxn modelId="{69979312-2536-4CC5-9993-7D5B007B6C69}" type="presOf" srcId="{53FFDE34-10A9-43ED-8198-78BC42E84E4D}" destId="{C4416D92-A461-45F2-B4EB-4F3E9C3543F0}" srcOrd="1" destOrd="0" presId="urn:microsoft.com/office/officeart/2008/layout/HorizontalMultiLevelHierarchy"/>
-    <dgm:cxn modelId="{9554A64E-6806-4CCF-B115-DD081AFE5911}" srcId="{136305A5-BB2B-4A9D-9234-9001ECD52976}" destId="{EC9E48CA-F71F-46EF-AA62-66DC86E8E08D}" srcOrd="4" destOrd="0" parTransId="{53FFDE34-10A9-43ED-8198-78BC42E84E4D}" sibTransId="{F2F2C829-1E96-4D1B-862A-33069CC051A1}"/>
+    <dgm:cxn modelId="{E00EF4BD-D8D7-4549-BB64-730F5B169DAB}" srcId="{136305A5-BB2B-4A9D-9234-9001ECD52976}" destId="{73F2DD5F-739C-4C65-A4D9-935B17BF4511}" srcOrd="6" destOrd="0" parTransId="{1E150514-5681-437E-98C2-1E63273F95DD}" sibTransId="{71287601-519A-4F89-8DD5-BDF4108C6806}"/>
+    <dgm:cxn modelId="{06BADE31-69B8-4381-AD37-1AE2E0F0B401}" type="presOf" srcId="{53FFDE34-10A9-43ED-8198-78BC42E84E4D}" destId="{07A7E966-539B-4317-8B99-54D8E518BBB2}" srcOrd="0" destOrd="0" presId="urn:microsoft.com/office/officeart/2008/layout/HorizontalMultiLevelHierarchy"/>
+    <dgm:cxn modelId="{8E138183-4C2E-49FE-8E90-7B852EFF3C12}" type="presOf" srcId="{F6780BA7-79FF-42A2-B338-A73D9E0AEB11}" destId="{59730C7F-37CA-43B6-A052-4176BE8A2902}" srcOrd="1" destOrd="0" presId="urn:microsoft.com/office/officeart/2008/layout/HorizontalMultiLevelHierarchy"/>
     <dgm:cxn modelId="{102F2FB1-8196-4E08-A2B3-9DC2D1477BB9}" type="presOf" srcId="{F6780BA7-79FF-42A2-B338-A73D9E0AEB11}" destId="{285FD776-084F-40F4-BC1D-E952B4B0420A}" srcOrd="0" destOrd="0" presId="urn:microsoft.com/office/officeart/2008/layout/HorizontalMultiLevelHierarchy"/>
     <dgm:cxn modelId="{55A49E62-D1D9-4586-BE92-1920B74F7304}" type="presOf" srcId="{3E4F124F-36A5-4C07-B3FA-82F83474A6E9}" destId="{0EF515CA-7D83-4C12-890F-53953689956D}" srcOrd="1" destOrd="0" presId="urn:microsoft.com/office/officeart/2008/layout/HorizontalMultiLevelHierarchy"/>
-    <dgm:cxn modelId="{8E138183-4C2E-49FE-8E90-7B852EFF3C12}" type="presOf" srcId="{F6780BA7-79FF-42A2-B338-A73D9E0AEB11}" destId="{59730C7F-37CA-43B6-A052-4176BE8A2902}" srcOrd="1" destOrd="0" presId="urn:microsoft.com/office/officeart/2008/layout/HorizontalMultiLevelHierarchy"/>
-    <dgm:cxn modelId="{06BADE31-69B8-4381-AD37-1AE2E0F0B401}" type="presOf" srcId="{53FFDE34-10A9-43ED-8198-78BC42E84E4D}" destId="{07A7E966-539B-4317-8B99-54D8E518BBB2}" srcOrd="0" destOrd="0" presId="urn:microsoft.com/office/officeart/2008/layout/HorizontalMultiLevelHierarchy"/>
-    <dgm:cxn modelId="{1CB93A13-259D-486A-9A4C-3D5E6153CB27}" type="presOf" srcId="{EC266908-FF05-4C9E-83A5-16DAADD1E243}" destId="{DD55B2CC-872C-4B62-8F57-04EE6D762B90}" srcOrd="0" destOrd="0" presId="urn:microsoft.com/office/officeart/2008/layout/HorizontalMultiLevelHierarchy"/>
     <dgm:cxn modelId="{39FDACB5-0ABA-49D3-9B8D-1D41047391A9}" srcId="{0CE4902E-AEA3-4663-8E50-ED16691AA7C3}" destId="{136305A5-BB2B-4A9D-9234-9001ECD52976}" srcOrd="0" destOrd="0" parTransId="{0D5167D5-FD35-4B5B-888D-FD7067B0C2D9}" sibTransId="{36DB36A5-67C5-4736-A703-493933F644F7}"/>
+    <dgm:cxn modelId="{25652202-AC52-4B37-AA0A-A5C043BFDF98}" type="presOf" srcId="{2CFF7402-5522-487D-B2B7-45246EA5FB6A}" destId="{979FBBDA-44C5-4F34-AF21-B510A698D321}" srcOrd="0" destOrd="0" presId="urn:microsoft.com/office/officeart/2008/layout/HorizontalMultiLevelHierarchy"/>
+    <dgm:cxn modelId="{BBAEFADE-B3A8-4515-A316-578BB92F6272}" type="presOf" srcId="{0CE4902E-AEA3-4663-8E50-ED16691AA7C3}" destId="{E1394F1F-77D3-4EB2-85D8-38DA710C7FE4}" srcOrd="0" destOrd="0" presId="urn:microsoft.com/office/officeart/2008/layout/HorizontalMultiLevelHierarchy"/>
+    <dgm:cxn modelId="{83A17117-1782-4823-851E-8ECE04AB755F}" type="presOf" srcId="{479F6A46-5B73-4753-A8B6-71E302832762}" destId="{BCD90707-49F9-403E-8D85-584758680460}" srcOrd="1" destOrd="0" presId="urn:microsoft.com/office/officeart/2008/layout/HorizontalMultiLevelHierarchy"/>
+    <dgm:cxn modelId="{4C76F05E-DA05-4B74-B06F-6F69EE42D9FC}" type="presOf" srcId="{479F6A46-5B73-4753-A8B6-71E302832762}" destId="{74FE30D8-9D02-4F2E-9711-61050195BF6E}" srcOrd="0" destOrd="0" presId="urn:microsoft.com/office/officeart/2008/layout/HorizontalMultiLevelHierarchy"/>
+    <dgm:cxn modelId="{E97C0DA2-6AF8-4F0A-94FB-2ABC483F6BA1}" type="presOf" srcId="{3E4F124F-36A5-4C07-B3FA-82F83474A6E9}" destId="{6E6F2605-47BF-4FCC-ACAD-E2636BE32143}" srcOrd="0" destOrd="0" presId="urn:microsoft.com/office/officeart/2008/layout/HorizontalMultiLevelHierarchy"/>
     <dgm:cxn modelId="{B6791C75-9871-41B9-B766-9DBD5711A182}" srcId="{136305A5-BB2B-4A9D-9234-9001ECD52976}" destId="{2CFF7402-5522-487D-B2B7-45246EA5FB6A}" srcOrd="1" destOrd="0" parTransId="{F6FE9FC1-97E6-4CEA-A4D6-B5D8087D377C}" sibTransId="{0BAC54A0-E35B-490B-8A40-F70A9E74EE15}"/>
+    <dgm:cxn modelId="{45912CBA-6A63-4A0D-ADE8-C6C1780418AF}" type="presOf" srcId="{136305A5-BB2B-4A9D-9234-9001ECD52976}" destId="{BC55A964-21AC-41A9-B459-589605241027}" srcOrd="0" destOrd="0" presId="urn:microsoft.com/office/officeart/2008/layout/HorizontalMultiLevelHierarchy"/>
+    <dgm:cxn modelId="{ABB1DFDA-C50E-4B95-8089-BF2C8AAD4388}" type="presOf" srcId="{9BB9D16D-BFBD-4E00-811F-7D81CB40E769}" destId="{E0D55938-7B7C-4932-8DE9-3524D895AED8}" srcOrd="0" destOrd="0" presId="urn:microsoft.com/office/officeart/2008/layout/HorizontalMultiLevelHierarchy"/>
     <dgm:cxn modelId="{B107083E-3404-4876-8427-0CE7072F25F9}" type="presOf" srcId="{FC2601F6-D611-4F13-BEDF-4FEF41AE5468}" destId="{7217E31E-08F7-45F8-BAA2-1AF52E4387F5}" srcOrd="1" destOrd="0" presId="urn:microsoft.com/office/officeart/2008/layout/HorizontalMultiLevelHierarchy"/>
-    <dgm:cxn modelId="{ABB1DFDA-C50E-4B95-8089-BF2C8AAD4388}" type="presOf" srcId="{9BB9D16D-BFBD-4E00-811F-7D81CB40E769}" destId="{E0D55938-7B7C-4932-8DE9-3524D895AED8}" srcOrd="0" destOrd="0" presId="urn:microsoft.com/office/officeart/2008/layout/HorizontalMultiLevelHierarchy"/>
-    <dgm:cxn modelId="{83A17117-1782-4823-851E-8ECE04AB755F}" type="presOf" srcId="{479F6A46-5B73-4753-A8B6-71E302832762}" destId="{BCD90707-49F9-403E-8D85-584758680460}" srcOrd="1" destOrd="0" presId="urn:microsoft.com/office/officeart/2008/layout/HorizontalMultiLevelHierarchy"/>
-    <dgm:cxn modelId="{E00EF4BD-D8D7-4549-BB64-730F5B169DAB}" srcId="{136305A5-BB2B-4A9D-9234-9001ECD52976}" destId="{73F2DD5F-739C-4C65-A4D9-935B17BF4511}" srcOrd="6" destOrd="0" parTransId="{1E150514-5681-437E-98C2-1E63273F95DD}" sibTransId="{71287601-519A-4F89-8DD5-BDF4108C6806}"/>
+    <dgm:cxn modelId="{BCA592E5-FE50-4E85-B161-1490993452EE}" type="presOf" srcId="{233D1B26-2595-4AF0-97A7-2DDDFA83C48A}" destId="{9B6AD863-7420-40C6-8748-5F843439AE17}" srcOrd="0" destOrd="0" presId="urn:microsoft.com/office/officeart/2008/layout/HorizontalMultiLevelHierarchy"/>
     <dgm:cxn modelId="{2DD414AB-4C4A-4507-AF78-86DFC840859C}" srcId="{136305A5-BB2B-4A9D-9234-9001ECD52976}" destId="{EC266908-FF05-4C9E-83A5-16DAADD1E243}" srcOrd="0" destOrd="0" parTransId="{FC2601F6-D611-4F13-BEDF-4FEF41AE5468}" sibTransId="{B7BC0467-4988-460D-A20A-1D448CBFF12D}"/>
-    <dgm:cxn modelId="{3322A50B-B4E3-4F34-81C9-5340D34A0A2E}" srcId="{136305A5-BB2B-4A9D-9234-9001ECD52976}" destId="{233D1B26-2595-4AF0-97A7-2DDDFA83C48A}" srcOrd="2" destOrd="0" parTransId="{3E4F124F-36A5-4C07-B3FA-82F83474A6E9}" sibTransId="{49EF3471-E733-4DB9-9AAC-738CBB07E70F}"/>
-    <dgm:cxn modelId="{B4C308F8-39CB-418C-B255-FAFD3A813AC8}" type="presOf" srcId="{1E150514-5681-437E-98C2-1E63273F95DD}" destId="{A165DD72-2041-4B38-9D7D-7FED38A12F7C}" srcOrd="1" destOrd="0" presId="urn:microsoft.com/office/officeart/2008/layout/HorizontalMultiLevelHierarchy"/>
-    <dgm:cxn modelId="{8ECF6C46-9EC4-47C0-9504-DFE2429C1B4C}" type="presOf" srcId="{1E150514-5681-437E-98C2-1E63273F95DD}" destId="{F5F282BD-F21A-45D6-BEE8-D5718D75E4D7}" srcOrd="0" destOrd="0" presId="urn:microsoft.com/office/officeart/2008/layout/HorizontalMultiLevelHierarchy"/>
-    <dgm:cxn modelId="{BCA592E5-FE50-4E85-B161-1490993452EE}" type="presOf" srcId="{233D1B26-2595-4AF0-97A7-2DDDFA83C48A}" destId="{9B6AD863-7420-40C6-8748-5F843439AE17}" srcOrd="0" destOrd="0" presId="urn:microsoft.com/office/officeart/2008/layout/HorizontalMultiLevelHierarchy"/>
-    <dgm:cxn modelId="{BBD4CA62-F884-4A42-B314-C7C28B5FB556}" srcId="{136305A5-BB2B-4A9D-9234-9001ECD52976}" destId="{9BB9D16D-BFBD-4E00-811F-7D81CB40E769}" srcOrd="5" destOrd="0" parTransId="{479F6A46-5B73-4753-A8B6-71E302832762}" sibTransId="{829038CF-6FC4-4B44-A16E-595398FC224B}"/>
-    <dgm:cxn modelId="{45912CBA-6A63-4A0D-ADE8-C6C1780418AF}" type="presOf" srcId="{136305A5-BB2B-4A9D-9234-9001ECD52976}" destId="{BC55A964-21AC-41A9-B459-589605241027}" srcOrd="0" destOrd="0" presId="urn:microsoft.com/office/officeart/2008/layout/HorizontalMultiLevelHierarchy"/>
-    <dgm:cxn modelId="{E97C0DA2-6AF8-4F0A-94FB-2ABC483F6BA1}" type="presOf" srcId="{3E4F124F-36A5-4C07-B3FA-82F83474A6E9}" destId="{6E6F2605-47BF-4FCC-ACAD-E2636BE32143}" srcOrd="0" destOrd="0" presId="urn:microsoft.com/office/officeart/2008/layout/HorizontalMultiLevelHierarchy"/>
-    <dgm:cxn modelId="{EEC134EA-7C8E-4EE7-B54B-DA21A1957526}" type="presOf" srcId="{F6FE9FC1-97E6-4CEA-A4D6-B5D8087D377C}" destId="{B7298179-20F6-4B7D-A762-B674ADBD9037}" srcOrd="0" destOrd="0" presId="urn:microsoft.com/office/officeart/2008/layout/HorizontalMultiLevelHierarchy"/>
-    <dgm:cxn modelId="{69756D89-4F3A-4B93-B114-31E60DC81D14}" type="presOf" srcId="{EC9E48CA-F71F-46EF-AA62-66DC86E8E08D}" destId="{5CFDBF41-FCED-4C2C-BA0E-14752DC33CF2}" srcOrd="0" destOrd="0" presId="urn:microsoft.com/office/officeart/2008/layout/HorizontalMultiLevelHierarchy"/>
-    <dgm:cxn modelId="{BBAEFADE-B3A8-4515-A316-578BB92F6272}" type="presOf" srcId="{0CE4902E-AEA3-4663-8E50-ED16691AA7C3}" destId="{E1394F1F-77D3-4EB2-85D8-38DA710C7FE4}" srcOrd="0" destOrd="0" presId="urn:microsoft.com/office/officeart/2008/layout/HorizontalMultiLevelHierarchy"/>
-    <dgm:cxn modelId="{76626A2A-45BD-400C-84E3-9C23BCD76574}" srcId="{136305A5-BB2B-4A9D-9234-9001ECD52976}" destId="{193283BC-6FE2-4937-89C2-547F9B8367AE}" srcOrd="3" destOrd="0" parTransId="{F6780BA7-79FF-42A2-B338-A73D9E0AEB11}" sibTransId="{3B717AEC-B0F1-4F16-90BC-52FB75032B9D}"/>
-    <dgm:cxn modelId="{3F4D70DC-2509-4FFA-8D21-4E4ED82DBC3F}" type="presOf" srcId="{F6FE9FC1-97E6-4CEA-A4D6-B5D8087D377C}" destId="{A3D312CA-FD80-4A1C-B2C4-76024F224091}" srcOrd="1" destOrd="0" presId="urn:microsoft.com/office/officeart/2008/layout/HorizontalMultiLevelHierarchy"/>
-    <dgm:cxn modelId="{19E35F35-076D-4C4C-A3F5-E4BD3FEAA2FE}" type="presOf" srcId="{193283BC-6FE2-4937-89C2-547F9B8367AE}" destId="{66C9145C-710C-4C0C-9C36-7178356B5BD6}" srcOrd="0" destOrd="0" presId="urn:microsoft.com/office/officeart/2008/layout/HorizontalMultiLevelHierarchy"/>
-    <dgm:cxn modelId="{4973CACC-3B43-445D-8AE5-0C8AABF9382A}" type="presOf" srcId="{73F2DD5F-739C-4C65-A4D9-935B17BF4511}" destId="{EB1D4CF5-BE15-480B-86EA-E212B8415225}" srcOrd="0" destOrd="0" presId="urn:microsoft.com/office/officeart/2008/layout/HorizontalMultiLevelHierarchy"/>
-    <dgm:cxn modelId="{4C76F05E-DA05-4B74-B06F-6F69EE42D9FC}" type="presOf" srcId="{479F6A46-5B73-4753-A8B6-71E302832762}" destId="{74FE30D8-9D02-4F2E-9711-61050195BF6E}" srcOrd="0" destOrd="0" presId="urn:microsoft.com/office/officeart/2008/layout/HorizontalMultiLevelHierarchy"/>
-    <dgm:cxn modelId="{BDC55D30-76EE-4514-A460-7BBE27C9E66F}" type="presOf" srcId="{FC2601F6-D611-4F13-BEDF-4FEF41AE5468}" destId="{EE1FC525-BC0F-4D95-8202-FDA2800D863A}" srcOrd="0" destOrd="0" presId="urn:microsoft.com/office/officeart/2008/layout/HorizontalMultiLevelHierarchy"/>
-    <dgm:cxn modelId="{25652202-AC52-4B37-AA0A-A5C043BFDF98}" type="presOf" srcId="{2CFF7402-5522-487D-B2B7-45246EA5FB6A}" destId="{979FBBDA-44C5-4F34-AF21-B510A698D321}" srcOrd="0" destOrd="0" presId="urn:microsoft.com/office/officeart/2008/layout/HorizontalMultiLevelHierarchy"/>
+    <dgm:cxn modelId="{9554A64E-6806-4CCF-B115-DD081AFE5911}" srcId="{136305A5-BB2B-4A9D-9234-9001ECD52976}" destId="{EC9E48CA-F71F-46EF-AA62-66DC86E8E08D}" srcOrd="4" destOrd="0" parTransId="{53FFDE34-10A9-43ED-8198-78BC42E84E4D}" sibTransId="{F2F2C829-1E96-4D1B-862A-33069CC051A1}"/>
     <dgm:cxn modelId="{D7179B80-3A97-4CC7-9E87-DCFC888A7DC1}" type="presParOf" srcId="{E1394F1F-77D3-4EB2-85D8-38DA710C7FE4}" destId="{313CE6EB-0E80-47FD-BBAE-76764FE0EEA6}" srcOrd="0" destOrd="0" presId="urn:microsoft.com/office/officeart/2008/layout/HorizontalMultiLevelHierarchy"/>
     <dgm:cxn modelId="{D6FB3D11-07C7-491B-BC6E-012AF0D2E4ED}" type="presParOf" srcId="{313CE6EB-0E80-47FD-BBAE-76764FE0EEA6}" destId="{BC55A964-21AC-41A9-B459-589605241027}" srcOrd="0" destOrd="0" presId="urn:microsoft.com/office/officeart/2008/layout/HorizontalMultiLevelHierarchy"/>
     <dgm:cxn modelId="{639F8D00-6DF5-4064-BE73-1E755DE8C1E6}" type="presParOf" srcId="{313CE6EB-0E80-47FD-BBAE-76764FE0EEA6}" destId="{48B868DA-C564-4FC1-B223-DC671DFF1C8C}" srcOrd="1" destOrd="0" presId="urn:microsoft.com/office/officeart/2008/layout/HorizontalMultiLevelHierarchy"/>
@@ -7665,7 +7916,7 @@
           <a:p>
             <a:fld id="{6F66794D-9D79-4AC5-96DA-597EA4BF2704}" type="datetimeFigureOut">
               <a:rPr lang="en-US" smtClean="0"/>
-              <a:t>28-Mar-16</a:t>
+              <a:t>30-Mar-16</a:t>
             </a:fld>
             <a:endParaRPr lang="en-US"/>
           </a:p>
@@ -7991,7 +8242,7 @@
           <a:p>
             <a:fld id="{6F66794D-9D79-4AC5-96DA-597EA4BF2704}" type="datetimeFigureOut">
               <a:rPr lang="en-US" smtClean="0"/>
-              <a:t>28-Mar-16</a:t>
+              <a:t>30-Mar-16</a:t>
             </a:fld>
             <a:endParaRPr lang="en-US"/>
           </a:p>
@@ -8239,7 +8490,7 @@
           <a:p>
             <a:fld id="{6F66794D-9D79-4AC5-96DA-597EA4BF2704}" type="datetimeFigureOut">
               <a:rPr lang="en-US" smtClean="0"/>
-              <a:t>28-Mar-16</a:t>
+              <a:t>30-Mar-16</a:t>
             </a:fld>
             <a:endParaRPr lang="en-US"/>
           </a:p>
@@ -8779,7 +9030,7 @@
           <a:p>
             <a:fld id="{6F66794D-9D79-4AC5-96DA-597EA4BF2704}" type="datetimeFigureOut">
               <a:rPr lang="en-US" smtClean="0"/>
-              <a:t>28-Mar-16</a:t>
+              <a:t>30-Mar-16</a:t>
             </a:fld>
             <a:endParaRPr lang="en-US"/>
           </a:p>
@@ -9027,7 +9278,7 @@
           <a:p>
             <a:fld id="{6F66794D-9D79-4AC5-96DA-597EA4BF2704}" type="datetimeFigureOut">
               <a:rPr lang="en-US" smtClean="0"/>
-              <a:t>28-Mar-16</a:t>
+              <a:t>30-Mar-16</a:t>
             </a:fld>
             <a:endParaRPr lang="en-US"/>
           </a:p>
@@ -9559,7 +9810,7 @@
           <a:p>
             <a:fld id="{6F66794D-9D79-4AC5-96DA-597EA4BF2704}" type="datetimeFigureOut">
               <a:rPr lang="en-US" smtClean="0"/>
-              <a:t>28-Mar-16</a:t>
+              <a:t>30-Mar-16</a:t>
             </a:fld>
             <a:endParaRPr lang="en-US"/>
           </a:p>
@@ -9856,7 +10107,7 @@
           <a:p>
             <a:fld id="{6F66794D-9D79-4AC5-96DA-597EA4BF2704}" type="datetimeFigureOut">
               <a:rPr lang="en-US" smtClean="0"/>
-              <a:t>28-Mar-16</a:t>
+              <a:t>30-Mar-16</a:t>
             </a:fld>
             <a:endParaRPr lang="en-US"/>
           </a:p>
@@ -10030,7 +10281,7 @@
           <a:p>
             <a:fld id="{6F66794D-9D79-4AC5-96DA-597EA4BF2704}" type="datetimeFigureOut">
               <a:rPr lang="en-US" smtClean="0"/>
-              <a:t>28-Mar-16</a:t>
+              <a:t>30-Mar-16</a:t>
             </a:fld>
             <a:endParaRPr lang="en-US"/>
           </a:p>
@@ -10210,7 +10461,7 @@
           <a:p>
             <a:fld id="{6F66794D-9D79-4AC5-96DA-597EA4BF2704}" type="datetimeFigureOut">
               <a:rPr lang="en-US" smtClean="0"/>
-              <a:t>28-Mar-16</a:t>
+              <a:t>30-Mar-16</a:t>
             </a:fld>
             <a:endParaRPr lang="en-US"/>
           </a:p>
@@ -10380,7 +10631,7 @@
           <a:p>
             <a:fld id="{6F66794D-9D79-4AC5-96DA-597EA4BF2704}" type="datetimeFigureOut">
               <a:rPr lang="en-US" smtClean="0"/>
-              <a:t>28-Mar-16</a:t>
+              <a:t>30-Mar-16</a:t>
             </a:fld>
             <a:endParaRPr lang="en-US"/>
           </a:p>
@@ -10661,7 +10912,7 @@
           <a:p>
             <a:fld id="{6F66794D-9D79-4AC5-96DA-597EA4BF2704}" type="datetimeFigureOut">
               <a:rPr lang="en-US" smtClean="0"/>
-              <a:t>28-Mar-16</a:t>
+              <a:t>30-Mar-16</a:t>
             </a:fld>
             <a:endParaRPr lang="en-US"/>
           </a:p>
@@ -10958,7 +11209,7 @@
           <a:p>
             <a:fld id="{6F66794D-9D79-4AC5-96DA-597EA4BF2704}" type="datetimeFigureOut">
               <a:rPr lang="en-US" smtClean="0"/>
-              <a:t>28-Mar-16</a:t>
+              <a:t>30-Mar-16</a:t>
             </a:fld>
             <a:endParaRPr lang="en-US"/>
           </a:p>
@@ -11430,7 +11681,7 @@
           <a:p>
             <a:fld id="{6F66794D-9D79-4AC5-96DA-597EA4BF2704}" type="datetimeFigureOut">
               <a:rPr lang="en-US" smtClean="0"/>
-              <a:t>28-Mar-16</a:t>
+              <a:t>30-Mar-16</a:t>
             </a:fld>
             <a:endParaRPr lang="en-US"/>
           </a:p>
@@ -11578,7 +11829,7 @@
           <a:p>
             <a:fld id="{6F66794D-9D79-4AC5-96DA-597EA4BF2704}" type="datetimeFigureOut">
               <a:rPr lang="en-US" smtClean="0"/>
-              <a:t>28-Mar-16</a:t>
+              <a:t>30-Mar-16</a:t>
             </a:fld>
             <a:endParaRPr lang="en-US"/>
           </a:p>
@@ -11673,7 +11924,7 @@
           <a:p>
             <a:fld id="{6F66794D-9D79-4AC5-96DA-597EA4BF2704}" type="datetimeFigureOut">
               <a:rPr lang="en-US" smtClean="0"/>
-              <a:t>28-Mar-16</a:t>
+              <a:t>30-Mar-16</a:t>
             </a:fld>
             <a:endParaRPr lang="en-US"/>
           </a:p>
@@ -11956,7 +12207,7 @@
           <a:p>
             <a:fld id="{6F66794D-9D79-4AC5-96DA-597EA4BF2704}" type="datetimeFigureOut">
               <a:rPr lang="en-US" smtClean="0"/>
-              <a:t>28-Mar-16</a:t>
+              <a:t>30-Mar-16</a:t>
             </a:fld>
             <a:endParaRPr lang="en-US"/>
           </a:p>
@@ -12247,7 +12498,7 @@
           <a:p>
             <a:fld id="{6F66794D-9D79-4AC5-96DA-597EA4BF2704}" type="datetimeFigureOut">
               <a:rPr lang="en-US" smtClean="0"/>
-              <a:t>28-Mar-16</a:t>
+              <a:t>30-Mar-16</a:t>
             </a:fld>
             <a:endParaRPr lang="en-US"/>
           </a:p>
@@ -12777,7 +13028,7 @@
           <a:p>
             <a:fld id="{6F66794D-9D79-4AC5-96DA-597EA4BF2704}" type="datetimeFigureOut">
               <a:rPr lang="en-US" smtClean="0"/>
-              <a:t>28-Mar-16</a:t>
+              <a:t>30-Mar-16</a:t>
             </a:fld>
             <a:endParaRPr lang="en-US"/>
           </a:p>
@@ -13442,6 +13693,831 @@
           <a:lstStyle/>
           <a:p>
             <a:r>
+              <a:rPr lang="bg-BG" dirty="0" smtClean="0"/>
+              <a:t>Обектът </a:t>
+            </a:r>
+            <a:r>
+              <a:rPr lang="en-US" b="1" dirty="0" smtClean="0"/>
+              <a:t>console</a:t>
+            </a:r>
+            <a:endParaRPr lang="en-US" b="1" dirty="0"/>
+          </a:p>
+        </p:txBody>
+      </p:sp>
+      <p:sp>
+        <p:nvSpPr>
+          <p:cNvPr id="5" name="Content Placeholder 4"/>
+          <p:cNvSpPr>
+            <a:spLocks noGrp="1"/>
+          </p:cNvSpPr>
+          <p:nvPr>
+            <p:ph idx="1"/>
+          </p:nvPr>
+        </p:nvSpPr>
+        <p:spPr/>
+        <p:txBody>
+          <a:bodyPr>
+            <a:normAutofit fontScale="77500" lnSpcReduction="20000"/>
+          </a:bodyPr>
+          <a:lstStyle/>
+          <a:p>
+            <a:r>
+              <a:rPr lang="bg-BG" dirty="0" smtClean="0"/>
+              <a:t>Обектът </a:t>
+            </a:r>
+            <a:r>
+              <a:rPr lang="en-US" b="1" dirty="0" smtClean="0"/>
+              <a:t>console</a:t>
+            </a:r>
+            <a:r>
+              <a:rPr lang="bg-BG" b="1" dirty="0" smtClean="0"/>
+              <a:t> </a:t>
+            </a:r>
+            <a:r>
+              <a:rPr lang="bg-BG" dirty="0" smtClean="0"/>
+              <a:t>може да бъде използван само, ако е възможно дебъгването </a:t>
+            </a:r>
+            <a:r>
+              <a:rPr lang="en-US" dirty="0" smtClean="0"/>
+              <a:t>(</a:t>
+            </a:r>
+            <a:r>
+              <a:rPr lang="bg-BG" dirty="0" smtClean="0"/>
+              <a:t>т.е. имаме </a:t>
+            </a:r>
+            <a:r>
+              <a:rPr lang="en-US" i="1" dirty="0" smtClean="0"/>
+              <a:t>debugging tool</a:t>
+            </a:r>
+            <a:r>
+              <a:rPr lang="en-US" dirty="0" smtClean="0"/>
+              <a:t>)</a:t>
+            </a:r>
+            <a:r>
+              <a:rPr lang="bg-BG" dirty="0" smtClean="0"/>
+              <a:t>. Използва се, за да се проследява информация (данни) по време  на изпълнението на кода (</a:t>
+            </a:r>
+            <a:r>
+              <a:rPr lang="en-US" i="1" dirty="0" smtClean="0"/>
+              <a:t>logging</a:t>
+            </a:r>
+            <a:r>
+              <a:rPr lang="en-US" dirty="0" smtClean="0"/>
+              <a:t>)</a:t>
+            </a:r>
+            <a:endParaRPr lang="bg-BG" dirty="0" smtClean="0"/>
+          </a:p>
+          <a:p>
+            <a:r>
+              <a:rPr lang="bg-BG" dirty="0" smtClean="0"/>
+              <a:t>Обектът </a:t>
+            </a:r>
+            <a:r>
+              <a:rPr lang="en-US" b="1" dirty="0" smtClean="0"/>
+              <a:t>console</a:t>
+            </a:r>
+            <a:r>
+              <a:rPr lang="bg-BG" b="1" dirty="0" smtClean="0"/>
+              <a:t> </a:t>
+            </a:r>
+            <a:r>
+              <a:rPr lang="bg-BG" dirty="0" smtClean="0"/>
+              <a:t>има следните методи</a:t>
+            </a:r>
+          </a:p>
+          <a:p>
+            <a:pPr lvl="1"/>
+            <a:r>
+              <a:rPr lang="en-US" i="1" dirty="0" smtClean="0">
+                <a:solidFill>
+                  <a:schemeClr val="accent6">
+                    <a:lumMod val="75000"/>
+                  </a:schemeClr>
+                </a:solidFill>
+              </a:rPr>
+              <a:t>debug(message) </a:t>
+            </a:r>
+            <a:r>
+              <a:rPr lang="en-US" i="1" dirty="0" smtClean="0"/>
+              <a:t>-&gt; *</a:t>
+            </a:r>
+            <a:r>
+              <a:rPr lang="bg-BG" i="1" dirty="0" smtClean="0"/>
+              <a:t>не бива да се използва, тъй като се счита за остарял способ</a:t>
+            </a:r>
+            <a:endParaRPr lang="en-US" i="1" dirty="0" smtClean="0">
+              <a:solidFill>
+                <a:schemeClr val="accent6">
+                  <a:lumMod val="75000"/>
+                </a:schemeClr>
+              </a:solidFill>
+            </a:endParaRPr>
+          </a:p>
+          <a:p>
+            <a:pPr lvl="1"/>
+            <a:r>
+              <a:rPr lang="en-US" i="1" dirty="0" smtClean="0">
+                <a:solidFill>
+                  <a:schemeClr val="accent6">
+                    <a:lumMod val="75000"/>
+                  </a:schemeClr>
+                </a:solidFill>
+              </a:rPr>
+              <a:t>info(message)</a:t>
+            </a:r>
+          </a:p>
+          <a:p>
+            <a:pPr lvl="1"/>
+            <a:r>
+              <a:rPr lang="en-US" i="1" dirty="0" smtClean="0">
+                <a:solidFill>
+                  <a:schemeClr val="accent6">
+                    <a:lumMod val="75000"/>
+                  </a:schemeClr>
+                </a:solidFill>
+              </a:rPr>
+              <a:t>log(message)</a:t>
+            </a:r>
+          </a:p>
+          <a:p>
+            <a:pPr lvl="1"/>
+            <a:r>
+              <a:rPr lang="en-US" i="1" dirty="0" smtClean="0">
+                <a:solidFill>
+                  <a:schemeClr val="accent6">
+                    <a:lumMod val="75000"/>
+                  </a:schemeClr>
+                </a:solidFill>
+              </a:rPr>
+              <a:t>warn(message)</a:t>
+            </a:r>
+          </a:p>
+          <a:p>
+            <a:pPr lvl="1"/>
+            <a:r>
+              <a:rPr lang="en-US" i="1" dirty="0" smtClean="0">
+                <a:solidFill>
+                  <a:schemeClr val="accent6">
+                    <a:lumMod val="75000"/>
+                  </a:schemeClr>
+                </a:solidFill>
+              </a:rPr>
+              <a:t>error(message)</a:t>
+            </a:r>
+            <a:endParaRPr lang="bg-BG" i="1" dirty="0" smtClean="0">
+              <a:solidFill>
+                <a:schemeClr val="accent6">
+                  <a:lumMod val="75000"/>
+                </a:schemeClr>
+              </a:solidFill>
+            </a:endParaRPr>
+          </a:p>
+          <a:p>
+            <a:r>
+              <a:rPr lang="bg-BG" i="1" dirty="0" smtClean="0">
+                <a:hlinkClick r:id="rId2"/>
+              </a:rPr>
+              <a:t>Прочетете повече за </a:t>
+            </a:r>
+            <a:r>
+              <a:rPr lang="en-US" i="1" dirty="0" smtClean="0">
+                <a:hlinkClick r:id="rId2"/>
+              </a:rPr>
+              <a:t>console</a:t>
+            </a:r>
+            <a:endParaRPr lang="en-US" i="1" dirty="0"/>
+          </a:p>
+        </p:txBody>
+      </p:sp>
+      <p:pic>
+        <p:nvPicPr>
+          <p:cNvPr id="6" name="Picture 5"/>
+          <p:cNvPicPr>
+            <a:picLocks noChangeAspect="1"/>
+          </p:cNvPicPr>
+          <p:nvPr/>
+        </p:nvPicPr>
+        <p:blipFill>
+          <a:blip r:embed="rId3">
+            <a:extLst>
+              <a:ext uri="{28A0092B-C50C-407E-A947-70E740481C1C}">
+                <a14:useLocalDpi xmlns:a14="http://schemas.microsoft.com/office/drawing/2010/main" val="0"/>
+              </a:ext>
+            </a:extLst>
+          </a:blip>
+          <a:stretch>
+            <a:fillRect/>
+          </a:stretch>
+        </p:blipFill>
+        <p:spPr>
+          <a:xfrm>
+            <a:off x="7872969" y="4687411"/>
+            <a:ext cx="4319031" cy="2170590"/>
+          </a:xfrm>
+          <a:prstGeom prst="rect">
+            <a:avLst/>
+          </a:prstGeom>
+        </p:spPr>
+      </p:pic>
+    </p:spTree>
+    <p:extLst>
+      <p:ext uri="{BB962C8B-B14F-4D97-AF65-F5344CB8AC3E}">
+        <p14:creationId xmlns:p14="http://schemas.microsoft.com/office/powerpoint/2010/main" val="2852033463"/>
+      </p:ext>
+    </p:extLst>
+  </p:cSld>
+  <p:clrMapOvr>
+    <a:masterClrMapping/>
+  </p:clrMapOvr>
+</p:sld>
+</file>
+
+<file path=ppt/slides/slide11.xml><?xml version="1.0" encoding="utf-8"?>
+<p:sld xmlns:a="http://schemas.openxmlformats.org/drawingml/2006/main" xmlns:r="http://schemas.openxmlformats.org/officeDocument/2006/relationships" xmlns:p="http://schemas.openxmlformats.org/presentationml/2006/main">
+  <p:cSld>
+    <p:spTree>
+      <p:nvGrpSpPr>
+        <p:cNvPr id="1" name=""/>
+        <p:cNvGrpSpPr/>
+        <p:nvPr/>
+      </p:nvGrpSpPr>
+      <p:grpSpPr>
+        <a:xfrm>
+          <a:off x="0" y="0"/>
+          <a:ext cx="0" cy="0"/>
+          <a:chOff x="0" y="0"/>
+          <a:chExt cx="0" cy="0"/>
+        </a:xfrm>
+      </p:grpSpPr>
+      <p:sp>
+        <p:nvSpPr>
+          <p:cNvPr id="2" name="Title 1"/>
+          <p:cNvSpPr>
+            <a:spLocks noGrp="1"/>
+          </p:cNvSpPr>
+          <p:nvPr>
+            <p:ph type="title"/>
+          </p:nvPr>
+        </p:nvSpPr>
+        <p:spPr/>
+        <p:txBody>
+          <a:bodyPr/>
+          <a:lstStyle/>
+          <a:p>
+            <a:r>
+              <a:rPr lang="bg-BG" dirty="0" smtClean="0"/>
+              <a:t>Обектът </a:t>
+            </a:r>
+            <a:r>
+              <a:rPr lang="en-US" b="1" dirty="0" smtClean="0"/>
+              <a:t>Math</a:t>
+            </a:r>
+            <a:endParaRPr lang="en-US" b="1" dirty="0"/>
+          </a:p>
+        </p:txBody>
+      </p:sp>
+      <p:sp>
+        <p:nvSpPr>
+          <p:cNvPr id="3" name="Content Placeholder 2"/>
+          <p:cNvSpPr>
+            <a:spLocks noGrp="1"/>
+          </p:cNvSpPr>
+          <p:nvPr>
+            <p:ph idx="1"/>
+          </p:nvPr>
+        </p:nvSpPr>
+        <p:spPr/>
+        <p:txBody>
+          <a:bodyPr>
+            <a:normAutofit fontScale="92500" lnSpcReduction="20000"/>
+          </a:bodyPr>
+          <a:lstStyle/>
+          <a:p>
+            <a:r>
+              <a:rPr lang="bg-BG" dirty="0" smtClean="0"/>
+              <a:t>Обектът </a:t>
+            </a:r>
+            <a:r>
+              <a:rPr lang="en-US" b="1" dirty="0" smtClean="0"/>
+              <a:t>Math</a:t>
+            </a:r>
+            <a:r>
+              <a:rPr lang="bg-BG" b="1" dirty="0" smtClean="0"/>
+              <a:t> </a:t>
+            </a:r>
+            <a:r>
+              <a:rPr lang="bg-BG" dirty="0" smtClean="0"/>
+              <a:t>дава достъп до различни видове математически операции</a:t>
+            </a:r>
+          </a:p>
+          <a:p>
+            <a:r>
+              <a:rPr lang="bg-BG" dirty="0" smtClean="0"/>
+              <a:t>Неговите </a:t>
+            </a:r>
+            <a:r>
+              <a:rPr lang="en-US" dirty="0" smtClean="0"/>
+              <a:t>property</a:t>
+            </a:r>
+            <a:r>
+              <a:rPr lang="bg-BG" dirty="0" smtClean="0"/>
+              <a:t>-та и методи се достъпват чрез точкова нотация (.)</a:t>
+            </a:r>
+          </a:p>
+          <a:p>
+            <a:pPr lvl="1"/>
+            <a:r>
+              <a:rPr lang="en-US" i="1" dirty="0" err="1" smtClean="0">
+                <a:solidFill>
+                  <a:schemeClr val="accent6">
+                    <a:lumMod val="75000"/>
+                  </a:schemeClr>
+                </a:solidFill>
+              </a:rPr>
+              <a:t>Math.PI</a:t>
+            </a:r>
+            <a:r>
+              <a:rPr lang="en-US" dirty="0" smtClean="0"/>
+              <a:t> -&gt; </a:t>
+            </a:r>
+            <a:r>
+              <a:rPr lang="bg-BG" dirty="0" smtClean="0">
+                <a:hlinkClick r:id="rId2"/>
+              </a:rPr>
+              <a:t>числото </a:t>
+            </a:r>
+            <a:r>
+              <a:rPr lang="el-GR" dirty="0" smtClean="0">
+                <a:hlinkClick r:id="rId2"/>
+              </a:rPr>
+              <a:t>π</a:t>
+            </a:r>
+            <a:endParaRPr lang="bg-BG" dirty="0" smtClean="0"/>
+          </a:p>
+          <a:p>
+            <a:pPr lvl="1"/>
+            <a:r>
+              <a:rPr lang="en-US" i="1" dirty="0" err="1" smtClean="0">
+                <a:solidFill>
+                  <a:schemeClr val="accent6">
+                    <a:lumMod val="75000"/>
+                  </a:schemeClr>
+                </a:solidFill>
+              </a:rPr>
+              <a:t>Math.E</a:t>
+            </a:r>
+            <a:r>
+              <a:rPr lang="en-US" i="1" dirty="0" smtClean="0">
+                <a:solidFill>
+                  <a:schemeClr val="accent6">
+                    <a:lumMod val="75000"/>
+                  </a:schemeClr>
+                </a:solidFill>
+              </a:rPr>
+              <a:t> </a:t>
+            </a:r>
+            <a:r>
+              <a:rPr lang="en-US" dirty="0" smtClean="0"/>
+              <a:t>-&gt; </a:t>
+            </a:r>
+            <a:r>
+              <a:rPr lang="bg-BG" dirty="0" smtClean="0">
+                <a:hlinkClick r:id="rId3"/>
+              </a:rPr>
+              <a:t>Неперово число </a:t>
+            </a:r>
+            <a:endParaRPr lang="bg-BG" dirty="0" smtClean="0"/>
+          </a:p>
+          <a:p>
+            <a:pPr lvl="1"/>
+            <a:r>
+              <a:rPr lang="en-US" i="1" dirty="0" err="1" smtClean="0">
+                <a:solidFill>
+                  <a:schemeClr val="accent6">
+                    <a:lumMod val="75000"/>
+                  </a:schemeClr>
+                </a:solidFill>
+              </a:rPr>
+              <a:t>Math.random</a:t>
+            </a:r>
+            <a:r>
+              <a:rPr lang="en-US" i="1" dirty="0" smtClean="0">
+                <a:solidFill>
+                  <a:schemeClr val="accent6">
+                    <a:lumMod val="75000"/>
+                  </a:schemeClr>
+                </a:solidFill>
+              </a:rPr>
+              <a:t>() </a:t>
+            </a:r>
+            <a:r>
+              <a:rPr lang="en-US" dirty="0" smtClean="0"/>
+              <a:t>-&gt; </a:t>
+            </a:r>
+            <a:r>
+              <a:rPr lang="bg-BG" dirty="0" smtClean="0"/>
+              <a:t>дава произволно число</a:t>
+            </a:r>
+            <a:endParaRPr lang="en-US" dirty="0" smtClean="0"/>
+          </a:p>
+          <a:p>
+            <a:pPr lvl="1"/>
+            <a:r>
+              <a:rPr lang="en-US" i="1" dirty="0" err="1" smtClean="0">
+                <a:solidFill>
+                  <a:schemeClr val="accent6">
+                    <a:lumMod val="75000"/>
+                  </a:schemeClr>
+                </a:solidFill>
+              </a:rPr>
+              <a:t>Math.pow</a:t>
+            </a:r>
+            <a:r>
+              <a:rPr lang="en-US" i="1" dirty="0" smtClean="0">
+                <a:solidFill>
+                  <a:schemeClr val="accent6">
+                    <a:lumMod val="75000"/>
+                  </a:schemeClr>
+                </a:solidFill>
+              </a:rPr>
+              <a:t>(base, exponent)</a:t>
+            </a:r>
+            <a:r>
+              <a:rPr lang="bg-BG" dirty="0" smtClean="0"/>
+              <a:t> -&gt; повдига число на степен</a:t>
+            </a:r>
+          </a:p>
+          <a:p>
+            <a:pPr lvl="1"/>
+            <a:r>
+              <a:rPr lang="en-US" i="1" dirty="0" err="1" smtClean="0">
+                <a:solidFill>
+                  <a:schemeClr val="accent6">
+                    <a:lumMod val="75000"/>
+                  </a:schemeClr>
+                </a:solidFill>
+              </a:rPr>
+              <a:t>Math.floor</a:t>
+            </a:r>
+            <a:r>
+              <a:rPr lang="en-US" i="1" dirty="0" smtClean="0">
+                <a:solidFill>
+                  <a:schemeClr val="accent6">
+                    <a:lumMod val="75000"/>
+                  </a:schemeClr>
+                </a:solidFill>
+              </a:rPr>
+              <a:t>(x)</a:t>
+            </a:r>
+            <a:r>
+              <a:rPr lang="en-US" dirty="0" smtClean="0"/>
+              <a:t> -&gt; </a:t>
+            </a:r>
+            <a:r>
+              <a:rPr lang="bg-BG" dirty="0" smtClean="0"/>
+              <a:t>връща максималното число ≥ от даденото</a:t>
+            </a:r>
+          </a:p>
+          <a:p>
+            <a:pPr lvl="1"/>
+            <a:r>
+              <a:rPr lang="bg-BG" dirty="0" smtClean="0">
+                <a:hlinkClick r:id="rId4"/>
+              </a:rPr>
+              <a:t>Повече информация за обектът </a:t>
+            </a:r>
+            <a:r>
+              <a:rPr lang="en-US" b="1" dirty="0" smtClean="0">
+                <a:hlinkClick r:id="rId4"/>
+              </a:rPr>
+              <a:t>Math</a:t>
+            </a:r>
+            <a:endParaRPr lang="en-US" b="1" dirty="0"/>
+          </a:p>
+        </p:txBody>
+      </p:sp>
+      <p:pic>
+        <p:nvPicPr>
+          <p:cNvPr id="4" name="Picture 3"/>
+          <p:cNvPicPr>
+            <a:picLocks noChangeAspect="1"/>
+          </p:cNvPicPr>
+          <p:nvPr/>
+        </p:nvPicPr>
+        <p:blipFill>
+          <a:blip r:embed="rId5">
+            <a:extLst>
+              <a:ext uri="{28A0092B-C50C-407E-A947-70E740481C1C}">
+                <a14:useLocalDpi xmlns:a14="http://schemas.microsoft.com/office/drawing/2010/main" val="0"/>
+              </a:ext>
+            </a:extLst>
+          </a:blip>
+          <a:stretch>
+            <a:fillRect/>
+          </a:stretch>
+        </p:blipFill>
+        <p:spPr>
+          <a:xfrm>
+            <a:off x="8395155" y="4873841"/>
+            <a:ext cx="3796845" cy="1984158"/>
+          </a:xfrm>
+          <a:prstGeom prst="rect">
+            <a:avLst/>
+          </a:prstGeom>
+        </p:spPr>
+      </p:pic>
+    </p:spTree>
+    <p:extLst>
+      <p:ext uri="{BB962C8B-B14F-4D97-AF65-F5344CB8AC3E}">
+        <p14:creationId xmlns:p14="http://schemas.microsoft.com/office/powerpoint/2010/main" val="576569676"/>
+      </p:ext>
+    </p:extLst>
+  </p:cSld>
+  <p:clrMapOvr>
+    <a:masterClrMapping/>
+  </p:clrMapOvr>
+</p:sld>
+</file>
+
+<file path=ppt/slides/slide12.xml><?xml version="1.0" encoding="utf-8"?>
+<p:sld xmlns:a="http://schemas.openxmlformats.org/drawingml/2006/main" xmlns:r="http://schemas.openxmlformats.org/officeDocument/2006/relationships" xmlns:p="http://schemas.openxmlformats.org/presentationml/2006/main">
+  <p:cSld>
+    <p:spTree>
+      <p:nvGrpSpPr>
+        <p:cNvPr id="1" name=""/>
+        <p:cNvGrpSpPr/>
+        <p:nvPr/>
+      </p:nvGrpSpPr>
+      <p:grpSpPr>
+        <a:xfrm>
+          <a:off x="0" y="0"/>
+          <a:ext cx="0" cy="0"/>
+          <a:chOff x="0" y="0"/>
+          <a:chExt cx="0" cy="0"/>
+        </a:xfrm>
+      </p:grpSpPr>
+      <p:sp>
+        <p:nvSpPr>
+          <p:cNvPr id="2" name="Title 1"/>
+          <p:cNvSpPr>
+            <a:spLocks noGrp="1"/>
+          </p:cNvSpPr>
+          <p:nvPr>
+            <p:ph type="title"/>
+          </p:nvPr>
+        </p:nvSpPr>
+        <p:spPr/>
+        <p:txBody>
+          <a:bodyPr/>
+          <a:lstStyle/>
+          <a:p>
+            <a:r>
+              <a:rPr lang="bg-BG" dirty="0" smtClean="0"/>
+              <a:t>Таймери и интервали</a:t>
+            </a:r>
+            <a:endParaRPr lang="en-US" dirty="0"/>
+          </a:p>
+        </p:txBody>
+      </p:sp>
+      <p:sp>
+        <p:nvSpPr>
+          <p:cNvPr id="3" name="Content Placeholder 2"/>
+          <p:cNvSpPr>
+            <a:spLocks noGrp="1"/>
+          </p:cNvSpPr>
+          <p:nvPr>
+            <p:ph idx="1"/>
+          </p:nvPr>
+        </p:nvSpPr>
+        <p:spPr/>
+        <p:txBody>
+          <a:bodyPr>
+            <a:normAutofit lnSpcReduction="10000"/>
+          </a:bodyPr>
+          <a:lstStyle/>
+          <a:p>
+            <a:r>
+              <a:rPr lang="en-US" i="1" dirty="0" err="1" smtClean="0">
+                <a:solidFill>
+                  <a:schemeClr val="accent6">
+                    <a:lumMod val="75000"/>
+                  </a:schemeClr>
+                </a:solidFill>
+              </a:rPr>
+              <a:t>setTimeout</a:t>
+            </a:r>
+            <a:r>
+              <a:rPr lang="en-US" i="1" dirty="0" smtClean="0">
+                <a:solidFill>
+                  <a:schemeClr val="accent6">
+                    <a:lumMod val="75000"/>
+                  </a:schemeClr>
+                </a:solidFill>
+              </a:rPr>
+              <a:t>(callback, interval) </a:t>
+            </a:r>
+            <a:r>
+              <a:rPr lang="en-US" dirty="0" smtClean="0"/>
+              <a:t>-&gt; </a:t>
+            </a:r>
+            <a:r>
+              <a:rPr lang="bg-BG" dirty="0" smtClean="0"/>
+              <a:t>функциата (</a:t>
+            </a:r>
+            <a:r>
+              <a:rPr lang="en-US" i="1" dirty="0" smtClean="0"/>
+              <a:t>callback</a:t>
+            </a:r>
+            <a:r>
+              <a:rPr lang="bg-BG" dirty="0" smtClean="0"/>
+              <a:t>) ще се изпълни веднъж  след определено време </a:t>
+            </a:r>
+            <a:r>
+              <a:rPr lang="en-US" dirty="0" smtClean="0"/>
+              <a:t>(</a:t>
+            </a:r>
+            <a:r>
+              <a:rPr lang="en-US" i="1" dirty="0" smtClean="0"/>
+              <a:t>interval</a:t>
+            </a:r>
+            <a:r>
+              <a:rPr lang="en-US" dirty="0" smtClean="0"/>
+              <a:t>)</a:t>
+            </a:r>
+            <a:r>
+              <a:rPr lang="bg-BG" dirty="0" smtClean="0"/>
+              <a:t>, нарича се таймер.</a:t>
+            </a:r>
+          </a:p>
+          <a:p>
+            <a:r>
+              <a:rPr lang="en-US" i="1" dirty="0" err="1" smtClean="0">
+                <a:solidFill>
+                  <a:schemeClr val="accent6">
+                    <a:lumMod val="75000"/>
+                  </a:schemeClr>
+                </a:solidFill>
+              </a:rPr>
+              <a:t>clearTimeout</a:t>
+            </a:r>
+            <a:r>
+              <a:rPr lang="en-US" i="1" dirty="0" smtClean="0">
+                <a:solidFill>
+                  <a:schemeClr val="accent6">
+                    <a:lumMod val="75000"/>
+                  </a:schemeClr>
+                </a:solidFill>
+              </a:rPr>
+              <a:t>(timer) </a:t>
+            </a:r>
+            <a:r>
+              <a:rPr lang="bg-BG" dirty="0" smtClean="0"/>
+              <a:t>-&gt; прекратява таймера</a:t>
+            </a:r>
+          </a:p>
+          <a:p>
+            <a:r>
+              <a:rPr lang="en-US" dirty="0" err="1" smtClean="0">
+                <a:solidFill>
+                  <a:schemeClr val="accent6">
+                    <a:lumMod val="75000"/>
+                  </a:schemeClr>
+                </a:solidFill>
+              </a:rPr>
+              <a:t>setInterval</a:t>
+            </a:r>
+            <a:r>
+              <a:rPr lang="en-US" dirty="0" smtClean="0">
+                <a:solidFill>
+                  <a:schemeClr val="accent6">
+                    <a:lumMod val="75000"/>
+                  </a:schemeClr>
+                </a:solidFill>
+              </a:rPr>
+              <a:t>(</a:t>
+            </a:r>
+            <a:r>
+              <a:rPr lang="en-US" dirty="0" err="1" smtClean="0">
+                <a:solidFill>
+                  <a:schemeClr val="accent6">
+                    <a:lumMod val="75000"/>
+                  </a:schemeClr>
+                </a:solidFill>
+              </a:rPr>
+              <a:t>func</a:t>
+            </a:r>
+            <a:r>
+              <a:rPr lang="en-US" dirty="0" smtClean="0">
+                <a:solidFill>
+                  <a:schemeClr val="accent6">
+                    <a:lumMod val="75000"/>
+                  </a:schemeClr>
+                </a:solidFill>
+              </a:rPr>
+              <a:t>, interval) </a:t>
+            </a:r>
+            <a:r>
+              <a:rPr lang="en-US" dirty="0" smtClean="0"/>
+              <a:t>-&gt;</a:t>
+            </a:r>
+            <a:r>
+              <a:rPr lang="bg-BG" dirty="0" smtClean="0"/>
+              <a:t> функцията се ипълнява периодично през даден интервал от време</a:t>
+            </a:r>
+          </a:p>
+          <a:p>
+            <a:r>
+              <a:rPr lang="en-US" i="1" dirty="0" err="1" smtClean="0">
+                <a:solidFill>
+                  <a:schemeClr val="accent6">
+                    <a:lumMod val="75000"/>
+                  </a:schemeClr>
+                </a:solidFill>
+              </a:rPr>
+              <a:t>clearInterval</a:t>
+            </a:r>
+            <a:r>
+              <a:rPr lang="en-US" i="1" dirty="0" smtClean="0">
+                <a:solidFill>
+                  <a:schemeClr val="accent6">
+                    <a:lumMod val="75000"/>
+                  </a:schemeClr>
+                </a:solidFill>
+              </a:rPr>
+              <a:t>(timer)</a:t>
+            </a:r>
+            <a:r>
+              <a:rPr lang="en-US" dirty="0" smtClean="0"/>
+              <a:t> </a:t>
+            </a:r>
+            <a:r>
+              <a:rPr lang="bg-BG" dirty="0" smtClean="0"/>
+              <a:t>-&gt; прекратява таймера</a:t>
+            </a:r>
+          </a:p>
+          <a:p>
+            <a:r>
+              <a:rPr lang="bg-BG" dirty="0" smtClean="0">
+                <a:hlinkClick r:id="rId2"/>
+              </a:rPr>
+              <a:t>Примери от </a:t>
+            </a:r>
+            <a:r>
+              <a:rPr lang="en-US" dirty="0" smtClean="0">
+                <a:hlinkClick r:id="rId2"/>
+              </a:rPr>
+              <a:t>W3School</a:t>
+            </a:r>
+            <a:endParaRPr lang="en-US" dirty="0"/>
+          </a:p>
+        </p:txBody>
+      </p:sp>
+    </p:spTree>
+    <p:extLst>
+      <p:ext uri="{BB962C8B-B14F-4D97-AF65-F5344CB8AC3E}">
+        <p14:creationId xmlns:p14="http://schemas.microsoft.com/office/powerpoint/2010/main" val="2361859722"/>
+      </p:ext>
+    </p:extLst>
+  </p:cSld>
+  <p:clrMapOvr>
+    <a:masterClrMapping/>
+  </p:clrMapOvr>
+</p:sld>
+</file>
+
+<file path=ppt/slides/slide13.xml><?xml version="1.0" encoding="utf-8"?>
+<p:sld xmlns:a="http://schemas.openxmlformats.org/drawingml/2006/main" xmlns:r="http://schemas.openxmlformats.org/officeDocument/2006/relationships" xmlns:p="http://schemas.openxmlformats.org/presentationml/2006/main">
+  <p:cSld>
+    <p:spTree>
+      <p:nvGrpSpPr>
+        <p:cNvPr id="1" name=""/>
+        <p:cNvGrpSpPr/>
+        <p:nvPr/>
+      </p:nvGrpSpPr>
+      <p:grpSpPr>
+        <a:xfrm>
+          <a:off x="0" y="0"/>
+          <a:ext cx="0" cy="0"/>
+          <a:chOff x="0" y="0"/>
+          <a:chExt cx="0" cy="0"/>
+        </a:xfrm>
+      </p:grpSpPr>
+      <p:sp>
+        <p:nvSpPr>
+          <p:cNvPr id="2" name="Title 1"/>
+          <p:cNvSpPr>
+            <a:spLocks noGrp="1"/>
+          </p:cNvSpPr>
+          <p:nvPr>
+            <p:ph type="title"/>
+          </p:nvPr>
+        </p:nvSpPr>
+        <p:spPr/>
+        <p:txBody>
+          <a:bodyPr/>
+          <a:lstStyle/>
+          <a:p>
+            <a:r>
               <a:rPr lang="bg-BG"/>
               <a:t>Вградени обекти в браузъра</a:t>
             </a:r>
@@ -13491,7 +14567,3143 @@
 </p:sld>
 </file>
 
-<file path=ppt/slides/slide11.xml><?xml version="1.0" encoding="utf-8"?>
+<file path=ppt/slides/slide14.xml><?xml version="1.0" encoding="utf-8"?>
+<p:sld xmlns:a="http://schemas.openxmlformats.org/drawingml/2006/main" xmlns:r="http://schemas.openxmlformats.org/officeDocument/2006/relationships" xmlns:p="http://schemas.openxmlformats.org/presentationml/2006/main">
+  <p:cSld>
+    <p:spTree>
+      <p:nvGrpSpPr>
+        <p:cNvPr id="1" name=""/>
+        <p:cNvGrpSpPr/>
+        <p:nvPr/>
+      </p:nvGrpSpPr>
+      <p:grpSpPr>
+        <a:xfrm>
+          <a:off x="0" y="0"/>
+          <a:ext cx="0" cy="0"/>
+          <a:chOff x="0" y="0"/>
+          <a:chExt cx="0" cy="0"/>
+        </a:xfrm>
+      </p:grpSpPr>
+      <p:pic>
+        <p:nvPicPr>
+          <p:cNvPr id="4" name="Content Placeholder 3"/>
+          <p:cNvPicPr>
+            <a:picLocks noGrp="1" noChangeAspect="1"/>
+          </p:cNvPicPr>
+          <p:nvPr>
+            <p:ph idx="1"/>
+          </p:nvPr>
+        </p:nvPicPr>
+        <p:blipFill>
+          <a:blip r:embed="rId2">
+            <a:extLst>
+              <a:ext uri="{28A0092B-C50C-407E-A947-70E740481C1C}">
+                <a14:useLocalDpi xmlns:a14="http://schemas.microsoft.com/office/drawing/2010/main" val="0"/>
+              </a:ext>
+            </a:extLst>
+          </a:blip>
+          <a:stretch>
+            <a:fillRect/>
+          </a:stretch>
+        </p:blipFill>
+        <p:spPr>
+          <a:xfrm>
+            <a:off x="2926325" y="1233996"/>
+            <a:ext cx="6360357" cy="4770268"/>
+          </a:xfrm>
+        </p:spPr>
+      </p:pic>
+    </p:spTree>
+    <p:extLst>
+      <p:ext uri="{BB962C8B-B14F-4D97-AF65-F5344CB8AC3E}">
+        <p14:creationId xmlns:p14="http://schemas.microsoft.com/office/powerpoint/2010/main" val="1836097606"/>
+      </p:ext>
+    </p:extLst>
+  </p:cSld>
+  <p:clrMapOvr>
+    <a:masterClrMapping/>
+  </p:clrMapOvr>
+</p:sld>
+</file>
+
+<file path=ppt/slides/slide15.xml><?xml version="1.0" encoding="utf-8"?>
+<p:sld xmlns:a="http://schemas.openxmlformats.org/drawingml/2006/main" xmlns:r="http://schemas.openxmlformats.org/officeDocument/2006/relationships" xmlns:p="http://schemas.openxmlformats.org/presentationml/2006/main">
+  <p:cSld>
+    <p:spTree>
+      <p:nvGrpSpPr>
+        <p:cNvPr id="1" name=""/>
+        <p:cNvGrpSpPr/>
+        <p:nvPr/>
+      </p:nvGrpSpPr>
+      <p:grpSpPr>
+        <a:xfrm>
+          <a:off x="0" y="0"/>
+          <a:ext cx="0" cy="0"/>
+          <a:chOff x="0" y="0"/>
+          <a:chExt cx="0" cy="0"/>
+        </a:xfrm>
+      </p:grpSpPr>
+      <p:sp>
+        <p:nvSpPr>
+          <p:cNvPr id="2" name="Title 1"/>
+          <p:cNvSpPr>
+            <a:spLocks noGrp="1"/>
+          </p:cNvSpPr>
+          <p:nvPr>
+            <p:ph type="title"/>
+          </p:nvPr>
+        </p:nvSpPr>
+        <p:spPr/>
+        <p:txBody>
+          <a:bodyPr/>
+          <a:lstStyle/>
+          <a:p>
+            <a:r>
+              <a:rPr lang="bg-BG" dirty="0" smtClean="0"/>
+              <a:t>Типове данни и променливи.</a:t>
+            </a:r>
+            <a:endParaRPr lang="en-US" dirty="0"/>
+          </a:p>
+        </p:txBody>
+      </p:sp>
+      <p:sp>
+        <p:nvSpPr>
+          <p:cNvPr id="3" name="Content Placeholder 2"/>
+          <p:cNvSpPr>
+            <a:spLocks noGrp="1"/>
+          </p:cNvSpPr>
+          <p:nvPr>
+            <p:ph idx="1"/>
+          </p:nvPr>
+        </p:nvSpPr>
+        <p:spPr>
+          <a:xfrm>
+            <a:off x="1484310" y="2666999"/>
+            <a:ext cx="10018713" cy="3449716"/>
+          </a:xfrm>
+        </p:spPr>
+        <p:txBody>
+          <a:bodyPr>
+            <a:normAutofit fontScale="85000" lnSpcReduction="20000"/>
+          </a:bodyPr>
+          <a:lstStyle/>
+          <a:p>
+            <a:r>
+              <a:rPr lang="bg-BG" dirty="0" smtClean="0"/>
+              <a:t>Данните се съхраняват като променливи в комп. памет</a:t>
+            </a:r>
+          </a:p>
+          <a:p>
+            <a:r>
+              <a:rPr lang="bg-BG" dirty="0" smtClean="0"/>
+              <a:t>Променливите обикновено се </a:t>
+            </a:r>
+            <a:r>
+              <a:rPr lang="bg-BG" b="1" dirty="0" smtClean="0"/>
+              <a:t>характеризират</a:t>
+            </a:r>
+            <a:r>
+              <a:rPr lang="bg-BG" dirty="0" smtClean="0"/>
+              <a:t> чрез своето </a:t>
+            </a:r>
+            <a:r>
+              <a:rPr lang="bg-BG" b="1" dirty="0" smtClean="0"/>
+              <a:t>име, тип и стойност</a:t>
+            </a:r>
+          </a:p>
+          <a:p>
+            <a:r>
+              <a:rPr lang="bg-BG" b="1" dirty="0" smtClean="0"/>
+              <a:t>Тип на променлива</a:t>
+            </a:r>
+            <a:r>
+              <a:rPr lang="en-US" b="1" dirty="0" smtClean="0"/>
+              <a:t> (data type)</a:t>
+            </a:r>
+            <a:r>
+              <a:rPr lang="bg-BG" b="1" dirty="0" smtClean="0"/>
+              <a:t> </a:t>
+            </a:r>
+            <a:r>
+              <a:rPr lang="bg-BG" dirty="0" smtClean="0"/>
+              <a:t>-&gt; съвкупност от стойности с еднакви характеристики (</a:t>
+            </a:r>
+            <a:r>
+              <a:rPr lang="bg-BG" i="1" dirty="0" smtClean="0"/>
+              <a:t>напр. цели числа /</a:t>
+            </a:r>
+            <a:r>
+              <a:rPr lang="en-US" i="1" dirty="0" smtClean="0"/>
+              <a:t>integers/</a:t>
+            </a:r>
+            <a:r>
+              <a:rPr lang="en-US" dirty="0" smtClean="0"/>
+              <a:t>). </a:t>
+            </a:r>
+            <a:r>
+              <a:rPr lang="bg-BG" dirty="0" smtClean="0"/>
+              <a:t>Определя конкретния тип информация, който се съхранява в дадена променлива </a:t>
+            </a:r>
+            <a:r>
+              <a:rPr lang="en-US" dirty="0" smtClean="0"/>
+              <a:t>(</a:t>
+            </a:r>
+            <a:r>
+              <a:rPr lang="en-US" i="1" dirty="0" smtClean="0"/>
+              <a:t>variable</a:t>
+            </a:r>
+            <a:r>
+              <a:rPr lang="en-US" dirty="0" smtClean="0"/>
+              <a:t>)</a:t>
+            </a:r>
+          </a:p>
+          <a:p>
+            <a:r>
+              <a:rPr lang="en-US" b="1" dirty="0" smtClean="0">
+                <a:solidFill>
+                  <a:srgbClr val="FF0000"/>
+                </a:solidFill>
+              </a:rPr>
+              <a:t>JavaScript</a:t>
+            </a:r>
+            <a:r>
+              <a:rPr lang="bg-BG" b="1" dirty="0" smtClean="0">
+                <a:solidFill>
+                  <a:srgbClr val="FF0000"/>
+                </a:solidFill>
+              </a:rPr>
+              <a:t> не</a:t>
+            </a:r>
+            <a:r>
+              <a:rPr lang="en-US" b="1" dirty="0" smtClean="0">
+                <a:solidFill>
+                  <a:srgbClr val="FF0000"/>
+                </a:solidFill>
+              </a:rPr>
+              <a:t> </a:t>
+            </a:r>
+            <a:r>
+              <a:rPr lang="bg-BG" b="1" dirty="0" smtClean="0">
+                <a:solidFill>
+                  <a:srgbClr val="FF0000"/>
+                </a:solidFill>
+              </a:rPr>
+              <a:t>е  строго типизиран език</a:t>
+            </a:r>
+          </a:p>
+          <a:p>
+            <a:pPr lvl="1"/>
+            <a:r>
+              <a:rPr lang="bg-BG" b="1" dirty="0" smtClean="0">
+                <a:solidFill>
+                  <a:srgbClr val="FF0000"/>
+                </a:solidFill>
+              </a:rPr>
+              <a:t>Всички променливи </a:t>
+            </a:r>
+            <a:r>
+              <a:rPr lang="en-US" b="1" dirty="0" smtClean="0">
+                <a:solidFill>
+                  <a:srgbClr val="FF0000"/>
+                </a:solidFill>
+              </a:rPr>
+              <a:t>(</a:t>
+            </a:r>
+            <a:r>
+              <a:rPr lang="en-US" b="1" i="1" dirty="0" smtClean="0">
+                <a:solidFill>
+                  <a:srgbClr val="FF0000"/>
+                </a:solidFill>
+              </a:rPr>
+              <a:t>variables</a:t>
+            </a:r>
+            <a:r>
+              <a:rPr lang="en-US" b="1" dirty="0" smtClean="0">
+                <a:solidFill>
+                  <a:srgbClr val="FF0000"/>
+                </a:solidFill>
+              </a:rPr>
+              <a:t>)</a:t>
+            </a:r>
+            <a:r>
+              <a:rPr lang="bg-BG" b="1" dirty="0" smtClean="0">
+                <a:solidFill>
+                  <a:srgbClr val="FF0000"/>
+                </a:solidFill>
+              </a:rPr>
+              <a:t> се декларират с ключовата дума </a:t>
+            </a:r>
+            <a:r>
+              <a:rPr lang="en-US" b="1" dirty="0" err="1" smtClean="0">
+                <a:solidFill>
+                  <a:schemeClr val="accent6">
+                    <a:lumMod val="75000"/>
+                  </a:schemeClr>
+                </a:solidFill>
+              </a:rPr>
+              <a:t>var</a:t>
+            </a:r>
+            <a:r>
+              <a:rPr lang="en-US" b="1" dirty="0" smtClean="0">
+                <a:solidFill>
+                  <a:schemeClr val="accent6">
+                    <a:lumMod val="75000"/>
+                  </a:schemeClr>
+                </a:solidFill>
+              </a:rPr>
+              <a:t>/let</a:t>
+            </a:r>
+          </a:p>
+          <a:p>
+            <a:pPr lvl="2"/>
+            <a:r>
+              <a:rPr lang="en-US" b="1" dirty="0" smtClean="0">
+                <a:solidFill>
+                  <a:srgbClr val="FF0000"/>
+                </a:solidFill>
+              </a:rPr>
+              <a:t>*</a:t>
+            </a:r>
+            <a:r>
+              <a:rPr lang="bg-BG" b="1" dirty="0" smtClean="0">
+                <a:solidFill>
+                  <a:srgbClr val="FF0000"/>
+                </a:solidFill>
+              </a:rPr>
+              <a:t>ключовата дума </a:t>
+            </a:r>
+            <a:r>
+              <a:rPr lang="en-US" b="1" dirty="0" smtClean="0">
+                <a:solidFill>
+                  <a:schemeClr val="accent6">
+                    <a:lumMod val="75000"/>
+                  </a:schemeClr>
+                </a:solidFill>
+              </a:rPr>
+              <a:t>let</a:t>
+            </a:r>
+            <a:r>
+              <a:rPr lang="en-US" b="1" dirty="0" smtClean="0">
+                <a:solidFill>
+                  <a:srgbClr val="FF0000"/>
+                </a:solidFill>
+              </a:rPr>
+              <a:t> e</a:t>
+            </a:r>
+            <a:r>
+              <a:rPr lang="bg-BG" b="1" dirty="0" smtClean="0">
+                <a:solidFill>
+                  <a:srgbClr val="FF0000"/>
+                </a:solidFill>
+              </a:rPr>
+              <a:t> част от </a:t>
+            </a:r>
+            <a:r>
+              <a:rPr lang="en-US" b="1" dirty="0" smtClean="0">
+                <a:solidFill>
+                  <a:srgbClr val="FF0000"/>
+                </a:solidFill>
+              </a:rPr>
+              <a:t>ES2015</a:t>
+            </a:r>
+            <a:r>
+              <a:rPr lang="bg-BG" b="1" dirty="0" smtClean="0">
+                <a:solidFill>
+                  <a:srgbClr val="FF0000"/>
+                </a:solidFill>
+              </a:rPr>
+              <a:t> и не се поддържа от по-стари версии на браузърите</a:t>
+            </a:r>
+            <a:endParaRPr lang="en-US" b="1" dirty="0" smtClean="0">
+              <a:solidFill>
+                <a:srgbClr val="FF0000"/>
+              </a:solidFill>
+            </a:endParaRPr>
+          </a:p>
+          <a:p>
+            <a:pPr lvl="1"/>
+            <a:r>
+              <a:rPr lang="bg-BG" b="1" dirty="0" smtClean="0">
+                <a:solidFill>
+                  <a:srgbClr val="FF0000"/>
+                </a:solidFill>
+              </a:rPr>
+              <a:t>Типа на променливата може да бъде сменян по всяко време</a:t>
+            </a:r>
+          </a:p>
+          <a:p>
+            <a:pPr lvl="1"/>
+            <a:r>
+              <a:rPr lang="bg-BG" b="1" dirty="0" smtClean="0">
+                <a:solidFill>
+                  <a:srgbClr val="FF0000"/>
+                </a:solidFill>
+              </a:rPr>
+              <a:t>Все пак </a:t>
+            </a:r>
+            <a:r>
+              <a:rPr lang="en-US" b="1" dirty="0" smtClean="0">
+                <a:solidFill>
+                  <a:srgbClr val="FF0000"/>
+                </a:solidFill>
+              </a:rPr>
+              <a:t>JavaScript</a:t>
+            </a:r>
+            <a:r>
+              <a:rPr lang="bg-BG" b="1" dirty="0" smtClean="0">
+                <a:solidFill>
+                  <a:srgbClr val="FF0000"/>
+                </a:solidFill>
+              </a:rPr>
+              <a:t> има няколко основни типа от данни</a:t>
+            </a:r>
+            <a:endParaRPr lang="en-US" b="1" dirty="0">
+              <a:solidFill>
+                <a:srgbClr val="FF0000"/>
+              </a:solidFill>
+            </a:endParaRPr>
+          </a:p>
+        </p:txBody>
+      </p:sp>
+      <p:sp>
+        <p:nvSpPr>
+          <p:cNvPr id="5" name="TextBox 4"/>
+          <p:cNvSpPr txBox="1"/>
+          <p:nvPr/>
+        </p:nvSpPr>
+        <p:spPr>
+          <a:xfrm>
+            <a:off x="8955739" y="5791940"/>
+            <a:ext cx="3129729" cy="923330"/>
+          </a:xfrm>
+          <a:prstGeom prst="rect">
+            <a:avLst/>
+          </a:prstGeom>
+        </p:spPr>
+        <p:style>
+          <a:lnRef idx="0">
+            <a:schemeClr val="accent1"/>
+          </a:lnRef>
+          <a:fillRef idx="3">
+            <a:schemeClr val="accent1"/>
+          </a:fillRef>
+          <a:effectRef idx="3">
+            <a:schemeClr val="accent1"/>
+          </a:effectRef>
+          <a:fontRef idx="minor">
+            <a:schemeClr val="lt1"/>
+          </a:fontRef>
+        </p:style>
+        <p:txBody>
+          <a:bodyPr wrap="square" rtlCol="0">
+            <a:spAutoFit/>
+          </a:bodyPr>
+          <a:lstStyle/>
+          <a:p>
+            <a:r>
+              <a:rPr lang="en-US" b="1" dirty="0" err="1" smtClean="0"/>
+              <a:t>var</a:t>
+            </a:r>
+            <a:r>
+              <a:rPr lang="en-US" b="1" dirty="0" smtClean="0"/>
+              <a:t> radius = 5;</a:t>
+            </a:r>
+          </a:p>
+          <a:p>
+            <a:r>
+              <a:rPr lang="en-US" b="1" dirty="0" err="1" smtClean="0"/>
+              <a:t>var</a:t>
+            </a:r>
+            <a:r>
+              <a:rPr lang="en-US" b="1" dirty="0" smtClean="0"/>
+              <a:t> name = ‘</a:t>
+            </a:r>
+            <a:r>
+              <a:rPr lang="en-US" b="1" dirty="0" err="1" smtClean="0"/>
+              <a:t>Pesho</a:t>
+            </a:r>
+            <a:r>
+              <a:rPr lang="en-US" b="1" dirty="0" smtClean="0"/>
+              <a:t>’;</a:t>
+            </a:r>
+          </a:p>
+          <a:p>
+            <a:r>
+              <a:rPr lang="en-US" b="1" dirty="0" smtClean="0"/>
+              <a:t>let side  = 3.5; </a:t>
+            </a:r>
+            <a:endParaRPr lang="en-US" b="1" dirty="0"/>
+          </a:p>
+        </p:txBody>
+      </p:sp>
+    </p:spTree>
+    <p:extLst>
+      <p:ext uri="{BB962C8B-B14F-4D97-AF65-F5344CB8AC3E}">
+        <p14:creationId xmlns:p14="http://schemas.microsoft.com/office/powerpoint/2010/main" val="2943808814"/>
+      </p:ext>
+    </p:extLst>
+  </p:cSld>
+  <p:clrMapOvr>
+    <a:masterClrMapping/>
+  </p:clrMapOvr>
+</p:sld>
+</file>
+
+<file path=ppt/slides/slide16.xml><?xml version="1.0" encoding="utf-8"?>
+<p:sld xmlns:a="http://schemas.openxmlformats.org/drawingml/2006/main" xmlns:r="http://schemas.openxmlformats.org/officeDocument/2006/relationships" xmlns:p="http://schemas.openxmlformats.org/presentationml/2006/main">
+  <p:cSld>
+    <p:spTree>
+      <p:nvGrpSpPr>
+        <p:cNvPr id="1" name=""/>
+        <p:cNvGrpSpPr/>
+        <p:nvPr/>
+      </p:nvGrpSpPr>
+      <p:grpSpPr>
+        <a:xfrm>
+          <a:off x="0" y="0"/>
+          <a:ext cx="0" cy="0"/>
+          <a:chOff x="0" y="0"/>
+          <a:chExt cx="0" cy="0"/>
+        </a:xfrm>
+      </p:grpSpPr>
+      <p:sp>
+        <p:nvSpPr>
+          <p:cNvPr id="2" name="Title 1"/>
+          <p:cNvSpPr>
+            <a:spLocks noGrp="1"/>
+          </p:cNvSpPr>
+          <p:nvPr>
+            <p:ph type="title"/>
+          </p:nvPr>
+        </p:nvSpPr>
+        <p:spPr/>
+        <p:txBody>
+          <a:bodyPr/>
+          <a:lstStyle/>
+          <a:p>
+            <a:r>
+              <a:rPr lang="bg-BG" dirty="0" smtClean="0"/>
+              <a:t>Целочислен тип (</a:t>
+            </a:r>
+            <a:r>
+              <a:rPr lang="en-US" dirty="0" smtClean="0"/>
+              <a:t>Integer)</a:t>
+            </a:r>
+            <a:endParaRPr lang="en-US" dirty="0"/>
+          </a:p>
+        </p:txBody>
+      </p:sp>
+      <p:sp>
+        <p:nvSpPr>
+          <p:cNvPr id="3" name="Content Placeholder 2"/>
+          <p:cNvSpPr>
+            <a:spLocks noGrp="1"/>
+          </p:cNvSpPr>
+          <p:nvPr>
+            <p:ph idx="1"/>
+          </p:nvPr>
+        </p:nvSpPr>
+        <p:spPr/>
+        <p:txBody>
+          <a:bodyPr/>
+          <a:lstStyle/>
+          <a:p>
+            <a:r>
+              <a:rPr lang="bg-BG" dirty="0" smtClean="0"/>
+              <a:t>Целочисления тип от данни представя цели числа (</a:t>
+            </a:r>
+            <a:r>
+              <a:rPr lang="bg-BG" i="1" dirty="0" smtClean="0"/>
+              <a:t>1,2,3...55....1034...</a:t>
+            </a:r>
+            <a:r>
+              <a:rPr lang="bg-BG" dirty="0" smtClean="0"/>
+              <a:t>)</a:t>
+            </a:r>
+          </a:p>
+          <a:p>
+            <a:r>
+              <a:rPr lang="bg-BG" dirty="0" smtClean="0"/>
+              <a:t>Диапазонът от стойности е от </a:t>
+            </a:r>
+            <a:r>
+              <a:rPr lang="en-US" i="1" dirty="0" smtClean="0">
+                <a:solidFill>
+                  <a:schemeClr val="accent6">
+                    <a:lumMod val="75000"/>
+                  </a:schemeClr>
+                </a:solidFill>
+              </a:rPr>
+              <a:t>-9007199254740992 </a:t>
+            </a:r>
+            <a:r>
+              <a:rPr lang="bg-BG" dirty="0" smtClean="0"/>
+              <a:t>до</a:t>
+            </a:r>
+            <a:r>
+              <a:rPr lang="en-US" dirty="0" smtClean="0"/>
+              <a:t> </a:t>
+            </a:r>
+            <a:r>
+              <a:rPr lang="en-US" i="1" dirty="0" smtClean="0">
+                <a:solidFill>
+                  <a:schemeClr val="accent6">
+                    <a:lumMod val="75000"/>
+                  </a:schemeClr>
+                </a:solidFill>
+              </a:rPr>
+              <a:t>9007199254740992</a:t>
+            </a:r>
+          </a:p>
+          <a:p>
+            <a:r>
+              <a:rPr lang="bg-BG" dirty="0" smtClean="0"/>
+              <a:t>Поведението и начина на запазване зависи от конкретната имплементация на </a:t>
+            </a:r>
+            <a:r>
+              <a:rPr lang="en-US" dirty="0" smtClean="0"/>
+              <a:t>JS</a:t>
+            </a:r>
+            <a:r>
+              <a:rPr lang="bg-BG" dirty="0" smtClean="0"/>
+              <a:t> интерпретатора (</a:t>
+            </a:r>
+            <a:r>
+              <a:rPr lang="en-US" i="1" dirty="0" smtClean="0"/>
+              <a:t>engine-a</a:t>
+            </a:r>
+            <a:r>
+              <a:rPr lang="bg-BG" i="1" dirty="0" smtClean="0"/>
+              <a:t> на </a:t>
+            </a:r>
+            <a:r>
+              <a:rPr lang="en-US" i="1" dirty="0" smtClean="0"/>
+              <a:t>browser-a</a:t>
+            </a:r>
+            <a:r>
+              <a:rPr lang="en-US" dirty="0" smtClean="0"/>
+              <a:t>)</a:t>
+            </a:r>
+            <a:endParaRPr lang="bg-BG" dirty="0" smtClean="0"/>
+          </a:p>
+          <a:p>
+            <a:r>
+              <a:rPr lang="bg-BG" dirty="0" smtClean="0"/>
+              <a:t>Текстово представяне на число може да бъде пръврнато в целочислено число чрез вградената функция </a:t>
+            </a:r>
+            <a:r>
+              <a:rPr lang="en-US" i="1" dirty="0" err="1" smtClean="0">
+                <a:solidFill>
+                  <a:schemeClr val="accent6">
+                    <a:lumMod val="75000"/>
+                  </a:schemeClr>
+                </a:solidFill>
+              </a:rPr>
+              <a:t>parseInt</a:t>
+            </a:r>
+            <a:r>
+              <a:rPr lang="en-US" i="1" dirty="0" smtClean="0">
+                <a:solidFill>
+                  <a:schemeClr val="accent6">
+                    <a:lumMod val="75000"/>
+                  </a:schemeClr>
+                </a:solidFill>
+              </a:rPr>
+              <a:t>(number)</a:t>
+            </a:r>
+            <a:endParaRPr lang="en-US" i="1" dirty="0">
+              <a:solidFill>
+                <a:schemeClr val="accent6">
+                  <a:lumMod val="75000"/>
+                </a:schemeClr>
+              </a:solidFill>
+            </a:endParaRPr>
+          </a:p>
+        </p:txBody>
+      </p:sp>
+      <p:sp>
+        <p:nvSpPr>
+          <p:cNvPr id="4" name="TextBox 3"/>
+          <p:cNvSpPr txBox="1"/>
+          <p:nvPr/>
+        </p:nvSpPr>
+        <p:spPr>
+          <a:xfrm>
+            <a:off x="9127983" y="5791200"/>
+            <a:ext cx="2919015" cy="923330"/>
+          </a:xfrm>
+          <a:prstGeom prst="rect">
+            <a:avLst/>
+          </a:prstGeom>
+        </p:spPr>
+        <p:style>
+          <a:lnRef idx="0">
+            <a:schemeClr val="accent1"/>
+          </a:lnRef>
+          <a:fillRef idx="3">
+            <a:schemeClr val="accent1"/>
+          </a:fillRef>
+          <a:effectRef idx="3">
+            <a:schemeClr val="accent1"/>
+          </a:effectRef>
+          <a:fontRef idx="minor">
+            <a:schemeClr val="lt1"/>
+          </a:fontRef>
+        </p:style>
+        <p:txBody>
+          <a:bodyPr wrap="square" rtlCol="0">
+            <a:spAutoFit/>
+          </a:bodyPr>
+          <a:lstStyle/>
+          <a:p>
+            <a:r>
+              <a:rPr lang="en-US" b="1" dirty="0" err="1" smtClean="0">
+                <a:latin typeface="Calibri" panose="020F0502020204030204" pitchFamily="34" charset="0"/>
+              </a:rPr>
+              <a:t>var</a:t>
+            </a:r>
+            <a:r>
+              <a:rPr lang="en-US" b="1" dirty="0" smtClean="0">
+                <a:latin typeface="Calibri" panose="020F0502020204030204" pitchFamily="34" charset="0"/>
+              </a:rPr>
+              <a:t> </a:t>
+            </a:r>
+            <a:r>
+              <a:rPr lang="en-US" b="1" dirty="0" smtClean="0">
+                <a:latin typeface="Calibri" panose="020F0502020204030204" pitchFamily="34" charset="0"/>
+              </a:rPr>
+              <a:t>count</a:t>
+            </a:r>
+            <a:r>
+              <a:rPr lang="en-US" b="1" dirty="0" smtClean="0">
+                <a:latin typeface="Calibri" panose="020F0502020204030204" pitchFamily="34" charset="0"/>
+              </a:rPr>
+              <a:t>= 5;</a:t>
+            </a:r>
+          </a:p>
+          <a:p>
+            <a:r>
+              <a:rPr lang="en-US" b="1" dirty="0" smtClean="0">
+                <a:latin typeface="Calibri" panose="020F0502020204030204" pitchFamily="34" charset="0"/>
+              </a:rPr>
+              <a:t>let sum = 0;</a:t>
+            </a:r>
+          </a:p>
+          <a:p>
+            <a:r>
+              <a:rPr lang="en-US" b="1" dirty="0" err="1" smtClean="0">
+                <a:latin typeface="Calibri" panose="020F0502020204030204" pitchFamily="34" charset="0"/>
+              </a:rPr>
+              <a:t>var</a:t>
+            </a:r>
+            <a:r>
+              <a:rPr lang="en-US" b="1" dirty="0" smtClean="0">
+                <a:latin typeface="Calibri" panose="020F0502020204030204" pitchFamily="34" charset="0"/>
+              </a:rPr>
+              <a:t> radius = </a:t>
+            </a:r>
+            <a:r>
+              <a:rPr lang="en-US" b="1" dirty="0" err="1" smtClean="0">
+                <a:latin typeface="Calibri" panose="020F0502020204030204" pitchFamily="34" charset="0"/>
+              </a:rPr>
+              <a:t>parseInt</a:t>
+            </a:r>
+            <a:r>
+              <a:rPr lang="en-US" b="1" dirty="0" smtClean="0">
+                <a:latin typeface="Calibri" panose="020F0502020204030204" pitchFamily="34" charset="0"/>
+              </a:rPr>
+              <a:t>(“5”);</a:t>
+            </a:r>
+            <a:r>
+              <a:rPr lang="en-US" b="1" dirty="0" smtClean="0">
+                <a:latin typeface="Calibri" panose="020F0502020204030204" pitchFamily="34" charset="0"/>
+              </a:rPr>
+              <a:t> </a:t>
+            </a:r>
+            <a:endParaRPr lang="en-US" b="1" dirty="0">
+              <a:latin typeface="Calibri" panose="020F0502020204030204" pitchFamily="34" charset="0"/>
+            </a:endParaRPr>
+          </a:p>
+        </p:txBody>
+      </p:sp>
+    </p:spTree>
+    <p:extLst>
+      <p:ext uri="{BB962C8B-B14F-4D97-AF65-F5344CB8AC3E}">
+        <p14:creationId xmlns:p14="http://schemas.microsoft.com/office/powerpoint/2010/main" val="2788928428"/>
+      </p:ext>
+    </p:extLst>
+  </p:cSld>
+  <p:clrMapOvr>
+    <a:masterClrMapping/>
+  </p:clrMapOvr>
+</p:sld>
+</file>
+
+<file path=ppt/slides/slide17.xml><?xml version="1.0" encoding="utf-8"?>
+<p:sld xmlns:a="http://schemas.openxmlformats.org/drawingml/2006/main" xmlns:r="http://schemas.openxmlformats.org/officeDocument/2006/relationships" xmlns:p="http://schemas.openxmlformats.org/presentationml/2006/main">
+  <p:cSld>
+    <p:spTree>
+      <p:nvGrpSpPr>
+        <p:cNvPr id="1" name=""/>
+        <p:cNvGrpSpPr/>
+        <p:nvPr/>
+      </p:nvGrpSpPr>
+      <p:grpSpPr>
+        <a:xfrm>
+          <a:off x="0" y="0"/>
+          <a:ext cx="0" cy="0"/>
+          <a:chOff x="0" y="0"/>
+          <a:chExt cx="0" cy="0"/>
+        </a:xfrm>
+      </p:grpSpPr>
+      <p:sp>
+        <p:nvSpPr>
+          <p:cNvPr id="2" name="Title 1"/>
+          <p:cNvSpPr>
+            <a:spLocks noGrp="1"/>
+          </p:cNvSpPr>
+          <p:nvPr>
+            <p:ph type="title"/>
+          </p:nvPr>
+        </p:nvSpPr>
+        <p:spPr/>
+        <p:txBody>
+          <a:bodyPr/>
+          <a:lstStyle/>
+          <a:p>
+            <a:r>
+              <a:rPr lang="bg-BG" dirty="0" smtClean="0"/>
+              <a:t>Реални числа (</a:t>
+            </a:r>
+            <a:r>
+              <a:rPr lang="en-US" dirty="0" smtClean="0"/>
+              <a:t>floating point numbers)</a:t>
+            </a:r>
+            <a:endParaRPr lang="en-US" dirty="0"/>
+          </a:p>
+        </p:txBody>
+      </p:sp>
+      <p:sp>
+        <p:nvSpPr>
+          <p:cNvPr id="3" name="Content Placeholder 2"/>
+          <p:cNvSpPr>
+            <a:spLocks noGrp="1"/>
+          </p:cNvSpPr>
+          <p:nvPr>
+            <p:ph idx="1"/>
+          </p:nvPr>
+        </p:nvSpPr>
+        <p:spPr/>
+        <p:txBody>
+          <a:bodyPr>
+            <a:normAutofit/>
+          </a:bodyPr>
+          <a:lstStyle/>
+          <a:p>
+            <a:r>
+              <a:rPr lang="bg-BG" dirty="0" smtClean="0"/>
+              <a:t>Реалните числа имат определена точност</a:t>
+            </a:r>
+          </a:p>
+          <a:p>
+            <a:r>
+              <a:rPr lang="bg-BG" dirty="0" smtClean="0"/>
+              <a:t>Могат да се появят аномалии при изчисления и трябва да се внимава</a:t>
+            </a:r>
+          </a:p>
+          <a:p>
+            <a:r>
+              <a:rPr lang="bg-BG" dirty="0" smtClean="0"/>
+              <a:t>Диапазонът им зависи от това колко битова ОС и браузър използваме (</a:t>
+            </a:r>
+            <a:r>
+              <a:rPr lang="bg-BG" i="1" dirty="0" smtClean="0"/>
+              <a:t>32</a:t>
+            </a:r>
+            <a:r>
+              <a:rPr lang="en-US" i="1" dirty="0" smtClean="0"/>
+              <a:t>bit vs 64bit</a:t>
+            </a:r>
+            <a:r>
+              <a:rPr lang="en-US" dirty="0" smtClean="0"/>
+              <a:t>). </a:t>
+            </a:r>
+            <a:r>
+              <a:rPr lang="bg-BG" dirty="0" smtClean="0"/>
+              <a:t>Все пак това могат да бъдат числа от </a:t>
+            </a:r>
+            <a:r>
+              <a:rPr lang="en-US" i="1" dirty="0">
+                <a:solidFill>
+                  <a:schemeClr val="accent6">
+                    <a:lumMod val="75000"/>
+                  </a:schemeClr>
+                </a:solidFill>
+              </a:rPr>
+              <a:t>5e-324</a:t>
+            </a:r>
+            <a:r>
+              <a:rPr lang="en-US" dirty="0"/>
+              <a:t> </a:t>
+            </a:r>
+            <a:r>
+              <a:rPr lang="bg-BG" dirty="0" smtClean="0"/>
+              <a:t>до</a:t>
+            </a:r>
+            <a:r>
+              <a:rPr lang="en-US" dirty="0" smtClean="0"/>
+              <a:t> </a:t>
+            </a:r>
+            <a:r>
+              <a:rPr lang="en-US" i="1" dirty="0" smtClean="0">
+                <a:solidFill>
+                  <a:schemeClr val="accent6">
+                    <a:lumMod val="75000"/>
+                  </a:schemeClr>
+                </a:solidFill>
+              </a:rPr>
+              <a:t>1.79e+308</a:t>
+            </a:r>
+            <a:endParaRPr lang="bg-BG" i="1" dirty="0" smtClean="0">
+              <a:solidFill>
+                <a:schemeClr val="accent6">
+                  <a:lumMod val="75000"/>
+                </a:schemeClr>
+              </a:solidFill>
+            </a:endParaRPr>
+          </a:p>
+          <a:p>
+            <a:r>
+              <a:rPr lang="bg-BG" dirty="0" smtClean="0"/>
+              <a:t>Базирани са на стандарта </a:t>
+            </a:r>
+            <a:r>
+              <a:rPr lang="en-US" dirty="0" smtClean="0">
+                <a:hlinkClick r:id="rId2"/>
+              </a:rPr>
+              <a:t>IEEE-754</a:t>
+            </a:r>
+            <a:endParaRPr lang="en-US" dirty="0" smtClean="0"/>
+          </a:p>
+          <a:p>
+            <a:r>
+              <a:rPr lang="bg-BG" dirty="0" smtClean="0"/>
+              <a:t>Символен низ може да се конверира към реално число чрез </a:t>
+            </a:r>
+            <a:r>
+              <a:rPr lang="en-US" i="1" dirty="0" err="1" smtClean="0">
+                <a:solidFill>
+                  <a:schemeClr val="accent6">
+                    <a:lumMod val="75000"/>
+                  </a:schemeClr>
+                </a:solidFill>
+              </a:rPr>
+              <a:t>parseFloat</a:t>
+            </a:r>
+            <a:r>
+              <a:rPr lang="en-US" i="1" dirty="0" smtClean="0">
+                <a:solidFill>
+                  <a:schemeClr val="accent6">
+                    <a:lumMod val="75000"/>
+                  </a:schemeClr>
+                </a:solidFill>
+              </a:rPr>
+              <a:t>(x)</a:t>
+            </a:r>
+          </a:p>
+        </p:txBody>
+      </p:sp>
+      <p:sp>
+        <p:nvSpPr>
+          <p:cNvPr id="4" name="TextBox 3"/>
+          <p:cNvSpPr txBox="1"/>
+          <p:nvPr/>
+        </p:nvSpPr>
+        <p:spPr>
+          <a:xfrm>
+            <a:off x="6906827" y="5791200"/>
+            <a:ext cx="5140171" cy="923330"/>
+          </a:xfrm>
+          <a:prstGeom prst="rect">
+            <a:avLst/>
+          </a:prstGeom>
+        </p:spPr>
+        <p:style>
+          <a:lnRef idx="0">
+            <a:schemeClr val="accent1"/>
+          </a:lnRef>
+          <a:fillRef idx="3">
+            <a:schemeClr val="accent1"/>
+          </a:fillRef>
+          <a:effectRef idx="3">
+            <a:schemeClr val="accent1"/>
+          </a:effectRef>
+          <a:fontRef idx="minor">
+            <a:schemeClr val="lt1"/>
+          </a:fontRef>
+        </p:style>
+        <p:txBody>
+          <a:bodyPr wrap="square" rtlCol="0">
+            <a:spAutoFit/>
+          </a:bodyPr>
+          <a:lstStyle/>
+          <a:p>
+            <a:r>
+              <a:rPr lang="en-US" dirty="0" err="1">
+                <a:latin typeface="Calibri" panose="020F0502020204030204" pitchFamily="34" charset="0"/>
+              </a:rPr>
+              <a:t>var</a:t>
+            </a:r>
+            <a:r>
+              <a:rPr lang="en-US" dirty="0">
+                <a:latin typeface="Calibri" panose="020F0502020204030204" pitchFamily="34" charset="0"/>
+              </a:rPr>
+              <a:t> PI = </a:t>
+            </a:r>
+            <a:r>
+              <a:rPr lang="en-US" dirty="0" err="1">
+                <a:latin typeface="Calibri" panose="020F0502020204030204" pitchFamily="34" charset="0"/>
+              </a:rPr>
+              <a:t>Math.PI</a:t>
+            </a:r>
+            <a:r>
+              <a:rPr lang="en-US" dirty="0">
+                <a:latin typeface="Calibri" panose="020F0502020204030204" pitchFamily="34" charset="0"/>
+              </a:rPr>
+              <a:t>; // 3.141592653589793 </a:t>
+            </a:r>
+            <a:endParaRPr lang="en-US" dirty="0" smtClean="0">
+              <a:latin typeface="Calibri" panose="020F0502020204030204" pitchFamily="34" charset="0"/>
+            </a:endParaRPr>
+          </a:p>
+          <a:p>
+            <a:r>
+              <a:rPr lang="en-US" dirty="0" err="1" smtClean="0">
+                <a:latin typeface="Calibri" panose="020F0502020204030204" pitchFamily="34" charset="0"/>
+              </a:rPr>
+              <a:t>var</a:t>
+            </a:r>
+            <a:r>
+              <a:rPr lang="en-US" dirty="0" smtClean="0">
+                <a:latin typeface="Calibri" panose="020F0502020204030204" pitchFamily="34" charset="0"/>
+              </a:rPr>
+              <a:t> </a:t>
+            </a:r>
+            <a:r>
+              <a:rPr lang="en-US" dirty="0" err="1">
+                <a:latin typeface="Calibri" panose="020F0502020204030204" pitchFamily="34" charset="0"/>
+              </a:rPr>
+              <a:t>minValue</a:t>
+            </a:r>
+            <a:r>
+              <a:rPr lang="en-US" dirty="0">
+                <a:latin typeface="Calibri" panose="020F0502020204030204" pitchFamily="34" charset="0"/>
+              </a:rPr>
+              <a:t> = </a:t>
+            </a:r>
+            <a:r>
+              <a:rPr lang="en-US" dirty="0" err="1">
+                <a:latin typeface="Calibri" panose="020F0502020204030204" pitchFamily="34" charset="0"/>
+              </a:rPr>
+              <a:t>Number.MIN_VALUE</a:t>
+            </a:r>
+            <a:r>
+              <a:rPr lang="en-US" dirty="0">
+                <a:latin typeface="Calibri" panose="020F0502020204030204" pitchFamily="34" charset="0"/>
+              </a:rPr>
+              <a:t>; // 5e-324 </a:t>
+            </a:r>
+            <a:endParaRPr lang="en-US" dirty="0" smtClean="0">
+              <a:latin typeface="Calibri" panose="020F0502020204030204" pitchFamily="34" charset="0"/>
+            </a:endParaRPr>
+          </a:p>
+          <a:p>
+            <a:r>
+              <a:rPr lang="en-US" dirty="0" err="1" smtClean="0">
+                <a:latin typeface="Calibri" panose="020F0502020204030204" pitchFamily="34" charset="0"/>
+              </a:rPr>
+              <a:t>var</a:t>
+            </a:r>
+            <a:r>
+              <a:rPr lang="en-US" dirty="0" smtClean="0">
+                <a:latin typeface="Calibri" panose="020F0502020204030204" pitchFamily="34" charset="0"/>
+              </a:rPr>
+              <a:t> </a:t>
+            </a:r>
+            <a:r>
+              <a:rPr lang="en-US" dirty="0" err="1">
+                <a:latin typeface="Calibri" panose="020F0502020204030204" pitchFamily="34" charset="0"/>
+              </a:rPr>
+              <a:t>maxValue</a:t>
+            </a:r>
+            <a:r>
+              <a:rPr lang="en-US" dirty="0">
+                <a:latin typeface="Calibri" panose="020F0502020204030204" pitchFamily="34" charset="0"/>
+              </a:rPr>
+              <a:t> = </a:t>
+            </a:r>
+            <a:r>
+              <a:rPr lang="en-US" dirty="0" err="1">
+                <a:latin typeface="Calibri" panose="020F0502020204030204" pitchFamily="34" charset="0"/>
+              </a:rPr>
+              <a:t>Number.MAX_VALUE</a:t>
+            </a:r>
+            <a:r>
+              <a:rPr lang="en-US" dirty="0">
+                <a:latin typeface="Calibri" panose="020F0502020204030204" pitchFamily="34" charset="0"/>
+              </a:rPr>
+              <a:t>; // 1.79e+308 </a:t>
+            </a:r>
+            <a:endParaRPr lang="en-US" b="1" dirty="0">
+              <a:latin typeface="Calibri" panose="020F0502020204030204" pitchFamily="34" charset="0"/>
+            </a:endParaRPr>
+          </a:p>
+        </p:txBody>
+      </p:sp>
+    </p:spTree>
+    <p:extLst>
+      <p:ext uri="{BB962C8B-B14F-4D97-AF65-F5344CB8AC3E}">
+        <p14:creationId xmlns:p14="http://schemas.microsoft.com/office/powerpoint/2010/main" val="3338187356"/>
+      </p:ext>
+    </p:extLst>
+  </p:cSld>
+  <p:clrMapOvr>
+    <a:masterClrMapping/>
+  </p:clrMapOvr>
+</p:sld>
+</file>
+
+<file path=ppt/slides/slide18.xml><?xml version="1.0" encoding="utf-8"?>
+<p:sld xmlns:a="http://schemas.openxmlformats.org/drawingml/2006/main" xmlns:r="http://schemas.openxmlformats.org/officeDocument/2006/relationships" xmlns:p="http://schemas.openxmlformats.org/presentationml/2006/main">
+  <p:cSld>
+    <p:spTree>
+      <p:nvGrpSpPr>
+        <p:cNvPr id="1" name=""/>
+        <p:cNvGrpSpPr/>
+        <p:nvPr/>
+      </p:nvGrpSpPr>
+      <p:grpSpPr>
+        <a:xfrm>
+          <a:off x="0" y="0"/>
+          <a:ext cx="0" cy="0"/>
+          <a:chOff x="0" y="0"/>
+          <a:chExt cx="0" cy="0"/>
+        </a:xfrm>
+      </p:grpSpPr>
+      <p:sp>
+        <p:nvSpPr>
+          <p:cNvPr id="2" name="Title 1"/>
+          <p:cNvSpPr>
+            <a:spLocks noGrp="1"/>
+          </p:cNvSpPr>
+          <p:nvPr>
+            <p:ph type="title"/>
+          </p:nvPr>
+        </p:nvSpPr>
+        <p:spPr/>
+        <p:txBody>
+          <a:bodyPr/>
+          <a:lstStyle/>
+          <a:p>
+            <a:r>
+              <a:rPr lang="bg-BG" dirty="0" smtClean="0"/>
+              <a:t>Аномалии при реалните числа</a:t>
+            </a:r>
+            <a:endParaRPr lang="en-US" dirty="0"/>
+          </a:p>
+        </p:txBody>
+      </p:sp>
+      <p:sp>
+        <p:nvSpPr>
+          <p:cNvPr id="3" name="Content Placeholder 2"/>
+          <p:cNvSpPr>
+            <a:spLocks noGrp="1"/>
+          </p:cNvSpPr>
+          <p:nvPr>
+            <p:ph idx="1"/>
+          </p:nvPr>
+        </p:nvSpPr>
+        <p:spPr>
+          <a:xfrm>
+            <a:off x="1484310" y="1979721"/>
+            <a:ext cx="10018713" cy="2459114"/>
+          </a:xfrm>
+        </p:spPr>
+        <p:txBody>
+          <a:bodyPr/>
+          <a:lstStyle/>
+          <a:p>
+            <a:r>
+              <a:rPr lang="bg-BG" dirty="0" smtClean="0"/>
+              <a:t>При сравнението на реални числа може да се получи аномалия и трябва да се внимава</a:t>
+            </a:r>
+            <a:endParaRPr lang="en-US" dirty="0"/>
+          </a:p>
+        </p:txBody>
+      </p:sp>
+      <p:sp>
+        <p:nvSpPr>
+          <p:cNvPr id="4" name="TextBox 3"/>
+          <p:cNvSpPr txBox="1"/>
+          <p:nvPr/>
+        </p:nvSpPr>
+        <p:spPr>
+          <a:xfrm>
+            <a:off x="4553895" y="3978430"/>
+            <a:ext cx="3684231" cy="1754326"/>
+          </a:xfrm>
+          <a:prstGeom prst="rect">
+            <a:avLst/>
+          </a:prstGeom>
+        </p:spPr>
+        <p:style>
+          <a:lnRef idx="0">
+            <a:schemeClr val="accent1"/>
+          </a:lnRef>
+          <a:fillRef idx="3">
+            <a:schemeClr val="accent1"/>
+          </a:fillRef>
+          <a:effectRef idx="3">
+            <a:schemeClr val="accent1"/>
+          </a:effectRef>
+          <a:fontRef idx="minor">
+            <a:schemeClr val="lt1"/>
+          </a:fontRef>
+        </p:style>
+        <p:txBody>
+          <a:bodyPr wrap="square" rtlCol="0">
+            <a:spAutoFit/>
+          </a:bodyPr>
+          <a:lstStyle/>
+          <a:p>
+            <a:r>
+              <a:rPr lang="en-US" dirty="0" err="1">
+                <a:latin typeface="Calibri" panose="020F0502020204030204" pitchFamily="34" charset="0"/>
+              </a:rPr>
+              <a:t>var</a:t>
+            </a:r>
+            <a:r>
+              <a:rPr lang="en-US" dirty="0">
+                <a:latin typeface="Calibri" panose="020F0502020204030204" pitchFamily="34" charset="0"/>
+              </a:rPr>
+              <a:t> a = 0.1</a:t>
+            </a:r>
+            <a:r>
+              <a:rPr lang="en-US" dirty="0" smtClean="0">
+                <a:latin typeface="Calibri" panose="020F0502020204030204" pitchFamily="34" charset="0"/>
+              </a:rPr>
+              <a:t>;</a:t>
+            </a:r>
+            <a:endParaRPr lang="bg-BG" dirty="0" smtClean="0">
+              <a:latin typeface="Calibri" panose="020F0502020204030204" pitchFamily="34" charset="0"/>
+            </a:endParaRPr>
+          </a:p>
+          <a:p>
+            <a:r>
+              <a:rPr lang="en-US" dirty="0" err="1" smtClean="0">
+                <a:latin typeface="Calibri" panose="020F0502020204030204" pitchFamily="34" charset="0"/>
+              </a:rPr>
+              <a:t>var</a:t>
+            </a:r>
+            <a:r>
+              <a:rPr lang="en-US" dirty="0" smtClean="0">
+                <a:latin typeface="Calibri" panose="020F0502020204030204" pitchFamily="34" charset="0"/>
+              </a:rPr>
+              <a:t> </a:t>
+            </a:r>
+            <a:r>
+              <a:rPr lang="en-US" dirty="0">
+                <a:latin typeface="Calibri" panose="020F0502020204030204" pitchFamily="34" charset="0"/>
+              </a:rPr>
+              <a:t>b = 0.2</a:t>
+            </a:r>
+            <a:r>
+              <a:rPr lang="en-US" dirty="0" smtClean="0">
+                <a:latin typeface="Calibri" panose="020F0502020204030204" pitchFamily="34" charset="0"/>
+              </a:rPr>
+              <a:t>;</a:t>
+            </a:r>
+            <a:endParaRPr lang="bg-BG" dirty="0" smtClean="0">
+              <a:latin typeface="Calibri" panose="020F0502020204030204" pitchFamily="34" charset="0"/>
+            </a:endParaRPr>
+          </a:p>
+          <a:p>
+            <a:r>
+              <a:rPr lang="en-US" dirty="0" err="1" smtClean="0">
+                <a:latin typeface="Calibri" panose="020F0502020204030204" pitchFamily="34" charset="0"/>
+              </a:rPr>
+              <a:t>var</a:t>
+            </a:r>
+            <a:r>
+              <a:rPr lang="en-US" dirty="0" smtClean="0">
+                <a:latin typeface="Calibri" panose="020F0502020204030204" pitchFamily="34" charset="0"/>
+              </a:rPr>
+              <a:t> </a:t>
+            </a:r>
+            <a:r>
+              <a:rPr lang="en-US" dirty="0">
+                <a:latin typeface="Calibri" panose="020F0502020204030204" pitchFamily="34" charset="0"/>
+              </a:rPr>
+              <a:t>sum = 0.3; </a:t>
+            </a:r>
+            <a:endParaRPr lang="bg-BG" dirty="0" smtClean="0">
+              <a:latin typeface="Calibri" panose="020F0502020204030204" pitchFamily="34" charset="0"/>
+            </a:endParaRPr>
+          </a:p>
+          <a:p>
+            <a:r>
+              <a:rPr lang="en-US" dirty="0" err="1" smtClean="0">
+                <a:latin typeface="Calibri" panose="020F0502020204030204" pitchFamily="34" charset="0"/>
+              </a:rPr>
+              <a:t>var</a:t>
+            </a:r>
+            <a:r>
+              <a:rPr lang="en-US" dirty="0" smtClean="0">
+                <a:latin typeface="Calibri" panose="020F0502020204030204" pitchFamily="34" charset="0"/>
+              </a:rPr>
+              <a:t> </a:t>
+            </a:r>
+            <a:r>
+              <a:rPr lang="en-US" dirty="0">
+                <a:latin typeface="Calibri" panose="020F0502020204030204" pitchFamily="34" charset="0"/>
+              </a:rPr>
+              <a:t>equal = (</a:t>
+            </a:r>
+            <a:r>
+              <a:rPr lang="en-US" dirty="0" err="1">
+                <a:latin typeface="Calibri" panose="020F0502020204030204" pitchFamily="34" charset="0"/>
+              </a:rPr>
+              <a:t>a+b</a:t>
+            </a:r>
+            <a:r>
+              <a:rPr lang="en-US" dirty="0">
+                <a:latin typeface="Calibri" panose="020F0502020204030204" pitchFamily="34" charset="0"/>
+              </a:rPr>
+              <a:t> == sum); // false</a:t>
+            </a:r>
+            <a:r>
+              <a:rPr lang="en-US" dirty="0" smtClean="0">
+                <a:latin typeface="Calibri" panose="020F0502020204030204" pitchFamily="34" charset="0"/>
+              </a:rPr>
+              <a:t>!!!</a:t>
+            </a:r>
+            <a:endParaRPr lang="bg-BG" dirty="0" smtClean="0">
+              <a:latin typeface="Calibri" panose="020F0502020204030204" pitchFamily="34" charset="0"/>
+            </a:endParaRPr>
+          </a:p>
+          <a:p>
+            <a:endParaRPr lang="bg-BG" dirty="0">
+              <a:latin typeface="Calibri" panose="020F0502020204030204" pitchFamily="34" charset="0"/>
+            </a:endParaRPr>
+          </a:p>
+          <a:p>
+            <a:r>
+              <a:rPr lang="en-US" dirty="0" smtClean="0">
+                <a:latin typeface="Calibri" panose="020F0502020204030204" pitchFamily="34" charset="0"/>
+              </a:rPr>
+              <a:t>console.log(equal); </a:t>
+            </a:r>
+            <a:endParaRPr lang="en-US" b="1" dirty="0">
+              <a:latin typeface="Calibri" panose="020F0502020204030204" pitchFamily="34" charset="0"/>
+            </a:endParaRPr>
+          </a:p>
+        </p:txBody>
+      </p:sp>
+    </p:spTree>
+    <p:extLst>
+      <p:ext uri="{BB962C8B-B14F-4D97-AF65-F5344CB8AC3E}">
+        <p14:creationId xmlns:p14="http://schemas.microsoft.com/office/powerpoint/2010/main" val="2091990024"/>
+      </p:ext>
+    </p:extLst>
+  </p:cSld>
+  <p:clrMapOvr>
+    <a:masterClrMapping/>
+  </p:clrMapOvr>
+</p:sld>
+</file>
+
+<file path=ppt/slides/slide19.xml><?xml version="1.0" encoding="utf-8"?>
+<p:sld xmlns:a="http://schemas.openxmlformats.org/drawingml/2006/main" xmlns:r="http://schemas.openxmlformats.org/officeDocument/2006/relationships" xmlns:p="http://schemas.openxmlformats.org/presentationml/2006/main">
+  <p:cSld>
+    <p:spTree>
+      <p:nvGrpSpPr>
+        <p:cNvPr id="1" name=""/>
+        <p:cNvGrpSpPr/>
+        <p:nvPr/>
+      </p:nvGrpSpPr>
+      <p:grpSpPr>
+        <a:xfrm>
+          <a:off x="0" y="0"/>
+          <a:ext cx="0" cy="0"/>
+          <a:chOff x="0" y="0"/>
+          <a:chExt cx="0" cy="0"/>
+        </a:xfrm>
+      </p:grpSpPr>
+      <p:sp>
+        <p:nvSpPr>
+          <p:cNvPr id="2" name="Title 1"/>
+          <p:cNvSpPr>
+            <a:spLocks noGrp="1"/>
+          </p:cNvSpPr>
+          <p:nvPr>
+            <p:ph type="title"/>
+          </p:nvPr>
+        </p:nvSpPr>
+        <p:spPr/>
+        <p:txBody>
+          <a:bodyPr/>
+          <a:lstStyle/>
+          <a:p>
+            <a:r>
+              <a:rPr lang="bg-BG" dirty="0" smtClean="0"/>
+              <a:t>Числа. Обобщение</a:t>
+            </a:r>
+            <a:endParaRPr lang="en-US" dirty="0"/>
+          </a:p>
+        </p:txBody>
+      </p:sp>
+      <p:sp>
+        <p:nvSpPr>
+          <p:cNvPr id="3" name="Content Placeholder 2"/>
+          <p:cNvSpPr>
+            <a:spLocks noGrp="1"/>
+          </p:cNvSpPr>
+          <p:nvPr>
+            <p:ph idx="1"/>
+          </p:nvPr>
+        </p:nvSpPr>
+        <p:spPr>
+          <a:xfrm>
+            <a:off x="1484310" y="2121763"/>
+            <a:ext cx="10018713" cy="2982897"/>
+          </a:xfrm>
+        </p:spPr>
+        <p:txBody>
+          <a:bodyPr/>
+          <a:lstStyle/>
+          <a:p>
+            <a:r>
+              <a:rPr lang="bg-BG" dirty="0" smtClean="0"/>
+              <a:t>Числовите типове в </a:t>
+            </a:r>
+            <a:r>
+              <a:rPr lang="en-US" dirty="0" smtClean="0"/>
+              <a:t>JS</a:t>
+            </a:r>
+            <a:r>
+              <a:rPr lang="bg-BG" dirty="0" smtClean="0"/>
+              <a:t> могат да се обощят чрез обекта </a:t>
+            </a:r>
+            <a:r>
+              <a:rPr lang="en-US" b="1" dirty="0" smtClean="0">
+                <a:hlinkClick r:id="rId2"/>
+              </a:rPr>
+              <a:t>Number</a:t>
+            </a:r>
+            <a:endParaRPr lang="en-US" b="1" dirty="0" smtClean="0"/>
+          </a:p>
+          <a:p>
+            <a:r>
+              <a:rPr lang="bg-BG" dirty="0" smtClean="0"/>
+              <a:t>Всички числа са реални, като могат да се превърнат в цели</a:t>
+            </a:r>
+            <a:endParaRPr lang="en-US" dirty="0" smtClean="0"/>
+          </a:p>
+          <a:p>
+            <a:r>
+              <a:rPr lang="bg-BG" dirty="0" smtClean="0"/>
+              <a:t>Трябва да се внимава дали се работи със символни низове или числа</a:t>
+            </a:r>
+          </a:p>
+          <a:p>
+            <a:r>
+              <a:rPr lang="bg-BG" dirty="0" smtClean="0"/>
+              <a:t>Хитрости</a:t>
+            </a:r>
+          </a:p>
+        </p:txBody>
+      </p:sp>
+      <p:sp>
+        <p:nvSpPr>
+          <p:cNvPr id="5" name="TextBox 4"/>
+          <p:cNvSpPr txBox="1"/>
+          <p:nvPr/>
+        </p:nvSpPr>
+        <p:spPr>
+          <a:xfrm>
+            <a:off x="4518385" y="4369048"/>
+            <a:ext cx="4581227" cy="2031325"/>
+          </a:xfrm>
+          <a:prstGeom prst="rect">
+            <a:avLst/>
+          </a:prstGeom>
+        </p:spPr>
+        <p:style>
+          <a:lnRef idx="0">
+            <a:schemeClr val="accent1"/>
+          </a:lnRef>
+          <a:fillRef idx="3">
+            <a:schemeClr val="accent1"/>
+          </a:fillRef>
+          <a:effectRef idx="3">
+            <a:schemeClr val="accent1"/>
+          </a:effectRef>
+          <a:fontRef idx="minor">
+            <a:schemeClr val="lt1"/>
+          </a:fontRef>
+        </p:style>
+        <p:txBody>
+          <a:bodyPr wrap="square" rtlCol="0">
+            <a:spAutoFit/>
+          </a:bodyPr>
+          <a:lstStyle/>
+          <a:p>
+            <a:r>
+              <a:rPr lang="en-US" dirty="0" err="1">
+                <a:latin typeface="Calibri" panose="020F0502020204030204" pitchFamily="34" charset="0"/>
+              </a:rPr>
+              <a:t>var</a:t>
+            </a:r>
+            <a:r>
+              <a:rPr lang="en-US" dirty="0">
+                <a:latin typeface="Calibri" panose="020F0502020204030204" pitchFamily="34" charset="0"/>
+              </a:rPr>
+              <a:t> </a:t>
+            </a:r>
+            <a:r>
+              <a:rPr lang="en-US" dirty="0" err="1">
+                <a:latin typeface="Calibri" panose="020F0502020204030204" pitchFamily="34" charset="0"/>
+              </a:rPr>
+              <a:t>valueDouble</a:t>
+            </a:r>
+            <a:r>
+              <a:rPr lang="en-US" dirty="0">
+                <a:latin typeface="Calibri" panose="020F0502020204030204" pitchFamily="34" charset="0"/>
+              </a:rPr>
+              <a:t> = 8.75; </a:t>
+            </a:r>
+            <a:endParaRPr lang="bg-BG" dirty="0" smtClean="0">
+              <a:latin typeface="Calibri" panose="020F0502020204030204" pitchFamily="34" charset="0"/>
+            </a:endParaRPr>
+          </a:p>
+          <a:p>
+            <a:r>
+              <a:rPr lang="en-US" dirty="0" err="1" smtClean="0">
+                <a:latin typeface="Calibri" panose="020F0502020204030204" pitchFamily="34" charset="0"/>
+              </a:rPr>
+              <a:t>var</a:t>
+            </a:r>
+            <a:r>
+              <a:rPr lang="en-US" dirty="0" smtClean="0">
+                <a:latin typeface="Calibri" panose="020F0502020204030204" pitchFamily="34" charset="0"/>
+              </a:rPr>
+              <a:t> </a:t>
+            </a:r>
+            <a:r>
+              <a:rPr lang="en-US" dirty="0" err="1">
+                <a:latin typeface="Calibri" panose="020F0502020204030204" pitchFamily="34" charset="0"/>
+              </a:rPr>
+              <a:t>valueInt</a:t>
+            </a:r>
+            <a:r>
+              <a:rPr lang="en-US" dirty="0">
+                <a:latin typeface="Calibri" panose="020F0502020204030204" pitchFamily="34" charset="0"/>
+              </a:rPr>
+              <a:t> = </a:t>
+            </a:r>
+            <a:r>
+              <a:rPr lang="en-US" dirty="0" err="1">
+                <a:latin typeface="Calibri" panose="020F0502020204030204" pitchFamily="34" charset="0"/>
+              </a:rPr>
+              <a:t>valueDouble</a:t>
+            </a:r>
+            <a:r>
+              <a:rPr lang="en-US" dirty="0">
+                <a:latin typeface="Calibri" panose="020F0502020204030204" pitchFamily="34" charset="0"/>
+              </a:rPr>
+              <a:t> | 0; // </a:t>
+            </a:r>
+            <a:r>
+              <a:rPr lang="en-US" dirty="0" smtClean="0">
+                <a:latin typeface="Calibri" panose="020F0502020204030204" pitchFamily="34" charset="0"/>
+              </a:rPr>
+              <a:t>8</a:t>
+            </a:r>
+            <a:endParaRPr lang="bg-BG" dirty="0" smtClean="0">
+              <a:latin typeface="Calibri" panose="020F0502020204030204" pitchFamily="34" charset="0"/>
+            </a:endParaRPr>
+          </a:p>
+          <a:p>
+            <a:endParaRPr lang="bg-BG" b="1" dirty="0">
+              <a:latin typeface="Calibri" panose="020F0502020204030204" pitchFamily="34" charset="0"/>
+            </a:endParaRPr>
+          </a:p>
+          <a:p>
+            <a:r>
+              <a:rPr lang="en-US" dirty="0" err="1">
+                <a:latin typeface="Calibri" panose="020F0502020204030204" pitchFamily="34" charset="0"/>
+              </a:rPr>
+              <a:t>var</a:t>
+            </a:r>
+            <a:r>
+              <a:rPr lang="en-US" dirty="0">
+                <a:latin typeface="Calibri" panose="020F0502020204030204" pitchFamily="34" charset="0"/>
+              </a:rPr>
+              <a:t> </a:t>
+            </a:r>
+            <a:r>
+              <a:rPr lang="en-US" dirty="0" err="1">
+                <a:latin typeface="Calibri" panose="020F0502020204030204" pitchFamily="34" charset="0"/>
+              </a:rPr>
+              <a:t>roundedInt</a:t>
+            </a:r>
+            <a:r>
+              <a:rPr lang="en-US" dirty="0">
+                <a:latin typeface="Calibri" panose="020F0502020204030204" pitchFamily="34" charset="0"/>
+              </a:rPr>
+              <a:t> = (</a:t>
+            </a:r>
+            <a:r>
+              <a:rPr lang="en-US" dirty="0" err="1">
+                <a:latin typeface="Calibri" panose="020F0502020204030204" pitchFamily="34" charset="0"/>
+              </a:rPr>
+              <a:t>valueDouble</a:t>
+            </a:r>
+            <a:r>
+              <a:rPr lang="en-US" dirty="0">
+                <a:latin typeface="Calibri" panose="020F0502020204030204" pitchFamily="34" charset="0"/>
+              </a:rPr>
+              <a:t> + 0.5) | 0; // </a:t>
+            </a:r>
+            <a:r>
+              <a:rPr lang="en-US" dirty="0" smtClean="0">
+                <a:latin typeface="Calibri" panose="020F0502020204030204" pitchFamily="34" charset="0"/>
+              </a:rPr>
+              <a:t>9</a:t>
+            </a:r>
+            <a:endParaRPr lang="bg-BG" dirty="0" smtClean="0">
+              <a:latin typeface="Calibri" panose="020F0502020204030204" pitchFamily="34" charset="0"/>
+            </a:endParaRPr>
+          </a:p>
+          <a:p>
+            <a:endParaRPr lang="bg-BG" dirty="0">
+              <a:latin typeface="Calibri" panose="020F0502020204030204" pitchFamily="34" charset="0"/>
+            </a:endParaRPr>
+          </a:p>
+          <a:p>
+            <a:r>
+              <a:rPr lang="en-US" dirty="0" err="1">
+                <a:latin typeface="Calibri" panose="020F0502020204030204" pitchFamily="34" charset="0"/>
+              </a:rPr>
+              <a:t>var</a:t>
+            </a:r>
+            <a:r>
+              <a:rPr lang="en-US" dirty="0">
+                <a:latin typeface="Calibri" panose="020F0502020204030204" pitchFamily="34" charset="0"/>
+              </a:rPr>
+              <a:t> </a:t>
+            </a:r>
+            <a:r>
+              <a:rPr lang="en-US" dirty="0" err="1">
+                <a:latin typeface="Calibri" panose="020F0502020204030204" pitchFamily="34" charset="0"/>
+              </a:rPr>
+              <a:t>str</a:t>
+            </a:r>
+            <a:r>
+              <a:rPr lang="en-US" dirty="0">
+                <a:latin typeface="Calibri" panose="020F0502020204030204" pitchFamily="34" charset="0"/>
+              </a:rPr>
+              <a:t> = '1234'; </a:t>
+            </a:r>
+            <a:endParaRPr lang="bg-BG" dirty="0" smtClean="0">
+              <a:latin typeface="Calibri" panose="020F0502020204030204" pitchFamily="34" charset="0"/>
+            </a:endParaRPr>
+          </a:p>
+          <a:p>
+            <a:r>
+              <a:rPr lang="en-US" dirty="0" err="1" smtClean="0">
+                <a:latin typeface="Calibri" panose="020F0502020204030204" pitchFamily="34" charset="0"/>
+              </a:rPr>
+              <a:t>var</a:t>
+            </a:r>
+            <a:r>
+              <a:rPr lang="en-US" dirty="0" smtClean="0">
+                <a:latin typeface="Calibri" panose="020F0502020204030204" pitchFamily="34" charset="0"/>
+              </a:rPr>
+              <a:t> </a:t>
+            </a:r>
+            <a:r>
+              <a:rPr lang="en-US" dirty="0" err="1">
+                <a:latin typeface="Calibri" panose="020F0502020204030204" pitchFamily="34" charset="0"/>
+              </a:rPr>
+              <a:t>i</a:t>
+            </a:r>
+            <a:r>
+              <a:rPr lang="en-US" dirty="0">
+                <a:latin typeface="Calibri" panose="020F0502020204030204" pitchFamily="34" charset="0"/>
+              </a:rPr>
+              <a:t> = </a:t>
+            </a:r>
+            <a:r>
+              <a:rPr lang="en-US" dirty="0" err="1">
+                <a:latin typeface="Calibri" panose="020F0502020204030204" pitchFamily="34" charset="0"/>
+              </a:rPr>
+              <a:t>str</a:t>
+            </a:r>
+            <a:r>
+              <a:rPr lang="en-US" dirty="0">
+                <a:latin typeface="Calibri" panose="020F0502020204030204" pitchFamily="34" charset="0"/>
+              </a:rPr>
+              <a:t> | 0 + 1; // 1235 </a:t>
+            </a:r>
+            <a:endParaRPr lang="en-US" b="1" dirty="0">
+              <a:latin typeface="Calibri" panose="020F0502020204030204" pitchFamily="34" charset="0"/>
+            </a:endParaRPr>
+          </a:p>
+        </p:txBody>
+      </p:sp>
+    </p:spTree>
+    <p:extLst>
+      <p:ext uri="{BB962C8B-B14F-4D97-AF65-F5344CB8AC3E}">
+        <p14:creationId xmlns:p14="http://schemas.microsoft.com/office/powerpoint/2010/main" val="1999711036"/>
+      </p:ext>
+    </p:extLst>
+  </p:cSld>
+  <p:clrMapOvr>
+    <a:masterClrMapping/>
+  </p:clrMapOvr>
+</p:sld>
+</file>
+
+<file path=ppt/slides/slide2.xml><?xml version="1.0" encoding="utf-8"?>
+<p:sld xmlns:a="http://schemas.openxmlformats.org/drawingml/2006/main" xmlns:r="http://schemas.openxmlformats.org/officeDocument/2006/relationships" xmlns:p="http://schemas.openxmlformats.org/presentationml/2006/main">
+  <p:cSld>
+    <p:spTree>
+      <p:nvGrpSpPr>
+        <p:cNvPr id="1" name=""/>
+        <p:cNvGrpSpPr/>
+        <p:nvPr/>
+      </p:nvGrpSpPr>
+      <p:grpSpPr>
+        <a:xfrm>
+          <a:off x="0" y="0"/>
+          <a:ext cx="0" cy="0"/>
+          <a:chOff x="0" y="0"/>
+          <a:chExt cx="0" cy="0"/>
+        </a:xfrm>
+      </p:grpSpPr>
+      <p:sp>
+        <p:nvSpPr>
+          <p:cNvPr id="2" name="Title 1"/>
+          <p:cNvSpPr>
+            <a:spLocks noGrp="1"/>
+          </p:cNvSpPr>
+          <p:nvPr>
+            <p:ph type="title"/>
+          </p:nvPr>
+        </p:nvSpPr>
+        <p:spPr/>
+        <p:txBody>
+          <a:bodyPr/>
+          <a:lstStyle/>
+          <a:p>
+            <a:r>
+              <a:rPr lang="bg-BG" dirty="0"/>
+              <a:t>Динамичен </a:t>
+            </a:r>
+            <a:r>
+              <a:rPr lang="en-US" dirty="0"/>
+              <a:t>HTML (DHTML)</a:t>
+            </a:r>
+          </a:p>
+        </p:txBody>
+      </p:sp>
+      <p:graphicFrame>
+        <p:nvGraphicFramePr>
+          <p:cNvPr id="6" name="Content Placeholder 5"/>
+          <p:cNvGraphicFramePr>
+            <a:graphicFrameLocks noGrp="1"/>
+          </p:cNvGraphicFramePr>
+          <p:nvPr>
+            <p:ph sz="half" idx="1"/>
+            <p:extLst>
+              <p:ext uri="{D42A27DB-BD31-4B8C-83A1-F6EECF244321}">
+                <p14:modId xmlns:p14="http://schemas.microsoft.com/office/powerpoint/2010/main" val="3037483038"/>
+              </p:ext>
+            </p:extLst>
+          </p:nvPr>
+        </p:nvGraphicFramePr>
+        <p:xfrm>
+          <a:off x="1484313" y="2667000"/>
+          <a:ext cx="4894262" cy="3124200"/>
+        </p:xfrm>
+        <a:graphic>
+          <a:graphicData uri="http://schemas.openxmlformats.org/drawingml/2006/diagram">
+            <dgm:relIds xmlns:dgm="http://schemas.openxmlformats.org/drawingml/2006/diagram" xmlns:r="http://schemas.openxmlformats.org/officeDocument/2006/relationships" r:dm="rId2" r:lo="rId3" r:qs="rId4" r:cs="rId5"/>
+          </a:graphicData>
+        </a:graphic>
+      </p:graphicFrame>
+      <p:sp>
+        <p:nvSpPr>
+          <p:cNvPr id="7" name="Content Placeholder 6"/>
+          <p:cNvSpPr>
+            <a:spLocks noGrp="1"/>
+          </p:cNvSpPr>
+          <p:nvPr>
+            <p:ph sz="half" idx="2"/>
+          </p:nvPr>
+        </p:nvSpPr>
+        <p:spPr/>
+        <p:txBody>
+          <a:bodyPr>
+            <a:normAutofit lnSpcReduction="10000"/>
+          </a:bodyPr>
+          <a:lstStyle/>
+          <a:p>
+            <a:r>
+              <a:rPr lang="bg-BG" dirty="0"/>
+              <a:t>Динамичен </a:t>
+            </a:r>
+            <a:r>
+              <a:rPr lang="en-US" dirty="0"/>
+              <a:t>HTML(DHTML)</a:t>
+            </a:r>
+          </a:p>
+          <a:p>
+            <a:pPr lvl="1" algn="just"/>
+            <a:r>
+              <a:rPr lang="bg-BG" dirty="0"/>
+              <a:t>Съвкупност от съдържание, стилове и програмна логика, които правят въжможно, страницата да реагира на промените и потребителски действия бързо и адекватно</a:t>
+            </a:r>
+          </a:p>
+          <a:p>
+            <a:pPr algn="just"/>
+            <a:r>
+              <a:rPr lang="en-US" b="1" dirty="0"/>
+              <a:t>HTML</a:t>
+            </a:r>
+            <a:r>
+              <a:rPr lang="en-US" dirty="0"/>
+              <a:t> -&gt; </a:t>
+            </a:r>
+            <a:r>
+              <a:rPr lang="bg-BG" i="1" dirty="0"/>
+              <a:t>съдържанието на страницата</a:t>
+            </a:r>
+          </a:p>
+          <a:p>
+            <a:pPr algn="just"/>
+            <a:r>
+              <a:rPr lang="en-US" b="1" dirty="0"/>
+              <a:t>CSS</a:t>
+            </a:r>
+            <a:r>
+              <a:rPr lang="en-US" dirty="0"/>
+              <a:t> -&gt;</a:t>
+            </a:r>
+            <a:r>
+              <a:rPr lang="bg-BG" dirty="0"/>
+              <a:t> </a:t>
+            </a:r>
+            <a:r>
+              <a:rPr lang="bg-BG" i="1" dirty="0"/>
+              <a:t>начина, по който изглежда страницата</a:t>
+            </a:r>
+          </a:p>
+          <a:p>
+            <a:pPr algn="just"/>
+            <a:r>
+              <a:rPr lang="en-US" b="1" dirty="0"/>
+              <a:t>JavaScript</a:t>
+            </a:r>
+            <a:r>
+              <a:rPr lang="en-US" dirty="0"/>
+              <a:t> -&gt; </a:t>
+            </a:r>
+            <a:r>
+              <a:rPr lang="bg-BG" i="1" dirty="0"/>
+              <a:t>логика за връзка между потребителя и системата</a:t>
+            </a:r>
+            <a:endParaRPr lang="en-US" i="1" dirty="0"/>
+          </a:p>
+        </p:txBody>
+      </p:sp>
+    </p:spTree>
+    <p:extLst>
+      <p:ext uri="{BB962C8B-B14F-4D97-AF65-F5344CB8AC3E}">
+        <p14:creationId xmlns:p14="http://schemas.microsoft.com/office/powerpoint/2010/main" val="2440347416"/>
+      </p:ext>
+    </p:extLst>
+  </p:cSld>
+  <p:clrMapOvr>
+    <a:masterClrMapping/>
+  </p:clrMapOvr>
+</p:sld>
+</file>
+
+<file path=ppt/slides/slide20.xml><?xml version="1.0" encoding="utf-8"?>
+<p:sld xmlns:a="http://schemas.openxmlformats.org/drawingml/2006/main" xmlns:r="http://schemas.openxmlformats.org/officeDocument/2006/relationships" xmlns:p="http://schemas.openxmlformats.org/presentationml/2006/main">
+  <p:cSld>
+    <p:spTree>
+      <p:nvGrpSpPr>
+        <p:cNvPr id="1" name=""/>
+        <p:cNvGrpSpPr/>
+        <p:nvPr/>
+      </p:nvGrpSpPr>
+      <p:grpSpPr>
+        <a:xfrm>
+          <a:off x="0" y="0"/>
+          <a:ext cx="0" cy="0"/>
+          <a:chOff x="0" y="0"/>
+          <a:chExt cx="0" cy="0"/>
+        </a:xfrm>
+      </p:grpSpPr>
+      <p:sp>
+        <p:nvSpPr>
+          <p:cNvPr id="2" name="Title 1"/>
+          <p:cNvSpPr>
+            <a:spLocks noGrp="1"/>
+          </p:cNvSpPr>
+          <p:nvPr>
+            <p:ph type="title"/>
+          </p:nvPr>
+        </p:nvSpPr>
+        <p:spPr/>
+        <p:txBody>
+          <a:bodyPr/>
+          <a:lstStyle/>
+          <a:p>
+            <a:r>
+              <a:rPr lang="bg-BG" dirty="0" smtClean="0"/>
+              <a:t>Булев тип (</a:t>
+            </a:r>
+            <a:r>
+              <a:rPr lang="en-US" dirty="0" smtClean="0"/>
+              <a:t>Boolean)</a:t>
+            </a:r>
+            <a:endParaRPr lang="en-US" dirty="0"/>
+          </a:p>
+        </p:txBody>
+      </p:sp>
+      <p:sp>
+        <p:nvSpPr>
+          <p:cNvPr id="3" name="Content Placeholder 2"/>
+          <p:cNvSpPr>
+            <a:spLocks noGrp="1"/>
+          </p:cNvSpPr>
+          <p:nvPr>
+            <p:ph idx="1"/>
+          </p:nvPr>
+        </p:nvSpPr>
+        <p:spPr>
+          <a:xfrm>
+            <a:off x="1484310" y="1944211"/>
+            <a:ext cx="10018713" cy="2441358"/>
+          </a:xfrm>
+        </p:spPr>
+        <p:txBody>
+          <a:bodyPr/>
+          <a:lstStyle/>
+          <a:p>
+            <a:r>
+              <a:rPr lang="bg-BG" dirty="0" smtClean="0"/>
+              <a:t>Булевият тип данни има само 2 възможни стойности</a:t>
+            </a:r>
+          </a:p>
+          <a:p>
+            <a:pPr lvl="1"/>
+            <a:r>
+              <a:rPr lang="en-US" b="1" dirty="0" smtClean="0">
+                <a:solidFill>
+                  <a:schemeClr val="accent6">
+                    <a:lumMod val="75000"/>
+                  </a:schemeClr>
+                </a:solidFill>
+              </a:rPr>
+              <a:t>True</a:t>
+            </a:r>
+          </a:p>
+          <a:p>
+            <a:pPr lvl="1"/>
+            <a:r>
+              <a:rPr lang="en-US" b="1" dirty="0" smtClean="0">
+                <a:solidFill>
+                  <a:schemeClr val="accent6">
+                    <a:lumMod val="75000"/>
+                  </a:schemeClr>
+                </a:solidFill>
+              </a:rPr>
+              <a:t>False </a:t>
+            </a:r>
+            <a:endParaRPr lang="bg-BG" b="1" dirty="0" smtClean="0">
+              <a:solidFill>
+                <a:schemeClr val="accent6">
+                  <a:lumMod val="75000"/>
+                </a:schemeClr>
+              </a:solidFill>
+            </a:endParaRPr>
+          </a:p>
+          <a:p>
+            <a:r>
+              <a:rPr lang="bg-BG" dirty="0" smtClean="0"/>
+              <a:t>Използва се при логически изрази и условни конструкции</a:t>
+            </a:r>
+            <a:endParaRPr lang="en-US" dirty="0"/>
+          </a:p>
+        </p:txBody>
+      </p:sp>
+      <p:sp>
+        <p:nvSpPr>
+          <p:cNvPr id="4" name="TextBox 3"/>
+          <p:cNvSpPr txBox="1"/>
+          <p:nvPr/>
+        </p:nvSpPr>
+        <p:spPr>
+          <a:xfrm>
+            <a:off x="4509507" y="4182617"/>
+            <a:ext cx="4581227" cy="2308324"/>
+          </a:xfrm>
+          <a:prstGeom prst="rect">
+            <a:avLst/>
+          </a:prstGeom>
+        </p:spPr>
+        <p:style>
+          <a:lnRef idx="0">
+            <a:schemeClr val="accent1"/>
+          </a:lnRef>
+          <a:fillRef idx="3">
+            <a:schemeClr val="accent1"/>
+          </a:fillRef>
+          <a:effectRef idx="3">
+            <a:schemeClr val="accent1"/>
+          </a:effectRef>
+          <a:fontRef idx="minor">
+            <a:schemeClr val="lt1"/>
+          </a:fontRef>
+        </p:style>
+        <p:txBody>
+          <a:bodyPr wrap="square" rtlCol="0">
+            <a:spAutoFit/>
+          </a:bodyPr>
+          <a:lstStyle/>
+          <a:p>
+            <a:r>
+              <a:rPr lang="en-US" dirty="0" err="1"/>
+              <a:t>var</a:t>
+            </a:r>
+            <a:r>
+              <a:rPr lang="en-US" dirty="0"/>
+              <a:t> a = </a:t>
+            </a:r>
+            <a:r>
+              <a:rPr lang="en-US" dirty="0" smtClean="0"/>
+              <a:t>1;</a:t>
+            </a:r>
+            <a:endParaRPr lang="bg-BG" dirty="0" smtClean="0"/>
+          </a:p>
+          <a:p>
+            <a:r>
+              <a:rPr lang="en-US" dirty="0" err="1" smtClean="0"/>
+              <a:t>var</a:t>
+            </a:r>
+            <a:r>
+              <a:rPr lang="en-US" dirty="0" smtClean="0"/>
+              <a:t> </a:t>
+            </a:r>
+            <a:r>
+              <a:rPr lang="en-US" dirty="0"/>
+              <a:t>b = 2</a:t>
+            </a:r>
+            <a:r>
+              <a:rPr lang="en-US" dirty="0" smtClean="0"/>
+              <a:t>;</a:t>
+            </a:r>
+            <a:endParaRPr lang="bg-BG" dirty="0" smtClean="0"/>
+          </a:p>
+          <a:p>
+            <a:endParaRPr lang="bg-BG" dirty="0" smtClean="0"/>
+          </a:p>
+          <a:p>
+            <a:r>
+              <a:rPr lang="en-US" dirty="0" err="1" smtClean="0"/>
+              <a:t>var</a:t>
+            </a:r>
+            <a:r>
+              <a:rPr lang="en-US" dirty="0" smtClean="0"/>
+              <a:t> </a:t>
+            </a:r>
+            <a:r>
+              <a:rPr lang="en-US" dirty="0" err="1" smtClean="0"/>
+              <a:t>isAGreaterThenB</a:t>
+            </a:r>
+            <a:r>
+              <a:rPr lang="en-US" dirty="0" smtClean="0"/>
+              <a:t> </a:t>
+            </a:r>
+            <a:r>
+              <a:rPr lang="en-US" dirty="0"/>
+              <a:t>= (a &gt; b</a:t>
+            </a:r>
+            <a:r>
+              <a:rPr lang="en-US" dirty="0" smtClean="0"/>
+              <a:t>);</a:t>
+            </a:r>
+            <a:endParaRPr lang="bg-BG" dirty="0"/>
+          </a:p>
+          <a:p>
+            <a:r>
+              <a:rPr lang="en-US" dirty="0" smtClean="0"/>
+              <a:t>console.log(</a:t>
+            </a:r>
+            <a:r>
+              <a:rPr lang="en-US" dirty="0" err="1"/>
+              <a:t>isAGreaterThenB</a:t>
+            </a:r>
+            <a:r>
+              <a:rPr lang="en-US" dirty="0"/>
+              <a:t> </a:t>
+            </a:r>
+            <a:r>
+              <a:rPr lang="en-US" dirty="0" smtClean="0"/>
+              <a:t>); </a:t>
+            </a:r>
+            <a:r>
+              <a:rPr lang="en-US" dirty="0"/>
+              <a:t>// </a:t>
+            </a:r>
+            <a:r>
+              <a:rPr lang="en-US" dirty="0" smtClean="0"/>
+              <a:t>false</a:t>
+            </a:r>
+            <a:endParaRPr lang="bg-BG" dirty="0" smtClean="0"/>
+          </a:p>
+          <a:p>
+            <a:r>
+              <a:rPr lang="en-US" dirty="0" smtClean="0"/>
+              <a:t> </a:t>
+            </a:r>
+            <a:endParaRPr lang="bg-BG" dirty="0" smtClean="0"/>
+          </a:p>
+          <a:p>
+            <a:r>
+              <a:rPr lang="en-US" dirty="0" err="1" smtClean="0"/>
+              <a:t>var</a:t>
+            </a:r>
+            <a:r>
+              <a:rPr lang="en-US" dirty="0" smtClean="0"/>
+              <a:t> isEqualTo1 </a:t>
+            </a:r>
+            <a:r>
+              <a:rPr lang="en-US" dirty="0"/>
+              <a:t>= (a == 1); </a:t>
+            </a:r>
+            <a:endParaRPr lang="bg-BG" dirty="0" smtClean="0"/>
+          </a:p>
+          <a:p>
+            <a:r>
+              <a:rPr lang="en-US" dirty="0" smtClean="0"/>
+              <a:t>console.log(</a:t>
+            </a:r>
+            <a:r>
+              <a:rPr lang="en-US" dirty="0"/>
+              <a:t>isEqualTo1</a:t>
+            </a:r>
+            <a:r>
+              <a:rPr lang="en-US" dirty="0" smtClean="0"/>
+              <a:t>); </a:t>
+            </a:r>
+            <a:r>
+              <a:rPr lang="en-US" dirty="0"/>
+              <a:t>// true</a:t>
+            </a:r>
+            <a:endParaRPr lang="en-US" b="1" dirty="0">
+              <a:latin typeface="Calibri" panose="020F0502020204030204" pitchFamily="34" charset="0"/>
+            </a:endParaRPr>
+          </a:p>
+        </p:txBody>
+      </p:sp>
+    </p:spTree>
+    <p:extLst>
+      <p:ext uri="{BB962C8B-B14F-4D97-AF65-F5344CB8AC3E}">
+        <p14:creationId xmlns:p14="http://schemas.microsoft.com/office/powerpoint/2010/main" val="2134135881"/>
+      </p:ext>
+    </p:extLst>
+  </p:cSld>
+  <p:clrMapOvr>
+    <a:masterClrMapping/>
+  </p:clrMapOvr>
+</p:sld>
+</file>
+
+<file path=ppt/slides/slide21.xml><?xml version="1.0" encoding="utf-8"?>
+<p:sld xmlns:a="http://schemas.openxmlformats.org/drawingml/2006/main" xmlns:r="http://schemas.openxmlformats.org/officeDocument/2006/relationships" xmlns:p="http://schemas.openxmlformats.org/presentationml/2006/main">
+  <p:cSld>
+    <p:spTree>
+      <p:nvGrpSpPr>
+        <p:cNvPr id="1" name=""/>
+        <p:cNvGrpSpPr/>
+        <p:nvPr/>
+      </p:nvGrpSpPr>
+      <p:grpSpPr>
+        <a:xfrm>
+          <a:off x="0" y="0"/>
+          <a:ext cx="0" cy="0"/>
+          <a:chOff x="0" y="0"/>
+          <a:chExt cx="0" cy="0"/>
+        </a:xfrm>
+      </p:grpSpPr>
+      <p:sp>
+        <p:nvSpPr>
+          <p:cNvPr id="2" name="Title 1"/>
+          <p:cNvSpPr>
+            <a:spLocks noGrp="1"/>
+          </p:cNvSpPr>
+          <p:nvPr>
+            <p:ph type="title"/>
+          </p:nvPr>
+        </p:nvSpPr>
+        <p:spPr/>
+        <p:txBody>
+          <a:bodyPr/>
+          <a:lstStyle/>
+          <a:p>
+            <a:r>
+              <a:rPr lang="bg-BG" dirty="0" smtClean="0"/>
+              <a:t>Символни низове (</a:t>
+            </a:r>
+            <a:r>
+              <a:rPr lang="en-US" dirty="0" smtClean="0"/>
+              <a:t>String)</a:t>
+            </a:r>
+            <a:endParaRPr lang="en-US" dirty="0"/>
+          </a:p>
+        </p:txBody>
+      </p:sp>
+      <p:sp>
+        <p:nvSpPr>
+          <p:cNvPr id="3" name="Content Placeholder 2"/>
+          <p:cNvSpPr>
+            <a:spLocks noGrp="1"/>
+          </p:cNvSpPr>
+          <p:nvPr>
+            <p:ph idx="1"/>
+          </p:nvPr>
+        </p:nvSpPr>
+        <p:spPr>
+          <a:xfrm>
+            <a:off x="1484310" y="1873189"/>
+            <a:ext cx="10018713" cy="3515557"/>
+          </a:xfrm>
+        </p:spPr>
+        <p:txBody>
+          <a:bodyPr>
+            <a:normAutofit fontScale="85000" lnSpcReduction="20000"/>
+          </a:bodyPr>
+          <a:lstStyle/>
+          <a:p>
+            <a:r>
+              <a:rPr lang="bg-BG" dirty="0" smtClean="0"/>
+              <a:t>Представя съвкупоност (низ) от символи</a:t>
+            </a:r>
+          </a:p>
+          <a:p>
+            <a:r>
+              <a:rPr lang="bg-BG" dirty="0" smtClean="0"/>
+              <a:t>Символните низове използват </a:t>
+            </a:r>
+            <a:r>
+              <a:rPr lang="en-US" dirty="0" smtClean="0">
+                <a:hlinkClick r:id="rId2"/>
+              </a:rPr>
+              <a:t>Unicode</a:t>
+            </a:r>
+            <a:endParaRPr lang="bg-BG" dirty="0" smtClean="0"/>
+          </a:p>
+          <a:p>
+            <a:r>
+              <a:rPr lang="bg-BG" dirty="0" smtClean="0"/>
+              <a:t>Символните низове са заградени в кавички (</a:t>
+            </a:r>
+            <a:r>
+              <a:rPr lang="en-US" dirty="0" smtClean="0"/>
+              <a:t>‘ ‘ </a:t>
+            </a:r>
+            <a:r>
+              <a:rPr lang="bg-BG" dirty="0" smtClean="0"/>
+              <a:t>или </a:t>
+            </a:r>
+            <a:r>
+              <a:rPr lang="en-US" dirty="0" smtClean="0"/>
+              <a:t>“ ”). </a:t>
+            </a:r>
+            <a:r>
+              <a:rPr lang="bg-BG" dirty="0" smtClean="0"/>
+              <a:t>Предпоръчва се да се изполват ед. кавички (</a:t>
+            </a:r>
+            <a:r>
+              <a:rPr lang="en-US" dirty="0" smtClean="0"/>
+              <a:t>‘ ‘)</a:t>
+            </a:r>
+          </a:p>
+          <a:p>
+            <a:r>
+              <a:rPr lang="bg-BG" dirty="0" smtClean="0"/>
+              <a:t>Символните низове могат да бъдат удължавани/съставяни като се използва оператора </a:t>
+            </a:r>
+            <a:r>
+              <a:rPr lang="bg-BG" b="1" dirty="0" smtClean="0"/>
+              <a:t>плюс (+)</a:t>
+            </a:r>
+            <a:endParaRPr lang="en-US" b="1" dirty="0" smtClean="0"/>
+          </a:p>
+          <a:p>
+            <a:r>
+              <a:rPr lang="bg-BG" dirty="0" smtClean="0"/>
+              <a:t>С последната версия на </a:t>
+            </a:r>
+            <a:r>
+              <a:rPr lang="en-US" dirty="0" smtClean="0"/>
+              <a:t>JS</a:t>
+            </a:r>
+            <a:r>
+              <a:rPr lang="bg-BG" dirty="0" smtClean="0"/>
+              <a:t> се въвежда стрингова интерполация, но тя работи само на последните версии на браузърите.</a:t>
+            </a:r>
+          </a:p>
+          <a:p>
+            <a:r>
+              <a:rPr lang="bg-BG" dirty="0" smtClean="0"/>
+              <a:t>Символните низове могат да се обхождат чрез индексите на техните символи и имат подобно поведение на масивите.</a:t>
+            </a:r>
+            <a:endParaRPr lang="en-US" dirty="0"/>
+          </a:p>
+        </p:txBody>
+      </p:sp>
+      <p:sp>
+        <p:nvSpPr>
+          <p:cNvPr id="4" name="TextBox 3"/>
+          <p:cNvSpPr txBox="1"/>
+          <p:nvPr/>
+        </p:nvSpPr>
+        <p:spPr>
+          <a:xfrm>
+            <a:off x="2392008" y="5390045"/>
+            <a:ext cx="4581227" cy="1200329"/>
+          </a:xfrm>
+          <a:prstGeom prst="rect">
+            <a:avLst/>
+          </a:prstGeom>
+        </p:spPr>
+        <p:style>
+          <a:lnRef idx="0">
+            <a:schemeClr val="accent1"/>
+          </a:lnRef>
+          <a:fillRef idx="3">
+            <a:schemeClr val="accent1"/>
+          </a:fillRef>
+          <a:effectRef idx="3">
+            <a:schemeClr val="accent1"/>
+          </a:effectRef>
+          <a:fontRef idx="minor">
+            <a:schemeClr val="lt1"/>
+          </a:fontRef>
+        </p:style>
+        <p:txBody>
+          <a:bodyPr wrap="square" rtlCol="0">
+            <a:spAutoFit/>
+          </a:bodyPr>
+          <a:lstStyle/>
+          <a:p>
+            <a:r>
+              <a:rPr lang="en-US" dirty="0" err="1"/>
+              <a:t>var</a:t>
+            </a:r>
+            <a:r>
+              <a:rPr lang="en-US" dirty="0"/>
+              <a:t> </a:t>
+            </a:r>
+            <a:r>
+              <a:rPr lang="en-US" dirty="0" smtClean="0"/>
+              <a:t>greeting = ‘Hello World!’;</a:t>
+            </a:r>
+          </a:p>
+          <a:p>
+            <a:r>
+              <a:rPr lang="en-US" dirty="0" err="1" smtClean="0">
+                <a:latin typeface="Calibri" panose="020F0502020204030204" pitchFamily="34" charset="0"/>
+              </a:rPr>
+              <a:t>var</a:t>
+            </a:r>
+            <a:r>
+              <a:rPr lang="en-US" dirty="0" smtClean="0">
+                <a:latin typeface="Calibri" panose="020F0502020204030204" pitchFamily="34" charset="0"/>
+              </a:rPr>
+              <a:t> </a:t>
+            </a:r>
+            <a:r>
+              <a:rPr lang="en-US" dirty="0" err="1" smtClean="0">
+                <a:latin typeface="Calibri" panose="020F0502020204030204" pitchFamily="34" charset="0"/>
+              </a:rPr>
+              <a:t>niceGreeting</a:t>
+            </a:r>
+            <a:r>
+              <a:rPr lang="en-US" dirty="0" smtClean="0">
+                <a:latin typeface="Calibri" panose="020F0502020204030204" pitchFamily="34" charset="0"/>
+              </a:rPr>
+              <a:t> = greeting + “It’s a nice day”;</a:t>
+            </a:r>
+          </a:p>
+          <a:p>
+            <a:endParaRPr lang="en-US" dirty="0">
+              <a:latin typeface="Calibri" panose="020F0502020204030204" pitchFamily="34" charset="0"/>
+            </a:endParaRPr>
+          </a:p>
+          <a:p>
+            <a:r>
+              <a:rPr lang="en-US" dirty="0" smtClean="0">
+                <a:latin typeface="Calibri" panose="020F0502020204030204" pitchFamily="34" charset="0"/>
+              </a:rPr>
+              <a:t>console.log(</a:t>
+            </a:r>
+            <a:r>
+              <a:rPr lang="en-US" dirty="0" err="1" smtClean="0">
+                <a:latin typeface="Calibri" panose="020F0502020204030204" pitchFamily="34" charset="0"/>
+              </a:rPr>
+              <a:t>niceGreeting</a:t>
+            </a:r>
+            <a:r>
+              <a:rPr lang="en-US" dirty="0" smtClean="0">
+                <a:latin typeface="Calibri" panose="020F0502020204030204" pitchFamily="34" charset="0"/>
+              </a:rPr>
+              <a:t>);</a:t>
+            </a:r>
+            <a:endParaRPr lang="en-US" dirty="0">
+              <a:latin typeface="Calibri" panose="020F0502020204030204" pitchFamily="34" charset="0"/>
+            </a:endParaRPr>
+          </a:p>
+        </p:txBody>
+      </p:sp>
+      <p:sp>
+        <p:nvSpPr>
+          <p:cNvPr id="5" name="TextBox 4"/>
+          <p:cNvSpPr txBox="1"/>
+          <p:nvPr/>
+        </p:nvSpPr>
+        <p:spPr>
+          <a:xfrm>
+            <a:off x="7055310" y="5390045"/>
+            <a:ext cx="4581227" cy="1200329"/>
+          </a:xfrm>
+          <a:prstGeom prst="rect">
+            <a:avLst/>
+          </a:prstGeom>
+        </p:spPr>
+        <p:style>
+          <a:lnRef idx="0">
+            <a:schemeClr val="accent1"/>
+          </a:lnRef>
+          <a:fillRef idx="3">
+            <a:schemeClr val="accent1"/>
+          </a:fillRef>
+          <a:effectRef idx="3">
+            <a:schemeClr val="accent1"/>
+          </a:effectRef>
+          <a:fontRef idx="minor">
+            <a:schemeClr val="lt1"/>
+          </a:fontRef>
+        </p:style>
+        <p:txBody>
+          <a:bodyPr wrap="square" rtlCol="0">
+            <a:spAutoFit/>
+          </a:bodyPr>
+          <a:lstStyle/>
+          <a:p>
+            <a:r>
+              <a:rPr lang="en-US" dirty="0" err="1"/>
+              <a:t>var</a:t>
+            </a:r>
+            <a:r>
+              <a:rPr lang="en-US" dirty="0"/>
+              <a:t> </a:t>
+            </a:r>
+            <a:r>
+              <a:rPr lang="en-US" dirty="0" smtClean="0"/>
+              <a:t>name= ‘</a:t>
+            </a:r>
+            <a:r>
+              <a:rPr lang="bg-BG" dirty="0" smtClean="0"/>
+              <a:t>Пешо</a:t>
+            </a:r>
+            <a:r>
+              <a:rPr lang="en-US" dirty="0" smtClean="0"/>
+              <a:t>’;</a:t>
+            </a:r>
+            <a:endParaRPr lang="bg-BG" dirty="0" smtClean="0"/>
+          </a:p>
+          <a:p>
+            <a:r>
+              <a:rPr lang="en-US" dirty="0" err="1" smtClean="0"/>
+              <a:t>var</a:t>
+            </a:r>
+            <a:r>
+              <a:rPr lang="en-US" dirty="0" smtClean="0"/>
+              <a:t> surname = ‘</a:t>
+            </a:r>
+            <a:r>
+              <a:rPr lang="bg-BG" dirty="0" smtClean="0"/>
+              <a:t>Пешев‘</a:t>
+            </a:r>
+            <a:r>
+              <a:rPr lang="en-US" dirty="0" smtClean="0"/>
+              <a:t>;</a:t>
+            </a:r>
+          </a:p>
+          <a:p>
+            <a:endParaRPr lang="en-US" dirty="0">
+              <a:latin typeface="Calibri" panose="020F0502020204030204" pitchFamily="34" charset="0"/>
+            </a:endParaRPr>
+          </a:p>
+          <a:p>
+            <a:r>
+              <a:rPr lang="en-US" dirty="0" smtClean="0">
+                <a:latin typeface="Calibri" panose="020F0502020204030204" pitchFamily="34" charset="0"/>
+              </a:rPr>
+              <a:t>console.log(`</a:t>
+            </a:r>
+            <a:r>
+              <a:rPr lang="bg-BG" dirty="0" smtClean="0">
+                <a:latin typeface="Calibri" panose="020F0502020204030204" pitchFamily="34" charset="0"/>
+              </a:rPr>
+              <a:t>Привет, $</a:t>
+            </a:r>
+            <a:r>
+              <a:rPr lang="en-US" dirty="0" smtClean="0">
+                <a:latin typeface="Calibri" panose="020F0502020204030204" pitchFamily="34" charset="0"/>
+              </a:rPr>
+              <a:t>{name} ${surname}`);</a:t>
+            </a:r>
+            <a:endParaRPr lang="en-US" dirty="0">
+              <a:latin typeface="Calibri" panose="020F0502020204030204" pitchFamily="34" charset="0"/>
+            </a:endParaRPr>
+          </a:p>
+        </p:txBody>
+      </p:sp>
+    </p:spTree>
+    <p:extLst>
+      <p:ext uri="{BB962C8B-B14F-4D97-AF65-F5344CB8AC3E}">
+        <p14:creationId xmlns:p14="http://schemas.microsoft.com/office/powerpoint/2010/main" val="3342463024"/>
+      </p:ext>
+    </p:extLst>
+  </p:cSld>
+  <p:clrMapOvr>
+    <a:masterClrMapping/>
+  </p:clrMapOvr>
+</p:sld>
+</file>
+
+<file path=ppt/slides/slide22.xml><?xml version="1.0" encoding="utf-8"?>
+<p:sld xmlns:a="http://schemas.openxmlformats.org/drawingml/2006/main" xmlns:r="http://schemas.openxmlformats.org/officeDocument/2006/relationships" xmlns:p="http://schemas.openxmlformats.org/presentationml/2006/main">
+  <p:cSld>
+    <p:spTree>
+      <p:nvGrpSpPr>
+        <p:cNvPr id="1" name=""/>
+        <p:cNvGrpSpPr/>
+        <p:nvPr/>
+      </p:nvGrpSpPr>
+      <p:grpSpPr>
+        <a:xfrm>
+          <a:off x="0" y="0"/>
+          <a:ext cx="0" cy="0"/>
+          <a:chOff x="0" y="0"/>
+          <a:chExt cx="0" cy="0"/>
+        </a:xfrm>
+      </p:grpSpPr>
+      <p:sp>
+        <p:nvSpPr>
+          <p:cNvPr id="2" name="Title 1"/>
+          <p:cNvSpPr>
+            <a:spLocks noGrp="1"/>
+          </p:cNvSpPr>
+          <p:nvPr>
+            <p:ph type="title"/>
+          </p:nvPr>
+        </p:nvSpPr>
+        <p:spPr/>
+        <p:txBody>
+          <a:bodyPr/>
+          <a:lstStyle/>
+          <a:p>
+            <a:r>
+              <a:rPr lang="bg-BG" dirty="0" smtClean="0"/>
+              <a:t>Масив (</a:t>
+            </a:r>
+            <a:r>
+              <a:rPr lang="en-US" dirty="0" smtClean="0"/>
+              <a:t>Array)</a:t>
+            </a:r>
+            <a:endParaRPr lang="en-US" dirty="0"/>
+          </a:p>
+        </p:txBody>
+      </p:sp>
+      <p:sp>
+        <p:nvSpPr>
+          <p:cNvPr id="3" name="Content Placeholder 2"/>
+          <p:cNvSpPr>
+            <a:spLocks noGrp="1"/>
+          </p:cNvSpPr>
+          <p:nvPr>
+            <p:ph idx="1"/>
+          </p:nvPr>
+        </p:nvSpPr>
+        <p:spPr>
+          <a:xfrm>
+            <a:off x="1484310" y="1979721"/>
+            <a:ext cx="10018713" cy="3426780"/>
+          </a:xfrm>
+        </p:spPr>
+        <p:txBody>
+          <a:bodyPr>
+            <a:normAutofit fontScale="92500" lnSpcReduction="10000"/>
+          </a:bodyPr>
+          <a:lstStyle/>
+          <a:p>
+            <a:r>
+              <a:rPr lang="bg-BG" dirty="0" smtClean="0"/>
+              <a:t>Масивът </a:t>
+            </a:r>
+            <a:r>
+              <a:rPr lang="en-US" dirty="0" smtClean="0"/>
+              <a:t>e </a:t>
+            </a:r>
+            <a:r>
+              <a:rPr lang="bg-BG" dirty="0" smtClean="0"/>
+              <a:t>съвкупност от елементи, (</a:t>
+            </a:r>
+            <a:r>
+              <a:rPr lang="en-US" dirty="0" smtClean="0"/>
+              <a:t>[1,2,3], [‘</a:t>
+            </a:r>
+            <a:r>
+              <a:rPr lang="en-US" dirty="0" err="1" smtClean="0"/>
+              <a:t>Pesho</a:t>
+            </a:r>
+            <a:r>
+              <a:rPr lang="en-US" dirty="0" smtClean="0"/>
+              <a:t>’, ‘</a:t>
+            </a:r>
+            <a:r>
+              <a:rPr lang="en-US" dirty="0" err="1" smtClean="0"/>
+              <a:t>Gosho</a:t>
+            </a:r>
+            <a:r>
+              <a:rPr lang="en-US" dirty="0" smtClean="0"/>
+              <a:t>’]</a:t>
+            </a:r>
+            <a:r>
+              <a:rPr lang="bg-BG" dirty="0" smtClean="0"/>
+              <a:t>...</a:t>
+            </a:r>
+            <a:r>
+              <a:rPr lang="en-US" dirty="0" smtClean="0"/>
+              <a:t>)</a:t>
+            </a:r>
+            <a:endParaRPr lang="bg-BG" dirty="0" smtClean="0"/>
+          </a:p>
+          <a:p>
+            <a:r>
+              <a:rPr lang="bg-BG" dirty="0" smtClean="0"/>
+              <a:t>Елементите имат фиксиран ред</a:t>
+            </a:r>
+          </a:p>
+          <a:p>
+            <a:r>
+              <a:rPr lang="bg-BG" dirty="0" smtClean="0"/>
+              <a:t>Масивите в </a:t>
+            </a:r>
+            <a:r>
+              <a:rPr lang="en-US" dirty="0" smtClean="0"/>
+              <a:t>JS</a:t>
+            </a:r>
+            <a:r>
+              <a:rPr lang="bg-BG" dirty="0" smtClean="0"/>
+              <a:t> имат дължина, но тя не е фиксирана</a:t>
+            </a:r>
+          </a:p>
+          <a:p>
+            <a:r>
+              <a:rPr lang="bg-BG" dirty="0" smtClean="0"/>
+              <a:t>Масивите се декларират чрез </a:t>
+            </a:r>
+            <a:r>
+              <a:rPr lang="en-US" i="1" dirty="0" smtClean="0">
+                <a:solidFill>
+                  <a:schemeClr val="accent6">
+                    <a:lumMod val="75000"/>
+                  </a:schemeClr>
+                </a:solidFill>
+              </a:rPr>
+              <a:t>[ ]</a:t>
+            </a:r>
+            <a:endParaRPr lang="bg-BG" i="1" dirty="0" smtClean="0">
+              <a:solidFill>
+                <a:schemeClr val="accent6">
+                  <a:lumMod val="75000"/>
+                </a:schemeClr>
+              </a:solidFill>
+            </a:endParaRPr>
+          </a:p>
+          <a:p>
+            <a:r>
+              <a:rPr lang="bg-BG" dirty="0" smtClean="0"/>
+              <a:t>Масивите могат да бъдат достъпвани по индекс</a:t>
+            </a:r>
+          </a:p>
+          <a:p>
+            <a:pPr lvl="1"/>
+            <a:r>
+              <a:rPr lang="bg-BG" dirty="0" smtClean="0"/>
+              <a:t>Започва от 0</a:t>
+            </a:r>
+          </a:p>
+          <a:p>
+            <a:pPr lvl="1"/>
+            <a:r>
+              <a:rPr lang="bg-BG" dirty="0" smtClean="0"/>
+              <a:t>Инкрементира се 1 </a:t>
+            </a:r>
+          </a:p>
+          <a:p>
+            <a:pPr lvl="1"/>
+            <a:r>
+              <a:rPr lang="bg-BG" dirty="0" smtClean="0"/>
+              <a:t>Достига до дължината на масива - 1</a:t>
+            </a:r>
+            <a:endParaRPr lang="en-US" dirty="0"/>
+          </a:p>
+        </p:txBody>
+      </p:sp>
+      <p:sp>
+        <p:nvSpPr>
+          <p:cNvPr id="5" name="TextBox 4"/>
+          <p:cNvSpPr txBox="1"/>
+          <p:nvPr/>
+        </p:nvSpPr>
+        <p:spPr>
+          <a:xfrm>
+            <a:off x="8144912" y="4669097"/>
+            <a:ext cx="3873622" cy="2031325"/>
+          </a:xfrm>
+          <a:prstGeom prst="rect">
+            <a:avLst/>
+          </a:prstGeom>
+        </p:spPr>
+        <p:style>
+          <a:lnRef idx="0">
+            <a:schemeClr val="accent1"/>
+          </a:lnRef>
+          <a:fillRef idx="3">
+            <a:schemeClr val="accent1"/>
+          </a:fillRef>
+          <a:effectRef idx="3">
+            <a:schemeClr val="accent1"/>
+          </a:effectRef>
+          <a:fontRef idx="minor">
+            <a:schemeClr val="lt1"/>
+          </a:fontRef>
+        </p:style>
+        <p:txBody>
+          <a:bodyPr wrap="square" rtlCol="0">
+            <a:spAutoFit/>
+          </a:bodyPr>
+          <a:lstStyle/>
+          <a:p>
+            <a:r>
+              <a:rPr lang="en-US" dirty="0" err="1" smtClean="0"/>
+              <a:t>var</a:t>
+            </a:r>
+            <a:r>
+              <a:rPr lang="en-US" dirty="0" smtClean="0"/>
+              <a:t> </a:t>
+            </a:r>
+            <a:r>
+              <a:rPr lang="en-US" dirty="0"/>
+              <a:t>numbers = [1, 2, 3, 4, 5]; </a:t>
+            </a:r>
+            <a:endParaRPr lang="en-US" dirty="0" smtClean="0"/>
+          </a:p>
+          <a:p>
+            <a:r>
+              <a:rPr lang="en-US" dirty="0" err="1" smtClean="0"/>
+              <a:t>var</a:t>
+            </a:r>
+            <a:r>
+              <a:rPr lang="en-US" dirty="0" smtClean="0"/>
+              <a:t> mixed </a:t>
+            </a:r>
+            <a:r>
+              <a:rPr lang="en-US" dirty="0"/>
+              <a:t>= [1, new Date(), 'hello']; </a:t>
+            </a:r>
+            <a:endParaRPr lang="en-US" dirty="0" smtClean="0"/>
+          </a:p>
+          <a:p>
+            <a:r>
+              <a:rPr lang="en-US" dirty="0" err="1" smtClean="0"/>
+              <a:t>var</a:t>
+            </a:r>
+            <a:r>
+              <a:rPr lang="en-US" dirty="0" smtClean="0"/>
+              <a:t> </a:t>
+            </a:r>
+            <a:r>
+              <a:rPr lang="en-US" dirty="0"/>
+              <a:t>matrix = [ </a:t>
+            </a:r>
+            <a:endParaRPr lang="en-US" dirty="0" smtClean="0"/>
+          </a:p>
+          <a:p>
+            <a:r>
+              <a:rPr lang="en-US" dirty="0" smtClean="0"/>
+              <a:t>	[</a:t>
+            </a:r>
+            <a:r>
+              <a:rPr lang="en-US" dirty="0"/>
+              <a:t>'0,0', '0,1', '0,2</a:t>
+            </a:r>
+            <a:r>
+              <a:rPr lang="en-US" dirty="0" smtClean="0"/>
+              <a:t>'],</a:t>
+            </a:r>
+          </a:p>
+          <a:p>
+            <a:r>
+              <a:rPr lang="en-US" dirty="0" smtClean="0"/>
+              <a:t> 	[</a:t>
+            </a:r>
+            <a:r>
+              <a:rPr lang="en-US" dirty="0"/>
+              <a:t>'1,0', '1,1', '1,2'], </a:t>
+            </a:r>
+            <a:endParaRPr lang="en-US" dirty="0" smtClean="0"/>
+          </a:p>
+          <a:p>
+            <a:r>
+              <a:rPr lang="en-US" dirty="0" smtClean="0"/>
+              <a:t>	[</a:t>
+            </a:r>
+            <a:r>
+              <a:rPr lang="en-US" dirty="0"/>
+              <a:t>'2,0', '2,1', '2,2</a:t>
+            </a:r>
+            <a:r>
+              <a:rPr lang="en-US" dirty="0" smtClean="0"/>
+              <a:t>']</a:t>
+            </a:r>
+          </a:p>
+          <a:p>
+            <a:r>
+              <a:rPr lang="en-US" dirty="0" smtClean="0"/>
+              <a:t>];</a:t>
+            </a:r>
+            <a:endParaRPr lang="en-US" dirty="0">
+              <a:latin typeface="Calibri" panose="020F0502020204030204" pitchFamily="34" charset="0"/>
+            </a:endParaRPr>
+          </a:p>
+        </p:txBody>
+      </p:sp>
+    </p:spTree>
+    <p:extLst>
+      <p:ext uri="{BB962C8B-B14F-4D97-AF65-F5344CB8AC3E}">
+        <p14:creationId xmlns:p14="http://schemas.microsoft.com/office/powerpoint/2010/main" val="2395991094"/>
+      </p:ext>
+    </p:extLst>
+  </p:cSld>
+  <p:clrMapOvr>
+    <a:masterClrMapping/>
+  </p:clrMapOvr>
+</p:sld>
+</file>
+
+<file path=ppt/slides/slide23.xml><?xml version="1.0" encoding="utf-8"?>
+<p:sld xmlns:a="http://schemas.openxmlformats.org/drawingml/2006/main" xmlns:r="http://schemas.openxmlformats.org/officeDocument/2006/relationships" xmlns:p="http://schemas.openxmlformats.org/presentationml/2006/main">
+  <p:cSld>
+    <p:spTree>
+      <p:nvGrpSpPr>
+        <p:cNvPr id="1" name=""/>
+        <p:cNvGrpSpPr/>
+        <p:nvPr/>
+      </p:nvGrpSpPr>
+      <p:grpSpPr>
+        <a:xfrm>
+          <a:off x="0" y="0"/>
+          <a:ext cx="0" cy="0"/>
+          <a:chOff x="0" y="0"/>
+          <a:chExt cx="0" cy="0"/>
+        </a:xfrm>
+      </p:grpSpPr>
+      <p:sp>
+        <p:nvSpPr>
+          <p:cNvPr id="2" name="Title 1"/>
+          <p:cNvSpPr>
+            <a:spLocks noGrp="1"/>
+          </p:cNvSpPr>
+          <p:nvPr>
+            <p:ph type="title"/>
+          </p:nvPr>
+        </p:nvSpPr>
+        <p:spPr/>
+        <p:txBody>
+          <a:bodyPr/>
+          <a:lstStyle/>
+          <a:p>
+            <a:r>
+              <a:rPr lang="en-US" dirty="0" smtClean="0"/>
+              <a:t>Undefined &amp; null</a:t>
+            </a:r>
+            <a:endParaRPr lang="en-US" dirty="0"/>
+          </a:p>
+        </p:txBody>
+      </p:sp>
+      <p:sp>
+        <p:nvSpPr>
+          <p:cNvPr id="3" name="Content Placeholder 2"/>
+          <p:cNvSpPr>
+            <a:spLocks noGrp="1"/>
+          </p:cNvSpPr>
+          <p:nvPr>
+            <p:ph idx="1"/>
+          </p:nvPr>
+        </p:nvSpPr>
+        <p:spPr>
+          <a:xfrm>
+            <a:off x="1484311" y="2107705"/>
+            <a:ext cx="10018713" cy="3124201"/>
+          </a:xfrm>
+        </p:spPr>
+        <p:txBody>
+          <a:bodyPr/>
+          <a:lstStyle/>
+          <a:p>
+            <a:r>
+              <a:rPr lang="bg-BG" dirty="0" smtClean="0"/>
+              <a:t>В </a:t>
+            </a:r>
+            <a:r>
+              <a:rPr lang="en-US" dirty="0" smtClean="0"/>
+              <a:t>JS </a:t>
+            </a:r>
+            <a:r>
+              <a:rPr lang="bg-BG" dirty="0" smtClean="0"/>
+              <a:t>същестува специален вид променлива </a:t>
+            </a:r>
+            <a:r>
+              <a:rPr lang="en-US" i="1" dirty="0" smtClean="0">
+                <a:solidFill>
+                  <a:schemeClr val="accent6">
+                    <a:lumMod val="75000"/>
+                  </a:schemeClr>
+                </a:solidFill>
+              </a:rPr>
+              <a:t>undefined</a:t>
+            </a:r>
+            <a:r>
+              <a:rPr lang="en-US" dirty="0" smtClean="0"/>
+              <a:t>, </a:t>
+            </a:r>
+            <a:r>
+              <a:rPr lang="bg-BG" dirty="0" smtClean="0"/>
+              <a:t>който на практика значи,че промениливата не е инициализирана</a:t>
+            </a:r>
+          </a:p>
+          <a:p>
+            <a:r>
+              <a:rPr lang="bg-BG" dirty="0" smtClean="0"/>
+              <a:t>Също така съществува и тип </a:t>
+            </a:r>
+            <a:r>
+              <a:rPr lang="en-US" i="1" dirty="0" smtClean="0">
+                <a:solidFill>
+                  <a:schemeClr val="accent6">
+                    <a:lumMod val="75000"/>
+                  </a:schemeClr>
+                </a:solidFill>
+              </a:rPr>
+              <a:t>null</a:t>
+            </a:r>
+            <a:r>
+              <a:rPr lang="en-US" dirty="0" smtClean="0"/>
+              <a:t>, </a:t>
+            </a:r>
+            <a:r>
+              <a:rPr lang="bg-BG" dirty="0" smtClean="0"/>
+              <a:t>който пък означава че променливата няма присвоена стойност</a:t>
+            </a:r>
+          </a:p>
+          <a:p>
+            <a:r>
+              <a:rPr lang="en-US" i="1" dirty="0" smtClean="0">
+                <a:solidFill>
+                  <a:schemeClr val="accent6">
+                    <a:lumMod val="75000"/>
+                  </a:schemeClr>
+                </a:solidFill>
+              </a:rPr>
+              <a:t>undefined</a:t>
+            </a:r>
+            <a:r>
+              <a:rPr lang="en-US" dirty="0" smtClean="0">
+                <a:solidFill>
+                  <a:schemeClr val="accent6">
+                    <a:lumMod val="75000"/>
+                  </a:schemeClr>
+                </a:solidFill>
+              </a:rPr>
+              <a:t> </a:t>
+            </a:r>
+            <a:r>
+              <a:rPr lang="en-US" dirty="0" smtClean="0"/>
+              <a:t>e </a:t>
+            </a:r>
+            <a:r>
+              <a:rPr lang="bg-BG" dirty="0" smtClean="0"/>
+              <a:t>различно от </a:t>
+            </a:r>
+            <a:r>
+              <a:rPr lang="en-US" i="1" dirty="0" smtClean="0">
+                <a:solidFill>
+                  <a:schemeClr val="accent6">
+                    <a:lumMod val="75000"/>
+                  </a:schemeClr>
+                </a:solidFill>
+              </a:rPr>
+              <a:t>null</a:t>
+            </a:r>
+            <a:r>
+              <a:rPr lang="en-US" dirty="0" smtClean="0">
+                <a:solidFill>
+                  <a:schemeClr val="accent6">
+                    <a:lumMod val="75000"/>
+                  </a:schemeClr>
+                </a:solidFill>
+              </a:rPr>
+              <a:t> </a:t>
+            </a:r>
+            <a:r>
+              <a:rPr lang="bg-BG" dirty="0" smtClean="0"/>
+              <a:t>и не бива да бъдат бъркани</a:t>
+            </a:r>
+          </a:p>
+          <a:p>
+            <a:endParaRPr lang="en-US" dirty="0"/>
+          </a:p>
+        </p:txBody>
+      </p:sp>
+      <p:sp>
+        <p:nvSpPr>
+          <p:cNvPr id="4" name="TextBox 3"/>
+          <p:cNvSpPr txBox="1"/>
+          <p:nvPr/>
+        </p:nvSpPr>
+        <p:spPr>
+          <a:xfrm>
+            <a:off x="4906521" y="4705165"/>
+            <a:ext cx="3174292" cy="1477328"/>
+          </a:xfrm>
+          <a:prstGeom prst="rect">
+            <a:avLst/>
+          </a:prstGeom>
+        </p:spPr>
+        <p:style>
+          <a:lnRef idx="0">
+            <a:schemeClr val="accent1"/>
+          </a:lnRef>
+          <a:fillRef idx="3">
+            <a:schemeClr val="accent1"/>
+          </a:fillRef>
+          <a:effectRef idx="3">
+            <a:schemeClr val="accent1"/>
+          </a:effectRef>
+          <a:fontRef idx="minor">
+            <a:schemeClr val="lt1"/>
+          </a:fontRef>
+        </p:style>
+        <p:txBody>
+          <a:bodyPr wrap="square" rtlCol="0">
+            <a:spAutoFit/>
+          </a:bodyPr>
+          <a:lstStyle/>
+          <a:p>
+            <a:r>
+              <a:rPr lang="nb-NO" dirty="0"/>
+              <a:t>var </a:t>
+            </a:r>
+            <a:r>
+              <a:rPr lang="nb-NO" dirty="0" smtClean="0"/>
+              <a:t>x</a:t>
+            </a:r>
+            <a:r>
+              <a:rPr lang="bg-BG" dirty="0" smtClean="0"/>
+              <a:t>;</a:t>
+            </a:r>
+          </a:p>
+          <a:p>
+            <a:r>
+              <a:rPr lang="nb-NO" dirty="0" smtClean="0"/>
+              <a:t>alert(x</a:t>
+            </a:r>
+            <a:r>
+              <a:rPr lang="nb-NO" dirty="0"/>
+              <a:t>); // undefined </a:t>
+            </a:r>
+            <a:endParaRPr lang="bg-BG" dirty="0" smtClean="0"/>
+          </a:p>
+          <a:p>
+            <a:endParaRPr lang="bg-BG" dirty="0" smtClean="0"/>
+          </a:p>
+          <a:p>
+            <a:r>
+              <a:rPr lang="nb-NO" dirty="0" smtClean="0"/>
+              <a:t>x </a:t>
+            </a:r>
+            <a:r>
+              <a:rPr lang="nb-NO" dirty="0"/>
+              <a:t>= null</a:t>
+            </a:r>
+            <a:r>
+              <a:rPr lang="nb-NO" dirty="0" smtClean="0"/>
+              <a:t>;</a:t>
+            </a:r>
+            <a:endParaRPr lang="bg-BG" dirty="0"/>
+          </a:p>
+          <a:p>
+            <a:r>
+              <a:rPr lang="nb-NO" dirty="0" smtClean="0"/>
+              <a:t>alert(x</a:t>
+            </a:r>
+            <a:r>
+              <a:rPr lang="nb-NO" dirty="0"/>
+              <a:t>); // null</a:t>
+            </a:r>
+            <a:endParaRPr lang="en-US" dirty="0">
+              <a:latin typeface="Calibri" panose="020F0502020204030204" pitchFamily="34" charset="0"/>
+            </a:endParaRPr>
+          </a:p>
+        </p:txBody>
+      </p:sp>
+    </p:spTree>
+    <p:extLst>
+      <p:ext uri="{BB962C8B-B14F-4D97-AF65-F5344CB8AC3E}">
+        <p14:creationId xmlns:p14="http://schemas.microsoft.com/office/powerpoint/2010/main" val="1136318696"/>
+      </p:ext>
+    </p:extLst>
+  </p:cSld>
+  <p:clrMapOvr>
+    <a:masterClrMapping/>
+  </p:clrMapOvr>
+</p:sld>
+</file>
+
+<file path=ppt/slides/slide24.xml><?xml version="1.0" encoding="utf-8"?>
 <p:sld xmlns:a="http://schemas.openxmlformats.org/drawingml/2006/main" xmlns:r="http://schemas.openxmlformats.org/officeDocument/2006/relationships" xmlns:p="http://schemas.openxmlformats.org/presentationml/2006/main">
   <p:cSld>
     <p:spTree>
@@ -13541,172 +17753,6 @@
     <p:extLst>
       <p:ext uri="{BB962C8B-B14F-4D97-AF65-F5344CB8AC3E}">
         <p14:creationId xmlns:p14="http://schemas.microsoft.com/office/powerpoint/2010/main" val="475375314"/>
-      </p:ext>
-    </p:extLst>
-  </p:cSld>
-  <p:clrMapOvr>
-    <a:masterClrMapping/>
-  </p:clrMapOvr>
-</p:sld>
-</file>
-
-<file path=ppt/slides/slide2.xml><?xml version="1.0" encoding="utf-8"?>
-<p:sld xmlns:a="http://schemas.openxmlformats.org/drawingml/2006/main" xmlns:r="http://schemas.openxmlformats.org/officeDocument/2006/relationships" xmlns:p="http://schemas.openxmlformats.org/presentationml/2006/main">
-  <p:cSld>
-    <p:spTree>
-      <p:nvGrpSpPr>
-        <p:cNvPr id="1" name=""/>
-        <p:cNvGrpSpPr/>
-        <p:nvPr/>
-      </p:nvGrpSpPr>
-      <p:grpSpPr>
-        <a:xfrm>
-          <a:off x="0" y="0"/>
-          <a:ext cx="0" cy="0"/>
-          <a:chOff x="0" y="0"/>
-          <a:chExt cx="0" cy="0"/>
-        </a:xfrm>
-      </p:grpSpPr>
-      <p:sp>
-        <p:nvSpPr>
-          <p:cNvPr id="2" name="Title 1"/>
-          <p:cNvSpPr>
-            <a:spLocks noGrp="1"/>
-          </p:cNvSpPr>
-          <p:nvPr>
-            <p:ph type="title"/>
-          </p:nvPr>
-        </p:nvSpPr>
-        <p:spPr/>
-        <p:txBody>
-          <a:bodyPr/>
-          <a:lstStyle/>
-          <a:p>
-            <a:r>
-              <a:rPr lang="bg-BG" dirty="0"/>
-              <a:t>Динамичен </a:t>
-            </a:r>
-            <a:r>
-              <a:rPr lang="en-US" dirty="0"/>
-              <a:t>HTML (DHTML)</a:t>
-            </a:r>
-          </a:p>
-        </p:txBody>
-      </p:sp>
-      <p:graphicFrame>
-        <p:nvGraphicFramePr>
-          <p:cNvPr id="6" name="Content Placeholder 5"/>
-          <p:cNvGraphicFramePr>
-            <a:graphicFrameLocks noGrp="1"/>
-          </p:cNvGraphicFramePr>
-          <p:nvPr>
-            <p:ph sz="half" idx="1"/>
-            <p:extLst>
-              <p:ext uri="{D42A27DB-BD31-4B8C-83A1-F6EECF244321}">
-                <p14:modId xmlns:p14="http://schemas.microsoft.com/office/powerpoint/2010/main" val="3037483038"/>
-              </p:ext>
-            </p:extLst>
-          </p:nvPr>
-        </p:nvGraphicFramePr>
-        <p:xfrm>
-          <a:off x="1484313" y="2667000"/>
-          <a:ext cx="4894262" cy="3124200"/>
-        </p:xfrm>
-        <a:graphic>
-          <a:graphicData uri="http://schemas.openxmlformats.org/drawingml/2006/diagram">
-            <dgm:relIds xmlns:dgm="http://schemas.openxmlformats.org/drawingml/2006/diagram" xmlns:r="http://schemas.openxmlformats.org/officeDocument/2006/relationships" r:dm="rId2" r:lo="rId3" r:qs="rId4" r:cs="rId5"/>
-          </a:graphicData>
-        </a:graphic>
-      </p:graphicFrame>
-      <p:sp>
-        <p:nvSpPr>
-          <p:cNvPr id="7" name="Content Placeholder 6"/>
-          <p:cNvSpPr>
-            <a:spLocks noGrp="1"/>
-          </p:cNvSpPr>
-          <p:nvPr>
-            <p:ph sz="half" idx="2"/>
-          </p:nvPr>
-        </p:nvSpPr>
-        <p:spPr/>
-        <p:txBody>
-          <a:bodyPr>
-            <a:normAutofit lnSpcReduction="10000"/>
-          </a:bodyPr>
-          <a:lstStyle/>
-          <a:p>
-            <a:r>
-              <a:rPr lang="bg-BG" dirty="0"/>
-              <a:t>Динамичен </a:t>
-            </a:r>
-            <a:r>
-              <a:rPr lang="en-US" dirty="0"/>
-              <a:t>HTML(DHTML)</a:t>
-            </a:r>
-          </a:p>
-          <a:p>
-            <a:pPr lvl="1" algn="just"/>
-            <a:r>
-              <a:rPr lang="bg-BG" dirty="0"/>
-              <a:t>Съвкупност от съдържание, стилове и програмна логика, които правят въжможно, страницата да реагира на промените и потребителски действия бързо и адекватно</a:t>
-            </a:r>
-          </a:p>
-          <a:p>
-            <a:pPr algn="just"/>
-            <a:r>
-              <a:rPr lang="en-US" b="1" dirty="0"/>
-              <a:t>HTML</a:t>
-            </a:r>
-            <a:r>
-              <a:rPr lang="en-US" dirty="0"/>
-              <a:t> -&gt; </a:t>
-            </a:r>
-            <a:r>
-              <a:rPr lang="bg-BG" i="1" dirty="0"/>
-              <a:t>съдържанието на страницата</a:t>
-            </a:r>
-          </a:p>
-          <a:p>
-            <a:pPr algn="just"/>
-            <a:r>
-              <a:rPr lang="en-US" b="1" dirty="0"/>
-              <a:t>CSS</a:t>
-            </a:r>
-            <a:r>
-              <a:rPr lang="en-US" dirty="0"/>
-              <a:t> -&gt;</a:t>
-            </a:r>
-            <a:r>
-              <a:rPr lang="bg-BG" dirty="0"/>
-              <a:t> </a:t>
-            </a:r>
-            <a:r>
-              <a:rPr lang="bg-BG" i="1" dirty="0"/>
-              <a:t>начина, по който изглежда страницата</a:t>
-            </a:r>
-          </a:p>
-          <a:p>
-            <a:pPr algn="just"/>
-            <a:r>
-              <a:rPr lang="en-US" b="1" dirty="0"/>
-              <a:t>JavaScript</a:t>
-            </a:r>
-            <a:r>
-              <a:rPr lang="en-US" dirty="0"/>
-              <a:t> -&gt; </a:t>
-            </a:r>
-            <a:r>
-              <a:rPr lang="bg-BG" i="1" dirty="0"/>
-              <a:t>логика за връзка между потребителя и системата</a:t>
-            </a:r>
-            <a:endParaRPr lang="en-US" i="1" dirty="0"/>
-          </a:p>
-        </p:txBody>
-      </p:sp>
-    </p:spTree>
-    <p:extLst>
-      <p:ext uri="{BB962C8B-B14F-4D97-AF65-F5344CB8AC3E}">
-        <p14:creationId xmlns:p14="http://schemas.microsoft.com/office/powerpoint/2010/main" val="2440347416"/>
       </p:ext>
     </p:extLst>
   </p:cSld>
@@ -14338,7 +18384,9 @@
           <a:lstStyle/>
           <a:p>
             <a:r>
-              <a:rPr lang="en-US" b="1" dirty="0"/>
+              <a:rPr lang="en-US" b="1" dirty="0">
+                <a:latin typeface="Calibri" panose="020F0502020204030204" pitchFamily="34" charset="0"/>
+              </a:rPr>
               <a:t>&lt;script </a:t>
             </a:r>
             <a:r>
@@ -14346,6 +18394,7 @@
                 <a:solidFill>
                   <a:srgbClr val="FFFF00"/>
                 </a:solidFill>
+                <a:latin typeface="Calibri" panose="020F0502020204030204" pitchFamily="34" charset="0"/>
               </a:rPr>
               <a:t>src</a:t>
             </a:r>
@@ -14354,11 +18403,14 @@
                 <a:solidFill>
                   <a:srgbClr val="FFFF00"/>
                 </a:solidFill>
+                <a:latin typeface="Calibri" panose="020F0502020204030204" pitchFamily="34" charset="0"/>
               </a:rPr>
               <a:t>="scripts.js" </a:t>
             </a:r>
             <a:r>
-              <a:rPr lang="en-US" b="1" dirty="0"/>
+              <a:rPr lang="en-US" b="1" dirty="0">
+                <a:latin typeface="Calibri" panose="020F0502020204030204" pitchFamily="34" charset="0"/>
+              </a:rPr>
               <a:t>type="</a:t>
             </a:r>
             <a:r>
@@ -14368,6 +18420,7 @@
                     <a:lumMod val="75000"/>
                   </a:schemeClr>
                 </a:solidFill>
+                <a:latin typeface="Calibri" panose="020F0502020204030204" pitchFamily="34" charset="0"/>
               </a:rPr>
               <a:t>text/</a:t>
             </a:r>
@@ -14378,35 +18431,48 @@
                     <a:lumMod val="75000"/>
                   </a:schemeClr>
                 </a:solidFill>
+                <a:latin typeface="Calibri" panose="020F0502020204030204" pitchFamily="34" charset="0"/>
               </a:rPr>
               <a:t>javscript</a:t>
             </a:r>
             <a:r>
-              <a:rPr lang="en-US" b="1" dirty="0"/>
+              <a:rPr lang="en-US" b="1" dirty="0">
+                <a:latin typeface="Calibri" panose="020F0502020204030204" pitchFamily="34" charset="0"/>
+              </a:rPr>
               <a:t>"&gt;</a:t>
             </a:r>
           </a:p>
           <a:p>
             <a:r>
-              <a:rPr lang="bg-BG" dirty="0"/>
+              <a:rPr lang="bg-BG" dirty="0">
+                <a:latin typeface="Calibri" panose="020F0502020204030204" pitchFamily="34" charset="0"/>
+              </a:rPr>
               <a:t>	</a:t>
             </a:r>
             <a:r>
-              <a:rPr lang="en-US" i="1" dirty="0"/>
+              <a:rPr lang="en-US" i="1" dirty="0">
+                <a:latin typeface="Calibri" panose="020F0502020204030204" pitchFamily="34" charset="0"/>
+              </a:rPr>
               <a:t>&lt;!</a:t>
             </a:r>
             <a:r>
-              <a:rPr lang="bg-BG" i="1" dirty="0"/>
+              <a:rPr lang="bg-BG" i="1" dirty="0">
+                <a:latin typeface="Calibri" panose="020F0502020204030204" pitchFamily="34" charset="0"/>
+              </a:rPr>
               <a:t>--</a:t>
             </a:r>
             <a:r>
-              <a:rPr lang="en-US" i="1" dirty="0"/>
+              <a:rPr lang="en-US" i="1" dirty="0">
+                <a:latin typeface="Calibri" panose="020F0502020204030204" pitchFamily="34" charset="0"/>
+              </a:rPr>
               <a:t> code placed here will not be executed! --&gt;</a:t>
             </a:r>
           </a:p>
           <a:p>
             <a:r>
-              <a:rPr lang="en-US" b="1" dirty="0"/>
+              <a:rPr lang="en-US" b="1" dirty="0">
+                <a:latin typeface="Calibri" panose="020F0502020204030204" pitchFamily="34" charset="0"/>
+              </a:rPr>
               <a:t>&lt;/script&gt;</a:t>
             </a:r>
           </a:p>
@@ -14773,7 +18839,7 @@
         </p:spPr>
         <p:txBody>
           <a:bodyPr>
-            <a:normAutofit fontScale="92500" lnSpcReduction="10000"/>
+            <a:normAutofit fontScale="85000" lnSpcReduction="10000"/>
           </a:bodyPr>
           <a:lstStyle/>
           <a:p>
@@ -14911,7 +18977,21 @@
             </a:r>
             <a:r>
               <a:rPr lang="bg-BG" i="1" dirty="0"/>
-              <a:t>дава възможност за работа с дати/календари</a:t>
+              <a:t>дава възможност за работа с </a:t>
+            </a:r>
+            <a:r>
+              <a:rPr lang="bg-BG" i="1" dirty="0" smtClean="0"/>
+              <a:t>дати/календари</a:t>
+            </a:r>
+            <a:endParaRPr lang="en-US" i="1" dirty="0" smtClean="0"/>
+          </a:p>
+          <a:p>
+            <a:pPr algn="just"/>
+            <a:r>
+              <a:rPr lang="bg-BG" dirty="0" smtClean="0">
+                <a:hlinkClick r:id="rId7"/>
+              </a:rPr>
+              <a:t>Повече инфромация</a:t>
             </a:r>
             <a:endParaRPr lang="en-US" dirty="0"/>
           </a:p>
@@ -14923,6 +19003,45 @@
           </a:p>
         </p:txBody>
       </p:sp>
+      <p:pic>
+        <p:nvPicPr>
+          <p:cNvPr id="3" name="Picture 2"/>
+          <p:cNvPicPr>
+            <a:picLocks noChangeAspect="1"/>
+          </p:cNvPicPr>
+          <p:nvPr/>
+        </p:nvPicPr>
+        <p:blipFill>
+          <a:blip r:embed="rId8" cstate="print">
+            <a:extLst>
+              <a:ext uri="{BEBA8EAE-BF5A-486C-A8C5-ECC9F3942E4B}">
+                <a14:imgProps xmlns:a14="http://schemas.microsoft.com/office/drawing/2010/main">
+                  <a14:imgLayer r:embed="rId9">
+                    <a14:imgEffect>
+                      <a14:backgroundRemoval t="5200" b="90000" l="5400" r="91900"/>
+                    </a14:imgEffect>
+                  </a14:imgLayer>
+                </a14:imgProps>
+              </a:ext>
+              <a:ext uri="{28A0092B-C50C-407E-A947-70E740481C1C}">
+                <a14:useLocalDpi xmlns:a14="http://schemas.microsoft.com/office/drawing/2010/main" val="0"/>
+              </a:ext>
+            </a:extLst>
+          </a:blip>
+          <a:stretch>
+            <a:fillRect/>
+          </a:stretch>
+        </p:blipFill>
+        <p:spPr>
+          <a:xfrm>
+            <a:off x="10115369" y="4793942"/>
+            <a:ext cx="2064058" cy="2064058"/>
+          </a:xfrm>
+          <a:prstGeom prst="rect">
+            <a:avLst/>
+          </a:prstGeom>
+        </p:spPr>
+      </p:pic>
     </p:spTree>
     <p:extLst>
       <p:ext uri="{BB962C8B-B14F-4D97-AF65-F5344CB8AC3E}">

--- a/JS Fundamentals/2.JS-Basics/JS-Basics.pptx
+++ b/JS Fundamentals/2.JS-Basics/JS-Basics.pptx
@@ -25,10 +25,24 @@
     <p:sldId id="283" r:id="rId19"/>
     <p:sldId id="284" r:id="rId20"/>
     <p:sldId id="285" r:id="rId21"/>
-    <p:sldId id="286" r:id="rId22"/>
-    <p:sldId id="288" r:id="rId23"/>
+    <p:sldId id="288" r:id="rId22"/>
+    <p:sldId id="286" r:id="rId23"/>
     <p:sldId id="287" r:id="rId24"/>
-    <p:sldId id="266" r:id="rId25"/>
+    <p:sldId id="289" r:id="rId25"/>
+    <p:sldId id="290" r:id="rId26"/>
+    <p:sldId id="291" r:id="rId27"/>
+    <p:sldId id="292" r:id="rId28"/>
+    <p:sldId id="293" r:id="rId29"/>
+    <p:sldId id="294" r:id="rId30"/>
+    <p:sldId id="295" r:id="rId31"/>
+    <p:sldId id="296" r:id="rId32"/>
+    <p:sldId id="297" r:id="rId33"/>
+    <p:sldId id="298" r:id="rId34"/>
+    <p:sldId id="299" r:id="rId35"/>
+    <p:sldId id="301" r:id="rId36"/>
+    <p:sldId id="302" r:id="rId37"/>
+    <p:sldId id="266" r:id="rId38"/>
+    <p:sldId id="300" r:id="rId39"/>
   </p:sldIdLst>
   <p:sldSz cx="12192000" cy="6858000"/>
   <p:notesSz cx="6858000" cy="9144000"/>
@@ -2759,546 +2773,6 @@
       <dsp:cNvGrpSpPr/>
     </dsp:nvGrpSpPr>
     <dsp:grpSpPr/>
-    <dsp:sp modelId="{BE12FA5F-9E47-4592-B3C7-5EB16D1DC204}">
-      <dsp:nvSpPr>
-        <dsp:cNvPr id="0" name=""/>
-        <dsp:cNvSpPr/>
-      </dsp:nvSpPr>
-      <dsp:spPr>
-        <a:xfrm>
-          <a:off x="177204" y="1089198"/>
-          <a:ext cx="1891605" cy="945802"/>
-        </a:xfrm>
-        <a:prstGeom prst="roundRect">
-          <a:avLst>
-            <a:gd name="adj" fmla="val 10000"/>
-          </a:avLst>
-        </a:prstGeom>
-        <a:solidFill>
-          <a:schemeClr val="accent1">
-            <a:hueOff val="0"/>
-            <a:satOff val="0"/>
-            <a:lumOff val="0"/>
-            <a:alphaOff val="0"/>
-          </a:schemeClr>
-        </a:solidFill>
-        <a:ln>
-          <a:noFill/>
-        </a:ln>
-        <a:effectLst/>
-        <a:sp3d extrusionH="381000" contourW="38100" prstMaterial="matte">
-          <a:contourClr>
-            <a:schemeClr val="lt1"/>
-          </a:contourClr>
-        </a:sp3d>
-      </dsp:spPr>
-      <dsp:style>
-        <a:lnRef idx="0">
-          <a:scrgbClr r="0" g="0" b="0"/>
-        </a:lnRef>
-        <a:fillRef idx="1">
-          <a:scrgbClr r="0" g="0" b="0"/>
-        </a:fillRef>
-        <a:effectRef idx="0">
-          <a:scrgbClr r="0" g="0" b="0"/>
-        </a:effectRef>
-        <a:fontRef idx="minor">
-          <a:schemeClr val="lt1"/>
-        </a:fontRef>
-      </dsp:style>
-      <dsp:txBody>
-        <a:bodyPr spcFirstLastPara="0" vert="horz" wrap="square" lIns="20955" tIns="20955" rIns="20955" bIns="20955" numCol="1" spcCol="1270" anchor="ctr" anchorCtr="0">
-          <a:noAutofit/>
-        </a:bodyPr>
-        <a:lstStyle/>
-        <a:p>
-          <a:pPr lvl="0" algn="ctr" defTabSz="1466850">
-            <a:lnSpc>
-              <a:spcPct val="90000"/>
-            </a:lnSpc>
-            <a:spcBef>
-              <a:spcPct val="0"/>
-            </a:spcBef>
-            <a:spcAft>
-              <a:spcPct val="35000"/>
-            </a:spcAft>
-          </a:pPr>
-          <a:r>
-            <a:rPr lang="en-US" sz="3300" kern="1200" dirty="0"/>
-            <a:t>DHTML</a:t>
-          </a:r>
-        </a:p>
-      </dsp:txBody>
-      <dsp:txXfrm>
-        <a:off x="204906" y="1116900"/>
-        <a:ext cx="1836201" cy="890398"/>
-      </dsp:txXfrm>
-    </dsp:sp>
-    <dsp:sp modelId="{9DE500D9-C7FE-46A3-A7B6-746E6E9B6C28}">
-      <dsp:nvSpPr>
-        <dsp:cNvPr id="0" name=""/>
-        <dsp:cNvSpPr/>
-      </dsp:nvSpPr>
-      <dsp:spPr>
-        <a:xfrm rot="18289469">
-          <a:off x="1784646" y="991017"/>
-          <a:ext cx="1324968" cy="54492"/>
-        </a:xfrm>
-        <a:custGeom>
-          <a:avLst/>
-          <a:gdLst/>
-          <a:ahLst/>
-          <a:cxnLst/>
-          <a:rect l="0" t="0" r="0" b="0"/>
-          <a:pathLst>
-            <a:path>
-              <a:moveTo>
-                <a:pt x="0" y="27246"/>
-              </a:moveTo>
-              <a:lnTo>
-                <a:pt x="1324968" y="27246"/>
-              </a:lnTo>
-            </a:path>
-          </a:pathLst>
-        </a:custGeom>
-        <a:noFill/>
-        <a:ln w="15875" cap="rnd" cmpd="sng" algn="ctr">
-          <a:solidFill>
-            <a:schemeClr val="accent1">
-              <a:shade val="60000"/>
-              <a:hueOff val="0"/>
-              <a:satOff val="0"/>
-              <a:lumOff val="0"/>
-              <a:alphaOff val="0"/>
-            </a:schemeClr>
-          </a:solidFill>
-          <a:prstDash val="solid"/>
-        </a:ln>
-        <a:effectLst/>
-        <a:sp3d z="-40000" prstMaterial="matte"/>
-      </dsp:spPr>
-      <dsp:style>
-        <a:lnRef idx="2">
-          <a:scrgbClr r="0" g="0" b="0"/>
-        </a:lnRef>
-        <a:fillRef idx="0">
-          <a:scrgbClr r="0" g="0" b="0"/>
-        </a:fillRef>
-        <a:effectRef idx="0">
-          <a:scrgbClr r="0" g="0" b="0"/>
-        </a:effectRef>
-        <a:fontRef idx="minor"/>
-      </dsp:style>
-      <dsp:txBody>
-        <a:bodyPr spcFirstLastPara="0" vert="horz" wrap="square" lIns="12700" tIns="0" rIns="12700" bIns="0" numCol="1" spcCol="1270" anchor="ctr" anchorCtr="0">
-          <a:noAutofit/>
-        </a:bodyPr>
-        <a:lstStyle/>
-        <a:p>
-          <a:pPr lvl="0" algn="ctr" defTabSz="222250">
-            <a:lnSpc>
-              <a:spcPct val="90000"/>
-            </a:lnSpc>
-            <a:spcBef>
-              <a:spcPct val="0"/>
-            </a:spcBef>
-            <a:spcAft>
-              <a:spcPct val="35000"/>
-            </a:spcAft>
-          </a:pPr>
-          <a:endParaRPr lang="en-US" sz="500" kern="1200"/>
-        </a:p>
-      </dsp:txBody>
-      <dsp:txXfrm>
-        <a:off x="2414006" y="985139"/>
-        <a:ext cx="66248" cy="66248"/>
-      </dsp:txXfrm>
-    </dsp:sp>
-    <dsp:sp modelId="{084EECA1-658E-4BE8-9643-32CFF4FA71BF}">
-      <dsp:nvSpPr>
-        <dsp:cNvPr id="0" name=""/>
-        <dsp:cNvSpPr/>
-      </dsp:nvSpPr>
-      <dsp:spPr>
-        <a:xfrm>
-          <a:off x="2825452" y="1525"/>
-          <a:ext cx="1891605" cy="945802"/>
-        </a:xfrm>
-        <a:prstGeom prst="roundRect">
-          <a:avLst>
-            <a:gd name="adj" fmla="val 10000"/>
-          </a:avLst>
-        </a:prstGeom>
-        <a:solidFill>
-          <a:schemeClr val="accent1">
-            <a:hueOff val="0"/>
-            <a:satOff val="0"/>
-            <a:lumOff val="0"/>
-            <a:alphaOff val="0"/>
-          </a:schemeClr>
-        </a:solidFill>
-        <a:ln>
-          <a:noFill/>
-        </a:ln>
-        <a:effectLst/>
-        <a:sp3d extrusionH="381000" contourW="38100" prstMaterial="matte">
-          <a:contourClr>
-            <a:schemeClr val="lt1"/>
-          </a:contourClr>
-        </a:sp3d>
-      </dsp:spPr>
-      <dsp:style>
-        <a:lnRef idx="0">
-          <a:scrgbClr r="0" g="0" b="0"/>
-        </a:lnRef>
-        <a:fillRef idx="1">
-          <a:scrgbClr r="0" g="0" b="0"/>
-        </a:fillRef>
-        <a:effectRef idx="0">
-          <a:scrgbClr r="0" g="0" b="0"/>
-        </a:effectRef>
-        <a:fontRef idx="minor">
-          <a:schemeClr val="lt1"/>
-        </a:fontRef>
-      </dsp:style>
-      <dsp:txBody>
-        <a:bodyPr spcFirstLastPara="0" vert="horz" wrap="square" lIns="20955" tIns="20955" rIns="20955" bIns="20955" numCol="1" spcCol="1270" anchor="ctr" anchorCtr="0">
-          <a:noAutofit/>
-        </a:bodyPr>
-        <a:lstStyle/>
-        <a:p>
-          <a:pPr lvl="0" algn="ctr" defTabSz="1466850">
-            <a:lnSpc>
-              <a:spcPct val="90000"/>
-            </a:lnSpc>
-            <a:spcBef>
-              <a:spcPct val="0"/>
-            </a:spcBef>
-            <a:spcAft>
-              <a:spcPct val="35000"/>
-            </a:spcAft>
-          </a:pPr>
-          <a:r>
-            <a:rPr lang="en-US" sz="3300" kern="1200" dirty="0"/>
-            <a:t>HTML</a:t>
-          </a:r>
-        </a:p>
-      </dsp:txBody>
-      <dsp:txXfrm>
-        <a:off x="2853154" y="29227"/>
-        <a:ext cx="1836201" cy="890398"/>
-      </dsp:txXfrm>
-    </dsp:sp>
-    <dsp:sp modelId="{B36D8718-3426-4C0B-B1D9-A573913E6BA7}">
-      <dsp:nvSpPr>
-        <dsp:cNvPr id="0" name=""/>
-        <dsp:cNvSpPr/>
-      </dsp:nvSpPr>
-      <dsp:spPr>
-        <a:xfrm>
-          <a:off x="2068809" y="1534853"/>
-          <a:ext cx="756642" cy="54492"/>
-        </a:xfrm>
-        <a:custGeom>
-          <a:avLst/>
-          <a:gdLst/>
-          <a:ahLst/>
-          <a:cxnLst/>
-          <a:rect l="0" t="0" r="0" b="0"/>
-          <a:pathLst>
-            <a:path>
-              <a:moveTo>
-                <a:pt x="0" y="27246"/>
-              </a:moveTo>
-              <a:lnTo>
-                <a:pt x="756642" y="27246"/>
-              </a:lnTo>
-            </a:path>
-          </a:pathLst>
-        </a:custGeom>
-        <a:noFill/>
-        <a:ln w="15875" cap="rnd" cmpd="sng" algn="ctr">
-          <a:solidFill>
-            <a:schemeClr val="accent1">
-              <a:shade val="60000"/>
-              <a:hueOff val="0"/>
-              <a:satOff val="0"/>
-              <a:lumOff val="0"/>
-              <a:alphaOff val="0"/>
-            </a:schemeClr>
-          </a:solidFill>
-          <a:prstDash val="solid"/>
-        </a:ln>
-        <a:effectLst/>
-        <a:sp3d z="-40000" prstMaterial="matte"/>
-      </dsp:spPr>
-      <dsp:style>
-        <a:lnRef idx="2">
-          <a:scrgbClr r="0" g="0" b="0"/>
-        </a:lnRef>
-        <a:fillRef idx="0">
-          <a:scrgbClr r="0" g="0" b="0"/>
-        </a:fillRef>
-        <a:effectRef idx="0">
-          <a:scrgbClr r="0" g="0" b="0"/>
-        </a:effectRef>
-        <a:fontRef idx="minor"/>
-      </dsp:style>
-      <dsp:txBody>
-        <a:bodyPr spcFirstLastPara="0" vert="horz" wrap="square" lIns="12700" tIns="0" rIns="12700" bIns="0" numCol="1" spcCol="1270" anchor="ctr" anchorCtr="0">
-          <a:noAutofit/>
-        </a:bodyPr>
-        <a:lstStyle/>
-        <a:p>
-          <a:pPr lvl="0" algn="ctr" defTabSz="222250">
-            <a:lnSpc>
-              <a:spcPct val="90000"/>
-            </a:lnSpc>
-            <a:spcBef>
-              <a:spcPct val="0"/>
-            </a:spcBef>
-            <a:spcAft>
-              <a:spcPct val="35000"/>
-            </a:spcAft>
-          </a:pPr>
-          <a:endParaRPr lang="en-US" sz="500" kern="1200"/>
-        </a:p>
-      </dsp:txBody>
-      <dsp:txXfrm>
-        <a:off x="2428214" y="1543183"/>
-        <a:ext cx="37832" cy="37832"/>
-      </dsp:txXfrm>
-    </dsp:sp>
-    <dsp:sp modelId="{F532BB08-9096-48E3-BD6F-CA27B8C3B8CA}">
-      <dsp:nvSpPr>
-        <dsp:cNvPr id="0" name=""/>
-        <dsp:cNvSpPr/>
-      </dsp:nvSpPr>
-      <dsp:spPr>
-        <a:xfrm>
-          <a:off x="2825452" y="1089198"/>
-          <a:ext cx="1891605" cy="945802"/>
-        </a:xfrm>
-        <a:prstGeom prst="roundRect">
-          <a:avLst>
-            <a:gd name="adj" fmla="val 10000"/>
-          </a:avLst>
-        </a:prstGeom>
-        <a:solidFill>
-          <a:schemeClr val="accent1">
-            <a:hueOff val="0"/>
-            <a:satOff val="0"/>
-            <a:lumOff val="0"/>
-            <a:alphaOff val="0"/>
-          </a:schemeClr>
-        </a:solidFill>
-        <a:ln>
-          <a:noFill/>
-        </a:ln>
-        <a:effectLst/>
-        <a:sp3d extrusionH="381000" contourW="38100" prstMaterial="matte">
-          <a:contourClr>
-            <a:schemeClr val="lt1"/>
-          </a:contourClr>
-        </a:sp3d>
-      </dsp:spPr>
-      <dsp:style>
-        <a:lnRef idx="0">
-          <a:scrgbClr r="0" g="0" b="0"/>
-        </a:lnRef>
-        <a:fillRef idx="1">
-          <a:scrgbClr r="0" g="0" b="0"/>
-        </a:fillRef>
-        <a:effectRef idx="0">
-          <a:scrgbClr r="0" g="0" b="0"/>
-        </a:effectRef>
-        <a:fontRef idx="minor">
-          <a:schemeClr val="lt1"/>
-        </a:fontRef>
-      </dsp:style>
-      <dsp:txBody>
-        <a:bodyPr spcFirstLastPara="0" vert="horz" wrap="square" lIns="20955" tIns="20955" rIns="20955" bIns="20955" numCol="1" spcCol="1270" anchor="ctr" anchorCtr="0">
-          <a:noAutofit/>
-        </a:bodyPr>
-        <a:lstStyle/>
-        <a:p>
-          <a:pPr lvl="0" algn="ctr" defTabSz="1466850">
-            <a:lnSpc>
-              <a:spcPct val="90000"/>
-            </a:lnSpc>
-            <a:spcBef>
-              <a:spcPct val="0"/>
-            </a:spcBef>
-            <a:spcAft>
-              <a:spcPct val="35000"/>
-            </a:spcAft>
-          </a:pPr>
-          <a:r>
-            <a:rPr lang="en-US" sz="3300" kern="1200" dirty="0"/>
-            <a:t>CSS</a:t>
-          </a:r>
-        </a:p>
-      </dsp:txBody>
-      <dsp:txXfrm>
-        <a:off x="2853154" y="1116900"/>
-        <a:ext cx="1836201" cy="890398"/>
-      </dsp:txXfrm>
-    </dsp:sp>
-    <dsp:sp modelId="{5FAEF8EE-36BC-485D-A144-5CE66503658D}">
-      <dsp:nvSpPr>
-        <dsp:cNvPr id="0" name=""/>
-        <dsp:cNvSpPr/>
-      </dsp:nvSpPr>
-      <dsp:spPr>
-        <a:xfrm rot="3310531">
-          <a:off x="1784646" y="2078690"/>
-          <a:ext cx="1324968" cy="54492"/>
-        </a:xfrm>
-        <a:custGeom>
-          <a:avLst/>
-          <a:gdLst/>
-          <a:ahLst/>
-          <a:cxnLst/>
-          <a:rect l="0" t="0" r="0" b="0"/>
-          <a:pathLst>
-            <a:path>
-              <a:moveTo>
-                <a:pt x="0" y="27246"/>
-              </a:moveTo>
-              <a:lnTo>
-                <a:pt x="1324968" y="27246"/>
-              </a:lnTo>
-            </a:path>
-          </a:pathLst>
-        </a:custGeom>
-        <a:noFill/>
-        <a:ln w="15875" cap="rnd" cmpd="sng" algn="ctr">
-          <a:solidFill>
-            <a:schemeClr val="accent1">
-              <a:shade val="60000"/>
-              <a:hueOff val="0"/>
-              <a:satOff val="0"/>
-              <a:lumOff val="0"/>
-              <a:alphaOff val="0"/>
-            </a:schemeClr>
-          </a:solidFill>
-          <a:prstDash val="solid"/>
-        </a:ln>
-        <a:effectLst/>
-        <a:sp3d z="-40000" prstMaterial="matte"/>
-      </dsp:spPr>
-      <dsp:style>
-        <a:lnRef idx="2">
-          <a:scrgbClr r="0" g="0" b="0"/>
-        </a:lnRef>
-        <a:fillRef idx="0">
-          <a:scrgbClr r="0" g="0" b="0"/>
-        </a:fillRef>
-        <a:effectRef idx="0">
-          <a:scrgbClr r="0" g="0" b="0"/>
-        </a:effectRef>
-        <a:fontRef idx="minor"/>
-      </dsp:style>
-      <dsp:txBody>
-        <a:bodyPr spcFirstLastPara="0" vert="horz" wrap="square" lIns="12700" tIns="0" rIns="12700" bIns="0" numCol="1" spcCol="1270" anchor="ctr" anchorCtr="0">
-          <a:noAutofit/>
-        </a:bodyPr>
-        <a:lstStyle/>
-        <a:p>
-          <a:pPr lvl="0" algn="ctr" defTabSz="222250">
-            <a:lnSpc>
-              <a:spcPct val="90000"/>
-            </a:lnSpc>
-            <a:spcBef>
-              <a:spcPct val="0"/>
-            </a:spcBef>
-            <a:spcAft>
-              <a:spcPct val="35000"/>
-            </a:spcAft>
-          </a:pPr>
-          <a:endParaRPr lang="en-US" sz="500" kern="1200"/>
-        </a:p>
-      </dsp:txBody>
-      <dsp:txXfrm>
-        <a:off x="2414006" y="2072812"/>
-        <a:ext cx="66248" cy="66248"/>
-      </dsp:txXfrm>
-    </dsp:sp>
-    <dsp:sp modelId="{32205CC2-83C2-49EC-9FBA-3E07FDF7DA81}">
-      <dsp:nvSpPr>
-        <dsp:cNvPr id="0" name=""/>
-        <dsp:cNvSpPr/>
-      </dsp:nvSpPr>
-      <dsp:spPr>
-        <a:xfrm>
-          <a:off x="2825452" y="2176871"/>
-          <a:ext cx="1891605" cy="945802"/>
-        </a:xfrm>
-        <a:prstGeom prst="roundRect">
-          <a:avLst>
-            <a:gd name="adj" fmla="val 10000"/>
-          </a:avLst>
-        </a:prstGeom>
-        <a:solidFill>
-          <a:schemeClr val="accent1">
-            <a:hueOff val="0"/>
-            <a:satOff val="0"/>
-            <a:lumOff val="0"/>
-            <a:alphaOff val="0"/>
-          </a:schemeClr>
-        </a:solidFill>
-        <a:ln>
-          <a:noFill/>
-        </a:ln>
-        <a:effectLst/>
-        <a:sp3d extrusionH="381000" contourW="38100" prstMaterial="matte">
-          <a:contourClr>
-            <a:schemeClr val="lt1"/>
-          </a:contourClr>
-        </a:sp3d>
-      </dsp:spPr>
-      <dsp:style>
-        <a:lnRef idx="0">
-          <a:scrgbClr r="0" g="0" b="0"/>
-        </a:lnRef>
-        <a:fillRef idx="1">
-          <a:scrgbClr r="0" g="0" b="0"/>
-        </a:fillRef>
-        <a:effectRef idx="0">
-          <a:scrgbClr r="0" g="0" b="0"/>
-        </a:effectRef>
-        <a:fontRef idx="minor">
-          <a:schemeClr val="lt1"/>
-        </a:fontRef>
-      </dsp:style>
-      <dsp:txBody>
-        <a:bodyPr spcFirstLastPara="0" vert="horz" wrap="square" lIns="20955" tIns="20955" rIns="20955" bIns="20955" numCol="1" spcCol="1270" anchor="ctr" anchorCtr="0">
-          <a:noAutofit/>
-        </a:bodyPr>
-        <a:lstStyle/>
-        <a:p>
-          <a:pPr lvl="0" algn="ctr" defTabSz="1466850">
-            <a:lnSpc>
-              <a:spcPct val="90000"/>
-            </a:lnSpc>
-            <a:spcBef>
-              <a:spcPct val="0"/>
-            </a:spcBef>
-            <a:spcAft>
-              <a:spcPct val="35000"/>
-            </a:spcAft>
-          </a:pPr>
-          <a:r>
-            <a:rPr lang="en-US" sz="3300" kern="1200" dirty="0"/>
-            <a:t>JavaScript</a:t>
-          </a:r>
-        </a:p>
-      </dsp:txBody>
-      <dsp:txXfrm>
-        <a:off x="2853154" y="2204573"/>
-        <a:ext cx="1836201" cy="890398"/>
-      </dsp:txXfrm>
-    </dsp:sp>
   </dsp:spTree>
 </dsp:drawing>
 </file>
@@ -3311,1186 +2785,6 @@
       <dsp:cNvGrpSpPr/>
     </dsp:nvGrpSpPr>
     <dsp:grpSpPr/>
-    <dsp:sp modelId="{F5F282BD-F21A-45D6-BEE8-D5718D75E4D7}">
-      <dsp:nvSpPr>
-        <dsp:cNvPr id="0" name=""/>
-        <dsp:cNvSpPr/>
-      </dsp:nvSpPr>
-      <dsp:spPr>
-        <a:xfrm>
-          <a:off x="526021" y="1562100"/>
-          <a:ext cx="241093" cy="1378202"/>
-        </a:xfrm>
-        <a:custGeom>
-          <a:avLst/>
-          <a:gdLst/>
-          <a:ahLst/>
-          <a:cxnLst/>
-          <a:rect l="0" t="0" r="0" b="0"/>
-          <a:pathLst>
-            <a:path>
-              <a:moveTo>
-                <a:pt x="0" y="0"/>
-              </a:moveTo>
-              <a:lnTo>
-                <a:pt x="120546" y="0"/>
-              </a:lnTo>
-              <a:lnTo>
-                <a:pt x="120546" y="1378202"/>
-              </a:lnTo>
-              <a:lnTo>
-                <a:pt x="241093" y="1378202"/>
-              </a:lnTo>
-            </a:path>
-          </a:pathLst>
-        </a:custGeom>
-        <a:noFill/>
-        <a:ln w="15875" cap="rnd" cmpd="sng" algn="ctr">
-          <a:solidFill>
-            <a:schemeClr val="accent1">
-              <a:shade val="60000"/>
-              <a:hueOff val="0"/>
-              <a:satOff val="0"/>
-              <a:lumOff val="0"/>
-              <a:alphaOff val="0"/>
-            </a:schemeClr>
-          </a:solidFill>
-          <a:prstDash val="solid"/>
-        </a:ln>
-        <a:effectLst/>
-        <a:sp3d z="-40000" prstMaterial="matte"/>
-      </dsp:spPr>
-      <dsp:style>
-        <a:lnRef idx="2">
-          <a:scrgbClr r="0" g="0" b="0"/>
-        </a:lnRef>
-        <a:fillRef idx="0">
-          <a:scrgbClr r="0" g="0" b="0"/>
-        </a:fillRef>
-        <a:effectRef idx="0">
-          <a:scrgbClr r="0" g="0" b="0"/>
-        </a:effectRef>
-        <a:fontRef idx="minor"/>
-      </dsp:style>
-      <dsp:txBody>
-        <a:bodyPr spcFirstLastPara="0" vert="horz" wrap="square" lIns="12700" tIns="0" rIns="12700" bIns="0" numCol="1" spcCol="1270" anchor="ctr" anchorCtr="0">
-          <a:noAutofit/>
-        </a:bodyPr>
-        <a:lstStyle/>
-        <a:p>
-          <a:pPr lvl="0" algn="ctr" defTabSz="222250">
-            <a:lnSpc>
-              <a:spcPct val="90000"/>
-            </a:lnSpc>
-            <a:spcBef>
-              <a:spcPct val="0"/>
-            </a:spcBef>
-            <a:spcAft>
-              <a:spcPct val="35000"/>
-            </a:spcAft>
-          </a:pPr>
-          <a:endParaRPr lang="en-US" sz="500" kern="1200"/>
-        </a:p>
-      </dsp:txBody>
-      <dsp:txXfrm>
-        <a:off x="611590" y="2216222"/>
-        <a:ext cx="69956" cy="69956"/>
-      </dsp:txXfrm>
-    </dsp:sp>
-    <dsp:sp modelId="{74FE30D8-9D02-4F2E-9711-61050195BF6E}">
-      <dsp:nvSpPr>
-        <dsp:cNvPr id="0" name=""/>
-        <dsp:cNvSpPr/>
-      </dsp:nvSpPr>
-      <dsp:spPr>
-        <a:xfrm>
-          <a:off x="526021" y="1562100"/>
-          <a:ext cx="241093" cy="918801"/>
-        </a:xfrm>
-        <a:custGeom>
-          <a:avLst/>
-          <a:gdLst/>
-          <a:ahLst/>
-          <a:cxnLst/>
-          <a:rect l="0" t="0" r="0" b="0"/>
-          <a:pathLst>
-            <a:path>
-              <a:moveTo>
-                <a:pt x="0" y="0"/>
-              </a:moveTo>
-              <a:lnTo>
-                <a:pt x="120546" y="0"/>
-              </a:lnTo>
-              <a:lnTo>
-                <a:pt x="120546" y="918801"/>
-              </a:lnTo>
-              <a:lnTo>
-                <a:pt x="241093" y="918801"/>
-              </a:lnTo>
-            </a:path>
-          </a:pathLst>
-        </a:custGeom>
-        <a:noFill/>
-        <a:ln w="15875" cap="rnd" cmpd="sng" algn="ctr">
-          <a:solidFill>
-            <a:schemeClr val="accent1">
-              <a:shade val="60000"/>
-              <a:hueOff val="0"/>
-              <a:satOff val="0"/>
-              <a:lumOff val="0"/>
-              <a:alphaOff val="0"/>
-            </a:schemeClr>
-          </a:solidFill>
-          <a:prstDash val="solid"/>
-        </a:ln>
-        <a:effectLst/>
-        <a:sp3d z="-40000" prstMaterial="matte"/>
-      </dsp:spPr>
-      <dsp:style>
-        <a:lnRef idx="2">
-          <a:scrgbClr r="0" g="0" b="0"/>
-        </a:lnRef>
-        <a:fillRef idx="0">
-          <a:scrgbClr r="0" g="0" b="0"/>
-        </a:fillRef>
-        <a:effectRef idx="0">
-          <a:scrgbClr r="0" g="0" b="0"/>
-        </a:effectRef>
-        <a:fontRef idx="minor"/>
-      </dsp:style>
-      <dsp:txBody>
-        <a:bodyPr spcFirstLastPara="0" vert="horz" wrap="square" lIns="12700" tIns="0" rIns="12700" bIns="0" numCol="1" spcCol="1270" anchor="ctr" anchorCtr="0">
-          <a:noAutofit/>
-        </a:bodyPr>
-        <a:lstStyle/>
-        <a:p>
-          <a:pPr lvl="0" algn="ctr" defTabSz="222250">
-            <a:lnSpc>
-              <a:spcPct val="90000"/>
-            </a:lnSpc>
-            <a:spcBef>
-              <a:spcPct val="0"/>
-            </a:spcBef>
-            <a:spcAft>
-              <a:spcPct val="35000"/>
-            </a:spcAft>
-          </a:pPr>
-          <a:endParaRPr lang="en-US" sz="500" kern="1200"/>
-        </a:p>
-      </dsp:txBody>
-      <dsp:txXfrm>
-        <a:off x="622820" y="1997753"/>
-        <a:ext cx="47495" cy="47495"/>
-      </dsp:txXfrm>
-    </dsp:sp>
-    <dsp:sp modelId="{07A7E966-539B-4317-8B99-54D8E518BBB2}">
-      <dsp:nvSpPr>
-        <dsp:cNvPr id="0" name=""/>
-        <dsp:cNvSpPr/>
-      </dsp:nvSpPr>
-      <dsp:spPr>
-        <a:xfrm>
-          <a:off x="526021" y="1562100"/>
-          <a:ext cx="241093" cy="459400"/>
-        </a:xfrm>
-        <a:custGeom>
-          <a:avLst/>
-          <a:gdLst/>
-          <a:ahLst/>
-          <a:cxnLst/>
-          <a:rect l="0" t="0" r="0" b="0"/>
-          <a:pathLst>
-            <a:path>
-              <a:moveTo>
-                <a:pt x="0" y="0"/>
-              </a:moveTo>
-              <a:lnTo>
-                <a:pt x="120546" y="0"/>
-              </a:lnTo>
-              <a:lnTo>
-                <a:pt x="120546" y="459400"/>
-              </a:lnTo>
-              <a:lnTo>
-                <a:pt x="241093" y="459400"/>
-              </a:lnTo>
-            </a:path>
-          </a:pathLst>
-        </a:custGeom>
-        <a:noFill/>
-        <a:ln w="15875" cap="rnd" cmpd="sng" algn="ctr">
-          <a:solidFill>
-            <a:schemeClr val="accent1">
-              <a:shade val="60000"/>
-              <a:hueOff val="0"/>
-              <a:satOff val="0"/>
-              <a:lumOff val="0"/>
-              <a:alphaOff val="0"/>
-            </a:schemeClr>
-          </a:solidFill>
-          <a:prstDash val="solid"/>
-        </a:ln>
-        <a:effectLst/>
-        <a:sp3d z="-40000" prstMaterial="matte"/>
-      </dsp:spPr>
-      <dsp:style>
-        <a:lnRef idx="2">
-          <a:scrgbClr r="0" g="0" b="0"/>
-        </a:lnRef>
-        <a:fillRef idx="0">
-          <a:scrgbClr r="0" g="0" b="0"/>
-        </a:fillRef>
-        <a:effectRef idx="0">
-          <a:scrgbClr r="0" g="0" b="0"/>
-        </a:effectRef>
-        <a:fontRef idx="minor"/>
-      </dsp:style>
-      <dsp:txBody>
-        <a:bodyPr spcFirstLastPara="0" vert="horz" wrap="square" lIns="12700" tIns="0" rIns="12700" bIns="0" numCol="1" spcCol="1270" anchor="ctr" anchorCtr="0">
-          <a:noAutofit/>
-        </a:bodyPr>
-        <a:lstStyle/>
-        <a:p>
-          <a:pPr lvl="0" algn="ctr" defTabSz="222250">
-            <a:lnSpc>
-              <a:spcPct val="90000"/>
-            </a:lnSpc>
-            <a:spcBef>
-              <a:spcPct val="0"/>
-            </a:spcBef>
-            <a:spcAft>
-              <a:spcPct val="35000"/>
-            </a:spcAft>
-          </a:pPr>
-          <a:endParaRPr lang="en-US" sz="500" kern="1200"/>
-        </a:p>
-      </dsp:txBody>
-      <dsp:txXfrm>
-        <a:off x="633597" y="1778829"/>
-        <a:ext cx="25941" cy="25941"/>
-      </dsp:txXfrm>
-    </dsp:sp>
-    <dsp:sp modelId="{285FD776-084F-40F4-BC1D-E952B4B0420A}">
-      <dsp:nvSpPr>
-        <dsp:cNvPr id="0" name=""/>
-        <dsp:cNvSpPr/>
-      </dsp:nvSpPr>
-      <dsp:spPr>
-        <a:xfrm>
-          <a:off x="526021" y="1516379"/>
-          <a:ext cx="241093" cy="91440"/>
-        </a:xfrm>
-        <a:custGeom>
-          <a:avLst/>
-          <a:gdLst/>
-          <a:ahLst/>
-          <a:cxnLst/>
-          <a:rect l="0" t="0" r="0" b="0"/>
-          <a:pathLst>
-            <a:path>
-              <a:moveTo>
-                <a:pt x="0" y="45720"/>
-              </a:moveTo>
-              <a:lnTo>
-                <a:pt x="241093" y="45720"/>
-              </a:lnTo>
-            </a:path>
-          </a:pathLst>
-        </a:custGeom>
-        <a:noFill/>
-        <a:ln w="15875" cap="rnd" cmpd="sng" algn="ctr">
-          <a:solidFill>
-            <a:schemeClr val="accent1">
-              <a:shade val="60000"/>
-              <a:hueOff val="0"/>
-              <a:satOff val="0"/>
-              <a:lumOff val="0"/>
-              <a:alphaOff val="0"/>
-            </a:schemeClr>
-          </a:solidFill>
-          <a:prstDash val="solid"/>
-        </a:ln>
-        <a:effectLst/>
-        <a:sp3d z="-40000" prstMaterial="matte"/>
-      </dsp:spPr>
-      <dsp:style>
-        <a:lnRef idx="2">
-          <a:scrgbClr r="0" g="0" b="0"/>
-        </a:lnRef>
-        <a:fillRef idx="0">
-          <a:scrgbClr r="0" g="0" b="0"/>
-        </a:fillRef>
-        <a:effectRef idx="0">
-          <a:scrgbClr r="0" g="0" b="0"/>
-        </a:effectRef>
-        <a:fontRef idx="minor"/>
-      </dsp:style>
-      <dsp:txBody>
-        <a:bodyPr spcFirstLastPara="0" vert="horz" wrap="square" lIns="12700" tIns="0" rIns="12700" bIns="0" numCol="1" spcCol="1270" anchor="ctr" anchorCtr="0">
-          <a:noAutofit/>
-        </a:bodyPr>
-        <a:lstStyle/>
-        <a:p>
-          <a:pPr lvl="0" algn="ctr" defTabSz="222250">
-            <a:lnSpc>
-              <a:spcPct val="90000"/>
-            </a:lnSpc>
-            <a:spcBef>
-              <a:spcPct val="0"/>
-            </a:spcBef>
-            <a:spcAft>
-              <a:spcPct val="35000"/>
-            </a:spcAft>
-          </a:pPr>
-          <a:endParaRPr lang="en-US" sz="500" kern="1200"/>
-        </a:p>
-      </dsp:txBody>
-      <dsp:txXfrm>
-        <a:off x="640541" y="1556072"/>
-        <a:ext cx="12054" cy="12054"/>
-      </dsp:txXfrm>
-    </dsp:sp>
-    <dsp:sp modelId="{6E6F2605-47BF-4FCC-ACAD-E2636BE32143}">
-      <dsp:nvSpPr>
-        <dsp:cNvPr id="0" name=""/>
-        <dsp:cNvSpPr/>
-      </dsp:nvSpPr>
-      <dsp:spPr>
-        <a:xfrm>
-          <a:off x="526021" y="1102699"/>
-          <a:ext cx="241093" cy="459400"/>
-        </a:xfrm>
-        <a:custGeom>
-          <a:avLst/>
-          <a:gdLst/>
-          <a:ahLst/>
-          <a:cxnLst/>
-          <a:rect l="0" t="0" r="0" b="0"/>
-          <a:pathLst>
-            <a:path>
-              <a:moveTo>
-                <a:pt x="0" y="459400"/>
-              </a:moveTo>
-              <a:lnTo>
-                <a:pt x="120546" y="459400"/>
-              </a:lnTo>
-              <a:lnTo>
-                <a:pt x="120546" y="0"/>
-              </a:lnTo>
-              <a:lnTo>
-                <a:pt x="241093" y="0"/>
-              </a:lnTo>
-            </a:path>
-          </a:pathLst>
-        </a:custGeom>
-        <a:noFill/>
-        <a:ln w="15875" cap="rnd" cmpd="sng" algn="ctr">
-          <a:solidFill>
-            <a:schemeClr val="accent1">
-              <a:shade val="60000"/>
-              <a:hueOff val="0"/>
-              <a:satOff val="0"/>
-              <a:lumOff val="0"/>
-              <a:alphaOff val="0"/>
-            </a:schemeClr>
-          </a:solidFill>
-          <a:prstDash val="solid"/>
-        </a:ln>
-        <a:effectLst/>
-        <a:sp3d z="-40000" prstMaterial="matte"/>
-      </dsp:spPr>
-      <dsp:style>
-        <a:lnRef idx="2">
-          <a:scrgbClr r="0" g="0" b="0"/>
-        </a:lnRef>
-        <a:fillRef idx="0">
-          <a:scrgbClr r="0" g="0" b="0"/>
-        </a:fillRef>
-        <a:effectRef idx="0">
-          <a:scrgbClr r="0" g="0" b="0"/>
-        </a:effectRef>
-        <a:fontRef idx="minor"/>
-      </dsp:style>
-      <dsp:txBody>
-        <a:bodyPr spcFirstLastPara="0" vert="horz" wrap="square" lIns="12700" tIns="0" rIns="12700" bIns="0" numCol="1" spcCol="1270" anchor="ctr" anchorCtr="0">
-          <a:noAutofit/>
-        </a:bodyPr>
-        <a:lstStyle/>
-        <a:p>
-          <a:pPr lvl="0" algn="ctr" defTabSz="222250">
-            <a:lnSpc>
-              <a:spcPct val="90000"/>
-            </a:lnSpc>
-            <a:spcBef>
-              <a:spcPct val="0"/>
-            </a:spcBef>
-            <a:spcAft>
-              <a:spcPct val="35000"/>
-            </a:spcAft>
-          </a:pPr>
-          <a:endParaRPr lang="en-US" sz="500" kern="1200"/>
-        </a:p>
-      </dsp:txBody>
-      <dsp:txXfrm>
-        <a:off x="633597" y="1319429"/>
-        <a:ext cx="25941" cy="25941"/>
-      </dsp:txXfrm>
-    </dsp:sp>
-    <dsp:sp modelId="{B7298179-20F6-4B7D-A762-B674ADBD9037}">
-      <dsp:nvSpPr>
-        <dsp:cNvPr id="0" name=""/>
-        <dsp:cNvSpPr/>
-      </dsp:nvSpPr>
-      <dsp:spPr>
-        <a:xfrm>
-          <a:off x="526021" y="643298"/>
-          <a:ext cx="241093" cy="918801"/>
-        </a:xfrm>
-        <a:custGeom>
-          <a:avLst/>
-          <a:gdLst/>
-          <a:ahLst/>
-          <a:cxnLst/>
-          <a:rect l="0" t="0" r="0" b="0"/>
-          <a:pathLst>
-            <a:path>
-              <a:moveTo>
-                <a:pt x="0" y="918801"/>
-              </a:moveTo>
-              <a:lnTo>
-                <a:pt x="120546" y="918801"/>
-              </a:lnTo>
-              <a:lnTo>
-                <a:pt x="120546" y="0"/>
-              </a:lnTo>
-              <a:lnTo>
-                <a:pt x="241093" y="0"/>
-              </a:lnTo>
-            </a:path>
-          </a:pathLst>
-        </a:custGeom>
-        <a:noFill/>
-        <a:ln w="15875" cap="rnd" cmpd="sng" algn="ctr">
-          <a:solidFill>
-            <a:schemeClr val="accent1">
-              <a:shade val="60000"/>
-              <a:hueOff val="0"/>
-              <a:satOff val="0"/>
-              <a:lumOff val="0"/>
-              <a:alphaOff val="0"/>
-            </a:schemeClr>
-          </a:solidFill>
-          <a:prstDash val="solid"/>
-        </a:ln>
-        <a:effectLst/>
-        <a:sp3d z="-40000" prstMaterial="matte"/>
-      </dsp:spPr>
-      <dsp:style>
-        <a:lnRef idx="2">
-          <a:scrgbClr r="0" g="0" b="0"/>
-        </a:lnRef>
-        <a:fillRef idx="0">
-          <a:scrgbClr r="0" g="0" b="0"/>
-        </a:fillRef>
-        <a:effectRef idx="0">
-          <a:scrgbClr r="0" g="0" b="0"/>
-        </a:effectRef>
-        <a:fontRef idx="minor"/>
-      </dsp:style>
-      <dsp:txBody>
-        <a:bodyPr spcFirstLastPara="0" vert="horz" wrap="square" lIns="12700" tIns="0" rIns="12700" bIns="0" numCol="1" spcCol="1270" anchor="ctr" anchorCtr="0">
-          <a:noAutofit/>
-        </a:bodyPr>
-        <a:lstStyle/>
-        <a:p>
-          <a:pPr lvl="0" algn="ctr" defTabSz="222250">
-            <a:lnSpc>
-              <a:spcPct val="90000"/>
-            </a:lnSpc>
-            <a:spcBef>
-              <a:spcPct val="0"/>
-            </a:spcBef>
-            <a:spcAft>
-              <a:spcPct val="35000"/>
-            </a:spcAft>
-          </a:pPr>
-          <a:endParaRPr lang="en-US" sz="500" kern="1200"/>
-        </a:p>
-      </dsp:txBody>
-      <dsp:txXfrm>
-        <a:off x="622820" y="1078951"/>
-        <a:ext cx="47495" cy="47495"/>
-      </dsp:txXfrm>
-    </dsp:sp>
-    <dsp:sp modelId="{EE1FC525-BC0F-4D95-8202-FDA2800D863A}">
-      <dsp:nvSpPr>
-        <dsp:cNvPr id="0" name=""/>
-        <dsp:cNvSpPr/>
-      </dsp:nvSpPr>
-      <dsp:spPr>
-        <a:xfrm>
-          <a:off x="526021" y="183897"/>
-          <a:ext cx="241093" cy="1378202"/>
-        </a:xfrm>
-        <a:custGeom>
-          <a:avLst/>
-          <a:gdLst/>
-          <a:ahLst/>
-          <a:cxnLst/>
-          <a:rect l="0" t="0" r="0" b="0"/>
-          <a:pathLst>
-            <a:path>
-              <a:moveTo>
-                <a:pt x="0" y="1378202"/>
-              </a:moveTo>
-              <a:lnTo>
-                <a:pt x="120546" y="1378202"/>
-              </a:lnTo>
-              <a:lnTo>
-                <a:pt x="120546" y="0"/>
-              </a:lnTo>
-              <a:lnTo>
-                <a:pt x="241093" y="0"/>
-              </a:lnTo>
-            </a:path>
-          </a:pathLst>
-        </a:custGeom>
-        <a:noFill/>
-        <a:ln w="15875" cap="rnd" cmpd="sng" algn="ctr">
-          <a:solidFill>
-            <a:schemeClr val="accent1">
-              <a:shade val="60000"/>
-              <a:hueOff val="0"/>
-              <a:satOff val="0"/>
-              <a:lumOff val="0"/>
-              <a:alphaOff val="0"/>
-            </a:schemeClr>
-          </a:solidFill>
-          <a:prstDash val="solid"/>
-        </a:ln>
-        <a:effectLst/>
-        <a:sp3d z="-40000" prstMaterial="matte"/>
-      </dsp:spPr>
-      <dsp:style>
-        <a:lnRef idx="2">
-          <a:scrgbClr r="0" g="0" b="0"/>
-        </a:lnRef>
-        <a:fillRef idx="0">
-          <a:scrgbClr r="0" g="0" b="0"/>
-        </a:fillRef>
-        <a:effectRef idx="0">
-          <a:scrgbClr r="0" g="0" b="0"/>
-        </a:effectRef>
-        <a:fontRef idx="minor"/>
-      </dsp:style>
-      <dsp:txBody>
-        <a:bodyPr spcFirstLastPara="0" vert="horz" wrap="square" lIns="12700" tIns="0" rIns="12700" bIns="0" numCol="1" spcCol="1270" anchor="ctr" anchorCtr="0">
-          <a:noAutofit/>
-        </a:bodyPr>
-        <a:lstStyle/>
-        <a:p>
-          <a:pPr lvl="0" algn="ctr" defTabSz="222250">
-            <a:lnSpc>
-              <a:spcPct val="90000"/>
-            </a:lnSpc>
-            <a:spcBef>
-              <a:spcPct val="0"/>
-            </a:spcBef>
-            <a:spcAft>
-              <a:spcPct val="35000"/>
-            </a:spcAft>
-          </a:pPr>
-          <a:endParaRPr lang="en-US" sz="500" kern="1200"/>
-        </a:p>
-      </dsp:txBody>
-      <dsp:txXfrm>
-        <a:off x="611590" y="838020"/>
-        <a:ext cx="69956" cy="69956"/>
-      </dsp:txXfrm>
-    </dsp:sp>
-    <dsp:sp modelId="{BC55A964-21AC-41A9-B459-589605241027}">
-      <dsp:nvSpPr>
-        <dsp:cNvPr id="0" name=""/>
-        <dsp:cNvSpPr/>
-      </dsp:nvSpPr>
-      <dsp:spPr>
-        <a:xfrm rot="16200000">
-          <a:off x="-624898" y="1378339"/>
-          <a:ext cx="1934319" cy="367520"/>
-        </a:xfrm>
-        <a:prstGeom prst="rect">
-          <a:avLst/>
-        </a:prstGeom>
-        <a:solidFill>
-          <a:schemeClr val="accent1">
-            <a:hueOff val="0"/>
-            <a:satOff val="0"/>
-            <a:lumOff val="0"/>
-            <a:alphaOff val="0"/>
-          </a:schemeClr>
-        </a:solidFill>
-        <a:ln>
-          <a:noFill/>
-        </a:ln>
-        <a:effectLst/>
-        <a:sp3d extrusionH="381000" contourW="38100" prstMaterial="matte">
-          <a:contourClr>
-            <a:schemeClr val="lt1"/>
-          </a:contourClr>
-        </a:sp3d>
-      </dsp:spPr>
-      <dsp:style>
-        <a:lnRef idx="0">
-          <a:scrgbClr r="0" g="0" b="0"/>
-        </a:lnRef>
-        <a:fillRef idx="1">
-          <a:scrgbClr r="0" g="0" b="0"/>
-        </a:fillRef>
-        <a:effectRef idx="0">
-          <a:scrgbClr r="0" g="0" b="0"/>
-        </a:effectRef>
-        <a:fontRef idx="minor">
-          <a:schemeClr val="lt1"/>
-        </a:fontRef>
-      </dsp:style>
-      <dsp:txBody>
-        <a:bodyPr spcFirstLastPara="0" vert="horz" wrap="square" lIns="15240" tIns="15240" rIns="15240" bIns="15240" numCol="1" spcCol="1270" anchor="ctr" anchorCtr="0">
-          <a:noAutofit/>
-        </a:bodyPr>
-        <a:lstStyle/>
-        <a:p>
-          <a:pPr lvl="0" algn="ctr" defTabSz="1066800">
-            <a:lnSpc>
-              <a:spcPct val="90000"/>
-            </a:lnSpc>
-            <a:spcBef>
-              <a:spcPct val="0"/>
-            </a:spcBef>
-            <a:spcAft>
-              <a:spcPct val="35000"/>
-            </a:spcAft>
-          </a:pPr>
-          <a:r>
-            <a:rPr lang="en-US" sz="2400" kern="1200" dirty="0"/>
-            <a:t>browser</a:t>
-          </a:r>
-        </a:p>
-      </dsp:txBody>
-      <dsp:txXfrm>
-        <a:off x="-624898" y="1378339"/>
-        <a:ext cx="1934319" cy="367520"/>
-      </dsp:txXfrm>
-    </dsp:sp>
-    <dsp:sp modelId="{DD55B2CC-872C-4B62-8F57-04EE6D762B90}">
-      <dsp:nvSpPr>
-        <dsp:cNvPr id="0" name=""/>
-        <dsp:cNvSpPr/>
-      </dsp:nvSpPr>
-      <dsp:spPr>
-        <a:xfrm>
-          <a:off x="767115" y="137"/>
-          <a:ext cx="1205467" cy="367520"/>
-        </a:xfrm>
-        <a:prstGeom prst="rect">
-          <a:avLst/>
-        </a:prstGeom>
-        <a:solidFill>
-          <a:schemeClr val="accent1">
-            <a:hueOff val="0"/>
-            <a:satOff val="0"/>
-            <a:lumOff val="0"/>
-            <a:alphaOff val="0"/>
-          </a:schemeClr>
-        </a:solidFill>
-        <a:ln>
-          <a:noFill/>
-        </a:ln>
-        <a:effectLst/>
-        <a:sp3d extrusionH="381000" contourW="38100" prstMaterial="matte">
-          <a:contourClr>
-            <a:schemeClr val="lt1"/>
-          </a:contourClr>
-        </a:sp3d>
-      </dsp:spPr>
-      <dsp:style>
-        <a:lnRef idx="0">
-          <a:scrgbClr r="0" g="0" b="0"/>
-        </a:lnRef>
-        <a:fillRef idx="1">
-          <a:scrgbClr r="0" g="0" b="0"/>
-        </a:fillRef>
-        <a:effectRef idx="0">
-          <a:scrgbClr r="0" g="0" b="0"/>
-        </a:effectRef>
-        <a:fontRef idx="minor">
-          <a:schemeClr val="lt1"/>
-        </a:fontRef>
-      </dsp:style>
-      <dsp:txBody>
-        <a:bodyPr spcFirstLastPara="0" vert="horz" wrap="square" lIns="13335" tIns="13335" rIns="13335" bIns="13335" numCol="1" spcCol="1270" anchor="ctr" anchorCtr="0">
-          <a:noAutofit/>
-        </a:bodyPr>
-        <a:lstStyle/>
-        <a:p>
-          <a:pPr lvl="0" algn="ctr" defTabSz="933450">
-            <a:lnSpc>
-              <a:spcPct val="90000"/>
-            </a:lnSpc>
-            <a:spcBef>
-              <a:spcPct val="0"/>
-            </a:spcBef>
-            <a:spcAft>
-              <a:spcPct val="35000"/>
-            </a:spcAft>
-          </a:pPr>
-          <a:r>
-            <a:rPr lang="en-US" sz="2100" kern="1200" dirty="0"/>
-            <a:t>window</a:t>
-          </a:r>
-        </a:p>
-      </dsp:txBody>
-      <dsp:txXfrm>
-        <a:off x="767115" y="137"/>
-        <a:ext cx="1205467" cy="367520"/>
-      </dsp:txXfrm>
-    </dsp:sp>
-    <dsp:sp modelId="{979FBBDA-44C5-4F34-AF21-B510A698D321}">
-      <dsp:nvSpPr>
-        <dsp:cNvPr id="0" name=""/>
-        <dsp:cNvSpPr/>
-      </dsp:nvSpPr>
-      <dsp:spPr>
-        <a:xfrm>
-          <a:off x="767115" y="459538"/>
-          <a:ext cx="1205467" cy="367520"/>
-        </a:xfrm>
-        <a:prstGeom prst="rect">
-          <a:avLst/>
-        </a:prstGeom>
-        <a:solidFill>
-          <a:schemeClr val="accent1">
-            <a:hueOff val="0"/>
-            <a:satOff val="0"/>
-            <a:lumOff val="0"/>
-            <a:alphaOff val="0"/>
-          </a:schemeClr>
-        </a:solidFill>
-        <a:ln>
-          <a:noFill/>
-        </a:ln>
-        <a:effectLst/>
-        <a:sp3d extrusionH="381000" contourW="38100" prstMaterial="matte">
-          <a:contourClr>
-            <a:schemeClr val="lt1"/>
-          </a:contourClr>
-        </a:sp3d>
-      </dsp:spPr>
-      <dsp:style>
-        <a:lnRef idx="0">
-          <a:scrgbClr r="0" g="0" b="0"/>
-        </a:lnRef>
-        <a:fillRef idx="1">
-          <a:scrgbClr r="0" g="0" b="0"/>
-        </a:fillRef>
-        <a:effectRef idx="0">
-          <a:scrgbClr r="0" g="0" b="0"/>
-        </a:effectRef>
-        <a:fontRef idx="minor">
-          <a:schemeClr val="lt1"/>
-        </a:fontRef>
-      </dsp:style>
-      <dsp:txBody>
-        <a:bodyPr spcFirstLastPara="0" vert="horz" wrap="square" lIns="13335" tIns="13335" rIns="13335" bIns="13335" numCol="1" spcCol="1270" anchor="ctr" anchorCtr="0">
-          <a:noAutofit/>
-        </a:bodyPr>
-        <a:lstStyle/>
-        <a:p>
-          <a:pPr lvl="0" algn="ctr" defTabSz="933450">
-            <a:lnSpc>
-              <a:spcPct val="90000"/>
-            </a:lnSpc>
-            <a:spcBef>
-              <a:spcPct val="0"/>
-            </a:spcBef>
-            <a:spcAft>
-              <a:spcPct val="35000"/>
-            </a:spcAft>
-          </a:pPr>
-          <a:r>
-            <a:rPr lang="en-US" sz="2100" kern="1200" dirty="0"/>
-            <a:t>navigator</a:t>
-          </a:r>
-        </a:p>
-      </dsp:txBody>
-      <dsp:txXfrm>
-        <a:off x="767115" y="459538"/>
-        <a:ext cx="1205467" cy="367520"/>
-      </dsp:txXfrm>
-    </dsp:sp>
-    <dsp:sp modelId="{9B6AD863-7420-40C6-8748-5F843439AE17}">
-      <dsp:nvSpPr>
-        <dsp:cNvPr id="0" name=""/>
-        <dsp:cNvSpPr/>
-      </dsp:nvSpPr>
-      <dsp:spPr>
-        <a:xfrm>
-          <a:off x="767115" y="918938"/>
-          <a:ext cx="1205467" cy="367520"/>
-        </a:xfrm>
-        <a:prstGeom prst="rect">
-          <a:avLst/>
-        </a:prstGeom>
-        <a:solidFill>
-          <a:schemeClr val="accent1">
-            <a:hueOff val="0"/>
-            <a:satOff val="0"/>
-            <a:lumOff val="0"/>
-            <a:alphaOff val="0"/>
-          </a:schemeClr>
-        </a:solidFill>
-        <a:ln>
-          <a:noFill/>
-        </a:ln>
-        <a:effectLst/>
-        <a:sp3d extrusionH="381000" contourW="38100" prstMaterial="matte">
-          <a:contourClr>
-            <a:schemeClr val="lt1"/>
-          </a:contourClr>
-        </a:sp3d>
-      </dsp:spPr>
-      <dsp:style>
-        <a:lnRef idx="0">
-          <a:scrgbClr r="0" g="0" b="0"/>
-        </a:lnRef>
-        <a:fillRef idx="1">
-          <a:scrgbClr r="0" g="0" b="0"/>
-        </a:fillRef>
-        <a:effectRef idx="0">
-          <a:scrgbClr r="0" g="0" b="0"/>
-        </a:effectRef>
-        <a:fontRef idx="minor">
-          <a:schemeClr val="lt1"/>
-        </a:fontRef>
-      </dsp:style>
-      <dsp:txBody>
-        <a:bodyPr spcFirstLastPara="0" vert="horz" wrap="square" lIns="13335" tIns="13335" rIns="13335" bIns="13335" numCol="1" spcCol="1270" anchor="ctr" anchorCtr="0">
-          <a:noAutofit/>
-        </a:bodyPr>
-        <a:lstStyle/>
-        <a:p>
-          <a:pPr lvl="0" algn="ctr" defTabSz="933450">
-            <a:lnSpc>
-              <a:spcPct val="90000"/>
-            </a:lnSpc>
-            <a:spcBef>
-              <a:spcPct val="0"/>
-            </a:spcBef>
-            <a:spcAft>
-              <a:spcPct val="35000"/>
-            </a:spcAft>
-          </a:pPr>
-          <a:r>
-            <a:rPr lang="en-US" sz="2100" kern="1200" dirty="0"/>
-            <a:t>screen</a:t>
-          </a:r>
-        </a:p>
-      </dsp:txBody>
-      <dsp:txXfrm>
-        <a:off x="767115" y="918938"/>
-        <a:ext cx="1205467" cy="367520"/>
-      </dsp:txXfrm>
-    </dsp:sp>
-    <dsp:sp modelId="{66C9145C-710C-4C0C-9C36-7178356B5BD6}">
-      <dsp:nvSpPr>
-        <dsp:cNvPr id="0" name=""/>
-        <dsp:cNvSpPr/>
-      </dsp:nvSpPr>
-      <dsp:spPr>
-        <a:xfrm>
-          <a:off x="767115" y="1378339"/>
-          <a:ext cx="1205467" cy="367520"/>
-        </a:xfrm>
-        <a:prstGeom prst="rect">
-          <a:avLst/>
-        </a:prstGeom>
-        <a:solidFill>
-          <a:schemeClr val="accent1">
-            <a:hueOff val="0"/>
-            <a:satOff val="0"/>
-            <a:lumOff val="0"/>
-            <a:alphaOff val="0"/>
-          </a:schemeClr>
-        </a:solidFill>
-        <a:ln>
-          <a:noFill/>
-        </a:ln>
-        <a:effectLst/>
-        <a:sp3d extrusionH="381000" contourW="38100" prstMaterial="matte">
-          <a:contourClr>
-            <a:schemeClr val="lt1"/>
-          </a:contourClr>
-        </a:sp3d>
-      </dsp:spPr>
-      <dsp:style>
-        <a:lnRef idx="0">
-          <a:scrgbClr r="0" g="0" b="0"/>
-        </a:lnRef>
-        <a:fillRef idx="1">
-          <a:scrgbClr r="0" g="0" b="0"/>
-        </a:fillRef>
-        <a:effectRef idx="0">
-          <a:scrgbClr r="0" g="0" b="0"/>
-        </a:effectRef>
-        <a:fontRef idx="minor">
-          <a:schemeClr val="lt1"/>
-        </a:fontRef>
-      </dsp:style>
-      <dsp:txBody>
-        <a:bodyPr spcFirstLastPara="0" vert="horz" wrap="square" lIns="13335" tIns="13335" rIns="13335" bIns="13335" numCol="1" spcCol="1270" anchor="ctr" anchorCtr="0">
-          <a:noAutofit/>
-        </a:bodyPr>
-        <a:lstStyle/>
-        <a:p>
-          <a:pPr lvl="0" algn="ctr" defTabSz="933450">
-            <a:lnSpc>
-              <a:spcPct val="90000"/>
-            </a:lnSpc>
-            <a:spcBef>
-              <a:spcPct val="0"/>
-            </a:spcBef>
-            <a:spcAft>
-              <a:spcPct val="35000"/>
-            </a:spcAft>
-          </a:pPr>
-          <a:r>
-            <a:rPr lang="en-US" sz="2100" kern="1200" dirty="0"/>
-            <a:t>document</a:t>
-          </a:r>
-        </a:p>
-      </dsp:txBody>
-      <dsp:txXfrm>
-        <a:off x="767115" y="1378339"/>
-        <a:ext cx="1205467" cy="367520"/>
-      </dsp:txXfrm>
-    </dsp:sp>
-    <dsp:sp modelId="{5CFDBF41-FCED-4C2C-BA0E-14752DC33CF2}">
-      <dsp:nvSpPr>
-        <dsp:cNvPr id="0" name=""/>
-        <dsp:cNvSpPr/>
-      </dsp:nvSpPr>
-      <dsp:spPr>
-        <a:xfrm>
-          <a:off x="767115" y="1837740"/>
-          <a:ext cx="1205467" cy="367520"/>
-        </a:xfrm>
-        <a:prstGeom prst="rect">
-          <a:avLst/>
-        </a:prstGeom>
-        <a:solidFill>
-          <a:schemeClr val="accent1">
-            <a:hueOff val="0"/>
-            <a:satOff val="0"/>
-            <a:lumOff val="0"/>
-            <a:alphaOff val="0"/>
-          </a:schemeClr>
-        </a:solidFill>
-        <a:ln>
-          <a:noFill/>
-        </a:ln>
-        <a:effectLst/>
-        <a:sp3d extrusionH="381000" contourW="38100" prstMaterial="matte">
-          <a:contourClr>
-            <a:schemeClr val="lt1"/>
-          </a:contourClr>
-        </a:sp3d>
-      </dsp:spPr>
-      <dsp:style>
-        <a:lnRef idx="0">
-          <a:scrgbClr r="0" g="0" b="0"/>
-        </a:lnRef>
-        <a:fillRef idx="1">
-          <a:scrgbClr r="0" g="0" b="0"/>
-        </a:fillRef>
-        <a:effectRef idx="0">
-          <a:scrgbClr r="0" g="0" b="0"/>
-        </a:effectRef>
-        <a:fontRef idx="minor">
-          <a:schemeClr val="lt1"/>
-        </a:fontRef>
-      </dsp:style>
-      <dsp:txBody>
-        <a:bodyPr spcFirstLastPara="0" vert="horz" wrap="square" lIns="13335" tIns="13335" rIns="13335" bIns="13335" numCol="1" spcCol="1270" anchor="ctr" anchorCtr="0">
-          <a:noAutofit/>
-        </a:bodyPr>
-        <a:lstStyle/>
-        <a:p>
-          <a:pPr lvl="0" algn="ctr" defTabSz="933450">
-            <a:lnSpc>
-              <a:spcPct val="90000"/>
-            </a:lnSpc>
-            <a:spcBef>
-              <a:spcPct val="0"/>
-            </a:spcBef>
-            <a:spcAft>
-              <a:spcPct val="35000"/>
-            </a:spcAft>
-          </a:pPr>
-          <a:r>
-            <a:rPr lang="en-US" sz="2100" kern="1200" dirty="0"/>
-            <a:t>console</a:t>
-          </a:r>
-        </a:p>
-      </dsp:txBody>
-      <dsp:txXfrm>
-        <a:off x="767115" y="1837740"/>
-        <a:ext cx="1205467" cy="367520"/>
-      </dsp:txXfrm>
-    </dsp:sp>
-    <dsp:sp modelId="{E0D55938-7B7C-4932-8DE9-3524D895AED8}">
-      <dsp:nvSpPr>
-        <dsp:cNvPr id="0" name=""/>
-        <dsp:cNvSpPr/>
-      </dsp:nvSpPr>
-      <dsp:spPr>
-        <a:xfrm>
-          <a:off x="767115" y="2297141"/>
-          <a:ext cx="1205467" cy="367520"/>
-        </a:xfrm>
-        <a:prstGeom prst="rect">
-          <a:avLst/>
-        </a:prstGeom>
-        <a:solidFill>
-          <a:schemeClr val="accent1">
-            <a:hueOff val="0"/>
-            <a:satOff val="0"/>
-            <a:lumOff val="0"/>
-            <a:alphaOff val="0"/>
-          </a:schemeClr>
-        </a:solidFill>
-        <a:ln>
-          <a:noFill/>
-        </a:ln>
-        <a:effectLst/>
-        <a:sp3d extrusionH="381000" contourW="38100" prstMaterial="matte">
-          <a:contourClr>
-            <a:schemeClr val="lt1"/>
-          </a:contourClr>
-        </a:sp3d>
-      </dsp:spPr>
-      <dsp:style>
-        <a:lnRef idx="0">
-          <a:scrgbClr r="0" g="0" b="0"/>
-        </a:lnRef>
-        <a:fillRef idx="1">
-          <a:scrgbClr r="0" g="0" b="0"/>
-        </a:fillRef>
-        <a:effectRef idx="0">
-          <a:scrgbClr r="0" g="0" b="0"/>
-        </a:effectRef>
-        <a:fontRef idx="minor">
-          <a:schemeClr val="lt1"/>
-        </a:fontRef>
-      </dsp:style>
-      <dsp:txBody>
-        <a:bodyPr spcFirstLastPara="0" vert="horz" wrap="square" lIns="13335" tIns="13335" rIns="13335" bIns="13335" numCol="1" spcCol="1270" anchor="ctr" anchorCtr="0">
-          <a:noAutofit/>
-        </a:bodyPr>
-        <a:lstStyle/>
-        <a:p>
-          <a:pPr lvl="0" algn="ctr" defTabSz="933450">
-            <a:lnSpc>
-              <a:spcPct val="90000"/>
-            </a:lnSpc>
-            <a:spcBef>
-              <a:spcPct val="0"/>
-            </a:spcBef>
-            <a:spcAft>
-              <a:spcPct val="35000"/>
-            </a:spcAft>
-          </a:pPr>
-          <a:r>
-            <a:rPr lang="en-US" sz="2100" kern="1200" dirty="0"/>
-            <a:t>Math</a:t>
-          </a:r>
-        </a:p>
-      </dsp:txBody>
-      <dsp:txXfrm>
-        <a:off x="767115" y="2297141"/>
-        <a:ext cx="1205467" cy="367520"/>
-      </dsp:txXfrm>
-    </dsp:sp>
-    <dsp:sp modelId="{EB1D4CF5-BE15-480B-86EA-E212B8415225}">
-      <dsp:nvSpPr>
-        <dsp:cNvPr id="0" name=""/>
-        <dsp:cNvSpPr/>
-      </dsp:nvSpPr>
-      <dsp:spPr>
-        <a:xfrm>
-          <a:off x="767115" y="2756542"/>
-          <a:ext cx="1205467" cy="367520"/>
-        </a:xfrm>
-        <a:prstGeom prst="rect">
-          <a:avLst/>
-        </a:prstGeom>
-        <a:solidFill>
-          <a:schemeClr val="accent1">
-            <a:hueOff val="0"/>
-            <a:satOff val="0"/>
-            <a:lumOff val="0"/>
-            <a:alphaOff val="0"/>
-          </a:schemeClr>
-        </a:solidFill>
-        <a:ln>
-          <a:noFill/>
-        </a:ln>
-        <a:effectLst/>
-        <a:sp3d extrusionH="381000" contourW="38100" prstMaterial="matte">
-          <a:contourClr>
-            <a:schemeClr val="lt1"/>
-          </a:contourClr>
-        </a:sp3d>
-      </dsp:spPr>
-      <dsp:style>
-        <a:lnRef idx="0">
-          <a:scrgbClr r="0" g="0" b="0"/>
-        </a:lnRef>
-        <a:fillRef idx="1">
-          <a:scrgbClr r="0" g="0" b="0"/>
-        </a:fillRef>
-        <a:effectRef idx="0">
-          <a:scrgbClr r="0" g="0" b="0"/>
-        </a:effectRef>
-        <a:fontRef idx="minor">
-          <a:schemeClr val="lt1"/>
-        </a:fontRef>
-      </dsp:style>
-      <dsp:txBody>
-        <a:bodyPr spcFirstLastPara="0" vert="horz" wrap="square" lIns="13335" tIns="13335" rIns="13335" bIns="13335" numCol="1" spcCol="1270" anchor="ctr" anchorCtr="0">
-          <a:noAutofit/>
-        </a:bodyPr>
-        <a:lstStyle/>
-        <a:p>
-          <a:pPr lvl="0" algn="ctr" defTabSz="933450">
-            <a:lnSpc>
-              <a:spcPct val="90000"/>
-            </a:lnSpc>
-            <a:spcBef>
-              <a:spcPct val="0"/>
-            </a:spcBef>
-            <a:spcAft>
-              <a:spcPct val="35000"/>
-            </a:spcAft>
-          </a:pPr>
-          <a:r>
-            <a:rPr lang="en-US" sz="2100" kern="1200" dirty="0"/>
-            <a:t>Date</a:t>
-          </a:r>
-        </a:p>
-      </dsp:txBody>
-      <dsp:txXfrm>
-        <a:off x="767115" y="2756542"/>
-        <a:ext cx="1205467" cy="367520"/>
-      </dsp:txXfrm>
-    </dsp:sp>
   </dsp:spTree>
 </dsp:drawing>
 </file>
@@ -7916,7 +6210,7 @@
           <a:p>
             <a:fld id="{6F66794D-9D79-4AC5-96DA-597EA4BF2704}" type="datetimeFigureOut">
               <a:rPr lang="en-US" smtClean="0"/>
-              <a:t>30-Mar-16</a:t>
+              <a:t>31-Mar-16</a:t>
             </a:fld>
             <a:endParaRPr lang="en-US"/>
           </a:p>
@@ -8242,7 +6536,7 @@
           <a:p>
             <a:fld id="{6F66794D-9D79-4AC5-96DA-597EA4BF2704}" type="datetimeFigureOut">
               <a:rPr lang="en-US" smtClean="0"/>
-              <a:t>30-Mar-16</a:t>
+              <a:t>31-Mar-16</a:t>
             </a:fld>
             <a:endParaRPr lang="en-US"/>
           </a:p>
@@ -8490,7 +6784,7 @@
           <a:p>
             <a:fld id="{6F66794D-9D79-4AC5-96DA-597EA4BF2704}" type="datetimeFigureOut">
               <a:rPr lang="en-US" smtClean="0"/>
-              <a:t>30-Mar-16</a:t>
+              <a:t>31-Mar-16</a:t>
             </a:fld>
             <a:endParaRPr lang="en-US"/>
           </a:p>
@@ -9030,7 +7324,7 @@
           <a:p>
             <a:fld id="{6F66794D-9D79-4AC5-96DA-597EA4BF2704}" type="datetimeFigureOut">
               <a:rPr lang="en-US" smtClean="0"/>
-              <a:t>30-Mar-16</a:t>
+              <a:t>31-Mar-16</a:t>
             </a:fld>
             <a:endParaRPr lang="en-US"/>
           </a:p>
@@ -9278,7 +7572,7 @@
           <a:p>
             <a:fld id="{6F66794D-9D79-4AC5-96DA-597EA4BF2704}" type="datetimeFigureOut">
               <a:rPr lang="en-US" smtClean="0"/>
-              <a:t>30-Mar-16</a:t>
+              <a:t>31-Mar-16</a:t>
             </a:fld>
             <a:endParaRPr lang="en-US"/>
           </a:p>
@@ -9810,7 +8104,7 @@
           <a:p>
             <a:fld id="{6F66794D-9D79-4AC5-96DA-597EA4BF2704}" type="datetimeFigureOut">
               <a:rPr lang="en-US" smtClean="0"/>
-              <a:t>30-Mar-16</a:t>
+              <a:t>31-Mar-16</a:t>
             </a:fld>
             <a:endParaRPr lang="en-US"/>
           </a:p>
@@ -10107,7 +8401,7 @@
           <a:p>
             <a:fld id="{6F66794D-9D79-4AC5-96DA-597EA4BF2704}" type="datetimeFigureOut">
               <a:rPr lang="en-US" smtClean="0"/>
-              <a:t>30-Mar-16</a:t>
+              <a:t>31-Mar-16</a:t>
             </a:fld>
             <a:endParaRPr lang="en-US"/>
           </a:p>
@@ -10281,7 +8575,7 @@
           <a:p>
             <a:fld id="{6F66794D-9D79-4AC5-96DA-597EA4BF2704}" type="datetimeFigureOut">
               <a:rPr lang="en-US" smtClean="0"/>
-              <a:t>30-Mar-16</a:t>
+              <a:t>31-Mar-16</a:t>
             </a:fld>
             <a:endParaRPr lang="en-US"/>
           </a:p>
@@ -10461,7 +8755,7 @@
           <a:p>
             <a:fld id="{6F66794D-9D79-4AC5-96DA-597EA4BF2704}" type="datetimeFigureOut">
               <a:rPr lang="en-US" smtClean="0"/>
-              <a:t>30-Mar-16</a:t>
+              <a:t>31-Mar-16</a:t>
             </a:fld>
             <a:endParaRPr lang="en-US"/>
           </a:p>
@@ -10631,7 +8925,7 @@
           <a:p>
             <a:fld id="{6F66794D-9D79-4AC5-96DA-597EA4BF2704}" type="datetimeFigureOut">
               <a:rPr lang="en-US" smtClean="0"/>
-              <a:t>30-Mar-16</a:t>
+              <a:t>31-Mar-16</a:t>
             </a:fld>
             <a:endParaRPr lang="en-US"/>
           </a:p>
@@ -10912,7 +9206,7 @@
           <a:p>
             <a:fld id="{6F66794D-9D79-4AC5-96DA-597EA4BF2704}" type="datetimeFigureOut">
               <a:rPr lang="en-US" smtClean="0"/>
-              <a:t>30-Mar-16</a:t>
+              <a:t>31-Mar-16</a:t>
             </a:fld>
             <a:endParaRPr lang="en-US"/>
           </a:p>
@@ -11209,7 +9503,7 @@
           <a:p>
             <a:fld id="{6F66794D-9D79-4AC5-96DA-597EA4BF2704}" type="datetimeFigureOut">
               <a:rPr lang="en-US" smtClean="0"/>
-              <a:t>30-Mar-16</a:t>
+              <a:t>31-Mar-16</a:t>
             </a:fld>
             <a:endParaRPr lang="en-US"/>
           </a:p>
@@ -11681,7 +9975,7 @@
           <a:p>
             <a:fld id="{6F66794D-9D79-4AC5-96DA-597EA4BF2704}" type="datetimeFigureOut">
               <a:rPr lang="en-US" smtClean="0"/>
-              <a:t>30-Mar-16</a:t>
+              <a:t>31-Mar-16</a:t>
             </a:fld>
             <a:endParaRPr lang="en-US"/>
           </a:p>
@@ -11829,7 +10123,7 @@
           <a:p>
             <a:fld id="{6F66794D-9D79-4AC5-96DA-597EA4BF2704}" type="datetimeFigureOut">
               <a:rPr lang="en-US" smtClean="0"/>
-              <a:t>30-Mar-16</a:t>
+              <a:t>31-Mar-16</a:t>
             </a:fld>
             <a:endParaRPr lang="en-US"/>
           </a:p>
@@ -11924,7 +10218,7 @@
           <a:p>
             <a:fld id="{6F66794D-9D79-4AC5-96DA-597EA4BF2704}" type="datetimeFigureOut">
               <a:rPr lang="en-US" smtClean="0"/>
-              <a:t>30-Mar-16</a:t>
+              <a:t>31-Mar-16</a:t>
             </a:fld>
             <a:endParaRPr lang="en-US"/>
           </a:p>
@@ -12207,7 +10501,7 @@
           <a:p>
             <a:fld id="{6F66794D-9D79-4AC5-96DA-597EA4BF2704}" type="datetimeFigureOut">
               <a:rPr lang="en-US" smtClean="0"/>
-              <a:t>30-Mar-16</a:t>
+              <a:t>31-Mar-16</a:t>
             </a:fld>
             <a:endParaRPr lang="en-US"/>
           </a:p>
@@ -12498,7 +10792,7 @@
           <a:p>
             <a:fld id="{6F66794D-9D79-4AC5-96DA-597EA4BF2704}" type="datetimeFigureOut">
               <a:rPr lang="en-US" smtClean="0"/>
-              <a:t>30-Mar-16</a:t>
+              <a:t>31-Mar-16</a:t>
             </a:fld>
             <a:endParaRPr lang="en-US"/>
           </a:p>
@@ -13028,7 +11322,7 @@
           <a:p>
             <a:fld id="{6F66794D-9D79-4AC5-96DA-597EA4BF2704}" type="datetimeFigureOut">
               <a:rPr lang="en-US" smtClean="0"/>
-              <a:t>30-Mar-16</a:t>
+              <a:t>31-Mar-16</a:t>
             </a:fld>
             <a:endParaRPr lang="en-US"/>
           </a:p>
@@ -15266,59 +13560,41 @@
               <a:rPr lang="en-US" b="1" dirty="0" smtClean="0">
                 <a:latin typeface="Calibri" panose="020F0502020204030204" pitchFamily="34" charset="0"/>
               </a:rPr>
-              <a:t> </a:t>
-            </a:r>
+              <a:t> count= 5;</a:t>
+            </a:r>
+          </a:p>
+          <a:p>
             <a:r>
               <a:rPr lang="en-US" b="1" dirty="0" smtClean="0">
                 <a:latin typeface="Calibri" panose="020F0502020204030204" pitchFamily="34" charset="0"/>
               </a:rPr>
-              <a:t>count</a:t>
+              <a:t>let sum = 0;</a:t>
+            </a:r>
+          </a:p>
+          <a:p>
+            <a:r>
+              <a:rPr lang="en-US" b="1" dirty="0" err="1" smtClean="0">
+                <a:latin typeface="Calibri" panose="020F0502020204030204" pitchFamily="34" charset="0"/>
+              </a:rPr>
+              <a:t>var</a:t>
             </a:r>
             <a:r>
               <a:rPr lang="en-US" b="1" dirty="0" smtClean="0">
                 <a:latin typeface="Calibri" panose="020F0502020204030204" pitchFamily="34" charset="0"/>
               </a:rPr>
-              <a:t>= 5;</a:t>
-            </a:r>
-          </a:p>
-          <a:p>
+              <a:t> radius = </a:t>
+            </a:r>
+            <a:r>
+              <a:rPr lang="en-US" b="1" dirty="0" err="1" smtClean="0">
+                <a:latin typeface="Calibri" panose="020F0502020204030204" pitchFamily="34" charset="0"/>
+              </a:rPr>
+              <a:t>parseInt</a:t>
+            </a:r>
             <a:r>
               <a:rPr lang="en-US" b="1" dirty="0" smtClean="0">
                 <a:latin typeface="Calibri" panose="020F0502020204030204" pitchFamily="34" charset="0"/>
               </a:rPr>
-              <a:t>let sum = 0;</a:t>
-            </a:r>
-          </a:p>
-          <a:p>
-            <a:r>
-              <a:rPr lang="en-US" b="1" dirty="0" err="1" smtClean="0">
-                <a:latin typeface="Calibri" panose="020F0502020204030204" pitchFamily="34" charset="0"/>
-              </a:rPr>
-              <a:t>var</a:t>
-            </a:r>
-            <a:r>
-              <a:rPr lang="en-US" b="1" dirty="0" smtClean="0">
-                <a:latin typeface="Calibri" panose="020F0502020204030204" pitchFamily="34" charset="0"/>
-              </a:rPr>
-              <a:t> radius = </a:t>
-            </a:r>
-            <a:r>
-              <a:rPr lang="en-US" b="1" dirty="0" err="1" smtClean="0">
-                <a:latin typeface="Calibri" panose="020F0502020204030204" pitchFamily="34" charset="0"/>
-              </a:rPr>
-              <a:t>parseInt</a:t>
-            </a:r>
-            <a:r>
-              <a:rPr lang="en-US" b="1" dirty="0" smtClean="0">
-                <a:latin typeface="Calibri" panose="020F0502020204030204" pitchFamily="34" charset="0"/>
-              </a:rPr>
-              <a:t>(“5”);</a:t>
-            </a:r>
-            <a:r>
-              <a:rPr lang="en-US" b="1" dirty="0" smtClean="0">
-                <a:latin typeface="Calibri" panose="020F0502020204030204" pitchFamily="34" charset="0"/>
-              </a:rPr>
-              <a:t> </a:t>
+              <a:t>(“5”); </a:t>
             </a:r>
             <a:endParaRPr lang="en-US" b="1" dirty="0">
               <a:latin typeface="Calibri" panose="020F0502020204030204" pitchFamily="34" charset="0"/>
@@ -16769,11 +15045,11 @@
           <a:p>
             <a:r>
               <a:rPr lang="bg-BG" dirty="0" smtClean="0"/>
-              <a:t>Символни низове (</a:t>
+              <a:t>Масив (</a:t>
             </a:r>
             <a:r>
               <a:rPr lang="en-US" dirty="0" smtClean="0"/>
-              <a:t>String)</a:t>
+              <a:t>Array)</a:t>
             </a:r>
             <a:endParaRPr lang="en-US" dirty="0"/>
           </a:p>
@@ -16791,75 +15067,68 @@
         </p:nvSpPr>
         <p:spPr>
           <a:xfrm>
-            <a:off x="1484310" y="1873189"/>
-            <a:ext cx="10018713" cy="3515557"/>
+            <a:off x="1484310" y="1979721"/>
+            <a:ext cx="10018713" cy="3426780"/>
           </a:xfrm>
         </p:spPr>
         <p:txBody>
           <a:bodyPr>
-            <a:normAutofit fontScale="85000" lnSpcReduction="20000"/>
+            <a:normAutofit fontScale="92500" lnSpcReduction="10000"/>
           </a:bodyPr>
           <a:lstStyle/>
           <a:p>
             <a:r>
               <a:rPr lang="bg-BG" dirty="0" smtClean="0"/>
-              <a:t>Представя съвкупоност (низ) от символи</a:t>
-            </a:r>
-          </a:p>
-          <a:p>
+              <a:t>Масивът </a:t>
+            </a:r>
+            <a:r>
+              <a:rPr lang="en-US" dirty="0" smtClean="0"/>
+              <a:t>e </a:t>
+            </a:r>
             <a:r>
               <a:rPr lang="bg-BG" dirty="0" smtClean="0"/>
-              <a:t>Символните низове използват </a:t>
-            </a:r>
-            <a:r>
-              <a:rPr lang="en-US" dirty="0" smtClean="0">
-                <a:hlinkClick r:id="rId2"/>
-              </a:rPr>
-              <a:t>Unicode</a:t>
+              <a:t>съвкупност от елементи, (</a:t>
+            </a:r>
+            <a:r>
+              <a:rPr lang="en-US" dirty="0" smtClean="0"/>
+              <a:t>[1,2,3], [‘</a:t>
+            </a:r>
+            <a:r>
+              <a:rPr lang="en-US" dirty="0" err="1" smtClean="0"/>
+              <a:t>Pesho</a:t>
+            </a:r>
+            <a:r>
+              <a:rPr lang="en-US" dirty="0" smtClean="0"/>
+              <a:t>’, ‘</a:t>
+            </a:r>
+            <a:r>
+              <a:rPr lang="en-US" dirty="0" err="1" smtClean="0"/>
+              <a:t>Gosho</a:t>
+            </a:r>
+            <a:r>
+              <a:rPr lang="en-US" dirty="0" smtClean="0"/>
+              <a:t>’]</a:t>
+            </a:r>
+            <a:r>
+              <a:rPr lang="bg-BG" dirty="0" smtClean="0"/>
+              <a:t>...</a:t>
+            </a:r>
+            <a:r>
+              <a:rPr lang="en-US" dirty="0" smtClean="0"/>
+              <a:t>)</a:t>
             </a:r>
             <a:endParaRPr lang="bg-BG" dirty="0" smtClean="0"/>
           </a:p>
           <a:p>
             <a:r>
               <a:rPr lang="bg-BG" dirty="0" smtClean="0"/>
-              <a:t>Символните низове са заградени в кавички (</a:t>
-            </a:r>
-            <a:r>
-              <a:rPr lang="en-US" dirty="0" smtClean="0"/>
-              <a:t>‘ ‘ </a:t>
-            </a:r>
+              <a:t>Елементите имат фиксиран ред</a:t>
+            </a:r>
+          </a:p>
+          <a:p>
             <a:r>
               <a:rPr lang="bg-BG" dirty="0" smtClean="0"/>
-              <a:t>или </a:t>
-            </a:r>
-            <a:r>
-              <a:rPr lang="en-US" dirty="0" smtClean="0"/>
-              <a:t>“ ”). </a:t>
-            </a:r>
-            <a:r>
-              <a:rPr lang="bg-BG" dirty="0" smtClean="0"/>
-              <a:t>Предпоръчва се да се изполват ед. кавички (</a:t>
-            </a:r>
-            <a:r>
-              <a:rPr lang="en-US" dirty="0" smtClean="0"/>
-              <a:t>‘ ‘)</a:t>
-            </a:r>
-          </a:p>
-          <a:p>
-            <a:r>
-              <a:rPr lang="bg-BG" dirty="0" smtClean="0"/>
-              <a:t>Символните низове могат да бъдат удължавани/съставяни като се използва оператора </a:t>
-            </a:r>
-            <a:r>
-              <a:rPr lang="bg-BG" b="1" dirty="0" smtClean="0"/>
-              <a:t>плюс (+)</a:t>
-            </a:r>
-            <a:endParaRPr lang="en-US" b="1" dirty="0" smtClean="0"/>
-          </a:p>
-          <a:p>
-            <a:r>
-              <a:rPr lang="bg-BG" dirty="0" smtClean="0"/>
-              <a:t>С последната версия на </a:t>
+              <a:t>Масивите в </a:t>
             </a:r>
             <a:r>
               <a:rPr lang="en-US" dirty="0" smtClean="0"/>
@@ -16867,13 +15136,93 @@
             </a:r>
             <a:r>
               <a:rPr lang="bg-BG" dirty="0" smtClean="0"/>
-              <a:t> се въвежда стрингова интерполация, но тя работи само на последните версии на браузърите.</a:t>
+              <a:t> имат дължина, но тя не е фиксирана</a:t>
             </a:r>
           </a:p>
           <a:p>
             <a:r>
               <a:rPr lang="bg-BG" dirty="0" smtClean="0"/>
-              <a:t>Символните низове могат да се обхождат чрез индексите на техните символи и имат подобно поведение на масивите.</a:t>
+              <a:t>Масивите се декларират </a:t>
+            </a:r>
+            <a:r>
+              <a:rPr lang="bg-BG" dirty="0" smtClean="0"/>
+              <a:t>чрез</a:t>
+            </a:r>
+            <a:r>
+              <a:rPr lang="en-US" dirty="0" smtClean="0"/>
+              <a:t> </a:t>
+            </a:r>
+            <a:r>
+              <a:rPr lang="bg-BG" dirty="0" smtClean="0"/>
+              <a:t>литерал </a:t>
+            </a:r>
+            <a:r>
+              <a:rPr lang="en-US" i="1" dirty="0" smtClean="0">
+                <a:solidFill>
+                  <a:schemeClr val="accent6">
+                    <a:lumMod val="75000"/>
+                  </a:schemeClr>
+                </a:solidFill>
+              </a:rPr>
+              <a:t>[ </a:t>
+            </a:r>
+            <a:r>
+              <a:rPr lang="en-US" i="1" dirty="0" smtClean="0">
+                <a:solidFill>
+                  <a:schemeClr val="accent6">
+                    <a:lumMod val="75000"/>
+                  </a:schemeClr>
+                </a:solidFill>
+              </a:rPr>
+              <a:t>] </a:t>
+            </a:r>
+            <a:r>
+              <a:rPr lang="bg-BG" dirty="0" smtClean="0"/>
+              <a:t>или чрез констуктор </a:t>
+            </a:r>
+            <a:r>
+              <a:rPr lang="en-US" i="1" dirty="0" smtClean="0">
+                <a:solidFill>
+                  <a:schemeClr val="accent6">
+                    <a:lumMod val="75000"/>
+                  </a:schemeClr>
+                </a:solidFill>
+              </a:rPr>
+              <a:t>new Array(…)</a:t>
+            </a:r>
+            <a:endParaRPr lang="bg-BG" i="1" dirty="0" smtClean="0">
+              <a:solidFill>
+                <a:schemeClr val="accent6">
+                  <a:lumMod val="75000"/>
+                </a:schemeClr>
+              </a:solidFill>
+            </a:endParaRPr>
+          </a:p>
+          <a:p>
+            <a:r>
+              <a:rPr lang="bg-BG" dirty="0" smtClean="0"/>
+              <a:t>Масивите могат да бъдат достъпвани по индекс</a:t>
+            </a:r>
+          </a:p>
+          <a:p>
+            <a:pPr lvl="1"/>
+            <a:r>
+              <a:rPr lang="bg-BG" dirty="0" smtClean="0"/>
+              <a:t>Започва от 0</a:t>
+            </a:r>
+          </a:p>
+          <a:p>
+            <a:pPr lvl="1"/>
+            <a:r>
+              <a:rPr lang="bg-BG" dirty="0" smtClean="0"/>
+              <a:t>Инкрементира се 1 </a:t>
+            </a:r>
+          </a:p>
+          <a:p>
+            <a:pPr lvl="1"/>
+            <a:r>
+              <a:rPr lang="bg-BG" dirty="0" smtClean="0"/>
+              <a:t>Достига до дължината на масива - 1</a:t>
             </a:r>
             <a:endParaRPr lang="en-US" dirty="0"/>
           </a:p>
@@ -16881,14 +15230,14 @@
       </p:sp>
       <p:sp>
         <p:nvSpPr>
-          <p:cNvPr id="4" name="TextBox 3"/>
+          <p:cNvPr id="5" name="TextBox 4"/>
           <p:cNvSpPr txBox="1"/>
           <p:nvPr/>
         </p:nvSpPr>
         <p:spPr>
           <a:xfrm>
-            <a:off x="2392008" y="5390045"/>
-            <a:ext cx="4581227" cy="1200329"/>
+            <a:off x="8144912" y="4669097"/>
+            <a:ext cx="3873622" cy="2031325"/>
           </a:xfrm>
           <a:prstGeom prst="rect">
             <a:avLst/>
@@ -16915,172 +15264,92 @@
           <a:lstStyle/>
           <a:p>
             <a:r>
-              <a:rPr lang="en-US" dirty="0" err="1"/>
-              <a:t>var</a:t>
-            </a:r>
-            <a:r>
-              <a:rPr lang="en-US" dirty="0"/>
-              <a:t> </a:t>
-            </a:r>
-            <a:r>
-              <a:rPr lang="en-US" dirty="0" smtClean="0"/>
-              <a:t>greeting = ‘Hello World!’;</a:t>
-            </a:r>
-          </a:p>
-          <a:p>
-            <a:r>
-              <a:rPr lang="en-US" dirty="0" err="1" smtClean="0">
-                <a:latin typeface="Calibri" panose="020F0502020204030204" pitchFamily="34" charset="0"/>
-              </a:rPr>
-              <a:t>var</a:t>
-            </a:r>
-            <a:r>
-              <a:rPr lang="en-US" dirty="0" smtClean="0">
-                <a:latin typeface="Calibri" panose="020F0502020204030204" pitchFamily="34" charset="0"/>
-              </a:rPr>
-              <a:t> </a:t>
-            </a:r>
-            <a:r>
-              <a:rPr lang="en-US" dirty="0" err="1" smtClean="0">
-                <a:latin typeface="Calibri" panose="020F0502020204030204" pitchFamily="34" charset="0"/>
-              </a:rPr>
-              <a:t>niceGreeting</a:t>
-            </a:r>
-            <a:r>
-              <a:rPr lang="en-US" dirty="0" smtClean="0">
-                <a:latin typeface="Calibri" panose="020F0502020204030204" pitchFamily="34" charset="0"/>
-              </a:rPr>
-              <a:t> = greeting + “It’s a nice day”;</a:t>
-            </a:r>
-          </a:p>
-          <a:p>
-            <a:endParaRPr lang="en-US" dirty="0">
-              <a:latin typeface="Calibri" panose="020F0502020204030204" pitchFamily="34" charset="0"/>
-            </a:endParaRPr>
-          </a:p>
-          <a:p>
-            <a:r>
-              <a:rPr lang="en-US" dirty="0" smtClean="0">
-                <a:latin typeface="Calibri" panose="020F0502020204030204" pitchFamily="34" charset="0"/>
-              </a:rPr>
-              <a:t>console.log(</a:t>
-            </a:r>
-            <a:r>
-              <a:rPr lang="en-US" dirty="0" err="1" smtClean="0">
-                <a:latin typeface="Calibri" panose="020F0502020204030204" pitchFamily="34" charset="0"/>
-              </a:rPr>
-              <a:t>niceGreeting</a:t>
-            </a:r>
-            <a:r>
-              <a:rPr lang="en-US" dirty="0" smtClean="0">
-                <a:latin typeface="Calibri" panose="020F0502020204030204" pitchFamily="34" charset="0"/>
-              </a:rPr>
-              <a:t>);</a:t>
-            </a:r>
-            <a:endParaRPr lang="en-US" dirty="0">
-              <a:latin typeface="Calibri" panose="020F0502020204030204" pitchFamily="34" charset="0"/>
-            </a:endParaRPr>
-          </a:p>
-        </p:txBody>
-      </p:sp>
-      <p:sp>
-        <p:nvSpPr>
-          <p:cNvPr id="5" name="TextBox 4"/>
-          <p:cNvSpPr txBox="1"/>
-          <p:nvPr/>
-        </p:nvSpPr>
-        <p:spPr>
-          <a:xfrm>
-            <a:off x="7055310" y="5390045"/>
-            <a:ext cx="4581227" cy="1200329"/>
-          </a:xfrm>
-          <a:prstGeom prst="rect">
-            <a:avLst/>
-          </a:prstGeom>
-        </p:spPr>
-        <p:style>
-          <a:lnRef idx="0">
-            <a:schemeClr val="accent1"/>
-          </a:lnRef>
-          <a:fillRef idx="3">
-            <a:schemeClr val="accent1"/>
-          </a:fillRef>
-          <a:effectRef idx="3">
-            <a:schemeClr val="accent1"/>
-          </a:effectRef>
-          <a:fontRef idx="minor">
-            <a:schemeClr val="lt1"/>
-          </a:fontRef>
-        </p:style>
-        <p:txBody>
-          <a:bodyPr wrap="square" rtlCol="0">
-            <a:spAutoFit/>
-          </a:bodyPr>
-          <a:lstStyle/>
-          <a:p>
-            <a:r>
-              <a:rPr lang="en-US" dirty="0" err="1"/>
-              <a:t>var</a:t>
-            </a:r>
-            <a:r>
-              <a:rPr lang="en-US" dirty="0"/>
-              <a:t> </a:t>
-            </a:r>
-            <a:r>
-              <a:rPr lang="en-US" dirty="0" smtClean="0"/>
-              <a:t>name= ‘</a:t>
-            </a:r>
-            <a:r>
-              <a:rPr lang="bg-BG" dirty="0" smtClean="0"/>
-              <a:t>Пешо</a:t>
-            </a:r>
-            <a:r>
-              <a:rPr lang="en-US" dirty="0" smtClean="0"/>
-              <a:t>’;</a:t>
-            </a:r>
-            <a:endParaRPr lang="bg-BG" dirty="0" smtClean="0"/>
-          </a:p>
-          <a:p>
-            <a:r>
               <a:rPr lang="en-US" dirty="0" err="1" smtClean="0"/>
               <a:t>var</a:t>
             </a:r>
             <a:r>
               <a:rPr lang="en-US" dirty="0" smtClean="0"/>
-              <a:t> surname = ‘</a:t>
-            </a:r>
-            <a:r>
-              <a:rPr lang="bg-BG" dirty="0" smtClean="0"/>
-              <a:t>Пешев‘</a:t>
+              <a:t> </a:t>
+            </a:r>
+            <a:r>
+              <a:rPr lang="en-US" dirty="0"/>
+              <a:t>numbers = [1, 2, 3, 4, 5]; </a:t>
+            </a:r>
+            <a:endParaRPr lang="en-US" dirty="0" smtClean="0"/>
+          </a:p>
+          <a:p>
+            <a:r>
+              <a:rPr lang="en-US" dirty="0" err="1" smtClean="0"/>
+              <a:t>var</a:t>
             </a:r>
             <a:r>
               <a:rPr lang="en-US" dirty="0" smtClean="0"/>
-              <a:t>;</a:t>
-            </a:r>
-          </a:p>
-          <a:p>
-            <a:endParaRPr lang="en-US" dirty="0">
-              <a:latin typeface="Calibri" panose="020F0502020204030204" pitchFamily="34" charset="0"/>
-            </a:endParaRPr>
-          </a:p>
-          <a:p>
-            <a:r>
-              <a:rPr lang="en-US" dirty="0" smtClean="0">
-                <a:latin typeface="Calibri" panose="020F0502020204030204" pitchFamily="34" charset="0"/>
-              </a:rPr>
-              <a:t>console.log(`</a:t>
-            </a:r>
-            <a:r>
-              <a:rPr lang="bg-BG" dirty="0" smtClean="0">
-                <a:latin typeface="Calibri" panose="020F0502020204030204" pitchFamily="34" charset="0"/>
-              </a:rPr>
-              <a:t>Привет, $</a:t>
-            </a:r>
-            <a:r>
-              <a:rPr lang="en-US" dirty="0" smtClean="0">
-                <a:latin typeface="Calibri" panose="020F0502020204030204" pitchFamily="34" charset="0"/>
-              </a:rPr>
-              <a:t>{name} ${surname}`);</a:t>
+              <a:t> mixed </a:t>
+            </a:r>
+            <a:r>
+              <a:rPr lang="en-US" dirty="0"/>
+              <a:t>= [1, new Date(), 'hello']; </a:t>
+            </a:r>
+            <a:endParaRPr lang="en-US" dirty="0" smtClean="0"/>
+          </a:p>
+          <a:p>
+            <a:r>
+              <a:rPr lang="en-US" dirty="0" err="1" smtClean="0"/>
+              <a:t>var</a:t>
+            </a:r>
+            <a:r>
+              <a:rPr lang="en-US" dirty="0" smtClean="0"/>
+              <a:t> </a:t>
+            </a:r>
+            <a:r>
+              <a:rPr lang="en-US" dirty="0"/>
+              <a:t>matrix = [ </a:t>
+            </a:r>
+            <a:endParaRPr lang="en-US" dirty="0" smtClean="0"/>
+          </a:p>
+          <a:p>
+            <a:r>
+              <a:rPr lang="en-US" dirty="0" smtClean="0"/>
+              <a:t>	[</a:t>
+            </a:r>
+            <a:r>
+              <a:rPr lang="en-US" dirty="0"/>
+              <a:t>'0,0', '0,1', '0,2</a:t>
+            </a:r>
+            <a:r>
+              <a:rPr lang="en-US" dirty="0" smtClean="0"/>
+              <a:t>'],</a:t>
+            </a:r>
+          </a:p>
+          <a:p>
+            <a:r>
+              <a:rPr lang="en-US" dirty="0" smtClean="0"/>
+              <a:t> 	[</a:t>
+            </a:r>
+            <a:r>
+              <a:rPr lang="en-US" dirty="0"/>
+              <a:t>'1,0', '1,1', '1,2'], </a:t>
+            </a:r>
+            <a:endParaRPr lang="en-US" dirty="0" smtClean="0"/>
+          </a:p>
+          <a:p>
+            <a:r>
+              <a:rPr lang="en-US" dirty="0" smtClean="0"/>
+              <a:t>	[</a:t>
+            </a:r>
+            <a:r>
+              <a:rPr lang="en-US" dirty="0"/>
+              <a:t>'2,0', '2,1', '2,2</a:t>
+            </a:r>
+            <a:r>
+              <a:rPr lang="en-US" dirty="0" smtClean="0"/>
+              <a:t>']</a:t>
+            </a:r>
+          </a:p>
+          <a:p>
+            <a:r>
+              <a:rPr lang="en-US" dirty="0" smtClean="0"/>
+              <a:t>];</a:t>
             </a:r>
             <a:endParaRPr lang="en-US" dirty="0">
               <a:latin typeface="Calibri" panose="020F0502020204030204" pitchFamily="34" charset="0"/>
@@ -17091,7 +15360,7 @@
     </p:spTree>
     <p:extLst>
       <p:ext uri="{BB962C8B-B14F-4D97-AF65-F5344CB8AC3E}">
-        <p14:creationId xmlns:p14="http://schemas.microsoft.com/office/powerpoint/2010/main" val="3342463024"/>
+        <p14:creationId xmlns:p14="http://schemas.microsoft.com/office/powerpoint/2010/main" val="2395991094"/>
       </p:ext>
     </p:extLst>
   </p:cSld>
@@ -17135,11 +15404,11 @@
           <a:p>
             <a:r>
               <a:rPr lang="bg-BG" dirty="0" smtClean="0"/>
-              <a:t>Масив (</a:t>
+              <a:t>Символни низове (</a:t>
             </a:r>
             <a:r>
               <a:rPr lang="en-US" dirty="0" smtClean="0"/>
-              <a:t>Array)</a:t>
+              <a:t>String)</a:t>
             </a:r>
             <a:endParaRPr lang="en-US" dirty="0"/>
           </a:p>
@@ -17157,68 +15426,75 @@
         </p:nvSpPr>
         <p:spPr>
           <a:xfrm>
-            <a:off x="1484310" y="1979721"/>
-            <a:ext cx="10018713" cy="3426780"/>
+            <a:off x="1484310" y="1873189"/>
+            <a:ext cx="10018713" cy="3515557"/>
           </a:xfrm>
         </p:spPr>
         <p:txBody>
           <a:bodyPr>
-            <a:normAutofit fontScale="92500" lnSpcReduction="10000"/>
+            <a:normAutofit fontScale="85000" lnSpcReduction="20000"/>
           </a:bodyPr>
           <a:lstStyle/>
           <a:p>
             <a:r>
               <a:rPr lang="bg-BG" dirty="0" smtClean="0"/>
-              <a:t>Масивът </a:t>
+              <a:t>Представя съвкупоност (низ) от символи</a:t>
+            </a:r>
+          </a:p>
+          <a:p>
+            <a:r>
+              <a:rPr lang="bg-BG" dirty="0" smtClean="0"/>
+              <a:t>Символните низове използват </a:t>
+            </a:r>
+            <a:r>
+              <a:rPr lang="en-US" dirty="0" smtClean="0">
+                <a:hlinkClick r:id="rId2"/>
+              </a:rPr>
+              <a:t>Unicode</a:t>
+            </a:r>
+            <a:endParaRPr lang="bg-BG" dirty="0" smtClean="0"/>
+          </a:p>
+          <a:p>
+            <a:r>
+              <a:rPr lang="bg-BG" dirty="0" smtClean="0"/>
+              <a:t>Символните низове са заградени в кавички (</a:t>
             </a:r>
             <a:r>
               <a:rPr lang="en-US" dirty="0" smtClean="0"/>
-              <a:t>e </a:t>
+              <a:t>‘ ‘ </a:t>
             </a:r>
             <a:r>
               <a:rPr lang="bg-BG" dirty="0" smtClean="0"/>
-              <a:t>съвкупност от елементи, (</a:t>
+              <a:t>или </a:t>
             </a:r>
             <a:r>
               <a:rPr lang="en-US" dirty="0" smtClean="0"/>
-              <a:t>[1,2,3], [‘</a:t>
-            </a:r>
-            <a:r>
-              <a:rPr lang="en-US" dirty="0" err="1" smtClean="0"/>
-              <a:t>Pesho</a:t>
+              <a:t>“ ”). </a:t>
+            </a:r>
+            <a:r>
+              <a:rPr lang="bg-BG" dirty="0" smtClean="0"/>
+              <a:t>Предпоръчва се да се изполват ед. кавички (</a:t>
             </a:r>
             <a:r>
               <a:rPr lang="en-US" dirty="0" smtClean="0"/>
-              <a:t>’, ‘</a:t>
-            </a:r>
-            <a:r>
-              <a:rPr lang="en-US" dirty="0" err="1" smtClean="0"/>
-              <a:t>Gosho</a:t>
-            </a:r>
-            <a:r>
-              <a:rPr lang="en-US" dirty="0" smtClean="0"/>
-              <a:t>’]</a:t>
-            </a:r>
+              <a:t>‘ ‘)</a:t>
+            </a:r>
+          </a:p>
+          <a:p>
             <a:r>
               <a:rPr lang="bg-BG" dirty="0" smtClean="0"/>
-              <a:t>...</a:t>
-            </a:r>
-            <a:r>
-              <a:rPr lang="en-US" dirty="0" smtClean="0"/>
-              <a:t>)</a:t>
-            </a:r>
-            <a:endParaRPr lang="bg-BG" dirty="0" smtClean="0"/>
+              <a:t>Символните низове могат да бъдат удължавани/съставяни като се използва оператора </a:t>
+            </a:r>
+            <a:r>
+              <a:rPr lang="bg-BG" b="1" dirty="0" smtClean="0"/>
+              <a:t>плюс (+)</a:t>
+            </a:r>
+            <a:endParaRPr lang="en-US" b="1" dirty="0" smtClean="0"/>
           </a:p>
           <a:p>
             <a:r>
               <a:rPr lang="bg-BG" dirty="0" smtClean="0"/>
-              <a:t>Елементите имат фиксиран ред</a:t>
-            </a:r>
-          </a:p>
-          <a:p>
-            <a:r>
-              <a:rPr lang="bg-BG" dirty="0" smtClean="0"/>
-              <a:t>Масивите в </a:t>
+              <a:t>С последната версия на </a:t>
             </a:r>
             <a:r>
               <a:rPr lang="en-US" dirty="0" smtClean="0"/>
@@ -17226,57 +15502,13 @@
             </a:r>
             <a:r>
               <a:rPr lang="bg-BG" dirty="0" smtClean="0"/>
-              <a:t> имат дължина, но тя не е фиксирана</a:t>
+              <a:t> се въвежда стрингова интерполация, но тя работи само на последните версии на браузърите.</a:t>
             </a:r>
           </a:p>
           <a:p>
             <a:r>
               <a:rPr lang="bg-BG" dirty="0" smtClean="0"/>
-              <a:t>Масивите се декларират чрез </a:t>
-            </a:r>
-            <a:r>
-              <a:rPr lang="en-US" i="1" dirty="0" smtClean="0">
-                <a:solidFill>
-                  <a:schemeClr val="accent6">
-                    <a:lumMod val="75000"/>
-                  </a:schemeClr>
-                </a:solidFill>
-              </a:rPr>
-              <a:t>[ ]</a:t>
-            </a:r>
-            <a:endParaRPr lang="bg-BG" i="1" dirty="0" smtClean="0">
-              <a:solidFill>
-                <a:schemeClr val="accent6">
-                  <a:lumMod val="75000"/>
-                </a:schemeClr>
-              </a:solidFill>
-            </a:endParaRPr>
-          </a:p>
-          <a:p>
-            <a:r>
-              <a:rPr lang="bg-BG" dirty="0" smtClean="0"/>
-              <a:t>Масивите могат да бъдат достъпвани по индекс</a:t>
-            </a:r>
-          </a:p>
-          <a:p>
-            <a:pPr lvl="1"/>
-            <a:r>
-              <a:rPr lang="bg-BG" dirty="0" smtClean="0"/>
-              <a:t>Започва от 0</a:t>
-            </a:r>
-          </a:p>
-          <a:p>
-            <a:pPr lvl="1"/>
-            <a:r>
-              <a:rPr lang="bg-BG" dirty="0" smtClean="0"/>
-              <a:t>Инкрементира се 1 </a:t>
-            </a:r>
-          </a:p>
-          <a:p>
-            <a:pPr lvl="1"/>
-            <a:r>
-              <a:rPr lang="bg-BG" dirty="0" smtClean="0"/>
-              <a:t>Достига до дължината на масива - 1</a:t>
+              <a:t>Символните низове могат да се обхождат чрез индексите на техните символи и имат подобно поведение на масивите.</a:t>
             </a:r>
             <a:endParaRPr lang="en-US" dirty="0"/>
           </a:p>
@@ -17284,14 +15516,14 @@
       </p:sp>
       <p:sp>
         <p:nvSpPr>
-          <p:cNvPr id="5" name="TextBox 4"/>
+          <p:cNvPr id="4" name="TextBox 3"/>
           <p:cNvSpPr txBox="1"/>
           <p:nvPr/>
         </p:nvSpPr>
         <p:spPr>
           <a:xfrm>
-            <a:off x="8144912" y="4669097"/>
-            <a:ext cx="3873622" cy="2031325"/>
+            <a:off x="2392008" y="5390045"/>
+            <a:ext cx="4581227" cy="1200329"/>
           </a:xfrm>
           <a:prstGeom prst="rect">
             <a:avLst/>
@@ -17318,92 +15550,172 @@
           <a:lstStyle/>
           <a:p>
             <a:r>
+              <a:rPr lang="en-US" dirty="0" err="1"/>
+              <a:t>var</a:t>
+            </a:r>
+            <a:r>
+              <a:rPr lang="en-US" dirty="0"/>
+              <a:t> </a:t>
+            </a:r>
+            <a:r>
+              <a:rPr lang="en-US" dirty="0" smtClean="0"/>
+              <a:t>greeting = ‘Hello World!’;</a:t>
+            </a:r>
+          </a:p>
+          <a:p>
+            <a:r>
+              <a:rPr lang="en-US" dirty="0" err="1" smtClean="0">
+                <a:latin typeface="Calibri" panose="020F0502020204030204" pitchFamily="34" charset="0"/>
+              </a:rPr>
+              <a:t>var</a:t>
+            </a:r>
+            <a:r>
+              <a:rPr lang="en-US" dirty="0" smtClean="0">
+                <a:latin typeface="Calibri" panose="020F0502020204030204" pitchFamily="34" charset="0"/>
+              </a:rPr>
+              <a:t> </a:t>
+            </a:r>
+            <a:r>
+              <a:rPr lang="en-US" dirty="0" err="1" smtClean="0">
+                <a:latin typeface="Calibri" panose="020F0502020204030204" pitchFamily="34" charset="0"/>
+              </a:rPr>
+              <a:t>niceGreeting</a:t>
+            </a:r>
+            <a:r>
+              <a:rPr lang="en-US" dirty="0" smtClean="0">
+                <a:latin typeface="Calibri" panose="020F0502020204030204" pitchFamily="34" charset="0"/>
+              </a:rPr>
+              <a:t> = greeting + “It’s a nice day”;</a:t>
+            </a:r>
+          </a:p>
+          <a:p>
+            <a:endParaRPr lang="en-US" dirty="0">
+              <a:latin typeface="Calibri" panose="020F0502020204030204" pitchFamily="34" charset="0"/>
+            </a:endParaRPr>
+          </a:p>
+          <a:p>
+            <a:r>
+              <a:rPr lang="en-US" dirty="0" smtClean="0">
+                <a:latin typeface="Calibri" panose="020F0502020204030204" pitchFamily="34" charset="0"/>
+              </a:rPr>
+              <a:t>console.log(</a:t>
+            </a:r>
+            <a:r>
+              <a:rPr lang="en-US" dirty="0" err="1" smtClean="0">
+                <a:latin typeface="Calibri" panose="020F0502020204030204" pitchFamily="34" charset="0"/>
+              </a:rPr>
+              <a:t>niceGreeting</a:t>
+            </a:r>
+            <a:r>
+              <a:rPr lang="en-US" dirty="0" smtClean="0">
+                <a:latin typeface="Calibri" panose="020F0502020204030204" pitchFamily="34" charset="0"/>
+              </a:rPr>
+              <a:t>);</a:t>
+            </a:r>
+            <a:endParaRPr lang="en-US" dirty="0">
+              <a:latin typeface="Calibri" panose="020F0502020204030204" pitchFamily="34" charset="0"/>
+            </a:endParaRPr>
+          </a:p>
+        </p:txBody>
+      </p:sp>
+      <p:sp>
+        <p:nvSpPr>
+          <p:cNvPr id="5" name="TextBox 4"/>
+          <p:cNvSpPr txBox="1"/>
+          <p:nvPr/>
+        </p:nvSpPr>
+        <p:spPr>
+          <a:xfrm>
+            <a:off x="7055310" y="5390045"/>
+            <a:ext cx="4581227" cy="1200329"/>
+          </a:xfrm>
+          <a:prstGeom prst="rect">
+            <a:avLst/>
+          </a:prstGeom>
+        </p:spPr>
+        <p:style>
+          <a:lnRef idx="0">
+            <a:schemeClr val="accent1"/>
+          </a:lnRef>
+          <a:fillRef idx="3">
+            <a:schemeClr val="accent1"/>
+          </a:fillRef>
+          <a:effectRef idx="3">
+            <a:schemeClr val="accent1"/>
+          </a:effectRef>
+          <a:fontRef idx="minor">
+            <a:schemeClr val="lt1"/>
+          </a:fontRef>
+        </p:style>
+        <p:txBody>
+          <a:bodyPr wrap="square" rtlCol="0">
+            <a:spAutoFit/>
+          </a:bodyPr>
+          <a:lstStyle/>
+          <a:p>
+            <a:r>
+              <a:rPr lang="en-US" dirty="0" err="1"/>
+              <a:t>var</a:t>
+            </a:r>
+            <a:r>
+              <a:rPr lang="en-US" dirty="0"/>
+              <a:t> </a:t>
+            </a:r>
+            <a:r>
+              <a:rPr lang="en-US" dirty="0" smtClean="0"/>
+              <a:t>name= ‘</a:t>
+            </a:r>
+            <a:r>
+              <a:rPr lang="bg-BG" dirty="0" smtClean="0"/>
+              <a:t>Пешо</a:t>
+            </a:r>
+            <a:r>
+              <a:rPr lang="en-US" dirty="0" smtClean="0"/>
+              <a:t>’;</a:t>
+            </a:r>
+            <a:endParaRPr lang="bg-BG" dirty="0" smtClean="0"/>
+          </a:p>
+          <a:p>
+            <a:r>
               <a:rPr lang="en-US" dirty="0" err="1" smtClean="0"/>
               <a:t>var</a:t>
             </a:r>
             <a:r>
               <a:rPr lang="en-US" dirty="0" smtClean="0"/>
-              <a:t> </a:t>
-            </a:r>
-            <a:r>
-              <a:rPr lang="en-US" dirty="0"/>
-              <a:t>numbers = [1, 2, 3, 4, 5]; </a:t>
-            </a:r>
-            <a:endParaRPr lang="en-US" dirty="0" smtClean="0"/>
-          </a:p>
-          <a:p>
-            <a:r>
-              <a:rPr lang="en-US" dirty="0" err="1" smtClean="0"/>
-              <a:t>var</a:t>
+              <a:t> surname = ‘</a:t>
+            </a:r>
+            <a:r>
+              <a:rPr lang="bg-BG" dirty="0" smtClean="0"/>
+              <a:t>Пешев‘</a:t>
             </a:r>
             <a:r>
               <a:rPr lang="en-US" dirty="0" smtClean="0"/>
-              <a:t> mixed </a:t>
-            </a:r>
-            <a:r>
-              <a:rPr lang="en-US" dirty="0"/>
-              <a:t>= [1, new Date(), 'hello']; </a:t>
-            </a:r>
-            <a:endParaRPr lang="en-US" dirty="0" smtClean="0"/>
-          </a:p>
-          <a:p>
-            <a:r>
-              <a:rPr lang="en-US" dirty="0" err="1" smtClean="0"/>
-              <a:t>var</a:t>
-            </a:r>
-            <a:r>
-              <a:rPr lang="en-US" dirty="0" smtClean="0"/>
-              <a:t> </a:t>
-            </a:r>
-            <a:r>
-              <a:rPr lang="en-US" dirty="0"/>
-              <a:t>matrix = [ </a:t>
-            </a:r>
-            <a:endParaRPr lang="en-US" dirty="0" smtClean="0"/>
-          </a:p>
-          <a:p>
-            <a:r>
-              <a:rPr lang="en-US" dirty="0" smtClean="0"/>
-              <a:t>	[</a:t>
-            </a:r>
-            <a:r>
-              <a:rPr lang="en-US" dirty="0"/>
-              <a:t>'0,0', '0,1', '0,2</a:t>
-            </a:r>
-            <a:r>
-              <a:rPr lang="en-US" dirty="0" smtClean="0"/>
-              <a:t>'],</a:t>
-            </a:r>
-          </a:p>
-          <a:p>
-            <a:r>
-              <a:rPr lang="en-US" dirty="0" smtClean="0"/>
-              <a:t> 	[</a:t>
-            </a:r>
-            <a:r>
-              <a:rPr lang="en-US" dirty="0"/>
-              <a:t>'1,0', '1,1', '1,2'], </a:t>
-            </a:r>
-            <a:endParaRPr lang="en-US" dirty="0" smtClean="0"/>
-          </a:p>
-          <a:p>
-            <a:r>
-              <a:rPr lang="en-US" dirty="0" smtClean="0"/>
-              <a:t>	[</a:t>
-            </a:r>
-            <a:r>
-              <a:rPr lang="en-US" dirty="0"/>
-              <a:t>'2,0', '2,1', '2,2</a:t>
-            </a:r>
-            <a:r>
-              <a:rPr lang="en-US" dirty="0" smtClean="0"/>
-              <a:t>']</a:t>
-            </a:r>
-          </a:p>
-          <a:p>
-            <a:r>
-              <a:rPr lang="en-US" dirty="0" smtClean="0"/>
-              <a:t>];</a:t>
+              <a:t>;</a:t>
+            </a:r>
+          </a:p>
+          <a:p>
+            <a:endParaRPr lang="en-US" dirty="0">
+              <a:latin typeface="Calibri" panose="020F0502020204030204" pitchFamily="34" charset="0"/>
+            </a:endParaRPr>
+          </a:p>
+          <a:p>
+            <a:r>
+              <a:rPr lang="en-US" dirty="0" smtClean="0">
+                <a:latin typeface="Calibri" panose="020F0502020204030204" pitchFamily="34" charset="0"/>
+              </a:rPr>
+              <a:t>console.log(`</a:t>
+            </a:r>
+            <a:r>
+              <a:rPr lang="bg-BG" dirty="0" smtClean="0">
+                <a:latin typeface="Calibri" panose="020F0502020204030204" pitchFamily="34" charset="0"/>
+              </a:rPr>
+              <a:t>Привет, $</a:t>
+            </a:r>
+            <a:r>
+              <a:rPr lang="en-US" dirty="0" smtClean="0">
+                <a:latin typeface="Calibri" panose="020F0502020204030204" pitchFamily="34" charset="0"/>
+              </a:rPr>
+              <a:t>{name} ${surname}`);</a:t>
             </a:r>
             <a:endParaRPr lang="en-US" dirty="0">
               <a:latin typeface="Calibri" panose="020F0502020204030204" pitchFamily="34" charset="0"/>
@@ -17414,7 +15726,7 @@
     </p:spTree>
     <p:extLst>
       <p:ext uri="{BB962C8B-B14F-4D97-AF65-F5344CB8AC3E}">
-        <p14:creationId xmlns:p14="http://schemas.microsoft.com/office/powerpoint/2010/main" val="2395991094"/>
+        <p14:creationId xmlns:p14="http://schemas.microsoft.com/office/powerpoint/2010/main" val="3342463024"/>
       </p:ext>
     </p:extLst>
   </p:cSld>
@@ -17704,6 +16016,2846 @@
 </file>
 
 <file path=ppt/slides/slide24.xml><?xml version="1.0" encoding="utf-8"?>
+<p:sld xmlns:a="http://schemas.openxmlformats.org/drawingml/2006/main" xmlns:r="http://schemas.openxmlformats.org/officeDocument/2006/relationships" xmlns:p="http://schemas.openxmlformats.org/presentationml/2006/main">
+  <p:cSld>
+    <p:spTree>
+      <p:nvGrpSpPr>
+        <p:cNvPr id="1" name=""/>
+        <p:cNvGrpSpPr/>
+        <p:nvPr/>
+      </p:nvGrpSpPr>
+      <p:grpSpPr>
+        <a:xfrm>
+          <a:off x="0" y="0"/>
+          <a:ext cx="0" cy="0"/>
+          <a:chOff x="0" y="0"/>
+          <a:chExt cx="0" cy="0"/>
+        </a:xfrm>
+      </p:grpSpPr>
+      <p:sp>
+        <p:nvSpPr>
+          <p:cNvPr id="2" name="Title 1"/>
+          <p:cNvSpPr>
+            <a:spLocks noGrp="1"/>
+          </p:cNvSpPr>
+          <p:nvPr>
+            <p:ph type="title"/>
+          </p:nvPr>
+        </p:nvSpPr>
+        <p:spPr/>
+        <p:txBody>
+          <a:bodyPr/>
+          <a:lstStyle/>
+          <a:p>
+            <a:r>
+              <a:rPr lang="bg-BG" dirty="0" smtClean="0"/>
+              <a:t>Проверка на типа на променлива</a:t>
+            </a:r>
+            <a:endParaRPr lang="en-US" dirty="0"/>
+          </a:p>
+        </p:txBody>
+      </p:sp>
+      <p:sp>
+        <p:nvSpPr>
+          <p:cNvPr id="3" name="Content Placeholder 2"/>
+          <p:cNvSpPr>
+            <a:spLocks noGrp="1"/>
+          </p:cNvSpPr>
+          <p:nvPr>
+            <p:ph idx="1"/>
+          </p:nvPr>
+        </p:nvSpPr>
+        <p:spPr>
+          <a:xfrm>
+            <a:off x="1484310" y="2006354"/>
+            <a:ext cx="10018713" cy="1731146"/>
+          </a:xfrm>
+        </p:spPr>
+        <p:txBody>
+          <a:bodyPr/>
+          <a:lstStyle/>
+          <a:p>
+            <a:r>
+              <a:rPr lang="bg-BG" dirty="0" smtClean="0"/>
+              <a:t>Типът на промеливата може да бъде проверен по време на изпълнението на кода чрез </a:t>
+            </a:r>
+            <a:r>
+              <a:rPr lang="en-US" i="1" dirty="0" err="1" smtClean="0">
+                <a:solidFill>
+                  <a:schemeClr val="accent6">
+                    <a:lumMod val="75000"/>
+                  </a:schemeClr>
+                </a:solidFill>
+              </a:rPr>
+              <a:t>typeof</a:t>
+            </a:r>
+            <a:r>
+              <a:rPr lang="en-US" i="1" dirty="0" smtClean="0">
+                <a:solidFill>
+                  <a:schemeClr val="accent6">
+                    <a:lumMod val="75000"/>
+                  </a:schemeClr>
+                </a:solidFill>
+              </a:rPr>
+              <a:t>(variable) </a:t>
+            </a:r>
+            <a:endParaRPr lang="en-US" i="1" dirty="0">
+              <a:solidFill>
+                <a:schemeClr val="accent6">
+                  <a:lumMod val="75000"/>
+                </a:schemeClr>
+              </a:solidFill>
+            </a:endParaRPr>
+          </a:p>
+        </p:txBody>
+      </p:sp>
+      <p:sp>
+        <p:nvSpPr>
+          <p:cNvPr id="4" name="TextBox 3"/>
+          <p:cNvSpPr txBox="1"/>
+          <p:nvPr/>
+        </p:nvSpPr>
+        <p:spPr>
+          <a:xfrm>
+            <a:off x="3371750" y="3346882"/>
+            <a:ext cx="6243832" cy="3416320"/>
+          </a:xfrm>
+          <a:prstGeom prst="rect">
+            <a:avLst/>
+          </a:prstGeom>
+        </p:spPr>
+        <p:style>
+          <a:lnRef idx="0">
+            <a:schemeClr val="accent1"/>
+          </a:lnRef>
+          <a:fillRef idx="3">
+            <a:schemeClr val="accent1"/>
+          </a:fillRef>
+          <a:effectRef idx="3">
+            <a:schemeClr val="accent1"/>
+          </a:effectRef>
+          <a:fontRef idx="minor">
+            <a:schemeClr val="lt1"/>
+          </a:fontRef>
+        </p:style>
+        <p:txBody>
+          <a:bodyPr wrap="square" rtlCol="0">
+            <a:spAutoFit/>
+          </a:bodyPr>
+          <a:lstStyle/>
+          <a:p>
+            <a:r>
+              <a:rPr lang="en-US" dirty="0" err="1"/>
+              <a:t>var</a:t>
+            </a:r>
+            <a:r>
+              <a:rPr lang="en-US" dirty="0"/>
+              <a:t> x = 5; </a:t>
+            </a:r>
+            <a:endParaRPr lang="bg-BG" dirty="0" smtClean="0"/>
+          </a:p>
+          <a:p>
+            <a:r>
+              <a:rPr lang="en-US" dirty="0" smtClean="0"/>
+              <a:t>console.log(</a:t>
+            </a:r>
+            <a:r>
+              <a:rPr lang="en-US" dirty="0" err="1" smtClean="0"/>
+              <a:t>typeof</a:t>
+            </a:r>
+            <a:r>
+              <a:rPr lang="en-US" dirty="0" smtClean="0"/>
+              <a:t>(x</a:t>
+            </a:r>
+            <a:r>
+              <a:rPr lang="en-US" dirty="0"/>
+              <a:t>)); // number </a:t>
+            </a:r>
+            <a:endParaRPr lang="bg-BG" dirty="0" smtClean="0"/>
+          </a:p>
+          <a:p>
+            <a:r>
+              <a:rPr lang="en-US" dirty="0" smtClean="0"/>
+              <a:t>console.log(x</a:t>
+            </a:r>
+            <a:r>
+              <a:rPr lang="en-US" dirty="0"/>
+              <a:t>); // </a:t>
+            </a:r>
+            <a:r>
+              <a:rPr lang="en-US" dirty="0" smtClean="0"/>
+              <a:t>5</a:t>
+            </a:r>
+            <a:endParaRPr lang="bg-BG" dirty="0" smtClean="0"/>
+          </a:p>
+          <a:p>
+            <a:r>
+              <a:rPr lang="en-US" dirty="0" smtClean="0"/>
+              <a:t> </a:t>
+            </a:r>
+            <a:endParaRPr lang="bg-BG" dirty="0" smtClean="0"/>
+          </a:p>
+          <a:p>
+            <a:r>
+              <a:rPr lang="en-US" dirty="0" smtClean="0"/>
+              <a:t>x </a:t>
+            </a:r>
+            <a:r>
+              <a:rPr lang="en-US" dirty="0"/>
+              <a:t>= new Number(5); </a:t>
+            </a:r>
+            <a:endParaRPr lang="bg-BG" dirty="0" smtClean="0"/>
+          </a:p>
+          <a:p>
+            <a:r>
+              <a:rPr lang="en-US" dirty="0" smtClean="0"/>
+              <a:t>console.log(</a:t>
+            </a:r>
+            <a:r>
+              <a:rPr lang="en-US" dirty="0" err="1" smtClean="0"/>
+              <a:t>typeof</a:t>
+            </a:r>
+            <a:r>
+              <a:rPr lang="en-US" dirty="0" smtClean="0"/>
+              <a:t>(x</a:t>
+            </a:r>
+            <a:r>
+              <a:rPr lang="en-US" dirty="0"/>
+              <a:t>)); // object </a:t>
+            </a:r>
+            <a:endParaRPr lang="bg-BG" dirty="0" smtClean="0"/>
+          </a:p>
+          <a:p>
+            <a:r>
+              <a:rPr lang="en-US" dirty="0" smtClean="0"/>
+              <a:t>console.log(x</a:t>
+            </a:r>
+            <a:r>
+              <a:rPr lang="en-US" dirty="0"/>
+              <a:t>); // Number </a:t>
+            </a:r>
+            <a:r>
+              <a:rPr lang="en-US" dirty="0" smtClean="0"/>
+              <a:t>{}</a:t>
+            </a:r>
+            <a:endParaRPr lang="bg-BG" dirty="0" smtClean="0"/>
+          </a:p>
+          <a:p>
+            <a:r>
+              <a:rPr lang="en-US" dirty="0" smtClean="0"/>
+              <a:t> </a:t>
+            </a:r>
+            <a:endParaRPr lang="bg-BG" dirty="0" smtClean="0"/>
+          </a:p>
+          <a:p>
+            <a:r>
+              <a:rPr lang="en-US" dirty="0" smtClean="0"/>
+              <a:t>x </a:t>
+            </a:r>
+            <a:r>
+              <a:rPr lang="en-US" dirty="0"/>
+              <a:t>= null; </a:t>
+            </a:r>
+            <a:endParaRPr lang="bg-BG" dirty="0" smtClean="0"/>
+          </a:p>
+          <a:p>
+            <a:r>
+              <a:rPr lang="en-US" dirty="0" smtClean="0"/>
+              <a:t>console.log(</a:t>
+            </a:r>
+            <a:r>
+              <a:rPr lang="en-US" dirty="0" err="1" smtClean="0"/>
+              <a:t>typeof</a:t>
+            </a:r>
+            <a:r>
+              <a:rPr lang="en-US" dirty="0" smtClean="0"/>
+              <a:t>(x</a:t>
+            </a:r>
+            <a:r>
+              <a:rPr lang="en-US" dirty="0"/>
+              <a:t>)); // object </a:t>
+            </a:r>
+            <a:endParaRPr lang="bg-BG" dirty="0" smtClean="0"/>
+          </a:p>
+          <a:p>
+            <a:r>
+              <a:rPr lang="en-US" dirty="0" smtClean="0"/>
+              <a:t>x </a:t>
+            </a:r>
+            <a:r>
+              <a:rPr lang="en-US" dirty="0"/>
+              <a:t>= undefined; </a:t>
+            </a:r>
+            <a:endParaRPr lang="bg-BG" dirty="0" smtClean="0"/>
+          </a:p>
+          <a:p>
+            <a:r>
+              <a:rPr lang="en-US" dirty="0" smtClean="0"/>
+              <a:t>console.log(</a:t>
+            </a:r>
+            <a:r>
+              <a:rPr lang="en-US" dirty="0" err="1" smtClean="0"/>
+              <a:t>typeof</a:t>
+            </a:r>
+            <a:r>
+              <a:rPr lang="en-US" dirty="0" smtClean="0"/>
+              <a:t>(x</a:t>
+            </a:r>
+            <a:r>
+              <a:rPr lang="en-US" dirty="0"/>
+              <a:t>)); // undefined</a:t>
+            </a:r>
+            <a:endParaRPr lang="en-US" dirty="0">
+              <a:latin typeface="Calibri" panose="020F0502020204030204" pitchFamily="34" charset="0"/>
+            </a:endParaRPr>
+          </a:p>
+        </p:txBody>
+      </p:sp>
+    </p:spTree>
+    <p:extLst>
+      <p:ext uri="{BB962C8B-B14F-4D97-AF65-F5344CB8AC3E}">
+        <p14:creationId xmlns:p14="http://schemas.microsoft.com/office/powerpoint/2010/main" val="4035468269"/>
+      </p:ext>
+    </p:extLst>
+  </p:cSld>
+  <p:clrMapOvr>
+    <a:masterClrMapping/>
+  </p:clrMapOvr>
+</p:sld>
+</file>
+
+<file path=ppt/slides/slide25.xml><?xml version="1.0" encoding="utf-8"?>
+<p:sld xmlns:a="http://schemas.openxmlformats.org/drawingml/2006/main" xmlns:r="http://schemas.openxmlformats.org/officeDocument/2006/relationships" xmlns:p="http://schemas.openxmlformats.org/presentationml/2006/main">
+  <p:cSld>
+    <p:spTree>
+      <p:nvGrpSpPr>
+        <p:cNvPr id="1" name=""/>
+        <p:cNvGrpSpPr/>
+        <p:nvPr/>
+      </p:nvGrpSpPr>
+      <p:grpSpPr>
+        <a:xfrm>
+          <a:off x="0" y="0"/>
+          <a:ext cx="0" cy="0"/>
+          <a:chOff x="0" y="0"/>
+          <a:chExt cx="0" cy="0"/>
+        </a:xfrm>
+      </p:grpSpPr>
+      <p:sp>
+        <p:nvSpPr>
+          <p:cNvPr id="2" name="Title 1"/>
+          <p:cNvSpPr>
+            <a:spLocks noGrp="1"/>
+          </p:cNvSpPr>
+          <p:nvPr>
+            <p:ph type="title"/>
+          </p:nvPr>
+        </p:nvSpPr>
+        <p:spPr/>
+        <p:txBody>
+          <a:bodyPr/>
+          <a:lstStyle/>
+          <a:p>
+            <a:r>
+              <a:rPr lang="bg-BG" dirty="0" smtClean="0"/>
+              <a:t>Променливи</a:t>
+            </a:r>
+            <a:endParaRPr lang="en-US" dirty="0"/>
+          </a:p>
+        </p:txBody>
+      </p:sp>
+      <p:sp>
+        <p:nvSpPr>
+          <p:cNvPr id="3" name="Content Placeholder 2"/>
+          <p:cNvSpPr>
+            <a:spLocks noGrp="1"/>
+          </p:cNvSpPr>
+          <p:nvPr>
+            <p:ph idx="1"/>
+          </p:nvPr>
+        </p:nvSpPr>
+        <p:spPr>
+          <a:xfrm>
+            <a:off x="1484310" y="1864311"/>
+            <a:ext cx="10018713" cy="3926889"/>
+          </a:xfrm>
+        </p:spPr>
+        <p:txBody>
+          <a:bodyPr>
+            <a:normAutofit fontScale="92500" lnSpcReduction="20000"/>
+          </a:bodyPr>
+          <a:lstStyle/>
+          <a:p>
+            <a:r>
+              <a:rPr lang="bg-BG" dirty="0" smtClean="0"/>
+              <a:t>Служи като контайнер за информация, който може да бъде променян по време на изпълнение на кода.</a:t>
+            </a:r>
+          </a:p>
+          <a:p>
+            <a:r>
+              <a:rPr lang="bg-BG" dirty="0" smtClean="0"/>
+              <a:t>Парче от комп. памет</a:t>
+            </a:r>
+          </a:p>
+          <a:p>
+            <a:r>
+              <a:rPr lang="bg-BG" dirty="0" smtClean="0"/>
+              <a:t>Променливите позволяват</a:t>
+            </a:r>
+          </a:p>
+          <a:p>
+            <a:pPr lvl="1"/>
+            <a:r>
+              <a:rPr lang="bg-BG" dirty="0" smtClean="0"/>
+              <a:t>Съхранението на информация</a:t>
+            </a:r>
+          </a:p>
+          <a:p>
+            <a:pPr lvl="1"/>
+            <a:r>
+              <a:rPr lang="bg-BG" dirty="0" smtClean="0"/>
+              <a:t>Манипулирането на съхр. Информация</a:t>
+            </a:r>
+          </a:p>
+          <a:p>
+            <a:r>
+              <a:rPr lang="bg-BG" dirty="0" smtClean="0"/>
+              <a:t>Всяка промелива се характеризира с</a:t>
+            </a:r>
+          </a:p>
+          <a:p>
+            <a:pPr lvl="1"/>
+            <a:r>
+              <a:rPr lang="bg-BG" dirty="0" smtClean="0"/>
+              <a:t>Име</a:t>
+            </a:r>
+          </a:p>
+          <a:p>
+            <a:pPr lvl="1"/>
+            <a:r>
+              <a:rPr lang="bg-BG" dirty="0" smtClean="0"/>
+              <a:t>Тип</a:t>
+            </a:r>
+          </a:p>
+          <a:p>
+            <a:pPr lvl="1"/>
+            <a:r>
+              <a:rPr lang="bg-BG" dirty="0" smtClean="0"/>
+              <a:t>Стойност</a:t>
+            </a:r>
+          </a:p>
+        </p:txBody>
+      </p:sp>
+      <p:pic>
+        <p:nvPicPr>
+          <p:cNvPr id="4" name="Picture 3"/>
+          <p:cNvPicPr>
+            <a:picLocks noChangeAspect="1"/>
+          </p:cNvPicPr>
+          <p:nvPr/>
+        </p:nvPicPr>
+        <p:blipFill>
+          <a:blip r:embed="rId2">
+            <a:extLst>
+              <a:ext uri="{28A0092B-C50C-407E-A947-70E740481C1C}">
+                <a14:useLocalDpi xmlns:a14="http://schemas.microsoft.com/office/drawing/2010/main" val="0"/>
+              </a:ext>
+            </a:extLst>
+          </a:blip>
+          <a:stretch>
+            <a:fillRect/>
+          </a:stretch>
+        </p:blipFill>
+        <p:spPr>
+          <a:xfrm>
+            <a:off x="8708994" y="3374994"/>
+            <a:ext cx="3483006" cy="3483006"/>
+          </a:xfrm>
+          <a:prstGeom prst="rect">
+            <a:avLst/>
+          </a:prstGeom>
+        </p:spPr>
+      </p:pic>
+    </p:spTree>
+    <p:extLst>
+      <p:ext uri="{BB962C8B-B14F-4D97-AF65-F5344CB8AC3E}">
+        <p14:creationId xmlns:p14="http://schemas.microsoft.com/office/powerpoint/2010/main" val="1183492688"/>
+      </p:ext>
+    </p:extLst>
+  </p:cSld>
+  <p:clrMapOvr>
+    <a:masterClrMapping/>
+  </p:clrMapOvr>
+</p:sld>
+</file>
+
+<file path=ppt/slides/slide26.xml><?xml version="1.0" encoding="utf-8"?>
+<p:sld xmlns:a="http://schemas.openxmlformats.org/drawingml/2006/main" xmlns:r="http://schemas.openxmlformats.org/officeDocument/2006/relationships" xmlns:p="http://schemas.openxmlformats.org/presentationml/2006/main">
+  <p:cSld>
+    <p:spTree>
+      <p:nvGrpSpPr>
+        <p:cNvPr id="1" name=""/>
+        <p:cNvGrpSpPr/>
+        <p:nvPr/>
+      </p:nvGrpSpPr>
+      <p:grpSpPr>
+        <a:xfrm>
+          <a:off x="0" y="0"/>
+          <a:ext cx="0" cy="0"/>
+          <a:chOff x="0" y="0"/>
+          <a:chExt cx="0" cy="0"/>
+        </a:xfrm>
+      </p:grpSpPr>
+      <p:sp>
+        <p:nvSpPr>
+          <p:cNvPr id="2" name="Title 1"/>
+          <p:cNvSpPr>
+            <a:spLocks noGrp="1"/>
+          </p:cNvSpPr>
+          <p:nvPr>
+            <p:ph type="title"/>
+          </p:nvPr>
+        </p:nvSpPr>
+        <p:spPr/>
+        <p:txBody>
+          <a:bodyPr/>
+          <a:lstStyle/>
+          <a:p>
+            <a:r>
+              <a:rPr lang="bg-BG" dirty="0" smtClean="0"/>
+              <a:t>Деклариране на променливи</a:t>
+            </a:r>
+            <a:endParaRPr lang="en-US" dirty="0"/>
+          </a:p>
+        </p:txBody>
+      </p:sp>
+      <p:sp>
+        <p:nvSpPr>
+          <p:cNvPr id="3" name="Content Placeholder 2"/>
+          <p:cNvSpPr>
+            <a:spLocks noGrp="1"/>
+          </p:cNvSpPr>
+          <p:nvPr>
+            <p:ph idx="1"/>
+          </p:nvPr>
+        </p:nvSpPr>
+        <p:spPr/>
+        <p:txBody>
+          <a:bodyPr>
+            <a:normAutofit lnSpcReduction="10000"/>
+          </a:bodyPr>
+          <a:lstStyle/>
+          <a:p>
+            <a:r>
+              <a:rPr lang="bg-BG" dirty="0" smtClean="0"/>
+              <a:t>Използва се ключовата дума </a:t>
+            </a:r>
+            <a:r>
+              <a:rPr lang="en-US" i="1" dirty="0" err="1" smtClean="0">
+                <a:solidFill>
+                  <a:schemeClr val="accent6">
+                    <a:lumMod val="75000"/>
+                  </a:schemeClr>
+                </a:solidFill>
+              </a:rPr>
+              <a:t>var</a:t>
+            </a:r>
+            <a:r>
+              <a:rPr lang="en-US" i="1" dirty="0" smtClean="0">
+                <a:solidFill>
+                  <a:schemeClr val="accent6">
+                    <a:lumMod val="75000"/>
+                  </a:schemeClr>
+                </a:solidFill>
+              </a:rPr>
+              <a:t>/let</a:t>
+            </a:r>
+            <a:endParaRPr lang="bg-BG" i="1" dirty="0" smtClean="0">
+              <a:solidFill>
+                <a:schemeClr val="accent6">
+                  <a:lumMod val="75000"/>
+                </a:schemeClr>
+              </a:solidFill>
+            </a:endParaRPr>
+          </a:p>
+          <a:p>
+            <a:r>
+              <a:rPr lang="bg-BG" dirty="0" smtClean="0"/>
+              <a:t>Когато се декларира променлива:</a:t>
+            </a:r>
+          </a:p>
+          <a:p>
+            <a:pPr lvl="1"/>
+            <a:r>
+              <a:rPr lang="bg-BG" dirty="0" smtClean="0"/>
+              <a:t>Трябва да има </a:t>
+            </a:r>
+            <a:r>
+              <a:rPr lang="bg-BG" b="1" dirty="0" smtClean="0"/>
+              <a:t>подходящо</a:t>
+            </a:r>
+            <a:r>
+              <a:rPr lang="bg-BG" dirty="0" smtClean="0"/>
+              <a:t> име</a:t>
+            </a:r>
+          </a:p>
+          <a:p>
+            <a:pPr lvl="1"/>
+            <a:r>
+              <a:rPr lang="bg-BG" dirty="0" smtClean="0"/>
+              <a:t>Може да се зададе първоначална стойност</a:t>
+            </a:r>
+          </a:p>
+          <a:p>
+            <a:pPr lvl="1"/>
+            <a:r>
+              <a:rPr lang="bg-BG" dirty="0" smtClean="0"/>
+              <a:t>Типът се определя от зададената стойност</a:t>
+            </a:r>
+            <a:endParaRPr lang="en-US" dirty="0" smtClean="0"/>
+          </a:p>
+          <a:p>
+            <a:r>
+              <a:rPr lang="bg-BG" dirty="0" smtClean="0"/>
+              <a:t>Синтаксис -&gt; </a:t>
+            </a:r>
+            <a:r>
+              <a:rPr lang="en-US" i="1" dirty="0" err="1" smtClean="0">
+                <a:solidFill>
+                  <a:schemeClr val="accent6">
+                    <a:lumMod val="75000"/>
+                  </a:schemeClr>
+                </a:solidFill>
+              </a:rPr>
+              <a:t>var</a:t>
+            </a:r>
+            <a:r>
+              <a:rPr lang="en-US" i="1" dirty="0" smtClean="0">
+                <a:solidFill>
+                  <a:schemeClr val="accent6">
+                    <a:lumMod val="75000"/>
+                  </a:schemeClr>
+                </a:solidFill>
+              </a:rPr>
+              <a:t> &lt;</a:t>
+            </a:r>
+            <a:r>
+              <a:rPr lang="bg-BG" i="1" dirty="0" smtClean="0">
+                <a:solidFill>
+                  <a:schemeClr val="accent6">
+                    <a:lumMod val="75000"/>
+                  </a:schemeClr>
+                </a:solidFill>
+              </a:rPr>
+              <a:t>име&gt;</a:t>
+            </a:r>
+            <a:r>
+              <a:rPr lang="en-US" i="1" dirty="0" smtClean="0">
+                <a:solidFill>
+                  <a:schemeClr val="accent6">
+                    <a:lumMod val="75000"/>
+                  </a:schemeClr>
+                </a:solidFill>
+              </a:rPr>
+              <a:t> [= &lt;</a:t>
+            </a:r>
+            <a:r>
+              <a:rPr lang="bg-BG" i="1" dirty="0" smtClean="0">
+                <a:solidFill>
+                  <a:schemeClr val="accent6">
+                    <a:lumMod val="75000"/>
+                  </a:schemeClr>
+                </a:solidFill>
+              </a:rPr>
+              <a:t>начална стойност&gt;</a:t>
+            </a:r>
+            <a:r>
+              <a:rPr lang="en-US" i="1" dirty="0" smtClean="0">
+                <a:solidFill>
+                  <a:schemeClr val="accent6">
+                    <a:lumMod val="75000"/>
+                  </a:schemeClr>
+                </a:solidFill>
+              </a:rPr>
+              <a:t>];</a:t>
+            </a:r>
+            <a:endParaRPr lang="bg-BG" i="1" dirty="0" smtClean="0">
+              <a:solidFill>
+                <a:schemeClr val="accent6">
+                  <a:lumMod val="75000"/>
+                </a:schemeClr>
+              </a:solidFill>
+            </a:endParaRPr>
+          </a:p>
+          <a:p>
+            <a:r>
+              <a:rPr lang="bg-BG" dirty="0" smtClean="0"/>
+              <a:t>Пример -&gt;</a:t>
+            </a:r>
+            <a:r>
+              <a:rPr lang="bg-BG" i="1" dirty="0" smtClean="0">
+                <a:solidFill>
+                  <a:schemeClr val="accent6">
+                    <a:lumMod val="75000"/>
+                  </a:schemeClr>
+                </a:solidFill>
+              </a:rPr>
+              <a:t> </a:t>
+            </a:r>
+            <a:r>
+              <a:rPr lang="en-US" i="1" dirty="0" err="1" smtClean="0">
+                <a:solidFill>
+                  <a:schemeClr val="accent6">
+                    <a:lumMod val="75000"/>
+                  </a:schemeClr>
+                </a:solidFill>
+              </a:rPr>
+              <a:t>var</a:t>
+            </a:r>
+            <a:r>
+              <a:rPr lang="en-US" i="1" dirty="0" smtClean="0">
+                <a:solidFill>
+                  <a:schemeClr val="accent6">
+                    <a:lumMod val="75000"/>
+                  </a:schemeClr>
+                </a:solidFill>
+              </a:rPr>
+              <a:t> radius = 5,4;</a:t>
+            </a:r>
+          </a:p>
+        </p:txBody>
+      </p:sp>
+    </p:spTree>
+    <p:extLst>
+      <p:ext uri="{BB962C8B-B14F-4D97-AF65-F5344CB8AC3E}">
+        <p14:creationId xmlns:p14="http://schemas.microsoft.com/office/powerpoint/2010/main" val="1308173105"/>
+      </p:ext>
+    </p:extLst>
+  </p:cSld>
+  <p:clrMapOvr>
+    <a:masterClrMapping/>
+  </p:clrMapOvr>
+</p:sld>
+</file>
+
+<file path=ppt/slides/slide27.xml><?xml version="1.0" encoding="utf-8"?>
+<p:sld xmlns:a="http://schemas.openxmlformats.org/drawingml/2006/main" xmlns:r="http://schemas.openxmlformats.org/officeDocument/2006/relationships" xmlns:p="http://schemas.openxmlformats.org/presentationml/2006/main">
+  <p:cSld>
+    <p:spTree>
+      <p:nvGrpSpPr>
+        <p:cNvPr id="1" name=""/>
+        <p:cNvGrpSpPr/>
+        <p:nvPr/>
+      </p:nvGrpSpPr>
+      <p:grpSpPr>
+        <a:xfrm>
+          <a:off x="0" y="0"/>
+          <a:ext cx="0" cy="0"/>
+          <a:chOff x="0" y="0"/>
+          <a:chExt cx="0" cy="0"/>
+        </a:xfrm>
+      </p:grpSpPr>
+      <p:sp>
+        <p:nvSpPr>
+          <p:cNvPr id="2" name="Title 1"/>
+          <p:cNvSpPr>
+            <a:spLocks noGrp="1"/>
+          </p:cNvSpPr>
+          <p:nvPr>
+            <p:ph type="title"/>
+          </p:nvPr>
+        </p:nvSpPr>
+        <p:spPr/>
+        <p:txBody>
+          <a:bodyPr/>
+          <a:lstStyle/>
+          <a:p>
+            <a:r>
+              <a:rPr lang="bg-BG" dirty="0" smtClean="0"/>
+              <a:t>Именуване на променливи</a:t>
+            </a:r>
+            <a:endParaRPr lang="en-US" dirty="0"/>
+          </a:p>
+        </p:txBody>
+      </p:sp>
+      <p:sp>
+        <p:nvSpPr>
+          <p:cNvPr id="3" name="Content Placeholder 2"/>
+          <p:cNvSpPr>
+            <a:spLocks noGrp="1"/>
+          </p:cNvSpPr>
+          <p:nvPr>
+            <p:ph idx="1"/>
+          </p:nvPr>
+        </p:nvSpPr>
+        <p:spPr/>
+        <p:txBody>
+          <a:bodyPr>
+            <a:normAutofit lnSpcReduction="10000"/>
+          </a:bodyPr>
+          <a:lstStyle/>
+          <a:p>
+            <a:r>
+              <a:rPr lang="bg-BG" dirty="0" smtClean="0"/>
+              <a:t>Имената на променливите могат да съдържат</a:t>
+            </a:r>
+          </a:p>
+          <a:p>
+            <a:pPr lvl="1"/>
+            <a:r>
+              <a:rPr lang="bg-BG" dirty="0" smtClean="0"/>
+              <a:t>Букви </a:t>
+            </a:r>
+            <a:r>
+              <a:rPr lang="en-US" dirty="0" smtClean="0"/>
+              <a:t>(Unicode)</a:t>
+            </a:r>
+            <a:endParaRPr lang="bg-BG" dirty="0" smtClean="0"/>
+          </a:p>
+          <a:p>
+            <a:pPr lvl="1"/>
+            <a:r>
+              <a:rPr lang="bg-BG" dirty="0" smtClean="0"/>
+              <a:t>Цифри</a:t>
+            </a:r>
+          </a:p>
+          <a:p>
+            <a:pPr lvl="1"/>
+            <a:r>
+              <a:rPr lang="bg-BG" dirty="0" smtClean="0"/>
+              <a:t>Символи ( _, $)</a:t>
+            </a:r>
+          </a:p>
+          <a:p>
+            <a:r>
+              <a:rPr lang="bg-BG" dirty="0" smtClean="0"/>
+              <a:t>Имената могат да започват </a:t>
+            </a:r>
+            <a:r>
+              <a:rPr lang="bg-BG" b="1" dirty="0" smtClean="0"/>
+              <a:t>само</a:t>
+            </a:r>
+            <a:r>
+              <a:rPr lang="bg-BG" dirty="0" smtClean="0"/>
+              <a:t> с буква или долна черта ( _ )</a:t>
+            </a:r>
+          </a:p>
+          <a:p>
+            <a:r>
+              <a:rPr lang="bg-BG" dirty="0" smtClean="0"/>
+              <a:t>Имената </a:t>
+            </a:r>
+            <a:r>
+              <a:rPr lang="bg-BG" b="1" dirty="0" smtClean="0"/>
+              <a:t>не могат </a:t>
+            </a:r>
+            <a:r>
+              <a:rPr lang="bg-BG" dirty="0" smtClean="0"/>
+              <a:t>да бъдат </a:t>
+            </a:r>
+            <a:r>
+              <a:rPr lang="bg-BG" b="1" dirty="0" smtClean="0"/>
+              <a:t>ключови думи  </a:t>
+            </a:r>
+            <a:r>
+              <a:rPr lang="bg-BG" dirty="0" smtClean="0"/>
+              <a:t>в </a:t>
+            </a:r>
+            <a:r>
+              <a:rPr lang="en-US" dirty="0" smtClean="0"/>
+              <a:t>JavaScript</a:t>
+            </a:r>
+            <a:endParaRPr lang="bg-BG" dirty="0" smtClean="0"/>
+          </a:p>
+          <a:p>
+            <a:r>
+              <a:rPr lang="bg-BG" dirty="0" smtClean="0"/>
+              <a:t>Прието е променливите да се изписват в </a:t>
+            </a:r>
+            <a:r>
+              <a:rPr lang="en-US" dirty="0" smtClean="0">
+                <a:hlinkClick r:id="rId2"/>
+              </a:rPr>
+              <a:t>camelCase</a:t>
+            </a:r>
+            <a:endParaRPr lang="en-US" dirty="0"/>
+          </a:p>
+        </p:txBody>
+      </p:sp>
+    </p:spTree>
+    <p:extLst>
+      <p:ext uri="{BB962C8B-B14F-4D97-AF65-F5344CB8AC3E}">
+        <p14:creationId xmlns:p14="http://schemas.microsoft.com/office/powerpoint/2010/main" val="4184804810"/>
+      </p:ext>
+    </p:extLst>
+  </p:cSld>
+  <p:clrMapOvr>
+    <a:masterClrMapping/>
+  </p:clrMapOvr>
+</p:sld>
+</file>
+
+<file path=ppt/slides/slide28.xml><?xml version="1.0" encoding="utf-8"?>
+<p:sld xmlns:a="http://schemas.openxmlformats.org/drawingml/2006/main" xmlns:r="http://schemas.openxmlformats.org/officeDocument/2006/relationships" xmlns:p="http://schemas.openxmlformats.org/presentationml/2006/main">
+  <p:cSld>
+    <p:spTree>
+      <p:nvGrpSpPr>
+        <p:cNvPr id="1" name=""/>
+        <p:cNvGrpSpPr/>
+        <p:nvPr/>
+      </p:nvGrpSpPr>
+      <p:grpSpPr>
+        <a:xfrm>
+          <a:off x="0" y="0"/>
+          <a:ext cx="0" cy="0"/>
+          <a:chOff x="0" y="0"/>
+          <a:chExt cx="0" cy="0"/>
+        </a:xfrm>
+      </p:grpSpPr>
+      <p:sp>
+        <p:nvSpPr>
+          <p:cNvPr id="2" name="Title 1"/>
+          <p:cNvSpPr>
+            <a:spLocks noGrp="1"/>
+          </p:cNvSpPr>
+          <p:nvPr>
+            <p:ph type="title"/>
+          </p:nvPr>
+        </p:nvSpPr>
+        <p:spPr/>
+        <p:txBody>
+          <a:bodyPr/>
+          <a:lstStyle/>
+          <a:p>
+            <a:r>
+              <a:rPr lang="bg-BG" dirty="0" smtClean="0"/>
+              <a:t>Именуване на променливи</a:t>
+            </a:r>
+            <a:r>
+              <a:rPr lang="en-US" dirty="0" smtClean="0"/>
+              <a:t>(2)</a:t>
+            </a:r>
+            <a:endParaRPr lang="en-US" dirty="0"/>
+          </a:p>
+        </p:txBody>
+      </p:sp>
+      <p:sp>
+        <p:nvSpPr>
+          <p:cNvPr id="3" name="Content Placeholder 2"/>
+          <p:cNvSpPr>
+            <a:spLocks noGrp="1"/>
+          </p:cNvSpPr>
+          <p:nvPr>
+            <p:ph idx="1"/>
+          </p:nvPr>
+        </p:nvSpPr>
+        <p:spPr/>
+        <p:txBody>
+          <a:bodyPr>
+            <a:normAutofit/>
+          </a:bodyPr>
+          <a:lstStyle/>
+          <a:p>
+            <a:r>
+              <a:rPr lang="bg-BG" dirty="0" smtClean="0"/>
+              <a:t>Имената на променливите трябва да бъдат описателни</a:t>
+            </a:r>
+          </a:p>
+          <a:p>
+            <a:r>
+              <a:rPr lang="bg-BG" dirty="0" smtClean="0"/>
+              <a:t>Препоръчва се използването на латински букви и имена на английски</a:t>
+            </a:r>
+          </a:p>
+          <a:p>
+            <a:r>
+              <a:rPr lang="bg-BG" dirty="0" smtClean="0"/>
+              <a:t>Не бива да бъдат нито прекалено къси, нито прекалено дълги</a:t>
+            </a:r>
+          </a:p>
+          <a:p>
+            <a:r>
+              <a:rPr lang="bg-BG" dirty="0" smtClean="0"/>
+              <a:t>Имената в </a:t>
+            </a:r>
+            <a:r>
+              <a:rPr lang="en-US" dirty="0" smtClean="0"/>
+              <a:t>JS</a:t>
+            </a:r>
+            <a:r>
+              <a:rPr lang="bg-BG" dirty="0" smtClean="0"/>
+              <a:t> са чувствителни към малки и главни букви (</a:t>
+            </a:r>
+            <a:r>
+              <a:rPr lang="en-US" i="1" dirty="0" smtClean="0"/>
+              <a:t>case-sensitive</a:t>
+            </a:r>
+            <a:r>
+              <a:rPr lang="en-US" dirty="0" smtClean="0"/>
+              <a:t>)</a:t>
+            </a:r>
+            <a:r>
+              <a:rPr lang="bg-BG" dirty="0" smtClean="0"/>
+              <a:t>,т.е. променливата </a:t>
+            </a:r>
+            <a:r>
+              <a:rPr lang="en-US" i="1" dirty="0" smtClean="0">
+                <a:solidFill>
+                  <a:schemeClr val="accent6">
+                    <a:lumMod val="75000"/>
+                  </a:schemeClr>
+                </a:solidFill>
+              </a:rPr>
+              <a:t>Name</a:t>
+            </a:r>
+            <a:r>
+              <a:rPr lang="en-US" dirty="0" smtClean="0">
+                <a:solidFill>
+                  <a:schemeClr val="accent6">
+                    <a:lumMod val="75000"/>
+                  </a:schemeClr>
+                </a:solidFill>
+              </a:rPr>
+              <a:t> </a:t>
+            </a:r>
+            <a:r>
+              <a:rPr lang="bg-BG" dirty="0" smtClean="0"/>
+              <a:t>е различно от променливата </a:t>
+            </a:r>
+            <a:r>
+              <a:rPr lang="en-US" i="1" dirty="0" smtClean="0">
+                <a:solidFill>
+                  <a:schemeClr val="accent6">
+                    <a:lumMod val="75000"/>
+                  </a:schemeClr>
+                </a:solidFill>
+              </a:rPr>
+              <a:t>name</a:t>
+            </a:r>
+            <a:endParaRPr lang="en-US" i="1" dirty="0">
+              <a:solidFill>
+                <a:schemeClr val="accent6">
+                  <a:lumMod val="75000"/>
+                </a:schemeClr>
+              </a:solidFill>
+            </a:endParaRPr>
+          </a:p>
+        </p:txBody>
+      </p:sp>
+    </p:spTree>
+    <p:extLst>
+      <p:ext uri="{BB962C8B-B14F-4D97-AF65-F5344CB8AC3E}">
+        <p14:creationId xmlns:p14="http://schemas.microsoft.com/office/powerpoint/2010/main" val="1098678603"/>
+      </p:ext>
+    </p:extLst>
+  </p:cSld>
+  <p:clrMapOvr>
+    <a:masterClrMapping/>
+  </p:clrMapOvr>
+</p:sld>
+</file>
+
+<file path=ppt/slides/slide29.xml><?xml version="1.0" encoding="utf-8"?>
+<p:sld xmlns:a="http://schemas.openxmlformats.org/drawingml/2006/main" xmlns:r="http://schemas.openxmlformats.org/officeDocument/2006/relationships" xmlns:p="http://schemas.openxmlformats.org/presentationml/2006/main">
+  <p:cSld>
+    <p:spTree>
+      <p:nvGrpSpPr>
+        <p:cNvPr id="1" name=""/>
+        <p:cNvGrpSpPr/>
+        <p:nvPr/>
+      </p:nvGrpSpPr>
+      <p:grpSpPr>
+        <a:xfrm>
+          <a:off x="0" y="0"/>
+          <a:ext cx="0" cy="0"/>
+          <a:chOff x="0" y="0"/>
+          <a:chExt cx="0" cy="0"/>
+        </a:xfrm>
+      </p:grpSpPr>
+      <p:sp>
+        <p:nvSpPr>
+          <p:cNvPr id="2" name="Title 1"/>
+          <p:cNvSpPr>
+            <a:spLocks noGrp="1"/>
+          </p:cNvSpPr>
+          <p:nvPr>
+            <p:ph type="title"/>
+          </p:nvPr>
+        </p:nvSpPr>
+        <p:spPr/>
+        <p:txBody>
+          <a:bodyPr/>
+          <a:lstStyle/>
+          <a:p>
+            <a:r>
+              <a:rPr lang="bg-BG" dirty="0" smtClean="0"/>
+              <a:t>Примери за правилно и неправилно именувани променливи</a:t>
+            </a:r>
+            <a:endParaRPr lang="en-US" dirty="0"/>
+          </a:p>
+        </p:txBody>
+      </p:sp>
+      <p:sp>
+        <p:nvSpPr>
+          <p:cNvPr id="4" name="Content Placeholder 3"/>
+          <p:cNvSpPr>
+            <a:spLocks noGrp="1"/>
+          </p:cNvSpPr>
+          <p:nvPr>
+            <p:ph sz="half" idx="1"/>
+          </p:nvPr>
+        </p:nvSpPr>
+        <p:spPr>
+          <a:xfrm>
+            <a:off x="1484312" y="2666999"/>
+            <a:ext cx="4895055" cy="830803"/>
+          </a:xfrm>
+        </p:spPr>
+        <p:txBody>
+          <a:bodyPr/>
+          <a:lstStyle/>
+          <a:p>
+            <a:r>
+              <a:rPr lang="bg-BG" dirty="0" smtClean="0"/>
+              <a:t>Правилно именувани променливи</a:t>
+            </a:r>
+            <a:endParaRPr lang="en-US" dirty="0"/>
+          </a:p>
+        </p:txBody>
+      </p:sp>
+      <p:sp>
+        <p:nvSpPr>
+          <p:cNvPr id="5" name="Content Placeholder 4"/>
+          <p:cNvSpPr>
+            <a:spLocks noGrp="1"/>
+          </p:cNvSpPr>
+          <p:nvPr>
+            <p:ph sz="half" idx="2"/>
+          </p:nvPr>
+        </p:nvSpPr>
+        <p:spPr>
+          <a:xfrm>
+            <a:off x="6607967" y="2667000"/>
+            <a:ext cx="4895056" cy="830802"/>
+          </a:xfrm>
+        </p:spPr>
+        <p:txBody>
+          <a:bodyPr/>
+          <a:lstStyle/>
+          <a:p>
+            <a:r>
+              <a:rPr lang="bg-BG" dirty="0" smtClean="0"/>
+              <a:t>Неправилно именувани променливи</a:t>
+            </a:r>
+            <a:endParaRPr lang="en-US" dirty="0"/>
+          </a:p>
+        </p:txBody>
+      </p:sp>
+      <p:sp>
+        <p:nvSpPr>
+          <p:cNvPr id="6" name="TextBox 5"/>
+          <p:cNvSpPr txBox="1"/>
+          <p:nvPr/>
+        </p:nvSpPr>
+        <p:spPr>
+          <a:xfrm>
+            <a:off x="6784459" y="3806301"/>
+            <a:ext cx="4542071" cy="1477328"/>
+          </a:xfrm>
+          <a:prstGeom prst="rect">
+            <a:avLst/>
+          </a:prstGeom>
+        </p:spPr>
+        <p:style>
+          <a:lnRef idx="0">
+            <a:schemeClr val="accent4"/>
+          </a:lnRef>
+          <a:fillRef idx="3">
+            <a:schemeClr val="accent4"/>
+          </a:fillRef>
+          <a:effectRef idx="3">
+            <a:schemeClr val="accent4"/>
+          </a:effectRef>
+          <a:fontRef idx="minor">
+            <a:schemeClr val="lt1"/>
+          </a:fontRef>
+        </p:style>
+        <p:txBody>
+          <a:bodyPr wrap="square" rtlCol="0">
+            <a:spAutoFit/>
+          </a:bodyPr>
+          <a:lstStyle/>
+          <a:p>
+            <a:r>
+              <a:rPr lang="en-US" dirty="0" err="1" smtClean="0"/>
+              <a:t>var</a:t>
+            </a:r>
+            <a:r>
+              <a:rPr lang="en-US" dirty="0" smtClean="0"/>
+              <a:t> Radius = 5;</a:t>
+            </a:r>
+            <a:endParaRPr lang="bg-BG" dirty="0" smtClean="0"/>
+          </a:p>
+          <a:p>
+            <a:r>
+              <a:rPr lang="en-US" dirty="0" err="1" smtClean="0"/>
+              <a:t>var</a:t>
+            </a:r>
+            <a:r>
+              <a:rPr lang="en-US" dirty="0" smtClean="0"/>
+              <a:t> </a:t>
+            </a:r>
+            <a:r>
+              <a:rPr lang="bg-BG" dirty="0"/>
+              <a:t>поздрав = '</a:t>
+            </a:r>
+            <a:r>
+              <a:rPr lang="en-US" dirty="0" smtClean="0"/>
+              <a:t>Hello’; </a:t>
+            </a:r>
+            <a:endParaRPr lang="bg-BG" dirty="0" smtClean="0"/>
+          </a:p>
+          <a:p>
+            <a:r>
+              <a:rPr lang="en-US" dirty="0" err="1" smtClean="0"/>
+              <a:t>var</a:t>
+            </a:r>
+            <a:r>
+              <a:rPr lang="en-US" dirty="0" smtClean="0"/>
+              <a:t> new = 15;</a:t>
+            </a:r>
+            <a:endParaRPr lang="bg-BG" dirty="0" smtClean="0"/>
+          </a:p>
+          <a:p>
+            <a:r>
+              <a:rPr lang="en-US" dirty="0" err="1" smtClean="0"/>
+              <a:t>var</a:t>
+            </a:r>
+            <a:r>
+              <a:rPr lang="en-US" dirty="0" smtClean="0"/>
+              <a:t> 2Achieve= </a:t>
+            </a:r>
+            <a:r>
+              <a:rPr lang="en-US" dirty="0"/>
+              <a:t>100; </a:t>
+            </a:r>
+            <a:endParaRPr lang="bg-BG" dirty="0" smtClean="0"/>
+          </a:p>
+          <a:p>
+            <a:r>
+              <a:rPr lang="en-US" dirty="0" err="1" smtClean="0"/>
+              <a:t>var</a:t>
+            </a:r>
+            <a:r>
+              <a:rPr lang="en-US" dirty="0" smtClean="0"/>
+              <a:t> </a:t>
+            </a:r>
+            <a:r>
+              <a:rPr lang="en-US" dirty="0" err="1"/>
+              <a:t>numberOfPrivateClientOfTheFirm</a:t>
+            </a:r>
+            <a:r>
+              <a:rPr lang="en-US" dirty="0"/>
+              <a:t> = 100;</a:t>
+            </a:r>
+            <a:endParaRPr lang="en-US" dirty="0">
+              <a:latin typeface="Calibri" panose="020F0502020204030204" pitchFamily="34" charset="0"/>
+            </a:endParaRPr>
+          </a:p>
+        </p:txBody>
+      </p:sp>
+      <p:sp>
+        <p:nvSpPr>
+          <p:cNvPr id="7" name="TextBox 6"/>
+          <p:cNvSpPr txBox="1"/>
+          <p:nvPr/>
+        </p:nvSpPr>
+        <p:spPr>
+          <a:xfrm>
+            <a:off x="1660803" y="3806301"/>
+            <a:ext cx="4542071" cy="1477328"/>
+          </a:xfrm>
+          <a:prstGeom prst="rect">
+            <a:avLst/>
+          </a:prstGeom>
+        </p:spPr>
+        <p:style>
+          <a:lnRef idx="0">
+            <a:schemeClr val="accent1"/>
+          </a:lnRef>
+          <a:fillRef idx="3">
+            <a:schemeClr val="accent1"/>
+          </a:fillRef>
+          <a:effectRef idx="3">
+            <a:schemeClr val="accent1"/>
+          </a:effectRef>
+          <a:fontRef idx="minor">
+            <a:schemeClr val="lt1"/>
+          </a:fontRef>
+        </p:style>
+        <p:txBody>
+          <a:bodyPr wrap="square" rtlCol="0">
+            <a:spAutoFit/>
+          </a:bodyPr>
+          <a:lstStyle/>
+          <a:p>
+            <a:r>
+              <a:rPr lang="en-US" dirty="0" err="1" smtClean="0"/>
+              <a:t>var</a:t>
+            </a:r>
+            <a:r>
+              <a:rPr lang="en-US" dirty="0" smtClean="0"/>
+              <a:t> radius = 5;</a:t>
+            </a:r>
+            <a:endParaRPr lang="bg-BG" dirty="0" smtClean="0"/>
+          </a:p>
+          <a:p>
+            <a:r>
+              <a:rPr lang="en-US" dirty="0" err="1" smtClean="0"/>
+              <a:t>var</a:t>
+            </a:r>
+            <a:r>
+              <a:rPr lang="en-US" dirty="0" smtClean="0"/>
+              <a:t> greeting</a:t>
+            </a:r>
+            <a:r>
+              <a:rPr lang="bg-BG" dirty="0" smtClean="0"/>
+              <a:t>= </a:t>
+            </a:r>
+            <a:r>
+              <a:rPr lang="bg-BG" dirty="0"/>
+              <a:t>'</a:t>
+            </a:r>
+            <a:r>
+              <a:rPr lang="en-US" dirty="0" smtClean="0"/>
+              <a:t>Hello’; </a:t>
+            </a:r>
+            <a:endParaRPr lang="bg-BG" dirty="0" smtClean="0"/>
+          </a:p>
+          <a:p>
+            <a:r>
+              <a:rPr lang="en-US" dirty="0" err="1" smtClean="0"/>
+              <a:t>var</a:t>
+            </a:r>
+            <a:r>
+              <a:rPr lang="en-US" dirty="0" smtClean="0"/>
+              <a:t> </a:t>
+            </a:r>
+            <a:r>
+              <a:rPr lang="en-US" dirty="0" err="1" smtClean="0"/>
+              <a:t>newValue</a:t>
+            </a:r>
+            <a:r>
+              <a:rPr lang="en-US" dirty="0" smtClean="0"/>
+              <a:t> = 15;</a:t>
+            </a:r>
+            <a:endParaRPr lang="bg-BG" dirty="0" smtClean="0"/>
+          </a:p>
+          <a:p>
+            <a:r>
+              <a:rPr lang="en-US" dirty="0" err="1" smtClean="0"/>
+              <a:t>var</a:t>
+            </a:r>
+            <a:r>
+              <a:rPr lang="en-US" dirty="0" smtClean="0"/>
+              <a:t> </a:t>
+            </a:r>
+            <a:r>
+              <a:rPr lang="en-US" dirty="0" err="1" smtClean="0"/>
+              <a:t>toAchieve</a:t>
+            </a:r>
+            <a:r>
+              <a:rPr lang="en-US" dirty="0" smtClean="0"/>
+              <a:t>= </a:t>
+            </a:r>
+            <a:r>
+              <a:rPr lang="en-US" dirty="0"/>
+              <a:t>100; </a:t>
+            </a:r>
+            <a:endParaRPr lang="bg-BG" dirty="0" smtClean="0"/>
+          </a:p>
+          <a:p>
+            <a:r>
+              <a:rPr lang="en-US" dirty="0" err="1" smtClean="0"/>
+              <a:t>var</a:t>
+            </a:r>
+            <a:r>
+              <a:rPr lang="en-US" dirty="0" smtClean="0"/>
+              <a:t> </a:t>
+            </a:r>
+            <a:r>
+              <a:rPr lang="en-US" dirty="0" err="1" smtClean="0"/>
+              <a:t>privateClientsCount</a:t>
+            </a:r>
+            <a:r>
+              <a:rPr lang="en-US" dirty="0" smtClean="0"/>
+              <a:t>= </a:t>
+            </a:r>
+            <a:r>
+              <a:rPr lang="en-US" dirty="0"/>
+              <a:t>100;</a:t>
+            </a:r>
+            <a:endParaRPr lang="en-US" dirty="0">
+              <a:latin typeface="Calibri" panose="020F0502020204030204" pitchFamily="34" charset="0"/>
+            </a:endParaRPr>
+          </a:p>
+        </p:txBody>
+      </p:sp>
+    </p:spTree>
+    <p:extLst>
+      <p:ext uri="{BB962C8B-B14F-4D97-AF65-F5344CB8AC3E}">
+        <p14:creationId xmlns:p14="http://schemas.microsoft.com/office/powerpoint/2010/main" val="3310608559"/>
+      </p:ext>
+    </p:extLst>
+  </p:cSld>
+  <p:clrMapOvr>
+    <a:masterClrMapping/>
+  </p:clrMapOvr>
+</p:sld>
+</file>
+
+<file path=ppt/slides/slide3.xml><?xml version="1.0" encoding="utf-8"?>
+<p:sld xmlns:a="http://schemas.openxmlformats.org/drawingml/2006/main" xmlns:r="http://schemas.openxmlformats.org/officeDocument/2006/relationships" xmlns:p="http://schemas.openxmlformats.org/presentationml/2006/main">
+  <p:cSld>
+    <p:spTree>
+      <p:nvGrpSpPr>
+        <p:cNvPr id="1" name=""/>
+        <p:cNvGrpSpPr/>
+        <p:nvPr/>
+      </p:nvGrpSpPr>
+      <p:grpSpPr>
+        <a:xfrm>
+          <a:off x="0" y="0"/>
+          <a:ext cx="0" cy="0"/>
+          <a:chOff x="0" y="0"/>
+          <a:chExt cx="0" cy="0"/>
+        </a:xfrm>
+      </p:grpSpPr>
+      <p:sp>
+        <p:nvSpPr>
+          <p:cNvPr id="2" name="Title 1"/>
+          <p:cNvSpPr>
+            <a:spLocks noGrp="1"/>
+          </p:cNvSpPr>
+          <p:nvPr>
+            <p:ph type="title"/>
+          </p:nvPr>
+        </p:nvSpPr>
+        <p:spPr/>
+        <p:txBody>
+          <a:bodyPr/>
+          <a:lstStyle/>
+          <a:p>
+            <a:r>
+              <a:rPr lang="en-US" dirty="0"/>
+              <a:t>JavaScript</a:t>
+            </a:r>
+            <a:r>
+              <a:rPr lang="bg-BG" dirty="0"/>
+              <a:t> - предимства</a:t>
+            </a:r>
+            <a:endParaRPr lang="en-US" dirty="0"/>
+          </a:p>
+        </p:txBody>
+      </p:sp>
+      <p:sp>
+        <p:nvSpPr>
+          <p:cNvPr id="5" name="Content Placeholder 4"/>
+          <p:cNvSpPr>
+            <a:spLocks noGrp="1"/>
+          </p:cNvSpPr>
+          <p:nvPr>
+            <p:ph idx="1"/>
+          </p:nvPr>
+        </p:nvSpPr>
+        <p:spPr/>
+        <p:txBody>
+          <a:bodyPr/>
+          <a:lstStyle/>
+          <a:p>
+            <a:r>
+              <a:rPr lang="bg-BG" dirty="0"/>
+              <a:t>Валидация на клиентски данни</a:t>
+            </a:r>
+          </a:p>
+          <a:p>
+            <a:r>
+              <a:rPr lang="bg-BG" dirty="0"/>
+              <a:t>Промяна на потребителския интерфейс и облик</a:t>
+            </a:r>
+          </a:p>
+          <a:p>
+            <a:r>
+              <a:rPr lang="bg-BG" dirty="0"/>
+              <a:t>Динамична промяна на съдържанието</a:t>
+            </a:r>
+          </a:p>
+          <a:p>
+            <a:r>
+              <a:rPr lang="bg-BG" dirty="0"/>
+              <a:t>Сложни изчисления</a:t>
+            </a:r>
+          </a:p>
+          <a:p>
+            <a:r>
+              <a:rPr lang="bg-BG" dirty="0"/>
+              <a:t>Кустомизирани </a:t>
+            </a:r>
+            <a:r>
+              <a:rPr lang="en-US" dirty="0"/>
+              <a:t>HTML</a:t>
+            </a:r>
+            <a:r>
+              <a:rPr lang="bg-BG" dirty="0"/>
+              <a:t> контроли</a:t>
+            </a:r>
+          </a:p>
+          <a:p>
+            <a:endParaRPr lang="en-US" dirty="0"/>
+          </a:p>
+        </p:txBody>
+      </p:sp>
+    </p:spTree>
+    <p:extLst>
+      <p:ext uri="{BB962C8B-B14F-4D97-AF65-F5344CB8AC3E}">
+        <p14:creationId xmlns:p14="http://schemas.microsoft.com/office/powerpoint/2010/main" val="1324845053"/>
+      </p:ext>
+    </p:extLst>
+  </p:cSld>
+  <p:clrMapOvr>
+    <a:masterClrMapping/>
+  </p:clrMapOvr>
+</p:sld>
+</file>
+
+<file path=ppt/slides/slide30.xml><?xml version="1.0" encoding="utf-8"?>
+<p:sld xmlns:a="http://schemas.openxmlformats.org/drawingml/2006/main" xmlns:r="http://schemas.openxmlformats.org/officeDocument/2006/relationships" xmlns:p="http://schemas.openxmlformats.org/presentationml/2006/main">
+  <p:cSld>
+    <p:spTree>
+      <p:nvGrpSpPr>
+        <p:cNvPr id="1" name=""/>
+        <p:cNvGrpSpPr/>
+        <p:nvPr/>
+      </p:nvGrpSpPr>
+      <p:grpSpPr>
+        <a:xfrm>
+          <a:off x="0" y="0"/>
+          <a:ext cx="0" cy="0"/>
+          <a:chOff x="0" y="0"/>
+          <a:chExt cx="0" cy="0"/>
+        </a:xfrm>
+      </p:grpSpPr>
+      <p:sp>
+        <p:nvSpPr>
+          <p:cNvPr id="5" name="Title 4"/>
+          <p:cNvSpPr>
+            <a:spLocks noGrp="1"/>
+          </p:cNvSpPr>
+          <p:nvPr>
+            <p:ph type="title"/>
+          </p:nvPr>
+        </p:nvSpPr>
+        <p:spPr/>
+        <p:txBody>
+          <a:bodyPr/>
+          <a:lstStyle/>
+          <a:p>
+            <a:r>
+              <a:rPr lang="bg-BG" dirty="0" smtClean="0"/>
+              <a:t>Присвояване на стойност на променлива</a:t>
+            </a:r>
+            <a:endParaRPr lang="en-US" dirty="0"/>
+          </a:p>
+        </p:txBody>
+      </p:sp>
+      <p:sp>
+        <p:nvSpPr>
+          <p:cNvPr id="6" name="Content Placeholder 5"/>
+          <p:cNvSpPr>
+            <a:spLocks noGrp="1"/>
+          </p:cNvSpPr>
+          <p:nvPr>
+            <p:ph idx="1"/>
+          </p:nvPr>
+        </p:nvSpPr>
+        <p:spPr>
+          <a:xfrm>
+            <a:off x="1484310" y="2041865"/>
+            <a:ext cx="10018713" cy="2041863"/>
+          </a:xfrm>
+        </p:spPr>
+        <p:txBody>
+          <a:bodyPr/>
+          <a:lstStyle/>
+          <a:p>
+            <a:r>
+              <a:rPr lang="bg-BG" dirty="0" smtClean="0"/>
+              <a:t>Присвояването на стойност се извършва чрез оператора равно </a:t>
+            </a:r>
+            <a:r>
+              <a:rPr lang="bg-BG" i="1" dirty="0" smtClean="0"/>
+              <a:t>(=)</a:t>
+            </a:r>
+          </a:p>
+          <a:p>
+            <a:r>
+              <a:rPr lang="bg-BG" dirty="0" smtClean="0"/>
+              <a:t>Присвояването може да бъде каскадно. Операцията присвояване е дясно асоциативна,т.е. действията се изпълняват от дясно на ляво (напр. </a:t>
+            </a:r>
+            <a:r>
+              <a:rPr lang="en-US" i="1" dirty="0" err="1" smtClean="0">
+                <a:solidFill>
+                  <a:schemeClr val="accent6">
+                    <a:lumMod val="75000"/>
+                  </a:schemeClr>
+                </a:solidFill>
+              </a:rPr>
+              <a:t>var</a:t>
+            </a:r>
+            <a:r>
+              <a:rPr lang="en-US" i="1" dirty="0" smtClean="0">
+                <a:solidFill>
+                  <a:schemeClr val="accent6">
+                    <a:lumMod val="75000"/>
+                  </a:schemeClr>
+                </a:solidFill>
+              </a:rPr>
+              <a:t> sum =  5 + 4;</a:t>
+            </a:r>
+            <a:r>
+              <a:rPr lang="en-US" dirty="0" smtClean="0"/>
+              <a:t>)</a:t>
+            </a:r>
+            <a:endParaRPr lang="en-US" dirty="0"/>
+          </a:p>
+        </p:txBody>
+      </p:sp>
+      <p:sp>
+        <p:nvSpPr>
+          <p:cNvPr id="7" name="TextBox 6"/>
+          <p:cNvSpPr txBox="1"/>
+          <p:nvPr/>
+        </p:nvSpPr>
+        <p:spPr>
+          <a:xfrm>
+            <a:off x="4222630" y="4409982"/>
+            <a:ext cx="4542071" cy="1754326"/>
+          </a:xfrm>
+          <a:prstGeom prst="rect">
+            <a:avLst/>
+          </a:prstGeom>
+        </p:spPr>
+        <p:style>
+          <a:lnRef idx="0">
+            <a:schemeClr val="accent1"/>
+          </a:lnRef>
+          <a:fillRef idx="3">
+            <a:schemeClr val="accent1"/>
+          </a:fillRef>
+          <a:effectRef idx="3">
+            <a:schemeClr val="accent1"/>
+          </a:effectRef>
+          <a:fontRef idx="minor">
+            <a:schemeClr val="lt1"/>
+          </a:fontRef>
+        </p:style>
+        <p:txBody>
+          <a:bodyPr wrap="square" rtlCol="0">
+            <a:spAutoFit/>
+          </a:bodyPr>
+          <a:lstStyle/>
+          <a:p>
+            <a:r>
+              <a:rPr lang="en-US" dirty="0" err="1" smtClean="0"/>
+              <a:t>var</a:t>
+            </a:r>
+            <a:r>
+              <a:rPr lang="en-US" dirty="0" smtClean="0"/>
+              <a:t> radius = 5;</a:t>
+            </a:r>
+            <a:endParaRPr lang="bg-BG" dirty="0" smtClean="0"/>
+          </a:p>
+          <a:p>
+            <a:r>
+              <a:rPr lang="en-US" dirty="0" err="1" smtClean="0"/>
+              <a:t>var</a:t>
+            </a:r>
+            <a:r>
+              <a:rPr lang="en-US" dirty="0" smtClean="0"/>
+              <a:t> </a:t>
+            </a:r>
+            <a:r>
+              <a:rPr lang="en-US" dirty="0" err="1" smtClean="0"/>
+              <a:t>sideA</a:t>
+            </a:r>
+            <a:r>
+              <a:rPr lang="en-US" dirty="0"/>
+              <a:t> </a:t>
+            </a:r>
+            <a:r>
+              <a:rPr lang="en-US" dirty="0" smtClean="0"/>
+              <a:t>= </a:t>
+            </a:r>
+            <a:r>
+              <a:rPr lang="en-US" dirty="0" err="1" smtClean="0"/>
+              <a:t>sideB</a:t>
+            </a:r>
+            <a:r>
+              <a:rPr lang="en-US" dirty="0" smtClean="0"/>
+              <a:t> = 12;</a:t>
+            </a:r>
+          </a:p>
+          <a:p>
+            <a:r>
+              <a:rPr lang="en-US" dirty="0" err="1" smtClean="0">
+                <a:latin typeface="Calibri" panose="020F0502020204030204" pitchFamily="34" charset="0"/>
+              </a:rPr>
+              <a:t>var</a:t>
+            </a:r>
+            <a:r>
+              <a:rPr lang="en-US" dirty="0" smtClean="0">
+                <a:latin typeface="Calibri" panose="020F0502020204030204" pitchFamily="34" charset="0"/>
+              </a:rPr>
+              <a:t> area = </a:t>
+            </a:r>
+            <a:r>
+              <a:rPr lang="en-US" dirty="0" err="1" smtClean="0">
+                <a:latin typeface="Calibri" panose="020F0502020204030204" pitchFamily="34" charset="0"/>
+              </a:rPr>
+              <a:t>sideA</a:t>
+            </a:r>
+            <a:r>
+              <a:rPr lang="en-US" dirty="0" smtClean="0">
+                <a:latin typeface="Calibri" panose="020F0502020204030204" pitchFamily="34" charset="0"/>
+              </a:rPr>
+              <a:t> * </a:t>
+            </a:r>
+            <a:r>
+              <a:rPr lang="en-US" dirty="0" err="1" smtClean="0">
+                <a:latin typeface="Calibri" panose="020F0502020204030204" pitchFamily="34" charset="0"/>
+              </a:rPr>
+              <a:t>sideB</a:t>
+            </a:r>
+            <a:r>
+              <a:rPr lang="en-US" dirty="0" smtClean="0">
+                <a:latin typeface="Calibri" panose="020F0502020204030204" pitchFamily="34" charset="0"/>
+              </a:rPr>
+              <a:t>;</a:t>
+            </a:r>
+          </a:p>
+          <a:p>
+            <a:endParaRPr lang="en-US" dirty="0">
+              <a:latin typeface="Calibri" panose="020F0502020204030204" pitchFamily="34" charset="0"/>
+            </a:endParaRPr>
+          </a:p>
+          <a:p>
+            <a:r>
+              <a:rPr lang="en-US" dirty="0" err="1" smtClean="0">
+                <a:latin typeface="Calibri" panose="020F0502020204030204" pitchFamily="34" charset="0"/>
+              </a:rPr>
+              <a:t>var</a:t>
+            </a:r>
+            <a:r>
+              <a:rPr lang="en-US" dirty="0" smtClean="0">
+                <a:latin typeface="Calibri" panose="020F0502020204030204" pitchFamily="34" charset="0"/>
+              </a:rPr>
+              <a:t> first = 3;</a:t>
+            </a:r>
+          </a:p>
+          <a:p>
+            <a:r>
+              <a:rPr lang="en-US" dirty="0" err="1" smtClean="0">
+                <a:latin typeface="Calibri" panose="020F0502020204030204" pitchFamily="34" charset="0"/>
+              </a:rPr>
+              <a:t>var</a:t>
+            </a:r>
+            <a:r>
+              <a:rPr lang="en-US" dirty="0" smtClean="0">
+                <a:latin typeface="Calibri" panose="020F0502020204030204" pitchFamily="34" charset="0"/>
+              </a:rPr>
+              <a:t> second = first;</a:t>
+            </a:r>
+            <a:endParaRPr lang="en-US" dirty="0" smtClean="0">
+              <a:latin typeface="Calibri" panose="020F0502020204030204" pitchFamily="34" charset="0"/>
+            </a:endParaRPr>
+          </a:p>
+        </p:txBody>
+      </p:sp>
+    </p:spTree>
+    <p:extLst>
+      <p:ext uri="{BB962C8B-B14F-4D97-AF65-F5344CB8AC3E}">
+        <p14:creationId xmlns:p14="http://schemas.microsoft.com/office/powerpoint/2010/main" val="486522551"/>
+      </p:ext>
+    </p:extLst>
+  </p:cSld>
+  <p:clrMapOvr>
+    <a:masterClrMapping/>
+  </p:clrMapOvr>
+</p:sld>
+</file>
+
+<file path=ppt/slides/slide31.xml><?xml version="1.0" encoding="utf-8"?>
+<p:sld xmlns:a="http://schemas.openxmlformats.org/drawingml/2006/main" xmlns:r="http://schemas.openxmlformats.org/officeDocument/2006/relationships" xmlns:p="http://schemas.openxmlformats.org/presentationml/2006/main">
+  <p:cSld>
+    <p:spTree>
+      <p:nvGrpSpPr>
+        <p:cNvPr id="1" name=""/>
+        <p:cNvGrpSpPr/>
+        <p:nvPr/>
+      </p:nvGrpSpPr>
+      <p:grpSpPr>
+        <a:xfrm>
+          <a:off x="0" y="0"/>
+          <a:ext cx="0" cy="0"/>
+          <a:chOff x="0" y="0"/>
+          <a:chExt cx="0" cy="0"/>
+        </a:xfrm>
+      </p:grpSpPr>
+      <p:sp>
+        <p:nvSpPr>
+          <p:cNvPr id="2" name="Title 1"/>
+          <p:cNvSpPr>
+            <a:spLocks noGrp="1"/>
+          </p:cNvSpPr>
+          <p:nvPr>
+            <p:ph type="title"/>
+          </p:nvPr>
+        </p:nvSpPr>
+        <p:spPr/>
+        <p:txBody>
+          <a:bodyPr/>
+          <a:lstStyle/>
+          <a:p>
+            <a:r>
+              <a:rPr lang="bg-BG" dirty="0" smtClean="0"/>
+              <a:t>Инициализиране на променливи</a:t>
+            </a:r>
+            <a:endParaRPr lang="en-US" dirty="0"/>
+          </a:p>
+        </p:txBody>
+      </p:sp>
+      <p:sp>
+        <p:nvSpPr>
+          <p:cNvPr id="3" name="Content Placeholder 2"/>
+          <p:cNvSpPr>
+            <a:spLocks noGrp="1"/>
+          </p:cNvSpPr>
+          <p:nvPr>
+            <p:ph idx="1"/>
+          </p:nvPr>
+        </p:nvSpPr>
+        <p:spPr/>
+        <p:txBody>
+          <a:bodyPr/>
+          <a:lstStyle/>
+          <a:p>
+            <a:r>
+              <a:rPr lang="bg-BG" dirty="0" smtClean="0"/>
+              <a:t>Променливата се инициализира, когато й бъде присвоена стойност</a:t>
+            </a:r>
+          </a:p>
+          <a:p>
+            <a:r>
+              <a:rPr lang="bg-BG" dirty="0" smtClean="0"/>
+              <a:t>Преди да бъде използвана променливата, тя трябва да получи стойност</a:t>
+            </a:r>
+          </a:p>
+          <a:p>
+            <a:r>
+              <a:rPr lang="bg-BG" b="1" dirty="0" smtClean="0"/>
+              <a:t>Неинициализираните променливи са от тип </a:t>
+            </a:r>
+            <a:r>
+              <a:rPr lang="en-US" b="1" i="1" dirty="0" smtClean="0">
+                <a:solidFill>
+                  <a:schemeClr val="accent6">
+                    <a:lumMod val="75000"/>
+                  </a:schemeClr>
+                </a:solidFill>
+              </a:rPr>
+              <a:t>undefined</a:t>
+            </a:r>
+          </a:p>
+          <a:p>
+            <a:r>
+              <a:rPr lang="bg-BG" dirty="0"/>
+              <a:t>Променливите могат да бъдат иницилизирани посредством:</a:t>
+            </a:r>
+          </a:p>
+          <a:p>
+            <a:pPr lvl="1"/>
+            <a:r>
+              <a:rPr lang="bg-BG" dirty="0"/>
+              <a:t>Използването на литерали</a:t>
+            </a:r>
+          </a:p>
+          <a:p>
+            <a:pPr lvl="1"/>
+            <a:r>
+              <a:rPr lang="bg-BG" dirty="0"/>
+              <a:t>Реферирането на вече съществуващи променливи</a:t>
+            </a:r>
+            <a:endParaRPr lang="en-US" dirty="0"/>
+          </a:p>
+        </p:txBody>
+      </p:sp>
+    </p:spTree>
+    <p:extLst>
+      <p:ext uri="{BB962C8B-B14F-4D97-AF65-F5344CB8AC3E}">
+        <p14:creationId xmlns:p14="http://schemas.microsoft.com/office/powerpoint/2010/main" val="1958563215"/>
+      </p:ext>
+    </p:extLst>
+  </p:cSld>
+  <p:clrMapOvr>
+    <a:masterClrMapping/>
+  </p:clrMapOvr>
+</p:sld>
+</file>
+
+<file path=ppt/slides/slide32.xml><?xml version="1.0" encoding="utf-8"?>
+<p:sld xmlns:a="http://schemas.openxmlformats.org/drawingml/2006/main" xmlns:r="http://schemas.openxmlformats.org/officeDocument/2006/relationships" xmlns:p="http://schemas.openxmlformats.org/presentationml/2006/main">
+  <p:cSld>
+    <p:spTree>
+      <p:nvGrpSpPr>
+        <p:cNvPr id="1" name=""/>
+        <p:cNvGrpSpPr/>
+        <p:nvPr/>
+      </p:nvGrpSpPr>
+      <p:grpSpPr>
+        <a:xfrm>
+          <a:off x="0" y="0"/>
+          <a:ext cx="0" cy="0"/>
+          <a:chOff x="0" y="0"/>
+          <a:chExt cx="0" cy="0"/>
+        </a:xfrm>
+      </p:grpSpPr>
+      <p:sp>
+        <p:nvSpPr>
+          <p:cNvPr id="2" name="Title 1"/>
+          <p:cNvSpPr>
+            <a:spLocks noGrp="1"/>
+          </p:cNvSpPr>
+          <p:nvPr>
+            <p:ph type="title"/>
+          </p:nvPr>
+        </p:nvSpPr>
+        <p:spPr/>
+        <p:txBody>
+          <a:bodyPr/>
+          <a:lstStyle/>
+          <a:p>
+            <a:r>
+              <a:rPr lang="bg-BG" dirty="0" smtClean="0"/>
+              <a:t>Видимост на променливи</a:t>
+            </a:r>
+            <a:endParaRPr lang="en-US" dirty="0"/>
+          </a:p>
+        </p:txBody>
+      </p:sp>
+      <p:sp>
+        <p:nvSpPr>
+          <p:cNvPr id="3" name="Content Placeholder 2"/>
+          <p:cNvSpPr>
+            <a:spLocks noGrp="1"/>
+          </p:cNvSpPr>
+          <p:nvPr>
+            <p:ph idx="1"/>
+          </p:nvPr>
+        </p:nvSpPr>
+        <p:spPr/>
+        <p:txBody>
+          <a:bodyPr>
+            <a:normAutofit fontScale="92500" lnSpcReduction="10000"/>
+          </a:bodyPr>
+          <a:lstStyle/>
+          <a:p>
+            <a:pPr algn="just"/>
+            <a:r>
+              <a:rPr lang="bg-BG" dirty="0" smtClean="0"/>
+              <a:t>Видимостта на променливите в </a:t>
+            </a:r>
+            <a:r>
+              <a:rPr lang="en-US" dirty="0" smtClean="0"/>
+              <a:t>JS</a:t>
+            </a:r>
+            <a:r>
+              <a:rPr lang="bg-BG" dirty="0" smtClean="0"/>
+              <a:t> се ограничава само и единствено от фунцкия</a:t>
+            </a:r>
+            <a:r>
+              <a:rPr lang="en-US" dirty="0" smtClean="0"/>
+              <a:t>, </a:t>
+            </a:r>
+            <a:r>
+              <a:rPr lang="bg-BG" dirty="0" smtClean="0"/>
+              <a:t>когато променливата е декларирана чрез ключовата дума </a:t>
+            </a:r>
+            <a:r>
+              <a:rPr lang="en-US" i="1" dirty="0" err="1" smtClean="0">
+                <a:solidFill>
+                  <a:schemeClr val="accent6">
+                    <a:lumMod val="75000"/>
+                  </a:schemeClr>
+                </a:solidFill>
+              </a:rPr>
+              <a:t>var</a:t>
+            </a:r>
+            <a:endParaRPr lang="en-US" i="1" dirty="0" smtClean="0">
+              <a:solidFill>
+                <a:schemeClr val="accent6">
+                  <a:lumMod val="75000"/>
+                </a:schemeClr>
+              </a:solidFill>
+            </a:endParaRPr>
+          </a:p>
+          <a:p>
+            <a:pPr algn="just"/>
+            <a:r>
+              <a:rPr lang="bg-BG" dirty="0" smtClean="0"/>
+              <a:t> С нововъдения стандарт </a:t>
+            </a:r>
+            <a:r>
+              <a:rPr lang="en-US" dirty="0" smtClean="0"/>
+              <a:t>ES2015</a:t>
+            </a:r>
+            <a:r>
+              <a:rPr lang="bg-BG" dirty="0" smtClean="0"/>
+              <a:t> се въвежда и блокова видимост </a:t>
+            </a:r>
+            <a:r>
+              <a:rPr lang="en-US" dirty="0" smtClean="0"/>
+              <a:t>(</a:t>
+            </a:r>
+            <a:r>
+              <a:rPr lang="en-US" i="1" dirty="0" smtClean="0"/>
+              <a:t>block scope</a:t>
+            </a:r>
+            <a:r>
+              <a:rPr lang="en-US" dirty="0" smtClean="0"/>
+              <a:t>), </a:t>
+            </a:r>
+            <a:r>
+              <a:rPr lang="bg-BG" dirty="0" smtClean="0"/>
+              <a:t>но това е валидно само за последните версии на браузърите. Това може да бъде постигнато чрез използването на ключовата дума </a:t>
+            </a:r>
+            <a:r>
+              <a:rPr lang="en-US" i="1" dirty="0" smtClean="0">
+                <a:solidFill>
+                  <a:schemeClr val="accent6">
+                    <a:lumMod val="75000"/>
+                  </a:schemeClr>
+                </a:solidFill>
+              </a:rPr>
+              <a:t>let</a:t>
+            </a:r>
+          </a:p>
+          <a:p>
+            <a:pPr algn="just"/>
+            <a:r>
+              <a:rPr lang="bg-BG" dirty="0" smtClean="0"/>
+              <a:t>Променливи могат да бъдат декларирани и без използването на ключовите думи </a:t>
+            </a:r>
+            <a:r>
+              <a:rPr lang="en-US" i="1" dirty="0" err="1" smtClean="0">
+                <a:solidFill>
+                  <a:schemeClr val="accent6">
+                    <a:lumMod val="75000"/>
+                  </a:schemeClr>
+                </a:solidFill>
+              </a:rPr>
+              <a:t>var</a:t>
+            </a:r>
+            <a:r>
+              <a:rPr lang="en-US" i="1" dirty="0" smtClean="0">
+                <a:solidFill>
+                  <a:schemeClr val="accent6">
+                    <a:lumMod val="75000"/>
+                  </a:schemeClr>
+                </a:solidFill>
+              </a:rPr>
+              <a:t>/let</a:t>
+            </a:r>
+            <a:r>
+              <a:rPr lang="bg-BG" dirty="0" smtClean="0"/>
+              <a:t>, но това е много лоша практика (променливата става глобално достъпна) и затова трябва да бъде избягвано</a:t>
+            </a:r>
+            <a:endParaRPr lang="en-US" dirty="0" smtClean="0"/>
+          </a:p>
+          <a:p>
+            <a:endParaRPr lang="en-US" i="1" dirty="0">
+              <a:solidFill>
+                <a:schemeClr val="accent6">
+                  <a:lumMod val="75000"/>
+                </a:schemeClr>
+              </a:solidFill>
+            </a:endParaRPr>
+          </a:p>
+        </p:txBody>
+      </p:sp>
+    </p:spTree>
+    <p:extLst>
+      <p:ext uri="{BB962C8B-B14F-4D97-AF65-F5344CB8AC3E}">
+        <p14:creationId xmlns:p14="http://schemas.microsoft.com/office/powerpoint/2010/main" val="3092975433"/>
+      </p:ext>
+    </p:extLst>
+  </p:cSld>
+  <p:clrMapOvr>
+    <a:masterClrMapping/>
+  </p:clrMapOvr>
+</p:sld>
+</file>
+
+<file path=ppt/slides/slide33.xml><?xml version="1.0" encoding="utf-8"?>
+<p:sld xmlns:a="http://schemas.openxmlformats.org/drawingml/2006/main" xmlns:r="http://schemas.openxmlformats.org/officeDocument/2006/relationships" xmlns:p="http://schemas.openxmlformats.org/presentationml/2006/main">
+  <p:cSld>
+    <p:spTree>
+      <p:nvGrpSpPr>
+        <p:cNvPr id="1" name=""/>
+        <p:cNvGrpSpPr/>
+        <p:nvPr/>
+      </p:nvGrpSpPr>
+      <p:grpSpPr>
+        <a:xfrm>
+          <a:off x="0" y="0"/>
+          <a:ext cx="0" cy="0"/>
+          <a:chOff x="0" y="0"/>
+          <a:chExt cx="0" cy="0"/>
+        </a:xfrm>
+      </p:grpSpPr>
+      <p:sp>
+        <p:nvSpPr>
+          <p:cNvPr id="2" name="Title 1"/>
+          <p:cNvSpPr>
+            <a:spLocks noGrp="1"/>
+          </p:cNvSpPr>
+          <p:nvPr>
+            <p:ph type="title"/>
+          </p:nvPr>
+        </p:nvSpPr>
+        <p:spPr/>
+        <p:txBody>
+          <a:bodyPr/>
+          <a:lstStyle/>
+          <a:p>
+            <a:r>
+              <a:rPr lang="bg-BG" dirty="0" smtClean="0"/>
+              <a:t>Променливи. Деклариране и видимост</a:t>
+            </a:r>
+            <a:endParaRPr lang="en-US" dirty="0"/>
+          </a:p>
+        </p:txBody>
+      </p:sp>
+      <p:pic>
+        <p:nvPicPr>
+          <p:cNvPr id="4" name="Content Placeholder 10"/>
+          <p:cNvPicPr>
+            <a:picLocks noChangeAspect="1"/>
+          </p:cNvPicPr>
+          <p:nvPr/>
+        </p:nvPicPr>
+        <p:blipFill>
+          <a:blip r:embed="rId2">
+            <a:extLst>
+              <a:ext uri="{28A0092B-C50C-407E-A947-70E740481C1C}">
+                <a14:useLocalDpi xmlns:a14="http://schemas.microsoft.com/office/drawing/2010/main" val="0"/>
+              </a:ext>
+            </a:extLst>
+          </a:blip>
+          <a:stretch>
+            <a:fillRect/>
+          </a:stretch>
+        </p:blipFill>
+        <p:spPr>
+          <a:xfrm>
+            <a:off x="4070277" y="2107707"/>
+            <a:ext cx="4846780" cy="3627268"/>
+          </a:xfrm>
+          <a:prstGeom prst="rect">
+            <a:avLst/>
+          </a:prstGeom>
+        </p:spPr>
+      </p:pic>
+    </p:spTree>
+    <p:extLst>
+      <p:ext uri="{BB962C8B-B14F-4D97-AF65-F5344CB8AC3E}">
+        <p14:creationId xmlns:p14="http://schemas.microsoft.com/office/powerpoint/2010/main" val="152647442"/>
+      </p:ext>
+    </p:extLst>
+  </p:cSld>
+  <p:clrMapOvr>
+    <a:masterClrMapping/>
+  </p:clrMapOvr>
+</p:sld>
+</file>
+
+<file path=ppt/slides/slide34.xml><?xml version="1.0" encoding="utf-8"?>
+<p:sld xmlns:a="http://schemas.openxmlformats.org/drawingml/2006/main" xmlns:r="http://schemas.openxmlformats.org/officeDocument/2006/relationships" xmlns:p="http://schemas.openxmlformats.org/presentationml/2006/main">
+  <p:cSld>
+    <p:spTree>
+      <p:nvGrpSpPr>
+        <p:cNvPr id="1" name=""/>
+        <p:cNvGrpSpPr/>
+        <p:nvPr/>
+      </p:nvGrpSpPr>
+      <p:grpSpPr>
+        <a:xfrm>
+          <a:off x="0" y="0"/>
+          <a:ext cx="0" cy="0"/>
+          <a:chOff x="0" y="0"/>
+          <a:chExt cx="0" cy="0"/>
+        </a:xfrm>
+      </p:grpSpPr>
+      <p:sp>
+        <p:nvSpPr>
+          <p:cNvPr id="2" name="Title 1"/>
+          <p:cNvSpPr>
+            <a:spLocks noGrp="1"/>
+          </p:cNvSpPr>
+          <p:nvPr>
+            <p:ph type="title"/>
+          </p:nvPr>
+        </p:nvSpPr>
+        <p:spPr/>
+        <p:txBody>
+          <a:bodyPr/>
+          <a:lstStyle/>
+          <a:p>
+            <a:r>
+              <a:rPr lang="bg-BG" dirty="0" smtClean="0"/>
+              <a:t>Оператори и изрази</a:t>
+            </a:r>
+            <a:endParaRPr lang="en-US" dirty="0"/>
+          </a:p>
+        </p:txBody>
+      </p:sp>
+      <p:sp>
+        <p:nvSpPr>
+          <p:cNvPr id="3" name="Content Placeholder 2"/>
+          <p:cNvSpPr>
+            <a:spLocks noGrp="1"/>
+          </p:cNvSpPr>
+          <p:nvPr>
+            <p:ph idx="1"/>
+          </p:nvPr>
+        </p:nvSpPr>
+        <p:spPr/>
+        <p:txBody>
+          <a:bodyPr>
+            <a:normAutofit lnSpcReduction="10000"/>
+          </a:bodyPr>
+          <a:lstStyle/>
+          <a:p>
+            <a:r>
+              <a:rPr lang="bg-BG" dirty="0" smtClean="0"/>
+              <a:t>Чрез операторите могат да бъдат изпълнени операции върху дадена информация по време на изпълнението на кода</a:t>
+            </a:r>
+          </a:p>
+          <a:p>
+            <a:r>
+              <a:rPr lang="bg-BG" dirty="0" smtClean="0"/>
+              <a:t>Операторите имат 1 или повече аргумента (операнда)</a:t>
+            </a:r>
+          </a:p>
+          <a:p>
+            <a:r>
+              <a:rPr lang="bg-BG" dirty="0" smtClean="0"/>
+              <a:t>Продукта от дадена операция обикновено бива нова стойност</a:t>
+            </a:r>
+          </a:p>
+          <a:p>
+            <a:r>
+              <a:rPr lang="bg-BG" dirty="0" smtClean="0"/>
+              <a:t>Операторите имат приоритет (както в математиката)</a:t>
+            </a:r>
+          </a:p>
+          <a:p>
+            <a:r>
+              <a:rPr lang="bg-BG" dirty="0" smtClean="0"/>
+              <a:t>Изразите представляват съвкупност от оператори и операнди, който се оценяват до единствена стойност</a:t>
+            </a:r>
+            <a:endParaRPr lang="en-US" dirty="0"/>
+          </a:p>
+        </p:txBody>
+      </p:sp>
+    </p:spTree>
+    <p:extLst>
+      <p:ext uri="{BB962C8B-B14F-4D97-AF65-F5344CB8AC3E}">
+        <p14:creationId xmlns:p14="http://schemas.microsoft.com/office/powerpoint/2010/main" val="777532159"/>
+      </p:ext>
+    </p:extLst>
+  </p:cSld>
+  <p:clrMapOvr>
+    <a:masterClrMapping/>
+  </p:clrMapOvr>
+</p:sld>
+</file>
+
+<file path=ppt/slides/slide35.xml><?xml version="1.0" encoding="utf-8"?>
+<p:sld xmlns:a="http://schemas.openxmlformats.org/drawingml/2006/main" xmlns:r="http://schemas.openxmlformats.org/officeDocument/2006/relationships" xmlns:p="http://schemas.openxmlformats.org/presentationml/2006/main">
+  <p:cSld>
+    <p:spTree>
+      <p:nvGrpSpPr>
+        <p:cNvPr id="1" name=""/>
+        <p:cNvGrpSpPr/>
+        <p:nvPr/>
+      </p:nvGrpSpPr>
+      <p:grpSpPr>
+        <a:xfrm>
+          <a:off x="0" y="0"/>
+          <a:ext cx="0" cy="0"/>
+          <a:chOff x="0" y="0"/>
+          <a:chExt cx="0" cy="0"/>
+        </a:xfrm>
+      </p:grpSpPr>
+      <p:sp>
+        <p:nvSpPr>
+          <p:cNvPr id="2" name="Title 1"/>
+          <p:cNvSpPr>
+            <a:spLocks noGrp="1"/>
+          </p:cNvSpPr>
+          <p:nvPr>
+            <p:ph type="title"/>
+          </p:nvPr>
+        </p:nvSpPr>
+        <p:spPr/>
+        <p:txBody>
+          <a:bodyPr/>
+          <a:lstStyle/>
+          <a:p>
+            <a:r>
+              <a:rPr lang="bg-BG" dirty="0" smtClean="0"/>
+              <a:t>Видове оператори</a:t>
+            </a:r>
+            <a:endParaRPr lang="en-US" dirty="0"/>
+          </a:p>
+        </p:txBody>
+      </p:sp>
+      <p:sp>
+        <p:nvSpPr>
+          <p:cNvPr id="3" name="Content Placeholder 2"/>
+          <p:cNvSpPr>
+            <a:spLocks noGrp="1"/>
+          </p:cNvSpPr>
+          <p:nvPr>
+            <p:ph idx="1"/>
+          </p:nvPr>
+        </p:nvSpPr>
+        <p:spPr/>
+        <p:txBody>
+          <a:bodyPr>
+            <a:normAutofit lnSpcReduction="10000"/>
+          </a:bodyPr>
+          <a:lstStyle/>
+          <a:p>
+            <a:r>
+              <a:rPr lang="bg-BG" dirty="0" smtClean="0"/>
+              <a:t>Операторите в </a:t>
+            </a:r>
+            <a:r>
+              <a:rPr lang="en-US" dirty="0" smtClean="0"/>
+              <a:t>JavaScript </a:t>
+            </a:r>
+            <a:r>
+              <a:rPr lang="bg-BG" dirty="0" smtClean="0"/>
+              <a:t>биват:</a:t>
+            </a:r>
+          </a:p>
+          <a:p>
+            <a:pPr lvl="1"/>
+            <a:r>
+              <a:rPr lang="bg-BG" dirty="0" smtClean="0"/>
+              <a:t>Унарни (</a:t>
+            </a:r>
+            <a:r>
+              <a:rPr lang="en-US" i="1" dirty="0" smtClean="0"/>
+              <a:t>unary</a:t>
+            </a:r>
+            <a:r>
+              <a:rPr lang="en-US" dirty="0" smtClean="0"/>
+              <a:t>) -&gt;</a:t>
+            </a:r>
+            <a:r>
+              <a:rPr lang="bg-BG" dirty="0" smtClean="0"/>
+              <a:t> приемат само 1 операнд</a:t>
+            </a:r>
+          </a:p>
+          <a:p>
+            <a:pPr lvl="1"/>
+            <a:r>
+              <a:rPr lang="bg-BG" dirty="0" smtClean="0"/>
+              <a:t>Бинарни (</a:t>
+            </a:r>
+            <a:r>
+              <a:rPr lang="en-US" dirty="0" smtClean="0"/>
+              <a:t>binary) -&gt; </a:t>
+            </a:r>
+            <a:r>
+              <a:rPr lang="bg-BG" dirty="0" smtClean="0"/>
+              <a:t>приемат 2 операнда</a:t>
+            </a:r>
+          </a:p>
+          <a:p>
+            <a:pPr lvl="1"/>
+            <a:r>
+              <a:rPr lang="bg-BG" dirty="0" smtClean="0"/>
+              <a:t>Тернарни (</a:t>
+            </a:r>
+            <a:r>
+              <a:rPr lang="en-US" dirty="0" smtClean="0"/>
+              <a:t>ternary</a:t>
+            </a:r>
+            <a:r>
+              <a:rPr lang="bg-BG" dirty="0" smtClean="0"/>
+              <a:t>) -&gt; приемат 3 операнда</a:t>
+            </a:r>
+          </a:p>
+          <a:p>
+            <a:r>
+              <a:rPr lang="bg-BG" dirty="0" smtClean="0"/>
+              <a:t>Всички бинарни оператори (изкл. инициализиращите) са ляво-асоциативни</a:t>
+            </a:r>
+          </a:p>
+          <a:p>
+            <a:r>
+              <a:rPr lang="bg-BG" dirty="0" smtClean="0"/>
+              <a:t>Инициализиращите и тернарния оператор (</a:t>
+            </a:r>
+            <a:r>
+              <a:rPr lang="bg-BG" i="1" dirty="0" smtClean="0"/>
+              <a:t>?:</a:t>
+            </a:r>
+            <a:r>
+              <a:rPr lang="bg-BG" dirty="0" smtClean="0"/>
+              <a:t>)  са дясно асоциативни</a:t>
+            </a:r>
+            <a:endParaRPr lang="en-US" dirty="0"/>
+          </a:p>
+        </p:txBody>
+      </p:sp>
+    </p:spTree>
+    <p:extLst>
+      <p:ext uri="{BB962C8B-B14F-4D97-AF65-F5344CB8AC3E}">
+        <p14:creationId xmlns:p14="http://schemas.microsoft.com/office/powerpoint/2010/main" val="468461516"/>
+      </p:ext>
+    </p:extLst>
+  </p:cSld>
+  <p:clrMapOvr>
+    <a:masterClrMapping/>
+  </p:clrMapOvr>
+</p:sld>
+</file>
+
+<file path=ppt/slides/slide36.xml><?xml version="1.0" encoding="utf-8"?>
+<p:sld xmlns:a="http://schemas.openxmlformats.org/drawingml/2006/main" xmlns:r="http://schemas.openxmlformats.org/officeDocument/2006/relationships" xmlns:p="http://schemas.openxmlformats.org/presentationml/2006/main">
+  <p:cSld>
+    <p:spTree>
+      <p:nvGrpSpPr>
+        <p:cNvPr id="1" name=""/>
+        <p:cNvGrpSpPr/>
+        <p:nvPr/>
+      </p:nvGrpSpPr>
+      <p:grpSpPr>
+        <a:xfrm>
+          <a:off x="0" y="0"/>
+          <a:ext cx="0" cy="0"/>
+          <a:chOff x="0" y="0"/>
+          <a:chExt cx="0" cy="0"/>
+        </a:xfrm>
+      </p:grpSpPr>
+      <p:sp>
+        <p:nvSpPr>
+          <p:cNvPr id="2" name="Title 1"/>
+          <p:cNvSpPr>
+            <a:spLocks noGrp="1"/>
+          </p:cNvSpPr>
+          <p:nvPr>
+            <p:ph type="title"/>
+          </p:nvPr>
+        </p:nvSpPr>
+        <p:spPr/>
+        <p:txBody>
+          <a:bodyPr/>
+          <a:lstStyle/>
+          <a:p>
+            <a:r>
+              <a:rPr lang="bg-BG" dirty="0" smtClean="0"/>
+              <a:t>Категории оператори в </a:t>
+            </a:r>
+            <a:r>
+              <a:rPr lang="en-US" dirty="0" smtClean="0"/>
+              <a:t>JS</a:t>
+            </a:r>
+            <a:endParaRPr lang="en-US" dirty="0"/>
+          </a:p>
+        </p:txBody>
+      </p:sp>
+      <p:graphicFrame>
+        <p:nvGraphicFramePr>
+          <p:cNvPr id="4" name="Content Placeholder 3"/>
+          <p:cNvGraphicFramePr>
+            <a:graphicFrameLocks noGrp="1"/>
+          </p:cNvGraphicFramePr>
+          <p:nvPr>
+            <p:ph idx="1"/>
+            <p:extLst>
+              <p:ext uri="{D42A27DB-BD31-4B8C-83A1-F6EECF244321}">
+                <p14:modId xmlns:p14="http://schemas.microsoft.com/office/powerpoint/2010/main" val="818970831"/>
+              </p:ext>
+            </p:extLst>
+          </p:nvPr>
+        </p:nvGraphicFramePr>
+        <p:xfrm>
+          <a:off x="1484313" y="2667000"/>
+          <a:ext cx="10018712" cy="2595880"/>
+        </p:xfrm>
+        <a:graphic>
+          <a:graphicData uri="http://schemas.openxmlformats.org/drawingml/2006/table">
+            <a:tbl>
+              <a:tblPr firstRow="1" bandRow="1">
+                <a:tableStyleId>{5C22544A-7EE6-4342-B048-85BDC9FD1C3A}</a:tableStyleId>
+              </a:tblPr>
+              <a:tblGrid>
+                <a:gridCol w="5009356"/>
+                <a:gridCol w="5009356"/>
+              </a:tblGrid>
+              <a:tr h="370840">
+                <a:tc>
+                  <a:txBody>
+                    <a:bodyPr/>
+                    <a:lstStyle/>
+                    <a:p>
+                      <a:pPr algn="ctr"/>
+                      <a:r>
+                        <a:rPr lang="bg-BG" dirty="0" smtClean="0"/>
+                        <a:t>Категория</a:t>
+                      </a:r>
+                      <a:endParaRPr lang="en-US" dirty="0"/>
+                    </a:p>
+                  </a:txBody>
+                  <a:tcPr/>
+                </a:tc>
+                <a:tc>
+                  <a:txBody>
+                    <a:bodyPr/>
+                    <a:lstStyle/>
+                    <a:p>
+                      <a:pPr algn="ctr"/>
+                      <a:r>
+                        <a:rPr lang="bg-BG" dirty="0" smtClean="0"/>
+                        <a:t>Оператори</a:t>
+                      </a:r>
+                      <a:endParaRPr lang="en-US" dirty="0"/>
+                    </a:p>
+                  </a:txBody>
+                  <a:tcPr/>
+                </a:tc>
+              </a:tr>
+              <a:tr h="370840">
+                <a:tc>
+                  <a:txBody>
+                    <a:bodyPr/>
+                    <a:lstStyle/>
+                    <a:p>
+                      <a:r>
+                        <a:rPr lang="bg-BG" dirty="0" smtClean="0"/>
+                        <a:t>Аритметични</a:t>
+                      </a:r>
+                      <a:endParaRPr lang="en-US" dirty="0"/>
+                    </a:p>
+                  </a:txBody>
+                  <a:tcPr/>
+                </a:tc>
+                <a:tc>
+                  <a:txBody>
+                    <a:bodyPr/>
+                    <a:lstStyle/>
+                    <a:p>
+                      <a:r>
+                        <a:rPr lang="bg-BG" dirty="0" smtClean="0"/>
+                        <a:t>+ </a:t>
+                      </a:r>
+                      <a:r>
+                        <a:rPr lang="en-US" dirty="0" smtClean="0"/>
+                        <a:t> </a:t>
+                      </a:r>
+                      <a:r>
+                        <a:rPr lang="bg-BG" dirty="0" smtClean="0"/>
+                        <a:t>-</a:t>
+                      </a:r>
+                      <a:r>
+                        <a:rPr lang="en-US" dirty="0" smtClean="0"/>
+                        <a:t> </a:t>
+                      </a:r>
+                      <a:r>
+                        <a:rPr lang="bg-BG" dirty="0" smtClean="0"/>
+                        <a:t> * </a:t>
+                      </a:r>
+                      <a:r>
+                        <a:rPr lang="en-US" dirty="0" smtClean="0"/>
+                        <a:t> </a:t>
+                      </a:r>
+                      <a:r>
+                        <a:rPr lang="bg-BG" dirty="0" smtClean="0"/>
+                        <a:t>/ </a:t>
+                      </a:r>
+                      <a:r>
+                        <a:rPr lang="en-US" dirty="0" smtClean="0"/>
+                        <a:t> </a:t>
+                      </a:r>
+                      <a:r>
+                        <a:rPr lang="bg-BG" dirty="0" smtClean="0"/>
+                        <a:t>% </a:t>
+                      </a:r>
+                      <a:r>
+                        <a:rPr lang="en-US" dirty="0" smtClean="0"/>
+                        <a:t> </a:t>
+                      </a:r>
+                      <a:r>
+                        <a:rPr lang="bg-BG" dirty="0" smtClean="0"/>
+                        <a:t>++ </a:t>
+                      </a:r>
+                      <a:r>
+                        <a:rPr lang="en-US" dirty="0" smtClean="0"/>
+                        <a:t> </a:t>
+                      </a:r>
+                      <a:r>
+                        <a:rPr lang="bg-BG" dirty="0" smtClean="0"/>
+                        <a:t>--</a:t>
+                      </a:r>
+                      <a:endParaRPr lang="en-US" dirty="0"/>
+                    </a:p>
+                  </a:txBody>
+                  <a:tcPr/>
+                </a:tc>
+              </a:tr>
+              <a:tr h="370840">
+                <a:tc>
+                  <a:txBody>
+                    <a:bodyPr/>
+                    <a:lstStyle/>
+                    <a:p>
+                      <a:r>
+                        <a:rPr lang="bg-BG" dirty="0" smtClean="0"/>
+                        <a:t>Логически</a:t>
+                      </a:r>
+                      <a:endParaRPr lang="en-US" dirty="0"/>
+                    </a:p>
+                  </a:txBody>
+                  <a:tcPr/>
+                </a:tc>
+                <a:tc>
+                  <a:txBody>
+                    <a:bodyPr/>
+                    <a:lstStyle/>
+                    <a:p>
+                      <a:r>
+                        <a:rPr lang="en-US" dirty="0" smtClean="0"/>
+                        <a:t>&amp;&amp;</a:t>
+                      </a:r>
+                      <a:r>
+                        <a:rPr lang="en-US" baseline="0" dirty="0" smtClean="0"/>
+                        <a:t>  ||  ^  !</a:t>
+                      </a:r>
+                      <a:endParaRPr lang="en-US" dirty="0"/>
+                    </a:p>
+                  </a:txBody>
+                  <a:tcPr/>
+                </a:tc>
+              </a:tr>
+              <a:tr h="370840">
+                <a:tc>
+                  <a:txBody>
+                    <a:bodyPr/>
+                    <a:lstStyle/>
+                    <a:p>
+                      <a:r>
+                        <a:rPr lang="bg-BG" dirty="0" smtClean="0"/>
+                        <a:t>Двуични</a:t>
+                      </a:r>
+                      <a:endParaRPr lang="en-US" dirty="0"/>
+                    </a:p>
+                  </a:txBody>
+                  <a:tcPr/>
+                </a:tc>
+                <a:tc>
+                  <a:txBody>
+                    <a:bodyPr/>
+                    <a:lstStyle/>
+                    <a:p>
+                      <a:r>
+                        <a:rPr lang="en-US" dirty="0" smtClean="0"/>
+                        <a:t>&amp;</a:t>
+                      </a:r>
+                      <a:r>
+                        <a:rPr lang="en-US" baseline="0" dirty="0" smtClean="0"/>
+                        <a:t>  |  ^  ~  &lt;&lt;  &gt;&gt;</a:t>
+                      </a:r>
+                      <a:endParaRPr lang="en-US" dirty="0"/>
+                    </a:p>
+                  </a:txBody>
+                  <a:tcPr/>
+                </a:tc>
+              </a:tr>
+              <a:tr h="370840">
+                <a:tc>
+                  <a:txBody>
+                    <a:bodyPr/>
+                    <a:lstStyle/>
+                    <a:p>
+                      <a:r>
+                        <a:rPr lang="bg-BG" dirty="0" smtClean="0"/>
+                        <a:t>Сравнение</a:t>
+                      </a:r>
+                      <a:endParaRPr lang="en-US" dirty="0"/>
+                    </a:p>
+                  </a:txBody>
+                  <a:tcPr/>
+                </a:tc>
+                <a:tc>
+                  <a:txBody>
+                    <a:bodyPr/>
+                    <a:lstStyle/>
+                    <a:p>
+                      <a:r>
+                        <a:rPr lang="en-US" dirty="0" smtClean="0"/>
+                        <a:t>==  !=  &lt;  &gt;  &lt;=  &gt;=  ===  !==</a:t>
+                      </a:r>
+                      <a:endParaRPr lang="en-US" dirty="0"/>
+                    </a:p>
+                  </a:txBody>
+                  <a:tcPr/>
+                </a:tc>
+              </a:tr>
+              <a:tr h="370840">
+                <a:tc>
+                  <a:txBody>
+                    <a:bodyPr/>
+                    <a:lstStyle/>
+                    <a:p>
+                      <a:r>
+                        <a:rPr lang="bg-BG" dirty="0" smtClean="0"/>
+                        <a:t>Присвояване</a:t>
+                      </a:r>
+                      <a:endParaRPr lang="en-US" dirty="0"/>
+                    </a:p>
+                  </a:txBody>
+                  <a:tcPr/>
+                </a:tc>
+                <a:tc>
+                  <a:txBody>
+                    <a:bodyPr/>
+                    <a:lstStyle/>
+                    <a:p>
+                      <a:r>
+                        <a:rPr lang="bg-BG" dirty="0" smtClean="0"/>
+                        <a:t>= </a:t>
+                      </a:r>
+                      <a:r>
+                        <a:rPr lang="en-US" dirty="0" smtClean="0"/>
+                        <a:t> </a:t>
+                      </a:r>
+                      <a:r>
+                        <a:rPr lang="bg-BG" dirty="0" smtClean="0"/>
+                        <a:t>+=</a:t>
+                      </a:r>
+                      <a:r>
+                        <a:rPr lang="bg-BG" baseline="0" dirty="0" smtClean="0"/>
+                        <a:t> </a:t>
+                      </a:r>
+                      <a:r>
+                        <a:rPr lang="en-US" baseline="0" dirty="0" smtClean="0"/>
+                        <a:t> </a:t>
+                      </a:r>
+                      <a:r>
+                        <a:rPr lang="bg-BG" baseline="0" dirty="0" smtClean="0"/>
+                        <a:t>-= </a:t>
+                      </a:r>
+                      <a:r>
+                        <a:rPr lang="en-US" baseline="0" dirty="0" smtClean="0"/>
+                        <a:t> </a:t>
+                      </a:r>
+                      <a:r>
+                        <a:rPr lang="bg-BG" baseline="0" dirty="0" smtClean="0"/>
+                        <a:t>*= </a:t>
+                      </a:r>
+                      <a:r>
+                        <a:rPr lang="en-US" baseline="0" dirty="0" smtClean="0"/>
+                        <a:t> </a:t>
+                      </a:r>
+                      <a:r>
+                        <a:rPr lang="bg-BG" baseline="0" dirty="0" smtClean="0"/>
+                        <a:t>/= </a:t>
+                      </a:r>
+                      <a:r>
+                        <a:rPr lang="en-US" baseline="0" dirty="0" smtClean="0"/>
+                        <a:t> </a:t>
+                      </a:r>
+                      <a:r>
+                        <a:rPr lang="bg-BG" baseline="0" dirty="0" smtClean="0"/>
+                        <a:t>%= </a:t>
+                      </a:r>
+                      <a:r>
+                        <a:rPr lang="bg-BG" dirty="0" smtClean="0"/>
+                        <a:t> </a:t>
+                      </a:r>
+                      <a:endParaRPr lang="en-US" dirty="0"/>
+                    </a:p>
+                  </a:txBody>
+                  <a:tcPr/>
+                </a:tc>
+              </a:tr>
+              <a:tr h="370840">
+                <a:tc>
+                  <a:txBody>
+                    <a:bodyPr/>
+                    <a:lstStyle/>
+                    <a:p>
+                      <a:r>
+                        <a:rPr lang="bg-BG" dirty="0" smtClean="0"/>
+                        <a:t>Други</a:t>
+                      </a:r>
+                      <a:endParaRPr lang="en-US" dirty="0"/>
+                    </a:p>
+                  </a:txBody>
+                  <a:tcPr/>
+                </a:tc>
+                <a:tc>
+                  <a:txBody>
+                    <a:bodyPr/>
+                    <a:lstStyle/>
+                    <a:p>
+                      <a:r>
+                        <a:rPr lang="en-US" dirty="0" smtClean="0"/>
+                        <a:t>.</a:t>
+                      </a:r>
+                      <a:r>
+                        <a:rPr lang="en-US" baseline="0" dirty="0" smtClean="0"/>
+                        <a:t>  [ ]  { }  ()  ?:</a:t>
+                      </a:r>
+                      <a:endParaRPr lang="en-US" dirty="0"/>
+                    </a:p>
+                  </a:txBody>
+                  <a:tcPr/>
+                </a:tc>
+              </a:tr>
+            </a:tbl>
+          </a:graphicData>
+        </a:graphic>
+      </p:graphicFrame>
+    </p:spTree>
+    <p:extLst>
+      <p:ext uri="{BB962C8B-B14F-4D97-AF65-F5344CB8AC3E}">
+        <p14:creationId xmlns:p14="http://schemas.microsoft.com/office/powerpoint/2010/main" val="647357020"/>
+      </p:ext>
+    </p:extLst>
+  </p:cSld>
+  <p:clrMapOvr>
+    <a:masterClrMapping/>
+  </p:clrMapOvr>
+</p:sld>
+</file>
+
+<file path=ppt/slides/slide37.xml><?xml version="1.0" encoding="utf-8"?>
 <p:sld xmlns:a="http://schemas.openxmlformats.org/drawingml/2006/main" xmlns:r="http://schemas.openxmlformats.org/officeDocument/2006/relationships" xmlns:p="http://schemas.openxmlformats.org/presentationml/2006/main">
   <p:cSld>
     <p:spTree>
@@ -17762,7 +18914,7 @@
 </p:sld>
 </file>
 
-<file path=ppt/slides/slide3.xml><?xml version="1.0" encoding="utf-8"?>
+<file path=ppt/slides/slide38.xml><?xml version="1.0" encoding="utf-8"?>
 <p:sld xmlns:a="http://schemas.openxmlformats.org/drawingml/2006/main" xmlns:r="http://schemas.openxmlformats.org/officeDocument/2006/relationships" xmlns:p="http://schemas.openxmlformats.org/presentationml/2006/main">
   <p:cSld>
     <p:spTree>
@@ -17795,12 +18947,8 @@
           <a:lstStyle/>
           <a:p>
             <a:r>
-              <a:rPr lang="en-US" dirty="0"/>
-              <a:t>JavaScript</a:t>
-            </a:r>
-            <a:r>
-              <a:rPr lang="bg-BG" dirty="0"/>
-              <a:t> - предимства</a:t>
+              <a:rPr lang="bg-BG" dirty="0" smtClean="0"/>
+              <a:t>Домашна работа</a:t>
             </a:r>
             <a:endParaRPr lang="en-US" dirty="0"/>
           </a:p>
@@ -17808,7 +18956,7 @@
       </p:sp>
       <p:sp>
         <p:nvSpPr>
-          <p:cNvPr id="5" name="Content Placeholder 4"/>
+          <p:cNvPr id="11" name="Content Placeholder 10"/>
           <p:cNvSpPr>
             <a:spLocks noGrp="1"/>
           </p:cNvSpPr>
@@ -17821,52 +18969,14 @@
           <a:bodyPr/>
           <a:lstStyle/>
           <a:p>
-            <a:r>
-              <a:rPr lang="bg-BG" dirty="0"/>
-              <a:t>Валидация на клиентски данни</a:t>
-            </a:r>
-          </a:p>
-          <a:p>
-            <a:r>
-              <a:rPr lang="bg-BG" dirty="0"/>
-              <a:t>Промяна на потребителския интерфейс и облик</a:t>
-            </a:r>
-          </a:p>
-          <a:p>
-            <a:r>
-              <a:rPr lang="bg-BG" dirty="0"/>
-              <a:t>Динамична промяна на съдържанието</a:t>
-            </a:r>
-          </a:p>
-          <a:p>
-            <a:r>
-              <a:rPr lang="bg-BG" dirty="0"/>
-              <a:t>Сложни изчисления</a:t>
-            </a:r>
-          </a:p>
-          <a:p>
-            <a:r>
-              <a:rPr lang="bg-BG" dirty="0"/>
-              <a:t>Кустомизирани </a:t>
-            </a:r>
-            <a:r>
-              <a:rPr lang="en-US" dirty="0"/>
-              <a:t>HTML</a:t>
-            </a:r>
-            <a:r>
-              <a:rPr lang="bg-BG" dirty="0"/>
-              <a:t> контроли</a:t>
-            </a:r>
-          </a:p>
-          <a:p>
-            <a:endParaRPr lang="en-US" dirty="0"/>
+            <a:endParaRPr lang="en-US"/>
           </a:p>
         </p:txBody>
       </p:sp>
     </p:spTree>
     <p:extLst>
       <p:ext uri="{BB962C8B-B14F-4D97-AF65-F5344CB8AC3E}">
-        <p14:creationId xmlns:p14="http://schemas.microsoft.com/office/powerpoint/2010/main" val="1324845053"/>
+        <p14:creationId xmlns:p14="http://schemas.microsoft.com/office/powerpoint/2010/main" val="1778274220"/>
       </p:ext>
     </p:extLst>
   </p:cSld>

--- a/JS Fundamentals/2.JS-Basics/JS-Basics.pptx
+++ b/JS Fundamentals/2.JS-Basics/JS-Basics.pptx
@@ -41,8 +41,14 @@
     <p:sldId id="299" r:id="rId35"/>
     <p:sldId id="301" r:id="rId36"/>
     <p:sldId id="302" r:id="rId37"/>
-    <p:sldId id="266" r:id="rId38"/>
-    <p:sldId id="300" r:id="rId39"/>
+    <p:sldId id="303" r:id="rId38"/>
+    <p:sldId id="304" r:id="rId39"/>
+    <p:sldId id="305" r:id="rId40"/>
+    <p:sldId id="306" r:id="rId41"/>
+    <p:sldId id="307" r:id="rId42"/>
+    <p:sldId id="308" r:id="rId43"/>
+    <p:sldId id="266" r:id="rId44"/>
+    <p:sldId id="300" r:id="rId45"/>
   </p:sldIdLst>
   <p:sldSz cx="12192000" cy="6858000"/>
   <p:notesSz cx="6858000" cy="9144000"/>
@@ -6210,7 +6216,7 @@
           <a:p>
             <a:fld id="{6F66794D-9D79-4AC5-96DA-597EA4BF2704}" type="datetimeFigureOut">
               <a:rPr lang="en-US" smtClean="0"/>
-              <a:t>31-Mar-16</a:t>
+              <a:t>01-Apr-16</a:t>
             </a:fld>
             <a:endParaRPr lang="en-US"/>
           </a:p>
@@ -6536,7 +6542,7 @@
           <a:p>
             <a:fld id="{6F66794D-9D79-4AC5-96DA-597EA4BF2704}" type="datetimeFigureOut">
               <a:rPr lang="en-US" smtClean="0"/>
-              <a:t>31-Mar-16</a:t>
+              <a:t>01-Apr-16</a:t>
             </a:fld>
             <a:endParaRPr lang="en-US"/>
           </a:p>
@@ -6784,7 +6790,7 @@
           <a:p>
             <a:fld id="{6F66794D-9D79-4AC5-96DA-597EA4BF2704}" type="datetimeFigureOut">
               <a:rPr lang="en-US" smtClean="0"/>
-              <a:t>31-Mar-16</a:t>
+              <a:t>01-Apr-16</a:t>
             </a:fld>
             <a:endParaRPr lang="en-US"/>
           </a:p>
@@ -7324,7 +7330,7 @@
           <a:p>
             <a:fld id="{6F66794D-9D79-4AC5-96DA-597EA4BF2704}" type="datetimeFigureOut">
               <a:rPr lang="en-US" smtClean="0"/>
-              <a:t>31-Mar-16</a:t>
+              <a:t>01-Apr-16</a:t>
             </a:fld>
             <a:endParaRPr lang="en-US"/>
           </a:p>
@@ -7572,7 +7578,7 @@
           <a:p>
             <a:fld id="{6F66794D-9D79-4AC5-96DA-597EA4BF2704}" type="datetimeFigureOut">
               <a:rPr lang="en-US" smtClean="0"/>
-              <a:t>31-Mar-16</a:t>
+              <a:t>01-Apr-16</a:t>
             </a:fld>
             <a:endParaRPr lang="en-US"/>
           </a:p>
@@ -8104,7 +8110,7 @@
           <a:p>
             <a:fld id="{6F66794D-9D79-4AC5-96DA-597EA4BF2704}" type="datetimeFigureOut">
               <a:rPr lang="en-US" smtClean="0"/>
-              <a:t>31-Mar-16</a:t>
+              <a:t>01-Apr-16</a:t>
             </a:fld>
             <a:endParaRPr lang="en-US"/>
           </a:p>
@@ -8401,7 +8407,7 @@
           <a:p>
             <a:fld id="{6F66794D-9D79-4AC5-96DA-597EA4BF2704}" type="datetimeFigureOut">
               <a:rPr lang="en-US" smtClean="0"/>
-              <a:t>31-Mar-16</a:t>
+              <a:t>01-Apr-16</a:t>
             </a:fld>
             <a:endParaRPr lang="en-US"/>
           </a:p>
@@ -8575,7 +8581,7 @@
           <a:p>
             <a:fld id="{6F66794D-9D79-4AC5-96DA-597EA4BF2704}" type="datetimeFigureOut">
               <a:rPr lang="en-US" smtClean="0"/>
-              <a:t>31-Mar-16</a:t>
+              <a:t>01-Apr-16</a:t>
             </a:fld>
             <a:endParaRPr lang="en-US"/>
           </a:p>
@@ -8755,7 +8761,7 @@
           <a:p>
             <a:fld id="{6F66794D-9D79-4AC5-96DA-597EA4BF2704}" type="datetimeFigureOut">
               <a:rPr lang="en-US" smtClean="0"/>
-              <a:t>31-Mar-16</a:t>
+              <a:t>01-Apr-16</a:t>
             </a:fld>
             <a:endParaRPr lang="en-US"/>
           </a:p>
@@ -8925,7 +8931,7 @@
           <a:p>
             <a:fld id="{6F66794D-9D79-4AC5-96DA-597EA4BF2704}" type="datetimeFigureOut">
               <a:rPr lang="en-US" smtClean="0"/>
-              <a:t>31-Mar-16</a:t>
+              <a:t>01-Apr-16</a:t>
             </a:fld>
             <a:endParaRPr lang="en-US"/>
           </a:p>
@@ -9206,7 +9212,7 @@
           <a:p>
             <a:fld id="{6F66794D-9D79-4AC5-96DA-597EA4BF2704}" type="datetimeFigureOut">
               <a:rPr lang="en-US" smtClean="0"/>
-              <a:t>31-Mar-16</a:t>
+              <a:t>01-Apr-16</a:t>
             </a:fld>
             <a:endParaRPr lang="en-US"/>
           </a:p>
@@ -9503,7 +9509,7 @@
           <a:p>
             <a:fld id="{6F66794D-9D79-4AC5-96DA-597EA4BF2704}" type="datetimeFigureOut">
               <a:rPr lang="en-US" smtClean="0"/>
-              <a:t>31-Mar-16</a:t>
+              <a:t>01-Apr-16</a:t>
             </a:fld>
             <a:endParaRPr lang="en-US"/>
           </a:p>
@@ -9975,7 +9981,7 @@
           <a:p>
             <a:fld id="{6F66794D-9D79-4AC5-96DA-597EA4BF2704}" type="datetimeFigureOut">
               <a:rPr lang="en-US" smtClean="0"/>
-              <a:t>31-Mar-16</a:t>
+              <a:t>01-Apr-16</a:t>
             </a:fld>
             <a:endParaRPr lang="en-US"/>
           </a:p>
@@ -10123,7 +10129,7 @@
           <a:p>
             <a:fld id="{6F66794D-9D79-4AC5-96DA-597EA4BF2704}" type="datetimeFigureOut">
               <a:rPr lang="en-US" smtClean="0"/>
-              <a:t>31-Mar-16</a:t>
+              <a:t>01-Apr-16</a:t>
             </a:fld>
             <a:endParaRPr lang="en-US"/>
           </a:p>
@@ -10218,7 +10224,7 @@
           <a:p>
             <a:fld id="{6F66794D-9D79-4AC5-96DA-597EA4BF2704}" type="datetimeFigureOut">
               <a:rPr lang="en-US" smtClean="0"/>
-              <a:t>31-Mar-16</a:t>
+              <a:t>01-Apr-16</a:t>
             </a:fld>
             <a:endParaRPr lang="en-US"/>
           </a:p>
@@ -10501,7 +10507,7 @@
           <a:p>
             <a:fld id="{6F66794D-9D79-4AC5-96DA-597EA4BF2704}" type="datetimeFigureOut">
               <a:rPr lang="en-US" smtClean="0"/>
-              <a:t>31-Mar-16</a:t>
+              <a:t>01-Apr-16</a:t>
             </a:fld>
             <a:endParaRPr lang="en-US"/>
           </a:p>
@@ -10792,7 +10798,7 @@
           <a:p>
             <a:fld id="{6F66794D-9D79-4AC5-96DA-597EA4BF2704}" type="datetimeFigureOut">
               <a:rPr lang="en-US" smtClean="0"/>
-              <a:t>31-Mar-16</a:t>
+              <a:t>01-Apr-16</a:t>
             </a:fld>
             <a:endParaRPr lang="en-US"/>
           </a:p>
@@ -11322,7 +11328,7 @@
           <a:p>
             <a:fld id="{6F66794D-9D79-4AC5-96DA-597EA4BF2704}" type="datetimeFigureOut">
               <a:rPr lang="en-US" smtClean="0"/>
-              <a:t>31-Mar-16</a:t>
+              <a:t>01-Apr-16</a:t>
             </a:fld>
             <a:endParaRPr lang="en-US"/>
           </a:p>
@@ -15142,11 +15148,7 @@
           <a:p>
             <a:r>
               <a:rPr lang="bg-BG" dirty="0" smtClean="0"/>
-              <a:t>Масивите се декларират </a:t>
-            </a:r>
-            <a:r>
-              <a:rPr lang="bg-BG" dirty="0" smtClean="0"/>
-              <a:t>чрез</a:t>
+              <a:t>Масивите се декларират чрез</a:t>
             </a:r>
             <a:r>
               <a:rPr lang="en-US" dirty="0" smtClean="0"/>
@@ -15164,17 +15166,7 @@
                   </a:schemeClr>
                 </a:solidFill>
               </a:rPr>
-              <a:t>[ </a:t>
-            </a:r>
-            <a:r>
-              <a:rPr lang="en-US" i="1" dirty="0" smtClean="0">
-                <a:solidFill>
-                  <a:schemeClr val="accent6">
-                    <a:lumMod val="75000"/>
-                  </a:schemeClr>
-                </a:solidFill>
-              </a:rPr>
-              <a:t>] </a:t>
+              <a:t>[ ] </a:t>
             </a:r>
             <a:r>
               <a:rPr lang="bg-BG" dirty="0" smtClean="0"/>
@@ -17775,9 +17767,6 @@
               </a:rPr>
               <a:t> second = first;</a:t>
             </a:r>
-            <a:endParaRPr lang="en-US" dirty="0" smtClean="0">
-              <a:latin typeface="Calibri" panose="020F0502020204030204" pitchFamily="34" charset="0"/>
-            </a:endParaRPr>
           </a:p>
         </p:txBody>
       </p:sp>
@@ -18872,6 +18861,4209 @@
           <a:chExt cx="0" cy="0"/>
         </a:xfrm>
       </p:grpSpPr>
+      <p:sp>
+        <p:nvSpPr>
+          <p:cNvPr id="2" name="Title 1"/>
+          <p:cNvSpPr>
+            <a:spLocks noGrp="1"/>
+          </p:cNvSpPr>
+          <p:nvPr>
+            <p:ph type="title"/>
+          </p:nvPr>
+        </p:nvSpPr>
+        <p:spPr/>
+        <p:txBody>
+          <a:bodyPr/>
+          <a:lstStyle/>
+          <a:p>
+            <a:r>
+              <a:rPr lang="bg-BG" dirty="0" smtClean="0"/>
+              <a:t>Аритметични оператори</a:t>
+            </a:r>
+            <a:endParaRPr lang="en-US" dirty="0"/>
+          </a:p>
+        </p:txBody>
+      </p:sp>
+      <p:sp>
+        <p:nvSpPr>
+          <p:cNvPr id="3" name="Content Placeholder 2"/>
+          <p:cNvSpPr>
+            <a:spLocks noGrp="1"/>
+          </p:cNvSpPr>
+          <p:nvPr>
+            <p:ph idx="1"/>
+          </p:nvPr>
+        </p:nvSpPr>
+        <p:spPr/>
+        <p:txBody>
+          <a:bodyPr>
+            <a:normAutofit fontScale="92500" lnSpcReduction="10000"/>
+          </a:bodyPr>
+          <a:lstStyle/>
+          <a:p>
+            <a:r>
+              <a:rPr lang="bg-BG" dirty="0" smtClean="0"/>
+              <a:t>Артиметичните оператори </a:t>
+            </a:r>
+            <a:r>
+              <a:rPr lang="bg-BG" i="1" dirty="0" smtClean="0">
+                <a:solidFill>
+                  <a:schemeClr val="accent6">
+                    <a:lumMod val="75000"/>
+                  </a:schemeClr>
+                </a:solidFill>
+              </a:rPr>
+              <a:t>+</a:t>
+            </a:r>
+            <a:r>
+              <a:rPr lang="bg-BG" dirty="0" smtClean="0"/>
+              <a:t>,</a:t>
+            </a:r>
+            <a:r>
+              <a:rPr lang="bg-BG" i="1" dirty="0" smtClean="0">
+                <a:solidFill>
+                  <a:schemeClr val="accent6">
+                    <a:lumMod val="75000"/>
+                  </a:schemeClr>
+                </a:solidFill>
+              </a:rPr>
+              <a:t>-</a:t>
+            </a:r>
+            <a:r>
+              <a:rPr lang="bg-BG" dirty="0" smtClean="0"/>
+              <a:t>,</a:t>
+            </a:r>
+            <a:r>
+              <a:rPr lang="bg-BG" i="1" dirty="0" smtClean="0">
+                <a:solidFill>
+                  <a:schemeClr val="accent6">
+                    <a:lumMod val="75000"/>
+                  </a:schemeClr>
+                </a:solidFill>
+              </a:rPr>
+              <a:t>*</a:t>
+            </a:r>
+            <a:r>
+              <a:rPr lang="bg-BG" dirty="0" smtClean="0"/>
+              <a:t>,</a:t>
+            </a:r>
+            <a:r>
+              <a:rPr lang="bg-BG" i="1" dirty="0" smtClean="0">
+                <a:solidFill>
+                  <a:schemeClr val="accent6">
+                    <a:lumMod val="75000"/>
+                  </a:schemeClr>
+                </a:solidFill>
+              </a:rPr>
+              <a:t>/</a:t>
+            </a:r>
+            <a:r>
+              <a:rPr lang="bg-BG" dirty="0" smtClean="0"/>
+              <a:t> имат същото поведение, както в математиката</a:t>
+            </a:r>
+          </a:p>
+          <a:p>
+            <a:r>
+              <a:rPr lang="bg-BG" i="1" dirty="0" smtClean="0">
+                <a:solidFill>
+                  <a:schemeClr val="accent6">
+                    <a:lumMod val="75000"/>
+                  </a:schemeClr>
+                </a:solidFill>
+              </a:rPr>
+              <a:t>%</a:t>
+            </a:r>
+            <a:r>
+              <a:rPr lang="bg-BG" dirty="0" smtClean="0"/>
+              <a:t> е оператор за деление с остатък, т.е. Резултата е остатъка от делението, докато при използването на </a:t>
+            </a:r>
+            <a:r>
+              <a:rPr lang="bg-BG" i="1" dirty="0" smtClean="0">
+                <a:solidFill>
+                  <a:schemeClr val="accent6">
+                    <a:lumMod val="75000"/>
+                  </a:schemeClr>
+                </a:solidFill>
+              </a:rPr>
+              <a:t>/</a:t>
+            </a:r>
+            <a:r>
+              <a:rPr lang="bg-BG" dirty="0" smtClean="0"/>
+              <a:t> се получава цялото число</a:t>
+            </a:r>
+          </a:p>
+          <a:p>
+            <a:r>
+              <a:rPr lang="bg-BG" dirty="0" smtClean="0"/>
+              <a:t>Когато използваме оператора </a:t>
+            </a:r>
+            <a:r>
+              <a:rPr lang="bg-BG" i="1" dirty="0" smtClean="0"/>
+              <a:t>/</a:t>
+            </a:r>
+            <a:r>
+              <a:rPr lang="bg-BG" dirty="0" smtClean="0"/>
+              <a:t> за деление можем да получим 3 вида резултат: </a:t>
+            </a:r>
+            <a:r>
+              <a:rPr lang="bg-BG" i="1" dirty="0" smtClean="0"/>
+              <a:t>число</a:t>
+            </a:r>
+            <a:r>
+              <a:rPr lang="bg-BG" dirty="0" smtClean="0"/>
+              <a:t>, </a:t>
+            </a:r>
+            <a:r>
+              <a:rPr lang="en-US" i="1" dirty="0" smtClean="0">
+                <a:solidFill>
+                  <a:schemeClr val="accent6">
+                    <a:lumMod val="75000"/>
+                  </a:schemeClr>
+                </a:solidFill>
+              </a:rPr>
+              <a:t>Infinity</a:t>
+            </a:r>
+            <a:r>
+              <a:rPr lang="en-US" dirty="0" smtClean="0">
+                <a:solidFill>
+                  <a:schemeClr val="accent6">
+                    <a:lumMod val="75000"/>
+                  </a:schemeClr>
+                </a:solidFill>
+              </a:rPr>
+              <a:t> </a:t>
+            </a:r>
+            <a:r>
+              <a:rPr lang="bg-BG" dirty="0" smtClean="0"/>
+              <a:t>или </a:t>
+            </a:r>
+            <a:r>
+              <a:rPr lang="en-US" i="1" dirty="0" err="1" smtClean="0">
+                <a:solidFill>
+                  <a:schemeClr val="accent6">
+                    <a:lumMod val="75000"/>
+                  </a:schemeClr>
+                </a:solidFill>
+              </a:rPr>
+              <a:t>NaN</a:t>
+            </a:r>
+            <a:endParaRPr lang="en-US" i="1" dirty="0" smtClean="0">
+              <a:solidFill>
+                <a:schemeClr val="accent6">
+                  <a:lumMod val="75000"/>
+                </a:schemeClr>
+              </a:solidFill>
+            </a:endParaRPr>
+          </a:p>
+          <a:p>
+            <a:r>
+              <a:rPr lang="bg-BG" dirty="0" smtClean="0"/>
+              <a:t>Специалните оператори </a:t>
+            </a:r>
+            <a:r>
+              <a:rPr lang="bg-BG" i="1" dirty="0" smtClean="0">
+                <a:solidFill>
+                  <a:schemeClr val="accent6">
+                    <a:lumMod val="75000"/>
+                  </a:schemeClr>
+                </a:solidFill>
+              </a:rPr>
+              <a:t>++</a:t>
+            </a:r>
+            <a:r>
+              <a:rPr lang="bg-BG" dirty="0" smtClean="0"/>
+              <a:t>, </a:t>
+            </a:r>
+            <a:r>
+              <a:rPr lang="bg-BG" i="1" dirty="0" smtClean="0">
+                <a:solidFill>
+                  <a:schemeClr val="accent6">
+                    <a:lumMod val="75000"/>
+                  </a:schemeClr>
+                </a:solidFill>
+              </a:rPr>
+              <a:t>--</a:t>
+            </a:r>
+            <a:r>
+              <a:rPr lang="bg-BG" dirty="0" smtClean="0">
+                <a:solidFill>
+                  <a:schemeClr val="accent6">
+                    <a:lumMod val="75000"/>
+                  </a:schemeClr>
+                </a:solidFill>
+              </a:rPr>
+              <a:t> </a:t>
+            </a:r>
+            <a:r>
+              <a:rPr lang="bg-BG" dirty="0" smtClean="0"/>
+              <a:t>съответно инкрементират/декрементират променливата с единица</a:t>
+            </a:r>
+            <a:endParaRPr lang="en-US" dirty="0"/>
+          </a:p>
+        </p:txBody>
+      </p:sp>
+    </p:spTree>
+    <p:extLst>
+      <p:ext uri="{BB962C8B-B14F-4D97-AF65-F5344CB8AC3E}">
+        <p14:creationId xmlns:p14="http://schemas.microsoft.com/office/powerpoint/2010/main" val="1878315460"/>
+      </p:ext>
+    </p:extLst>
+  </p:cSld>
+  <p:clrMapOvr>
+    <a:masterClrMapping/>
+  </p:clrMapOvr>
+</p:sld>
+</file>
+
+<file path=ppt/slides/slide38.xml><?xml version="1.0" encoding="utf-8"?>
+<p:sld xmlns:a="http://schemas.openxmlformats.org/drawingml/2006/main" xmlns:r="http://schemas.openxmlformats.org/officeDocument/2006/relationships" xmlns:p="http://schemas.openxmlformats.org/presentationml/2006/main">
+  <p:cSld>
+    <p:spTree>
+      <p:nvGrpSpPr>
+        <p:cNvPr id="1" name=""/>
+        <p:cNvGrpSpPr/>
+        <p:nvPr/>
+      </p:nvGrpSpPr>
+      <p:grpSpPr>
+        <a:xfrm>
+          <a:off x="0" y="0"/>
+          <a:ext cx="0" cy="0"/>
+          <a:chOff x="0" y="0"/>
+          <a:chExt cx="0" cy="0"/>
+        </a:xfrm>
+      </p:grpSpPr>
+      <p:sp>
+        <p:nvSpPr>
+          <p:cNvPr id="2" name="Title 1"/>
+          <p:cNvSpPr>
+            <a:spLocks noGrp="1"/>
+          </p:cNvSpPr>
+          <p:nvPr>
+            <p:ph type="title"/>
+          </p:nvPr>
+        </p:nvSpPr>
+        <p:spPr/>
+        <p:txBody>
+          <a:bodyPr/>
+          <a:lstStyle/>
+          <a:p>
+            <a:r>
+              <a:rPr lang="bg-BG" dirty="0" smtClean="0"/>
+              <a:t>Логически оператори</a:t>
+            </a:r>
+            <a:endParaRPr lang="en-US" dirty="0"/>
+          </a:p>
+        </p:txBody>
+      </p:sp>
+      <p:sp>
+        <p:nvSpPr>
+          <p:cNvPr id="3" name="Content Placeholder 2"/>
+          <p:cNvSpPr>
+            <a:spLocks noGrp="1"/>
+          </p:cNvSpPr>
+          <p:nvPr>
+            <p:ph idx="1"/>
+          </p:nvPr>
+        </p:nvSpPr>
+        <p:spPr>
+          <a:xfrm>
+            <a:off x="1484310" y="1953087"/>
+            <a:ext cx="10018713" cy="1500327"/>
+          </a:xfrm>
+        </p:spPr>
+        <p:txBody>
+          <a:bodyPr/>
+          <a:lstStyle/>
+          <a:p>
+            <a:r>
+              <a:rPr lang="bg-BG" dirty="0" smtClean="0"/>
+              <a:t>Логическите оператори приемат булеви операнди или операнди, които се евалюират до булеви</a:t>
+            </a:r>
+          </a:p>
+          <a:p>
+            <a:pPr marL="0" indent="0">
+              <a:buNone/>
+            </a:pPr>
+            <a:endParaRPr lang="en-US" dirty="0"/>
+          </a:p>
+        </p:txBody>
+      </p:sp>
+      <p:sp>
+        <p:nvSpPr>
+          <p:cNvPr id="5" name="Content Placeholder 2"/>
+          <p:cNvSpPr txBox="1">
+            <a:spLocks/>
+          </p:cNvSpPr>
+          <p:nvPr/>
+        </p:nvSpPr>
+        <p:spPr>
+          <a:xfrm>
+            <a:off x="1484310" y="3046520"/>
+            <a:ext cx="10018713" cy="1500327"/>
+          </a:xfrm>
+          <a:prstGeom prst="rect">
+            <a:avLst/>
+          </a:prstGeom>
+        </p:spPr>
+        <p:txBody>
+          <a:bodyPr vert="horz" lIns="91440" tIns="45720" rIns="91440" bIns="45720" rtlCol="0" anchor="ctr">
+            <a:normAutofit/>
+          </a:bodyPr>
+          <a:lstStyle>
+            <a:lvl1pPr marL="285750" indent="-285750" algn="l" defTabSz="457200" rtl="0" eaLnBrk="1" latinLnBrk="0" hangingPunct="1">
+              <a:spcBef>
+                <a:spcPct val="20000"/>
+              </a:spcBef>
+              <a:spcAft>
+                <a:spcPts val="600"/>
+              </a:spcAft>
+              <a:buClr>
+                <a:schemeClr val="accent1">
+                  <a:lumMod val="75000"/>
+                </a:schemeClr>
+              </a:buClr>
+              <a:buSzPct val="145000"/>
+              <a:buFont typeface="Arial"/>
+              <a:buChar char="•"/>
+              <a:defRPr sz="2400" kern="1200" cap="none">
+                <a:solidFill>
+                  <a:schemeClr val="tx1"/>
+                </a:solidFill>
+                <a:effectLst/>
+                <a:latin typeface="+mn-lt"/>
+                <a:ea typeface="+mn-ea"/>
+                <a:cs typeface="+mn-cs"/>
+              </a:defRPr>
+            </a:lvl1pPr>
+            <a:lvl2pPr marL="742950" indent="-285750" algn="l" defTabSz="457200" rtl="0" eaLnBrk="1" latinLnBrk="0" hangingPunct="1">
+              <a:spcBef>
+                <a:spcPct val="20000"/>
+              </a:spcBef>
+              <a:spcAft>
+                <a:spcPts val="600"/>
+              </a:spcAft>
+              <a:buClr>
+                <a:schemeClr val="accent1">
+                  <a:lumMod val="75000"/>
+                </a:schemeClr>
+              </a:buClr>
+              <a:buSzPct val="145000"/>
+              <a:buFont typeface="Arial"/>
+              <a:buChar char="•"/>
+              <a:defRPr sz="2000" kern="1200" cap="none">
+                <a:solidFill>
+                  <a:schemeClr val="tx1"/>
+                </a:solidFill>
+                <a:effectLst/>
+                <a:latin typeface="+mn-lt"/>
+                <a:ea typeface="+mn-ea"/>
+                <a:cs typeface="+mn-cs"/>
+              </a:defRPr>
+            </a:lvl2pPr>
+            <a:lvl3pPr marL="1200150" indent="-285750" algn="l" defTabSz="457200" rtl="0" eaLnBrk="1" latinLnBrk="0" hangingPunct="1">
+              <a:spcBef>
+                <a:spcPct val="20000"/>
+              </a:spcBef>
+              <a:spcAft>
+                <a:spcPts val="600"/>
+              </a:spcAft>
+              <a:buClr>
+                <a:schemeClr val="accent1">
+                  <a:lumMod val="75000"/>
+                </a:schemeClr>
+              </a:buClr>
+              <a:buSzPct val="145000"/>
+              <a:buFont typeface="Arial"/>
+              <a:buChar char="•"/>
+              <a:defRPr sz="1800" kern="1200" cap="none">
+                <a:solidFill>
+                  <a:schemeClr val="tx1"/>
+                </a:solidFill>
+                <a:effectLst/>
+                <a:latin typeface="+mn-lt"/>
+                <a:ea typeface="+mn-ea"/>
+                <a:cs typeface="+mn-cs"/>
+              </a:defRPr>
+            </a:lvl3pPr>
+            <a:lvl4pPr marL="1543050" indent="-171450" algn="l" defTabSz="457200" rtl="0" eaLnBrk="1" latinLnBrk="0" hangingPunct="1">
+              <a:spcBef>
+                <a:spcPct val="20000"/>
+              </a:spcBef>
+              <a:spcAft>
+                <a:spcPts val="600"/>
+              </a:spcAft>
+              <a:buClr>
+                <a:schemeClr val="accent1">
+                  <a:lumMod val="75000"/>
+                </a:schemeClr>
+              </a:buClr>
+              <a:buSzPct val="145000"/>
+              <a:buFont typeface="Arial"/>
+              <a:buChar char="•"/>
+              <a:defRPr sz="1600" kern="1200" cap="none">
+                <a:solidFill>
+                  <a:schemeClr val="tx1"/>
+                </a:solidFill>
+                <a:effectLst/>
+                <a:latin typeface="+mn-lt"/>
+                <a:ea typeface="+mn-ea"/>
+                <a:cs typeface="+mn-cs"/>
+              </a:defRPr>
+            </a:lvl4pPr>
+            <a:lvl5pPr marL="2000250" indent="-171450" algn="l" defTabSz="457200" rtl="0" eaLnBrk="1" latinLnBrk="0" hangingPunct="1">
+              <a:spcBef>
+                <a:spcPct val="20000"/>
+              </a:spcBef>
+              <a:spcAft>
+                <a:spcPts val="600"/>
+              </a:spcAft>
+              <a:buClr>
+                <a:schemeClr val="accent1">
+                  <a:lumMod val="75000"/>
+                </a:schemeClr>
+              </a:buClr>
+              <a:buSzPct val="145000"/>
+              <a:buFont typeface="Arial"/>
+              <a:buChar char="•"/>
+              <a:defRPr sz="1400" kern="1200" cap="none">
+                <a:solidFill>
+                  <a:schemeClr val="tx1"/>
+                </a:solidFill>
+                <a:effectLst/>
+                <a:latin typeface="+mn-lt"/>
+                <a:ea typeface="+mn-ea"/>
+                <a:cs typeface="+mn-cs"/>
+              </a:defRPr>
+            </a:lvl5pPr>
+            <a:lvl6pPr marL="2514600" indent="-228600" algn="l" defTabSz="457200" rtl="0" eaLnBrk="1" latinLnBrk="0" hangingPunct="1">
+              <a:spcBef>
+                <a:spcPct val="20000"/>
+              </a:spcBef>
+              <a:spcAft>
+                <a:spcPts val="600"/>
+              </a:spcAft>
+              <a:buClr>
+                <a:schemeClr val="accent1">
+                  <a:lumMod val="75000"/>
+                </a:schemeClr>
+              </a:buClr>
+              <a:buSzPct val="145000"/>
+              <a:buFont typeface="Arial"/>
+              <a:buChar char="•"/>
+              <a:defRPr sz="1400" kern="1200" cap="none">
+                <a:solidFill>
+                  <a:schemeClr val="tx1"/>
+                </a:solidFill>
+                <a:effectLst/>
+                <a:latin typeface="+mn-lt"/>
+                <a:ea typeface="+mn-ea"/>
+                <a:cs typeface="+mn-cs"/>
+              </a:defRPr>
+            </a:lvl6pPr>
+            <a:lvl7pPr marL="2971800" indent="-228600" algn="l" defTabSz="457200" rtl="0" eaLnBrk="1" latinLnBrk="0" hangingPunct="1">
+              <a:spcBef>
+                <a:spcPct val="20000"/>
+              </a:spcBef>
+              <a:spcAft>
+                <a:spcPts val="600"/>
+              </a:spcAft>
+              <a:buClr>
+                <a:schemeClr val="accent1">
+                  <a:lumMod val="75000"/>
+                </a:schemeClr>
+              </a:buClr>
+              <a:buSzPct val="145000"/>
+              <a:buFont typeface="Arial"/>
+              <a:buChar char="•"/>
+              <a:defRPr sz="1400" kern="1200" cap="none">
+                <a:solidFill>
+                  <a:schemeClr val="tx1"/>
+                </a:solidFill>
+                <a:effectLst/>
+                <a:latin typeface="+mn-lt"/>
+                <a:ea typeface="+mn-ea"/>
+                <a:cs typeface="+mn-cs"/>
+              </a:defRPr>
+            </a:lvl7pPr>
+            <a:lvl8pPr marL="3429000" indent="-228600" algn="l" defTabSz="457200" rtl="0" eaLnBrk="1" latinLnBrk="0" hangingPunct="1">
+              <a:spcBef>
+                <a:spcPct val="20000"/>
+              </a:spcBef>
+              <a:spcAft>
+                <a:spcPts val="600"/>
+              </a:spcAft>
+              <a:buClr>
+                <a:schemeClr val="accent1">
+                  <a:lumMod val="75000"/>
+                </a:schemeClr>
+              </a:buClr>
+              <a:buSzPct val="145000"/>
+              <a:buFont typeface="Arial"/>
+              <a:buChar char="•"/>
+              <a:defRPr sz="1400" kern="1200" cap="none">
+                <a:solidFill>
+                  <a:schemeClr val="tx1"/>
+                </a:solidFill>
+                <a:effectLst/>
+                <a:latin typeface="+mn-lt"/>
+                <a:ea typeface="+mn-ea"/>
+                <a:cs typeface="+mn-cs"/>
+              </a:defRPr>
+            </a:lvl8pPr>
+            <a:lvl9pPr marL="3886200" indent="-228600" algn="l" defTabSz="457200" rtl="0" eaLnBrk="1" latinLnBrk="0" hangingPunct="1">
+              <a:spcBef>
+                <a:spcPct val="20000"/>
+              </a:spcBef>
+              <a:spcAft>
+                <a:spcPts val="600"/>
+              </a:spcAft>
+              <a:buClr>
+                <a:schemeClr val="accent1">
+                  <a:lumMod val="75000"/>
+                </a:schemeClr>
+              </a:buClr>
+              <a:buSzPct val="145000"/>
+              <a:buFont typeface="Arial"/>
+              <a:buChar char="•"/>
+              <a:defRPr sz="1400" kern="1200" cap="none">
+                <a:solidFill>
+                  <a:schemeClr val="tx1"/>
+                </a:solidFill>
+                <a:effectLst/>
+                <a:latin typeface="+mn-lt"/>
+                <a:ea typeface="+mn-ea"/>
+                <a:cs typeface="+mn-cs"/>
+              </a:defRPr>
+            </a:lvl9pPr>
+          </a:lstStyle>
+          <a:p>
+            <a:pPr marL="0" indent="0">
+              <a:buFont typeface="Arial"/>
+              <a:buNone/>
+            </a:pPr>
+            <a:endParaRPr lang="en-US" dirty="0"/>
+          </a:p>
+        </p:txBody>
+      </p:sp>
+      <p:graphicFrame>
+        <p:nvGraphicFramePr>
+          <p:cNvPr id="7" name="Content Placeholder 3"/>
+          <p:cNvGraphicFramePr>
+            <a:graphicFrameLocks/>
+          </p:cNvGraphicFramePr>
+          <p:nvPr>
+            <p:extLst>
+              <p:ext uri="{D42A27DB-BD31-4B8C-83A1-F6EECF244321}">
+                <p14:modId xmlns:p14="http://schemas.microsoft.com/office/powerpoint/2010/main" val="980576472"/>
+              </p:ext>
+            </p:extLst>
+          </p:nvPr>
+        </p:nvGraphicFramePr>
+        <p:xfrm>
+          <a:off x="3391310" y="3196887"/>
+          <a:ext cx="6204712" cy="1603527"/>
+        </p:xfrm>
+        <a:graphic>
+          <a:graphicData uri="http://schemas.openxmlformats.org/drawingml/2006/table">
+            <a:tbl>
+              <a:tblPr firstRow="1" bandRow="1">
+                <a:tableStyleId>{5C22544A-7EE6-4342-B048-85BDC9FD1C3A}</a:tableStyleId>
+              </a:tblPr>
+              <a:tblGrid>
+                <a:gridCol w="1254252"/>
+                <a:gridCol w="338455"/>
+                <a:gridCol w="338455"/>
+                <a:gridCol w="338455"/>
+                <a:gridCol w="338455"/>
+                <a:gridCol w="548005"/>
+                <a:gridCol w="548005"/>
+                <a:gridCol w="548005"/>
+                <a:gridCol w="548005"/>
+                <a:gridCol w="351155"/>
+                <a:gridCol w="351155"/>
+                <a:gridCol w="351155"/>
+                <a:gridCol w="351155"/>
+              </a:tblGrid>
+              <a:tr h="491007">
+                <a:tc>
+                  <a:txBody>
+                    <a:bodyPr/>
+                    <a:lstStyle/>
+                    <a:p>
+                      <a:pPr algn="ctr"/>
+                      <a:r>
+                        <a:rPr lang="bg-BG" dirty="0" smtClean="0"/>
+                        <a:t>Операция</a:t>
+                      </a:r>
+                      <a:endParaRPr lang="en-US" dirty="0"/>
+                    </a:p>
+                  </a:txBody>
+                  <a:tcPr>
+                    <a:lnR w="38100" cap="flat" cmpd="sng" algn="ctr">
+                      <a:solidFill>
+                        <a:schemeClr val="bg1"/>
+                      </a:solidFill>
+                      <a:prstDash val="solid"/>
+                      <a:round/>
+                      <a:headEnd type="none" w="med" len="med"/>
+                      <a:tailEnd type="none" w="med" len="med"/>
+                    </a:lnR>
+                  </a:tcPr>
+                </a:tc>
+                <a:tc>
+                  <a:txBody>
+                    <a:bodyPr/>
+                    <a:lstStyle/>
+                    <a:p>
+                      <a:pPr algn="ctr"/>
+                      <a:r>
+                        <a:rPr lang="en-US" dirty="0" smtClean="0"/>
+                        <a:t>||</a:t>
+                      </a:r>
+                      <a:endParaRPr lang="en-US" dirty="0"/>
+                    </a:p>
+                  </a:txBody>
+                  <a:tcPr>
+                    <a:lnL w="38100" cap="flat" cmpd="sng" algn="ctr">
+                      <a:solidFill>
+                        <a:schemeClr val="bg1"/>
+                      </a:solidFill>
+                      <a:prstDash val="solid"/>
+                      <a:round/>
+                      <a:headEnd type="none" w="med" len="med"/>
+                      <a:tailEnd type="none" w="med" len="med"/>
+                    </a:lnL>
+                  </a:tcPr>
+                </a:tc>
+                <a:tc>
+                  <a:txBody>
+                    <a:bodyPr/>
+                    <a:lstStyle/>
+                    <a:p>
+                      <a:pPr marL="0" marR="0" indent="0" algn="ctr" defTabSz="457200" rtl="0" eaLnBrk="1" fontAlgn="auto" latinLnBrk="0" hangingPunct="1">
+                        <a:lnSpc>
+                          <a:spcPct val="100000"/>
+                        </a:lnSpc>
+                        <a:spcBef>
+                          <a:spcPts val="0"/>
+                        </a:spcBef>
+                        <a:spcAft>
+                          <a:spcPts val="0"/>
+                        </a:spcAft>
+                        <a:buClrTx/>
+                        <a:buSzTx/>
+                        <a:buFontTx/>
+                        <a:buNone/>
+                        <a:tabLst/>
+                        <a:defRPr/>
+                      </a:pPr>
+                      <a:r>
+                        <a:rPr lang="en-US" dirty="0" smtClean="0"/>
+                        <a:t>||</a:t>
+                      </a:r>
+                    </a:p>
+                  </a:txBody>
+                  <a:tcPr/>
+                </a:tc>
+                <a:tc>
+                  <a:txBody>
+                    <a:bodyPr/>
+                    <a:lstStyle/>
+                    <a:p>
+                      <a:pPr marL="0" marR="0" indent="0" algn="ctr" defTabSz="457200" rtl="0" eaLnBrk="1" fontAlgn="auto" latinLnBrk="0" hangingPunct="1">
+                        <a:lnSpc>
+                          <a:spcPct val="100000"/>
+                        </a:lnSpc>
+                        <a:spcBef>
+                          <a:spcPts val="0"/>
+                        </a:spcBef>
+                        <a:spcAft>
+                          <a:spcPts val="0"/>
+                        </a:spcAft>
+                        <a:buClrTx/>
+                        <a:buSzTx/>
+                        <a:buFontTx/>
+                        <a:buNone/>
+                        <a:tabLst/>
+                        <a:defRPr/>
+                      </a:pPr>
+                      <a:r>
+                        <a:rPr lang="en-US" dirty="0" smtClean="0"/>
+                        <a:t>||</a:t>
+                      </a:r>
+                    </a:p>
+                  </a:txBody>
+                  <a:tcPr/>
+                </a:tc>
+                <a:tc>
+                  <a:txBody>
+                    <a:bodyPr/>
+                    <a:lstStyle/>
+                    <a:p>
+                      <a:pPr marL="0" marR="0" indent="0" algn="ctr" defTabSz="457200" rtl="0" eaLnBrk="1" fontAlgn="auto" latinLnBrk="0" hangingPunct="1">
+                        <a:lnSpc>
+                          <a:spcPct val="100000"/>
+                        </a:lnSpc>
+                        <a:spcBef>
+                          <a:spcPts val="0"/>
+                        </a:spcBef>
+                        <a:spcAft>
+                          <a:spcPts val="0"/>
+                        </a:spcAft>
+                        <a:buClrTx/>
+                        <a:buSzTx/>
+                        <a:buFontTx/>
+                        <a:buNone/>
+                        <a:tabLst/>
+                        <a:defRPr/>
+                      </a:pPr>
+                      <a:r>
+                        <a:rPr lang="en-US" dirty="0" smtClean="0"/>
+                        <a:t>||</a:t>
+                      </a:r>
+                    </a:p>
+                  </a:txBody>
+                  <a:tcPr>
+                    <a:lnR w="38100" cap="flat" cmpd="sng" algn="ctr">
+                      <a:solidFill>
+                        <a:schemeClr val="bg1"/>
+                      </a:solidFill>
+                      <a:prstDash val="solid"/>
+                      <a:round/>
+                      <a:headEnd type="none" w="med" len="med"/>
+                      <a:tailEnd type="none" w="med" len="med"/>
+                    </a:lnR>
+                  </a:tcPr>
+                </a:tc>
+                <a:tc>
+                  <a:txBody>
+                    <a:bodyPr/>
+                    <a:lstStyle/>
+                    <a:p>
+                      <a:pPr algn="ctr"/>
+                      <a:r>
+                        <a:rPr lang="en-US" dirty="0" smtClean="0"/>
+                        <a:t>&amp;&amp;</a:t>
+                      </a:r>
+                      <a:endParaRPr lang="en-US" dirty="0"/>
+                    </a:p>
+                  </a:txBody>
+                  <a:tcPr>
+                    <a:lnL w="38100" cap="flat" cmpd="sng" algn="ctr">
+                      <a:solidFill>
+                        <a:schemeClr val="bg1"/>
+                      </a:solidFill>
+                      <a:prstDash val="solid"/>
+                      <a:round/>
+                      <a:headEnd type="none" w="med" len="med"/>
+                      <a:tailEnd type="none" w="med" len="med"/>
+                    </a:lnL>
+                  </a:tcPr>
+                </a:tc>
+                <a:tc>
+                  <a:txBody>
+                    <a:bodyPr/>
+                    <a:lstStyle/>
+                    <a:p>
+                      <a:pPr algn="ctr"/>
+                      <a:r>
+                        <a:rPr lang="en-US" dirty="0" smtClean="0"/>
+                        <a:t>&amp;&amp;</a:t>
+                      </a:r>
+                      <a:endParaRPr lang="en-US" dirty="0"/>
+                    </a:p>
+                  </a:txBody>
+                  <a:tcPr/>
+                </a:tc>
+                <a:tc>
+                  <a:txBody>
+                    <a:bodyPr/>
+                    <a:lstStyle/>
+                    <a:p>
+                      <a:pPr algn="ctr"/>
+                      <a:r>
+                        <a:rPr lang="en-US" dirty="0" smtClean="0"/>
+                        <a:t>&amp;&amp;</a:t>
+                      </a:r>
+                      <a:endParaRPr lang="en-US" dirty="0"/>
+                    </a:p>
+                  </a:txBody>
+                  <a:tcPr/>
+                </a:tc>
+                <a:tc>
+                  <a:txBody>
+                    <a:bodyPr/>
+                    <a:lstStyle/>
+                    <a:p>
+                      <a:pPr algn="ctr"/>
+                      <a:r>
+                        <a:rPr lang="en-US" dirty="0" smtClean="0"/>
+                        <a:t>&amp;&amp;</a:t>
+                      </a:r>
+                      <a:endParaRPr lang="en-US" dirty="0"/>
+                    </a:p>
+                  </a:txBody>
+                  <a:tcPr>
+                    <a:lnR w="38100" cap="flat" cmpd="sng" algn="ctr">
+                      <a:solidFill>
+                        <a:schemeClr val="bg1"/>
+                      </a:solidFill>
+                      <a:prstDash val="solid"/>
+                      <a:round/>
+                      <a:headEnd type="none" w="med" len="med"/>
+                      <a:tailEnd type="none" w="med" len="med"/>
+                    </a:lnR>
+                  </a:tcPr>
+                </a:tc>
+                <a:tc>
+                  <a:txBody>
+                    <a:bodyPr/>
+                    <a:lstStyle/>
+                    <a:p>
+                      <a:pPr algn="ctr"/>
+                      <a:r>
+                        <a:rPr lang="en-US" dirty="0" smtClean="0"/>
+                        <a:t>^</a:t>
+                      </a:r>
+                      <a:endParaRPr lang="en-US" dirty="0"/>
+                    </a:p>
+                  </a:txBody>
+                  <a:tcPr>
+                    <a:lnL w="38100" cap="flat" cmpd="sng" algn="ctr">
+                      <a:solidFill>
+                        <a:schemeClr val="bg1"/>
+                      </a:solidFill>
+                      <a:prstDash val="solid"/>
+                      <a:round/>
+                      <a:headEnd type="none" w="med" len="med"/>
+                      <a:tailEnd type="none" w="med" len="med"/>
+                    </a:lnL>
+                  </a:tcPr>
+                </a:tc>
+                <a:tc>
+                  <a:txBody>
+                    <a:bodyPr/>
+                    <a:lstStyle/>
+                    <a:p>
+                      <a:pPr algn="ctr"/>
+                      <a:r>
+                        <a:rPr lang="en-US" dirty="0" smtClean="0"/>
+                        <a:t>^</a:t>
+                      </a:r>
+                      <a:endParaRPr lang="en-US" dirty="0"/>
+                    </a:p>
+                  </a:txBody>
+                  <a:tcPr/>
+                </a:tc>
+                <a:tc>
+                  <a:txBody>
+                    <a:bodyPr/>
+                    <a:lstStyle/>
+                    <a:p>
+                      <a:pPr algn="ctr"/>
+                      <a:r>
+                        <a:rPr lang="en-US" dirty="0" smtClean="0"/>
+                        <a:t>^</a:t>
+                      </a:r>
+                      <a:endParaRPr lang="en-US" dirty="0"/>
+                    </a:p>
+                  </a:txBody>
+                  <a:tcPr/>
+                </a:tc>
+                <a:tc>
+                  <a:txBody>
+                    <a:bodyPr/>
+                    <a:lstStyle/>
+                    <a:p>
+                      <a:pPr algn="ctr"/>
+                      <a:r>
+                        <a:rPr lang="en-US" dirty="0" smtClean="0"/>
+                        <a:t>^</a:t>
+                      </a:r>
+                      <a:endParaRPr lang="en-US" dirty="0"/>
+                    </a:p>
+                  </a:txBody>
+                  <a:tcPr/>
+                </a:tc>
+              </a:tr>
+              <a:tr h="370840">
+                <a:tc>
+                  <a:txBody>
+                    <a:bodyPr/>
+                    <a:lstStyle/>
+                    <a:p>
+                      <a:pPr algn="ctr"/>
+                      <a:r>
+                        <a:rPr lang="bg-BG" dirty="0" smtClean="0"/>
+                        <a:t>Операнд1</a:t>
+                      </a:r>
+                      <a:endParaRPr lang="en-US" dirty="0"/>
+                    </a:p>
+                  </a:txBody>
+                  <a:tcPr>
+                    <a:lnR w="38100" cap="flat" cmpd="sng" algn="ctr">
+                      <a:solidFill>
+                        <a:schemeClr val="bg1"/>
+                      </a:solidFill>
+                      <a:prstDash val="solid"/>
+                      <a:round/>
+                      <a:headEnd type="none" w="med" len="med"/>
+                      <a:tailEnd type="none" w="med" len="med"/>
+                    </a:lnR>
+                  </a:tcPr>
+                </a:tc>
+                <a:tc>
+                  <a:txBody>
+                    <a:bodyPr/>
+                    <a:lstStyle/>
+                    <a:p>
+                      <a:pPr algn="ctr"/>
+                      <a:r>
+                        <a:rPr lang="en-US" dirty="0" smtClean="0"/>
+                        <a:t>0</a:t>
+                      </a:r>
+                      <a:endParaRPr lang="en-US" dirty="0"/>
+                    </a:p>
+                  </a:txBody>
+                  <a:tcPr>
+                    <a:lnL w="38100" cap="flat" cmpd="sng" algn="ctr">
+                      <a:solidFill>
+                        <a:schemeClr val="bg1"/>
+                      </a:solidFill>
+                      <a:prstDash val="solid"/>
+                      <a:round/>
+                      <a:headEnd type="none" w="med" len="med"/>
+                      <a:tailEnd type="none" w="med" len="med"/>
+                    </a:lnL>
+                  </a:tcPr>
+                </a:tc>
+                <a:tc>
+                  <a:txBody>
+                    <a:bodyPr/>
+                    <a:lstStyle/>
+                    <a:p>
+                      <a:pPr algn="ctr"/>
+                      <a:r>
+                        <a:rPr lang="en-US" dirty="0" smtClean="0"/>
+                        <a:t>0</a:t>
+                      </a:r>
+                      <a:endParaRPr lang="en-US" dirty="0"/>
+                    </a:p>
+                  </a:txBody>
+                  <a:tcPr/>
+                </a:tc>
+                <a:tc>
+                  <a:txBody>
+                    <a:bodyPr/>
+                    <a:lstStyle/>
+                    <a:p>
+                      <a:pPr algn="ctr"/>
+                      <a:r>
+                        <a:rPr lang="en-US" dirty="0" smtClean="0"/>
+                        <a:t>1</a:t>
+                      </a:r>
+                      <a:endParaRPr lang="en-US" dirty="0"/>
+                    </a:p>
+                  </a:txBody>
+                  <a:tcPr/>
+                </a:tc>
+                <a:tc>
+                  <a:txBody>
+                    <a:bodyPr/>
+                    <a:lstStyle/>
+                    <a:p>
+                      <a:pPr algn="ctr"/>
+                      <a:r>
+                        <a:rPr lang="en-US" dirty="0" smtClean="0"/>
+                        <a:t>1</a:t>
+                      </a:r>
+                      <a:endParaRPr lang="en-US" dirty="0"/>
+                    </a:p>
+                  </a:txBody>
+                  <a:tcPr>
+                    <a:lnR w="38100" cap="flat" cmpd="sng" algn="ctr">
+                      <a:solidFill>
+                        <a:schemeClr val="bg1"/>
+                      </a:solidFill>
+                      <a:prstDash val="solid"/>
+                      <a:round/>
+                      <a:headEnd type="none" w="med" len="med"/>
+                      <a:tailEnd type="none" w="med" len="med"/>
+                    </a:lnR>
+                  </a:tcPr>
+                </a:tc>
+                <a:tc>
+                  <a:txBody>
+                    <a:bodyPr/>
+                    <a:lstStyle/>
+                    <a:p>
+                      <a:pPr algn="ctr"/>
+                      <a:r>
+                        <a:rPr lang="en-US" dirty="0" smtClean="0"/>
+                        <a:t>0</a:t>
+                      </a:r>
+                      <a:endParaRPr lang="en-US" dirty="0"/>
+                    </a:p>
+                  </a:txBody>
+                  <a:tcPr>
+                    <a:lnL w="38100" cap="flat" cmpd="sng" algn="ctr">
+                      <a:solidFill>
+                        <a:schemeClr val="bg1"/>
+                      </a:solidFill>
+                      <a:prstDash val="solid"/>
+                      <a:round/>
+                      <a:headEnd type="none" w="med" len="med"/>
+                      <a:tailEnd type="none" w="med" len="med"/>
+                    </a:lnL>
+                  </a:tcPr>
+                </a:tc>
+                <a:tc>
+                  <a:txBody>
+                    <a:bodyPr/>
+                    <a:lstStyle/>
+                    <a:p>
+                      <a:pPr algn="ctr"/>
+                      <a:r>
+                        <a:rPr lang="en-US" dirty="0" smtClean="0"/>
+                        <a:t>0</a:t>
+                      </a:r>
+                      <a:endParaRPr lang="en-US" dirty="0"/>
+                    </a:p>
+                  </a:txBody>
+                  <a:tcPr/>
+                </a:tc>
+                <a:tc>
+                  <a:txBody>
+                    <a:bodyPr/>
+                    <a:lstStyle/>
+                    <a:p>
+                      <a:pPr algn="ctr"/>
+                      <a:r>
+                        <a:rPr lang="en-US" dirty="0" smtClean="0"/>
+                        <a:t>1</a:t>
+                      </a:r>
+                      <a:endParaRPr lang="en-US" dirty="0"/>
+                    </a:p>
+                  </a:txBody>
+                  <a:tcPr/>
+                </a:tc>
+                <a:tc>
+                  <a:txBody>
+                    <a:bodyPr/>
+                    <a:lstStyle/>
+                    <a:p>
+                      <a:pPr algn="ctr"/>
+                      <a:r>
+                        <a:rPr lang="en-US" dirty="0" smtClean="0"/>
+                        <a:t>1</a:t>
+                      </a:r>
+                      <a:endParaRPr lang="en-US" dirty="0"/>
+                    </a:p>
+                  </a:txBody>
+                  <a:tcPr>
+                    <a:lnR w="38100" cap="flat" cmpd="sng" algn="ctr">
+                      <a:solidFill>
+                        <a:schemeClr val="bg1"/>
+                      </a:solidFill>
+                      <a:prstDash val="solid"/>
+                      <a:round/>
+                      <a:headEnd type="none" w="med" len="med"/>
+                      <a:tailEnd type="none" w="med" len="med"/>
+                    </a:lnR>
+                  </a:tcPr>
+                </a:tc>
+                <a:tc>
+                  <a:txBody>
+                    <a:bodyPr/>
+                    <a:lstStyle/>
+                    <a:p>
+                      <a:pPr algn="ctr"/>
+                      <a:r>
+                        <a:rPr lang="en-US" dirty="0" smtClean="0"/>
+                        <a:t>0</a:t>
+                      </a:r>
+                      <a:endParaRPr lang="en-US" dirty="0"/>
+                    </a:p>
+                  </a:txBody>
+                  <a:tcPr>
+                    <a:lnL w="38100" cap="flat" cmpd="sng" algn="ctr">
+                      <a:solidFill>
+                        <a:schemeClr val="bg1"/>
+                      </a:solidFill>
+                      <a:prstDash val="solid"/>
+                      <a:round/>
+                      <a:headEnd type="none" w="med" len="med"/>
+                      <a:tailEnd type="none" w="med" len="med"/>
+                    </a:lnL>
+                  </a:tcPr>
+                </a:tc>
+                <a:tc>
+                  <a:txBody>
+                    <a:bodyPr/>
+                    <a:lstStyle/>
+                    <a:p>
+                      <a:pPr algn="ctr"/>
+                      <a:r>
+                        <a:rPr lang="en-US" dirty="0" smtClean="0"/>
+                        <a:t>0</a:t>
+                      </a:r>
+                      <a:endParaRPr lang="en-US" dirty="0"/>
+                    </a:p>
+                  </a:txBody>
+                  <a:tcPr/>
+                </a:tc>
+                <a:tc>
+                  <a:txBody>
+                    <a:bodyPr/>
+                    <a:lstStyle/>
+                    <a:p>
+                      <a:pPr algn="ctr"/>
+                      <a:r>
+                        <a:rPr lang="en-US" dirty="0" smtClean="0"/>
+                        <a:t>1</a:t>
+                      </a:r>
+                      <a:endParaRPr lang="en-US" dirty="0"/>
+                    </a:p>
+                  </a:txBody>
+                  <a:tcPr/>
+                </a:tc>
+                <a:tc>
+                  <a:txBody>
+                    <a:bodyPr/>
+                    <a:lstStyle/>
+                    <a:p>
+                      <a:pPr algn="ctr"/>
+                      <a:r>
+                        <a:rPr lang="en-US" dirty="0" smtClean="0"/>
+                        <a:t>1</a:t>
+                      </a:r>
+                      <a:endParaRPr lang="en-US" dirty="0"/>
+                    </a:p>
+                  </a:txBody>
+                  <a:tcPr/>
+                </a:tc>
+              </a:tr>
+              <a:tr h="370840">
+                <a:tc>
+                  <a:txBody>
+                    <a:bodyPr/>
+                    <a:lstStyle/>
+                    <a:p>
+                      <a:pPr algn="ctr"/>
+                      <a:r>
+                        <a:rPr lang="bg-BG" dirty="0" smtClean="0"/>
+                        <a:t>Операнд2</a:t>
+                      </a:r>
+                      <a:endParaRPr lang="en-US" dirty="0"/>
+                    </a:p>
+                  </a:txBody>
+                  <a:tcPr>
+                    <a:lnR w="38100" cap="flat" cmpd="sng" algn="ctr">
+                      <a:solidFill>
+                        <a:schemeClr val="bg1"/>
+                      </a:solidFill>
+                      <a:prstDash val="solid"/>
+                      <a:round/>
+                      <a:headEnd type="none" w="med" len="med"/>
+                      <a:tailEnd type="none" w="med" len="med"/>
+                    </a:lnR>
+                    <a:lnB w="38100" cap="flat" cmpd="sng" algn="ctr">
+                      <a:solidFill>
+                        <a:schemeClr val="bg1"/>
+                      </a:solidFill>
+                      <a:prstDash val="solid"/>
+                      <a:round/>
+                      <a:headEnd type="none" w="med" len="med"/>
+                      <a:tailEnd type="none" w="med" len="med"/>
+                    </a:lnB>
+                  </a:tcPr>
+                </a:tc>
+                <a:tc>
+                  <a:txBody>
+                    <a:bodyPr/>
+                    <a:lstStyle/>
+                    <a:p>
+                      <a:pPr algn="ctr"/>
+                      <a:r>
+                        <a:rPr lang="en-US" dirty="0" smtClean="0"/>
+                        <a:t>0</a:t>
+                      </a:r>
+                      <a:endParaRPr lang="en-US" dirty="0"/>
+                    </a:p>
+                  </a:txBody>
+                  <a:tcPr>
+                    <a:lnL w="38100" cap="flat" cmpd="sng" algn="ctr">
+                      <a:solidFill>
+                        <a:schemeClr val="bg1"/>
+                      </a:solidFill>
+                      <a:prstDash val="solid"/>
+                      <a:round/>
+                      <a:headEnd type="none" w="med" len="med"/>
+                      <a:tailEnd type="none" w="med" len="med"/>
+                    </a:lnL>
+                    <a:lnB w="38100" cap="flat" cmpd="sng" algn="ctr">
+                      <a:solidFill>
+                        <a:schemeClr val="bg1"/>
+                      </a:solidFill>
+                      <a:prstDash val="solid"/>
+                      <a:round/>
+                      <a:headEnd type="none" w="med" len="med"/>
+                      <a:tailEnd type="none" w="med" len="med"/>
+                    </a:lnB>
+                  </a:tcPr>
+                </a:tc>
+                <a:tc>
+                  <a:txBody>
+                    <a:bodyPr/>
+                    <a:lstStyle/>
+                    <a:p>
+                      <a:pPr algn="ctr"/>
+                      <a:r>
+                        <a:rPr lang="en-US" dirty="0" smtClean="0"/>
+                        <a:t>1</a:t>
+                      </a:r>
+                      <a:endParaRPr lang="en-US" dirty="0"/>
+                    </a:p>
+                  </a:txBody>
+                  <a:tcPr>
+                    <a:lnB w="38100" cap="flat" cmpd="sng" algn="ctr">
+                      <a:solidFill>
+                        <a:schemeClr val="bg1"/>
+                      </a:solidFill>
+                      <a:prstDash val="solid"/>
+                      <a:round/>
+                      <a:headEnd type="none" w="med" len="med"/>
+                      <a:tailEnd type="none" w="med" len="med"/>
+                    </a:lnB>
+                  </a:tcPr>
+                </a:tc>
+                <a:tc>
+                  <a:txBody>
+                    <a:bodyPr/>
+                    <a:lstStyle/>
+                    <a:p>
+                      <a:pPr algn="ctr"/>
+                      <a:r>
+                        <a:rPr lang="en-US" dirty="0" smtClean="0"/>
+                        <a:t>0</a:t>
+                      </a:r>
+                      <a:endParaRPr lang="en-US" dirty="0"/>
+                    </a:p>
+                  </a:txBody>
+                  <a:tcPr>
+                    <a:lnB w="38100" cap="flat" cmpd="sng" algn="ctr">
+                      <a:solidFill>
+                        <a:schemeClr val="bg1"/>
+                      </a:solidFill>
+                      <a:prstDash val="solid"/>
+                      <a:round/>
+                      <a:headEnd type="none" w="med" len="med"/>
+                      <a:tailEnd type="none" w="med" len="med"/>
+                    </a:lnB>
+                  </a:tcPr>
+                </a:tc>
+                <a:tc>
+                  <a:txBody>
+                    <a:bodyPr/>
+                    <a:lstStyle/>
+                    <a:p>
+                      <a:pPr algn="ctr"/>
+                      <a:r>
+                        <a:rPr lang="en-US" dirty="0" smtClean="0"/>
+                        <a:t>1</a:t>
+                      </a:r>
+                      <a:endParaRPr lang="en-US" dirty="0"/>
+                    </a:p>
+                  </a:txBody>
+                  <a:tcPr>
+                    <a:lnR w="38100" cap="flat" cmpd="sng" algn="ctr">
+                      <a:solidFill>
+                        <a:schemeClr val="bg1"/>
+                      </a:solidFill>
+                      <a:prstDash val="solid"/>
+                      <a:round/>
+                      <a:headEnd type="none" w="med" len="med"/>
+                      <a:tailEnd type="none" w="med" len="med"/>
+                    </a:lnR>
+                    <a:lnB w="38100" cap="flat" cmpd="sng" algn="ctr">
+                      <a:solidFill>
+                        <a:schemeClr val="bg1"/>
+                      </a:solidFill>
+                      <a:prstDash val="solid"/>
+                      <a:round/>
+                      <a:headEnd type="none" w="med" len="med"/>
+                      <a:tailEnd type="none" w="med" len="med"/>
+                    </a:lnB>
+                  </a:tcPr>
+                </a:tc>
+                <a:tc>
+                  <a:txBody>
+                    <a:bodyPr/>
+                    <a:lstStyle/>
+                    <a:p>
+                      <a:pPr algn="ctr"/>
+                      <a:r>
+                        <a:rPr lang="en-US" dirty="0" smtClean="0"/>
+                        <a:t>0</a:t>
+                      </a:r>
+                      <a:endParaRPr lang="en-US" dirty="0"/>
+                    </a:p>
+                  </a:txBody>
+                  <a:tcPr>
+                    <a:lnL w="38100" cap="flat" cmpd="sng" algn="ctr">
+                      <a:solidFill>
+                        <a:schemeClr val="bg1"/>
+                      </a:solidFill>
+                      <a:prstDash val="solid"/>
+                      <a:round/>
+                      <a:headEnd type="none" w="med" len="med"/>
+                      <a:tailEnd type="none" w="med" len="med"/>
+                    </a:lnL>
+                    <a:lnB w="38100" cap="flat" cmpd="sng" algn="ctr">
+                      <a:solidFill>
+                        <a:schemeClr val="bg1"/>
+                      </a:solidFill>
+                      <a:prstDash val="solid"/>
+                      <a:round/>
+                      <a:headEnd type="none" w="med" len="med"/>
+                      <a:tailEnd type="none" w="med" len="med"/>
+                    </a:lnB>
+                  </a:tcPr>
+                </a:tc>
+                <a:tc>
+                  <a:txBody>
+                    <a:bodyPr/>
+                    <a:lstStyle/>
+                    <a:p>
+                      <a:pPr algn="ctr"/>
+                      <a:r>
+                        <a:rPr lang="en-US" dirty="0" smtClean="0"/>
+                        <a:t>1</a:t>
+                      </a:r>
+                      <a:endParaRPr lang="en-US" dirty="0"/>
+                    </a:p>
+                  </a:txBody>
+                  <a:tcPr>
+                    <a:lnB w="38100" cap="flat" cmpd="sng" algn="ctr">
+                      <a:solidFill>
+                        <a:schemeClr val="bg1"/>
+                      </a:solidFill>
+                      <a:prstDash val="solid"/>
+                      <a:round/>
+                      <a:headEnd type="none" w="med" len="med"/>
+                      <a:tailEnd type="none" w="med" len="med"/>
+                    </a:lnB>
+                  </a:tcPr>
+                </a:tc>
+                <a:tc>
+                  <a:txBody>
+                    <a:bodyPr/>
+                    <a:lstStyle/>
+                    <a:p>
+                      <a:pPr algn="ctr"/>
+                      <a:r>
+                        <a:rPr lang="en-US" dirty="0" smtClean="0"/>
+                        <a:t>0</a:t>
+                      </a:r>
+                      <a:endParaRPr lang="en-US" dirty="0"/>
+                    </a:p>
+                  </a:txBody>
+                  <a:tcPr>
+                    <a:lnB w="38100" cap="flat" cmpd="sng" algn="ctr">
+                      <a:solidFill>
+                        <a:schemeClr val="bg1"/>
+                      </a:solidFill>
+                      <a:prstDash val="solid"/>
+                      <a:round/>
+                      <a:headEnd type="none" w="med" len="med"/>
+                      <a:tailEnd type="none" w="med" len="med"/>
+                    </a:lnB>
+                  </a:tcPr>
+                </a:tc>
+                <a:tc>
+                  <a:txBody>
+                    <a:bodyPr/>
+                    <a:lstStyle/>
+                    <a:p>
+                      <a:pPr algn="ctr"/>
+                      <a:r>
+                        <a:rPr lang="en-US" dirty="0" smtClean="0"/>
+                        <a:t>1</a:t>
+                      </a:r>
+                      <a:endParaRPr lang="en-US" dirty="0"/>
+                    </a:p>
+                  </a:txBody>
+                  <a:tcPr>
+                    <a:lnR w="38100" cap="flat" cmpd="sng" algn="ctr">
+                      <a:solidFill>
+                        <a:schemeClr val="bg1"/>
+                      </a:solidFill>
+                      <a:prstDash val="solid"/>
+                      <a:round/>
+                      <a:headEnd type="none" w="med" len="med"/>
+                      <a:tailEnd type="none" w="med" len="med"/>
+                    </a:lnR>
+                    <a:lnB w="38100" cap="flat" cmpd="sng" algn="ctr">
+                      <a:solidFill>
+                        <a:schemeClr val="bg1"/>
+                      </a:solidFill>
+                      <a:prstDash val="solid"/>
+                      <a:round/>
+                      <a:headEnd type="none" w="med" len="med"/>
+                      <a:tailEnd type="none" w="med" len="med"/>
+                    </a:lnB>
+                  </a:tcPr>
+                </a:tc>
+                <a:tc>
+                  <a:txBody>
+                    <a:bodyPr/>
+                    <a:lstStyle/>
+                    <a:p>
+                      <a:pPr algn="ctr"/>
+                      <a:r>
+                        <a:rPr lang="en-US" dirty="0" smtClean="0"/>
+                        <a:t>0</a:t>
+                      </a:r>
+                      <a:endParaRPr lang="en-US" dirty="0"/>
+                    </a:p>
+                  </a:txBody>
+                  <a:tcPr>
+                    <a:lnL w="38100" cap="flat" cmpd="sng" algn="ctr">
+                      <a:solidFill>
+                        <a:schemeClr val="bg1"/>
+                      </a:solidFill>
+                      <a:prstDash val="solid"/>
+                      <a:round/>
+                      <a:headEnd type="none" w="med" len="med"/>
+                      <a:tailEnd type="none" w="med" len="med"/>
+                    </a:lnL>
+                    <a:lnB w="38100" cap="flat" cmpd="sng" algn="ctr">
+                      <a:solidFill>
+                        <a:schemeClr val="bg1"/>
+                      </a:solidFill>
+                      <a:prstDash val="solid"/>
+                      <a:round/>
+                      <a:headEnd type="none" w="med" len="med"/>
+                      <a:tailEnd type="none" w="med" len="med"/>
+                    </a:lnB>
+                  </a:tcPr>
+                </a:tc>
+                <a:tc>
+                  <a:txBody>
+                    <a:bodyPr/>
+                    <a:lstStyle/>
+                    <a:p>
+                      <a:pPr algn="ctr"/>
+                      <a:r>
+                        <a:rPr lang="en-US" dirty="0" smtClean="0"/>
+                        <a:t>1</a:t>
+                      </a:r>
+                      <a:endParaRPr lang="en-US" dirty="0"/>
+                    </a:p>
+                  </a:txBody>
+                  <a:tcPr>
+                    <a:lnB w="38100" cap="flat" cmpd="sng" algn="ctr">
+                      <a:solidFill>
+                        <a:schemeClr val="bg1"/>
+                      </a:solidFill>
+                      <a:prstDash val="solid"/>
+                      <a:round/>
+                      <a:headEnd type="none" w="med" len="med"/>
+                      <a:tailEnd type="none" w="med" len="med"/>
+                    </a:lnB>
+                  </a:tcPr>
+                </a:tc>
+                <a:tc>
+                  <a:txBody>
+                    <a:bodyPr/>
+                    <a:lstStyle/>
+                    <a:p>
+                      <a:pPr algn="ctr"/>
+                      <a:r>
+                        <a:rPr lang="en-US" dirty="0" smtClean="0"/>
+                        <a:t>0</a:t>
+                      </a:r>
+                      <a:endParaRPr lang="en-US" dirty="0"/>
+                    </a:p>
+                  </a:txBody>
+                  <a:tcPr>
+                    <a:lnB w="38100" cap="flat" cmpd="sng" algn="ctr">
+                      <a:solidFill>
+                        <a:schemeClr val="bg1"/>
+                      </a:solidFill>
+                      <a:prstDash val="solid"/>
+                      <a:round/>
+                      <a:headEnd type="none" w="med" len="med"/>
+                      <a:tailEnd type="none" w="med" len="med"/>
+                    </a:lnB>
+                  </a:tcPr>
+                </a:tc>
+                <a:tc>
+                  <a:txBody>
+                    <a:bodyPr/>
+                    <a:lstStyle/>
+                    <a:p>
+                      <a:pPr algn="ctr"/>
+                      <a:r>
+                        <a:rPr lang="en-US" dirty="0" smtClean="0"/>
+                        <a:t>1</a:t>
+                      </a:r>
+                      <a:endParaRPr lang="en-US" dirty="0"/>
+                    </a:p>
+                  </a:txBody>
+                  <a:tcPr>
+                    <a:lnB w="38100" cap="flat" cmpd="sng" algn="ctr">
+                      <a:solidFill>
+                        <a:schemeClr val="bg1"/>
+                      </a:solidFill>
+                      <a:prstDash val="solid"/>
+                      <a:round/>
+                      <a:headEnd type="none" w="med" len="med"/>
+                      <a:tailEnd type="none" w="med" len="med"/>
+                    </a:lnB>
+                  </a:tcPr>
+                </a:tc>
+              </a:tr>
+              <a:tr h="370840">
+                <a:tc>
+                  <a:txBody>
+                    <a:bodyPr/>
+                    <a:lstStyle/>
+                    <a:p>
+                      <a:pPr algn="ctr"/>
+                      <a:r>
+                        <a:rPr lang="bg-BG" dirty="0" smtClean="0"/>
+                        <a:t>Резултат</a:t>
+                      </a:r>
+                      <a:endParaRPr lang="en-US" dirty="0"/>
+                    </a:p>
+                  </a:txBody>
+                  <a:tcPr>
+                    <a:lnR w="38100" cap="flat" cmpd="sng" algn="ctr">
+                      <a:solidFill>
+                        <a:schemeClr val="bg1"/>
+                      </a:solidFill>
+                      <a:prstDash val="solid"/>
+                      <a:round/>
+                      <a:headEnd type="none" w="med" len="med"/>
+                      <a:tailEnd type="none" w="med" len="med"/>
+                    </a:lnR>
+                    <a:lnT w="38100" cap="flat" cmpd="sng" algn="ctr">
+                      <a:solidFill>
+                        <a:schemeClr val="bg1"/>
+                      </a:solidFill>
+                      <a:prstDash val="solid"/>
+                      <a:round/>
+                      <a:headEnd type="none" w="med" len="med"/>
+                      <a:tailEnd type="none" w="med" len="med"/>
+                    </a:lnT>
+                  </a:tcPr>
+                </a:tc>
+                <a:tc>
+                  <a:txBody>
+                    <a:bodyPr/>
+                    <a:lstStyle/>
+                    <a:p>
+                      <a:pPr algn="ctr"/>
+                      <a:r>
+                        <a:rPr lang="en-US" b="1" dirty="0" smtClean="0"/>
+                        <a:t>0</a:t>
+                      </a:r>
+                      <a:endParaRPr lang="en-US" b="1" dirty="0"/>
+                    </a:p>
+                  </a:txBody>
+                  <a:tcPr>
+                    <a:lnL w="38100" cap="flat" cmpd="sng" algn="ctr">
+                      <a:solidFill>
+                        <a:schemeClr val="bg1"/>
+                      </a:solidFill>
+                      <a:prstDash val="solid"/>
+                      <a:round/>
+                      <a:headEnd type="none" w="med" len="med"/>
+                      <a:tailEnd type="none" w="med" len="med"/>
+                    </a:lnL>
+                    <a:lnT w="38100" cap="flat" cmpd="sng" algn="ctr">
+                      <a:solidFill>
+                        <a:schemeClr val="bg1"/>
+                      </a:solidFill>
+                      <a:prstDash val="solid"/>
+                      <a:round/>
+                      <a:headEnd type="none" w="med" len="med"/>
+                      <a:tailEnd type="none" w="med" len="med"/>
+                    </a:lnT>
+                  </a:tcPr>
+                </a:tc>
+                <a:tc>
+                  <a:txBody>
+                    <a:bodyPr/>
+                    <a:lstStyle/>
+                    <a:p>
+                      <a:pPr algn="ctr"/>
+                      <a:r>
+                        <a:rPr lang="en-US" b="1" dirty="0" smtClean="0"/>
+                        <a:t>1</a:t>
+                      </a:r>
+                      <a:endParaRPr lang="en-US" b="1" dirty="0"/>
+                    </a:p>
+                  </a:txBody>
+                  <a:tcPr>
+                    <a:lnT w="38100" cap="flat" cmpd="sng" algn="ctr">
+                      <a:solidFill>
+                        <a:schemeClr val="bg1"/>
+                      </a:solidFill>
+                      <a:prstDash val="solid"/>
+                      <a:round/>
+                      <a:headEnd type="none" w="med" len="med"/>
+                      <a:tailEnd type="none" w="med" len="med"/>
+                    </a:lnT>
+                  </a:tcPr>
+                </a:tc>
+                <a:tc>
+                  <a:txBody>
+                    <a:bodyPr/>
+                    <a:lstStyle/>
+                    <a:p>
+                      <a:pPr algn="ctr"/>
+                      <a:r>
+                        <a:rPr lang="en-US" b="1" dirty="0" smtClean="0"/>
+                        <a:t>1</a:t>
+                      </a:r>
+                      <a:endParaRPr lang="en-US" b="1" dirty="0"/>
+                    </a:p>
+                  </a:txBody>
+                  <a:tcPr>
+                    <a:lnT w="38100" cap="flat" cmpd="sng" algn="ctr">
+                      <a:solidFill>
+                        <a:schemeClr val="bg1"/>
+                      </a:solidFill>
+                      <a:prstDash val="solid"/>
+                      <a:round/>
+                      <a:headEnd type="none" w="med" len="med"/>
+                      <a:tailEnd type="none" w="med" len="med"/>
+                    </a:lnT>
+                  </a:tcPr>
+                </a:tc>
+                <a:tc>
+                  <a:txBody>
+                    <a:bodyPr/>
+                    <a:lstStyle/>
+                    <a:p>
+                      <a:pPr algn="ctr"/>
+                      <a:r>
+                        <a:rPr lang="en-US" b="1" dirty="0" smtClean="0"/>
+                        <a:t>1</a:t>
+                      </a:r>
+                      <a:endParaRPr lang="en-US" b="1" dirty="0"/>
+                    </a:p>
+                  </a:txBody>
+                  <a:tcPr>
+                    <a:lnR w="38100" cap="flat" cmpd="sng" algn="ctr">
+                      <a:solidFill>
+                        <a:schemeClr val="bg1"/>
+                      </a:solidFill>
+                      <a:prstDash val="solid"/>
+                      <a:round/>
+                      <a:headEnd type="none" w="med" len="med"/>
+                      <a:tailEnd type="none" w="med" len="med"/>
+                    </a:lnR>
+                    <a:lnT w="38100" cap="flat" cmpd="sng" algn="ctr">
+                      <a:solidFill>
+                        <a:schemeClr val="bg1"/>
+                      </a:solidFill>
+                      <a:prstDash val="solid"/>
+                      <a:round/>
+                      <a:headEnd type="none" w="med" len="med"/>
+                      <a:tailEnd type="none" w="med" len="med"/>
+                    </a:lnT>
+                  </a:tcPr>
+                </a:tc>
+                <a:tc>
+                  <a:txBody>
+                    <a:bodyPr/>
+                    <a:lstStyle/>
+                    <a:p>
+                      <a:pPr algn="ctr"/>
+                      <a:r>
+                        <a:rPr lang="en-US" b="1" dirty="0" smtClean="0"/>
+                        <a:t>0</a:t>
+                      </a:r>
+                      <a:endParaRPr lang="en-US" b="1" dirty="0"/>
+                    </a:p>
+                  </a:txBody>
+                  <a:tcPr>
+                    <a:lnL w="38100" cap="flat" cmpd="sng" algn="ctr">
+                      <a:solidFill>
+                        <a:schemeClr val="bg1"/>
+                      </a:solidFill>
+                      <a:prstDash val="solid"/>
+                      <a:round/>
+                      <a:headEnd type="none" w="med" len="med"/>
+                      <a:tailEnd type="none" w="med" len="med"/>
+                    </a:lnL>
+                    <a:lnT w="38100" cap="flat" cmpd="sng" algn="ctr">
+                      <a:solidFill>
+                        <a:schemeClr val="bg1"/>
+                      </a:solidFill>
+                      <a:prstDash val="solid"/>
+                      <a:round/>
+                      <a:headEnd type="none" w="med" len="med"/>
+                      <a:tailEnd type="none" w="med" len="med"/>
+                    </a:lnT>
+                  </a:tcPr>
+                </a:tc>
+                <a:tc>
+                  <a:txBody>
+                    <a:bodyPr/>
+                    <a:lstStyle/>
+                    <a:p>
+                      <a:pPr algn="ctr"/>
+                      <a:r>
+                        <a:rPr lang="en-US" b="1" dirty="0" smtClean="0"/>
+                        <a:t>0</a:t>
+                      </a:r>
+                      <a:endParaRPr lang="en-US" b="1" dirty="0"/>
+                    </a:p>
+                  </a:txBody>
+                  <a:tcPr>
+                    <a:lnT w="38100" cap="flat" cmpd="sng" algn="ctr">
+                      <a:solidFill>
+                        <a:schemeClr val="bg1"/>
+                      </a:solidFill>
+                      <a:prstDash val="solid"/>
+                      <a:round/>
+                      <a:headEnd type="none" w="med" len="med"/>
+                      <a:tailEnd type="none" w="med" len="med"/>
+                    </a:lnT>
+                  </a:tcPr>
+                </a:tc>
+                <a:tc>
+                  <a:txBody>
+                    <a:bodyPr/>
+                    <a:lstStyle/>
+                    <a:p>
+                      <a:pPr algn="ctr"/>
+                      <a:r>
+                        <a:rPr lang="en-US" b="1" dirty="0" smtClean="0"/>
+                        <a:t>0</a:t>
+                      </a:r>
+                      <a:endParaRPr lang="en-US" b="1" dirty="0"/>
+                    </a:p>
+                  </a:txBody>
+                  <a:tcPr>
+                    <a:lnT w="38100" cap="flat" cmpd="sng" algn="ctr">
+                      <a:solidFill>
+                        <a:schemeClr val="bg1"/>
+                      </a:solidFill>
+                      <a:prstDash val="solid"/>
+                      <a:round/>
+                      <a:headEnd type="none" w="med" len="med"/>
+                      <a:tailEnd type="none" w="med" len="med"/>
+                    </a:lnT>
+                  </a:tcPr>
+                </a:tc>
+                <a:tc>
+                  <a:txBody>
+                    <a:bodyPr/>
+                    <a:lstStyle/>
+                    <a:p>
+                      <a:pPr algn="ctr"/>
+                      <a:r>
+                        <a:rPr lang="en-US" b="1" dirty="0" smtClean="0"/>
+                        <a:t>1</a:t>
+                      </a:r>
+                      <a:endParaRPr lang="en-US" b="1" dirty="0"/>
+                    </a:p>
+                  </a:txBody>
+                  <a:tcPr>
+                    <a:lnR w="38100" cap="flat" cmpd="sng" algn="ctr">
+                      <a:solidFill>
+                        <a:schemeClr val="bg1"/>
+                      </a:solidFill>
+                      <a:prstDash val="solid"/>
+                      <a:round/>
+                      <a:headEnd type="none" w="med" len="med"/>
+                      <a:tailEnd type="none" w="med" len="med"/>
+                    </a:lnR>
+                    <a:lnT w="38100" cap="flat" cmpd="sng" algn="ctr">
+                      <a:solidFill>
+                        <a:schemeClr val="bg1"/>
+                      </a:solidFill>
+                      <a:prstDash val="solid"/>
+                      <a:round/>
+                      <a:headEnd type="none" w="med" len="med"/>
+                      <a:tailEnd type="none" w="med" len="med"/>
+                    </a:lnT>
+                  </a:tcPr>
+                </a:tc>
+                <a:tc>
+                  <a:txBody>
+                    <a:bodyPr/>
+                    <a:lstStyle/>
+                    <a:p>
+                      <a:pPr algn="ctr"/>
+                      <a:r>
+                        <a:rPr lang="en-US" b="1" dirty="0" smtClean="0"/>
+                        <a:t>0</a:t>
+                      </a:r>
+                      <a:endParaRPr lang="en-US" b="1" dirty="0"/>
+                    </a:p>
+                  </a:txBody>
+                  <a:tcPr>
+                    <a:lnL w="38100" cap="flat" cmpd="sng" algn="ctr">
+                      <a:solidFill>
+                        <a:schemeClr val="bg1"/>
+                      </a:solidFill>
+                      <a:prstDash val="solid"/>
+                      <a:round/>
+                      <a:headEnd type="none" w="med" len="med"/>
+                      <a:tailEnd type="none" w="med" len="med"/>
+                    </a:lnL>
+                    <a:lnT w="38100" cap="flat" cmpd="sng" algn="ctr">
+                      <a:solidFill>
+                        <a:schemeClr val="bg1"/>
+                      </a:solidFill>
+                      <a:prstDash val="solid"/>
+                      <a:round/>
+                      <a:headEnd type="none" w="med" len="med"/>
+                      <a:tailEnd type="none" w="med" len="med"/>
+                    </a:lnT>
+                  </a:tcPr>
+                </a:tc>
+                <a:tc>
+                  <a:txBody>
+                    <a:bodyPr/>
+                    <a:lstStyle/>
+                    <a:p>
+                      <a:pPr algn="ctr"/>
+                      <a:r>
+                        <a:rPr lang="en-US" b="1" dirty="0" smtClean="0"/>
+                        <a:t>1</a:t>
+                      </a:r>
+                      <a:endParaRPr lang="en-US" b="1" dirty="0"/>
+                    </a:p>
+                  </a:txBody>
+                  <a:tcPr>
+                    <a:lnT w="38100" cap="flat" cmpd="sng" algn="ctr">
+                      <a:solidFill>
+                        <a:schemeClr val="bg1"/>
+                      </a:solidFill>
+                      <a:prstDash val="solid"/>
+                      <a:round/>
+                      <a:headEnd type="none" w="med" len="med"/>
+                      <a:tailEnd type="none" w="med" len="med"/>
+                    </a:lnT>
+                  </a:tcPr>
+                </a:tc>
+                <a:tc>
+                  <a:txBody>
+                    <a:bodyPr/>
+                    <a:lstStyle/>
+                    <a:p>
+                      <a:pPr algn="ctr"/>
+                      <a:r>
+                        <a:rPr lang="en-US" b="1" dirty="0" smtClean="0"/>
+                        <a:t>1</a:t>
+                      </a:r>
+                      <a:endParaRPr lang="en-US" b="1" dirty="0"/>
+                    </a:p>
+                  </a:txBody>
+                  <a:tcPr>
+                    <a:lnT w="38100" cap="flat" cmpd="sng" algn="ctr">
+                      <a:solidFill>
+                        <a:schemeClr val="bg1"/>
+                      </a:solidFill>
+                      <a:prstDash val="solid"/>
+                      <a:round/>
+                      <a:headEnd type="none" w="med" len="med"/>
+                      <a:tailEnd type="none" w="med" len="med"/>
+                    </a:lnT>
+                  </a:tcPr>
+                </a:tc>
+                <a:tc>
+                  <a:txBody>
+                    <a:bodyPr/>
+                    <a:lstStyle/>
+                    <a:p>
+                      <a:pPr algn="ctr"/>
+                      <a:r>
+                        <a:rPr lang="en-US" b="1" dirty="0" smtClean="0"/>
+                        <a:t>0</a:t>
+                      </a:r>
+                      <a:endParaRPr lang="en-US" b="1" dirty="0"/>
+                    </a:p>
+                  </a:txBody>
+                  <a:tcPr>
+                    <a:lnT w="38100" cap="flat" cmpd="sng" algn="ctr">
+                      <a:solidFill>
+                        <a:schemeClr val="bg1"/>
+                      </a:solidFill>
+                      <a:prstDash val="solid"/>
+                      <a:round/>
+                      <a:headEnd type="none" w="med" len="med"/>
+                      <a:tailEnd type="none" w="med" len="med"/>
+                    </a:lnT>
+                  </a:tcPr>
+                </a:tc>
+              </a:tr>
+            </a:tbl>
+          </a:graphicData>
+        </a:graphic>
+      </p:graphicFrame>
+    </p:spTree>
+    <p:extLst>
+      <p:ext uri="{BB962C8B-B14F-4D97-AF65-F5344CB8AC3E}">
+        <p14:creationId xmlns:p14="http://schemas.microsoft.com/office/powerpoint/2010/main" val="672433947"/>
+      </p:ext>
+    </p:extLst>
+  </p:cSld>
+  <p:clrMapOvr>
+    <a:masterClrMapping/>
+  </p:clrMapOvr>
+</p:sld>
+</file>
+
+<file path=ppt/slides/slide39.xml><?xml version="1.0" encoding="utf-8"?>
+<p:sld xmlns:a="http://schemas.openxmlformats.org/drawingml/2006/main" xmlns:r="http://schemas.openxmlformats.org/officeDocument/2006/relationships" xmlns:p="http://schemas.openxmlformats.org/presentationml/2006/main">
+  <p:cSld>
+    <p:spTree>
+      <p:nvGrpSpPr>
+        <p:cNvPr id="1" name=""/>
+        <p:cNvGrpSpPr/>
+        <p:nvPr/>
+      </p:nvGrpSpPr>
+      <p:grpSpPr>
+        <a:xfrm>
+          <a:off x="0" y="0"/>
+          <a:ext cx="0" cy="0"/>
+          <a:chOff x="0" y="0"/>
+          <a:chExt cx="0" cy="0"/>
+        </a:xfrm>
+      </p:grpSpPr>
+      <p:sp>
+        <p:nvSpPr>
+          <p:cNvPr id="2" name="Title 1"/>
+          <p:cNvSpPr>
+            <a:spLocks noGrp="1"/>
+          </p:cNvSpPr>
+          <p:nvPr>
+            <p:ph type="title"/>
+          </p:nvPr>
+        </p:nvSpPr>
+        <p:spPr/>
+        <p:txBody>
+          <a:bodyPr/>
+          <a:lstStyle/>
+          <a:p>
+            <a:r>
+              <a:rPr lang="bg-BG" dirty="0" smtClean="0"/>
+              <a:t>Побитови оператори (</a:t>
+            </a:r>
+            <a:r>
+              <a:rPr lang="en-US" dirty="0" smtClean="0"/>
+              <a:t>bitwise)</a:t>
+            </a:r>
+            <a:endParaRPr lang="en-US" dirty="0"/>
+          </a:p>
+        </p:txBody>
+      </p:sp>
+      <p:sp>
+        <p:nvSpPr>
+          <p:cNvPr id="3" name="Content Placeholder 2"/>
+          <p:cNvSpPr>
+            <a:spLocks noGrp="1"/>
+          </p:cNvSpPr>
+          <p:nvPr>
+            <p:ph idx="1"/>
+          </p:nvPr>
+        </p:nvSpPr>
+        <p:spPr>
+          <a:xfrm>
+            <a:off x="1484310" y="2219417"/>
+            <a:ext cx="10018713" cy="2352583"/>
+          </a:xfrm>
+        </p:spPr>
+        <p:txBody>
+          <a:bodyPr/>
+          <a:lstStyle/>
+          <a:p>
+            <a:r>
+              <a:rPr lang="bg-BG" dirty="0" smtClean="0"/>
+              <a:t>Побитовите оператори превръщат всичко в </a:t>
+            </a:r>
+            <a:r>
+              <a:rPr lang="en-US" i="1" dirty="0" smtClean="0">
+                <a:solidFill>
+                  <a:schemeClr val="accent6">
+                    <a:lumMod val="75000"/>
+                  </a:schemeClr>
+                </a:solidFill>
+              </a:rPr>
+              <a:t>0</a:t>
+            </a:r>
+            <a:r>
+              <a:rPr lang="en-US" dirty="0" smtClean="0"/>
+              <a:t> </a:t>
+            </a:r>
+            <a:r>
+              <a:rPr lang="bg-BG" dirty="0" smtClean="0"/>
+              <a:t>и </a:t>
+            </a:r>
+            <a:r>
+              <a:rPr lang="bg-BG" i="1" dirty="0" smtClean="0">
+                <a:solidFill>
+                  <a:schemeClr val="accent6">
+                    <a:lumMod val="75000"/>
+                  </a:schemeClr>
+                </a:solidFill>
+              </a:rPr>
+              <a:t>1</a:t>
+            </a:r>
+            <a:r>
+              <a:rPr lang="en-US" dirty="0" smtClean="0"/>
+              <a:t> (</a:t>
+            </a:r>
+            <a:r>
+              <a:rPr lang="bg-BG" dirty="0" smtClean="0"/>
+              <a:t>битове)</a:t>
+            </a:r>
+            <a:r>
+              <a:rPr lang="en-US" dirty="0" smtClean="0"/>
+              <a:t>. </a:t>
+            </a:r>
+            <a:r>
+              <a:rPr lang="bg-BG" dirty="0" smtClean="0"/>
+              <a:t>Поведението им е като на логическите оператори, но работят на ниско ниво с битове</a:t>
+            </a:r>
+          </a:p>
+          <a:p>
+            <a:r>
+              <a:rPr lang="bg-BG" dirty="0" smtClean="0"/>
+              <a:t>Може да се използват операторите </a:t>
+            </a:r>
+            <a:r>
+              <a:rPr lang="bg-BG" i="1" dirty="0" smtClean="0">
+                <a:solidFill>
+                  <a:schemeClr val="accent6">
+                    <a:lumMod val="75000"/>
+                  </a:schemeClr>
+                </a:solidFill>
+              </a:rPr>
+              <a:t>&lt;&lt;</a:t>
+            </a:r>
+            <a:r>
+              <a:rPr lang="bg-BG" dirty="0" smtClean="0"/>
+              <a:t> и </a:t>
+            </a:r>
+            <a:r>
+              <a:rPr lang="bg-BG" i="1" dirty="0" smtClean="0">
+                <a:solidFill>
+                  <a:schemeClr val="accent6">
+                    <a:lumMod val="75000"/>
+                  </a:schemeClr>
+                </a:solidFill>
+              </a:rPr>
+              <a:t>&gt;&gt;</a:t>
+            </a:r>
+            <a:r>
+              <a:rPr lang="bg-BG" dirty="0" smtClean="0"/>
+              <a:t>, за да се отметстват битове, респ. наляво или надясно</a:t>
+            </a:r>
+            <a:endParaRPr lang="en-US" dirty="0"/>
+          </a:p>
+        </p:txBody>
+      </p:sp>
+      <p:graphicFrame>
+        <p:nvGraphicFramePr>
+          <p:cNvPr id="4" name="Content Placeholder 3"/>
+          <p:cNvGraphicFramePr>
+            <a:graphicFrameLocks/>
+          </p:cNvGraphicFramePr>
+          <p:nvPr>
+            <p:extLst>
+              <p:ext uri="{D42A27DB-BD31-4B8C-83A1-F6EECF244321}">
+                <p14:modId xmlns:p14="http://schemas.microsoft.com/office/powerpoint/2010/main" val="2474961136"/>
+              </p:ext>
+            </p:extLst>
+          </p:nvPr>
+        </p:nvGraphicFramePr>
+        <p:xfrm>
+          <a:off x="3391310" y="4572000"/>
+          <a:ext cx="5569712" cy="1603527"/>
+        </p:xfrm>
+        <a:graphic>
+          <a:graphicData uri="http://schemas.openxmlformats.org/drawingml/2006/table">
+            <a:tbl>
+              <a:tblPr firstRow="1" bandRow="1">
+                <a:tableStyleId>{5C22544A-7EE6-4342-B048-85BDC9FD1C3A}</a:tableStyleId>
+              </a:tblPr>
+              <a:tblGrid>
+                <a:gridCol w="1254252"/>
+                <a:gridCol w="338455"/>
+                <a:gridCol w="338455"/>
+                <a:gridCol w="338455"/>
+                <a:gridCol w="338455"/>
+                <a:gridCol w="389255"/>
+                <a:gridCol w="389255"/>
+                <a:gridCol w="389255"/>
+                <a:gridCol w="389255"/>
+                <a:gridCol w="351155"/>
+                <a:gridCol w="351155"/>
+                <a:gridCol w="351155"/>
+                <a:gridCol w="351155"/>
+              </a:tblGrid>
+              <a:tr h="491007">
+                <a:tc>
+                  <a:txBody>
+                    <a:bodyPr/>
+                    <a:lstStyle/>
+                    <a:p>
+                      <a:pPr algn="ctr"/>
+                      <a:r>
+                        <a:rPr lang="bg-BG" dirty="0" smtClean="0"/>
+                        <a:t>Операция</a:t>
+                      </a:r>
+                      <a:endParaRPr lang="en-US" dirty="0"/>
+                    </a:p>
+                  </a:txBody>
+                  <a:tcPr>
+                    <a:lnR w="38100" cap="flat" cmpd="sng" algn="ctr">
+                      <a:solidFill>
+                        <a:schemeClr val="bg1"/>
+                      </a:solidFill>
+                      <a:prstDash val="solid"/>
+                      <a:round/>
+                      <a:headEnd type="none" w="med" len="med"/>
+                      <a:tailEnd type="none" w="med" len="med"/>
+                    </a:lnR>
+                  </a:tcPr>
+                </a:tc>
+                <a:tc>
+                  <a:txBody>
+                    <a:bodyPr/>
+                    <a:lstStyle/>
+                    <a:p>
+                      <a:pPr algn="ctr"/>
+                      <a:r>
+                        <a:rPr lang="en-US" dirty="0" smtClean="0"/>
+                        <a:t>|</a:t>
+                      </a:r>
+                      <a:endParaRPr lang="en-US" dirty="0"/>
+                    </a:p>
+                  </a:txBody>
+                  <a:tcPr>
+                    <a:lnL w="38100" cap="flat" cmpd="sng" algn="ctr">
+                      <a:solidFill>
+                        <a:schemeClr val="bg1"/>
+                      </a:solidFill>
+                      <a:prstDash val="solid"/>
+                      <a:round/>
+                      <a:headEnd type="none" w="med" len="med"/>
+                      <a:tailEnd type="none" w="med" len="med"/>
+                    </a:lnL>
+                  </a:tcPr>
+                </a:tc>
+                <a:tc>
+                  <a:txBody>
+                    <a:bodyPr/>
+                    <a:lstStyle/>
+                    <a:p>
+                      <a:pPr marL="0" marR="0" indent="0" algn="ctr" defTabSz="457200" rtl="0" eaLnBrk="1" fontAlgn="auto" latinLnBrk="0" hangingPunct="1">
+                        <a:lnSpc>
+                          <a:spcPct val="100000"/>
+                        </a:lnSpc>
+                        <a:spcBef>
+                          <a:spcPts val="0"/>
+                        </a:spcBef>
+                        <a:spcAft>
+                          <a:spcPts val="0"/>
+                        </a:spcAft>
+                        <a:buClrTx/>
+                        <a:buSzTx/>
+                        <a:buFontTx/>
+                        <a:buNone/>
+                        <a:tabLst/>
+                        <a:defRPr/>
+                      </a:pPr>
+                      <a:r>
+                        <a:rPr lang="en-US" dirty="0" smtClean="0"/>
+                        <a:t>|</a:t>
+                      </a:r>
+                    </a:p>
+                  </a:txBody>
+                  <a:tcPr/>
+                </a:tc>
+                <a:tc>
+                  <a:txBody>
+                    <a:bodyPr/>
+                    <a:lstStyle/>
+                    <a:p>
+                      <a:pPr marL="0" marR="0" indent="0" algn="ctr" defTabSz="457200" rtl="0" eaLnBrk="1" fontAlgn="auto" latinLnBrk="0" hangingPunct="1">
+                        <a:lnSpc>
+                          <a:spcPct val="100000"/>
+                        </a:lnSpc>
+                        <a:spcBef>
+                          <a:spcPts val="0"/>
+                        </a:spcBef>
+                        <a:spcAft>
+                          <a:spcPts val="0"/>
+                        </a:spcAft>
+                        <a:buClrTx/>
+                        <a:buSzTx/>
+                        <a:buFontTx/>
+                        <a:buNone/>
+                        <a:tabLst/>
+                        <a:defRPr/>
+                      </a:pPr>
+                      <a:r>
+                        <a:rPr lang="en-US" dirty="0" smtClean="0"/>
+                        <a:t>|</a:t>
+                      </a:r>
+                    </a:p>
+                  </a:txBody>
+                  <a:tcPr/>
+                </a:tc>
+                <a:tc>
+                  <a:txBody>
+                    <a:bodyPr/>
+                    <a:lstStyle/>
+                    <a:p>
+                      <a:pPr marL="0" marR="0" indent="0" algn="ctr" defTabSz="457200" rtl="0" eaLnBrk="1" fontAlgn="auto" latinLnBrk="0" hangingPunct="1">
+                        <a:lnSpc>
+                          <a:spcPct val="100000"/>
+                        </a:lnSpc>
+                        <a:spcBef>
+                          <a:spcPts val="0"/>
+                        </a:spcBef>
+                        <a:spcAft>
+                          <a:spcPts val="0"/>
+                        </a:spcAft>
+                        <a:buClrTx/>
+                        <a:buSzTx/>
+                        <a:buFontTx/>
+                        <a:buNone/>
+                        <a:tabLst/>
+                        <a:defRPr/>
+                      </a:pPr>
+                      <a:r>
+                        <a:rPr lang="en-US" dirty="0" smtClean="0"/>
+                        <a:t>|</a:t>
+                      </a:r>
+                    </a:p>
+                  </a:txBody>
+                  <a:tcPr>
+                    <a:lnR w="38100" cap="flat" cmpd="sng" algn="ctr">
+                      <a:solidFill>
+                        <a:schemeClr val="bg1"/>
+                      </a:solidFill>
+                      <a:prstDash val="solid"/>
+                      <a:round/>
+                      <a:headEnd type="none" w="med" len="med"/>
+                      <a:tailEnd type="none" w="med" len="med"/>
+                    </a:lnR>
+                  </a:tcPr>
+                </a:tc>
+                <a:tc>
+                  <a:txBody>
+                    <a:bodyPr/>
+                    <a:lstStyle/>
+                    <a:p>
+                      <a:pPr algn="ctr"/>
+                      <a:r>
+                        <a:rPr lang="en-US" dirty="0" smtClean="0"/>
+                        <a:t>&amp;</a:t>
+                      </a:r>
+                      <a:endParaRPr lang="en-US" dirty="0"/>
+                    </a:p>
+                  </a:txBody>
+                  <a:tcPr>
+                    <a:lnL w="38100" cap="flat" cmpd="sng" algn="ctr">
+                      <a:solidFill>
+                        <a:schemeClr val="bg1"/>
+                      </a:solidFill>
+                      <a:prstDash val="solid"/>
+                      <a:round/>
+                      <a:headEnd type="none" w="med" len="med"/>
+                      <a:tailEnd type="none" w="med" len="med"/>
+                    </a:lnL>
+                  </a:tcPr>
+                </a:tc>
+                <a:tc>
+                  <a:txBody>
+                    <a:bodyPr/>
+                    <a:lstStyle/>
+                    <a:p>
+                      <a:pPr algn="ctr"/>
+                      <a:r>
+                        <a:rPr lang="en-US" dirty="0" smtClean="0"/>
+                        <a:t>&amp;</a:t>
+                      </a:r>
+                      <a:endParaRPr lang="en-US" dirty="0"/>
+                    </a:p>
+                  </a:txBody>
+                  <a:tcPr/>
+                </a:tc>
+                <a:tc>
+                  <a:txBody>
+                    <a:bodyPr/>
+                    <a:lstStyle/>
+                    <a:p>
+                      <a:pPr algn="ctr"/>
+                      <a:r>
+                        <a:rPr lang="en-US" dirty="0" smtClean="0"/>
+                        <a:t>&amp;</a:t>
+                      </a:r>
+                      <a:endParaRPr lang="en-US" dirty="0"/>
+                    </a:p>
+                  </a:txBody>
+                  <a:tcPr/>
+                </a:tc>
+                <a:tc>
+                  <a:txBody>
+                    <a:bodyPr/>
+                    <a:lstStyle/>
+                    <a:p>
+                      <a:pPr algn="ctr"/>
+                      <a:r>
+                        <a:rPr lang="en-US" dirty="0" smtClean="0"/>
+                        <a:t>&amp;</a:t>
+                      </a:r>
+                      <a:endParaRPr lang="en-US" dirty="0"/>
+                    </a:p>
+                  </a:txBody>
+                  <a:tcPr>
+                    <a:lnR w="38100" cap="flat" cmpd="sng" algn="ctr">
+                      <a:solidFill>
+                        <a:schemeClr val="bg1"/>
+                      </a:solidFill>
+                      <a:prstDash val="solid"/>
+                      <a:round/>
+                      <a:headEnd type="none" w="med" len="med"/>
+                      <a:tailEnd type="none" w="med" len="med"/>
+                    </a:lnR>
+                  </a:tcPr>
+                </a:tc>
+                <a:tc>
+                  <a:txBody>
+                    <a:bodyPr/>
+                    <a:lstStyle/>
+                    <a:p>
+                      <a:pPr algn="ctr"/>
+                      <a:r>
+                        <a:rPr lang="en-US" dirty="0" smtClean="0"/>
+                        <a:t>^</a:t>
+                      </a:r>
+                      <a:endParaRPr lang="en-US" dirty="0"/>
+                    </a:p>
+                  </a:txBody>
+                  <a:tcPr>
+                    <a:lnL w="38100" cap="flat" cmpd="sng" algn="ctr">
+                      <a:solidFill>
+                        <a:schemeClr val="bg1"/>
+                      </a:solidFill>
+                      <a:prstDash val="solid"/>
+                      <a:round/>
+                      <a:headEnd type="none" w="med" len="med"/>
+                      <a:tailEnd type="none" w="med" len="med"/>
+                    </a:lnL>
+                  </a:tcPr>
+                </a:tc>
+                <a:tc>
+                  <a:txBody>
+                    <a:bodyPr/>
+                    <a:lstStyle/>
+                    <a:p>
+                      <a:pPr algn="ctr"/>
+                      <a:r>
+                        <a:rPr lang="en-US" dirty="0" smtClean="0"/>
+                        <a:t>^</a:t>
+                      </a:r>
+                      <a:endParaRPr lang="en-US" dirty="0"/>
+                    </a:p>
+                  </a:txBody>
+                  <a:tcPr/>
+                </a:tc>
+                <a:tc>
+                  <a:txBody>
+                    <a:bodyPr/>
+                    <a:lstStyle/>
+                    <a:p>
+                      <a:pPr algn="ctr"/>
+                      <a:r>
+                        <a:rPr lang="en-US" dirty="0" smtClean="0"/>
+                        <a:t>^</a:t>
+                      </a:r>
+                      <a:endParaRPr lang="en-US" dirty="0"/>
+                    </a:p>
+                  </a:txBody>
+                  <a:tcPr/>
+                </a:tc>
+                <a:tc>
+                  <a:txBody>
+                    <a:bodyPr/>
+                    <a:lstStyle/>
+                    <a:p>
+                      <a:pPr algn="ctr"/>
+                      <a:r>
+                        <a:rPr lang="en-US" dirty="0" smtClean="0"/>
+                        <a:t>^</a:t>
+                      </a:r>
+                      <a:endParaRPr lang="en-US" dirty="0"/>
+                    </a:p>
+                  </a:txBody>
+                  <a:tcPr/>
+                </a:tc>
+              </a:tr>
+              <a:tr h="370840">
+                <a:tc>
+                  <a:txBody>
+                    <a:bodyPr/>
+                    <a:lstStyle/>
+                    <a:p>
+                      <a:pPr algn="ctr"/>
+                      <a:r>
+                        <a:rPr lang="bg-BG" dirty="0" smtClean="0"/>
+                        <a:t>Операнд1</a:t>
+                      </a:r>
+                      <a:endParaRPr lang="en-US" dirty="0"/>
+                    </a:p>
+                  </a:txBody>
+                  <a:tcPr>
+                    <a:lnR w="38100" cap="flat" cmpd="sng" algn="ctr">
+                      <a:solidFill>
+                        <a:schemeClr val="bg1"/>
+                      </a:solidFill>
+                      <a:prstDash val="solid"/>
+                      <a:round/>
+                      <a:headEnd type="none" w="med" len="med"/>
+                      <a:tailEnd type="none" w="med" len="med"/>
+                    </a:lnR>
+                  </a:tcPr>
+                </a:tc>
+                <a:tc>
+                  <a:txBody>
+                    <a:bodyPr/>
+                    <a:lstStyle/>
+                    <a:p>
+                      <a:pPr algn="ctr"/>
+                      <a:r>
+                        <a:rPr lang="en-US" dirty="0" smtClean="0"/>
+                        <a:t>0</a:t>
+                      </a:r>
+                      <a:endParaRPr lang="en-US" dirty="0"/>
+                    </a:p>
+                  </a:txBody>
+                  <a:tcPr>
+                    <a:lnL w="38100" cap="flat" cmpd="sng" algn="ctr">
+                      <a:solidFill>
+                        <a:schemeClr val="bg1"/>
+                      </a:solidFill>
+                      <a:prstDash val="solid"/>
+                      <a:round/>
+                      <a:headEnd type="none" w="med" len="med"/>
+                      <a:tailEnd type="none" w="med" len="med"/>
+                    </a:lnL>
+                  </a:tcPr>
+                </a:tc>
+                <a:tc>
+                  <a:txBody>
+                    <a:bodyPr/>
+                    <a:lstStyle/>
+                    <a:p>
+                      <a:pPr algn="ctr"/>
+                      <a:r>
+                        <a:rPr lang="en-US" dirty="0" smtClean="0"/>
+                        <a:t>0</a:t>
+                      </a:r>
+                      <a:endParaRPr lang="en-US" dirty="0"/>
+                    </a:p>
+                  </a:txBody>
+                  <a:tcPr/>
+                </a:tc>
+                <a:tc>
+                  <a:txBody>
+                    <a:bodyPr/>
+                    <a:lstStyle/>
+                    <a:p>
+                      <a:pPr algn="ctr"/>
+                      <a:r>
+                        <a:rPr lang="en-US" dirty="0" smtClean="0"/>
+                        <a:t>1</a:t>
+                      </a:r>
+                      <a:endParaRPr lang="en-US" dirty="0"/>
+                    </a:p>
+                  </a:txBody>
+                  <a:tcPr/>
+                </a:tc>
+                <a:tc>
+                  <a:txBody>
+                    <a:bodyPr/>
+                    <a:lstStyle/>
+                    <a:p>
+                      <a:pPr algn="ctr"/>
+                      <a:r>
+                        <a:rPr lang="en-US" dirty="0" smtClean="0"/>
+                        <a:t>1</a:t>
+                      </a:r>
+                      <a:endParaRPr lang="en-US" dirty="0"/>
+                    </a:p>
+                  </a:txBody>
+                  <a:tcPr>
+                    <a:lnR w="38100" cap="flat" cmpd="sng" algn="ctr">
+                      <a:solidFill>
+                        <a:schemeClr val="bg1"/>
+                      </a:solidFill>
+                      <a:prstDash val="solid"/>
+                      <a:round/>
+                      <a:headEnd type="none" w="med" len="med"/>
+                      <a:tailEnd type="none" w="med" len="med"/>
+                    </a:lnR>
+                  </a:tcPr>
+                </a:tc>
+                <a:tc>
+                  <a:txBody>
+                    <a:bodyPr/>
+                    <a:lstStyle/>
+                    <a:p>
+                      <a:pPr algn="ctr"/>
+                      <a:r>
+                        <a:rPr lang="en-US" dirty="0" smtClean="0"/>
+                        <a:t>0</a:t>
+                      </a:r>
+                      <a:endParaRPr lang="en-US" dirty="0"/>
+                    </a:p>
+                  </a:txBody>
+                  <a:tcPr>
+                    <a:lnL w="38100" cap="flat" cmpd="sng" algn="ctr">
+                      <a:solidFill>
+                        <a:schemeClr val="bg1"/>
+                      </a:solidFill>
+                      <a:prstDash val="solid"/>
+                      <a:round/>
+                      <a:headEnd type="none" w="med" len="med"/>
+                      <a:tailEnd type="none" w="med" len="med"/>
+                    </a:lnL>
+                  </a:tcPr>
+                </a:tc>
+                <a:tc>
+                  <a:txBody>
+                    <a:bodyPr/>
+                    <a:lstStyle/>
+                    <a:p>
+                      <a:pPr algn="ctr"/>
+                      <a:r>
+                        <a:rPr lang="en-US" dirty="0" smtClean="0"/>
+                        <a:t>0</a:t>
+                      </a:r>
+                      <a:endParaRPr lang="en-US" dirty="0"/>
+                    </a:p>
+                  </a:txBody>
+                  <a:tcPr/>
+                </a:tc>
+                <a:tc>
+                  <a:txBody>
+                    <a:bodyPr/>
+                    <a:lstStyle/>
+                    <a:p>
+                      <a:pPr algn="ctr"/>
+                      <a:r>
+                        <a:rPr lang="en-US" dirty="0" smtClean="0"/>
+                        <a:t>1</a:t>
+                      </a:r>
+                      <a:endParaRPr lang="en-US" dirty="0"/>
+                    </a:p>
+                  </a:txBody>
+                  <a:tcPr/>
+                </a:tc>
+                <a:tc>
+                  <a:txBody>
+                    <a:bodyPr/>
+                    <a:lstStyle/>
+                    <a:p>
+                      <a:pPr algn="ctr"/>
+                      <a:r>
+                        <a:rPr lang="en-US" dirty="0" smtClean="0"/>
+                        <a:t>1</a:t>
+                      </a:r>
+                      <a:endParaRPr lang="en-US" dirty="0"/>
+                    </a:p>
+                  </a:txBody>
+                  <a:tcPr>
+                    <a:lnR w="38100" cap="flat" cmpd="sng" algn="ctr">
+                      <a:solidFill>
+                        <a:schemeClr val="bg1"/>
+                      </a:solidFill>
+                      <a:prstDash val="solid"/>
+                      <a:round/>
+                      <a:headEnd type="none" w="med" len="med"/>
+                      <a:tailEnd type="none" w="med" len="med"/>
+                    </a:lnR>
+                  </a:tcPr>
+                </a:tc>
+                <a:tc>
+                  <a:txBody>
+                    <a:bodyPr/>
+                    <a:lstStyle/>
+                    <a:p>
+                      <a:pPr algn="ctr"/>
+                      <a:r>
+                        <a:rPr lang="en-US" dirty="0" smtClean="0"/>
+                        <a:t>0</a:t>
+                      </a:r>
+                      <a:endParaRPr lang="en-US" dirty="0"/>
+                    </a:p>
+                  </a:txBody>
+                  <a:tcPr>
+                    <a:lnL w="38100" cap="flat" cmpd="sng" algn="ctr">
+                      <a:solidFill>
+                        <a:schemeClr val="bg1"/>
+                      </a:solidFill>
+                      <a:prstDash val="solid"/>
+                      <a:round/>
+                      <a:headEnd type="none" w="med" len="med"/>
+                      <a:tailEnd type="none" w="med" len="med"/>
+                    </a:lnL>
+                  </a:tcPr>
+                </a:tc>
+                <a:tc>
+                  <a:txBody>
+                    <a:bodyPr/>
+                    <a:lstStyle/>
+                    <a:p>
+                      <a:pPr algn="ctr"/>
+                      <a:r>
+                        <a:rPr lang="en-US" dirty="0" smtClean="0"/>
+                        <a:t>0</a:t>
+                      </a:r>
+                      <a:endParaRPr lang="en-US" dirty="0"/>
+                    </a:p>
+                  </a:txBody>
+                  <a:tcPr/>
+                </a:tc>
+                <a:tc>
+                  <a:txBody>
+                    <a:bodyPr/>
+                    <a:lstStyle/>
+                    <a:p>
+                      <a:pPr algn="ctr"/>
+                      <a:r>
+                        <a:rPr lang="en-US" dirty="0" smtClean="0"/>
+                        <a:t>1</a:t>
+                      </a:r>
+                      <a:endParaRPr lang="en-US" dirty="0"/>
+                    </a:p>
+                  </a:txBody>
+                  <a:tcPr/>
+                </a:tc>
+                <a:tc>
+                  <a:txBody>
+                    <a:bodyPr/>
+                    <a:lstStyle/>
+                    <a:p>
+                      <a:pPr algn="ctr"/>
+                      <a:r>
+                        <a:rPr lang="en-US" dirty="0" smtClean="0"/>
+                        <a:t>1</a:t>
+                      </a:r>
+                      <a:endParaRPr lang="en-US" dirty="0"/>
+                    </a:p>
+                  </a:txBody>
+                  <a:tcPr/>
+                </a:tc>
+              </a:tr>
+              <a:tr h="370840">
+                <a:tc>
+                  <a:txBody>
+                    <a:bodyPr/>
+                    <a:lstStyle/>
+                    <a:p>
+                      <a:pPr algn="ctr"/>
+                      <a:r>
+                        <a:rPr lang="bg-BG" dirty="0" smtClean="0"/>
+                        <a:t>Операнд2</a:t>
+                      </a:r>
+                      <a:endParaRPr lang="en-US" dirty="0"/>
+                    </a:p>
+                  </a:txBody>
+                  <a:tcPr>
+                    <a:lnR w="38100" cap="flat" cmpd="sng" algn="ctr">
+                      <a:solidFill>
+                        <a:schemeClr val="bg1"/>
+                      </a:solidFill>
+                      <a:prstDash val="solid"/>
+                      <a:round/>
+                      <a:headEnd type="none" w="med" len="med"/>
+                      <a:tailEnd type="none" w="med" len="med"/>
+                    </a:lnR>
+                    <a:lnB w="38100" cap="flat" cmpd="sng" algn="ctr">
+                      <a:solidFill>
+                        <a:schemeClr val="bg1"/>
+                      </a:solidFill>
+                      <a:prstDash val="solid"/>
+                      <a:round/>
+                      <a:headEnd type="none" w="med" len="med"/>
+                      <a:tailEnd type="none" w="med" len="med"/>
+                    </a:lnB>
+                  </a:tcPr>
+                </a:tc>
+                <a:tc>
+                  <a:txBody>
+                    <a:bodyPr/>
+                    <a:lstStyle/>
+                    <a:p>
+                      <a:pPr algn="ctr"/>
+                      <a:r>
+                        <a:rPr lang="en-US" dirty="0" smtClean="0"/>
+                        <a:t>0</a:t>
+                      </a:r>
+                      <a:endParaRPr lang="en-US" dirty="0"/>
+                    </a:p>
+                  </a:txBody>
+                  <a:tcPr>
+                    <a:lnL w="38100" cap="flat" cmpd="sng" algn="ctr">
+                      <a:solidFill>
+                        <a:schemeClr val="bg1"/>
+                      </a:solidFill>
+                      <a:prstDash val="solid"/>
+                      <a:round/>
+                      <a:headEnd type="none" w="med" len="med"/>
+                      <a:tailEnd type="none" w="med" len="med"/>
+                    </a:lnL>
+                    <a:lnB w="38100" cap="flat" cmpd="sng" algn="ctr">
+                      <a:solidFill>
+                        <a:schemeClr val="bg1"/>
+                      </a:solidFill>
+                      <a:prstDash val="solid"/>
+                      <a:round/>
+                      <a:headEnd type="none" w="med" len="med"/>
+                      <a:tailEnd type="none" w="med" len="med"/>
+                    </a:lnB>
+                  </a:tcPr>
+                </a:tc>
+                <a:tc>
+                  <a:txBody>
+                    <a:bodyPr/>
+                    <a:lstStyle/>
+                    <a:p>
+                      <a:pPr algn="ctr"/>
+                      <a:r>
+                        <a:rPr lang="en-US" dirty="0" smtClean="0"/>
+                        <a:t>1</a:t>
+                      </a:r>
+                      <a:endParaRPr lang="en-US" dirty="0"/>
+                    </a:p>
+                  </a:txBody>
+                  <a:tcPr>
+                    <a:lnB w="38100" cap="flat" cmpd="sng" algn="ctr">
+                      <a:solidFill>
+                        <a:schemeClr val="bg1"/>
+                      </a:solidFill>
+                      <a:prstDash val="solid"/>
+                      <a:round/>
+                      <a:headEnd type="none" w="med" len="med"/>
+                      <a:tailEnd type="none" w="med" len="med"/>
+                    </a:lnB>
+                  </a:tcPr>
+                </a:tc>
+                <a:tc>
+                  <a:txBody>
+                    <a:bodyPr/>
+                    <a:lstStyle/>
+                    <a:p>
+                      <a:pPr algn="ctr"/>
+                      <a:r>
+                        <a:rPr lang="en-US" dirty="0" smtClean="0"/>
+                        <a:t>0</a:t>
+                      </a:r>
+                      <a:endParaRPr lang="en-US" dirty="0"/>
+                    </a:p>
+                  </a:txBody>
+                  <a:tcPr>
+                    <a:lnB w="38100" cap="flat" cmpd="sng" algn="ctr">
+                      <a:solidFill>
+                        <a:schemeClr val="bg1"/>
+                      </a:solidFill>
+                      <a:prstDash val="solid"/>
+                      <a:round/>
+                      <a:headEnd type="none" w="med" len="med"/>
+                      <a:tailEnd type="none" w="med" len="med"/>
+                    </a:lnB>
+                  </a:tcPr>
+                </a:tc>
+                <a:tc>
+                  <a:txBody>
+                    <a:bodyPr/>
+                    <a:lstStyle/>
+                    <a:p>
+                      <a:pPr algn="ctr"/>
+                      <a:r>
+                        <a:rPr lang="en-US" dirty="0" smtClean="0"/>
+                        <a:t>1</a:t>
+                      </a:r>
+                      <a:endParaRPr lang="en-US" dirty="0"/>
+                    </a:p>
+                  </a:txBody>
+                  <a:tcPr>
+                    <a:lnR w="38100" cap="flat" cmpd="sng" algn="ctr">
+                      <a:solidFill>
+                        <a:schemeClr val="bg1"/>
+                      </a:solidFill>
+                      <a:prstDash val="solid"/>
+                      <a:round/>
+                      <a:headEnd type="none" w="med" len="med"/>
+                      <a:tailEnd type="none" w="med" len="med"/>
+                    </a:lnR>
+                    <a:lnB w="38100" cap="flat" cmpd="sng" algn="ctr">
+                      <a:solidFill>
+                        <a:schemeClr val="bg1"/>
+                      </a:solidFill>
+                      <a:prstDash val="solid"/>
+                      <a:round/>
+                      <a:headEnd type="none" w="med" len="med"/>
+                      <a:tailEnd type="none" w="med" len="med"/>
+                    </a:lnB>
+                  </a:tcPr>
+                </a:tc>
+                <a:tc>
+                  <a:txBody>
+                    <a:bodyPr/>
+                    <a:lstStyle/>
+                    <a:p>
+                      <a:pPr algn="ctr"/>
+                      <a:r>
+                        <a:rPr lang="en-US" dirty="0" smtClean="0"/>
+                        <a:t>0</a:t>
+                      </a:r>
+                      <a:endParaRPr lang="en-US" dirty="0"/>
+                    </a:p>
+                  </a:txBody>
+                  <a:tcPr>
+                    <a:lnL w="38100" cap="flat" cmpd="sng" algn="ctr">
+                      <a:solidFill>
+                        <a:schemeClr val="bg1"/>
+                      </a:solidFill>
+                      <a:prstDash val="solid"/>
+                      <a:round/>
+                      <a:headEnd type="none" w="med" len="med"/>
+                      <a:tailEnd type="none" w="med" len="med"/>
+                    </a:lnL>
+                    <a:lnB w="38100" cap="flat" cmpd="sng" algn="ctr">
+                      <a:solidFill>
+                        <a:schemeClr val="bg1"/>
+                      </a:solidFill>
+                      <a:prstDash val="solid"/>
+                      <a:round/>
+                      <a:headEnd type="none" w="med" len="med"/>
+                      <a:tailEnd type="none" w="med" len="med"/>
+                    </a:lnB>
+                  </a:tcPr>
+                </a:tc>
+                <a:tc>
+                  <a:txBody>
+                    <a:bodyPr/>
+                    <a:lstStyle/>
+                    <a:p>
+                      <a:pPr algn="ctr"/>
+                      <a:r>
+                        <a:rPr lang="en-US" dirty="0" smtClean="0"/>
+                        <a:t>1</a:t>
+                      </a:r>
+                      <a:endParaRPr lang="en-US" dirty="0"/>
+                    </a:p>
+                  </a:txBody>
+                  <a:tcPr>
+                    <a:lnB w="38100" cap="flat" cmpd="sng" algn="ctr">
+                      <a:solidFill>
+                        <a:schemeClr val="bg1"/>
+                      </a:solidFill>
+                      <a:prstDash val="solid"/>
+                      <a:round/>
+                      <a:headEnd type="none" w="med" len="med"/>
+                      <a:tailEnd type="none" w="med" len="med"/>
+                    </a:lnB>
+                  </a:tcPr>
+                </a:tc>
+                <a:tc>
+                  <a:txBody>
+                    <a:bodyPr/>
+                    <a:lstStyle/>
+                    <a:p>
+                      <a:pPr algn="ctr"/>
+                      <a:r>
+                        <a:rPr lang="en-US" dirty="0" smtClean="0"/>
+                        <a:t>0</a:t>
+                      </a:r>
+                      <a:endParaRPr lang="en-US" dirty="0"/>
+                    </a:p>
+                  </a:txBody>
+                  <a:tcPr>
+                    <a:lnB w="38100" cap="flat" cmpd="sng" algn="ctr">
+                      <a:solidFill>
+                        <a:schemeClr val="bg1"/>
+                      </a:solidFill>
+                      <a:prstDash val="solid"/>
+                      <a:round/>
+                      <a:headEnd type="none" w="med" len="med"/>
+                      <a:tailEnd type="none" w="med" len="med"/>
+                    </a:lnB>
+                  </a:tcPr>
+                </a:tc>
+                <a:tc>
+                  <a:txBody>
+                    <a:bodyPr/>
+                    <a:lstStyle/>
+                    <a:p>
+                      <a:pPr algn="ctr"/>
+                      <a:r>
+                        <a:rPr lang="en-US" dirty="0" smtClean="0"/>
+                        <a:t>1</a:t>
+                      </a:r>
+                      <a:endParaRPr lang="en-US" dirty="0"/>
+                    </a:p>
+                  </a:txBody>
+                  <a:tcPr>
+                    <a:lnR w="38100" cap="flat" cmpd="sng" algn="ctr">
+                      <a:solidFill>
+                        <a:schemeClr val="bg1"/>
+                      </a:solidFill>
+                      <a:prstDash val="solid"/>
+                      <a:round/>
+                      <a:headEnd type="none" w="med" len="med"/>
+                      <a:tailEnd type="none" w="med" len="med"/>
+                    </a:lnR>
+                    <a:lnB w="38100" cap="flat" cmpd="sng" algn="ctr">
+                      <a:solidFill>
+                        <a:schemeClr val="bg1"/>
+                      </a:solidFill>
+                      <a:prstDash val="solid"/>
+                      <a:round/>
+                      <a:headEnd type="none" w="med" len="med"/>
+                      <a:tailEnd type="none" w="med" len="med"/>
+                    </a:lnB>
+                  </a:tcPr>
+                </a:tc>
+                <a:tc>
+                  <a:txBody>
+                    <a:bodyPr/>
+                    <a:lstStyle/>
+                    <a:p>
+                      <a:pPr algn="ctr"/>
+                      <a:r>
+                        <a:rPr lang="en-US" dirty="0" smtClean="0"/>
+                        <a:t>0</a:t>
+                      </a:r>
+                      <a:endParaRPr lang="en-US" dirty="0"/>
+                    </a:p>
+                  </a:txBody>
+                  <a:tcPr>
+                    <a:lnL w="38100" cap="flat" cmpd="sng" algn="ctr">
+                      <a:solidFill>
+                        <a:schemeClr val="bg1"/>
+                      </a:solidFill>
+                      <a:prstDash val="solid"/>
+                      <a:round/>
+                      <a:headEnd type="none" w="med" len="med"/>
+                      <a:tailEnd type="none" w="med" len="med"/>
+                    </a:lnL>
+                    <a:lnB w="38100" cap="flat" cmpd="sng" algn="ctr">
+                      <a:solidFill>
+                        <a:schemeClr val="bg1"/>
+                      </a:solidFill>
+                      <a:prstDash val="solid"/>
+                      <a:round/>
+                      <a:headEnd type="none" w="med" len="med"/>
+                      <a:tailEnd type="none" w="med" len="med"/>
+                    </a:lnB>
+                  </a:tcPr>
+                </a:tc>
+                <a:tc>
+                  <a:txBody>
+                    <a:bodyPr/>
+                    <a:lstStyle/>
+                    <a:p>
+                      <a:pPr algn="ctr"/>
+                      <a:r>
+                        <a:rPr lang="en-US" dirty="0" smtClean="0"/>
+                        <a:t>1</a:t>
+                      </a:r>
+                      <a:endParaRPr lang="en-US" dirty="0"/>
+                    </a:p>
+                  </a:txBody>
+                  <a:tcPr>
+                    <a:lnB w="38100" cap="flat" cmpd="sng" algn="ctr">
+                      <a:solidFill>
+                        <a:schemeClr val="bg1"/>
+                      </a:solidFill>
+                      <a:prstDash val="solid"/>
+                      <a:round/>
+                      <a:headEnd type="none" w="med" len="med"/>
+                      <a:tailEnd type="none" w="med" len="med"/>
+                    </a:lnB>
+                  </a:tcPr>
+                </a:tc>
+                <a:tc>
+                  <a:txBody>
+                    <a:bodyPr/>
+                    <a:lstStyle/>
+                    <a:p>
+                      <a:pPr algn="ctr"/>
+                      <a:r>
+                        <a:rPr lang="en-US" dirty="0" smtClean="0"/>
+                        <a:t>0</a:t>
+                      </a:r>
+                      <a:endParaRPr lang="en-US" dirty="0"/>
+                    </a:p>
+                  </a:txBody>
+                  <a:tcPr>
+                    <a:lnB w="38100" cap="flat" cmpd="sng" algn="ctr">
+                      <a:solidFill>
+                        <a:schemeClr val="bg1"/>
+                      </a:solidFill>
+                      <a:prstDash val="solid"/>
+                      <a:round/>
+                      <a:headEnd type="none" w="med" len="med"/>
+                      <a:tailEnd type="none" w="med" len="med"/>
+                    </a:lnB>
+                  </a:tcPr>
+                </a:tc>
+                <a:tc>
+                  <a:txBody>
+                    <a:bodyPr/>
+                    <a:lstStyle/>
+                    <a:p>
+                      <a:pPr algn="ctr"/>
+                      <a:r>
+                        <a:rPr lang="en-US" dirty="0" smtClean="0"/>
+                        <a:t>1</a:t>
+                      </a:r>
+                      <a:endParaRPr lang="en-US" dirty="0"/>
+                    </a:p>
+                  </a:txBody>
+                  <a:tcPr>
+                    <a:lnB w="38100" cap="flat" cmpd="sng" algn="ctr">
+                      <a:solidFill>
+                        <a:schemeClr val="bg1"/>
+                      </a:solidFill>
+                      <a:prstDash val="solid"/>
+                      <a:round/>
+                      <a:headEnd type="none" w="med" len="med"/>
+                      <a:tailEnd type="none" w="med" len="med"/>
+                    </a:lnB>
+                  </a:tcPr>
+                </a:tc>
+              </a:tr>
+              <a:tr h="370840">
+                <a:tc>
+                  <a:txBody>
+                    <a:bodyPr/>
+                    <a:lstStyle/>
+                    <a:p>
+                      <a:pPr algn="ctr"/>
+                      <a:r>
+                        <a:rPr lang="bg-BG" dirty="0" smtClean="0"/>
+                        <a:t>Резултат</a:t>
+                      </a:r>
+                      <a:endParaRPr lang="en-US" dirty="0"/>
+                    </a:p>
+                  </a:txBody>
+                  <a:tcPr>
+                    <a:lnR w="38100" cap="flat" cmpd="sng" algn="ctr">
+                      <a:solidFill>
+                        <a:schemeClr val="bg1"/>
+                      </a:solidFill>
+                      <a:prstDash val="solid"/>
+                      <a:round/>
+                      <a:headEnd type="none" w="med" len="med"/>
+                      <a:tailEnd type="none" w="med" len="med"/>
+                    </a:lnR>
+                    <a:lnT w="38100" cap="flat" cmpd="sng" algn="ctr">
+                      <a:solidFill>
+                        <a:schemeClr val="bg1"/>
+                      </a:solidFill>
+                      <a:prstDash val="solid"/>
+                      <a:round/>
+                      <a:headEnd type="none" w="med" len="med"/>
+                      <a:tailEnd type="none" w="med" len="med"/>
+                    </a:lnT>
+                  </a:tcPr>
+                </a:tc>
+                <a:tc>
+                  <a:txBody>
+                    <a:bodyPr/>
+                    <a:lstStyle/>
+                    <a:p>
+                      <a:pPr algn="ctr"/>
+                      <a:r>
+                        <a:rPr lang="en-US" b="1" dirty="0" smtClean="0"/>
+                        <a:t>0</a:t>
+                      </a:r>
+                      <a:endParaRPr lang="en-US" b="1" dirty="0"/>
+                    </a:p>
+                  </a:txBody>
+                  <a:tcPr>
+                    <a:lnL w="38100" cap="flat" cmpd="sng" algn="ctr">
+                      <a:solidFill>
+                        <a:schemeClr val="bg1"/>
+                      </a:solidFill>
+                      <a:prstDash val="solid"/>
+                      <a:round/>
+                      <a:headEnd type="none" w="med" len="med"/>
+                      <a:tailEnd type="none" w="med" len="med"/>
+                    </a:lnL>
+                    <a:lnT w="38100" cap="flat" cmpd="sng" algn="ctr">
+                      <a:solidFill>
+                        <a:schemeClr val="bg1"/>
+                      </a:solidFill>
+                      <a:prstDash val="solid"/>
+                      <a:round/>
+                      <a:headEnd type="none" w="med" len="med"/>
+                      <a:tailEnd type="none" w="med" len="med"/>
+                    </a:lnT>
+                  </a:tcPr>
+                </a:tc>
+                <a:tc>
+                  <a:txBody>
+                    <a:bodyPr/>
+                    <a:lstStyle/>
+                    <a:p>
+                      <a:pPr algn="ctr"/>
+                      <a:r>
+                        <a:rPr lang="en-US" b="1" dirty="0" smtClean="0"/>
+                        <a:t>1</a:t>
+                      </a:r>
+                      <a:endParaRPr lang="en-US" b="1" dirty="0"/>
+                    </a:p>
+                  </a:txBody>
+                  <a:tcPr>
+                    <a:lnT w="38100" cap="flat" cmpd="sng" algn="ctr">
+                      <a:solidFill>
+                        <a:schemeClr val="bg1"/>
+                      </a:solidFill>
+                      <a:prstDash val="solid"/>
+                      <a:round/>
+                      <a:headEnd type="none" w="med" len="med"/>
+                      <a:tailEnd type="none" w="med" len="med"/>
+                    </a:lnT>
+                  </a:tcPr>
+                </a:tc>
+                <a:tc>
+                  <a:txBody>
+                    <a:bodyPr/>
+                    <a:lstStyle/>
+                    <a:p>
+                      <a:pPr algn="ctr"/>
+                      <a:r>
+                        <a:rPr lang="en-US" b="1" dirty="0" smtClean="0"/>
+                        <a:t>1</a:t>
+                      </a:r>
+                      <a:endParaRPr lang="en-US" b="1" dirty="0"/>
+                    </a:p>
+                  </a:txBody>
+                  <a:tcPr>
+                    <a:lnT w="38100" cap="flat" cmpd="sng" algn="ctr">
+                      <a:solidFill>
+                        <a:schemeClr val="bg1"/>
+                      </a:solidFill>
+                      <a:prstDash val="solid"/>
+                      <a:round/>
+                      <a:headEnd type="none" w="med" len="med"/>
+                      <a:tailEnd type="none" w="med" len="med"/>
+                    </a:lnT>
+                  </a:tcPr>
+                </a:tc>
+                <a:tc>
+                  <a:txBody>
+                    <a:bodyPr/>
+                    <a:lstStyle/>
+                    <a:p>
+                      <a:pPr algn="ctr"/>
+                      <a:r>
+                        <a:rPr lang="en-US" b="1" dirty="0" smtClean="0"/>
+                        <a:t>1</a:t>
+                      </a:r>
+                      <a:endParaRPr lang="en-US" b="1" dirty="0"/>
+                    </a:p>
+                  </a:txBody>
+                  <a:tcPr>
+                    <a:lnR w="38100" cap="flat" cmpd="sng" algn="ctr">
+                      <a:solidFill>
+                        <a:schemeClr val="bg1"/>
+                      </a:solidFill>
+                      <a:prstDash val="solid"/>
+                      <a:round/>
+                      <a:headEnd type="none" w="med" len="med"/>
+                      <a:tailEnd type="none" w="med" len="med"/>
+                    </a:lnR>
+                    <a:lnT w="38100" cap="flat" cmpd="sng" algn="ctr">
+                      <a:solidFill>
+                        <a:schemeClr val="bg1"/>
+                      </a:solidFill>
+                      <a:prstDash val="solid"/>
+                      <a:round/>
+                      <a:headEnd type="none" w="med" len="med"/>
+                      <a:tailEnd type="none" w="med" len="med"/>
+                    </a:lnT>
+                  </a:tcPr>
+                </a:tc>
+                <a:tc>
+                  <a:txBody>
+                    <a:bodyPr/>
+                    <a:lstStyle/>
+                    <a:p>
+                      <a:pPr algn="ctr"/>
+                      <a:r>
+                        <a:rPr lang="en-US" b="1" dirty="0" smtClean="0"/>
+                        <a:t>0</a:t>
+                      </a:r>
+                      <a:endParaRPr lang="en-US" b="1" dirty="0"/>
+                    </a:p>
+                  </a:txBody>
+                  <a:tcPr>
+                    <a:lnL w="38100" cap="flat" cmpd="sng" algn="ctr">
+                      <a:solidFill>
+                        <a:schemeClr val="bg1"/>
+                      </a:solidFill>
+                      <a:prstDash val="solid"/>
+                      <a:round/>
+                      <a:headEnd type="none" w="med" len="med"/>
+                      <a:tailEnd type="none" w="med" len="med"/>
+                    </a:lnL>
+                    <a:lnT w="38100" cap="flat" cmpd="sng" algn="ctr">
+                      <a:solidFill>
+                        <a:schemeClr val="bg1"/>
+                      </a:solidFill>
+                      <a:prstDash val="solid"/>
+                      <a:round/>
+                      <a:headEnd type="none" w="med" len="med"/>
+                      <a:tailEnd type="none" w="med" len="med"/>
+                    </a:lnT>
+                  </a:tcPr>
+                </a:tc>
+                <a:tc>
+                  <a:txBody>
+                    <a:bodyPr/>
+                    <a:lstStyle/>
+                    <a:p>
+                      <a:pPr algn="ctr"/>
+                      <a:r>
+                        <a:rPr lang="en-US" b="1" dirty="0" smtClean="0"/>
+                        <a:t>0</a:t>
+                      </a:r>
+                      <a:endParaRPr lang="en-US" b="1" dirty="0"/>
+                    </a:p>
+                  </a:txBody>
+                  <a:tcPr>
+                    <a:lnT w="38100" cap="flat" cmpd="sng" algn="ctr">
+                      <a:solidFill>
+                        <a:schemeClr val="bg1"/>
+                      </a:solidFill>
+                      <a:prstDash val="solid"/>
+                      <a:round/>
+                      <a:headEnd type="none" w="med" len="med"/>
+                      <a:tailEnd type="none" w="med" len="med"/>
+                    </a:lnT>
+                  </a:tcPr>
+                </a:tc>
+                <a:tc>
+                  <a:txBody>
+                    <a:bodyPr/>
+                    <a:lstStyle/>
+                    <a:p>
+                      <a:pPr algn="ctr"/>
+                      <a:r>
+                        <a:rPr lang="en-US" b="1" dirty="0" smtClean="0"/>
+                        <a:t>0</a:t>
+                      </a:r>
+                      <a:endParaRPr lang="en-US" b="1" dirty="0"/>
+                    </a:p>
+                  </a:txBody>
+                  <a:tcPr>
+                    <a:lnT w="38100" cap="flat" cmpd="sng" algn="ctr">
+                      <a:solidFill>
+                        <a:schemeClr val="bg1"/>
+                      </a:solidFill>
+                      <a:prstDash val="solid"/>
+                      <a:round/>
+                      <a:headEnd type="none" w="med" len="med"/>
+                      <a:tailEnd type="none" w="med" len="med"/>
+                    </a:lnT>
+                  </a:tcPr>
+                </a:tc>
+                <a:tc>
+                  <a:txBody>
+                    <a:bodyPr/>
+                    <a:lstStyle/>
+                    <a:p>
+                      <a:pPr algn="ctr"/>
+                      <a:r>
+                        <a:rPr lang="en-US" b="1" dirty="0" smtClean="0"/>
+                        <a:t>1</a:t>
+                      </a:r>
+                      <a:endParaRPr lang="en-US" b="1" dirty="0"/>
+                    </a:p>
+                  </a:txBody>
+                  <a:tcPr>
+                    <a:lnR w="38100" cap="flat" cmpd="sng" algn="ctr">
+                      <a:solidFill>
+                        <a:schemeClr val="bg1"/>
+                      </a:solidFill>
+                      <a:prstDash val="solid"/>
+                      <a:round/>
+                      <a:headEnd type="none" w="med" len="med"/>
+                      <a:tailEnd type="none" w="med" len="med"/>
+                    </a:lnR>
+                    <a:lnT w="38100" cap="flat" cmpd="sng" algn="ctr">
+                      <a:solidFill>
+                        <a:schemeClr val="bg1"/>
+                      </a:solidFill>
+                      <a:prstDash val="solid"/>
+                      <a:round/>
+                      <a:headEnd type="none" w="med" len="med"/>
+                      <a:tailEnd type="none" w="med" len="med"/>
+                    </a:lnT>
+                  </a:tcPr>
+                </a:tc>
+                <a:tc>
+                  <a:txBody>
+                    <a:bodyPr/>
+                    <a:lstStyle/>
+                    <a:p>
+                      <a:pPr algn="ctr"/>
+                      <a:r>
+                        <a:rPr lang="en-US" b="1" dirty="0" smtClean="0"/>
+                        <a:t>0</a:t>
+                      </a:r>
+                      <a:endParaRPr lang="en-US" b="1" dirty="0"/>
+                    </a:p>
+                  </a:txBody>
+                  <a:tcPr>
+                    <a:lnL w="38100" cap="flat" cmpd="sng" algn="ctr">
+                      <a:solidFill>
+                        <a:schemeClr val="bg1"/>
+                      </a:solidFill>
+                      <a:prstDash val="solid"/>
+                      <a:round/>
+                      <a:headEnd type="none" w="med" len="med"/>
+                      <a:tailEnd type="none" w="med" len="med"/>
+                    </a:lnL>
+                    <a:lnT w="38100" cap="flat" cmpd="sng" algn="ctr">
+                      <a:solidFill>
+                        <a:schemeClr val="bg1"/>
+                      </a:solidFill>
+                      <a:prstDash val="solid"/>
+                      <a:round/>
+                      <a:headEnd type="none" w="med" len="med"/>
+                      <a:tailEnd type="none" w="med" len="med"/>
+                    </a:lnT>
+                  </a:tcPr>
+                </a:tc>
+                <a:tc>
+                  <a:txBody>
+                    <a:bodyPr/>
+                    <a:lstStyle/>
+                    <a:p>
+                      <a:pPr algn="ctr"/>
+                      <a:r>
+                        <a:rPr lang="en-US" b="1" dirty="0" smtClean="0"/>
+                        <a:t>1</a:t>
+                      </a:r>
+                      <a:endParaRPr lang="en-US" b="1" dirty="0"/>
+                    </a:p>
+                  </a:txBody>
+                  <a:tcPr>
+                    <a:lnT w="38100" cap="flat" cmpd="sng" algn="ctr">
+                      <a:solidFill>
+                        <a:schemeClr val="bg1"/>
+                      </a:solidFill>
+                      <a:prstDash val="solid"/>
+                      <a:round/>
+                      <a:headEnd type="none" w="med" len="med"/>
+                      <a:tailEnd type="none" w="med" len="med"/>
+                    </a:lnT>
+                  </a:tcPr>
+                </a:tc>
+                <a:tc>
+                  <a:txBody>
+                    <a:bodyPr/>
+                    <a:lstStyle/>
+                    <a:p>
+                      <a:pPr algn="ctr"/>
+                      <a:r>
+                        <a:rPr lang="en-US" b="1" dirty="0" smtClean="0"/>
+                        <a:t>1</a:t>
+                      </a:r>
+                      <a:endParaRPr lang="en-US" b="1" dirty="0"/>
+                    </a:p>
+                  </a:txBody>
+                  <a:tcPr>
+                    <a:lnT w="38100" cap="flat" cmpd="sng" algn="ctr">
+                      <a:solidFill>
+                        <a:schemeClr val="bg1"/>
+                      </a:solidFill>
+                      <a:prstDash val="solid"/>
+                      <a:round/>
+                      <a:headEnd type="none" w="med" len="med"/>
+                      <a:tailEnd type="none" w="med" len="med"/>
+                    </a:lnT>
+                  </a:tcPr>
+                </a:tc>
+                <a:tc>
+                  <a:txBody>
+                    <a:bodyPr/>
+                    <a:lstStyle/>
+                    <a:p>
+                      <a:pPr algn="ctr"/>
+                      <a:r>
+                        <a:rPr lang="en-US" b="1" dirty="0" smtClean="0"/>
+                        <a:t>0</a:t>
+                      </a:r>
+                      <a:endParaRPr lang="en-US" b="1" dirty="0"/>
+                    </a:p>
+                  </a:txBody>
+                  <a:tcPr>
+                    <a:lnT w="38100" cap="flat" cmpd="sng" algn="ctr">
+                      <a:solidFill>
+                        <a:schemeClr val="bg1"/>
+                      </a:solidFill>
+                      <a:prstDash val="solid"/>
+                      <a:round/>
+                      <a:headEnd type="none" w="med" len="med"/>
+                      <a:tailEnd type="none" w="med" len="med"/>
+                    </a:lnT>
+                  </a:tcPr>
+                </a:tc>
+              </a:tr>
+            </a:tbl>
+          </a:graphicData>
+        </a:graphic>
+      </p:graphicFrame>
+    </p:spTree>
+    <p:extLst>
+      <p:ext uri="{BB962C8B-B14F-4D97-AF65-F5344CB8AC3E}">
+        <p14:creationId xmlns:p14="http://schemas.microsoft.com/office/powerpoint/2010/main" val="2588582066"/>
+      </p:ext>
+    </p:extLst>
+  </p:cSld>
+  <p:clrMapOvr>
+    <a:masterClrMapping/>
+  </p:clrMapOvr>
+</p:sld>
+</file>
+
+<file path=ppt/slides/slide4.xml><?xml version="1.0" encoding="utf-8"?>
+<p:sld xmlns:a="http://schemas.openxmlformats.org/drawingml/2006/main" xmlns:r="http://schemas.openxmlformats.org/officeDocument/2006/relationships" xmlns:p="http://schemas.openxmlformats.org/presentationml/2006/main">
+  <p:cSld>
+    <p:spTree>
+      <p:nvGrpSpPr>
+        <p:cNvPr id="1" name=""/>
+        <p:cNvGrpSpPr/>
+        <p:nvPr/>
+      </p:nvGrpSpPr>
+      <p:grpSpPr>
+        <a:xfrm>
+          <a:off x="0" y="0"/>
+          <a:ext cx="0" cy="0"/>
+          <a:chOff x="0" y="0"/>
+          <a:chExt cx="0" cy="0"/>
+        </a:xfrm>
+      </p:grpSpPr>
+      <p:sp>
+        <p:nvSpPr>
+          <p:cNvPr id="2" name="Title 1"/>
+          <p:cNvSpPr>
+            <a:spLocks noGrp="1"/>
+          </p:cNvSpPr>
+          <p:nvPr>
+            <p:ph type="title"/>
+          </p:nvPr>
+        </p:nvSpPr>
+        <p:spPr/>
+        <p:txBody>
+          <a:bodyPr/>
+          <a:lstStyle/>
+          <a:p>
+            <a:r>
+              <a:rPr lang="en-US" dirty="0"/>
+              <a:t>JavaScript</a:t>
+            </a:r>
+            <a:r>
+              <a:rPr lang="bg-BG" dirty="0"/>
+              <a:t> - възможности</a:t>
+            </a:r>
+            <a:endParaRPr lang="en-US" dirty="0"/>
+          </a:p>
+        </p:txBody>
+      </p:sp>
+      <p:sp>
+        <p:nvSpPr>
+          <p:cNvPr id="5" name="Content Placeholder 4"/>
+          <p:cNvSpPr>
+            <a:spLocks noGrp="1"/>
+          </p:cNvSpPr>
+          <p:nvPr>
+            <p:ph idx="1"/>
+          </p:nvPr>
+        </p:nvSpPr>
+        <p:spPr/>
+        <p:txBody>
+          <a:bodyPr/>
+          <a:lstStyle/>
+          <a:p>
+            <a:r>
+              <a:rPr lang="bg-BG" dirty="0"/>
+              <a:t>Валидация на клиентски данни</a:t>
+            </a:r>
+          </a:p>
+          <a:p>
+            <a:r>
+              <a:rPr lang="bg-BG" dirty="0"/>
+              <a:t>Промяна на потребителския интерфейс и облик</a:t>
+            </a:r>
+          </a:p>
+          <a:p>
+            <a:r>
+              <a:rPr lang="bg-BG" dirty="0"/>
+              <a:t>Динамична промяна на съдържанието</a:t>
+            </a:r>
+          </a:p>
+          <a:p>
+            <a:r>
+              <a:rPr lang="bg-BG" dirty="0"/>
+              <a:t>Асинхронност</a:t>
+            </a:r>
+          </a:p>
+          <a:p>
+            <a:r>
+              <a:rPr lang="bg-BG" dirty="0"/>
+              <a:t>Обработка на грешки</a:t>
+            </a:r>
+          </a:p>
+          <a:p>
+            <a:r>
+              <a:rPr lang="bg-BG" dirty="0"/>
+              <a:t>Промяна на данни, съхранявани от браузъра</a:t>
+            </a:r>
+          </a:p>
+          <a:p>
+            <a:endParaRPr lang="en-US" dirty="0"/>
+          </a:p>
+        </p:txBody>
+      </p:sp>
+    </p:spTree>
+    <p:extLst>
+      <p:ext uri="{BB962C8B-B14F-4D97-AF65-F5344CB8AC3E}">
+        <p14:creationId xmlns:p14="http://schemas.microsoft.com/office/powerpoint/2010/main" val="2067061191"/>
+      </p:ext>
+    </p:extLst>
+  </p:cSld>
+  <p:clrMapOvr>
+    <a:masterClrMapping/>
+  </p:clrMapOvr>
+</p:sld>
+</file>
+
+<file path=ppt/slides/slide40.xml><?xml version="1.0" encoding="utf-8"?>
+<p:sld xmlns:a="http://schemas.openxmlformats.org/drawingml/2006/main" xmlns:r="http://schemas.openxmlformats.org/officeDocument/2006/relationships" xmlns:p="http://schemas.openxmlformats.org/presentationml/2006/main">
+  <p:cSld>
+    <p:spTree>
+      <p:nvGrpSpPr>
+        <p:cNvPr id="1" name=""/>
+        <p:cNvGrpSpPr/>
+        <p:nvPr/>
+      </p:nvGrpSpPr>
+      <p:grpSpPr>
+        <a:xfrm>
+          <a:off x="0" y="0"/>
+          <a:ext cx="0" cy="0"/>
+          <a:chOff x="0" y="0"/>
+          <a:chExt cx="0" cy="0"/>
+        </a:xfrm>
+      </p:grpSpPr>
+      <p:sp>
+        <p:nvSpPr>
+          <p:cNvPr id="2" name="Title 1"/>
+          <p:cNvSpPr>
+            <a:spLocks noGrp="1"/>
+          </p:cNvSpPr>
+          <p:nvPr>
+            <p:ph type="title"/>
+          </p:nvPr>
+        </p:nvSpPr>
+        <p:spPr/>
+        <p:txBody>
+          <a:bodyPr/>
+          <a:lstStyle/>
+          <a:p>
+            <a:r>
+              <a:rPr lang="bg-BG" dirty="0" smtClean="0"/>
+              <a:t>Оператори за сравнение</a:t>
+            </a:r>
+            <a:endParaRPr lang="en-US" dirty="0"/>
+          </a:p>
+        </p:txBody>
+      </p:sp>
+      <p:sp>
+        <p:nvSpPr>
+          <p:cNvPr id="3" name="Content Placeholder 2"/>
+          <p:cNvSpPr>
+            <a:spLocks noGrp="1"/>
+          </p:cNvSpPr>
+          <p:nvPr>
+            <p:ph idx="1"/>
+          </p:nvPr>
+        </p:nvSpPr>
+        <p:spPr/>
+        <p:txBody>
+          <a:bodyPr>
+            <a:normAutofit lnSpcReduction="10000"/>
+          </a:bodyPr>
+          <a:lstStyle/>
+          <a:p>
+            <a:r>
+              <a:rPr lang="bg-BG" dirty="0" smtClean="0"/>
+              <a:t>Операторите за сравнение действат както в математиката и се оценяват до булев резултат</a:t>
+            </a:r>
+          </a:p>
+          <a:p>
+            <a:r>
+              <a:rPr lang="bg-BG" dirty="0" smtClean="0"/>
+              <a:t>Има значение дали се използва оператора </a:t>
+            </a:r>
+            <a:r>
+              <a:rPr lang="en-US" i="1" dirty="0" smtClean="0">
+                <a:solidFill>
+                  <a:schemeClr val="accent6">
+                    <a:lumMod val="75000"/>
+                  </a:schemeClr>
+                </a:solidFill>
+              </a:rPr>
+              <a:t>==</a:t>
+            </a:r>
+            <a:r>
+              <a:rPr lang="en-US" dirty="0" smtClean="0"/>
+              <a:t> </a:t>
+            </a:r>
+            <a:r>
+              <a:rPr lang="bg-BG" dirty="0" smtClean="0"/>
+              <a:t>или  </a:t>
+            </a:r>
+            <a:r>
+              <a:rPr lang="bg-BG" i="1" dirty="0" smtClean="0">
+                <a:solidFill>
+                  <a:schemeClr val="accent6">
+                    <a:lumMod val="75000"/>
+                  </a:schemeClr>
+                </a:solidFill>
+              </a:rPr>
+              <a:t>===</a:t>
+            </a:r>
+            <a:r>
+              <a:rPr lang="bg-BG" dirty="0" smtClean="0"/>
+              <a:t>, респ. </a:t>
+            </a:r>
+            <a:r>
+              <a:rPr lang="bg-BG" i="1" dirty="0" smtClean="0">
+                <a:solidFill>
+                  <a:schemeClr val="accent6">
+                    <a:lumMod val="75000"/>
+                  </a:schemeClr>
+                </a:solidFill>
+              </a:rPr>
+              <a:t>!=</a:t>
+            </a:r>
+            <a:r>
+              <a:rPr lang="bg-BG" dirty="0" smtClean="0"/>
+              <a:t> или </a:t>
+            </a:r>
+            <a:r>
+              <a:rPr lang="bg-BG" i="1" dirty="0" smtClean="0">
+                <a:solidFill>
+                  <a:schemeClr val="accent6">
+                    <a:lumMod val="75000"/>
+                  </a:schemeClr>
+                </a:solidFill>
+              </a:rPr>
+              <a:t>!==</a:t>
+            </a:r>
+          </a:p>
+          <a:p>
+            <a:pPr lvl="1"/>
+            <a:r>
+              <a:rPr lang="bg-BG" i="1" dirty="0" smtClean="0">
+                <a:solidFill>
+                  <a:schemeClr val="accent6">
+                    <a:lumMod val="75000"/>
+                  </a:schemeClr>
+                </a:solidFill>
+              </a:rPr>
+              <a:t>==/!= </a:t>
+            </a:r>
+            <a:r>
+              <a:rPr lang="bg-BG" dirty="0" smtClean="0"/>
+              <a:t>сравняват само по стойност, т.е. 5 е същото като „5“</a:t>
+            </a:r>
+          </a:p>
+          <a:p>
+            <a:pPr lvl="1"/>
+            <a:r>
+              <a:rPr lang="bg-BG" i="1" dirty="0" smtClean="0">
+                <a:solidFill>
+                  <a:schemeClr val="accent6">
+                    <a:lumMod val="75000"/>
+                  </a:schemeClr>
+                </a:solidFill>
+              </a:rPr>
+              <a:t>===/!== </a:t>
+            </a:r>
+            <a:r>
+              <a:rPr lang="bg-BG" dirty="0" smtClean="0"/>
+              <a:t>сравняват </a:t>
+            </a:r>
+            <a:r>
+              <a:rPr lang="bg-BG" dirty="0"/>
+              <a:t>освен по стойност и по тип, т.е. 5 не е същото като „5</a:t>
+            </a:r>
+            <a:r>
+              <a:rPr lang="bg-BG" dirty="0" smtClean="0"/>
+              <a:t>“</a:t>
+            </a:r>
+          </a:p>
+          <a:p>
+            <a:r>
+              <a:rPr lang="bg-BG" dirty="0" smtClean="0"/>
+              <a:t>Когато очакваме </a:t>
+            </a:r>
+            <a:r>
+              <a:rPr lang="en-US" i="1" dirty="0" err="1" smtClean="0">
+                <a:solidFill>
+                  <a:schemeClr val="accent6">
+                    <a:lumMod val="75000"/>
+                  </a:schemeClr>
+                </a:solidFill>
+              </a:rPr>
+              <a:t>NaN</a:t>
+            </a:r>
+            <a:r>
+              <a:rPr lang="bg-BG" dirty="0" smtClean="0">
+                <a:solidFill>
+                  <a:schemeClr val="accent6">
+                    <a:lumMod val="75000"/>
+                  </a:schemeClr>
+                </a:solidFill>
+              </a:rPr>
+              <a:t> </a:t>
+            </a:r>
+            <a:r>
+              <a:rPr lang="bg-BG" dirty="0" smtClean="0"/>
+              <a:t>стандартните оператори за сравнение не работят и трябва да се използва предифинираната функция </a:t>
+            </a:r>
+            <a:r>
+              <a:rPr lang="en-US" i="1" dirty="0" err="1" smtClean="0">
+                <a:solidFill>
+                  <a:schemeClr val="accent6">
+                    <a:lumMod val="75000"/>
+                  </a:schemeClr>
+                </a:solidFill>
+              </a:rPr>
+              <a:t>isNaN</a:t>
+            </a:r>
+            <a:r>
+              <a:rPr lang="en-US" i="1" dirty="0" smtClean="0">
+                <a:solidFill>
+                  <a:schemeClr val="accent6">
+                    <a:lumMod val="75000"/>
+                  </a:schemeClr>
+                </a:solidFill>
+              </a:rPr>
+              <a:t>(value)</a:t>
+            </a:r>
+            <a:endParaRPr lang="en-US" i="1" dirty="0">
+              <a:solidFill>
+                <a:schemeClr val="accent6">
+                  <a:lumMod val="75000"/>
+                </a:schemeClr>
+              </a:solidFill>
+            </a:endParaRPr>
+          </a:p>
+          <a:p>
+            <a:pPr lvl="1"/>
+            <a:endParaRPr lang="en-US" dirty="0"/>
+          </a:p>
+        </p:txBody>
+      </p:sp>
+    </p:spTree>
+    <p:extLst>
+      <p:ext uri="{BB962C8B-B14F-4D97-AF65-F5344CB8AC3E}">
+        <p14:creationId xmlns:p14="http://schemas.microsoft.com/office/powerpoint/2010/main" val="3419921583"/>
+      </p:ext>
+    </p:extLst>
+  </p:cSld>
+  <p:clrMapOvr>
+    <a:masterClrMapping/>
+  </p:clrMapOvr>
+</p:sld>
+</file>
+
+<file path=ppt/slides/slide41.xml><?xml version="1.0" encoding="utf-8"?>
+<p:sld xmlns:a="http://schemas.openxmlformats.org/drawingml/2006/main" xmlns:r="http://schemas.openxmlformats.org/officeDocument/2006/relationships" xmlns:p="http://schemas.openxmlformats.org/presentationml/2006/main">
+  <p:cSld>
+    <p:spTree>
+      <p:nvGrpSpPr>
+        <p:cNvPr id="1" name=""/>
+        <p:cNvGrpSpPr/>
+        <p:nvPr/>
+      </p:nvGrpSpPr>
+      <p:grpSpPr>
+        <a:xfrm>
+          <a:off x="0" y="0"/>
+          <a:ext cx="0" cy="0"/>
+          <a:chOff x="0" y="0"/>
+          <a:chExt cx="0" cy="0"/>
+        </a:xfrm>
+      </p:grpSpPr>
+      <p:sp>
+        <p:nvSpPr>
+          <p:cNvPr id="2" name="Title 1"/>
+          <p:cNvSpPr>
+            <a:spLocks noGrp="1"/>
+          </p:cNvSpPr>
+          <p:nvPr>
+            <p:ph type="title"/>
+          </p:nvPr>
+        </p:nvSpPr>
+        <p:spPr/>
+        <p:txBody>
+          <a:bodyPr/>
+          <a:lstStyle/>
+          <a:p>
+            <a:r>
+              <a:rPr lang="bg-BG" dirty="0" smtClean="0"/>
+              <a:t>Други оператори</a:t>
+            </a:r>
+            <a:endParaRPr lang="en-US" dirty="0"/>
+          </a:p>
+        </p:txBody>
+      </p:sp>
+      <p:sp>
+        <p:nvSpPr>
+          <p:cNvPr id="3" name="Content Placeholder 2"/>
+          <p:cNvSpPr>
+            <a:spLocks noGrp="1"/>
+          </p:cNvSpPr>
+          <p:nvPr>
+            <p:ph idx="1"/>
+          </p:nvPr>
+        </p:nvSpPr>
+        <p:spPr/>
+        <p:txBody>
+          <a:bodyPr>
+            <a:normAutofit fontScale="92500" lnSpcReduction="10000"/>
+          </a:bodyPr>
+          <a:lstStyle/>
+          <a:p>
+            <a:r>
+              <a:rPr lang="bg-BG" i="1" dirty="0" smtClean="0">
+                <a:solidFill>
+                  <a:schemeClr val="accent6">
+                    <a:lumMod val="75000"/>
+                  </a:schemeClr>
+                </a:solidFill>
+              </a:rPr>
+              <a:t>.</a:t>
+            </a:r>
+            <a:r>
+              <a:rPr lang="bg-BG" dirty="0" smtClean="0"/>
+              <a:t> </a:t>
+            </a:r>
+            <a:r>
+              <a:rPr lang="en-US" dirty="0" smtClean="0"/>
+              <a:t> </a:t>
+            </a:r>
+            <a:r>
+              <a:rPr lang="bg-BG" dirty="0" smtClean="0"/>
+              <a:t>се използва за достъпване характеристиките/методите на даден обект</a:t>
+            </a:r>
+          </a:p>
+          <a:p>
+            <a:r>
+              <a:rPr lang="en-US" i="1" dirty="0" smtClean="0">
+                <a:solidFill>
+                  <a:schemeClr val="accent6">
+                    <a:lumMod val="75000"/>
+                  </a:schemeClr>
+                </a:solidFill>
+              </a:rPr>
+              <a:t>[ ]</a:t>
+            </a:r>
+            <a:r>
+              <a:rPr lang="bg-BG" dirty="0" smtClean="0"/>
+              <a:t> се използват при работа с масиви или стрингове</a:t>
+            </a:r>
+          </a:p>
+          <a:p>
+            <a:r>
+              <a:rPr lang="en-US" i="1" dirty="0" smtClean="0">
+                <a:solidFill>
+                  <a:schemeClr val="accent6">
+                    <a:lumMod val="75000"/>
+                  </a:schemeClr>
+                </a:solidFill>
+              </a:rPr>
+              <a:t>{ }</a:t>
+            </a:r>
+            <a:r>
+              <a:rPr lang="en-US" dirty="0" smtClean="0"/>
+              <a:t> </a:t>
+            </a:r>
+            <a:r>
+              <a:rPr lang="bg-BG" dirty="0" smtClean="0"/>
+              <a:t>се използват при работата с обекти</a:t>
+            </a:r>
+          </a:p>
+          <a:p>
+            <a:r>
+              <a:rPr lang="bg-BG" i="1" dirty="0" smtClean="0">
+                <a:solidFill>
+                  <a:schemeClr val="accent6">
+                    <a:lumMod val="75000"/>
+                  </a:schemeClr>
+                </a:solidFill>
+              </a:rPr>
+              <a:t>( ) </a:t>
+            </a:r>
+            <a:r>
+              <a:rPr lang="bg-BG" dirty="0" smtClean="0"/>
+              <a:t>се използват за определяне на приоритета на операциите</a:t>
+            </a:r>
+          </a:p>
+          <a:p>
+            <a:r>
+              <a:rPr lang="bg-BG" i="1" dirty="0" smtClean="0">
+                <a:solidFill>
+                  <a:schemeClr val="accent6">
+                    <a:lumMod val="75000"/>
+                  </a:schemeClr>
+                </a:solidFill>
+              </a:rPr>
+              <a:t>? : </a:t>
+            </a:r>
+            <a:r>
+              <a:rPr lang="bg-BG" dirty="0" smtClean="0"/>
+              <a:t>се използва като условна конструкция</a:t>
+            </a:r>
+          </a:p>
+          <a:p>
+            <a:r>
+              <a:rPr lang="bg-BG" dirty="0" smtClean="0"/>
+              <a:t>Ключовата дума </a:t>
+            </a:r>
+            <a:r>
+              <a:rPr lang="en-US" i="1" dirty="0" smtClean="0">
+                <a:solidFill>
+                  <a:schemeClr val="accent6">
+                    <a:lumMod val="75000"/>
+                  </a:schemeClr>
+                </a:solidFill>
+              </a:rPr>
+              <a:t>new</a:t>
+            </a:r>
+            <a:r>
+              <a:rPr lang="bg-BG" dirty="0" smtClean="0">
+                <a:solidFill>
+                  <a:schemeClr val="accent6">
+                    <a:lumMod val="75000"/>
+                  </a:schemeClr>
+                </a:solidFill>
+              </a:rPr>
+              <a:t> </a:t>
+            </a:r>
+            <a:r>
+              <a:rPr lang="bg-BG" dirty="0" smtClean="0"/>
+              <a:t>се използва за създаването на нови обекти</a:t>
+            </a:r>
+          </a:p>
+          <a:p>
+            <a:r>
+              <a:rPr lang="bg-BG" dirty="0" smtClean="0"/>
+              <a:t>Операторът </a:t>
+            </a:r>
+            <a:r>
+              <a:rPr lang="en-US" i="1" dirty="0" smtClean="0">
+                <a:solidFill>
+                  <a:schemeClr val="accent6">
+                    <a:lumMod val="75000"/>
+                  </a:schemeClr>
+                </a:solidFill>
+              </a:rPr>
+              <a:t>this</a:t>
+            </a:r>
+            <a:r>
+              <a:rPr lang="bg-BG" dirty="0" smtClean="0">
+                <a:solidFill>
+                  <a:schemeClr val="accent6">
+                    <a:lumMod val="75000"/>
+                  </a:schemeClr>
+                </a:solidFill>
+              </a:rPr>
+              <a:t> </a:t>
+            </a:r>
+            <a:r>
+              <a:rPr lang="bg-BG" dirty="0" smtClean="0"/>
+              <a:t>се използва като референция към текущия обект</a:t>
+            </a:r>
+            <a:endParaRPr lang="en-US" dirty="0"/>
+          </a:p>
+        </p:txBody>
+      </p:sp>
+    </p:spTree>
+    <p:extLst>
+      <p:ext uri="{BB962C8B-B14F-4D97-AF65-F5344CB8AC3E}">
+        <p14:creationId xmlns:p14="http://schemas.microsoft.com/office/powerpoint/2010/main" val="1254462592"/>
+      </p:ext>
+    </p:extLst>
+  </p:cSld>
+  <p:clrMapOvr>
+    <a:masterClrMapping/>
+  </p:clrMapOvr>
+</p:sld>
+</file>
+
+<file path=ppt/slides/slide42.xml><?xml version="1.0" encoding="utf-8"?>
+<p:sld xmlns:a="http://schemas.openxmlformats.org/drawingml/2006/main" xmlns:r="http://schemas.openxmlformats.org/officeDocument/2006/relationships" xmlns:p="http://schemas.openxmlformats.org/presentationml/2006/main">
+  <p:cSld>
+    <p:spTree>
+      <p:nvGrpSpPr>
+        <p:cNvPr id="1" name=""/>
+        <p:cNvGrpSpPr/>
+        <p:nvPr/>
+      </p:nvGrpSpPr>
+      <p:grpSpPr>
+        <a:xfrm>
+          <a:off x="0" y="0"/>
+          <a:ext cx="0" cy="0"/>
+          <a:chOff x="0" y="0"/>
+          <a:chExt cx="0" cy="0"/>
+        </a:xfrm>
+      </p:grpSpPr>
+      <p:sp>
+        <p:nvSpPr>
+          <p:cNvPr id="2" name="Title 1"/>
+          <p:cNvSpPr>
+            <a:spLocks noGrp="1"/>
+          </p:cNvSpPr>
+          <p:nvPr>
+            <p:ph type="title"/>
+          </p:nvPr>
+        </p:nvSpPr>
+        <p:spPr/>
+        <p:txBody>
+          <a:bodyPr/>
+          <a:lstStyle/>
+          <a:p>
+            <a:r>
+              <a:rPr lang="bg-BG" dirty="0" smtClean="0"/>
+              <a:t>Приоритет на операторите</a:t>
+            </a:r>
+            <a:endParaRPr lang="en-US" dirty="0"/>
+          </a:p>
+        </p:txBody>
+      </p:sp>
+      <p:sp>
+        <p:nvSpPr>
+          <p:cNvPr id="3" name="Content Placeholder 2"/>
+          <p:cNvSpPr>
+            <a:spLocks noGrp="1"/>
+          </p:cNvSpPr>
+          <p:nvPr>
+            <p:ph idx="1"/>
+          </p:nvPr>
+        </p:nvSpPr>
+        <p:spPr/>
+        <p:txBody>
+          <a:bodyPr>
+            <a:normAutofit lnSpcReduction="10000"/>
+          </a:bodyPr>
+          <a:lstStyle/>
+          <a:p>
+            <a:r>
+              <a:rPr lang="bg-BG" dirty="0" smtClean="0"/>
+              <a:t>Както в математиката и в други езици, в </a:t>
+            </a:r>
+            <a:r>
+              <a:rPr lang="en-US" dirty="0" smtClean="0"/>
+              <a:t>JS</a:t>
+            </a:r>
+            <a:r>
+              <a:rPr lang="bg-BG" dirty="0" smtClean="0"/>
+              <a:t> също има приоритет на операторите. Повече информация за приоритета на конкретните оператори може да намерите в </a:t>
+            </a:r>
+            <a:r>
+              <a:rPr lang="en-US" dirty="0" smtClean="0">
+                <a:hlinkClick r:id="rId2"/>
+              </a:rPr>
+              <a:t>MDN</a:t>
+            </a:r>
+            <a:endParaRPr lang="en-US" dirty="0" smtClean="0"/>
+          </a:p>
+          <a:p>
+            <a:r>
+              <a:rPr lang="bg-BG" dirty="0" smtClean="0"/>
+              <a:t>Препоръчва се операциите да бъдат приоритизирани чрез използването на скоби ( )</a:t>
+            </a:r>
+          </a:p>
+          <a:p>
+            <a:pPr lvl="1"/>
+            <a:r>
+              <a:rPr lang="bg-BG" dirty="0" smtClean="0"/>
+              <a:t>Сигурни сме кое кога ще се изпълни</a:t>
+            </a:r>
+          </a:p>
+          <a:p>
+            <a:pPr lvl="1"/>
+            <a:r>
+              <a:rPr lang="bg-BG" dirty="0" smtClean="0"/>
+              <a:t>Прави кода по-лесно четим и разбираем</a:t>
+            </a:r>
+          </a:p>
+          <a:p>
+            <a:pPr lvl="1"/>
+            <a:r>
+              <a:rPr lang="bg-BG" dirty="0" smtClean="0"/>
+              <a:t>Не се налага да помним/проверяваме кое след кое ще се изпълни</a:t>
+            </a:r>
+            <a:endParaRPr lang="en-US" dirty="0"/>
+          </a:p>
+        </p:txBody>
+      </p:sp>
+    </p:spTree>
+    <p:extLst>
+      <p:ext uri="{BB962C8B-B14F-4D97-AF65-F5344CB8AC3E}">
+        <p14:creationId xmlns:p14="http://schemas.microsoft.com/office/powerpoint/2010/main" val="2385781441"/>
+      </p:ext>
+    </p:extLst>
+  </p:cSld>
+  <p:clrMapOvr>
+    <a:masterClrMapping/>
+  </p:clrMapOvr>
+</p:sld>
+</file>
+
+<file path=ppt/slides/slide43.xml><?xml version="1.0" encoding="utf-8"?>
+<p:sld xmlns:a="http://schemas.openxmlformats.org/drawingml/2006/main" xmlns:r="http://schemas.openxmlformats.org/officeDocument/2006/relationships" xmlns:p="http://schemas.openxmlformats.org/presentationml/2006/main">
+  <p:cSld>
+    <p:spTree>
+      <p:nvGrpSpPr>
+        <p:cNvPr id="1" name=""/>
+        <p:cNvGrpSpPr/>
+        <p:nvPr/>
+      </p:nvGrpSpPr>
+      <p:grpSpPr>
+        <a:xfrm>
+          <a:off x="0" y="0"/>
+          <a:ext cx="0" cy="0"/>
+          <a:chOff x="0" y="0"/>
+          <a:chExt cx="0" cy="0"/>
+        </a:xfrm>
+      </p:grpSpPr>
       <p:pic>
         <p:nvPicPr>
           <p:cNvPr id="4" name="Content Placeholder 3"/>
@@ -18914,7 +23106,7 @@
 </p:sld>
 </file>
 
-<file path=ppt/slides/slide38.xml><?xml version="1.0" encoding="utf-8"?>
+<file path=ppt/slides/slide44.xml><?xml version="1.0" encoding="utf-8"?>
 <p:sld xmlns:a="http://schemas.openxmlformats.org/drawingml/2006/main" xmlns:r="http://schemas.openxmlformats.org/officeDocument/2006/relationships" xmlns:p="http://schemas.openxmlformats.org/presentationml/2006/main">
   <p:cSld>
     <p:spTree>
@@ -18966,10 +23158,86 @@
         </p:nvSpPr>
         <p:spPr/>
         <p:txBody>
-          <a:bodyPr/>
+          <a:bodyPr>
+            <a:normAutofit/>
+          </a:bodyPr>
           <a:lstStyle/>
           <a:p>
-            <a:endParaRPr lang="en-US"/>
+            <a:pPr marL="457200" indent="-457200">
+              <a:buFont typeface="+mj-lt"/>
+              <a:buAutoNum type="arabicPeriod"/>
+            </a:pPr>
+            <a:r>
+              <a:rPr lang="bg-BG" dirty="0" smtClean="0"/>
+              <a:t>Напишете </a:t>
+            </a:r>
+            <a:r>
+              <a:rPr lang="en-US" dirty="0" smtClean="0"/>
+              <a:t>JS</a:t>
+            </a:r>
+            <a:r>
+              <a:rPr lang="bg-BG" dirty="0" smtClean="0"/>
+              <a:t> код, който да проверява дали дадено число е четно или нечетно</a:t>
+            </a:r>
+          </a:p>
+          <a:p>
+            <a:pPr marL="457200" indent="-457200">
+              <a:buFont typeface="+mj-lt"/>
+              <a:buAutoNum type="arabicPeriod"/>
+            </a:pPr>
+            <a:r>
+              <a:rPr lang="bg-BG" dirty="0"/>
+              <a:t>Напишете </a:t>
+            </a:r>
+            <a:r>
+              <a:rPr lang="en-US" dirty="0"/>
+              <a:t>JS</a:t>
+            </a:r>
+            <a:r>
+              <a:rPr lang="bg-BG" dirty="0"/>
+              <a:t> код, който да проверява дали дадено число е просто</a:t>
+            </a:r>
+            <a:r>
+              <a:rPr lang="bg-BG" dirty="0" smtClean="0"/>
+              <a:t>.</a:t>
+            </a:r>
+            <a:endParaRPr lang="bg-BG" dirty="0" smtClean="0"/>
+          </a:p>
+          <a:p>
+            <a:pPr marL="457200" indent="-457200">
+              <a:buFont typeface="+mj-lt"/>
+              <a:buAutoNum type="arabicPeriod"/>
+            </a:pPr>
+            <a:r>
+              <a:rPr lang="bg-BG" dirty="0" smtClean="0"/>
+              <a:t>Напишете </a:t>
+            </a:r>
+            <a:r>
+              <a:rPr lang="en-US" dirty="0" smtClean="0"/>
+              <a:t>JS </a:t>
+            </a:r>
+            <a:r>
+              <a:rPr lang="bg-BG" dirty="0" smtClean="0"/>
+              <a:t>код, който да намира лицето на окръжност по заден радиус</a:t>
+            </a:r>
+          </a:p>
+          <a:p>
+            <a:pPr marL="457200" indent="-457200">
+              <a:buFont typeface="+mj-lt"/>
+              <a:buAutoNum type="arabicPeriod"/>
+            </a:pPr>
+            <a:r>
+              <a:rPr lang="bg-BG" dirty="0" smtClean="0"/>
+              <a:t>Напишете </a:t>
+            </a:r>
+            <a:r>
+              <a:rPr lang="en-US" dirty="0" smtClean="0"/>
+              <a:t>JS</a:t>
+            </a:r>
+            <a:r>
+              <a:rPr lang="bg-BG" dirty="0" smtClean="0"/>
+              <a:t> код, който по зададени 3 страни да може да прецени дали с тези размери може да бъде построен триъгълник</a:t>
+            </a:r>
           </a:p>
         </p:txBody>
       </p:sp>
@@ -18977,118 +23245,6 @@
     <p:extLst>
       <p:ext uri="{BB962C8B-B14F-4D97-AF65-F5344CB8AC3E}">
         <p14:creationId xmlns:p14="http://schemas.microsoft.com/office/powerpoint/2010/main" val="1778274220"/>
-      </p:ext>
-    </p:extLst>
-  </p:cSld>
-  <p:clrMapOvr>
-    <a:masterClrMapping/>
-  </p:clrMapOvr>
-</p:sld>
-</file>
-
-<file path=ppt/slides/slide4.xml><?xml version="1.0" encoding="utf-8"?>
-<p:sld xmlns:a="http://schemas.openxmlformats.org/drawingml/2006/main" xmlns:r="http://schemas.openxmlformats.org/officeDocument/2006/relationships" xmlns:p="http://schemas.openxmlformats.org/presentationml/2006/main">
-  <p:cSld>
-    <p:spTree>
-      <p:nvGrpSpPr>
-        <p:cNvPr id="1" name=""/>
-        <p:cNvGrpSpPr/>
-        <p:nvPr/>
-      </p:nvGrpSpPr>
-      <p:grpSpPr>
-        <a:xfrm>
-          <a:off x="0" y="0"/>
-          <a:ext cx="0" cy="0"/>
-          <a:chOff x="0" y="0"/>
-          <a:chExt cx="0" cy="0"/>
-        </a:xfrm>
-      </p:grpSpPr>
-      <p:sp>
-        <p:nvSpPr>
-          <p:cNvPr id="2" name="Title 1"/>
-          <p:cNvSpPr>
-            <a:spLocks noGrp="1"/>
-          </p:cNvSpPr>
-          <p:nvPr>
-            <p:ph type="title"/>
-          </p:nvPr>
-        </p:nvSpPr>
-        <p:spPr/>
-        <p:txBody>
-          <a:bodyPr/>
-          <a:lstStyle/>
-          <a:p>
-            <a:r>
-              <a:rPr lang="en-US" dirty="0"/>
-              <a:t>JavaScript</a:t>
-            </a:r>
-            <a:r>
-              <a:rPr lang="bg-BG" dirty="0"/>
-              <a:t> - възможности</a:t>
-            </a:r>
-            <a:endParaRPr lang="en-US" dirty="0"/>
-          </a:p>
-        </p:txBody>
-      </p:sp>
-      <p:sp>
-        <p:nvSpPr>
-          <p:cNvPr id="5" name="Content Placeholder 4"/>
-          <p:cNvSpPr>
-            <a:spLocks noGrp="1"/>
-          </p:cNvSpPr>
-          <p:nvPr>
-            <p:ph idx="1"/>
-          </p:nvPr>
-        </p:nvSpPr>
-        <p:spPr/>
-        <p:txBody>
-          <a:bodyPr/>
-          <a:lstStyle/>
-          <a:p>
-            <a:r>
-              <a:rPr lang="bg-BG" dirty="0"/>
-              <a:t>Валидация на клиентски данни</a:t>
-            </a:r>
-          </a:p>
-          <a:p>
-            <a:r>
-              <a:rPr lang="bg-BG" dirty="0"/>
-              <a:t>Промяна на потребителския интерфейс и облик</a:t>
-            </a:r>
-          </a:p>
-          <a:p>
-            <a:r>
-              <a:rPr lang="bg-BG" dirty="0"/>
-              <a:t>Динамична промяна на съдържанието</a:t>
-            </a:r>
-          </a:p>
-          <a:p>
-            <a:r>
-              <a:rPr lang="bg-BG" dirty="0"/>
-              <a:t>Асинхронност</a:t>
-            </a:r>
-          </a:p>
-          <a:p>
-            <a:r>
-              <a:rPr lang="bg-BG" dirty="0"/>
-              <a:t>Обработка на грешки</a:t>
-            </a:r>
-          </a:p>
-          <a:p>
-            <a:r>
-              <a:rPr lang="bg-BG" dirty="0"/>
-              <a:t>Промяна на данни, съхранявани от браузъра</a:t>
-            </a:r>
-          </a:p>
-          <a:p>
-            <a:endParaRPr lang="en-US" dirty="0"/>
-          </a:p>
-        </p:txBody>
-      </p:sp>
-    </p:spTree>
-    <p:extLst>
-      <p:ext uri="{BB962C8B-B14F-4D97-AF65-F5344CB8AC3E}">
-        <p14:creationId xmlns:p14="http://schemas.microsoft.com/office/powerpoint/2010/main" val="2067061191"/>
       </p:ext>
     </p:extLst>
   </p:cSld>
